--- a/powerpoints/datatable.pptx
+++ b/powerpoints/datatable.pptx
@@ -418,7 +418,7 @@
           <a:p>
             <a:fld id="{14A1A45B-F66E-48A2-89C5-3AD170776287}" type="datetimeFigureOut">
               <a:rPr lang="da-DK" smtClean="0"/>
-              <a:t>21/08/2018</a:t>
+              <a:t>23/08/2018</a:t>
             </a:fld>
             <a:endParaRPr lang="da-DK"/>
           </a:p>
@@ -2444,7 +2444,7 @@
           </a:ln>
           <a:extLst>
             <a:ext uri="{C572A759-6A51-4108-AA02-DFA0A04FC94B}">
-              <ma14:wrappingTextBoxFlag xmlns:ma14="http://schemas.microsoft.com/office/mac/drawingml/2011/main" xmlns="" val="1"/>
+              <ma14:wrappingTextBoxFlag xmlns="" xmlns:ma14="http://schemas.microsoft.com/office/mac/drawingml/2011/main" val="1"/>
             </a:ext>
           </a:extLst>
         </p:spPr>
@@ -2483,7 +2483,7 @@
           </a:ln>
           <a:extLst>
             <a:ext uri="{C572A759-6A51-4108-AA02-DFA0A04FC94B}">
-              <ma14:wrappingTextBoxFlag xmlns:ma14="http://schemas.microsoft.com/office/mac/drawingml/2011/main" xmlns="" val="1"/>
+              <ma14:wrappingTextBoxFlag xmlns="" xmlns:ma14="http://schemas.microsoft.com/office/mac/drawingml/2011/main" val="1"/>
             </a:ext>
           </a:extLst>
         </p:spPr>
@@ -3488,10 +3488,7 @@
             <a:avLst/>
           </a:prstGeom>
           <a:solidFill>
-            <a:schemeClr val="bg1">
-              <a:lumMod val="85000"/>
-              <a:alpha val="23776"/>
-            </a:schemeClr>
+            <a:srgbClr val="F5F5F5"/>
           </a:solidFill>
           <a:ln w="12700">
             <a:miter lim="400000"/>
@@ -3537,7 +3534,7 @@
           </a:ln>
           <a:extLst>
             <a:ext uri="{C572A759-6A51-4108-AA02-DFA0A04FC94B}">
-              <ma14:wrappingTextBoxFlag xmlns:ma14="http://schemas.microsoft.com/office/mac/drawingml/2011/main" xmlns="" val="1"/>
+              <ma14:wrappingTextBoxFlag xmlns="" xmlns:ma14="http://schemas.microsoft.com/office/mac/drawingml/2011/main" val="1"/>
             </a:ext>
           </a:extLst>
         </p:spPr>
@@ -3599,7 +3596,7 @@
           </a:ln>
           <a:extLst>
             <a:ext uri="{C572A759-6A51-4108-AA02-DFA0A04FC94B}">
-              <ma14:wrappingTextBoxFlag xmlns:ma14="http://schemas.microsoft.com/office/mac/drawingml/2011/main" xmlns="" val="1"/>
+              <ma14:wrappingTextBoxFlag xmlns="" xmlns:ma14="http://schemas.microsoft.com/office/mac/drawingml/2011/main" val="1"/>
             </a:ext>
           </a:extLst>
         </p:spPr>
@@ -3651,7 +3648,23 @@
                   <a:srgbClr val="5B6167"/>
                 </a:solidFill>
               </a:rPr>
-              <a:t>Erik Petrovski </a:t>
+              <a:t>Erik </a:t>
+            </a:r>
+            <a:r>
+              <a:rPr lang="da-DK" dirty="0" err="1">
+                <a:solidFill>
+                  <a:srgbClr val="5B6167"/>
+                </a:solidFill>
+              </a:rPr>
+              <a:t>Petrovski</a:t>
+            </a:r>
+            <a:r>
+              <a:rPr lang="da-DK" dirty="0">
+                <a:solidFill>
+                  <a:srgbClr val="5B6167"/>
+                </a:solidFill>
+              </a:rPr>
+              <a:t> </a:t>
             </a:r>
             <a:r>
               <a:rPr dirty="0">
@@ -3660,22 +3673,6 @@
                 </a:solidFill>
               </a:rPr>
               <a:t>• </a:t>
-            </a:r>
-            <a:r>
-              <a:rPr lang="da-DK" dirty="0" err="1">
-                <a:solidFill>
-                  <a:srgbClr val="5B6167"/>
-                </a:solidFill>
-              </a:rPr>
-              <a:t>erik@petrovski.dk</a:t>
-            </a:r>
-            <a:r>
-              <a:rPr dirty="0">
-                <a:solidFill>
-                  <a:srgbClr val="5B6167"/>
-                </a:solidFill>
-              </a:rPr>
-              <a:t> • </a:t>
             </a:r>
             <a:r>
               <a:rPr lang="da-DK" dirty="0">
@@ -3872,7 +3869,7 @@
                   <a:srgbClr val="5B6167"/>
                 </a:solidFill>
               </a:rPr>
-              <a:t>8</a:t>
+              <a:t>8-23</a:t>
             </a:r>
             <a:endParaRPr dirty="0">
               <a:solidFill>
@@ -4058,7 +4055,7 @@
           </a:ln>
           <a:extLst>
             <a:ext uri="{C572A759-6A51-4108-AA02-DFA0A04FC94B}">
-              <ma14:wrappingTextBoxFlag xmlns:ma14="http://schemas.microsoft.com/office/mac/drawingml/2011/main" xmlns="" val="1"/>
+              <ma14:wrappingTextBoxFlag xmlns="" xmlns:ma14="http://schemas.microsoft.com/office/mac/drawingml/2011/main" val="1"/>
             </a:ext>
           </a:extLst>
         </p:spPr>
@@ -4119,7 +4116,7 @@
           </a:ln>
           <a:extLst>
             <a:ext uri="{C572A759-6A51-4108-AA02-DFA0A04FC94B}">
-              <ma14:wrappingTextBoxFlag xmlns:ma14="http://schemas.microsoft.com/office/mac/drawingml/2011/main" xmlns="" val="1"/>
+              <ma14:wrappingTextBoxFlag xmlns="" xmlns:ma14="http://schemas.microsoft.com/office/mac/drawingml/2011/main" val="1"/>
             </a:ext>
           </a:extLst>
         </p:spPr>
@@ -4172,7 +4169,7 @@
           </a:ln>
           <a:extLst>
             <a:ext uri="{C572A759-6A51-4108-AA02-DFA0A04FC94B}">
-              <ma14:wrappingTextBoxFlag xmlns:ma14="http://schemas.microsoft.com/office/mac/drawingml/2011/main" xmlns="" val="1"/>
+              <ma14:wrappingTextBoxFlag xmlns="" xmlns:ma14="http://schemas.microsoft.com/office/mac/drawingml/2011/main" val="1"/>
             </a:ext>
           </a:extLst>
         </p:spPr>
@@ -4537,7 +4534,7 @@
           </a:ln>
           <a:extLst>
             <a:ext uri="{C572A759-6A51-4108-AA02-DFA0A04FC94B}">
-              <ma14:wrappingTextBoxFlag xmlns:ma14="http://schemas.microsoft.com/office/mac/drawingml/2011/main" xmlns="" val="1"/>
+              <ma14:wrappingTextBoxFlag xmlns="" xmlns:ma14="http://schemas.microsoft.com/office/mac/drawingml/2011/main" val="1"/>
             </a:ext>
           </a:extLst>
         </p:spPr>
@@ -4762,7 +4759,7 @@
           </a:ln>
           <a:extLst>
             <a:ext uri="{C572A759-6A51-4108-AA02-DFA0A04FC94B}">
-              <ma14:wrappingTextBoxFlag xmlns:ma14="http://schemas.microsoft.com/office/mac/drawingml/2011/main" xmlns="" val="1"/>
+              <ma14:wrappingTextBoxFlag xmlns="" xmlns:ma14="http://schemas.microsoft.com/office/mac/drawingml/2011/main" val="1"/>
             </a:ext>
           </a:extLst>
         </p:spPr>
@@ -4860,7 +4857,7 @@
           </a:ln>
           <a:extLst>
             <a:ext uri="{C572A759-6A51-4108-AA02-DFA0A04FC94B}">
-              <ma14:wrappingTextBoxFlag xmlns:ma14="http://schemas.microsoft.com/office/mac/drawingml/2011/main" xmlns="" val="1"/>
+              <ma14:wrappingTextBoxFlag xmlns="" xmlns:ma14="http://schemas.microsoft.com/office/mac/drawingml/2011/main" val="1"/>
             </a:ext>
           </a:extLst>
         </p:spPr>
@@ -5112,7 +5109,7 @@
           </a:ln>
           <a:extLst>
             <a:ext uri="{C572A759-6A51-4108-AA02-DFA0A04FC94B}">
-              <ma14:wrappingTextBoxFlag xmlns:ma14="http://schemas.microsoft.com/office/mac/drawingml/2011/main" xmlns="" val="1"/>
+              <ma14:wrappingTextBoxFlag xmlns="" xmlns:ma14="http://schemas.microsoft.com/office/mac/drawingml/2011/main" val="1"/>
             </a:ext>
           </a:extLst>
         </p:spPr>
@@ -5218,7 +5215,7 @@
           </a:ln>
           <a:extLst>
             <a:ext uri="{C572A759-6A51-4108-AA02-DFA0A04FC94B}">
-              <ma14:wrappingTextBoxFlag xmlns:ma14="http://schemas.microsoft.com/office/mac/drawingml/2011/main" xmlns="" val="1"/>
+              <ma14:wrappingTextBoxFlag xmlns="" xmlns:ma14="http://schemas.microsoft.com/office/mac/drawingml/2011/main" val="1"/>
             </a:ext>
           </a:extLst>
         </p:spPr>
@@ -5310,7 +5307,7 @@
           </a:ln>
           <a:extLst>
             <a:ext uri="{C572A759-6A51-4108-AA02-DFA0A04FC94B}">
-              <ma14:wrappingTextBoxFlag xmlns:ma14="http://schemas.microsoft.com/office/mac/drawingml/2011/main" xmlns="" val="1"/>
+              <ma14:wrappingTextBoxFlag xmlns="" xmlns:ma14="http://schemas.microsoft.com/office/mac/drawingml/2011/main" val="1"/>
             </a:ext>
           </a:extLst>
         </p:spPr>
@@ -5374,7 +5371,7 @@
           <p:nvPr>
             <p:extLst>
               <p:ext uri="{D42A27DB-BD31-4B8C-83A1-F6EECF244321}">
-                <p14:modId xmlns:p14="http://schemas.microsoft.com/office/powerpoint/2010/main" val="3503971988"/>
+                <p14:modId xmlns:p14="http://schemas.microsoft.com/office/powerpoint/2010/main" val="3186505698"/>
               </p:ext>
             </p:extLst>
           </p:nvPr>
@@ -5708,7 +5705,7 @@
           <p:nvPr>
             <p:extLst>
               <p:ext uri="{D42A27DB-BD31-4B8C-83A1-F6EECF244321}">
-                <p14:modId xmlns:p14="http://schemas.microsoft.com/office/powerpoint/2010/main" val="2019281034"/>
+                <p14:modId xmlns:p14="http://schemas.microsoft.com/office/powerpoint/2010/main" val="504206539"/>
               </p:ext>
             </p:extLst>
           </p:nvPr>
@@ -5996,7 +5993,7 @@
                   </a:txBody>
                   <a:tcPr marL="0" marR="0" marT="0" marB="0" anchor="ctr" horzOverflow="overflow">
                     <a:solidFill>
-                      <a:srgbClr val="D0D1D2"/>
+                      <a:srgbClr val="D8D8D8"/>
                     </a:solidFill>
                   </a:tcPr>
                 </a:tc>
@@ -6018,7 +6015,7 @@
                   </a:txBody>
                   <a:tcPr marL="0" marR="0" marT="0" marB="0" anchor="ctr" horzOverflow="overflow">
                     <a:solidFill>
-                      <a:srgbClr val="D0D1D2"/>
+                      <a:srgbClr val="D8D8D8"/>
                     </a:solidFill>
                   </a:tcPr>
                 </a:tc>
@@ -6040,7 +6037,7 @@
                   </a:txBody>
                   <a:tcPr marL="0" marR="0" marT="0" marB="0" anchor="ctr" horzOverflow="overflow">
                     <a:solidFill>
-                      <a:srgbClr val="D0D1D2"/>
+                      <a:srgbClr val="D8D8D8"/>
                     </a:solidFill>
                   </a:tcPr>
                 </a:tc>
@@ -6073,7 +6070,7 @@
           </a:ln>
           <a:extLst>
             <a:ext uri="{C572A759-6A51-4108-AA02-DFA0A04FC94B}">
-              <ma14:wrappingTextBoxFlag xmlns:ma14="http://schemas.microsoft.com/office/mac/drawingml/2011/main" xmlns="" val="1"/>
+              <ma14:wrappingTextBoxFlag xmlns="" xmlns:ma14="http://schemas.microsoft.com/office/mac/drawingml/2011/main" val="1"/>
             </a:ext>
           </a:extLst>
         </p:spPr>
@@ -6335,7 +6332,7 @@
           <p:nvPr>
             <p:extLst>
               <p:ext uri="{D42A27DB-BD31-4B8C-83A1-F6EECF244321}">
-                <p14:modId xmlns:p14="http://schemas.microsoft.com/office/powerpoint/2010/main" val="603466902"/>
+                <p14:modId xmlns:p14="http://schemas.microsoft.com/office/powerpoint/2010/main" val="1170309931"/>
               </p:ext>
             </p:extLst>
           </p:nvPr>
@@ -6467,9 +6464,7 @@
                   </a:txBody>
                   <a:tcPr marL="0" marR="0" marT="0" marB="0" anchor="ctr" horzOverflow="overflow">
                     <a:solidFill>
-                      <a:schemeClr val="bg1">
-                        <a:lumMod val="85000"/>
-                      </a:schemeClr>
+                      <a:srgbClr val="D8D8D8"/>
                     </a:solidFill>
                   </a:tcPr>
                 </a:tc>
@@ -6515,9 +6510,7 @@
                   </a:txBody>
                   <a:tcPr marL="0" marR="0" marT="0" marB="0" anchor="ctr" horzOverflow="overflow">
                     <a:solidFill>
-                      <a:schemeClr val="bg1">
-                        <a:lumMod val="85000"/>
-                      </a:schemeClr>
+                      <a:srgbClr val="D8D8D8"/>
                     </a:solidFill>
                   </a:tcPr>
                 </a:tc>
@@ -6546,9 +6539,7 @@
                   </a:txBody>
                   <a:tcPr marL="0" marR="0" marT="0" marB="0" anchor="ctr" horzOverflow="overflow">
                     <a:solidFill>
-                      <a:schemeClr val="bg1">
-                        <a:lumMod val="85000"/>
-                      </a:schemeClr>
+                      <a:srgbClr val="D8D8D8"/>
                     </a:solidFill>
                   </a:tcPr>
                 </a:tc>
@@ -6594,9 +6585,7 @@
                   </a:txBody>
                   <a:tcPr marL="0" marR="0" marT="0" marB="0" anchor="ctr" horzOverflow="overflow">
                     <a:solidFill>
-                      <a:schemeClr val="bg1">
-                        <a:lumMod val="85000"/>
-                      </a:schemeClr>
+                      <a:srgbClr val="D8D8D8"/>
                     </a:solidFill>
                   </a:tcPr>
                 </a:tc>
@@ -6625,9 +6614,7 @@
                   </a:txBody>
                   <a:tcPr marL="0" marR="0" marT="0" marB="0" anchor="ctr" horzOverflow="overflow">
                     <a:solidFill>
-                      <a:schemeClr val="bg1">
-                        <a:lumMod val="85000"/>
-                      </a:schemeClr>
+                      <a:srgbClr val="D8D8D8"/>
                     </a:solidFill>
                   </a:tcPr>
                 </a:tc>
@@ -6673,9 +6660,7 @@
                   </a:txBody>
                   <a:tcPr marL="0" marR="0" marT="0" marB="0" anchor="ctr" horzOverflow="overflow">
                     <a:solidFill>
-                      <a:schemeClr val="bg1">
-                        <a:lumMod val="85000"/>
-                      </a:schemeClr>
+                      <a:srgbClr val="D8D8D8"/>
                     </a:solidFill>
                   </a:tcPr>
                 </a:tc>
@@ -6708,7 +6693,7 @@
           </a:ln>
           <a:extLst>
             <a:ext uri="{C572A759-6A51-4108-AA02-DFA0A04FC94B}">
-              <ma14:wrappingTextBoxFlag xmlns:ma14="http://schemas.microsoft.com/office/mac/drawingml/2011/main" xmlns="" val="1"/>
+              <ma14:wrappingTextBoxFlag xmlns="" xmlns:ma14="http://schemas.microsoft.com/office/mac/drawingml/2011/main" val="1"/>
             </a:ext>
           </a:extLst>
         </p:spPr>
@@ -7095,7 +7080,7 @@
           <p:nvPr>
             <p:extLst>
               <p:ext uri="{D42A27DB-BD31-4B8C-83A1-F6EECF244321}">
-                <p14:modId xmlns:p14="http://schemas.microsoft.com/office/powerpoint/2010/main" val="3043412211"/>
+                <p14:modId xmlns:p14="http://schemas.microsoft.com/office/powerpoint/2010/main" val="3665910632"/>
               </p:ext>
             </p:extLst>
           </p:nvPr>
@@ -7237,9 +7222,7 @@
                   </a:txBody>
                   <a:tcPr marL="0" marR="0" marT="0" marB="0" anchor="ctr" horzOverflow="overflow">
                     <a:solidFill>
-                      <a:schemeClr val="bg1">
-                        <a:lumMod val="85000"/>
-                      </a:schemeClr>
+                      <a:srgbClr val="D8D8D8"/>
                     </a:solidFill>
                   </a:tcPr>
                 </a:tc>
@@ -7316,9 +7299,7 @@
                   </a:txBody>
                   <a:tcPr marL="0" marR="0" marT="0" marB="0" anchor="ctr" horzOverflow="overflow">
                     <a:solidFill>
-                      <a:schemeClr val="bg1">
-                        <a:lumMod val="85000"/>
-                      </a:schemeClr>
+                      <a:srgbClr val="D8D8D8"/>
                     </a:solidFill>
                   </a:tcPr>
                 </a:tc>
@@ -7395,9 +7376,7 @@
                   </a:txBody>
                   <a:tcPr marL="0" marR="0" marT="0" marB="0" anchor="ctr" horzOverflow="overflow">
                     <a:solidFill>
-                      <a:schemeClr val="bg1">
-                        <a:lumMod val="85000"/>
-                      </a:schemeClr>
+                      <a:srgbClr val="D8D8D8"/>
                     </a:solidFill>
                   </a:tcPr>
                 </a:tc>
@@ -7466,7 +7445,7 @@
           <p:nvPr>
             <p:extLst>
               <p:ext uri="{D42A27DB-BD31-4B8C-83A1-F6EECF244321}">
-                <p14:modId xmlns:p14="http://schemas.microsoft.com/office/powerpoint/2010/main" val="3956399153"/>
+                <p14:modId xmlns:p14="http://schemas.microsoft.com/office/powerpoint/2010/main" val="1109313703"/>
               </p:ext>
             </p:extLst>
           </p:nvPr>
@@ -7598,10 +7577,18 @@
                         </a:defRPr>
                       </a:pPr>
                       <a:r>
-                        <a:rPr lang="da-DK" dirty="0"/>
+                        <a:rPr lang="da-DK" dirty="0">
+                          <a:solidFill>
+                            <a:srgbClr val="212121"/>
+                          </a:solidFill>
+                        </a:rPr>
                         <a:t>6</a:t>
                       </a:r>
-                      <a:endParaRPr dirty="0"/>
+                      <a:endParaRPr dirty="0">
+                        <a:solidFill>
+                          <a:srgbClr val="212121"/>
+                        </a:solidFill>
+                      </a:endParaRPr>
                     </a:p>
                   </a:txBody>
                   <a:tcPr marL="0" marR="0" marT="0" marB="0" anchor="ctr" horzOverflow="overflow">
@@ -7731,7 +7718,7 @@
           <p:nvPr>
             <p:extLst>
               <p:ext uri="{D42A27DB-BD31-4B8C-83A1-F6EECF244321}">
-                <p14:modId xmlns:p14="http://schemas.microsoft.com/office/powerpoint/2010/main" val="1243047087"/>
+                <p14:modId xmlns:p14="http://schemas.microsoft.com/office/powerpoint/2010/main" val="539897720"/>
               </p:ext>
             </p:extLst>
           </p:nvPr>
@@ -7863,15 +7850,45 @@
                         </a:defRPr>
                       </a:pPr>
                       <a:r>
-                        <a:rPr lang="da-DK" dirty="0"/>
+                        <a:rPr lang="da-DK" dirty="0">
+                          <a:solidFill>
+                            <a:srgbClr val="212121"/>
+                          </a:solidFill>
+                        </a:rPr>
                         <a:t>2</a:t>
                       </a:r>
+                      <a:endParaRPr dirty="0">
+                        <a:solidFill>
+                          <a:srgbClr val="212121"/>
+                        </a:solidFill>
+                      </a:endParaRPr>
+                    </a:p>
+                  </a:txBody>
+                  <a:tcPr marL="0" marR="0" marT="0" marB="0" anchor="ctr" horzOverflow="overflow">
+                    <a:solidFill>
+                      <a:srgbClr val="D8D8D8"/>
+                    </a:solidFill>
+                  </a:tcPr>
+                </a:tc>
+                <a:tc>
+                  <a:txBody>
+                    <a:bodyPr/>
+                    <a:lstStyle/>
+                    <a:p>
+                      <a:pPr defTabSz="914400">
+                        <a:defRPr sz="1000">
+                          <a:latin typeface="Helvetica"/>
+                          <a:ea typeface="Helvetica"/>
+                          <a:cs typeface="Helvetica"/>
+                          <a:sym typeface="Helvetica"/>
+                        </a:defRPr>
+                      </a:pPr>
                       <a:endParaRPr dirty="0"/>
                     </a:p>
                   </a:txBody>
                   <a:tcPr marL="0" marR="0" marT="0" marB="0" anchor="ctr" horzOverflow="overflow">
                     <a:solidFill>
-                      <a:srgbClr val="D0D1D2"/>
+                      <a:srgbClr val="D8D8D8"/>
                     </a:solidFill>
                   </a:tcPr>
                 </a:tc>
@@ -7893,29 +7910,7 @@
                   </a:txBody>
                   <a:tcPr marL="0" marR="0" marT="0" marB="0" anchor="ctr" horzOverflow="overflow">
                     <a:solidFill>
-                      <a:srgbClr val="D0D1D2"/>
-                    </a:solidFill>
-                  </a:tcPr>
-                </a:tc>
-                <a:tc>
-                  <a:txBody>
-                    <a:bodyPr/>
-                    <a:lstStyle/>
-                    <a:p>
-                      <a:pPr defTabSz="914400">
-                        <a:defRPr sz="1000">
-                          <a:latin typeface="Helvetica"/>
-                          <a:ea typeface="Helvetica"/>
-                          <a:cs typeface="Helvetica"/>
-                          <a:sym typeface="Helvetica"/>
-                        </a:defRPr>
-                      </a:pPr>
-                      <a:endParaRPr dirty="0"/>
-                    </a:p>
-                  </a:txBody>
-                  <a:tcPr marL="0" marR="0" marT="0" marB="0" anchor="ctr" horzOverflow="overflow">
-                    <a:solidFill>
-                      <a:srgbClr val="D0D1D2"/>
+                      <a:srgbClr val="D8D8D8"/>
                     </a:solidFill>
                   </a:tcPr>
                 </a:tc>
@@ -7940,10 +7935,18 @@
                         </a:defRPr>
                       </a:pPr>
                       <a:r>
-                        <a:rPr lang="da-DK" dirty="0"/>
+                        <a:rPr lang="da-DK" dirty="0">
+                          <a:solidFill>
+                            <a:srgbClr val="212121"/>
+                          </a:solidFill>
+                        </a:rPr>
                         <a:t>6</a:t>
                       </a:r>
-                      <a:endParaRPr dirty="0"/>
+                      <a:endParaRPr dirty="0">
+                        <a:solidFill>
+                          <a:srgbClr val="212121"/>
+                        </a:solidFill>
+                      </a:endParaRPr>
                     </a:p>
                   </a:txBody>
                   <a:tcPr marL="0" marR="0" marT="0" marB="0" anchor="ctr" horzOverflow="overflow">
@@ -8023,15 +8026,45 @@
                         </a:defRPr>
                       </a:pPr>
                       <a:r>
-                        <a:rPr lang="da-DK" dirty="0"/>
+                        <a:rPr lang="da-DK" dirty="0">
+                          <a:solidFill>
+                            <a:srgbClr val="212121"/>
+                          </a:solidFill>
+                        </a:rPr>
                         <a:t>5</a:t>
                       </a:r>
+                      <a:endParaRPr dirty="0">
+                        <a:solidFill>
+                          <a:srgbClr val="212121"/>
+                        </a:solidFill>
+                      </a:endParaRPr>
+                    </a:p>
+                  </a:txBody>
+                  <a:tcPr marL="0" marR="0" marT="0" marB="0" anchor="ctr" horzOverflow="overflow">
+                    <a:solidFill>
+                      <a:srgbClr val="D8D8D8"/>
+                    </a:solidFill>
+                  </a:tcPr>
+                </a:tc>
+                <a:tc>
+                  <a:txBody>
+                    <a:bodyPr/>
+                    <a:lstStyle/>
+                    <a:p>
+                      <a:pPr defTabSz="914400">
+                        <a:defRPr sz="1000">
+                          <a:latin typeface="Helvetica"/>
+                          <a:ea typeface="Helvetica"/>
+                          <a:cs typeface="Helvetica"/>
+                          <a:sym typeface="Helvetica"/>
+                        </a:defRPr>
+                      </a:pPr>
                       <a:endParaRPr dirty="0"/>
                     </a:p>
                   </a:txBody>
                   <a:tcPr marL="0" marR="0" marT="0" marB="0" anchor="ctr" horzOverflow="overflow">
                     <a:solidFill>
-                      <a:srgbClr val="D0D1D2"/>
+                      <a:srgbClr val="D8D8D8"/>
                     </a:solidFill>
                   </a:tcPr>
                 </a:tc>
@@ -8053,29 +8086,7 @@
                   </a:txBody>
                   <a:tcPr marL="0" marR="0" marT="0" marB="0" anchor="ctr" horzOverflow="overflow">
                     <a:solidFill>
-                      <a:srgbClr val="D0D1D2"/>
-                    </a:solidFill>
-                  </a:tcPr>
-                </a:tc>
-                <a:tc>
-                  <a:txBody>
-                    <a:bodyPr/>
-                    <a:lstStyle/>
-                    <a:p>
-                      <a:pPr defTabSz="914400">
-                        <a:defRPr sz="1000">
-                          <a:latin typeface="Helvetica"/>
-                          <a:ea typeface="Helvetica"/>
-                          <a:cs typeface="Helvetica"/>
-                          <a:sym typeface="Helvetica"/>
-                        </a:defRPr>
-                      </a:pPr>
-                      <a:endParaRPr dirty="0"/>
-                    </a:p>
-                  </a:txBody>
-                  <a:tcPr marL="0" marR="0" marT="0" marB="0" anchor="ctr" horzOverflow="overflow">
-                    <a:solidFill>
-                      <a:srgbClr val="D0D1D2"/>
+                      <a:srgbClr val="D8D8D8"/>
                     </a:solidFill>
                   </a:tcPr>
                 </a:tc>
@@ -8184,7 +8195,7 @@
           </a:ln>
           <a:extLst>
             <a:ext uri="{C572A759-6A51-4108-AA02-DFA0A04FC94B}">
-              <ma14:wrappingTextBoxFlag xmlns:ma14="http://schemas.microsoft.com/office/mac/drawingml/2011/main" xmlns="" val="1"/>
+              <ma14:wrappingTextBoxFlag xmlns="" xmlns:ma14="http://schemas.microsoft.com/office/mac/drawingml/2011/main" val="1"/>
             </a:ext>
           </a:extLst>
         </p:spPr>
@@ -8349,7 +8360,7 @@
           </a:ln>
           <a:extLst>
             <a:ext uri="{C572A759-6A51-4108-AA02-DFA0A04FC94B}">
-              <ma14:wrappingTextBoxFlag xmlns:ma14="http://schemas.microsoft.com/office/mac/drawingml/2011/main" xmlns="" val="1"/>
+              <ma14:wrappingTextBoxFlag xmlns="" xmlns:ma14="http://schemas.microsoft.com/office/mac/drawingml/2011/main" val="1"/>
             </a:ext>
           </a:extLst>
         </p:spPr>
@@ -8375,26 +8386,10 @@
             <a:r>
               <a:rPr lang="en-US" dirty="0">
                 <a:solidFill>
-                  <a:srgbClr val="119571"/>
-                </a:solidFill>
-              </a:rPr>
-              <a:t>.(</a:t>
-            </a:r>
-            <a:r>
-              <a:rPr lang="en-US" dirty="0" err="1">
-                <a:solidFill>
-                  <a:srgbClr val="119571"/>
-                </a:solidFill>
-              </a:rPr>
-              <a:t>sum_b</a:t>
-            </a:r>
-            <a:r>
-              <a:rPr lang="en-US" dirty="0">
-                <a:solidFill>
-                  <a:srgbClr val="119571"/>
-                </a:solidFill>
-              </a:rPr>
-              <a:t> = sum(b))</a:t>
+                  <a:srgbClr val="206DA5"/>
+                </a:solidFill>
+              </a:rPr>
+              <a:t>.(c = sum(b))</a:t>
             </a:r>
             <a:r>
               <a:rPr lang="en-US" dirty="0">
@@ -8489,22 +8484,31 @@
               </a:lnSpc>
             </a:pPr>
             <a:r>
+              <a:rPr lang="en-US" b="0" dirty="0" err="1">
+                <a:solidFill>
+                  <a:srgbClr val="000000"/>
+                </a:solidFill>
+                <a:sym typeface="Source Sans Pro Light"/>
+              </a:rPr>
+              <a:t>dt</a:t>
+            </a:r>
+            <a:r>
               <a:rPr lang="en-US" b="0" dirty="0">
                 <a:solidFill>
                   <a:srgbClr val="000000"/>
                 </a:solidFill>
                 <a:sym typeface="Source Sans Pro Light"/>
               </a:rPr>
-              <a:t>dt[, </a:t>
+              <a:t>[,</a:t>
             </a:r>
             <a:r>
               <a:rPr lang="en-US" dirty="0">
                 <a:solidFill>
-                  <a:srgbClr val="119571"/>
+                  <a:srgbClr val="206DA5"/>
                 </a:solidFill>
                 <a:sym typeface="Source Sans Pro Light"/>
               </a:rPr>
-              <a:t>c := sum(b)</a:t>
+              <a:t> c := sum(b)</a:t>
             </a:r>
             <a:r>
               <a:rPr lang="en-US" dirty="0">
@@ -8603,7 +8607,7 @@
             <a:r>
               <a:rPr lang="en-US" dirty="0">
                 <a:solidFill>
-                  <a:srgbClr val="119571"/>
+                  <a:srgbClr val="206DA5"/>
                 </a:solidFill>
               </a:rPr>
               <a:t>.SD[1]</a:t>
@@ -8696,7 +8700,7 @@
             <a:r>
               <a:rPr lang="en-US" dirty="0">
                 <a:solidFill>
-                  <a:srgbClr val="119571"/>
+                  <a:srgbClr val="206DA5"/>
                 </a:solidFill>
                 <a:sym typeface="Source Sans Pro Light"/>
               </a:rPr>
@@ -8760,7 +8764,7 @@
             <a:pPr lvl="1" indent="0"/>
             <a:r>
               <a:rPr lang="da-DK" dirty="0"/>
-              <a:t>COMMON GROUPED OPREATIONS</a:t>
+              <a:t>COMMON GROUPED OPERATIONS</a:t>
             </a:r>
           </a:p>
         </p:txBody>
@@ -8774,7 +8778,7 @@
         <p:spPr>
           <a:xfrm flipV="1">
             <a:off x="9357554" y="1528072"/>
-            <a:ext cx="4320000" cy="0"/>
+            <a:ext cx="2988000" cy="0"/>
           </a:xfrm>
           <a:prstGeom prst="line">
             <a:avLst/>
@@ -8895,7 +8899,7 @@
           <p:nvPr>
             <p:extLst>
               <p:ext uri="{D42A27DB-BD31-4B8C-83A1-F6EECF244321}">
-                <p14:modId xmlns:p14="http://schemas.microsoft.com/office/powerpoint/2010/main" val="3728021534"/>
+                <p14:modId xmlns:p14="http://schemas.microsoft.com/office/powerpoint/2010/main" val="2139056974"/>
               </p:ext>
             </p:extLst>
           </p:nvPr>
@@ -9031,9 +9035,7 @@
                   </a:txBody>
                   <a:tcPr marL="0" marR="0" marT="0" marB="0" anchor="ctr" horzOverflow="overflow">
                     <a:solidFill>
-                      <a:schemeClr val="bg1">
-                        <a:lumMod val="85000"/>
-                      </a:schemeClr>
+                      <a:srgbClr val="D8D8D8"/>
                     </a:solidFill>
                   </a:tcPr>
                 </a:tc>
@@ -9055,9 +9057,7 @@
                   </a:txBody>
                   <a:tcPr marL="0" marR="0" marT="0" marB="0" anchor="ctr" horzOverflow="overflow">
                     <a:solidFill>
-                      <a:schemeClr val="bg1">
-                        <a:lumMod val="85000"/>
-                      </a:schemeClr>
+                      <a:srgbClr val="D8D8D8"/>
                     </a:solidFill>
                   </a:tcPr>
                 </a:tc>
@@ -9075,10 +9075,18 @@
                         </a:defRPr>
                       </a:pPr>
                       <a:r>
-                        <a:rPr lang="da-DK" dirty="0"/>
+                        <a:rPr lang="da-DK" dirty="0">
+                          <a:solidFill>
+                            <a:srgbClr val="212121"/>
+                          </a:solidFill>
+                        </a:rPr>
                         <a:t>3</a:t>
                       </a:r>
-                      <a:endParaRPr dirty="0"/>
+                      <a:endParaRPr dirty="0">
+                        <a:solidFill>
+                          <a:srgbClr val="212121"/>
+                        </a:solidFill>
+                      </a:endParaRPr>
                     </a:p>
                   </a:txBody>
                   <a:tcPr marL="0" marR="0" marT="0" marB="0" anchor="ctr" horzOverflow="overflow">
@@ -9114,9 +9122,7 @@
                   </a:txBody>
                   <a:tcPr marL="0" marR="0" marT="0" marB="0" anchor="ctr" horzOverflow="overflow">
                     <a:solidFill>
-                      <a:schemeClr val="bg1">
-                        <a:lumMod val="85000"/>
-                      </a:schemeClr>
+                      <a:srgbClr val="D8D8D8"/>
                     </a:solidFill>
                   </a:tcPr>
                 </a:tc>
@@ -9138,9 +9144,7 @@
                   </a:txBody>
                   <a:tcPr marL="0" marR="0" marT="0" marB="0" anchor="ctr" horzOverflow="overflow">
                     <a:solidFill>
-                      <a:schemeClr val="bg1">
-                        <a:lumMod val="85000"/>
-                      </a:schemeClr>
+                      <a:srgbClr val="D8D8D8"/>
                     </a:solidFill>
                   </a:tcPr>
                 </a:tc>
@@ -9158,10 +9162,18 @@
                         </a:defRPr>
                       </a:pPr>
                       <a:r>
-                        <a:rPr lang="da-DK" dirty="0"/>
+                        <a:rPr lang="da-DK" dirty="0">
+                          <a:solidFill>
+                            <a:srgbClr val="212121"/>
+                          </a:solidFill>
+                        </a:rPr>
                         <a:t>3</a:t>
                       </a:r>
-                      <a:endParaRPr dirty="0"/>
+                      <a:endParaRPr dirty="0">
+                        <a:solidFill>
+                          <a:srgbClr val="212121"/>
+                        </a:solidFill>
+                      </a:endParaRPr>
                     </a:p>
                   </a:txBody>
                   <a:tcPr marL="0" marR="0" marT="0" marB="0" anchor="ctr" horzOverflow="overflow">
@@ -9197,9 +9209,7 @@
                   </a:txBody>
                   <a:tcPr marL="0" marR="0" marT="0" marB="0" anchor="ctr" horzOverflow="overflow">
                     <a:solidFill>
-                      <a:schemeClr val="bg1">
-                        <a:lumMod val="85000"/>
-                      </a:schemeClr>
+                      <a:srgbClr val="D8D8D8"/>
                     </a:solidFill>
                   </a:tcPr>
                 </a:tc>
@@ -9221,9 +9231,7 @@
                   </a:txBody>
                   <a:tcPr marL="0" marR="0" marT="0" marB="0" anchor="ctr" horzOverflow="overflow">
                     <a:solidFill>
-                      <a:schemeClr val="bg1">
-                        <a:lumMod val="85000"/>
-                      </a:schemeClr>
+                      <a:srgbClr val="D8D8D8"/>
                     </a:solidFill>
                   </a:tcPr>
                 </a:tc>
@@ -9241,10 +9249,18 @@
                         </a:defRPr>
                       </a:pPr>
                       <a:r>
-                        <a:rPr lang="da-DK" dirty="0"/>
+                        <a:rPr lang="da-DK" dirty="0">
+                          <a:solidFill>
+                            <a:srgbClr val="212121"/>
+                          </a:solidFill>
+                        </a:rPr>
                         <a:t>3</a:t>
                       </a:r>
-                      <a:endParaRPr dirty="0"/>
+                      <a:endParaRPr dirty="0">
+                        <a:solidFill>
+                          <a:srgbClr val="212121"/>
+                        </a:solidFill>
+                      </a:endParaRPr>
                     </a:p>
                   </a:txBody>
                   <a:tcPr marL="0" marR="0" marT="0" marB="0" anchor="ctr" horzOverflow="overflow">
@@ -9326,7 +9342,7 @@
           <p:nvPr>
             <p:extLst>
               <p:ext uri="{D42A27DB-BD31-4B8C-83A1-F6EECF244321}">
-                <p14:modId xmlns:p14="http://schemas.microsoft.com/office/powerpoint/2010/main" val="523780244"/>
+                <p14:modId xmlns:p14="http://schemas.microsoft.com/office/powerpoint/2010/main" val="2083425305"/>
               </p:ext>
             </p:extLst>
           </p:nvPr>
@@ -9427,9 +9443,7 @@
                   </a:txBody>
                   <a:tcPr marL="0" marR="0" marT="0" marB="0" anchor="ctr" horzOverflow="overflow">
                     <a:solidFill>
-                      <a:schemeClr val="bg1">
-                        <a:lumMod val="85000"/>
-                      </a:schemeClr>
+                      <a:srgbClr val="D8D8D8"/>
                     </a:solidFill>
                   </a:tcPr>
                 </a:tc>
@@ -9451,9 +9465,7 @@
                   </a:txBody>
                   <a:tcPr marL="0" marR="0" marT="0" marB="0" anchor="ctr" horzOverflow="overflow">
                     <a:solidFill>
-                      <a:schemeClr val="bg1">
-                        <a:lumMod val="85000"/>
-                      </a:schemeClr>
+                      <a:srgbClr val="D8D8D8"/>
                     </a:solidFill>
                   </a:tcPr>
                 </a:tc>
@@ -9482,9 +9494,7 @@
                   </a:txBody>
                   <a:tcPr marL="0" marR="0" marT="0" marB="0" anchor="ctr" horzOverflow="overflow">
                     <a:solidFill>
-                      <a:schemeClr val="bg1">
-                        <a:lumMod val="85000"/>
-                      </a:schemeClr>
+                      <a:srgbClr val="D8D8D8"/>
                     </a:solidFill>
                   </a:tcPr>
                 </a:tc>
@@ -9506,9 +9516,7 @@
                   </a:txBody>
                   <a:tcPr marL="0" marR="0" marT="0" marB="0" anchor="ctr" horzOverflow="overflow">
                     <a:solidFill>
-                      <a:schemeClr val="bg1">
-                        <a:lumMod val="85000"/>
-                      </a:schemeClr>
+                      <a:srgbClr val="D8D8D8"/>
                     </a:solidFill>
                   </a:tcPr>
                 </a:tc>
@@ -9537,9 +9545,7 @@
                   </a:txBody>
                   <a:tcPr marL="0" marR="0" marT="0" marB="0" anchor="ctr" horzOverflow="overflow">
                     <a:solidFill>
-                      <a:schemeClr val="bg1">
-                        <a:lumMod val="85000"/>
-                      </a:schemeClr>
+                      <a:srgbClr val="D8D8D8"/>
                     </a:solidFill>
                   </a:tcPr>
                 </a:tc>
@@ -9561,9 +9567,7 @@
                   </a:txBody>
                   <a:tcPr marL="0" marR="0" marT="0" marB="0" anchor="ctr" horzOverflow="overflow">
                     <a:solidFill>
-                      <a:schemeClr val="bg1">
-                        <a:lumMod val="85000"/>
-                      </a:schemeClr>
+                      <a:srgbClr val="D8D8D8"/>
                     </a:solidFill>
                   </a:tcPr>
                 </a:tc>
@@ -9596,7 +9600,7 @@
           </a:ln>
           <a:extLst>
             <a:ext uri="{C572A759-6A51-4108-AA02-DFA0A04FC94B}">
-              <ma14:wrappingTextBoxFlag xmlns:ma14="http://schemas.microsoft.com/office/mac/drawingml/2011/main" xmlns="" val="1"/>
+              <ma14:wrappingTextBoxFlag xmlns="" xmlns:ma14="http://schemas.microsoft.com/office/mac/drawingml/2011/main" val="1"/>
             </a:ext>
           </a:extLst>
         </p:spPr>
@@ -9665,7 +9669,7 @@
           </a:ln>
           <a:extLst>
             <a:ext uri="{C572A759-6A51-4108-AA02-DFA0A04FC94B}">
-              <ma14:wrappingTextBoxFlag xmlns:ma14="http://schemas.microsoft.com/office/mac/drawingml/2011/main" xmlns="" val="1"/>
+              <ma14:wrappingTextBoxFlag xmlns="" xmlns:ma14="http://schemas.microsoft.com/office/mac/drawingml/2011/main" val="1"/>
             </a:ext>
           </a:extLst>
         </p:spPr>
@@ -9771,7 +9775,7 @@
           <p:nvPr>
             <p:extLst>
               <p:ext uri="{D42A27DB-BD31-4B8C-83A1-F6EECF244321}">
-                <p14:modId xmlns:p14="http://schemas.microsoft.com/office/powerpoint/2010/main" val="1528602"/>
+                <p14:modId xmlns:p14="http://schemas.microsoft.com/office/powerpoint/2010/main" val="3638232702"/>
               </p:ext>
             </p:extLst>
           </p:nvPr>
@@ -9912,63 +9916,79 @@
                         </a:defRPr>
                       </a:pPr>
                       <a:r>
-                        <a:rPr lang="da-DK" dirty="0"/>
+                        <a:rPr lang="da-DK" dirty="0">
+                          <a:solidFill>
+                            <a:srgbClr val="212121"/>
+                          </a:solidFill>
+                        </a:rPr>
                         <a:t>1</a:t>
                       </a:r>
+                      <a:endParaRPr dirty="0">
+                        <a:solidFill>
+                          <a:srgbClr val="212121"/>
+                        </a:solidFill>
+                      </a:endParaRPr>
+                    </a:p>
+                  </a:txBody>
+                  <a:tcPr marL="0" marR="0" marT="0" marB="0" anchor="ctr" horzOverflow="overflow">
+                    <a:solidFill>
+                      <a:srgbClr val="F3CC86"/>
+                    </a:solidFill>
+                  </a:tcPr>
+                </a:tc>
+                <a:tc>
+                  <a:txBody>
+                    <a:bodyPr/>
+                    <a:lstStyle/>
+                    <a:p>
+                      <a:pPr defTabSz="914400">
+                        <a:defRPr sz="1000">
+                          <a:latin typeface="Helvetica"/>
+                          <a:ea typeface="Helvetica"/>
+                          <a:cs typeface="Helvetica"/>
+                          <a:sym typeface="Helvetica"/>
+                        </a:defRPr>
+                      </a:pPr>
+                      <a:r>
+                        <a:rPr lang="da-DK" dirty="0">
+                          <a:solidFill>
+                            <a:srgbClr val="212121"/>
+                          </a:solidFill>
+                        </a:rPr>
+                        <a:t>2</a:t>
+                      </a:r>
+                      <a:endParaRPr dirty="0">
+                        <a:solidFill>
+                          <a:srgbClr val="212121"/>
+                        </a:solidFill>
+                      </a:endParaRPr>
+                    </a:p>
+                  </a:txBody>
+                  <a:tcPr marL="0" marR="0" marT="0" marB="0" anchor="ctr" horzOverflow="overflow">
+                    <a:solidFill>
+                      <a:srgbClr val="F3CC86"/>
+                    </a:solidFill>
+                  </a:tcPr>
+                </a:tc>
+                <a:tc>
+                  <a:txBody>
+                    <a:bodyPr/>
+                    <a:lstStyle/>
+                    <a:p>
+                      <a:pPr defTabSz="914400">
+                        <a:defRPr sz="1000">
+                          <a:latin typeface="Helvetica"/>
+                          <a:ea typeface="Helvetica"/>
+                          <a:cs typeface="Helvetica"/>
+                          <a:sym typeface="Helvetica"/>
+                        </a:defRPr>
+                      </a:pPr>
                       <a:endParaRPr dirty="0"/>
                     </a:p>
                   </a:txBody>
                   <a:tcPr marL="0" marR="0" marT="0" marB="0" anchor="ctr" horzOverflow="overflow">
                     <a:solidFill>
-                      <a:srgbClr val="F7DCA7"/>
-                    </a:solidFill>
-                  </a:tcPr>
-                </a:tc>
-                <a:tc>
-                  <a:txBody>
-                    <a:bodyPr/>
-                    <a:lstStyle/>
-                    <a:p>
-                      <a:pPr defTabSz="914400">
-                        <a:defRPr sz="1000">
-                          <a:latin typeface="Helvetica"/>
-                          <a:ea typeface="Helvetica"/>
-                          <a:cs typeface="Helvetica"/>
-                          <a:sym typeface="Helvetica"/>
-                        </a:defRPr>
-                      </a:pPr>
-                      <a:r>
-                        <a:rPr lang="da-DK" dirty="0"/>
-                        <a:t>1</a:t>
-                      </a:r>
-                      <a:endParaRPr dirty="0"/>
-                    </a:p>
-                  </a:txBody>
-                  <a:tcPr marL="0" marR="0" marT="0" marB="0" anchor="ctr" horzOverflow="overflow">
-                    <a:solidFill>
-                      <a:srgbClr val="F7DCA7"/>
-                    </a:solidFill>
-                  </a:tcPr>
-                </a:tc>
-                <a:tc>
-                  <a:txBody>
-                    <a:bodyPr/>
-                    <a:lstStyle/>
-                    <a:p>
-                      <a:pPr defTabSz="914400">
-                        <a:defRPr sz="1000">
-                          <a:latin typeface="Helvetica"/>
-                          <a:ea typeface="Helvetica"/>
-                          <a:cs typeface="Helvetica"/>
-                          <a:sym typeface="Helvetica"/>
-                        </a:defRPr>
-                      </a:pPr>
-                      <a:endParaRPr dirty="0"/>
-                    </a:p>
-                  </a:txBody>
-                  <a:tcPr marL="0" marR="0" marT="0" marB="0" anchor="ctr" horzOverflow="overflow">
-                    <a:solidFill>
-                      <a:srgbClr val="D9D9D9"/>
+                      <a:srgbClr val="D8D8D8"/>
                     </a:solidFill>
                   </a:tcPr>
                 </a:tc>
@@ -9993,65 +10013,79 @@
                         </a:defRPr>
                       </a:pPr>
                       <a:r>
-                        <a:rPr lang="da-DK" dirty="0"/>
-                        <a:t>2</a:t>
+                        <a:rPr lang="da-DK" dirty="0">
+                          <a:solidFill>
+                            <a:srgbClr val="212121"/>
+                          </a:solidFill>
+                        </a:rPr>
+                        <a:t>1</a:t>
                       </a:r>
+                      <a:endParaRPr dirty="0">
+                        <a:solidFill>
+                          <a:srgbClr val="212121"/>
+                        </a:solidFill>
+                      </a:endParaRPr>
+                    </a:p>
+                  </a:txBody>
+                  <a:tcPr marL="0" marR="0" marT="0" marB="0" anchor="ctr" horzOverflow="overflow">
+                    <a:solidFill>
+                      <a:srgbClr val="F3CC86"/>
+                    </a:solidFill>
+                  </a:tcPr>
+                </a:tc>
+                <a:tc>
+                  <a:txBody>
+                    <a:bodyPr/>
+                    <a:lstStyle/>
+                    <a:p>
+                      <a:pPr defTabSz="914400">
+                        <a:defRPr sz="1000">
+                          <a:latin typeface="Helvetica"/>
+                          <a:ea typeface="Helvetica"/>
+                          <a:cs typeface="Helvetica"/>
+                          <a:sym typeface="Helvetica"/>
+                        </a:defRPr>
+                      </a:pPr>
+                      <a:r>
+                        <a:rPr lang="da-DK" dirty="0">
+                          <a:solidFill>
+                            <a:srgbClr val="212121"/>
+                          </a:solidFill>
+                        </a:rPr>
+                        <a:t>1</a:t>
+                      </a:r>
+                      <a:endParaRPr dirty="0">
+                        <a:solidFill>
+                          <a:srgbClr val="212121"/>
+                        </a:solidFill>
+                      </a:endParaRPr>
+                    </a:p>
+                  </a:txBody>
+                  <a:tcPr marL="0" marR="0" marT="0" marB="0" anchor="ctr" horzOverflow="overflow">
+                    <a:solidFill>
+                      <a:srgbClr val="F3CC86"/>
+                    </a:solidFill>
+                  </a:tcPr>
+                </a:tc>
+                <a:tc>
+                  <a:txBody>
+                    <a:bodyPr/>
+                    <a:lstStyle/>
+                    <a:p>
+                      <a:pPr defTabSz="914400">
+                        <a:defRPr sz="1000">
+                          <a:latin typeface="Helvetica"/>
+                          <a:ea typeface="Helvetica"/>
+                          <a:cs typeface="Helvetica"/>
+                          <a:sym typeface="Helvetica"/>
+                        </a:defRPr>
+                      </a:pPr>
                       <a:endParaRPr dirty="0"/>
                     </a:p>
                   </a:txBody>
                   <a:tcPr marL="0" marR="0" marT="0" marB="0" anchor="ctr" horzOverflow="overflow">
                     <a:solidFill>
-                      <a:schemeClr val="accent3">
-                        <a:lumMod val="75000"/>
-                      </a:schemeClr>
-                    </a:solidFill>
-                  </a:tcPr>
-                </a:tc>
-                <a:tc>
-                  <a:txBody>
-                    <a:bodyPr/>
-                    <a:lstStyle/>
-                    <a:p>
-                      <a:pPr defTabSz="914400">
-                        <a:defRPr sz="1000">
-                          <a:latin typeface="Helvetica"/>
-                          <a:ea typeface="Helvetica"/>
-                          <a:cs typeface="Helvetica"/>
-                          <a:sym typeface="Helvetica"/>
-                        </a:defRPr>
-                      </a:pPr>
-                      <a:r>
-                        <a:rPr lang="da-DK" dirty="0"/>
-                        <a:t>2</a:t>
-                      </a:r>
-                      <a:endParaRPr dirty="0"/>
-                    </a:p>
-                  </a:txBody>
-                  <a:tcPr marL="0" marR="0" marT="0" marB="0" anchor="ctr" horzOverflow="overflow">
-                    <a:solidFill>
-                      <a:srgbClr val="EEB648"/>
-                    </a:solidFill>
-                  </a:tcPr>
-                </a:tc>
-                <a:tc>
-                  <a:txBody>
-                    <a:bodyPr/>
-                    <a:lstStyle/>
-                    <a:p>
-                      <a:pPr defTabSz="914400">
-                        <a:defRPr sz="1000">
-                          <a:latin typeface="Helvetica"/>
-                          <a:ea typeface="Helvetica"/>
-                          <a:cs typeface="Helvetica"/>
-                          <a:sym typeface="Helvetica"/>
-                        </a:defRPr>
-                      </a:pPr>
-                      <a:endParaRPr dirty="0"/>
-                    </a:p>
-                  </a:txBody>
-                  <a:tcPr marL="0" marR="0" marT="0" marB="0" anchor="ctr" horzOverflow="overflow">
-                    <a:solidFill>
-                      <a:srgbClr val="D9D9D9"/>
+                      <a:srgbClr val="D8D8D8"/>
                     </a:solidFill>
                   </a:tcPr>
                 </a:tc>
@@ -10076,63 +10110,79 @@
                         </a:defRPr>
                       </a:pPr>
                       <a:r>
-                        <a:rPr lang="da-DK" dirty="0"/>
+                        <a:rPr lang="da-DK" dirty="0">
+                          <a:solidFill>
+                            <a:srgbClr val="212121"/>
+                          </a:solidFill>
+                        </a:rPr>
                         <a:t>2</a:t>
                       </a:r>
+                      <a:endParaRPr dirty="0">
+                        <a:solidFill>
+                          <a:srgbClr val="212121"/>
+                        </a:solidFill>
+                      </a:endParaRPr>
+                    </a:p>
+                  </a:txBody>
+                  <a:tcPr marL="0" marR="0" marT="0" marB="0" anchor="ctr" horzOverflow="overflow">
+                    <a:solidFill>
+                      <a:srgbClr val="F3CC86"/>
+                    </a:solidFill>
+                  </a:tcPr>
+                </a:tc>
+                <a:tc>
+                  <a:txBody>
+                    <a:bodyPr/>
+                    <a:lstStyle/>
+                    <a:p>
+                      <a:pPr defTabSz="914400">
+                        <a:defRPr sz="1000">
+                          <a:latin typeface="Helvetica"/>
+                          <a:ea typeface="Helvetica"/>
+                          <a:cs typeface="Helvetica"/>
+                          <a:sym typeface="Helvetica"/>
+                        </a:defRPr>
+                      </a:pPr>
+                      <a:r>
+                        <a:rPr lang="da-DK" dirty="0">
+                          <a:solidFill>
+                            <a:srgbClr val="212121"/>
+                          </a:solidFill>
+                        </a:rPr>
+                        <a:t>2</a:t>
+                      </a:r>
+                      <a:endParaRPr dirty="0">
+                        <a:solidFill>
+                          <a:srgbClr val="212121"/>
+                        </a:solidFill>
+                      </a:endParaRPr>
+                    </a:p>
+                  </a:txBody>
+                  <a:tcPr marL="0" marR="0" marT="0" marB="0" anchor="ctr" horzOverflow="overflow">
+                    <a:solidFill>
+                      <a:srgbClr val="F3CC86"/>
+                    </a:solidFill>
+                  </a:tcPr>
+                </a:tc>
+                <a:tc>
+                  <a:txBody>
+                    <a:bodyPr/>
+                    <a:lstStyle/>
+                    <a:p>
+                      <a:pPr defTabSz="914400">
+                        <a:defRPr sz="1000">
+                          <a:latin typeface="Helvetica"/>
+                          <a:ea typeface="Helvetica"/>
+                          <a:cs typeface="Helvetica"/>
+                          <a:sym typeface="Helvetica"/>
+                        </a:defRPr>
+                      </a:pPr>
                       <a:endParaRPr dirty="0"/>
                     </a:p>
                   </a:txBody>
                   <a:tcPr marL="0" marR="0" marT="0" marB="0" anchor="ctr" horzOverflow="overflow">
                     <a:solidFill>
-                      <a:srgbClr val="EEB648"/>
-                    </a:solidFill>
-                  </a:tcPr>
-                </a:tc>
-                <a:tc>
-                  <a:txBody>
-                    <a:bodyPr/>
-                    <a:lstStyle/>
-                    <a:p>
-                      <a:pPr defTabSz="914400">
-                        <a:defRPr sz="1000">
-                          <a:latin typeface="Helvetica"/>
-                          <a:ea typeface="Helvetica"/>
-                          <a:cs typeface="Helvetica"/>
-                          <a:sym typeface="Helvetica"/>
-                        </a:defRPr>
-                      </a:pPr>
-                      <a:r>
-                        <a:rPr lang="da-DK" dirty="0"/>
-                        <a:t>1</a:t>
-                      </a:r>
-                      <a:endParaRPr dirty="0"/>
-                    </a:p>
-                  </a:txBody>
-                  <a:tcPr marL="0" marR="0" marT="0" marB="0" anchor="ctr" horzOverflow="overflow">
-                    <a:solidFill>
-                      <a:srgbClr val="F7DCA7"/>
-                    </a:solidFill>
-                  </a:tcPr>
-                </a:tc>
-                <a:tc>
-                  <a:txBody>
-                    <a:bodyPr/>
-                    <a:lstStyle/>
-                    <a:p>
-                      <a:pPr defTabSz="914400">
-                        <a:defRPr sz="1000">
-                          <a:latin typeface="Helvetica"/>
-                          <a:ea typeface="Helvetica"/>
-                          <a:cs typeface="Helvetica"/>
-                          <a:sym typeface="Helvetica"/>
-                        </a:defRPr>
-                      </a:pPr>
-                      <a:endParaRPr dirty="0"/>
-                    </a:p>
-                  </a:txBody>
-                  <a:tcPr marL="0" marR="0" marT="0" marB="0" anchor="ctr" horzOverflow="overflow">
-                    <a:solidFill>
-                      <a:srgbClr val="D9D9D9"/>
+                      <a:srgbClr val="D8D8D8"/>
                     </a:solidFill>
                   </a:tcPr>
                 </a:tc>
@@ -10207,7 +10257,7 @@
           <p:nvPr>
             <p:extLst>
               <p:ext uri="{D42A27DB-BD31-4B8C-83A1-F6EECF244321}">
-                <p14:modId xmlns:p14="http://schemas.microsoft.com/office/powerpoint/2010/main" val="1213186326"/>
+                <p14:modId xmlns:p14="http://schemas.microsoft.com/office/powerpoint/2010/main" val="798183586"/>
               </p:ext>
             </p:extLst>
           </p:nvPr>
@@ -10345,15 +10395,23 @@
                         </a:defRPr>
                       </a:pPr>
                       <a:r>
-                        <a:rPr lang="da-DK" dirty="0"/>
+                        <a:rPr lang="da-DK" dirty="0">
+                          <a:solidFill>
+                            <a:srgbClr val="212121"/>
+                          </a:solidFill>
+                        </a:rPr>
                         <a:t>1</a:t>
                       </a:r>
-                      <a:endParaRPr dirty="0"/>
-                    </a:p>
-                  </a:txBody>
-                  <a:tcPr marL="0" marR="0" marT="0" marB="0" anchor="ctr" horzOverflow="overflow">
-                    <a:solidFill>
-                      <a:srgbClr val="F7DCA7"/>
+                      <a:endParaRPr dirty="0">
+                        <a:solidFill>
+                          <a:srgbClr val="212121"/>
+                        </a:solidFill>
+                      </a:endParaRPr>
+                    </a:p>
+                  </a:txBody>
+                  <a:tcPr marL="0" marR="0" marT="0" marB="0" anchor="ctr" horzOverflow="overflow">
+                    <a:solidFill>
+                      <a:srgbClr val="F3CC86"/>
                     </a:solidFill>
                   </a:tcPr>
                 </a:tc>
@@ -10371,41 +10429,45 @@
                         </a:defRPr>
                       </a:pPr>
                       <a:r>
-                        <a:rPr lang="da-DK" dirty="0"/>
+                        <a:rPr lang="da-DK" dirty="0">
+                          <a:solidFill>
+                            <a:srgbClr val="212121"/>
+                          </a:solidFill>
+                        </a:rPr>
                         <a:t>2</a:t>
                       </a:r>
+                      <a:endParaRPr dirty="0">
+                        <a:solidFill>
+                          <a:srgbClr val="212121"/>
+                        </a:solidFill>
+                      </a:endParaRPr>
+                    </a:p>
+                  </a:txBody>
+                  <a:tcPr marL="0" marR="0" marT="0" marB="0" anchor="ctr" horzOverflow="overflow">
+                    <a:solidFill>
+                      <a:srgbClr val="F3CC86"/>
+                    </a:solidFill>
+                  </a:tcPr>
+                </a:tc>
+                <a:tc>
+                  <a:txBody>
+                    <a:bodyPr/>
+                    <a:lstStyle/>
+                    <a:p>
+                      <a:pPr defTabSz="914400">
+                        <a:defRPr sz="1000">
+                          <a:latin typeface="Helvetica"/>
+                          <a:ea typeface="Helvetica"/>
+                          <a:cs typeface="Helvetica"/>
+                          <a:sym typeface="Helvetica"/>
+                        </a:defRPr>
+                      </a:pPr>
                       <a:endParaRPr dirty="0"/>
                     </a:p>
                   </a:txBody>
                   <a:tcPr marL="0" marR="0" marT="0" marB="0" anchor="ctr" horzOverflow="overflow">
                     <a:solidFill>
-                      <a:schemeClr val="accent3">
-                        <a:lumMod val="75000"/>
-                      </a:schemeClr>
-                    </a:solidFill>
-                  </a:tcPr>
-                </a:tc>
-                <a:tc>
-                  <a:txBody>
-                    <a:bodyPr/>
-                    <a:lstStyle/>
-                    <a:p>
-                      <a:pPr defTabSz="914400">
-                        <a:defRPr sz="1000">
-                          <a:latin typeface="Helvetica"/>
-                          <a:ea typeface="Helvetica"/>
-                          <a:cs typeface="Helvetica"/>
-                          <a:sym typeface="Helvetica"/>
-                        </a:defRPr>
-                      </a:pPr>
-                      <a:endParaRPr dirty="0"/>
-                    </a:p>
-                  </a:txBody>
-                  <a:tcPr marL="0" marR="0" marT="0" marB="0" anchor="ctr" horzOverflow="overflow">
-                    <a:solidFill>
-                      <a:schemeClr val="bg1">
-                        <a:lumMod val="85000"/>
-                      </a:schemeClr>
+                      <a:srgbClr val="D8D8D8"/>
                     </a:solidFill>
                   </a:tcPr>
                 </a:tc>
@@ -10430,17 +10492,23 @@
                         </a:defRPr>
                       </a:pPr>
                       <a:r>
-                        <a:rPr lang="da-DK" dirty="0"/>
+                        <a:rPr lang="da-DK" dirty="0">
+                          <a:solidFill>
+                            <a:srgbClr val="212121"/>
+                          </a:solidFill>
+                        </a:rPr>
                         <a:t>2</a:t>
                       </a:r>
-                      <a:endParaRPr dirty="0"/>
-                    </a:p>
-                  </a:txBody>
-                  <a:tcPr marL="0" marR="0" marT="0" marB="0" anchor="ctr" horzOverflow="overflow">
-                    <a:solidFill>
-                      <a:schemeClr val="accent3">
-                        <a:lumMod val="75000"/>
-                      </a:schemeClr>
+                      <a:endParaRPr dirty="0">
+                        <a:solidFill>
+                          <a:srgbClr val="212121"/>
+                        </a:solidFill>
+                      </a:endParaRPr>
+                    </a:p>
+                  </a:txBody>
+                  <a:tcPr marL="0" marR="0" marT="0" marB="0" anchor="ctr" horzOverflow="overflow">
+                    <a:solidFill>
+                      <a:srgbClr val="F3CC86"/>
                     </a:solidFill>
                   </a:tcPr>
                 </a:tc>
@@ -10458,39 +10526,45 @@
                         </a:defRPr>
                       </a:pPr>
                       <a:r>
-                        <a:rPr lang="da-DK" dirty="0"/>
+                        <a:rPr lang="da-DK" dirty="0">
+                          <a:solidFill>
+                            <a:srgbClr val="212121"/>
+                          </a:solidFill>
+                        </a:rPr>
                         <a:t>2</a:t>
                       </a:r>
+                      <a:endParaRPr dirty="0">
+                        <a:solidFill>
+                          <a:srgbClr val="212121"/>
+                        </a:solidFill>
+                      </a:endParaRPr>
+                    </a:p>
+                  </a:txBody>
+                  <a:tcPr marL="0" marR="0" marT="0" marB="0" anchor="ctr" horzOverflow="overflow">
+                    <a:solidFill>
+                      <a:srgbClr val="F3CC86"/>
+                    </a:solidFill>
+                  </a:tcPr>
+                </a:tc>
+                <a:tc>
+                  <a:txBody>
+                    <a:bodyPr/>
+                    <a:lstStyle/>
+                    <a:p>
+                      <a:pPr defTabSz="914400">
+                        <a:defRPr sz="1000">
+                          <a:latin typeface="Helvetica"/>
+                          <a:ea typeface="Helvetica"/>
+                          <a:cs typeface="Helvetica"/>
+                          <a:sym typeface="Helvetica"/>
+                        </a:defRPr>
+                      </a:pPr>
                       <a:endParaRPr dirty="0"/>
                     </a:p>
                   </a:txBody>
                   <a:tcPr marL="0" marR="0" marT="0" marB="0" anchor="ctr" horzOverflow="overflow">
                     <a:solidFill>
-                      <a:srgbClr val="EEB648"/>
-                    </a:solidFill>
-                  </a:tcPr>
-                </a:tc>
-                <a:tc>
-                  <a:txBody>
-                    <a:bodyPr/>
-                    <a:lstStyle/>
-                    <a:p>
-                      <a:pPr defTabSz="914400">
-                        <a:defRPr sz="1000">
-                          <a:latin typeface="Helvetica"/>
-                          <a:ea typeface="Helvetica"/>
-                          <a:cs typeface="Helvetica"/>
-                          <a:sym typeface="Helvetica"/>
-                        </a:defRPr>
-                      </a:pPr>
-                      <a:endParaRPr dirty="0"/>
-                    </a:p>
-                  </a:txBody>
-                  <a:tcPr marL="0" marR="0" marT="0" marB="0" anchor="ctr" horzOverflow="overflow">
-                    <a:solidFill>
-                      <a:schemeClr val="bg1">
-                        <a:lumMod val="85000"/>
-                      </a:schemeClr>
+                      <a:srgbClr val="D8D8D8"/>
                     </a:solidFill>
                   </a:tcPr>
                 </a:tc>
@@ -10515,67 +10589,79 @@
                         </a:defRPr>
                       </a:pPr>
                       <a:r>
-                        <a:rPr lang="da-DK" dirty="0"/>
-                        <a:t>2</a:t>
-                      </a:r>
-                      <a:endParaRPr dirty="0"/>
-                    </a:p>
-                  </a:txBody>
-                  <a:tcPr marL="0" marR="0" marT="0" marB="0" anchor="ctr" horzOverflow="overflow">
-                    <a:solidFill>
-                      <a:schemeClr val="accent3">
-                        <a:lumMod val="75000"/>
-                      </a:schemeClr>
-                    </a:solidFill>
-                  </a:tcPr>
-                </a:tc>
-                <a:tc>
-                  <a:txBody>
-                    <a:bodyPr/>
-                    <a:lstStyle/>
-                    <a:p>
-                      <a:pPr defTabSz="914400">
-                        <a:defRPr sz="1000">
-                          <a:latin typeface="Helvetica"/>
-                          <a:ea typeface="Helvetica"/>
-                          <a:cs typeface="Helvetica"/>
-                          <a:sym typeface="Helvetica"/>
-                        </a:defRPr>
-                      </a:pPr>
-                      <a:r>
-                        <a:rPr lang="da-DK" dirty="0"/>
+                        <a:rPr lang="da-DK" dirty="0">
+                          <a:solidFill>
+                            <a:srgbClr val="212121"/>
+                          </a:solidFill>
+                        </a:rPr>
                         <a:t>1</a:t>
                       </a:r>
+                      <a:endParaRPr dirty="0">
+                        <a:solidFill>
+                          <a:srgbClr val="212121"/>
+                        </a:solidFill>
+                      </a:endParaRPr>
+                    </a:p>
+                  </a:txBody>
+                  <a:tcPr marL="0" marR="0" marT="0" marB="0" anchor="ctr" horzOverflow="overflow">
+                    <a:solidFill>
+                      <a:srgbClr val="F3CC86"/>
+                    </a:solidFill>
+                  </a:tcPr>
+                </a:tc>
+                <a:tc>
+                  <a:txBody>
+                    <a:bodyPr/>
+                    <a:lstStyle/>
+                    <a:p>
+                      <a:pPr defTabSz="914400">
+                        <a:defRPr sz="1000">
+                          <a:latin typeface="Helvetica"/>
+                          <a:ea typeface="Helvetica"/>
+                          <a:cs typeface="Helvetica"/>
+                          <a:sym typeface="Helvetica"/>
+                        </a:defRPr>
+                      </a:pPr>
+                      <a:r>
+                        <a:rPr lang="da-DK" dirty="0">
+                          <a:solidFill>
+                            <a:srgbClr val="212121"/>
+                          </a:solidFill>
+                        </a:rPr>
+                        <a:t>1</a:t>
+                      </a:r>
+                      <a:endParaRPr dirty="0">
+                        <a:solidFill>
+                          <a:srgbClr val="212121"/>
+                        </a:solidFill>
+                      </a:endParaRPr>
+                    </a:p>
+                  </a:txBody>
+                  <a:tcPr marL="0" marR="0" marT="0" marB="0" anchor="ctr" horzOverflow="overflow">
+                    <a:solidFill>
+                      <a:srgbClr val="F3CC86"/>
+                    </a:solidFill>
+                  </a:tcPr>
+                </a:tc>
+                <a:tc>
+                  <a:txBody>
+                    <a:bodyPr/>
+                    <a:lstStyle/>
+                    <a:p>
+                      <a:pPr defTabSz="914400">
+                        <a:defRPr sz="1000">
+                          <a:latin typeface="Helvetica"/>
+                          <a:ea typeface="Helvetica"/>
+                          <a:cs typeface="Helvetica"/>
+                          <a:sym typeface="Helvetica"/>
+                        </a:defRPr>
+                      </a:pPr>
                       <a:endParaRPr dirty="0"/>
                     </a:p>
                   </a:txBody>
                   <a:tcPr marL="0" marR="0" marT="0" marB="0" anchor="ctr" horzOverflow="overflow">
                     <a:solidFill>
-                      <a:schemeClr val="accent3"/>
-                    </a:solidFill>
-                  </a:tcPr>
-                </a:tc>
-                <a:tc>
-                  <a:txBody>
-                    <a:bodyPr/>
-                    <a:lstStyle/>
-                    <a:p>
-                      <a:pPr defTabSz="914400">
-                        <a:defRPr sz="1000">
-                          <a:latin typeface="Helvetica"/>
-                          <a:ea typeface="Helvetica"/>
-                          <a:cs typeface="Helvetica"/>
-                          <a:sym typeface="Helvetica"/>
-                        </a:defRPr>
-                      </a:pPr>
-                      <a:endParaRPr dirty="0"/>
-                    </a:p>
-                  </a:txBody>
-                  <a:tcPr marL="0" marR="0" marT="0" marB="0" anchor="ctr" horzOverflow="overflow">
-                    <a:solidFill>
-                      <a:schemeClr val="bg1">
-                        <a:lumMod val="85000"/>
-                      </a:schemeClr>
+                      <a:srgbClr val="D8D8D8"/>
                     </a:solidFill>
                   </a:tcPr>
                 </a:tc>
@@ -10684,7 +10770,7 @@
           </a:ln>
           <a:extLst>
             <a:ext uri="{C572A759-6A51-4108-AA02-DFA0A04FC94B}">
-              <ma14:wrappingTextBoxFlag xmlns:ma14="http://schemas.microsoft.com/office/mac/drawingml/2011/main" xmlns="" val="1"/>
+              <ma14:wrappingTextBoxFlag xmlns="" xmlns:ma14="http://schemas.microsoft.com/office/mac/drawingml/2011/main" val="1"/>
             </a:ext>
           </a:extLst>
         </p:spPr>
@@ -10741,7 +10827,7 @@
           <p:nvPr>
             <p:extLst>
               <p:ext uri="{D42A27DB-BD31-4B8C-83A1-F6EECF244321}">
-                <p14:modId xmlns:p14="http://schemas.microsoft.com/office/powerpoint/2010/main" val="4125015044"/>
+                <p14:modId xmlns:p14="http://schemas.microsoft.com/office/powerpoint/2010/main" val="2815637385"/>
               </p:ext>
             </p:extLst>
           </p:nvPr>
@@ -10882,15 +10968,23 @@
                         </a:defRPr>
                       </a:pPr>
                       <a:r>
-                        <a:rPr lang="da-DK" dirty="0"/>
+                        <a:rPr lang="da-DK" dirty="0">
+                          <a:solidFill>
+                            <a:srgbClr val="212121"/>
+                          </a:solidFill>
+                        </a:rPr>
                         <a:t>1</a:t>
                       </a:r>
-                      <a:endParaRPr dirty="0"/>
-                    </a:p>
-                  </a:txBody>
-                  <a:tcPr marL="0" marR="0" marT="0" marB="0" anchor="ctr" horzOverflow="overflow">
-                    <a:solidFill>
-                      <a:srgbClr val="F7DCA7"/>
+                      <a:endParaRPr dirty="0">
+                        <a:solidFill>
+                          <a:srgbClr val="212121"/>
+                        </a:solidFill>
+                      </a:endParaRPr>
+                    </a:p>
+                  </a:txBody>
+                  <a:tcPr marL="0" marR="0" marT="0" marB="0" anchor="ctr" horzOverflow="overflow">
+                    <a:solidFill>
+                      <a:srgbClr val="F3CC86"/>
                     </a:solidFill>
                   </a:tcPr>
                 </a:tc>
@@ -10908,37 +11002,45 @@
                         </a:defRPr>
                       </a:pPr>
                       <a:r>
-                        <a:rPr lang="da-DK" dirty="0"/>
+                        <a:rPr lang="da-DK" dirty="0">
+                          <a:solidFill>
+                            <a:srgbClr val="212121"/>
+                          </a:solidFill>
+                        </a:rPr>
                         <a:t>2</a:t>
                       </a:r>
+                      <a:endParaRPr dirty="0">
+                        <a:solidFill>
+                          <a:srgbClr val="212121"/>
+                        </a:solidFill>
+                      </a:endParaRPr>
+                    </a:p>
+                  </a:txBody>
+                  <a:tcPr marL="0" marR="0" marT="0" marB="0" anchor="ctr" horzOverflow="overflow">
+                    <a:solidFill>
+                      <a:srgbClr val="F3CC86"/>
+                    </a:solidFill>
+                  </a:tcPr>
+                </a:tc>
+                <a:tc>
+                  <a:txBody>
+                    <a:bodyPr/>
+                    <a:lstStyle/>
+                    <a:p>
+                      <a:pPr defTabSz="914400">
+                        <a:defRPr sz="1000">
+                          <a:latin typeface="Helvetica"/>
+                          <a:ea typeface="Helvetica"/>
+                          <a:cs typeface="Helvetica"/>
+                          <a:sym typeface="Helvetica"/>
+                        </a:defRPr>
+                      </a:pPr>
                       <a:endParaRPr dirty="0"/>
                     </a:p>
                   </a:txBody>
                   <a:tcPr marL="0" marR="0" marT="0" marB="0" anchor="ctr" horzOverflow="overflow">
                     <a:solidFill>
-                      <a:srgbClr val="F7DCA7"/>
-                    </a:solidFill>
-                  </a:tcPr>
-                </a:tc>
-                <a:tc>
-                  <a:txBody>
-                    <a:bodyPr/>
-                    <a:lstStyle/>
-                    <a:p>
-                      <a:pPr defTabSz="914400">
-                        <a:defRPr sz="1000">
-                          <a:latin typeface="Helvetica"/>
-                          <a:ea typeface="Helvetica"/>
-                          <a:cs typeface="Helvetica"/>
-                          <a:sym typeface="Helvetica"/>
-                        </a:defRPr>
-                      </a:pPr>
-                      <a:endParaRPr dirty="0"/>
-                    </a:p>
-                  </a:txBody>
-                  <a:tcPr marL="0" marR="0" marT="0" marB="0" anchor="ctr" horzOverflow="overflow">
-                    <a:solidFill>
-                      <a:srgbClr val="D9D9D9"/>
+                      <a:srgbClr val="D8D8D8"/>
                     </a:solidFill>
                   </a:tcPr>
                 </a:tc>
@@ -10963,15 +11065,23 @@
                         </a:defRPr>
                       </a:pPr>
                       <a:r>
-                        <a:rPr lang="da-DK" dirty="0"/>
+                        <a:rPr lang="da-DK" dirty="0">
+                          <a:solidFill>
+                            <a:srgbClr val="212121"/>
+                          </a:solidFill>
+                        </a:rPr>
                         <a:t>2</a:t>
                       </a:r>
-                      <a:endParaRPr dirty="0"/>
-                    </a:p>
-                  </a:txBody>
-                  <a:tcPr marL="0" marR="0" marT="0" marB="0" anchor="ctr" horzOverflow="overflow">
-                    <a:solidFill>
-                      <a:srgbClr val="EEB648"/>
+                      <a:endParaRPr dirty="0">
+                        <a:solidFill>
+                          <a:srgbClr val="212121"/>
+                        </a:solidFill>
+                      </a:endParaRPr>
+                    </a:p>
+                  </a:txBody>
+                  <a:tcPr marL="0" marR="0" marT="0" marB="0" anchor="ctr" horzOverflow="overflow">
+                    <a:solidFill>
+                      <a:srgbClr val="F3CC86"/>
                     </a:solidFill>
                   </a:tcPr>
                 </a:tc>
@@ -10989,37 +11099,45 @@
                         </a:defRPr>
                       </a:pPr>
                       <a:r>
-                        <a:rPr lang="da-DK" dirty="0"/>
+                        <a:rPr lang="da-DK" dirty="0">
+                          <a:solidFill>
+                            <a:srgbClr val="212121"/>
+                          </a:solidFill>
+                        </a:rPr>
                         <a:t>2</a:t>
                       </a:r>
+                      <a:endParaRPr dirty="0">
+                        <a:solidFill>
+                          <a:srgbClr val="212121"/>
+                        </a:solidFill>
+                      </a:endParaRPr>
+                    </a:p>
+                  </a:txBody>
+                  <a:tcPr marL="0" marR="0" marT="0" marB="0" anchor="ctr" horzOverflow="overflow">
+                    <a:solidFill>
+                      <a:srgbClr val="F3CC86"/>
+                    </a:solidFill>
+                  </a:tcPr>
+                </a:tc>
+                <a:tc>
+                  <a:txBody>
+                    <a:bodyPr/>
+                    <a:lstStyle/>
+                    <a:p>
+                      <a:pPr defTabSz="914400">
+                        <a:defRPr sz="1000">
+                          <a:latin typeface="Helvetica"/>
+                          <a:ea typeface="Helvetica"/>
+                          <a:cs typeface="Helvetica"/>
+                          <a:sym typeface="Helvetica"/>
+                        </a:defRPr>
+                      </a:pPr>
                       <a:endParaRPr dirty="0"/>
                     </a:p>
                   </a:txBody>
                   <a:tcPr marL="0" marR="0" marT="0" marB="0" anchor="ctr" horzOverflow="overflow">
                     <a:solidFill>
-                      <a:srgbClr val="EEB648"/>
-                    </a:solidFill>
-                  </a:tcPr>
-                </a:tc>
-                <a:tc>
-                  <a:txBody>
-                    <a:bodyPr/>
-                    <a:lstStyle/>
-                    <a:p>
-                      <a:pPr defTabSz="914400">
-                        <a:defRPr sz="1000">
-                          <a:latin typeface="Helvetica"/>
-                          <a:ea typeface="Helvetica"/>
-                          <a:cs typeface="Helvetica"/>
-                          <a:sym typeface="Helvetica"/>
-                        </a:defRPr>
-                      </a:pPr>
-                      <a:endParaRPr dirty="0"/>
-                    </a:p>
-                  </a:txBody>
-                  <a:tcPr marL="0" marR="0" marT="0" marB="0" anchor="ctr" horzOverflow="overflow">
-                    <a:solidFill>
-                      <a:srgbClr val="D9D9D9"/>
+                      <a:srgbClr val="D8D8D8"/>
                     </a:solidFill>
                   </a:tcPr>
                 </a:tc>
@@ -11044,15 +11162,23 @@
                         </a:defRPr>
                       </a:pPr>
                       <a:r>
-                        <a:rPr lang="da-DK" dirty="0"/>
+                        <a:rPr lang="da-DK" dirty="0">
+                          <a:solidFill>
+                            <a:srgbClr val="212121"/>
+                          </a:solidFill>
+                        </a:rPr>
                         <a:t>1</a:t>
                       </a:r>
-                      <a:endParaRPr dirty="0"/>
-                    </a:p>
-                  </a:txBody>
-                  <a:tcPr marL="0" marR="0" marT="0" marB="0" anchor="ctr" horzOverflow="overflow">
-                    <a:solidFill>
-                      <a:srgbClr val="F7DCA7"/>
+                      <a:endParaRPr dirty="0">
+                        <a:solidFill>
+                          <a:srgbClr val="212121"/>
+                        </a:solidFill>
+                      </a:endParaRPr>
+                    </a:p>
+                  </a:txBody>
+                  <a:tcPr marL="0" marR="0" marT="0" marB="0" anchor="ctr" horzOverflow="overflow">
+                    <a:solidFill>
+                      <a:srgbClr val="F3CC86"/>
                     </a:solidFill>
                   </a:tcPr>
                 </a:tc>
@@ -11070,37 +11196,45 @@
                         </a:defRPr>
                       </a:pPr>
                       <a:r>
-                        <a:rPr lang="da-DK" dirty="0"/>
+                        <a:rPr lang="da-DK" dirty="0">
+                          <a:solidFill>
+                            <a:srgbClr val="212121"/>
+                          </a:solidFill>
+                        </a:rPr>
                         <a:t>1</a:t>
                       </a:r>
+                      <a:endParaRPr dirty="0">
+                        <a:solidFill>
+                          <a:srgbClr val="212121"/>
+                        </a:solidFill>
+                      </a:endParaRPr>
+                    </a:p>
+                  </a:txBody>
+                  <a:tcPr marL="0" marR="0" marT="0" marB="0" anchor="ctr" horzOverflow="overflow">
+                    <a:solidFill>
+                      <a:srgbClr val="F3CC86"/>
+                    </a:solidFill>
+                  </a:tcPr>
+                </a:tc>
+                <a:tc>
+                  <a:txBody>
+                    <a:bodyPr/>
+                    <a:lstStyle/>
+                    <a:p>
+                      <a:pPr defTabSz="914400">
+                        <a:defRPr sz="1000">
+                          <a:latin typeface="Helvetica"/>
+                          <a:ea typeface="Helvetica"/>
+                          <a:cs typeface="Helvetica"/>
+                          <a:sym typeface="Helvetica"/>
+                        </a:defRPr>
+                      </a:pPr>
                       <a:endParaRPr dirty="0"/>
                     </a:p>
                   </a:txBody>
                   <a:tcPr marL="0" marR="0" marT="0" marB="0" anchor="ctr" horzOverflow="overflow">
                     <a:solidFill>
-                      <a:srgbClr val="F7DCA7"/>
-                    </a:solidFill>
-                  </a:tcPr>
-                </a:tc>
-                <a:tc>
-                  <a:txBody>
-                    <a:bodyPr/>
-                    <a:lstStyle/>
-                    <a:p>
-                      <a:pPr defTabSz="914400">
-                        <a:defRPr sz="1000">
-                          <a:latin typeface="Helvetica"/>
-                          <a:ea typeface="Helvetica"/>
-                          <a:cs typeface="Helvetica"/>
-                          <a:sym typeface="Helvetica"/>
-                        </a:defRPr>
-                      </a:pPr>
-                      <a:endParaRPr dirty="0"/>
-                    </a:p>
-                  </a:txBody>
-                  <a:tcPr marL="0" marR="0" marT="0" marB="0" anchor="ctr" horzOverflow="overflow">
-                    <a:solidFill>
-                      <a:srgbClr val="D9D9D9"/>
+                      <a:srgbClr val="D8D8D8"/>
                     </a:solidFill>
                   </a:tcPr>
                 </a:tc>
@@ -11175,7 +11309,7 @@
           <p:nvPr>
             <p:extLst>
               <p:ext uri="{D42A27DB-BD31-4B8C-83A1-F6EECF244321}">
-                <p14:modId xmlns:p14="http://schemas.microsoft.com/office/powerpoint/2010/main" val="642347985"/>
+                <p14:modId xmlns:p14="http://schemas.microsoft.com/office/powerpoint/2010/main" val="320809421"/>
               </p:ext>
             </p:extLst>
           </p:nvPr>
@@ -11313,15 +11447,23 @@
                         </a:defRPr>
                       </a:pPr>
                       <a:r>
-                        <a:rPr lang="da-DK" dirty="0"/>
+                        <a:rPr lang="da-DK" dirty="0">
+                          <a:solidFill>
+                            <a:srgbClr val="212121"/>
+                          </a:solidFill>
+                        </a:rPr>
                         <a:t>1</a:t>
                       </a:r>
-                      <a:endParaRPr dirty="0"/>
-                    </a:p>
-                  </a:txBody>
-                  <a:tcPr marL="0" marR="0" marT="0" marB="0" anchor="ctr" horzOverflow="overflow">
-                    <a:solidFill>
-                      <a:srgbClr val="F7DCA7"/>
+                      <a:endParaRPr dirty="0">
+                        <a:solidFill>
+                          <a:srgbClr val="212121"/>
+                        </a:solidFill>
+                      </a:endParaRPr>
+                    </a:p>
+                  </a:txBody>
+                  <a:tcPr marL="0" marR="0" marT="0" marB="0" anchor="ctr" horzOverflow="overflow">
+                    <a:solidFill>
+                      <a:srgbClr val="F3CC86"/>
                     </a:solidFill>
                   </a:tcPr>
                 </a:tc>
@@ -11339,41 +11481,45 @@
                         </a:defRPr>
                       </a:pPr>
                       <a:r>
-                        <a:rPr lang="da-DK" dirty="0"/>
+                        <a:rPr lang="da-DK" dirty="0">
+                          <a:solidFill>
+                            <a:srgbClr val="212121"/>
+                          </a:solidFill>
+                        </a:rPr>
                         <a:t>2</a:t>
                       </a:r>
+                      <a:endParaRPr dirty="0">
+                        <a:solidFill>
+                          <a:srgbClr val="212121"/>
+                        </a:solidFill>
+                      </a:endParaRPr>
+                    </a:p>
+                  </a:txBody>
+                  <a:tcPr marL="0" marR="0" marT="0" marB="0" anchor="ctr" horzOverflow="overflow">
+                    <a:solidFill>
+                      <a:srgbClr val="F3CC86"/>
+                    </a:solidFill>
+                  </a:tcPr>
+                </a:tc>
+                <a:tc>
+                  <a:txBody>
+                    <a:bodyPr/>
+                    <a:lstStyle/>
+                    <a:p>
+                      <a:pPr defTabSz="914400">
+                        <a:defRPr sz="1000">
+                          <a:latin typeface="Helvetica"/>
+                          <a:ea typeface="Helvetica"/>
+                          <a:cs typeface="Helvetica"/>
+                          <a:sym typeface="Helvetica"/>
+                        </a:defRPr>
+                      </a:pPr>
                       <a:endParaRPr dirty="0"/>
                     </a:p>
                   </a:txBody>
                   <a:tcPr marL="0" marR="0" marT="0" marB="0" anchor="ctr" horzOverflow="overflow">
                     <a:solidFill>
-                      <a:schemeClr val="accent3">
-                        <a:lumMod val="75000"/>
-                      </a:schemeClr>
-                    </a:solidFill>
-                  </a:tcPr>
-                </a:tc>
-                <a:tc>
-                  <a:txBody>
-                    <a:bodyPr/>
-                    <a:lstStyle/>
-                    <a:p>
-                      <a:pPr defTabSz="914400">
-                        <a:defRPr sz="1000">
-                          <a:latin typeface="Helvetica"/>
-                          <a:ea typeface="Helvetica"/>
-                          <a:cs typeface="Helvetica"/>
-                          <a:sym typeface="Helvetica"/>
-                        </a:defRPr>
-                      </a:pPr>
-                      <a:endParaRPr dirty="0"/>
-                    </a:p>
-                  </a:txBody>
-                  <a:tcPr marL="0" marR="0" marT="0" marB="0" anchor="ctr" horzOverflow="overflow">
-                    <a:solidFill>
-                      <a:schemeClr val="bg1">
-                        <a:lumMod val="85000"/>
-                      </a:schemeClr>
+                      <a:srgbClr val="D8D8D8"/>
                     </a:solidFill>
                   </a:tcPr>
                 </a:tc>
@@ -11398,17 +11544,23 @@
                         </a:defRPr>
                       </a:pPr>
                       <a:r>
-                        <a:rPr lang="da-DK" dirty="0"/>
+                        <a:rPr lang="da-DK" dirty="0">
+                          <a:solidFill>
+                            <a:srgbClr val="212121"/>
+                          </a:solidFill>
+                        </a:rPr>
                         <a:t>2</a:t>
                       </a:r>
-                      <a:endParaRPr dirty="0"/>
-                    </a:p>
-                  </a:txBody>
-                  <a:tcPr marL="0" marR="0" marT="0" marB="0" anchor="ctr" horzOverflow="overflow">
-                    <a:solidFill>
-                      <a:schemeClr val="accent3">
-                        <a:lumMod val="75000"/>
-                      </a:schemeClr>
+                      <a:endParaRPr dirty="0">
+                        <a:solidFill>
+                          <a:srgbClr val="212121"/>
+                        </a:solidFill>
+                      </a:endParaRPr>
+                    </a:p>
+                  </a:txBody>
+                  <a:tcPr marL="0" marR="0" marT="0" marB="0" anchor="ctr" horzOverflow="overflow">
+                    <a:solidFill>
+                      <a:srgbClr val="F3CC86"/>
                     </a:solidFill>
                   </a:tcPr>
                 </a:tc>
@@ -11426,39 +11578,45 @@
                         </a:defRPr>
                       </a:pPr>
                       <a:r>
-                        <a:rPr lang="da-DK" dirty="0"/>
+                        <a:rPr lang="da-DK" dirty="0">
+                          <a:solidFill>
+                            <a:srgbClr val="212121"/>
+                          </a:solidFill>
+                        </a:rPr>
                         <a:t>2</a:t>
                       </a:r>
+                      <a:endParaRPr dirty="0">
+                        <a:solidFill>
+                          <a:srgbClr val="212121"/>
+                        </a:solidFill>
+                      </a:endParaRPr>
+                    </a:p>
+                  </a:txBody>
+                  <a:tcPr marL="0" marR="0" marT="0" marB="0" anchor="ctr" horzOverflow="overflow">
+                    <a:solidFill>
+                      <a:srgbClr val="F3CC86"/>
+                    </a:solidFill>
+                  </a:tcPr>
+                </a:tc>
+                <a:tc>
+                  <a:txBody>
+                    <a:bodyPr/>
+                    <a:lstStyle/>
+                    <a:p>
+                      <a:pPr defTabSz="914400">
+                        <a:defRPr sz="1000">
+                          <a:latin typeface="Helvetica"/>
+                          <a:ea typeface="Helvetica"/>
+                          <a:cs typeface="Helvetica"/>
+                          <a:sym typeface="Helvetica"/>
+                        </a:defRPr>
+                      </a:pPr>
                       <a:endParaRPr dirty="0"/>
                     </a:p>
                   </a:txBody>
                   <a:tcPr marL="0" marR="0" marT="0" marB="0" anchor="ctr" horzOverflow="overflow">
                     <a:solidFill>
-                      <a:srgbClr val="EEB648"/>
-                    </a:solidFill>
-                  </a:tcPr>
-                </a:tc>
-                <a:tc>
-                  <a:txBody>
-                    <a:bodyPr/>
-                    <a:lstStyle/>
-                    <a:p>
-                      <a:pPr defTabSz="914400">
-                        <a:defRPr sz="1000">
-                          <a:latin typeface="Helvetica"/>
-                          <a:ea typeface="Helvetica"/>
-                          <a:cs typeface="Helvetica"/>
-                          <a:sym typeface="Helvetica"/>
-                        </a:defRPr>
-                      </a:pPr>
-                      <a:endParaRPr dirty="0"/>
-                    </a:p>
-                  </a:txBody>
-                  <a:tcPr marL="0" marR="0" marT="0" marB="0" anchor="ctr" horzOverflow="overflow">
-                    <a:solidFill>
-                      <a:schemeClr val="bg1">
-                        <a:lumMod val="85000"/>
-                      </a:schemeClr>
+                      <a:srgbClr val="D8D8D8"/>
                     </a:solidFill>
                   </a:tcPr>
                 </a:tc>
@@ -11483,15 +11641,23 @@
                         </a:defRPr>
                       </a:pPr>
                       <a:r>
-                        <a:rPr lang="da-DK" dirty="0"/>
+                        <a:rPr lang="da-DK" dirty="0">
+                          <a:solidFill>
+                            <a:srgbClr val="212121"/>
+                          </a:solidFill>
+                        </a:rPr>
                         <a:t>1</a:t>
                       </a:r>
-                      <a:endParaRPr dirty="0"/>
-                    </a:p>
-                  </a:txBody>
-                  <a:tcPr marL="0" marR="0" marT="0" marB="0" anchor="ctr" horzOverflow="overflow">
-                    <a:solidFill>
-                      <a:schemeClr val="accent3"/>
+                      <a:endParaRPr dirty="0">
+                        <a:solidFill>
+                          <a:srgbClr val="212121"/>
+                        </a:solidFill>
+                      </a:endParaRPr>
+                    </a:p>
+                  </a:txBody>
+                  <a:tcPr marL="0" marR="0" marT="0" marB="0" anchor="ctr" horzOverflow="overflow">
+                    <a:solidFill>
+                      <a:srgbClr val="F3CC86"/>
                     </a:solidFill>
                   </a:tcPr>
                 </a:tc>
@@ -11509,39 +11675,45 @@
                         </a:defRPr>
                       </a:pPr>
                       <a:r>
-                        <a:rPr lang="da-DK" dirty="0"/>
+                        <a:rPr lang="da-DK" dirty="0">
+                          <a:solidFill>
+                            <a:srgbClr val="212121"/>
+                          </a:solidFill>
+                        </a:rPr>
                         <a:t>1</a:t>
                       </a:r>
+                      <a:endParaRPr dirty="0">
+                        <a:solidFill>
+                          <a:srgbClr val="212121"/>
+                        </a:solidFill>
+                      </a:endParaRPr>
+                    </a:p>
+                  </a:txBody>
+                  <a:tcPr marL="0" marR="0" marT="0" marB="0" anchor="ctr" horzOverflow="overflow">
+                    <a:solidFill>
+                      <a:srgbClr val="F3CC86"/>
+                    </a:solidFill>
+                  </a:tcPr>
+                </a:tc>
+                <a:tc>
+                  <a:txBody>
+                    <a:bodyPr/>
+                    <a:lstStyle/>
+                    <a:p>
+                      <a:pPr defTabSz="914400">
+                        <a:defRPr sz="1000">
+                          <a:latin typeface="Helvetica"/>
+                          <a:ea typeface="Helvetica"/>
+                          <a:cs typeface="Helvetica"/>
+                          <a:sym typeface="Helvetica"/>
+                        </a:defRPr>
+                      </a:pPr>
                       <a:endParaRPr dirty="0"/>
                     </a:p>
                   </a:txBody>
                   <a:tcPr marL="0" marR="0" marT="0" marB="0" anchor="ctr" horzOverflow="overflow">
                     <a:solidFill>
-                      <a:schemeClr val="accent3"/>
-                    </a:solidFill>
-                  </a:tcPr>
-                </a:tc>
-                <a:tc>
-                  <a:txBody>
-                    <a:bodyPr/>
-                    <a:lstStyle/>
-                    <a:p>
-                      <a:pPr defTabSz="914400">
-                        <a:defRPr sz="1000">
-                          <a:latin typeface="Helvetica"/>
-                          <a:ea typeface="Helvetica"/>
-                          <a:cs typeface="Helvetica"/>
-                          <a:sym typeface="Helvetica"/>
-                        </a:defRPr>
-                      </a:pPr>
-                      <a:endParaRPr dirty="0"/>
-                    </a:p>
-                  </a:txBody>
-                  <a:tcPr marL="0" marR="0" marT="0" marB="0" anchor="ctr" horzOverflow="overflow">
-                    <a:solidFill>
-                      <a:schemeClr val="bg1">
-                        <a:lumMod val="85000"/>
-                      </a:schemeClr>
+                      <a:srgbClr val="D8D8D8"/>
                     </a:solidFill>
                   </a:tcPr>
                 </a:tc>
@@ -11566,15 +11738,23 @@
                         </a:defRPr>
                       </a:pPr>
                       <a:r>
-                        <a:rPr lang="da-DK" dirty="0"/>
+                        <a:rPr lang="da-DK" dirty="0">
+                          <a:solidFill>
+                            <a:srgbClr val="212121"/>
+                          </a:solidFill>
+                        </a:rPr>
                         <a:t>1</a:t>
                       </a:r>
-                      <a:endParaRPr dirty="0"/>
-                    </a:p>
-                  </a:txBody>
-                  <a:tcPr marL="0" marR="0" marT="0" marB="0" anchor="ctr" horzOverflow="overflow">
-                    <a:solidFill>
-                      <a:schemeClr val="accent3"/>
+                      <a:endParaRPr dirty="0">
+                        <a:solidFill>
+                          <a:srgbClr val="212121"/>
+                        </a:solidFill>
+                      </a:endParaRPr>
+                    </a:p>
+                  </a:txBody>
+                  <a:tcPr marL="0" marR="0" marT="0" marB="0" anchor="ctr" horzOverflow="overflow">
+                    <a:solidFill>
+                      <a:srgbClr val="F3CC86"/>
                     </a:solidFill>
                   </a:tcPr>
                 </a:tc>
@@ -11592,39 +11772,45 @@
                         </a:defRPr>
                       </a:pPr>
                       <a:r>
-                        <a:rPr lang="da-DK" dirty="0"/>
+                        <a:rPr lang="da-DK" dirty="0">
+                          <a:solidFill>
+                            <a:srgbClr val="212121"/>
+                          </a:solidFill>
+                        </a:rPr>
                         <a:t>2</a:t>
                       </a:r>
+                      <a:endParaRPr dirty="0">
+                        <a:solidFill>
+                          <a:srgbClr val="212121"/>
+                        </a:solidFill>
+                      </a:endParaRPr>
+                    </a:p>
+                  </a:txBody>
+                  <a:tcPr marL="0" marR="0" marT="0" marB="0" anchor="ctr" horzOverflow="overflow">
+                    <a:solidFill>
+                      <a:srgbClr val="F3CC86"/>
+                    </a:solidFill>
+                  </a:tcPr>
+                </a:tc>
+                <a:tc>
+                  <a:txBody>
+                    <a:bodyPr/>
+                    <a:lstStyle/>
+                    <a:p>
+                      <a:pPr defTabSz="914400">
+                        <a:defRPr sz="1000">
+                          <a:latin typeface="Helvetica"/>
+                          <a:ea typeface="Helvetica"/>
+                          <a:cs typeface="Helvetica"/>
+                          <a:sym typeface="Helvetica"/>
+                        </a:defRPr>
+                      </a:pPr>
                       <a:endParaRPr dirty="0"/>
                     </a:p>
                   </a:txBody>
                   <a:tcPr marL="0" marR="0" marT="0" marB="0" anchor="ctr" horzOverflow="overflow">
                     <a:solidFill>
-                      <a:srgbClr val="EEB648"/>
-                    </a:solidFill>
-                  </a:tcPr>
-                </a:tc>
-                <a:tc>
-                  <a:txBody>
-                    <a:bodyPr/>
-                    <a:lstStyle/>
-                    <a:p>
-                      <a:pPr defTabSz="914400">
-                        <a:defRPr sz="1000">
-                          <a:latin typeface="Helvetica"/>
-                          <a:ea typeface="Helvetica"/>
-                          <a:cs typeface="Helvetica"/>
-                          <a:sym typeface="Helvetica"/>
-                        </a:defRPr>
-                      </a:pPr>
-                      <a:endParaRPr dirty="0"/>
-                    </a:p>
-                  </a:txBody>
-                  <a:tcPr marL="0" marR="0" marT="0" marB="0" anchor="ctr" horzOverflow="overflow">
-                    <a:solidFill>
-                      <a:schemeClr val="bg1">
-                        <a:lumMod val="85000"/>
-                      </a:schemeClr>
+                      <a:srgbClr val="D8D8D8"/>
                     </a:solidFill>
                   </a:tcPr>
                 </a:tc>
@@ -11775,7 +11961,7 @@
           <p:nvPr>
             <p:extLst>
               <p:ext uri="{D42A27DB-BD31-4B8C-83A1-F6EECF244321}">
-                <p14:modId xmlns:p14="http://schemas.microsoft.com/office/powerpoint/2010/main" val="186124319"/>
+                <p14:modId xmlns:p14="http://schemas.microsoft.com/office/powerpoint/2010/main" val="4231820847"/>
               </p:ext>
             </p:extLst>
           </p:nvPr>
@@ -11878,41 +12064,45 @@
                         </a:defRPr>
                       </a:pPr>
                       <a:r>
-                        <a:rPr lang="da-DK" dirty="0"/>
+                        <a:rPr lang="da-DK" dirty="0">
+                          <a:solidFill>
+                            <a:srgbClr val="212121"/>
+                          </a:solidFill>
+                        </a:rPr>
                         <a:t>2</a:t>
                       </a:r>
+                      <a:endParaRPr dirty="0">
+                        <a:solidFill>
+                          <a:srgbClr val="212121"/>
+                        </a:solidFill>
+                      </a:endParaRPr>
+                    </a:p>
+                  </a:txBody>
+                  <a:tcPr marL="0" marR="0" marT="0" marB="0" anchor="ctr" horzOverflow="overflow">
+                    <a:solidFill>
+                      <a:srgbClr val="D8D8D8"/>
+                    </a:solidFill>
+                  </a:tcPr>
+                </a:tc>
+                <a:tc>
+                  <a:txBody>
+                    <a:bodyPr/>
+                    <a:lstStyle/>
+                    <a:p>
+                      <a:pPr defTabSz="914400">
+                        <a:defRPr sz="1000">
+                          <a:latin typeface="Helvetica"/>
+                          <a:ea typeface="Helvetica"/>
+                          <a:cs typeface="Helvetica"/>
+                          <a:sym typeface="Helvetica"/>
+                        </a:defRPr>
+                      </a:pPr>
                       <a:endParaRPr dirty="0"/>
                     </a:p>
                   </a:txBody>
                   <a:tcPr marL="0" marR="0" marT="0" marB="0" anchor="ctr" horzOverflow="overflow">
                     <a:solidFill>
-                      <a:schemeClr val="bg1">
-                        <a:lumMod val="85000"/>
-                      </a:schemeClr>
-                    </a:solidFill>
-                  </a:tcPr>
-                </a:tc>
-                <a:tc>
-                  <a:txBody>
-                    <a:bodyPr/>
-                    <a:lstStyle/>
-                    <a:p>
-                      <a:pPr defTabSz="914400">
-                        <a:defRPr sz="1000">
-                          <a:latin typeface="Helvetica"/>
-                          <a:ea typeface="Helvetica"/>
-                          <a:cs typeface="Helvetica"/>
-                          <a:sym typeface="Helvetica"/>
-                        </a:defRPr>
-                      </a:pPr>
-                      <a:endParaRPr dirty="0"/>
-                    </a:p>
-                  </a:txBody>
-                  <a:tcPr marL="0" marR="0" marT="0" marB="0" anchor="ctr" horzOverflow="overflow">
-                    <a:solidFill>
-                      <a:schemeClr val="bg1">
-                        <a:lumMod val="85000"/>
-                      </a:schemeClr>
+                      <a:srgbClr val="D8D8D8"/>
                     </a:solidFill>
                   </a:tcPr>
                 </a:tc>
@@ -11937,41 +12127,45 @@
                         </a:defRPr>
                       </a:pPr>
                       <a:r>
-                        <a:rPr lang="da-DK" dirty="0"/>
+                        <a:rPr lang="da-DK" dirty="0">
+                          <a:solidFill>
+                            <a:srgbClr val="212121"/>
+                          </a:solidFill>
+                        </a:rPr>
                         <a:t>1</a:t>
                       </a:r>
+                      <a:endParaRPr dirty="0">
+                        <a:solidFill>
+                          <a:srgbClr val="212121"/>
+                        </a:solidFill>
+                      </a:endParaRPr>
+                    </a:p>
+                  </a:txBody>
+                  <a:tcPr marL="0" marR="0" marT="0" marB="0" anchor="ctr" horzOverflow="overflow">
+                    <a:solidFill>
+                      <a:srgbClr val="D8D8D8"/>
+                    </a:solidFill>
+                  </a:tcPr>
+                </a:tc>
+                <a:tc>
+                  <a:txBody>
+                    <a:bodyPr/>
+                    <a:lstStyle/>
+                    <a:p>
+                      <a:pPr defTabSz="914400">
+                        <a:defRPr sz="1000">
+                          <a:latin typeface="Helvetica"/>
+                          <a:ea typeface="Helvetica"/>
+                          <a:cs typeface="Helvetica"/>
+                          <a:sym typeface="Helvetica"/>
+                        </a:defRPr>
+                      </a:pPr>
                       <a:endParaRPr dirty="0"/>
                     </a:p>
                   </a:txBody>
                   <a:tcPr marL="0" marR="0" marT="0" marB="0" anchor="ctr" horzOverflow="overflow">
                     <a:solidFill>
-                      <a:schemeClr val="bg1">
-                        <a:lumMod val="85000"/>
-                      </a:schemeClr>
-                    </a:solidFill>
-                  </a:tcPr>
-                </a:tc>
-                <a:tc>
-                  <a:txBody>
-                    <a:bodyPr/>
-                    <a:lstStyle/>
-                    <a:p>
-                      <a:pPr defTabSz="914400">
-                        <a:defRPr sz="1000">
-                          <a:latin typeface="Helvetica"/>
-                          <a:ea typeface="Helvetica"/>
-                          <a:cs typeface="Helvetica"/>
-                          <a:sym typeface="Helvetica"/>
-                        </a:defRPr>
-                      </a:pPr>
-                      <a:endParaRPr dirty="0"/>
-                    </a:p>
-                  </a:txBody>
-                  <a:tcPr marL="0" marR="0" marT="0" marB="0" anchor="ctr" horzOverflow="overflow">
-                    <a:solidFill>
-                      <a:schemeClr val="bg1">
-                        <a:lumMod val="85000"/>
-                      </a:schemeClr>
+                      <a:srgbClr val="D8D8D8"/>
                     </a:solidFill>
                   </a:tcPr>
                 </a:tc>
@@ -11996,41 +12190,45 @@
                         </a:defRPr>
                       </a:pPr>
                       <a:r>
-                        <a:rPr lang="da-DK" dirty="0"/>
+                        <a:rPr lang="da-DK" dirty="0">
+                          <a:solidFill>
+                            <a:srgbClr val="212121"/>
+                          </a:solidFill>
+                        </a:rPr>
                         <a:t>2</a:t>
                       </a:r>
+                      <a:endParaRPr dirty="0">
+                        <a:solidFill>
+                          <a:srgbClr val="212121"/>
+                        </a:solidFill>
+                      </a:endParaRPr>
+                    </a:p>
+                  </a:txBody>
+                  <a:tcPr marL="0" marR="0" marT="0" marB="0" anchor="ctr" horzOverflow="overflow">
+                    <a:solidFill>
+                      <a:srgbClr val="D8D8D8"/>
+                    </a:solidFill>
+                  </a:tcPr>
+                </a:tc>
+                <a:tc>
+                  <a:txBody>
+                    <a:bodyPr/>
+                    <a:lstStyle/>
+                    <a:p>
+                      <a:pPr defTabSz="914400">
+                        <a:defRPr sz="1000">
+                          <a:latin typeface="Helvetica"/>
+                          <a:ea typeface="Helvetica"/>
+                          <a:cs typeface="Helvetica"/>
+                          <a:sym typeface="Helvetica"/>
+                        </a:defRPr>
+                      </a:pPr>
                       <a:endParaRPr dirty="0"/>
                     </a:p>
                   </a:txBody>
                   <a:tcPr marL="0" marR="0" marT="0" marB="0" anchor="ctr" horzOverflow="overflow">
                     <a:solidFill>
-                      <a:schemeClr val="bg1">
-                        <a:lumMod val="85000"/>
-                      </a:schemeClr>
-                    </a:solidFill>
-                  </a:tcPr>
-                </a:tc>
-                <a:tc>
-                  <a:txBody>
-                    <a:bodyPr/>
-                    <a:lstStyle/>
-                    <a:p>
-                      <a:pPr defTabSz="914400">
-                        <a:defRPr sz="1000">
-                          <a:latin typeface="Helvetica"/>
-                          <a:ea typeface="Helvetica"/>
-                          <a:cs typeface="Helvetica"/>
-                          <a:sym typeface="Helvetica"/>
-                        </a:defRPr>
-                      </a:pPr>
-                      <a:endParaRPr dirty="0"/>
-                    </a:p>
-                  </a:txBody>
-                  <a:tcPr marL="0" marR="0" marT="0" marB="0" anchor="ctr" horzOverflow="overflow">
-                    <a:solidFill>
-                      <a:schemeClr val="bg1">
-                        <a:lumMod val="85000"/>
-                      </a:schemeClr>
+                      <a:srgbClr val="D8D8D8"/>
                     </a:solidFill>
                   </a:tcPr>
                 </a:tc>
@@ -12063,7 +12261,7 @@
           </a:ln>
           <a:extLst>
             <a:ext uri="{C572A759-6A51-4108-AA02-DFA0A04FC94B}">
-              <ma14:wrappingTextBoxFlag xmlns:ma14="http://schemas.microsoft.com/office/mac/drawingml/2011/main" xmlns="" val="1"/>
+              <ma14:wrappingTextBoxFlag xmlns="" xmlns:ma14="http://schemas.microsoft.com/office/mac/drawingml/2011/main" val="1"/>
             </a:ext>
           </a:extLst>
         </p:spPr>
@@ -12311,7 +12509,7 @@
           <p:nvPr>
             <p:extLst>
               <p:ext uri="{D42A27DB-BD31-4B8C-83A1-F6EECF244321}">
-                <p14:modId xmlns:p14="http://schemas.microsoft.com/office/powerpoint/2010/main" val="4251470995"/>
+                <p14:modId xmlns:p14="http://schemas.microsoft.com/office/powerpoint/2010/main" val="404045723"/>
               </p:ext>
             </p:extLst>
           </p:nvPr>
@@ -12471,9 +12669,7 @@
                   </a:txBody>
                   <a:tcPr marL="0" marR="0" marT="0" marB="0" anchor="ctr" horzOverflow="overflow">
                     <a:solidFill>
-                      <a:schemeClr val="bg1">
-                        <a:lumMod val="85000"/>
-                      </a:schemeClr>
+                      <a:srgbClr val="D8D8D8"/>
                     </a:solidFill>
                   </a:tcPr>
                 </a:tc>
@@ -12495,9 +12691,7 @@
                   </a:txBody>
                   <a:tcPr marL="0" marR="0" marT="0" marB="0" anchor="ctr" horzOverflow="overflow">
                     <a:solidFill>
-                      <a:schemeClr val="bg1">
-                        <a:lumMod val="85000"/>
-                      </a:schemeClr>
+                      <a:srgbClr val="D8D8D8"/>
                     </a:solidFill>
                   </a:tcPr>
                 </a:tc>
@@ -12550,9 +12744,7 @@
                   </a:txBody>
                   <a:tcPr marL="0" marR="0" marT="0" marB="0" anchor="ctr" horzOverflow="overflow">
                     <a:solidFill>
-                      <a:schemeClr val="bg1">
-                        <a:lumMod val="85000"/>
-                      </a:schemeClr>
+                      <a:srgbClr val="D8D8D8"/>
                     </a:solidFill>
                   </a:tcPr>
                 </a:tc>
@@ -12574,9 +12766,7 @@
                   </a:txBody>
                   <a:tcPr marL="0" marR="0" marT="0" marB="0" anchor="ctr" horzOverflow="overflow">
                     <a:solidFill>
-                      <a:schemeClr val="bg1">
-                        <a:lumMod val="85000"/>
-                      </a:schemeClr>
+                      <a:srgbClr val="D8D8D8"/>
                     </a:solidFill>
                   </a:tcPr>
                 </a:tc>
@@ -12629,9 +12819,7 @@
                   </a:txBody>
                   <a:tcPr marL="0" marR="0" marT="0" marB="0" anchor="ctr" horzOverflow="overflow">
                     <a:solidFill>
-                      <a:schemeClr val="bg1">
-                        <a:lumMod val="85000"/>
-                      </a:schemeClr>
+                      <a:srgbClr val="D8D8D8"/>
                     </a:solidFill>
                   </a:tcPr>
                 </a:tc>
@@ -12653,9 +12841,7 @@
                   </a:txBody>
                   <a:tcPr marL="0" marR="0" marT="0" marB="0" anchor="ctr" horzOverflow="overflow">
                     <a:solidFill>
-                      <a:schemeClr val="bg1">
-                        <a:lumMod val="85000"/>
-                      </a:schemeClr>
+                      <a:srgbClr val="D8D8D8"/>
                     </a:solidFill>
                   </a:tcPr>
                 </a:tc>
@@ -12705,7 +12891,7 @@
           <p:nvPr>
             <p:extLst>
               <p:ext uri="{D42A27DB-BD31-4B8C-83A1-F6EECF244321}">
-                <p14:modId xmlns:p14="http://schemas.microsoft.com/office/powerpoint/2010/main" val="2876459712"/>
+                <p14:modId xmlns:p14="http://schemas.microsoft.com/office/powerpoint/2010/main" val="916228231"/>
               </p:ext>
             </p:extLst>
           </p:nvPr>
@@ -12841,41 +13027,49 @@
                         </a:defRPr>
                       </a:pPr>
                       <a:r>
-                        <a:rPr lang="da-DK" dirty="0"/>
+                        <a:rPr lang="da-DK" dirty="0">
+                          <a:solidFill>
+                            <a:srgbClr val="212121"/>
+                          </a:solidFill>
+                        </a:rPr>
                         <a:t>2</a:t>
                       </a:r>
-                      <a:endParaRPr dirty="0"/>
-                    </a:p>
-                  </a:txBody>
-                  <a:tcPr marL="0" marR="0" marT="0" marB="0" anchor="ctr" horzOverflow="overflow">
-                    <a:solidFill>
-                      <a:schemeClr val="bg1">
-                        <a:lumMod val="85000"/>
-                      </a:schemeClr>
-                    </a:solidFill>
-                  </a:tcPr>
-                </a:tc>
-                <a:tc>
-                  <a:txBody>
-                    <a:bodyPr/>
-                    <a:lstStyle/>
-                    <a:p>
-                      <a:pPr defTabSz="914400">
-                        <a:defRPr sz="1000">
-                          <a:latin typeface="Helvetica"/>
-                          <a:ea typeface="Helvetica"/>
-                          <a:cs typeface="Helvetica"/>
-                          <a:sym typeface="Helvetica"/>
-                        </a:defRPr>
-                      </a:pPr>
-                      <a:endParaRPr dirty="0"/>
-                    </a:p>
-                  </a:txBody>
-                  <a:tcPr marL="0" marR="0" marT="0" marB="0" anchor="ctr" horzOverflow="overflow">
-                    <a:solidFill>
-                      <a:schemeClr val="bg1">
-                        <a:lumMod val="85000"/>
-                      </a:schemeClr>
+                      <a:endParaRPr dirty="0">
+                        <a:solidFill>
+                          <a:srgbClr val="212121"/>
+                        </a:solidFill>
+                      </a:endParaRPr>
+                    </a:p>
+                  </a:txBody>
+                  <a:tcPr marL="0" marR="0" marT="0" marB="0" anchor="ctr" horzOverflow="overflow">
+                    <a:solidFill>
+                      <a:srgbClr val="D8D8D8"/>
+                    </a:solidFill>
+                  </a:tcPr>
+                </a:tc>
+                <a:tc>
+                  <a:txBody>
+                    <a:bodyPr/>
+                    <a:lstStyle/>
+                    <a:p>
+                      <a:pPr defTabSz="914400">
+                        <a:defRPr sz="1000">
+                          <a:latin typeface="Helvetica"/>
+                          <a:ea typeface="Helvetica"/>
+                          <a:cs typeface="Helvetica"/>
+                          <a:sym typeface="Helvetica"/>
+                        </a:defRPr>
+                      </a:pPr>
+                      <a:endParaRPr dirty="0">
+                        <a:solidFill>
+                          <a:srgbClr val="212121"/>
+                        </a:solidFill>
+                      </a:endParaRPr>
+                    </a:p>
+                  </a:txBody>
+                  <a:tcPr marL="0" marR="0" marT="0" marB="0" anchor="ctr" horzOverflow="overflow">
+                    <a:solidFill>
+                      <a:srgbClr val="D8D8D8"/>
                     </a:solidFill>
                   </a:tcPr>
                 </a:tc>
@@ -12893,10 +13087,18 @@
                         </a:defRPr>
                       </a:pPr>
                       <a:r>
-                        <a:rPr lang="da-DK" dirty="0"/>
+                        <a:rPr lang="da-DK" dirty="0">
+                          <a:solidFill>
+                            <a:srgbClr val="212121"/>
+                          </a:solidFill>
+                        </a:rPr>
                         <a:t>NA</a:t>
                       </a:r>
-                      <a:endParaRPr dirty="0"/>
+                      <a:endParaRPr dirty="0">
+                        <a:solidFill>
+                          <a:srgbClr val="212121"/>
+                        </a:solidFill>
+                      </a:endParaRPr>
                     </a:p>
                   </a:txBody>
                   <a:tcPr marL="0" marR="0" marT="0" marB="0" anchor="ctr" horzOverflow="overflow">
@@ -12928,41 +13130,49 @@
                         </a:defRPr>
                       </a:pPr>
                       <a:r>
-                        <a:rPr lang="da-DK" dirty="0"/>
+                        <a:rPr lang="da-DK" dirty="0">
+                          <a:solidFill>
+                            <a:srgbClr val="212121"/>
+                          </a:solidFill>
+                        </a:rPr>
                         <a:t>1</a:t>
                       </a:r>
-                      <a:endParaRPr dirty="0"/>
-                    </a:p>
-                  </a:txBody>
-                  <a:tcPr marL="0" marR="0" marT="0" marB="0" anchor="ctr" horzOverflow="overflow">
-                    <a:solidFill>
-                      <a:schemeClr val="bg1">
-                        <a:lumMod val="85000"/>
-                      </a:schemeClr>
-                    </a:solidFill>
-                  </a:tcPr>
-                </a:tc>
-                <a:tc>
-                  <a:txBody>
-                    <a:bodyPr/>
-                    <a:lstStyle/>
-                    <a:p>
-                      <a:pPr defTabSz="914400">
-                        <a:defRPr sz="1000">
-                          <a:latin typeface="Helvetica"/>
-                          <a:ea typeface="Helvetica"/>
-                          <a:cs typeface="Helvetica"/>
-                          <a:sym typeface="Helvetica"/>
-                        </a:defRPr>
-                      </a:pPr>
-                      <a:endParaRPr dirty="0"/>
-                    </a:p>
-                  </a:txBody>
-                  <a:tcPr marL="0" marR="0" marT="0" marB="0" anchor="ctr" horzOverflow="overflow">
-                    <a:solidFill>
-                      <a:schemeClr val="bg1">
-                        <a:lumMod val="85000"/>
-                      </a:schemeClr>
+                      <a:endParaRPr dirty="0">
+                        <a:solidFill>
+                          <a:srgbClr val="212121"/>
+                        </a:solidFill>
+                      </a:endParaRPr>
+                    </a:p>
+                  </a:txBody>
+                  <a:tcPr marL="0" marR="0" marT="0" marB="0" anchor="ctr" horzOverflow="overflow">
+                    <a:solidFill>
+                      <a:srgbClr val="D8D8D8"/>
+                    </a:solidFill>
+                  </a:tcPr>
+                </a:tc>
+                <a:tc>
+                  <a:txBody>
+                    <a:bodyPr/>
+                    <a:lstStyle/>
+                    <a:p>
+                      <a:pPr defTabSz="914400">
+                        <a:defRPr sz="1000">
+                          <a:latin typeface="Helvetica"/>
+                          <a:ea typeface="Helvetica"/>
+                          <a:cs typeface="Helvetica"/>
+                          <a:sym typeface="Helvetica"/>
+                        </a:defRPr>
+                      </a:pPr>
+                      <a:endParaRPr dirty="0">
+                        <a:solidFill>
+                          <a:srgbClr val="212121"/>
+                        </a:solidFill>
+                      </a:endParaRPr>
+                    </a:p>
+                  </a:txBody>
+                  <a:tcPr marL="0" marR="0" marT="0" marB="0" anchor="ctr" horzOverflow="overflow">
+                    <a:solidFill>
+                      <a:srgbClr val="D8D8D8"/>
                     </a:solidFill>
                   </a:tcPr>
                 </a:tc>
@@ -12980,10 +13190,18 @@
                         </a:defRPr>
                       </a:pPr>
                       <a:r>
-                        <a:rPr lang="da-DK" dirty="0"/>
+                        <a:rPr lang="da-DK" dirty="0">
+                          <a:solidFill>
+                            <a:srgbClr val="212121"/>
+                          </a:solidFill>
+                        </a:rPr>
                         <a:t>3</a:t>
                       </a:r>
-                      <a:endParaRPr dirty="0"/>
+                      <a:endParaRPr dirty="0">
+                        <a:solidFill>
+                          <a:srgbClr val="212121"/>
+                        </a:solidFill>
+                      </a:endParaRPr>
                     </a:p>
                   </a:txBody>
                   <a:tcPr marL="0" marR="0" marT="0" marB="0" anchor="ctr" horzOverflow="overflow">
@@ -13015,41 +13233,49 @@
                         </a:defRPr>
                       </a:pPr>
                       <a:r>
-                        <a:rPr lang="da-DK" dirty="0"/>
+                        <a:rPr lang="da-DK" dirty="0">
+                          <a:solidFill>
+                            <a:srgbClr val="212121"/>
+                          </a:solidFill>
+                        </a:rPr>
                         <a:t>2</a:t>
                       </a:r>
-                      <a:endParaRPr dirty="0"/>
-                    </a:p>
-                  </a:txBody>
-                  <a:tcPr marL="0" marR="0" marT="0" marB="0" anchor="ctr" horzOverflow="overflow">
-                    <a:solidFill>
-                      <a:schemeClr val="bg1">
-                        <a:lumMod val="85000"/>
-                      </a:schemeClr>
-                    </a:solidFill>
-                  </a:tcPr>
-                </a:tc>
-                <a:tc>
-                  <a:txBody>
-                    <a:bodyPr/>
-                    <a:lstStyle/>
-                    <a:p>
-                      <a:pPr defTabSz="914400">
-                        <a:defRPr sz="1000">
-                          <a:latin typeface="Helvetica"/>
-                          <a:ea typeface="Helvetica"/>
-                          <a:cs typeface="Helvetica"/>
-                          <a:sym typeface="Helvetica"/>
-                        </a:defRPr>
-                      </a:pPr>
-                      <a:endParaRPr dirty="0"/>
-                    </a:p>
-                  </a:txBody>
-                  <a:tcPr marL="0" marR="0" marT="0" marB="0" anchor="ctr" horzOverflow="overflow">
-                    <a:solidFill>
-                      <a:schemeClr val="bg1">
-                        <a:lumMod val="85000"/>
-                      </a:schemeClr>
+                      <a:endParaRPr dirty="0">
+                        <a:solidFill>
+                          <a:srgbClr val="212121"/>
+                        </a:solidFill>
+                      </a:endParaRPr>
+                    </a:p>
+                  </a:txBody>
+                  <a:tcPr marL="0" marR="0" marT="0" marB="0" anchor="ctr" horzOverflow="overflow">
+                    <a:solidFill>
+                      <a:srgbClr val="D8D8D8"/>
+                    </a:solidFill>
+                  </a:tcPr>
+                </a:tc>
+                <a:tc>
+                  <a:txBody>
+                    <a:bodyPr/>
+                    <a:lstStyle/>
+                    <a:p>
+                      <a:pPr defTabSz="914400">
+                        <a:defRPr sz="1000">
+                          <a:latin typeface="Helvetica"/>
+                          <a:ea typeface="Helvetica"/>
+                          <a:cs typeface="Helvetica"/>
+                          <a:sym typeface="Helvetica"/>
+                        </a:defRPr>
+                      </a:pPr>
+                      <a:endParaRPr dirty="0">
+                        <a:solidFill>
+                          <a:srgbClr val="212121"/>
+                        </a:solidFill>
+                      </a:endParaRPr>
+                    </a:p>
+                  </a:txBody>
+                  <a:tcPr marL="0" marR="0" marT="0" marB="0" anchor="ctr" horzOverflow="overflow">
+                    <a:solidFill>
+                      <a:srgbClr val="D8D8D8"/>
                     </a:solidFill>
                   </a:tcPr>
                 </a:tc>
@@ -13067,10 +13293,18 @@
                         </a:defRPr>
                       </a:pPr>
                       <a:r>
-                        <a:rPr lang="da-DK" dirty="0"/>
+                        <a:rPr lang="da-DK" dirty="0">
+                          <a:solidFill>
+                            <a:srgbClr val="212121"/>
+                          </a:solidFill>
+                        </a:rPr>
                         <a:t>NA</a:t>
                       </a:r>
-                      <a:endParaRPr dirty="0"/>
+                      <a:endParaRPr dirty="0">
+                        <a:solidFill>
+                          <a:srgbClr val="212121"/>
+                        </a:solidFill>
+                      </a:endParaRPr>
                     </a:p>
                   </a:txBody>
                   <a:tcPr marL="0" marR="0" marT="0" marB="0" anchor="ctr" horzOverflow="overflow">
@@ -13283,7 +13517,7 @@
           </a:ln>
           <a:extLst>
             <a:ext uri="{C572A759-6A51-4108-AA02-DFA0A04FC94B}">
-              <ma14:wrappingTextBoxFlag xmlns:ma14="http://schemas.microsoft.com/office/mac/drawingml/2011/main" xmlns="" val="1"/>
+              <ma14:wrappingTextBoxFlag xmlns="" xmlns:ma14="http://schemas.microsoft.com/office/mac/drawingml/2011/main" val="1"/>
             </a:ext>
           </a:extLst>
         </p:spPr>
@@ -13340,7 +13574,7 @@
           <p:nvPr>
             <p:extLst>
               <p:ext uri="{D42A27DB-BD31-4B8C-83A1-F6EECF244321}">
-                <p14:modId xmlns:p14="http://schemas.microsoft.com/office/powerpoint/2010/main" val="1839026124"/>
+                <p14:modId xmlns:p14="http://schemas.microsoft.com/office/powerpoint/2010/main" val="2752211191"/>
               </p:ext>
             </p:extLst>
           </p:nvPr>
@@ -13476,9 +13710,7 @@
                   </a:txBody>
                   <a:tcPr marL="0" marR="0" marT="0" marB="0" anchor="ctr" horzOverflow="overflow">
                     <a:solidFill>
-                      <a:srgbClr val="F7DCA7">
-                        <a:alpha val="56488"/>
-                      </a:srgbClr>
+                      <a:srgbClr val="F4D9AC"/>
                     </a:solidFill>
                   </a:tcPr>
                 </a:tc>
@@ -13500,9 +13732,7 @@
                   </a:txBody>
                   <a:tcPr marL="0" marR="0" marT="0" marB="0" anchor="ctr" horzOverflow="overflow">
                     <a:solidFill>
-                      <a:srgbClr val="F7DCA7">
-                        <a:alpha val="56488"/>
-                      </a:srgbClr>
+                      <a:srgbClr val="F4D9AC"/>
                     </a:solidFill>
                   </a:tcPr>
                 </a:tc>
@@ -13524,9 +13754,7 @@
                   </a:txBody>
                   <a:tcPr marL="0" marR="0" marT="0" marB="0" anchor="ctr" horzOverflow="overflow">
                     <a:solidFill>
-                      <a:srgbClr val="F7DCA7">
-                        <a:alpha val="56488"/>
-                      </a:srgbClr>
+                      <a:srgbClr val="F4D9AC"/>
                     </a:solidFill>
                   </a:tcPr>
                 </a:tc>
@@ -13555,9 +13783,7 @@
                   </a:txBody>
                   <a:tcPr marL="0" marR="0" marT="0" marB="0" anchor="ctr" horzOverflow="overflow">
                     <a:solidFill>
-                      <a:srgbClr val="F7DCA7">
-                        <a:alpha val="56488"/>
-                      </a:srgbClr>
+                      <a:srgbClr val="F4D9AC"/>
                     </a:solidFill>
                   </a:tcPr>
                 </a:tc>
@@ -13579,9 +13805,7 @@
                   </a:txBody>
                   <a:tcPr marL="0" marR="0" marT="0" marB="0" anchor="ctr" horzOverflow="overflow">
                     <a:solidFill>
-                      <a:srgbClr val="F7DCA7">
-                        <a:alpha val="56488"/>
-                      </a:srgbClr>
+                      <a:srgbClr val="F4D9AC"/>
                     </a:solidFill>
                   </a:tcPr>
                 </a:tc>
@@ -13603,9 +13827,7 @@
                   </a:txBody>
                   <a:tcPr marL="0" marR="0" marT="0" marB="0" anchor="ctr" horzOverflow="overflow">
                     <a:solidFill>
-                      <a:srgbClr val="F7DCA7">
-                        <a:alpha val="56488"/>
-                      </a:srgbClr>
+                      <a:srgbClr val="F4D9AC"/>
                     </a:solidFill>
                   </a:tcPr>
                 </a:tc>
@@ -13692,7 +13914,7 @@
           <p:nvPr>
             <p:extLst>
               <p:ext uri="{D42A27DB-BD31-4B8C-83A1-F6EECF244321}">
-                <p14:modId xmlns:p14="http://schemas.microsoft.com/office/powerpoint/2010/main" val="1457983285"/>
+                <p14:modId xmlns:p14="http://schemas.microsoft.com/office/powerpoint/2010/main" val="292706683"/>
               </p:ext>
             </p:extLst>
           </p:nvPr>
@@ -13828,7 +14050,7 @@
                   </a:txBody>
                   <a:tcPr marL="0" marR="0" marT="0" marB="0" anchor="ctr" horzOverflow="overflow">
                     <a:solidFill>
-                      <a:srgbClr val="F7DCA7"/>
+                      <a:srgbClr val="F4D9AC"/>
                     </a:solidFill>
                   </a:tcPr>
                 </a:tc>
@@ -13850,7 +14072,7 @@
                   </a:txBody>
                   <a:tcPr marL="0" marR="0" marT="0" marB="0" anchor="ctr" horzOverflow="overflow">
                     <a:solidFill>
-                      <a:srgbClr val="F7DCA7"/>
+                      <a:srgbClr val="F4D9AC"/>
                     </a:solidFill>
                   </a:tcPr>
                 </a:tc>
@@ -13872,7 +14094,7 @@
                   </a:txBody>
                   <a:tcPr marL="0" marR="0" marT="0" marB="0" anchor="ctr" horzOverflow="overflow">
                     <a:solidFill>
-                      <a:srgbClr val="F7DCA7"/>
+                      <a:srgbClr val="F4D9AC"/>
                     </a:solidFill>
                   </a:tcPr>
                 </a:tc>
@@ -13901,7 +14123,7 @@
                   </a:txBody>
                   <a:tcPr marL="0" marR="0" marT="0" marB="0" anchor="ctr" horzOverflow="overflow">
                     <a:solidFill>
-                      <a:srgbClr val="F7DCA7"/>
+                      <a:srgbClr val="F4D9AC"/>
                     </a:solidFill>
                   </a:tcPr>
                 </a:tc>
@@ -13923,7 +14145,7 @@
                   </a:txBody>
                   <a:tcPr marL="0" marR="0" marT="0" marB="0" anchor="ctr" horzOverflow="overflow">
                     <a:solidFill>
-                      <a:srgbClr val="F7DCA7"/>
+                      <a:srgbClr val="F4D9AC"/>
                     </a:solidFill>
                   </a:tcPr>
                 </a:tc>
@@ -13945,7 +14167,7 @@
                   </a:txBody>
                   <a:tcPr marL="0" marR="0" marT="0" marB="0" anchor="ctr" horzOverflow="overflow">
                     <a:solidFill>
-                      <a:srgbClr val="F7DCA7"/>
+                      <a:srgbClr val="F4D9AC"/>
                     </a:solidFill>
                   </a:tcPr>
                 </a:tc>
@@ -14754,7 +14976,7 @@
           <p:nvPr>
             <p:extLst>
               <p:ext uri="{D42A27DB-BD31-4B8C-83A1-F6EECF244321}">
-                <p14:modId xmlns:p14="http://schemas.microsoft.com/office/powerpoint/2010/main" val="4274530397"/>
+                <p14:modId xmlns:p14="http://schemas.microsoft.com/office/powerpoint/2010/main" val="3731715615"/>
               </p:ext>
             </p:extLst>
           </p:nvPr>
@@ -14890,7 +15112,7 @@
                   </a:txBody>
                   <a:tcPr marL="0" marR="0" marT="0" marB="0" anchor="ctr" horzOverflow="overflow">
                     <a:solidFill>
-                      <a:srgbClr val="F7DCA7"/>
+                      <a:srgbClr val="F4D9AC"/>
                     </a:solidFill>
                   </a:tcPr>
                 </a:tc>
@@ -14912,7 +15134,7 @@
                   </a:txBody>
                   <a:tcPr marL="0" marR="0" marT="0" marB="0" anchor="ctr" horzOverflow="overflow">
                     <a:solidFill>
-                      <a:srgbClr val="F7DCA7"/>
+                      <a:srgbClr val="F4D9AC"/>
                     </a:solidFill>
                   </a:tcPr>
                 </a:tc>
@@ -14934,7 +15156,7 @@
                   </a:txBody>
                   <a:tcPr marL="0" marR="0" marT="0" marB="0" anchor="ctr" horzOverflow="overflow">
                     <a:solidFill>
-                      <a:srgbClr val="F7DCA7"/>
+                      <a:srgbClr val="F4D9AC"/>
                     </a:solidFill>
                   </a:tcPr>
                 </a:tc>
@@ -15131,7 +15353,7 @@
           </a:ln>
           <a:extLst>
             <a:ext uri="{C572A759-6A51-4108-AA02-DFA0A04FC94B}">
-              <ma14:wrappingTextBoxFlag xmlns:ma14="http://schemas.microsoft.com/office/mac/drawingml/2011/main" xmlns="" val="1"/>
+              <ma14:wrappingTextBoxFlag xmlns="" xmlns:ma14="http://schemas.microsoft.com/office/mac/drawingml/2011/main" val="1"/>
             </a:ext>
           </a:extLst>
         </p:spPr>
@@ -15155,24 +15377,24 @@
               <a:t>dt[, </a:t>
             </a:r>
             <a:r>
+              <a:rPr lang="en-US" b="0" dirty="0">
+                <a:solidFill>
+                  <a:srgbClr val="206DA5"/>
+                </a:solidFill>
+              </a:rPr>
+              <a:t>j</a:t>
+            </a:r>
+            <a:r>
+              <a:rPr lang="en-US" b="0" dirty="0">
+                <a:solidFill>
+                  <a:srgbClr val="000000"/>
+                </a:solidFill>
+              </a:rPr>
+              <a:t>, </a:t>
+            </a:r>
+            <a:r>
               <a:rPr lang="en-US" dirty="0">
                 <a:solidFill>
-                  <a:srgbClr val="119571"/>
-                </a:solidFill>
-              </a:rPr>
-              <a:t>j</a:t>
-            </a:r>
-            <a:r>
-              <a:rPr lang="en-US" dirty="0">
-                <a:solidFill>
-                  <a:srgbClr val="000000"/>
-                </a:solidFill>
-              </a:rPr>
-              <a:t>, </a:t>
-            </a:r>
-            <a:r>
-              <a:rPr lang="en-US" dirty="0">
-                <a:solidFill>
                   <a:srgbClr val="B74919"/>
                 </a:solidFill>
               </a:rPr>
@@ -15181,18 +15403,10 @@
             <a:r>
               <a:rPr lang="en-US" b="0" dirty="0">
                 <a:solidFill>
-                  <a:srgbClr val="B74919"/>
-                </a:solidFill>
-              </a:rPr>
-              <a:t>] </a:t>
-            </a:r>
-            <a:r>
-              <a:rPr lang="en-US" b="0" dirty="0">
-                <a:solidFill>
-                  <a:srgbClr val="000000"/>
-                </a:solidFill>
-              </a:rPr>
-              <a:t>– group rows by the values in one or more columns</a:t>
+                  <a:srgbClr val="000000"/>
+                </a:solidFill>
+              </a:rPr>
+              <a:t>] – group rows by values in specified column(s)</a:t>
             </a:r>
             <a:r>
               <a:rPr lang="en-US" b="0" dirty="0">
@@ -15224,40 +15438,87 @@
               </a:lnSpc>
             </a:pPr>
             <a:r>
+              <a:rPr lang="en-US" b="0" dirty="0" err="1">
+                <a:solidFill>
+                  <a:srgbClr val="000000"/>
+                </a:solidFill>
+              </a:rPr>
+              <a:t>dt</a:t>
+            </a:r>
+            <a:r>
               <a:rPr lang="en-US" b="0" dirty="0">
                 <a:solidFill>
                   <a:srgbClr val="000000"/>
                 </a:solidFill>
+              </a:rPr>
+              <a:t>[, </a:t>
+            </a:r>
+            <a:r>
+              <a:rPr lang="en-US" b="0" dirty="0">
+                <a:solidFill>
+                  <a:srgbClr val="206DA5"/>
+                </a:solidFill>
+              </a:rPr>
+              <a:t>j</a:t>
+            </a:r>
+            <a:r>
+              <a:rPr lang="en-US" b="0" dirty="0">
+                <a:solidFill>
+                  <a:srgbClr val="000000"/>
+                </a:solidFill>
+              </a:rPr>
+              <a:t>, </a:t>
+            </a:r>
+            <a:r>
+              <a:rPr lang="en-US" dirty="0" err="1">
+                <a:solidFill>
+                  <a:srgbClr val="B74919"/>
+                </a:solidFill>
+              </a:rPr>
+              <a:t>keyby</a:t>
+            </a:r>
+            <a:r>
+              <a:rPr lang="en-US" dirty="0">
+                <a:solidFill>
+                  <a:srgbClr val="B74919"/>
+                </a:solidFill>
+              </a:rPr>
+              <a:t> = .(a)</a:t>
+            </a:r>
+            <a:r>
+              <a:rPr lang="en-US" b="0" dirty="0">
+                <a:solidFill>
+                  <a:srgbClr val="000000"/>
+                </a:solidFill>
+              </a:rPr>
+              <a:t>] – </a:t>
+            </a:r>
+            <a:r>
+              <a:rPr lang="en-US" b="0" dirty="0">
+                <a:solidFill>
+                  <a:srgbClr val="000000"/>
+                </a:solidFill>
                 <a:cs typeface="Arial" panose="020B0604020202020204" pitchFamily="34" charset="0"/>
               </a:rPr>
-              <a:t>Use “</a:t>
-            </a:r>
-            <a:r>
-              <a:rPr lang="en-US" dirty="0" err="1">
-                <a:solidFill>
-                  <a:srgbClr val="B74919"/>
+              <a:t>group </a:t>
+            </a:r>
+            <a:r>
+              <a:rPr lang="en-US" b="0" i="1" dirty="0">
+                <a:solidFill>
+                  <a:srgbClr val="000000"/>
                 </a:solidFill>
                 <a:cs typeface="Arial" panose="020B0604020202020204" pitchFamily="34" charset="0"/>
               </a:rPr>
-              <a:t>keyby</a:t>
-            </a:r>
-            <a:r>
-              <a:rPr lang="en-US" dirty="0">
-                <a:solidFill>
-                  <a:srgbClr val="B74919"/>
+              <a:t>and simultaneously sort</a:t>
+            </a:r>
+            <a:r>
+              <a:rPr lang="en-US" b="0" dirty="0">
+                <a:solidFill>
+                  <a:srgbClr val="000000"/>
                 </a:solidFill>
                 <a:cs typeface="Arial" panose="020B0604020202020204" pitchFamily="34" charset="0"/>
               </a:rPr>
-              <a:t> = .(a)</a:t>
-            </a:r>
-            <a:r>
-              <a:rPr lang="en-US" b="0" dirty="0">
-                <a:solidFill>
-                  <a:srgbClr val="000000"/>
-                </a:solidFill>
-                <a:cs typeface="Arial" panose="020B0604020202020204" pitchFamily="34" charset="0"/>
-              </a:rPr>
-              <a:t>” for grouping and simultaneously sorting according to group column(s).</a:t>
+              <a:t> rows according to values in specified column(s).</a:t>
             </a:r>
             <a:endParaRPr lang="en-US" b="0" dirty="0">
               <a:solidFill>
@@ -15343,7 +15604,7 @@
           </a:ln>
           <a:extLst>
             <a:ext uri="{C572A759-6A51-4108-AA02-DFA0A04FC94B}">
-              <ma14:wrappingTextBoxFlag xmlns:ma14="http://schemas.microsoft.com/office/mac/drawingml/2011/main" xmlns="" val="1"/>
+              <ma14:wrappingTextBoxFlag xmlns="" xmlns:ma14="http://schemas.microsoft.com/office/mac/drawingml/2011/main" val="1"/>
             </a:ext>
           </a:extLst>
         </p:spPr>
@@ -15402,7 +15663,7 @@
           </a:ln>
           <a:extLst>
             <a:ext uri="{C572A759-6A51-4108-AA02-DFA0A04FC94B}">
-              <ma14:wrappingTextBoxFlag xmlns:ma14="http://schemas.microsoft.com/office/mac/drawingml/2011/main" xmlns="" val="1"/>
+              <ma14:wrappingTextBoxFlag xmlns="" xmlns:ma14="http://schemas.microsoft.com/office/mac/drawingml/2011/main" val="1"/>
             </a:ext>
           </a:extLst>
         </p:spPr>
@@ -15536,10 +15797,10 @@
           <a:gradFill flip="none" rotWithShape="1">
             <a:gsLst>
               <a:gs pos="0">
-                <a:srgbClr val="F6F6F6"/>
+                <a:srgbClr val="F5F5F5"/>
               </a:gs>
               <a:gs pos="38000">
-                <a:srgbClr val="F6F6F6"/>
+                <a:srgbClr val="F5F5F5"/>
               </a:gs>
               <a:gs pos="100000">
                 <a:schemeClr val="bg1"/>
@@ -15569,7 +15830,7 @@
                 </a:solidFill>
               </a:defRPr>
             </a:pPr>
-            <a:endParaRPr/>
+            <a:endParaRPr dirty="0"/>
           </a:p>
         </p:txBody>
       </p:sp>
@@ -15598,7 +15859,7 @@
           </a:ln>
           <a:extLst>
             <a:ext uri="{C572A759-6A51-4108-AA02-DFA0A04FC94B}">
-              <ma14:wrappingTextBoxFlag xmlns:ma14="http://schemas.microsoft.com/office/mac/drawingml/2011/main" xmlns="" val="1"/>
+              <ma14:wrappingTextBoxFlag xmlns="" xmlns:ma14="http://schemas.microsoft.com/office/mac/drawingml/2011/main" val="1"/>
             </a:ext>
           </a:extLst>
         </p:spPr>
@@ -15811,7 +16072,7 @@
         <p:spPr>
           <a:xfrm flipV="1">
             <a:off x="9359106" y="1144117"/>
-            <a:ext cx="3960000" cy="0"/>
+            <a:ext cx="2916000" cy="0"/>
           </a:xfrm>
           <a:prstGeom prst="line">
             <a:avLst/>
@@ -15908,7 +16169,7 @@
           </a:ln>
           <a:extLst>
             <a:ext uri="{C572A759-6A51-4108-AA02-DFA0A04FC94B}">
-              <ma14:wrappingTextBoxFlag xmlns:ma14="http://schemas.microsoft.com/office/mac/drawingml/2011/main" xmlns="" val="1"/>
+              <ma14:wrappingTextBoxFlag xmlns="" xmlns:ma14="http://schemas.microsoft.com/office/mac/drawingml/2011/main" val="1"/>
             </a:ext>
           </a:extLst>
         </p:spPr>
@@ -15971,22 +16232,6 @@
               <a:t> • </a:t>
             </a:r>
             <a:r>
-              <a:rPr lang="da-DK" dirty="0" err="1">
-                <a:solidFill>
-                  <a:srgbClr val="5B6167"/>
-                </a:solidFill>
-              </a:rPr>
-              <a:t>erik@petrovski.dk</a:t>
-            </a:r>
-            <a:r>
-              <a:rPr lang="da-DK" dirty="0">
-                <a:solidFill>
-                  <a:srgbClr val="5B6167"/>
-                </a:solidFill>
-              </a:rPr>
-              <a:t> • </a:t>
-            </a:r>
-            <a:r>
               <a:rPr lang="da-DK" dirty="0">
                 <a:solidFill>
                   <a:srgbClr val="5B6167"/>
@@ -16085,31 +16330,23 @@
                   <a:srgbClr val="5B6167"/>
                 </a:solidFill>
               </a:rPr>
-              <a:t> version </a:t>
-            </a:r>
-            <a:r>
-              <a:rPr lang="da-DK">
+              <a:t> version 1.11.4 • </a:t>
+            </a:r>
+            <a:r>
+              <a:rPr lang="da-DK" dirty="0" err="1">
                 <a:solidFill>
                   <a:srgbClr val="5B6167"/>
                 </a:solidFill>
               </a:rPr>
-              <a:t>1.11.4 • </a:t>
-            </a:r>
-            <a:r>
-              <a:rPr lang="da-DK" dirty="0" err="1">
+              <a:t>Updated</a:t>
+            </a:r>
+            <a:r>
+              <a:rPr lang="da-DK" dirty="0">
                 <a:solidFill>
                   <a:srgbClr val="5B6167"/>
                 </a:solidFill>
               </a:rPr>
-              <a:t>Updated</a:t>
-            </a:r>
-            <a:r>
-              <a:rPr lang="da-DK" dirty="0">
-                <a:solidFill>
-                  <a:srgbClr val="5B6167"/>
-                </a:solidFill>
-              </a:rPr>
-              <a:t>: 2018-08</a:t>
+              <a:t>: 2018-08-23</a:t>
             </a:r>
           </a:p>
         </p:txBody>
@@ -16209,7 +16446,7 @@
           </a:ln>
           <a:extLst>
             <a:ext uri="{C572A759-6A51-4108-AA02-DFA0A04FC94B}">
-              <ma14:wrappingTextBoxFlag xmlns:ma14="http://schemas.microsoft.com/office/mac/drawingml/2011/main" xmlns="" val="1"/>
+              <ma14:wrappingTextBoxFlag xmlns="" xmlns:ma14="http://schemas.microsoft.com/office/mac/drawingml/2011/main" val="1"/>
             </a:ext>
           </a:extLst>
         </p:spPr>
@@ -16307,7 +16544,7 @@
           </a:ln>
           <a:extLst>
             <a:ext uri="{C572A759-6A51-4108-AA02-DFA0A04FC94B}">
-              <ma14:wrappingTextBoxFlag xmlns:ma14="http://schemas.microsoft.com/office/mac/drawingml/2011/main" xmlns="" val="1"/>
+              <ma14:wrappingTextBoxFlag xmlns="" xmlns:ma14="http://schemas.microsoft.com/office/mac/drawingml/2011/main" val="1"/>
             </a:ext>
           </a:extLst>
         </p:spPr>
@@ -16373,7 +16610,7 @@
           </a:ln>
           <a:extLst>
             <a:ext uri="{C572A759-6A51-4108-AA02-DFA0A04FC94B}">
-              <ma14:wrappingTextBoxFlag xmlns:ma14="http://schemas.microsoft.com/office/mac/drawingml/2011/main" xmlns="" val="1"/>
+              <ma14:wrappingTextBoxFlag xmlns="" xmlns:ma14="http://schemas.microsoft.com/office/mac/drawingml/2011/main" val="1"/>
             </a:ext>
           </a:extLst>
         </p:spPr>
@@ -16426,7 +16663,7 @@
                   <a:srgbClr val="000000"/>
                 </a:solidFill>
               </a:rPr>
-              <a:t> .on(b = y)</a:t>
+              <a:t> on = .(b = y)</a:t>
             </a:r>
             <a:r>
               <a:rPr lang="en-US" b="0" dirty="0">
@@ -16462,7 +16699,7 @@
           <p:nvPr>
             <p:extLst>
               <p:ext uri="{D42A27DB-BD31-4B8C-83A1-F6EECF244321}">
-                <p14:modId xmlns:p14="http://schemas.microsoft.com/office/powerpoint/2010/main" val="1866355837"/>
+                <p14:modId xmlns:p14="http://schemas.microsoft.com/office/powerpoint/2010/main" val="2722984390"/>
               </p:ext>
             </p:extLst>
           </p:nvPr>
@@ -16569,17 +16806,23 @@
                         </a:defRPr>
                       </a:pPr>
                       <a:r>
-                        <a:rPr lang="da-DK" dirty="0"/>
+                        <a:rPr lang="da-DK" dirty="0">
+                          <a:solidFill>
+                            <a:srgbClr val="212121"/>
+                          </a:solidFill>
+                        </a:rPr>
                         <a:t>1</a:t>
                       </a:r>
-                      <a:endParaRPr dirty="0"/>
-                    </a:p>
-                  </a:txBody>
-                  <a:tcPr marL="0" marR="0" marT="0" marB="0" anchor="ctr" horzOverflow="overflow">
-                    <a:solidFill>
-                      <a:schemeClr val="bg1">
-                        <a:lumMod val="85000"/>
-                      </a:schemeClr>
+                      <a:endParaRPr dirty="0">
+                        <a:solidFill>
+                          <a:srgbClr val="212121"/>
+                        </a:solidFill>
+                      </a:endParaRPr>
+                    </a:p>
+                  </a:txBody>
+                  <a:tcPr marL="0" marR="0" marT="0" marB="0" anchor="ctr" horzOverflow="overflow">
+                    <a:solidFill>
+                      <a:srgbClr val="D8D8D8"/>
                     </a:solidFill>
                   </a:tcPr>
                 </a:tc>
@@ -16597,10 +16840,18 @@
                         </a:defRPr>
                       </a:pPr>
                       <a:r>
-                        <a:rPr lang="da-DK" dirty="0"/>
+                        <a:rPr lang="da-DK" dirty="0">
+                          <a:solidFill>
+                            <a:srgbClr val="212121"/>
+                          </a:solidFill>
+                        </a:rPr>
                         <a:t>c</a:t>
                       </a:r>
-                      <a:endParaRPr dirty="0"/>
+                      <a:endParaRPr dirty="0">
+                        <a:solidFill>
+                          <a:srgbClr val="212121"/>
+                        </a:solidFill>
+                      </a:endParaRPr>
                     </a:p>
                   </a:txBody>
                   <a:tcPr marL="0" marR="0" marT="0" marB="0" anchor="ctr" horzOverflow="overflow">
@@ -16632,17 +16883,23 @@
                         </a:defRPr>
                       </a:pPr>
                       <a:r>
-                        <a:rPr lang="da-DK" dirty="0"/>
+                        <a:rPr lang="da-DK" dirty="0">
+                          <a:solidFill>
+                            <a:srgbClr val="212121"/>
+                          </a:solidFill>
+                        </a:rPr>
                         <a:t>2</a:t>
                       </a:r>
-                      <a:endParaRPr dirty="0"/>
-                    </a:p>
-                  </a:txBody>
-                  <a:tcPr marL="0" marR="0" marT="0" marB="0" anchor="ctr" horzOverflow="overflow">
-                    <a:solidFill>
-                      <a:schemeClr val="bg1">
-                        <a:lumMod val="85000"/>
-                      </a:schemeClr>
+                      <a:endParaRPr dirty="0">
+                        <a:solidFill>
+                          <a:srgbClr val="212121"/>
+                        </a:solidFill>
+                      </a:endParaRPr>
+                    </a:p>
+                  </a:txBody>
+                  <a:tcPr marL="0" marR="0" marT="0" marB="0" anchor="ctr" horzOverflow="overflow">
+                    <a:solidFill>
+                      <a:srgbClr val="D8D8D8"/>
                     </a:solidFill>
                   </a:tcPr>
                 </a:tc>
@@ -16660,10 +16917,18 @@
                         </a:defRPr>
                       </a:pPr>
                       <a:r>
-                        <a:rPr lang="da-DK" dirty="0"/>
+                        <a:rPr lang="da-DK" dirty="0">
+                          <a:solidFill>
+                            <a:srgbClr val="212121"/>
+                          </a:solidFill>
+                        </a:rPr>
                         <a:t>a</a:t>
                       </a:r>
-                      <a:endParaRPr dirty="0"/>
+                      <a:endParaRPr dirty="0">
+                        <a:solidFill>
+                          <a:srgbClr val="212121"/>
+                        </a:solidFill>
+                      </a:endParaRPr>
                     </a:p>
                   </a:txBody>
                   <a:tcPr marL="0" marR="0" marT="0" marB="0" anchor="ctr" horzOverflow="overflow">
@@ -16695,17 +16960,23 @@
                         </a:defRPr>
                       </a:pPr>
                       <a:r>
-                        <a:rPr lang="da-DK" dirty="0"/>
+                        <a:rPr lang="da-DK" dirty="0">
+                          <a:solidFill>
+                            <a:srgbClr val="212121"/>
+                          </a:solidFill>
+                        </a:rPr>
                         <a:t>3</a:t>
                       </a:r>
-                      <a:endParaRPr dirty="0"/>
-                    </a:p>
-                  </a:txBody>
-                  <a:tcPr marL="0" marR="0" marT="0" marB="0" anchor="ctr" horzOverflow="overflow">
-                    <a:solidFill>
-                      <a:schemeClr val="bg1">
-                        <a:lumMod val="85000"/>
-                      </a:schemeClr>
+                      <a:endParaRPr dirty="0">
+                        <a:solidFill>
+                          <a:srgbClr val="212121"/>
+                        </a:solidFill>
+                      </a:endParaRPr>
+                    </a:p>
+                  </a:txBody>
+                  <a:tcPr marL="0" marR="0" marT="0" marB="0" anchor="ctr" horzOverflow="overflow">
+                    <a:solidFill>
+                      <a:srgbClr val="D8D8D8"/>
                     </a:solidFill>
                   </a:tcPr>
                 </a:tc>
@@ -16723,10 +16994,18 @@
                         </a:defRPr>
                       </a:pPr>
                       <a:r>
-                        <a:rPr lang="da-DK" dirty="0"/>
+                        <a:rPr lang="da-DK" dirty="0">
+                          <a:solidFill>
+                            <a:srgbClr val="212121"/>
+                          </a:solidFill>
+                        </a:rPr>
                         <a:t>b</a:t>
                       </a:r>
-                      <a:endParaRPr dirty="0"/>
+                      <a:endParaRPr dirty="0">
+                        <a:solidFill>
+                          <a:srgbClr val="212121"/>
+                        </a:solidFill>
+                      </a:endParaRPr>
                     </a:p>
                   </a:txBody>
                   <a:tcPr marL="0" marR="0" marT="0" marB="0" anchor="ctr" horzOverflow="overflow">
@@ -16906,7 +17185,7 @@
           <p:nvPr>
             <p:extLst>
               <p:ext uri="{D42A27DB-BD31-4B8C-83A1-F6EECF244321}">
-                <p14:modId xmlns:p14="http://schemas.microsoft.com/office/powerpoint/2010/main" val="3228704673"/>
+                <p14:modId xmlns:p14="http://schemas.microsoft.com/office/powerpoint/2010/main" val="2848084334"/>
               </p:ext>
             </p:extLst>
           </p:nvPr>
@@ -17013,17 +17292,23 @@
                         </a:defRPr>
                       </a:pPr>
                       <a:r>
-                        <a:rPr lang="da-DK" dirty="0"/>
+                        <a:rPr lang="da-DK" dirty="0">
+                          <a:solidFill>
+                            <a:srgbClr val="212121"/>
+                          </a:solidFill>
+                        </a:rPr>
                         <a:t>3</a:t>
                       </a:r>
-                      <a:endParaRPr dirty="0"/>
-                    </a:p>
-                  </a:txBody>
-                  <a:tcPr marL="0" marR="0" marT="0" marB="0" anchor="ctr" horzOverflow="overflow">
-                    <a:solidFill>
-                      <a:schemeClr val="bg1">
-                        <a:lumMod val="85000"/>
-                      </a:schemeClr>
+                      <a:endParaRPr dirty="0">
+                        <a:solidFill>
+                          <a:srgbClr val="212121"/>
+                        </a:solidFill>
+                      </a:endParaRPr>
+                    </a:p>
+                  </a:txBody>
+                  <a:tcPr marL="0" marR="0" marT="0" marB="0" anchor="ctr" horzOverflow="overflow">
+                    <a:solidFill>
+                      <a:srgbClr val="D8D8D8"/>
                     </a:solidFill>
                   </a:tcPr>
                 </a:tc>
@@ -17041,10 +17326,18 @@
                         </a:defRPr>
                       </a:pPr>
                       <a:r>
-                        <a:rPr lang="da-DK" dirty="0"/>
+                        <a:rPr lang="da-DK" dirty="0">
+                          <a:solidFill>
+                            <a:srgbClr val="212121"/>
+                          </a:solidFill>
+                        </a:rPr>
                         <a:t>b</a:t>
                       </a:r>
-                      <a:endParaRPr dirty="0"/>
+                      <a:endParaRPr dirty="0">
+                        <a:solidFill>
+                          <a:srgbClr val="212121"/>
+                        </a:solidFill>
+                      </a:endParaRPr>
                     </a:p>
                   </a:txBody>
                   <a:tcPr marL="0" marR="0" marT="0" marB="0" anchor="ctr" horzOverflow="overflow">
@@ -17076,17 +17369,23 @@
                         </a:defRPr>
                       </a:pPr>
                       <a:r>
-                        <a:rPr lang="da-DK" dirty="0"/>
+                        <a:rPr lang="da-DK" dirty="0">
+                          <a:solidFill>
+                            <a:srgbClr val="212121"/>
+                          </a:solidFill>
+                        </a:rPr>
                         <a:t>2</a:t>
                       </a:r>
-                      <a:endParaRPr dirty="0"/>
-                    </a:p>
-                  </a:txBody>
-                  <a:tcPr marL="0" marR="0" marT="0" marB="0" anchor="ctr" horzOverflow="overflow">
-                    <a:solidFill>
-                      <a:schemeClr val="bg1">
-                        <a:lumMod val="85000"/>
-                      </a:schemeClr>
+                      <a:endParaRPr dirty="0">
+                        <a:solidFill>
+                          <a:srgbClr val="212121"/>
+                        </a:solidFill>
+                      </a:endParaRPr>
+                    </a:p>
+                  </a:txBody>
+                  <a:tcPr marL="0" marR="0" marT="0" marB="0" anchor="ctr" horzOverflow="overflow">
+                    <a:solidFill>
+                      <a:srgbClr val="D8D8D8"/>
                     </a:solidFill>
                   </a:tcPr>
                 </a:tc>
@@ -17104,10 +17403,18 @@
                         </a:defRPr>
                       </a:pPr>
                       <a:r>
-                        <a:rPr lang="da-DK" dirty="0"/>
+                        <a:rPr lang="da-DK" dirty="0">
+                          <a:solidFill>
+                            <a:srgbClr val="212121"/>
+                          </a:solidFill>
+                        </a:rPr>
                         <a:t>c</a:t>
                       </a:r>
-                      <a:endParaRPr dirty="0"/>
+                      <a:endParaRPr dirty="0">
+                        <a:solidFill>
+                          <a:srgbClr val="212121"/>
+                        </a:solidFill>
+                      </a:endParaRPr>
                     </a:p>
                   </a:txBody>
                   <a:tcPr marL="0" marR="0" marT="0" marB="0" anchor="ctr" horzOverflow="overflow">
@@ -17139,17 +17446,23 @@
                         </a:defRPr>
                       </a:pPr>
                       <a:r>
-                        <a:rPr lang="da-DK" dirty="0"/>
+                        <a:rPr lang="da-DK" dirty="0">
+                          <a:solidFill>
+                            <a:srgbClr val="212121"/>
+                          </a:solidFill>
+                        </a:rPr>
                         <a:t>1</a:t>
                       </a:r>
-                      <a:endParaRPr dirty="0"/>
-                    </a:p>
-                  </a:txBody>
-                  <a:tcPr marL="0" marR="0" marT="0" marB="0" anchor="ctr" horzOverflow="overflow">
-                    <a:solidFill>
-                      <a:schemeClr val="bg1">
-                        <a:lumMod val="85000"/>
-                      </a:schemeClr>
+                      <a:endParaRPr dirty="0">
+                        <a:solidFill>
+                          <a:srgbClr val="212121"/>
+                        </a:solidFill>
+                      </a:endParaRPr>
+                    </a:p>
+                  </a:txBody>
+                  <a:tcPr marL="0" marR="0" marT="0" marB="0" anchor="ctr" horzOverflow="overflow">
+                    <a:solidFill>
+                      <a:srgbClr val="D8D8D8"/>
                     </a:solidFill>
                   </a:tcPr>
                 </a:tc>
@@ -17167,10 +17480,18 @@
                         </a:defRPr>
                       </a:pPr>
                       <a:r>
-                        <a:rPr lang="da-DK" dirty="0"/>
+                        <a:rPr lang="da-DK" dirty="0">
+                          <a:solidFill>
+                            <a:srgbClr val="212121"/>
+                          </a:solidFill>
+                        </a:rPr>
                         <a:t>a</a:t>
                       </a:r>
-                      <a:endParaRPr dirty="0"/>
+                      <a:endParaRPr dirty="0">
+                        <a:solidFill>
+                          <a:srgbClr val="212121"/>
+                        </a:solidFill>
+                      </a:endParaRPr>
                     </a:p>
                   </a:txBody>
                   <a:tcPr marL="0" marR="0" marT="0" marB="0" anchor="ctr" horzOverflow="overflow">
@@ -17210,7 +17531,7 @@
           </a:ln>
           <a:extLst>
             <a:ext uri="{C572A759-6A51-4108-AA02-DFA0A04FC94B}">
-              <ma14:wrappingTextBoxFlag xmlns:ma14="http://schemas.microsoft.com/office/mac/drawingml/2011/main" xmlns="" val="1"/>
+              <ma14:wrappingTextBoxFlag xmlns="" xmlns:ma14="http://schemas.microsoft.com/office/mac/drawingml/2011/main" val="1"/>
             </a:ext>
           </a:extLst>
         </p:spPr>
@@ -17243,7 +17564,7 @@
           <p:nvPr>
             <p:extLst>
               <p:ext uri="{D42A27DB-BD31-4B8C-83A1-F6EECF244321}">
-                <p14:modId xmlns:p14="http://schemas.microsoft.com/office/powerpoint/2010/main" val="4204061120"/>
+                <p14:modId xmlns:p14="http://schemas.microsoft.com/office/powerpoint/2010/main" val="3126374177"/>
               </p:ext>
             </p:extLst>
           </p:nvPr>
@@ -17381,17 +17702,23 @@
                         </a:defRPr>
                       </a:pPr>
                       <a:r>
-                        <a:rPr lang="da-DK" dirty="0"/>
+                        <a:rPr lang="da-DK" dirty="0">
+                          <a:solidFill>
+                            <a:srgbClr val="212121"/>
+                          </a:solidFill>
+                        </a:rPr>
                         <a:t>3</a:t>
                       </a:r>
-                      <a:endParaRPr dirty="0"/>
-                    </a:p>
-                  </a:txBody>
-                  <a:tcPr marL="0" marR="0" marT="0" marB="0" anchor="ctr" horzOverflow="overflow">
-                    <a:solidFill>
-                      <a:schemeClr val="bg1">
-                        <a:lumMod val="85000"/>
-                      </a:schemeClr>
+                      <a:endParaRPr dirty="0">
+                        <a:solidFill>
+                          <a:srgbClr val="212121"/>
+                        </a:solidFill>
+                      </a:endParaRPr>
+                    </a:p>
+                  </a:txBody>
+                  <a:tcPr marL="0" marR="0" marT="0" marB="0" anchor="ctr" horzOverflow="overflow">
+                    <a:solidFill>
+                      <a:srgbClr val="D8D8D8"/>
                     </a:solidFill>
                   </a:tcPr>
                 </a:tc>
@@ -17409,10 +17736,18 @@
                         </a:defRPr>
                       </a:pPr>
                       <a:r>
-                        <a:rPr lang="da-DK" dirty="0"/>
+                        <a:rPr lang="da-DK" dirty="0">
+                          <a:solidFill>
+                            <a:srgbClr val="212121"/>
+                          </a:solidFill>
+                        </a:rPr>
                         <a:t>b</a:t>
                       </a:r>
-                      <a:endParaRPr dirty="0"/>
+                      <a:endParaRPr dirty="0">
+                        <a:solidFill>
+                          <a:srgbClr val="212121"/>
+                        </a:solidFill>
+                      </a:endParaRPr>
                     </a:p>
                   </a:txBody>
                   <a:tcPr marL="0" marR="0" marT="0" marB="0" anchor="ctr" horzOverflow="overflow">
@@ -17435,15 +17770,23 @@
                         </a:defRPr>
                       </a:pPr>
                       <a:r>
-                        <a:rPr lang="da-DK" dirty="0"/>
+                        <a:rPr lang="da-DK" dirty="0">
+                          <a:solidFill>
+                            <a:srgbClr val="212121"/>
+                          </a:solidFill>
+                        </a:rPr>
                         <a:t>3</a:t>
                       </a:r>
-                      <a:endParaRPr dirty="0"/>
-                    </a:p>
-                  </a:txBody>
-                  <a:tcPr marL="0" marR="0" marT="0" marB="0" anchor="ctr" horzOverflow="overflow">
-                    <a:solidFill>
-                      <a:srgbClr val="D9D9D9"/>
+                      <a:endParaRPr dirty="0">
+                        <a:solidFill>
+                          <a:srgbClr val="212121"/>
+                        </a:solidFill>
+                      </a:endParaRPr>
+                    </a:p>
+                  </a:txBody>
+                  <a:tcPr marL="0" marR="0" marT="0" marB="0" anchor="ctr" horzOverflow="overflow">
+                    <a:solidFill>
+                      <a:srgbClr val="D8D8D8"/>
                     </a:solidFill>
                   </a:tcPr>
                 </a:tc>
@@ -17468,17 +17811,23 @@
                         </a:defRPr>
                       </a:pPr>
                       <a:r>
-                        <a:rPr lang="da-DK" dirty="0"/>
+                        <a:rPr lang="da-DK" dirty="0">
+                          <a:solidFill>
+                            <a:srgbClr val="212121"/>
+                          </a:solidFill>
+                        </a:rPr>
                         <a:t>1</a:t>
                       </a:r>
-                      <a:endParaRPr dirty="0"/>
-                    </a:p>
-                  </a:txBody>
-                  <a:tcPr marL="0" marR="0" marT="0" marB="0" anchor="ctr" horzOverflow="overflow">
-                    <a:solidFill>
-                      <a:schemeClr val="bg1">
-                        <a:lumMod val="85000"/>
-                      </a:schemeClr>
+                      <a:endParaRPr dirty="0">
+                        <a:solidFill>
+                          <a:srgbClr val="212121"/>
+                        </a:solidFill>
+                      </a:endParaRPr>
+                    </a:p>
+                  </a:txBody>
+                  <a:tcPr marL="0" marR="0" marT="0" marB="0" anchor="ctr" horzOverflow="overflow">
+                    <a:solidFill>
+                      <a:srgbClr val="D8D8D8"/>
                     </a:solidFill>
                   </a:tcPr>
                 </a:tc>
@@ -17496,10 +17845,18 @@
                         </a:defRPr>
                       </a:pPr>
                       <a:r>
-                        <a:rPr lang="da-DK" dirty="0"/>
+                        <a:rPr lang="da-DK" dirty="0">
+                          <a:solidFill>
+                            <a:srgbClr val="212121"/>
+                          </a:solidFill>
+                        </a:rPr>
                         <a:t>c</a:t>
                       </a:r>
-                      <a:endParaRPr dirty="0"/>
+                      <a:endParaRPr dirty="0">
+                        <a:solidFill>
+                          <a:srgbClr val="212121"/>
+                        </a:solidFill>
+                      </a:endParaRPr>
                     </a:p>
                   </a:txBody>
                   <a:tcPr marL="0" marR="0" marT="0" marB="0" anchor="ctr" horzOverflow="overflow">
@@ -17522,15 +17879,23 @@
                         </a:defRPr>
                       </a:pPr>
                       <a:r>
-                        <a:rPr lang="da-DK" dirty="0"/>
+                        <a:rPr lang="da-DK" dirty="0">
+                          <a:solidFill>
+                            <a:srgbClr val="212121"/>
+                          </a:solidFill>
+                        </a:rPr>
                         <a:t>2</a:t>
                       </a:r>
-                      <a:endParaRPr dirty="0"/>
-                    </a:p>
-                  </a:txBody>
-                  <a:tcPr marL="0" marR="0" marT="0" marB="0" anchor="ctr" horzOverflow="overflow">
-                    <a:solidFill>
-                      <a:srgbClr val="D9D9D9"/>
+                      <a:endParaRPr dirty="0">
+                        <a:solidFill>
+                          <a:srgbClr val="212121"/>
+                        </a:solidFill>
+                      </a:endParaRPr>
+                    </a:p>
+                  </a:txBody>
+                  <a:tcPr marL="0" marR="0" marT="0" marB="0" anchor="ctr" horzOverflow="overflow">
+                    <a:solidFill>
+                      <a:srgbClr val="D8D8D8"/>
                     </a:solidFill>
                   </a:tcPr>
                 </a:tc>
@@ -17555,17 +17920,23 @@
                         </a:defRPr>
                       </a:pPr>
                       <a:r>
-                        <a:rPr lang="da-DK" dirty="0"/>
+                        <a:rPr lang="da-DK" dirty="0">
+                          <a:solidFill>
+                            <a:srgbClr val="212121"/>
+                          </a:solidFill>
+                        </a:rPr>
                         <a:t>2</a:t>
                       </a:r>
-                      <a:endParaRPr dirty="0"/>
-                    </a:p>
-                  </a:txBody>
-                  <a:tcPr marL="0" marR="0" marT="0" marB="0" anchor="ctr" horzOverflow="overflow">
-                    <a:solidFill>
-                      <a:schemeClr val="bg1">
-                        <a:lumMod val="85000"/>
-                      </a:schemeClr>
+                      <a:endParaRPr dirty="0">
+                        <a:solidFill>
+                          <a:srgbClr val="212121"/>
+                        </a:solidFill>
+                      </a:endParaRPr>
+                    </a:p>
+                  </a:txBody>
+                  <a:tcPr marL="0" marR="0" marT="0" marB="0" anchor="ctr" horzOverflow="overflow">
+                    <a:solidFill>
+                      <a:srgbClr val="D8D8D8"/>
                     </a:solidFill>
                   </a:tcPr>
                 </a:tc>
@@ -17583,10 +17954,18 @@
                         </a:defRPr>
                       </a:pPr>
                       <a:r>
-                        <a:rPr lang="da-DK" dirty="0"/>
+                        <a:rPr lang="da-DK" dirty="0">
+                          <a:solidFill>
+                            <a:srgbClr val="212121"/>
+                          </a:solidFill>
+                        </a:rPr>
                         <a:t>a</a:t>
                       </a:r>
-                      <a:endParaRPr dirty="0"/>
+                      <a:endParaRPr dirty="0">
+                        <a:solidFill>
+                          <a:srgbClr val="212121"/>
+                        </a:solidFill>
+                      </a:endParaRPr>
                     </a:p>
                   </a:txBody>
                   <a:tcPr marL="0" marR="0" marT="0" marB="0" anchor="ctr" horzOverflow="overflow">
@@ -17609,15 +17988,23 @@
                         </a:defRPr>
                       </a:pPr>
                       <a:r>
-                        <a:rPr lang="da-DK" dirty="0"/>
+                        <a:rPr lang="da-DK" dirty="0">
+                          <a:solidFill>
+                            <a:srgbClr val="212121"/>
+                          </a:solidFill>
+                        </a:rPr>
                         <a:t>1</a:t>
                       </a:r>
-                      <a:endParaRPr dirty="0"/>
-                    </a:p>
-                  </a:txBody>
-                  <a:tcPr marL="0" marR="0" marT="0" marB="0" anchor="ctr" horzOverflow="overflow">
-                    <a:solidFill>
-                      <a:srgbClr val="D9D9D9"/>
+                      <a:endParaRPr dirty="0">
+                        <a:solidFill>
+                          <a:srgbClr val="212121"/>
+                        </a:solidFill>
+                      </a:endParaRPr>
+                    </a:p>
+                  </a:txBody>
+                  <a:tcPr marL="0" marR="0" marT="0" marB="0" anchor="ctr" horzOverflow="overflow">
+                    <a:solidFill>
+                      <a:srgbClr val="D8D8D8"/>
                     </a:solidFill>
                   </a:tcPr>
                 </a:tc>
@@ -17650,7 +18037,7 @@
           </a:ln>
           <a:extLst>
             <a:ext uri="{C572A759-6A51-4108-AA02-DFA0A04FC94B}">
-              <ma14:wrappingTextBoxFlag xmlns:ma14="http://schemas.microsoft.com/office/mac/drawingml/2011/main" xmlns="" val="1"/>
+              <ma14:wrappingTextBoxFlag xmlns="" xmlns:ma14="http://schemas.microsoft.com/office/mac/drawingml/2011/main" val="1"/>
             </a:ext>
           </a:extLst>
         </p:spPr>
@@ -17695,7 +18082,7 @@
           </a:ln>
           <a:extLst>
             <a:ext uri="{C572A759-6A51-4108-AA02-DFA0A04FC94B}">
-              <ma14:wrappingTextBoxFlag xmlns:ma14="http://schemas.microsoft.com/office/mac/drawingml/2011/main" xmlns="" val="1"/>
+              <ma14:wrappingTextBoxFlag xmlns="" xmlns:ma14="http://schemas.microsoft.com/office/mac/drawingml/2011/main" val="1"/>
             </a:ext>
           </a:extLst>
         </p:spPr>
@@ -17748,7 +18135,7 @@
                   <a:srgbClr val="000000"/>
                 </a:solidFill>
               </a:rPr>
-              <a:t> .on(b = y, c &gt; z)</a:t>
+              <a:t> on = .(b = y, c &gt; z)</a:t>
             </a:r>
             <a:r>
               <a:rPr lang="en-US" b="0" dirty="0">
@@ -17768,7 +18155,7 @@
           <p:nvPr>
             <p:extLst>
               <p:ext uri="{D42A27DB-BD31-4B8C-83A1-F6EECF244321}">
-                <p14:modId xmlns:p14="http://schemas.microsoft.com/office/powerpoint/2010/main" val="3211723856"/>
+                <p14:modId xmlns:p14="http://schemas.microsoft.com/office/powerpoint/2010/main" val="271642320"/>
               </p:ext>
             </p:extLst>
           </p:nvPr>
@@ -17910,17 +18297,23 @@
                         </a:defRPr>
                       </a:pPr>
                       <a:r>
-                        <a:rPr lang="da-DK" dirty="0"/>
+                        <a:rPr lang="da-DK" dirty="0">
+                          <a:solidFill>
+                            <a:srgbClr val="212121"/>
+                          </a:solidFill>
+                        </a:rPr>
                         <a:t>1</a:t>
                       </a:r>
-                      <a:endParaRPr dirty="0"/>
-                    </a:p>
-                  </a:txBody>
-                  <a:tcPr marL="0" marR="0" marT="0" marB="0" anchor="ctr" horzOverflow="overflow">
-                    <a:solidFill>
-                      <a:schemeClr val="bg1">
-                        <a:lumMod val="85000"/>
-                      </a:schemeClr>
+                      <a:endParaRPr dirty="0">
+                        <a:solidFill>
+                          <a:srgbClr val="212121"/>
+                        </a:solidFill>
+                      </a:endParaRPr>
+                    </a:p>
+                  </a:txBody>
+                  <a:tcPr marL="0" marR="0" marT="0" marB="0" anchor="ctr" horzOverflow="overflow">
+                    <a:solidFill>
+                      <a:srgbClr val="D8D8D8"/>
                     </a:solidFill>
                   </a:tcPr>
                 </a:tc>
@@ -17938,10 +18331,18 @@
                         </a:defRPr>
                       </a:pPr>
                       <a:r>
-                        <a:rPr lang="da-DK" dirty="0"/>
+                        <a:rPr lang="da-DK" dirty="0">
+                          <a:solidFill>
+                            <a:srgbClr val="212121"/>
+                          </a:solidFill>
+                        </a:rPr>
                         <a:t>c</a:t>
                       </a:r>
-                      <a:endParaRPr dirty="0"/>
+                      <a:endParaRPr dirty="0">
+                        <a:solidFill>
+                          <a:srgbClr val="212121"/>
+                        </a:solidFill>
+                      </a:endParaRPr>
                     </a:p>
                   </a:txBody>
                   <a:tcPr marL="0" marR="0" marT="0" marB="0" anchor="ctr" horzOverflow="overflow">
@@ -17966,10 +18367,18 @@
                         </a:defRPr>
                       </a:pPr>
                       <a:r>
-                        <a:rPr lang="da-DK" dirty="0"/>
+                        <a:rPr lang="da-DK" dirty="0">
+                          <a:solidFill>
+                            <a:srgbClr val="212121"/>
+                          </a:solidFill>
+                        </a:rPr>
                         <a:t>7</a:t>
                       </a:r>
-                      <a:endParaRPr dirty="0"/>
+                      <a:endParaRPr dirty="0">
+                        <a:solidFill>
+                          <a:srgbClr val="212121"/>
+                        </a:solidFill>
+                      </a:endParaRPr>
                     </a:p>
                   </a:txBody>
                   <a:tcPr marL="0" marR="0" marT="0" marB="0" anchor="ctr" horzOverflow="overflow">
@@ -18001,17 +18410,23 @@
                         </a:defRPr>
                       </a:pPr>
                       <a:r>
-                        <a:rPr lang="da-DK" dirty="0"/>
+                        <a:rPr lang="da-DK" dirty="0">
+                          <a:solidFill>
+                            <a:srgbClr val="212121"/>
+                          </a:solidFill>
+                        </a:rPr>
                         <a:t>2</a:t>
                       </a:r>
-                      <a:endParaRPr dirty="0"/>
-                    </a:p>
-                  </a:txBody>
-                  <a:tcPr marL="0" marR="0" marT="0" marB="0" anchor="ctr" horzOverflow="overflow">
-                    <a:solidFill>
-                      <a:schemeClr val="bg1">
-                        <a:lumMod val="85000"/>
-                      </a:schemeClr>
+                      <a:endParaRPr dirty="0">
+                        <a:solidFill>
+                          <a:srgbClr val="212121"/>
+                        </a:solidFill>
+                      </a:endParaRPr>
+                    </a:p>
+                  </a:txBody>
+                  <a:tcPr marL="0" marR="0" marT="0" marB="0" anchor="ctr" horzOverflow="overflow">
+                    <a:solidFill>
+                      <a:srgbClr val="D8D8D8"/>
                     </a:solidFill>
                   </a:tcPr>
                 </a:tc>
@@ -18029,10 +18444,18 @@
                         </a:defRPr>
                       </a:pPr>
                       <a:r>
-                        <a:rPr lang="da-DK" dirty="0"/>
+                        <a:rPr lang="da-DK" dirty="0">
+                          <a:solidFill>
+                            <a:srgbClr val="212121"/>
+                          </a:solidFill>
+                        </a:rPr>
                         <a:t>a</a:t>
                       </a:r>
-                      <a:endParaRPr dirty="0"/>
+                      <a:endParaRPr dirty="0">
+                        <a:solidFill>
+                          <a:srgbClr val="212121"/>
+                        </a:solidFill>
+                      </a:endParaRPr>
                     </a:p>
                   </a:txBody>
                   <a:tcPr marL="0" marR="0" marT="0" marB="0" anchor="ctr" horzOverflow="overflow">
@@ -18057,10 +18480,18 @@
                         </a:defRPr>
                       </a:pPr>
                       <a:r>
-                        <a:rPr lang="da-DK" dirty="0"/>
+                        <a:rPr lang="da-DK" dirty="0">
+                          <a:solidFill>
+                            <a:srgbClr val="212121"/>
+                          </a:solidFill>
+                        </a:rPr>
                         <a:t>5</a:t>
                       </a:r>
-                      <a:endParaRPr dirty="0"/>
+                      <a:endParaRPr dirty="0">
+                        <a:solidFill>
+                          <a:srgbClr val="212121"/>
+                        </a:solidFill>
+                      </a:endParaRPr>
                     </a:p>
                   </a:txBody>
                   <a:tcPr marL="0" marR="0" marT="0" marB="0" anchor="ctr" horzOverflow="overflow">
@@ -18092,17 +18523,23 @@
                         </a:defRPr>
                       </a:pPr>
                       <a:r>
-                        <a:rPr lang="da-DK" dirty="0"/>
+                        <a:rPr lang="da-DK" dirty="0">
+                          <a:solidFill>
+                            <a:srgbClr val="212121"/>
+                          </a:solidFill>
+                        </a:rPr>
                         <a:t>3</a:t>
                       </a:r>
-                      <a:endParaRPr dirty="0"/>
-                    </a:p>
-                  </a:txBody>
-                  <a:tcPr marL="0" marR="0" marT="0" marB="0" anchor="ctr" horzOverflow="overflow">
-                    <a:solidFill>
-                      <a:schemeClr val="bg1">
-                        <a:lumMod val="85000"/>
-                      </a:schemeClr>
+                      <a:endParaRPr dirty="0">
+                        <a:solidFill>
+                          <a:srgbClr val="212121"/>
+                        </a:solidFill>
+                      </a:endParaRPr>
+                    </a:p>
+                  </a:txBody>
+                  <a:tcPr marL="0" marR="0" marT="0" marB="0" anchor="ctr" horzOverflow="overflow">
+                    <a:solidFill>
+                      <a:srgbClr val="D8D8D8"/>
                     </a:solidFill>
                   </a:tcPr>
                 </a:tc>
@@ -18120,10 +18557,18 @@
                         </a:defRPr>
                       </a:pPr>
                       <a:r>
-                        <a:rPr lang="da-DK" dirty="0"/>
+                        <a:rPr lang="da-DK" dirty="0">
+                          <a:solidFill>
+                            <a:srgbClr val="212121"/>
+                          </a:solidFill>
+                        </a:rPr>
                         <a:t>b</a:t>
                       </a:r>
-                      <a:endParaRPr dirty="0"/>
+                      <a:endParaRPr dirty="0">
+                        <a:solidFill>
+                          <a:srgbClr val="212121"/>
+                        </a:solidFill>
+                      </a:endParaRPr>
                     </a:p>
                   </a:txBody>
                   <a:tcPr marL="0" marR="0" marT="0" marB="0" anchor="ctr" horzOverflow="overflow">
@@ -18148,10 +18593,18 @@
                         </a:defRPr>
                       </a:pPr>
                       <a:r>
-                        <a:rPr lang="da-DK" dirty="0"/>
+                        <a:rPr lang="da-DK" dirty="0">
+                          <a:solidFill>
+                            <a:srgbClr val="212121"/>
+                          </a:solidFill>
+                        </a:rPr>
                         <a:t>6</a:t>
                       </a:r>
-                      <a:endParaRPr dirty="0"/>
+                      <a:endParaRPr dirty="0">
+                        <a:solidFill>
+                          <a:srgbClr val="212121"/>
+                        </a:solidFill>
+                      </a:endParaRPr>
                     </a:p>
                   </a:txBody>
                   <a:tcPr marL="0" marR="0" marT="0" marB="0" anchor="ctr" horzOverflow="overflow">
@@ -18179,7 +18632,7 @@
           <p:nvPr>
             <p:extLst>
               <p:ext uri="{D42A27DB-BD31-4B8C-83A1-F6EECF244321}">
-                <p14:modId xmlns:p14="http://schemas.microsoft.com/office/powerpoint/2010/main" val="3368756601"/>
+                <p14:modId xmlns:p14="http://schemas.microsoft.com/office/powerpoint/2010/main" val="1994198380"/>
               </p:ext>
             </p:extLst>
           </p:nvPr>
@@ -18321,17 +18774,23 @@
                         </a:defRPr>
                       </a:pPr>
                       <a:r>
-                        <a:rPr lang="da-DK" dirty="0"/>
+                        <a:rPr lang="da-DK" dirty="0">
+                          <a:solidFill>
+                            <a:srgbClr val="212121"/>
+                          </a:solidFill>
+                        </a:rPr>
                         <a:t>3</a:t>
                       </a:r>
-                      <a:endParaRPr dirty="0"/>
-                    </a:p>
-                  </a:txBody>
-                  <a:tcPr marL="0" marR="0" marT="0" marB="0" anchor="ctr" horzOverflow="overflow">
-                    <a:solidFill>
-                      <a:schemeClr val="bg1">
-                        <a:lumMod val="85000"/>
-                      </a:schemeClr>
+                      <a:endParaRPr dirty="0">
+                        <a:solidFill>
+                          <a:srgbClr val="212121"/>
+                        </a:solidFill>
+                      </a:endParaRPr>
+                    </a:p>
+                  </a:txBody>
+                  <a:tcPr marL="0" marR="0" marT="0" marB="0" anchor="ctr" horzOverflow="overflow">
+                    <a:solidFill>
+                      <a:srgbClr val="D8D8D8"/>
                     </a:solidFill>
                   </a:tcPr>
                 </a:tc>
@@ -18349,10 +18808,18 @@
                         </a:defRPr>
                       </a:pPr>
                       <a:r>
-                        <a:rPr lang="da-DK" dirty="0"/>
+                        <a:rPr lang="da-DK" dirty="0">
+                          <a:solidFill>
+                            <a:srgbClr val="212121"/>
+                          </a:solidFill>
+                        </a:rPr>
                         <a:t>b</a:t>
                       </a:r>
-                      <a:endParaRPr dirty="0"/>
+                      <a:endParaRPr dirty="0">
+                        <a:solidFill>
+                          <a:srgbClr val="212121"/>
+                        </a:solidFill>
+                      </a:endParaRPr>
                     </a:p>
                   </a:txBody>
                   <a:tcPr marL="0" marR="0" marT="0" marB="0" anchor="ctr" horzOverflow="overflow">
@@ -18377,10 +18844,18 @@
                         </a:defRPr>
                       </a:pPr>
                       <a:r>
-                        <a:rPr lang="da-DK" dirty="0"/>
+                        <a:rPr lang="da-DK" dirty="0">
+                          <a:solidFill>
+                            <a:srgbClr val="212121"/>
+                          </a:solidFill>
+                        </a:rPr>
                         <a:t>4</a:t>
                       </a:r>
-                      <a:endParaRPr dirty="0"/>
+                      <a:endParaRPr dirty="0">
+                        <a:solidFill>
+                          <a:srgbClr val="212121"/>
+                        </a:solidFill>
+                      </a:endParaRPr>
                     </a:p>
                   </a:txBody>
                   <a:tcPr marL="0" marR="0" marT="0" marB="0" anchor="ctr" horzOverflow="overflow">
@@ -18412,17 +18887,23 @@
                         </a:defRPr>
                       </a:pPr>
                       <a:r>
-                        <a:rPr lang="da-DK" dirty="0"/>
+                        <a:rPr lang="da-DK" dirty="0">
+                          <a:solidFill>
+                            <a:srgbClr val="212121"/>
+                          </a:solidFill>
+                        </a:rPr>
                         <a:t>2</a:t>
                       </a:r>
-                      <a:endParaRPr dirty="0"/>
-                    </a:p>
-                  </a:txBody>
-                  <a:tcPr marL="0" marR="0" marT="0" marB="0" anchor="ctr" horzOverflow="overflow">
-                    <a:solidFill>
-                      <a:schemeClr val="bg1">
-                        <a:lumMod val="85000"/>
-                      </a:schemeClr>
+                      <a:endParaRPr dirty="0">
+                        <a:solidFill>
+                          <a:srgbClr val="212121"/>
+                        </a:solidFill>
+                      </a:endParaRPr>
+                    </a:p>
+                  </a:txBody>
+                  <a:tcPr marL="0" marR="0" marT="0" marB="0" anchor="ctr" horzOverflow="overflow">
+                    <a:solidFill>
+                      <a:srgbClr val="D8D8D8"/>
                     </a:solidFill>
                   </a:tcPr>
                 </a:tc>
@@ -18440,10 +18921,18 @@
                         </a:defRPr>
                       </a:pPr>
                       <a:r>
-                        <a:rPr lang="da-DK" dirty="0"/>
+                        <a:rPr lang="da-DK" dirty="0">
+                          <a:solidFill>
+                            <a:srgbClr val="212121"/>
+                          </a:solidFill>
+                        </a:rPr>
                         <a:t>c</a:t>
                       </a:r>
-                      <a:endParaRPr dirty="0"/>
+                      <a:endParaRPr dirty="0">
+                        <a:solidFill>
+                          <a:srgbClr val="212121"/>
+                        </a:solidFill>
+                      </a:endParaRPr>
                     </a:p>
                   </a:txBody>
                   <a:tcPr marL="0" marR="0" marT="0" marB="0" anchor="ctr" horzOverflow="overflow">
@@ -18468,10 +18957,18 @@
                         </a:defRPr>
                       </a:pPr>
                       <a:r>
-                        <a:rPr lang="da-DK" dirty="0"/>
+                        <a:rPr lang="da-DK" dirty="0">
+                          <a:solidFill>
+                            <a:srgbClr val="212121"/>
+                          </a:solidFill>
+                        </a:rPr>
                         <a:t>5</a:t>
                       </a:r>
-                      <a:endParaRPr dirty="0"/>
+                      <a:endParaRPr dirty="0">
+                        <a:solidFill>
+                          <a:srgbClr val="212121"/>
+                        </a:solidFill>
+                      </a:endParaRPr>
                     </a:p>
                   </a:txBody>
                   <a:tcPr marL="0" marR="0" marT="0" marB="0" anchor="ctr" horzOverflow="overflow">
@@ -18503,17 +19000,23 @@
                         </a:defRPr>
                       </a:pPr>
                       <a:r>
-                        <a:rPr lang="da-DK" dirty="0"/>
+                        <a:rPr lang="da-DK" dirty="0">
+                          <a:solidFill>
+                            <a:srgbClr val="212121"/>
+                          </a:solidFill>
+                        </a:rPr>
                         <a:t>1</a:t>
                       </a:r>
-                      <a:endParaRPr dirty="0"/>
-                    </a:p>
-                  </a:txBody>
-                  <a:tcPr marL="0" marR="0" marT="0" marB="0" anchor="ctr" horzOverflow="overflow">
-                    <a:solidFill>
-                      <a:schemeClr val="bg1">
-                        <a:lumMod val="85000"/>
-                      </a:schemeClr>
+                      <a:endParaRPr dirty="0">
+                        <a:solidFill>
+                          <a:srgbClr val="212121"/>
+                        </a:solidFill>
+                      </a:endParaRPr>
+                    </a:p>
+                  </a:txBody>
+                  <a:tcPr marL="0" marR="0" marT="0" marB="0" anchor="ctr" horzOverflow="overflow">
+                    <a:solidFill>
+                      <a:srgbClr val="D8D8D8"/>
                     </a:solidFill>
                   </a:tcPr>
                 </a:tc>
@@ -18531,10 +19034,18 @@
                         </a:defRPr>
                       </a:pPr>
                       <a:r>
-                        <a:rPr lang="da-DK" dirty="0"/>
+                        <a:rPr lang="da-DK" dirty="0">
+                          <a:solidFill>
+                            <a:srgbClr val="212121"/>
+                          </a:solidFill>
+                        </a:rPr>
                         <a:t>a</a:t>
                       </a:r>
-                      <a:endParaRPr dirty="0"/>
+                      <a:endParaRPr dirty="0">
+                        <a:solidFill>
+                          <a:srgbClr val="212121"/>
+                        </a:solidFill>
+                      </a:endParaRPr>
                     </a:p>
                   </a:txBody>
                   <a:tcPr marL="0" marR="0" marT="0" marB="0" anchor="ctr" horzOverflow="overflow">
@@ -18559,10 +19070,18 @@
                         </a:defRPr>
                       </a:pPr>
                       <a:r>
-                        <a:rPr lang="da-DK" dirty="0"/>
+                        <a:rPr lang="da-DK" dirty="0">
+                          <a:solidFill>
+                            <a:srgbClr val="212121"/>
+                          </a:solidFill>
+                        </a:rPr>
                         <a:t>8</a:t>
                       </a:r>
-                      <a:endParaRPr dirty="0"/>
+                      <a:endParaRPr dirty="0">
+                        <a:solidFill>
+                          <a:srgbClr val="212121"/>
+                        </a:solidFill>
+                      </a:endParaRPr>
                     </a:p>
                   </a:txBody>
                   <a:tcPr marL="0" marR="0" marT="0" marB="0" anchor="ctr" horzOverflow="overflow">
@@ -18602,7 +19121,7 @@
           </a:ln>
           <a:extLst>
             <a:ext uri="{C572A759-6A51-4108-AA02-DFA0A04FC94B}">
-              <ma14:wrappingTextBoxFlag xmlns:ma14="http://schemas.microsoft.com/office/mac/drawingml/2011/main" xmlns="" val="1"/>
+              <ma14:wrappingTextBoxFlag xmlns="" xmlns:ma14="http://schemas.microsoft.com/office/mac/drawingml/2011/main" val="1"/>
             </a:ext>
           </a:extLst>
         </p:spPr>
@@ -18635,7 +19154,7 @@
           <p:nvPr>
             <p:extLst>
               <p:ext uri="{D42A27DB-BD31-4B8C-83A1-F6EECF244321}">
-                <p14:modId xmlns:p14="http://schemas.microsoft.com/office/powerpoint/2010/main" val="4212991816"/>
+                <p14:modId xmlns:p14="http://schemas.microsoft.com/office/powerpoint/2010/main" val="1979969576"/>
               </p:ext>
             </p:extLst>
           </p:nvPr>
@@ -18810,17 +19329,23 @@
                         </a:defRPr>
                       </a:pPr>
                       <a:r>
-                        <a:rPr lang="da-DK" dirty="0"/>
+                        <a:rPr lang="da-DK" dirty="0">
+                          <a:solidFill>
+                            <a:srgbClr val="212121"/>
+                          </a:solidFill>
+                        </a:rPr>
                         <a:t>3</a:t>
                       </a:r>
-                      <a:endParaRPr dirty="0"/>
-                    </a:p>
-                  </a:txBody>
-                  <a:tcPr marL="0" marR="0" marT="0" marB="0" anchor="ctr" horzOverflow="overflow">
-                    <a:solidFill>
-                      <a:schemeClr val="bg1">
-                        <a:lumMod val="85000"/>
-                      </a:schemeClr>
+                      <a:endParaRPr dirty="0">
+                        <a:solidFill>
+                          <a:srgbClr val="212121"/>
+                        </a:solidFill>
+                      </a:endParaRPr>
+                    </a:p>
+                  </a:txBody>
+                  <a:tcPr marL="0" marR="0" marT="0" marB="0" anchor="ctr" horzOverflow="overflow">
+                    <a:solidFill>
+                      <a:srgbClr val="D8D8D8"/>
                     </a:solidFill>
                   </a:tcPr>
                 </a:tc>
@@ -18838,17 +19363,23 @@
                         </a:defRPr>
                       </a:pPr>
                       <a:r>
-                        <a:rPr lang="da-DK" dirty="0"/>
+                        <a:rPr lang="da-DK" dirty="0">
+                          <a:solidFill>
+                            <a:srgbClr val="212121"/>
+                          </a:solidFill>
+                        </a:rPr>
                         <a:t>b</a:t>
                       </a:r>
-                      <a:endParaRPr dirty="0"/>
-                    </a:p>
-                  </a:txBody>
-                  <a:tcPr marL="0" marR="0" marT="0" marB="0" anchor="ctr" horzOverflow="overflow">
-                    <a:solidFill>
-                      <a:schemeClr val="bg1">
-                        <a:lumMod val="85000"/>
-                      </a:schemeClr>
+                      <a:endParaRPr dirty="0">
+                        <a:solidFill>
+                          <a:srgbClr val="212121"/>
+                        </a:solidFill>
+                      </a:endParaRPr>
+                    </a:p>
+                  </a:txBody>
+                  <a:tcPr marL="0" marR="0" marT="0" marB="0" anchor="ctr" horzOverflow="overflow">
+                    <a:solidFill>
+                      <a:srgbClr val="D8D8D8"/>
                     </a:solidFill>
                   </a:tcPr>
                 </a:tc>
@@ -18866,10 +19397,18 @@
                         </a:defRPr>
                       </a:pPr>
                       <a:r>
-                        <a:rPr lang="da-DK" dirty="0"/>
+                        <a:rPr lang="da-DK" dirty="0">
+                          <a:solidFill>
+                            <a:srgbClr val="212121"/>
+                          </a:solidFill>
+                        </a:rPr>
                         <a:t>4</a:t>
                       </a:r>
-                      <a:endParaRPr dirty="0"/>
+                      <a:endParaRPr dirty="0">
+                        <a:solidFill>
+                          <a:srgbClr val="212121"/>
+                        </a:solidFill>
+                      </a:endParaRPr>
                     </a:p>
                   </a:txBody>
                   <a:tcPr marL="0" marR="0" marT="0" marB="0" anchor="ctr" horzOverflow="overflow">
@@ -18894,10 +19433,18 @@
                         </a:defRPr>
                       </a:pPr>
                       <a:r>
-                        <a:rPr lang="da-DK" dirty="0"/>
+                        <a:rPr lang="da-DK" dirty="0">
+                          <a:solidFill>
+                            <a:srgbClr val="212121"/>
+                          </a:solidFill>
+                        </a:rPr>
                         <a:t>3</a:t>
                       </a:r>
-                      <a:endParaRPr dirty="0"/>
+                      <a:endParaRPr dirty="0">
+                        <a:solidFill>
+                          <a:srgbClr val="212121"/>
+                        </a:solidFill>
+                      </a:endParaRPr>
                     </a:p>
                   </a:txBody>
                   <a:tcPr marL="0" marR="0" marT="0" marB="0" anchor="ctr" horzOverflow="overflow">
@@ -18929,17 +19476,23 @@
                         </a:defRPr>
                       </a:pPr>
                       <a:r>
-                        <a:rPr lang="da-DK" dirty="0"/>
+                        <a:rPr lang="da-DK" dirty="0">
+                          <a:solidFill>
+                            <a:srgbClr val="212121"/>
+                          </a:solidFill>
+                        </a:rPr>
                         <a:t>1</a:t>
                       </a:r>
-                      <a:endParaRPr dirty="0"/>
-                    </a:p>
-                  </a:txBody>
-                  <a:tcPr marL="0" marR="0" marT="0" marB="0" anchor="ctr" horzOverflow="overflow">
-                    <a:solidFill>
-                      <a:schemeClr val="bg1">
-                        <a:lumMod val="85000"/>
-                      </a:schemeClr>
+                      <a:endParaRPr dirty="0">
+                        <a:solidFill>
+                          <a:srgbClr val="212121"/>
+                        </a:solidFill>
+                      </a:endParaRPr>
+                    </a:p>
+                  </a:txBody>
+                  <a:tcPr marL="0" marR="0" marT="0" marB="0" anchor="ctr" horzOverflow="overflow">
+                    <a:solidFill>
+                      <a:srgbClr val="D8D8D8"/>
                     </a:solidFill>
                   </a:tcPr>
                 </a:tc>
@@ -18957,17 +19510,23 @@
                         </a:defRPr>
                       </a:pPr>
                       <a:r>
-                        <a:rPr lang="da-DK" dirty="0"/>
+                        <a:rPr lang="da-DK" dirty="0">
+                          <a:solidFill>
+                            <a:srgbClr val="212121"/>
+                          </a:solidFill>
+                        </a:rPr>
                         <a:t>c</a:t>
                       </a:r>
-                      <a:endParaRPr dirty="0"/>
-                    </a:p>
-                  </a:txBody>
-                  <a:tcPr marL="0" marR="0" marT="0" marB="0" anchor="ctr" horzOverflow="overflow">
-                    <a:solidFill>
-                      <a:schemeClr val="bg1">
-                        <a:lumMod val="85000"/>
-                      </a:schemeClr>
+                      <a:endParaRPr dirty="0">
+                        <a:solidFill>
+                          <a:srgbClr val="212121"/>
+                        </a:solidFill>
+                      </a:endParaRPr>
+                    </a:p>
+                  </a:txBody>
+                  <a:tcPr marL="0" marR="0" marT="0" marB="0" anchor="ctr" horzOverflow="overflow">
+                    <a:solidFill>
+                      <a:srgbClr val="D8D8D8"/>
                     </a:solidFill>
                   </a:tcPr>
                 </a:tc>
@@ -18985,10 +19544,18 @@
                         </a:defRPr>
                       </a:pPr>
                       <a:r>
-                        <a:rPr lang="da-DK" dirty="0"/>
+                        <a:rPr lang="da-DK" dirty="0">
+                          <a:solidFill>
+                            <a:srgbClr val="212121"/>
+                          </a:solidFill>
+                        </a:rPr>
                         <a:t>5</a:t>
                       </a:r>
-                      <a:endParaRPr dirty="0"/>
+                      <a:endParaRPr dirty="0">
+                        <a:solidFill>
+                          <a:srgbClr val="212121"/>
+                        </a:solidFill>
+                      </a:endParaRPr>
                     </a:p>
                   </a:txBody>
                   <a:tcPr marL="0" marR="0" marT="0" marB="0" anchor="ctr" horzOverflow="overflow">
@@ -19013,10 +19580,18 @@
                         </a:defRPr>
                       </a:pPr>
                       <a:r>
-                        <a:rPr lang="da-DK" dirty="0"/>
+                        <a:rPr lang="da-DK" dirty="0">
+                          <a:solidFill>
+                            <a:srgbClr val="212121"/>
+                          </a:solidFill>
+                        </a:rPr>
                         <a:t>2</a:t>
                       </a:r>
-                      <a:endParaRPr dirty="0"/>
+                      <a:endParaRPr dirty="0">
+                        <a:solidFill>
+                          <a:srgbClr val="212121"/>
+                        </a:solidFill>
+                      </a:endParaRPr>
                     </a:p>
                   </a:txBody>
                   <a:tcPr marL="0" marR="0" marT="0" marB="0" anchor="ctr" horzOverflow="overflow">
@@ -19048,17 +19623,23 @@
                         </a:defRPr>
                       </a:pPr>
                       <a:r>
-                        <a:rPr lang="da-DK" dirty="0"/>
+                        <a:rPr lang="da-DK" dirty="0">
+                          <a:solidFill>
+                            <a:srgbClr val="212121"/>
+                          </a:solidFill>
+                        </a:rPr>
                         <a:t>NA</a:t>
                       </a:r>
-                      <a:endParaRPr dirty="0"/>
-                    </a:p>
-                  </a:txBody>
-                  <a:tcPr marL="0" marR="0" marT="0" marB="0" anchor="ctr" horzOverflow="overflow">
-                    <a:solidFill>
-                      <a:schemeClr val="bg1">
-                        <a:lumMod val="85000"/>
-                      </a:schemeClr>
+                      <a:endParaRPr dirty="0">
+                        <a:solidFill>
+                          <a:srgbClr val="212121"/>
+                        </a:solidFill>
+                      </a:endParaRPr>
+                    </a:p>
+                  </a:txBody>
+                  <a:tcPr marL="0" marR="0" marT="0" marB="0" anchor="ctr" horzOverflow="overflow">
+                    <a:solidFill>
+                      <a:srgbClr val="D8D8D8"/>
                     </a:solidFill>
                   </a:tcPr>
                 </a:tc>
@@ -19076,17 +19657,23 @@
                         </a:defRPr>
                       </a:pPr>
                       <a:r>
-                        <a:rPr lang="da-DK" dirty="0"/>
+                        <a:rPr lang="da-DK" dirty="0">
+                          <a:solidFill>
+                            <a:srgbClr val="212121"/>
+                          </a:solidFill>
+                        </a:rPr>
                         <a:t>a</a:t>
                       </a:r>
-                      <a:endParaRPr dirty="0"/>
-                    </a:p>
-                  </a:txBody>
-                  <a:tcPr marL="0" marR="0" marT="0" marB="0" anchor="ctr" horzOverflow="overflow">
-                    <a:solidFill>
-                      <a:schemeClr val="bg1">
-                        <a:lumMod val="85000"/>
-                      </a:schemeClr>
+                      <a:endParaRPr dirty="0">
+                        <a:solidFill>
+                          <a:srgbClr val="212121"/>
+                        </a:solidFill>
+                      </a:endParaRPr>
+                    </a:p>
+                  </a:txBody>
+                  <a:tcPr marL="0" marR="0" marT="0" marB="0" anchor="ctr" horzOverflow="overflow">
+                    <a:solidFill>
+                      <a:srgbClr val="D8D8D8"/>
                     </a:solidFill>
                   </a:tcPr>
                 </a:tc>
@@ -19104,10 +19691,18 @@
                         </a:defRPr>
                       </a:pPr>
                       <a:r>
-                        <a:rPr lang="da-DK" dirty="0"/>
+                        <a:rPr lang="da-DK" dirty="0">
+                          <a:solidFill>
+                            <a:srgbClr val="212121"/>
+                          </a:solidFill>
+                        </a:rPr>
                         <a:t>8</a:t>
                       </a:r>
-                      <a:endParaRPr dirty="0"/>
+                      <a:endParaRPr dirty="0">
+                        <a:solidFill>
+                          <a:srgbClr val="212121"/>
+                        </a:solidFill>
+                      </a:endParaRPr>
                     </a:p>
                   </a:txBody>
                   <a:tcPr marL="0" marR="0" marT="0" marB="0" anchor="ctr" horzOverflow="overflow">
@@ -19132,10 +19727,18 @@
                         </a:defRPr>
                       </a:pPr>
                       <a:r>
-                        <a:rPr lang="da-DK" dirty="0"/>
+                        <a:rPr lang="da-DK" dirty="0">
+                          <a:solidFill>
+                            <a:srgbClr val="212121"/>
+                          </a:solidFill>
+                        </a:rPr>
                         <a:t>1</a:t>
                       </a:r>
-                      <a:endParaRPr dirty="0"/>
+                      <a:endParaRPr dirty="0">
+                        <a:solidFill>
+                          <a:srgbClr val="212121"/>
+                        </a:solidFill>
+                      </a:endParaRPr>
                     </a:p>
                   </a:txBody>
                   <a:tcPr marL="0" marR="0" marT="0" marB="0" anchor="ctr" horzOverflow="overflow">
@@ -19175,7 +19778,7 @@
           </a:ln>
           <a:extLst>
             <a:ext uri="{C572A759-6A51-4108-AA02-DFA0A04FC94B}">
-              <ma14:wrappingTextBoxFlag xmlns:ma14="http://schemas.microsoft.com/office/mac/drawingml/2011/main" xmlns="" val="1"/>
+              <ma14:wrappingTextBoxFlag xmlns="" xmlns:ma14="http://schemas.microsoft.com/office/mac/drawingml/2011/main" val="1"/>
             </a:ext>
           </a:extLst>
         </p:spPr>
@@ -19220,7 +19823,7 @@
           </a:ln>
           <a:extLst>
             <a:ext uri="{C572A759-6A51-4108-AA02-DFA0A04FC94B}">
-              <ma14:wrappingTextBoxFlag xmlns:ma14="http://schemas.microsoft.com/office/mac/drawingml/2011/main" xmlns="" val="1"/>
+              <ma14:wrappingTextBoxFlag xmlns="" xmlns:ma14="http://schemas.microsoft.com/office/mac/drawingml/2011/main" val="1"/>
             </a:ext>
           </a:extLst>
         </p:spPr>
@@ -19265,7 +19868,7 @@
           </a:ln>
           <a:extLst>
             <a:ext uri="{C572A759-6A51-4108-AA02-DFA0A04FC94B}">
-              <ma14:wrappingTextBoxFlag xmlns:ma14="http://schemas.microsoft.com/office/mac/drawingml/2011/main" xmlns="" val="1"/>
+              <ma14:wrappingTextBoxFlag xmlns="" xmlns:ma14="http://schemas.microsoft.com/office/mac/drawingml/2011/main" val="1"/>
             </a:ext>
           </a:extLst>
         </p:spPr>
@@ -19351,7 +19954,7 @@
           <p:nvPr>
             <p:extLst>
               <p:ext uri="{D42A27DB-BD31-4B8C-83A1-F6EECF244321}">
-                <p14:modId xmlns:p14="http://schemas.microsoft.com/office/powerpoint/2010/main" val="748793577"/>
+                <p14:modId xmlns:p14="http://schemas.microsoft.com/office/powerpoint/2010/main" val="1946181426"/>
               </p:ext>
             </p:extLst>
           </p:nvPr>
@@ -19460,9 +20063,7 @@
                   </a:txBody>
                   <a:tcPr marL="0" marR="0" marT="0" marB="0" anchor="ctr" horzOverflow="overflow">
                     <a:solidFill>
-                      <a:schemeClr val="bg1">
-                        <a:lumMod val="85000"/>
-                      </a:schemeClr>
+                      <a:srgbClr val="D8D8D8"/>
                     </a:solidFill>
                   </a:tcPr>
                 </a:tc>
@@ -19484,7 +20085,7 @@
                   </a:txBody>
                   <a:tcPr marL="0" marR="0" marT="0" marB="0" anchor="ctr" horzOverflow="overflow">
                     <a:solidFill>
-                      <a:srgbClr val="D9D9D9"/>
+                      <a:srgbClr val="D8D8D8"/>
                     </a:solidFill>
                   </a:tcPr>
                 </a:tc>
@@ -19513,9 +20114,7 @@
                   </a:txBody>
                   <a:tcPr marL="0" marR="0" marT="0" marB="0" anchor="ctr" horzOverflow="overflow">
                     <a:solidFill>
-                      <a:schemeClr val="bg1">
-                        <a:lumMod val="85000"/>
-                      </a:schemeClr>
+                      <a:srgbClr val="D8D8D8"/>
                     </a:solidFill>
                   </a:tcPr>
                 </a:tc>
@@ -19537,7 +20136,7 @@
                   </a:txBody>
                   <a:tcPr marL="0" marR="0" marT="0" marB="0" anchor="ctr" horzOverflow="overflow">
                     <a:solidFill>
-                      <a:srgbClr val="D9D9D9"/>
+                      <a:srgbClr val="D8D8D8"/>
                     </a:solidFill>
                   </a:tcPr>
                 </a:tc>
@@ -19775,7 +20374,7 @@
           </a:ln>
           <a:extLst>
             <a:ext uri="{C572A759-6A51-4108-AA02-DFA0A04FC94B}">
-              <ma14:wrappingTextBoxFlag xmlns:ma14="http://schemas.microsoft.com/office/mac/drawingml/2011/main" xmlns="" val="1"/>
+              <ma14:wrappingTextBoxFlag xmlns="" xmlns:ma14="http://schemas.microsoft.com/office/mac/drawingml/2011/main" val="1"/>
             </a:ext>
           </a:extLst>
         </p:spPr>
@@ -19808,7 +20407,7 @@
           <p:nvPr>
             <p:extLst>
               <p:ext uri="{D42A27DB-BD31-4B8C-83A1-F6EECF244321}">
-                <p14:modId xmlns:p14="http://schemas.microsoft.com/office/powerpoint/2010/main" val="50310310"/>
+                <p14:modId xmlns:p14="http://schemas.microsoft.com/office/powerpoint/2010/main" val="1133444942"/>
               </p:ext>
             </p:extLst>
           </p:nvPr>
@@ -19917,7 +20516,7 @@
                   </a:txBody>
                   <a:tcPr marL="0" marR="0" marT="0" marB="0" anchor="ctr" horzOverflow="overflow">
                     <a:solidFill>
-                      <a:srgbClr val="D9D9D9"/>
+                      <a:srgbClr val="D8D8D8"/>
                     </a:solidFill>
                   </a:tcPr>
                 </a:tc>
@@ -19939,7 +20538,7 @@
                   </a:txBody>
                   <a:tcPr marL="0" marR="0" marT="0" marB="0" anchor="ctr" horzOverflow="overflow">
                     <a:solidFill>
-                      <a:srgbClr val="D9D9D9"/>
+                      <a:srgbClr val="D8D8D8"/>
                     </a:solidFill>
                   </a:tcPr>
                 </a:tc>
@@ -19968,7 +20567,7 @@
                   </a:txBody>
                   <a:tcPr marL="0" marR="0" marT="0" marB="0" anchor="ctr" horzOverflow="overflow">
                     <a:solidFill>
-                      <a:srgbClr val="D9D9D9"/>
+                      <a:srgbClr val="D8D8D8"/>
                     </a:solidFill>
                   </a:tcPr>
                 </a:tc>
@@ -19990,7 +20589,7 @@
                   </a:txBody>
                   <a:tcPr marL="0" marR="0" marT="0" marB="0" anchor="ctr" horzOverflow="overflow">
                     <a:solidFill>
-                      <a:srgbClr val="D9D9D9"/>
+                      <a:srgbClr val="D8D8D8"/>
                     </a:solidFill>
                   </a:tcPr>
                 </a:tc>
@@ -20125,7 +20724,7 @@
           </a:ln>
           <a:extLst>
             <a:ext uri="{C572A759-6A51-4108-AA02-DFA0A04FC94B}">
-              <ma14:wrappingTextBoxFlag xmlns:ma14="http://schemas.microsoft.com/office/mac/drawingml/2011/main" xmlns="" val="1"/>
+              <ma14:wrappingTextBoxFlag xmlns="" xmlns:ma14="http://schemas.microsoft.com/office/mac/drawingml/2011/main" val="1"/>
             </a:ext>
           </a:extLst>
         </p:spPr>
@@ -20170,7 +20769,7 @@
           </a:ln>
           <a:extLst>
             <a:ext uri="{C572A759-6A51-4108-AA02-DFA0A04FC94B}">
-              <ma14:wrappingTextBoxFlag xmlns:ma14="http://schemas.microsoft.com/office/mac/drawingml/2011/main" xmlns="" val="1"/>
+              <ma14:wrappingTextBoxFlag xmlns="" xmlns:ma14="http://schemas.microsoft.com/office/mac/drawingml/2011/main" val="1"/>
             </a:ext>
           </a:extLst>
         </p:spPr>
@@ -20256,7 +20855,7 @@
           <p:nvPr>
             <p:extLst>
               <p:ext uri="{D42A27DB-BD31-4B8C-83A1-F6EECF244321}">
-                <p14:modId xmlns:p14="http://schemas.microsoft.com/office/powerpoint/2010/main" val="1970420112"/>
+                <p14:modId xmlns:p14="http://schemas.microsoft.com/office/powerpoint/2010/main" val="735586851"/>
               </p:ext>
             </p:extLst>
           </p:nvPr>
@@ -20365,9 +20964,7 @@
                   </a:txBody>
                   <a:tcPr marL="0" marR="0" marT="0" marB="0" anchor="ctr" horzOverflow="overflow">
                     <a:solidFill>
-                      <a:schemeClr val="bg1">
-                        <a:lumMod val="85000"/>
-                      </a:schemeClr>
+                      <a:srgbClr val="D8D8D8"/>
                     </a:solidFill>
                   </a:tcPr>
                 </a:tc>
@@ -20389,7 +20986,7 @@
                   </a:txBody>
                   <a:tcPr marL="0" marR="0" marT="0" marB="0" anchor="ctr" horzOverflow="overflow">
                     <a:solidFill>
-                      <a:srgbClr val="D9D9D9"/>
+                      <a:srgbClr val="D8D8D8"/>
                     </a:solidFill>
                   </a:tcPr>
                 </a:tc>
@@ -20418,9 +21015,7 @@
                   </a:txBody>
                   <a:tcPr marL="0" marR="0" marT="0" marB="0" anchor="ctr" horzOverflow="overflow">
                     <a:solidFill>
-                      <a:schemeClr val="bg1">
-                        <a:lumMod val="85000"/>
-                      </a:schemeClr>
+                      <a:srgbClr val="D8D8D8"/>
                     </a:solidFill>
                   </a:tcPr>
                 </a:tc>
@@ -20442,7 +21037,7 @@
                   </a:txBody>
                   <a:tcPr marL="0" marR="0" marT="0" marB="0" anchor="ctr" horzOverflow="overflow">
                     <a:solidFill>
-                      <a:srgbClr val="D9D9D9"/>
+                      <a:srgbClr val="D8D8D8"/>
                     </a:solidFill>
                   </a:tcPr>
                 </a:tc>
@@ -20471,9 +21066,7 @@
                   </a:txBody>
                   <a:tcPr marL="0" marR="0" marT="0" marB="0" anchor="ctr" horzOverflow="overflow">
                     <a:solidFill>
-                      <a:schemeClr val="bg1">
-                        <a:lumMod val="85000"/>
-                      </a:schemeClr>
+                      <a:srgbClr val="D8D8D8"/>
                     </a:solidFill>
                   </a:tcPr>
                 </a:tc>
@@ -20495,7 +21088,7 @@
                   </a:txBody>
                   <a:tcPr marL="0" marR="0" marT="0" marB="0" anchor="ctr" horzOverflow="overflow">
                     <a:solidFill>
-                      <a:srgbClr val="D9D9D9"/>
+                      <a:srgbClr val="D8D8D8"/>
                     </a:solidFill>
                   </a:tcPr>
                 </a:tc>
@@ -20784,7 +21377,7 @@
           </a:ln>
           <a:extLst>
             <a:ext uri="{C572A759-6A51-4108-AA02-DFA0A04FC94B}">
-              <ma14:wrappingTextBoxFlag xmlns:ma14="http://schemas.microsoft.com/office/mac/drawingml/2011/main" xmlns="" val="1"/>
+              <ma14:wrappingTextBoxFlag xmlns="" xmlns:ma14="http://schemas.microsoft.com/office/mac/drawingml/2011/main" val="1"/>
             </a:ext>
           </a:extLst>
         </p:spPr>
@@ -20817,7 +21410,7 @@
           <p:nvPr>
             <p:extLst>
               <p:ext uri="{D42A27DB-BD31-4B8C-83A1-F6EECF244321}">
-                <p14:modId xmlns:p14="http://schemas.microsoft.com/office/powerpoint/2010/main" val="3751877974"/>
+                <p14:modId xmlns:p14="http://schemas.microsoft.com/office/powerpoint/2010/main" val="3964871736"/>
               </p:ext>
             </p:extLst>
           </p:nvPr>
@@ -20992,7 +21585,7 @@
                   </a:txBody>
                   <a:tcPr marL="0" marR="0" marT="0" marB="0" anchor="ctr" horzOverflow="overflow">
                     <a:solidFill>
-                      <a:srgbClr val="D9D9D9"/>
+                      <a:srgbClr val="D8D8D8"/>
                     </a:solidFill>
                   </a:tcPr>
                 </a:tc>
@@ -21014,7 +21607,7 @@
                   </a:txBody>
                   <a:tcPr marL="0" marR="0" marT="0" marB="0" anchor="ctr" horzOverflow="overflow">
                     <a:solidFill>
-                      <a:srgbClr val="D9D9D9"/>
+                      <a:srgbClr val="D8D8D8"/>
                     </a:solidFill>
                   </a:tcPr>
                 </a:tc>
@@ -21087,7 +21680,7 @@
                   </a:txBody>
                   <a:tcPr marL="0" marR="0" marT="0" marB="0" anchor="ctr" horzOverflow="overflow">
                     <a:solidFill>
-                      <a:srgbClr val="D9D9D9"/>
+                      <a:srgbClr val="D8D8D8"/>
                     </a:solidFill>
                   </a:tcPr>
                 </a:tc>
@@ -21109,7 +21702,7 @@
                   </a:txBody>
                   <a:tcPr marL="0" marR="0" marT="0" marB="0" anchor="ctr" horzOverflow="overflow">
                     <a:solidFill>
-                      <a:srgbClr val="D9D9D9"/>
+                      <a:srgbClr val="D8D8D8"/>
                     </a:solidFill>
                   </a:tcPr>
                 </a:tc>
@@ -21182,7 +21775,7 @@
                   </a:txBody>
                   <a:tcPr marL="0" marR="0" marT="0" marB="0" anchor="ctr" horzOverflow="overflow">
                     <a:solidFill>
-                      <a:srgbClr val="D9D9D9"/>
+                      <a:srgbClr val="D8D8D8"/>
                     </a:solidFill>
                   </a:tcPr>
                 </a:tc>
@@ -21204,7 +21797,7 @@
                   </a:txBody>
                   <a:tcPr marL="0" marR="0" marT="0" marB="0" anchor="ctr" horzOverflow="overflow">
                     <a:solidFill>
-                      <a:srgbClr val="D9D9D9"/>
+                      <a:srgbClr val="D8D8D8"/>
                     </a:solidFill>
                   </a:tcPr>
                 </a:tc>
@@ -21281,7 +21874,7 @@
           </a:ln>
           <a:extLst>
             <a:ext uri="{C572A759-6A51-4108-AA02-DFA0A04FC94B}">
-              <ma14:wrappingTextBoxFlag xmlns:ma14="http://schemas.microsoft.com/office/mac/drawingml/2011/main" xmlns="" val="1"/>
+              <ma14:wrappingTextBoxFlag xmlns="" xmlns:ma14="http://schemas.microsoft.com/office/mac/drawingml/2011/main" val="1"/>
             </a:ext>
           </a:extLst>
         </p:spPr>
@@ -21314,7 +21907,7 @@
           <p:nvPr>
             <p:extLst>
               <p:ext uri="{D42A27DB-BD31-4B8C-83A1-F6EECF244321}">
-                <p14:modId xmlns:p14="http://schemas.microsoft.com/office/powerpoint/2010/main" val="2990930744"/>
+                <p14:modId xmlns:p14="http://schemas.microsoft.com/office/powerpoint/2010/main" val="2384305474"/>
               </p:ext>
             </p:extLst>
           </p:nvPr>
@@ -21454,15 +22047,23 @@
                         </a:defRPr>
                       </a:pPr>
                       <a:r>
-                        <a:rPr lang="da-DK" dirty="0"/>
+                        <a:rPr lang="da-DK" dirty="0">
+                          <a:solidFill>
+                            <a:srgbClr val="212121"/>
+                          </a:solidFill>
+                        </a:rPr>
                         <a:t>1</a:t>
                       </a:r>
-                      <a:endParaRPr dirty="0"/>
-                    </a:p>
-                  </a:txBody>
-                  <a:tcPr marL="0" marR="0" marT="0" marB="0" anchor="ctr" horzOverflow="overflow">
-                    <a:solidFill>
-                      <a:srgbClr val="D9D9D9"/>
+                      <a:endParaRPr dirty="0">
+                        <a:solidFill>
+                          <a:srgbClr val="212121"/>
+                        </a:solidFill>
+                      </a:endParaRPr>
+                    </a:p>
+                  </a:txBody>
+                  <a:tcPr marL="0" marR="0" marT="0" marB="0" anchor="ctr" horzOverflow="overflow">
+                    <a:solidFill>
+                      <a:srgbClr val="D8D8D8"/>
                     </a:solidFill>
                   </a:tcPr>
                 </a:tc>
@@ -21480,15 +22081,23 @@
                         </a:defRPr>
                       </a:pPr>
                       <a:r>
-                        <a:rPr lang="da-DK" dirty="0"/>
+                        <a:rPr lang="da-DK" dirty="0">
+                          <a:solidFill>
+                            <a:srgbClr val="212121"/>
+                          </a:solidFill>
+                        </a:rPr>
                         <a:t>A</a:t>
                       </a:r>
-                      <a:endParaRPr dirty="0"/>
-                    </a:p>
-                  </a:txBody>
-                  <a:tcPr marL="0" marR="0" marT="0" marB="0" anchor="ctr" horzOverflow="overflow">
-                    <a:solidFill>
-                      <a:srgbClr val="D9D9D9"/>
+                      <a:endParaRPr dirty="0">
+                        <a:solidFill>
+                          <a:srgbClr val="212121"/>
+                        </a:solidFill>
+                      </a:endParaRPr>
+                    </a:p>
+                  </a:txBody>
+                  <a:tcPr marL="0" marR="0" marT="0" marB="0" anchor="ctr" horzOverflow="overflow">
+                    <a:solidFill>
+                      <a:srgbClr val="D8D8D8"/>
                     </a:solidFill>
                   </a:tcPr>
                 </a:tc>
@@ -21506,15 +22115,23 @@
                         </a:defRPr>
                       </a:pPr>
                       <a:r>
-                        <a:rPr lang="da-DK" dirty="0"/>
+                        <a:rPr lang="da-DK" dirty="0">
+                          <a:solidFill>
+                            <a:srgbClr val="212121"/>
+                          </a:solidFill>
+                        </a:rPr>
                         <a:t>01-01-2010</a:t>
                       </a:r>
-                      <a:endParaRPr dirty="0"/>
-                    </a:p>
-                  </a:txBody>
-                  <a:tcPr marL="0" marR="0" marT="0" marB="0" anchor="ctr" horzOverflow="overflow">
-                    <a:solidFill>
-                      <a:srgbClr val="D9D9D9"/>
+                      <a:endParaRPr dirty="0">
+                        <a:solidFill>
+                          <a:srgbClr val="212121"/>
+                        </a:solidFill>
+                      </a:endParaRPr>
+                    </a:p>
+                  </a:txBody>
+                  <a:tcPr marL="0" marR="0" marT="0" marB="0" anchor="ctr" horzOverflow="overflow">
+                    <a:solidFill>
+                      <a:srgbClr val="D8D8D8"/>
                     </a:solidFill>
                   </a:tcPr>
                 </a:tc>
@@ -21539,10 +22156,18 @@
                         </a:defRPr>
                       </a:pPr>
                       <a:r>
-                        <a:rPr lang="da-DK" dirty="0"/>
+                        <a:rPr lang="da-DK" dirty="0">
+                          <a:solidFill>
+                            <a:srgbClr val="212121"/>
+                          </a:solidFill>
+                        </a:rPr>
                         <a:t>2</a:t>
                       </a:r>
-                      <a:endParaRPr dirty="0"/>
+                      <a:endParaRPr dirty="0">
+                        <a:solidFill>
+                          <a:srgbClr val="212121"/>
+                        </a:solidFill>
+                      </a:endParaRPr>
                     </a:p>
                   </a:txBody>
                   <a:tcPr marL="0" marR="0" marT="0" marB="0" anchor="ctr" horzOverflow="overflow">
@@ -21565,10 +22190,18 @@
                         </a:defRPr>
                       </a:pPr>
                       <a:r>
-                        <a:rPr lang="da-DK" dirty="0"/>
+                        <a:rPr lang="da-DK" dirty="0">
+                          <a:solidFill>
+                            <a:srgbClr val="212121"/>
+                          </a:solidFill>
+                        </a:rPr>
                         <a:t>A</a:t>
                       </a:r>
-                      <a:endParaRPr dirty="0"/>
+                      <a:endParaRPr dirty="0">
+                        <a:solidFill>
+                          <a:srgbClr val="212121"/>
+                        </a:solidFill>
+                      </a:endParaRPr>
                     </a:p>
                   </a:txBody>
                   <a:tcPr marL="0" marR="0" marT="0" marB="0" anchor="ctr" horzOverflow="overflow">
@@ -21591,10 +22224,18 @@
                         </a:defRPr>
                       </a:pPr>
                       <a:r>
-                        <a:rPr lang="da-DK" dirty="0"/>
+                        <a:rPr lang="da-DK" dirty="0">
+                          <a:solidFill>
+                            <a:srgbClr val="212121"/>
+                          </a:solidFill>
+                        </a:rPr>
                         <a:t>01-01-2012</a:t>
                       </a:r>
-                      <a:endParaRPr dirty="0"/>
+                      <a:endParaRPr dirty="0">
+                        <a:solidFill>
+                          <a:srgbClr val="212121"/>
+                        </a:solidFill>
+                      </a:endParaRPr>
                     </a:p>
                   </a:txBody>
                   <a:tcPr marL="0" marR="0" marT="0" marB="0" anchor="ctr" horzOverflow="overflow">
@@ -21624,15 +22265,23 @@
                         </a:defRPr>
                       </a:pPr>
                       <a:r>
-                        <a:rPr lang="da-DK" dirty="0"/>
+                        <a:rPr lang="da-DK" dirty="0">
+                          <a:solidFill>
+                            <a:srgbClr val="212121"/>
+                          </a:solidFill>
+                        </a:rPr>
                         <a:t>3</a:t>
                       </a:r>
-                      <a:endParaRPr dirty="0"/>
-                    </a:p>
-                  </a:txBody>
-                  <a:tcPr marL="0" marR="0" marT="0" marB="0" anchor="ctr" horzOverflow="overflow">
-                    <a:solidFill>
-                      <a:srgbClr val="D9D9D9"/>
+                      <a:endParaRPr dirty="0">
+                        <a:solidFill>
+                          <a:srgbClr val="212121"/>
+                        </a:solidFill>
+                      </a:endParaRPr>
+                    </a:p>
+                  </a:txBody>
+                  <a:tcPr marL="0" marR="0" marT="0" marB="0" anchor="ctr" horzOverflow="overflow">
+                    <a:solidFill>
+                      <a:srgbClr val="D8D8D8"/>
                     </a:solidFill>
                   </a:tcPr>
                 </a:tc>
@@ -21650,15 +22299,23 @@
                         </a:defRPr>
                       </a:pPr>
                       <a:r>
-                        <a:rPr lang="da-DK" dirty="0"/>
+                        <a:rPr lang="da-DK" dirty="0">
+                          <a:solidFill>
+                            <a:srgbClr val="212121"/>
+                          </a:solidFill>
+                        </a:rPr>
                         <a:t>A</a:t>
                       </a:r>
-                      <a:endParaRPr dirty="0"/>
-                    </a:p>
-                  </a:txBody>
-                  <a:tcPr marL="0" marR="0" marT="0" marB="0" anchor="ctr" horzOverflow="overflow">
-                    <a:solidFill>
-                      <a:srgbClr val="D9D9D9"/>
+                      <a:endParaRPr dirty="0">
+                        <a:solidFill>
+                          <a:srgbClr val="212121"/>
+                        </a:solidFill>
+                      </a:endParaRPr>
+                    </a:p>
+                  </a:txBody>
+                  <a:tcPr marL="0" marR="0" marT="0" marB="0" anchor="ctr" horzOverflow="overflow">
+                    <a:solidFill>
+                      <a:srgbClr val="D8D8D8"/>
                     </a:solidFill>
                   </a:tcPr>
                 </a:tc>
@@ -21676,15 +22333,23 @@
                         </a:defRPr>
                       </a:pPr>
                       <a:r>
-                        <a:rPr lang="da-DK" dirty="0"/>
+                        <a:rPr lang="da-DK" dirty="0">
+                          <a:solidFill>
+                            <a:srgbClr val="212121"/>
+                          </a:solidFill>
+                        </a:rPr>
                         <a:t>01-01-2014</a:t>
                       </a:r>
-                      <a:endParaRPr dirty="0"/>
-                    </a:p>
-                  </a:txBody>
-                  <a:tcPr marL="0" marR="0" marT="0" marB="0" anchor="ctr" horzOverflow="overflow">
-                    <a:solidFill>
-                      <a:srgbClr val="D9D9D9"/>
+                      <a:endParaRPr dirty="0">
+                        <a:solidFill>
+                          <a:srgbClr val="212121"/>
+                        </a:solidFill>
+                      </a:endParaRPr>
+                    </a:p>
+                  </a:txBody>
+                  <a:tcPr marL="0" marR="0" marT="0" marB="0" anchor="ctr" horzOverflow="overflow">
+                    <a:solidFill>
+                      <a:srgbClr val="D8D8D8"/>
                     </a:solidFill>
                   </a:tcPr>
                 </a:tc>
@@ -21709,15 +22374,23 @@
                         </a:defRPr>
                       </a:pPr>
                       <a:r>
-                        <a:rPr lang="da-DK" dirty="0"/>
+                        <a:rPr lang="da-DK" dirty="0">
+                          <a:solidFill>
+                            <a:srgbClr val="212121"/>
+                          </a:solidFill>
+                        </a:rPr>
                         <a:t>1</a:t>
                       </a:r>
-                      <a:endParaRPr dirty="0"/>
-                    </a:p>
-                  </a:txBody>
-                  <a:tcPr marL="0" marR="0" marT="0" marB="0" anchor="ctr" horzOverflow="overflow">
-                    <a:solidFill>
-                      <a:srgbClr val="D9D9D9"/>
+                      <a:endParaRPr dirty="0">
+                        <a:solidFill>
+                          <a:srgbClr val="212121"/>
+                        </a:solidFill>
+                      </a:endParaRPr>
+                    </a:p>
+                  </a:txBody>
+                  <a:tcPr marL="0" marR="0" marT="0" marB="0" anchor="ctr" horzOverflow="overflow">
+                    <a:solidFill>
+                      <a:srgbClr val="D8D8D8"/>
                     </a:solidFill>
                   </a:tcPr>
                 </a:tc>
@@ -21735,15 +22408,23 @@
                         </a:defRPr>
                       </a:pPr>
                       <a:r>
-                        <a:rPr lang="da-DK" dirty="0"/>
+                        <a:rPr lang="da-DK" dirty="0">
+                          <a:solidFill>
+                            <a:srgbClr val="212121"/>
+                          </a:solidFill>
+                        </a:rPr>
                         <a:t>B</a:t>
                       </a:r>
-                      <a:endParaRPr dirty="0"/>
-                    </a:p>
-                  </a:txBody>
-                  <a:tcPr marL="0" marR="0" marT="0" marB="0" anchor="ctr" horzOverflow="overflow">
-                    <a:solidFill>
-                      <a:srgbClr val="D9D9D9"/>
+                      <a:endParaRPr dirty="0">
+                        <a:solidFill>
+                          <a:srgbClr val="212121"/>
+                        </a:solidFill>
+                      </a:endParaRPr>
+                    </a:p>
+                  </a:txBody>
+                  <a:tcPr marL="0" marR="0" marT="0" marB="0" anchor="ctr" horzOverflow="overflow">
+                    <a:solidFill>
+                      <a:srgbClr val="D8D8D8"/>
                     </a:solidFill>
                   </a:tcPr>
                 </a:tc>
@@ -21761,15 +22442,23 @@
                         </a:defRPr>
                       </a:pPr>
                       <a:r>
-                        <a:rPr lang="da-DK" dirty="0"/>
+                        <a:rPr lang="da-DK" dirty="0">
+                          <a:solidFill>
+                            <a:srgbClr val="212121"/>
+                          </a:solidFill>
+                        </a:rPr>
                         <a:t>01-01-2010</a:t>
                       </a:r>
-                      <a:endParaRPr dirty="0"/>
-                    </a:p>
-                  </a:txBody>
-                  <a:tcPr marL="0" marR="0" marT="0" marB="0" anchor="ctr" horzOverflow="overflow">
-                    <a:solidFill>
-                      <a:srgbClr val="D9D9D9"/>
+                      <a:endParaRPr dirty="0">
+                        <a:solidFill>
+                          <a:srgbClr val="212121"/>
+                        </a:solidFill>
+                      </a:endParaRPr>
+                    </a:p>
+                  </a:txBody>
+                  <a:tcPr marL="0" marR="0" marT="0" marB="0" anchor="ctr" horzOverflow="overflow">
+                    <a:solidFill>
+                      <a:srgbClr val="D8D8D8"/>
                     </a:solidFill>
                   </a:tcPr>
                 </a:tc>
@@ -21794,10 +22483,18 @@
                         </a:defRPr>
                       </a:pPr>
                       <a:r>
-                        <a:rPr lang="da-DK" dirty="0"/>
+                        <a:rPr lang="da-DK" dirty="0">
+                          <a:solidFill>
+                            <a:srgbClr val="212121"/>
+                          </a:solidFill>
+                        </a:rPr>
                         <a:t>2</a:t>
                       </a:r>
-                      <a:endParaRPr dirty="0"/>
+                      <a:endParaRPr dirty="0">
+                        <a:solidFill>
+                          <a:srgbClr val="212121"/>
+                        </a:solidFill>
+                      </a:endParaRPr>
                     </a:p>
                   </a:txBody>
                   <a:tcPr marL="0" marR="0" marT="0" marB="0" anchor="ctr" horzOverflow="overflow">
@@ -21820,10 +22517,18 @@
                         </a:defRPr>
                       </a:pPr>
                       <a:r>
-                        <a:rPr lang="da-DK" dirty="0"/>
+                        <a:rPr lang="da-DK" dirty="0">
+                          <a:solidFill>
+                            <a:srgbClr val="212121"/>
+                          </a:solidFill>
+                        </a:rPr>
                         <a:t>B</a:t>
                       </a:r>
-                      <a:endParaRPr dirty="0"/>
+                      <a:endParaRPr dirty="0">
+                        <a:solidFill>
+                          <a:srgbClr val="212121"/>
+                        </a:solidFill>
+                      </a:endParaRPr>
                     </a:p>
                   </a:txBody>
                   <a:tcPr marL="0" marR="0" marT="0" marB="0" anchor="ctr" horzOverflow="overflow">
@@ -21846,10 +22551,18 @@
                         </a:defRPr>
                       </a:pPr>
                       <a:r>
-                        <a:rPr lang="da-DK" dirty="0"/>
+                        <a:rPr lang="da-DK" dirty="0">
+                          <a:solidFill>
+                            <a:srgbClr val="212121"/>
+                          </a:solidFill>
+                        </a:rPr>
                         <a:t>01-01-2012</a:t>
                       </a:r>
-                      <a:endParaRPr dirty="0"/>
+                      <a:endParaRPr dirty="0">
+                        <a:solidFill>
+                          <a:srgbClr val="212121"/>
+                        </a:solidFill>
+                      </a:endParaRPr>
                     </a:p>
                   </a:txBody>
                   <a:tcPr marL="0" marR="0" marT="0" marB="0" anchor="ctr" horzOverflow="overflow">
@@ -21887,7 +22600,7 @@
           </a:ln>
           <a:extLst>
             <a:ext uri="{C572A759-6A51-4108-AA02-DFA0A04FC94B}">
-              <ma14:wrappingTextBoxFlag xmlns:ma14="http://schemas.microsoft.com/office/mac/drawingml/2011/main" xmlns="" val="1"/>
+              <ma14:wrappingTextBoxFlag xmlns="" xmlns:ma14="http://schemas.microsoft.com/office/mac/drawingml/2011/main" val="1"/>
             </a:ext>
           </a:extLst>
         </p:spPr>
@@ -21932,7 +22645,7 @@
           </a:ln>
           <a:extLst>
             <a:ext uri="{C572A759-6A51-4108-AA02-DFA0A04FC94B}">
-              <ma14:wrappingTextBoxFlag xmlns:ma14="http://schemas.microsoft.com/office/mac/drawingml/2011/main" xmlns="" val="1"/>
+              <ma14:wrappingTextBoxFlag xmlns="" xmlns:ma14="http://schemas.microsoft.com/office/mac/drawingml/2011/main" val="1"/>
             </a:ext>
           </a:extLst>
         </p:spPr>
@@ -21965,7 +22678,7 @@
           <p:nvPr>
             <p:extLst>
               <p:ext uri="{D42A27DB-BD31-4B8C-83A1-F6EECF244321}">
-                <p14:modId xmlns:p14="http://schemas.microsoft.com/office/powerpoint/2010/main" val="2415574406"/>
+                <p14:modId xmlns:p14="http://schemas.microsoft.com/office/powerpoint/2010/main" val="2193050652"/>
               </p:ext>
             </p:extLst>
           </p:nvPr>
@@ -22105,10 +22818,18 @@
                         </a:defRPr>
                       </a:pPr>
                       <a:r>
-                        <a:rPr lang="da-DK" dirty="0"/>
+                        <a:rPr lang="da-DK" dirty="0">
+                          <a:solidFill>
+                            <a:srgbClr val="212121"/>
+                          </a:solidFill>
+                        </a:rPr>
                         <a:t>1</a:t>
                       </a:r>
-                      <a:endParaRPr dirty="0"/>
+                      <a:endParaRPr dirty="0">
+                        <a:solidFill>
+                          <a:srgbClr val="212121"/>
+                        </a:solidFill>
+                      </a:endParaRPr>
                     </a:p>
                   </a:txBody>
                   <a:tcPr marL="0" marR="0" marT="0" marB="0" anchor="ctr" horzOverflow="overflow">
@@ -22131,10 +22852,18 @@
                         </a:defRPr>
                       </a:pPr>
                       <a:r>
-                        <a:rPr lang="da-DK" dirty="0"/>
+                        <a:rPr lang="da-DK" dirty="0">
+                          <a:solidFill>
+                            <a:srgbClr val="212121"/>
+                          </a:solidFill>
+                        </a:rPr>
                         <a:t>A</a:t>
                       </a:r>
-                      <a:endParaRPr dirty="0"/>
+                      <a:endParaRPr dirty="0">
+                        <a:solidFill>
+                          <a:srgbClr val="212121"/>
+                        </a:solidFill>
+                      </a:endParaRPr>
                     </a:p>
                   </a:txBody>
                   <a:tcPr marL="0" marR="0" marT="0" marB="0" anchor="ctr" horzOverflow="overflow">
@@ -22157,10 +22886,18 @@
                         </a:defRPr>
                       </a:pPr>
                       <a:r>
-                        <a:rPr lang="da-DK" dirty="0"/>
+                        <a:rPr lang="da-DK" dirty="0">
+                          <a:solidFill>
+                            <a:srgbClr val="212121"/>
+                          </a:solidFill>
+                        </a:rPr>
                         <a:t>01-01-2013</a:t>
                       </a:r>
-                      <a:endParaRPr dirty="0"/>
+                      <a:endParaRPr dirty="0">
+                        <a:solidFill>
+                          <a:srgbClr val="212121"/>
+                        </a:solidFill>
+                      </a:endParaRPr>
                     </a:p>
                   </a:txBody>
                   <a:tcPr marL="0" marR="0" marT="0" marB="0" anchor="ctr" horzOverflow="overflow">
@@ -22190,10 +22927,18 @@
                         </a:defRPr>
                       </a:pPr>
                       <a:r>
-                        <a:rPr lang="da-DK" dirty="0"/>
+                        <a:rPr lang="da-DK" dirty="0">
+                          <a:solidFill>
+                            <a:srgbClr val="212121"/>
+                          </a:solidFill>
+                        </a:rPr>
                         <a:t>1</a:t>
                       </a:r>
-                      <a:endParaRPr dirty="0"/>
+                      <a:endParaRPr dirty="0">
+                        <a:solidFill>
+                          <a:srgbClr val="212121"/>
+                        </a:solidFill>
+                      </a:endParaRPr>
                     </a:p>
                   </a:txBody>
                   <a:tcPr marL="0" marR="0" marT="0" marB="0" anchor="ctr" horzOverflow="overflow">
@@ -22216,10 +22961,18 @@
                         </a:defRPr>
                       </a:pPr>
                       <a:r>
-                        <a:rPr lang="da-DK" dirty="0"/>
+                        <a:rPr lang="da-DK" dirty="0">
+                          <a:solidFill>
+                            <a:srgbClr val="212121"/>
+                          </a:solidFill>
+                        </a:rPr>
                         <a:t>B</a:t>
                       </a:r>
-                      <a:endParaRPr dirty="0"/>
+                      <a:endParaRPr dirty="0">
+                        <a:solidFill>
+                          <a:srgbClr val="212121"/>
+                        </a:solidFill>
+                      </a:endParaRPr>
                     </a:p>
                   </a:txBody>
                   <a:tcPr marL="0" marR="0" marT="0" marB="0" anchor="ctr" horzOverflow="overflow">
@@ -22242,10 +22995,18 @@
                         </a:defRPr>
                       </a:pPr>
                       <a:r>
-                        <a:rPr lang="da-DK" dirty="0"/>
+                        <a:rPr lang="da-DK" dirty="0">
+                          <a:solidFill>
+                            <a:srgbClr val="212121"/>
+                          </a:solidFill>
+                        </a:rPr>
                         <a:t>01-01-2013</a:t>
                       </a:r>
-                      <a:endParaRPr dirty="0"/>
+                      <a:endParaRPr dirty="0">
+                        <a:solidFill>
+                          <a:srgbClr val="212121"/>
+                        </a:solidFill>
+                      </a:endParaRPr>
                     </a:p>
                   </a:txBody>
                   <a:tcPr marL="0" marR="0" marT="0" marB="0" anchor="ctr" horzOverflow="overflow">
@@ -22271,7 +23032,7 @@
           <p:nvPr>
             <p:extLst>
               <p:ext uri="{D42A27DB-BD31-4B8C-83A1-F6EECF244321}">
-                <p14:modId xmlns:p14="http://schemas.microsoft.com/office/powerpoint/2010/main" val="2638465367"/>
+                <p14:modId xmlns:p14="http://schemas.microsoft.com/office/powerpoint/2010/main" val="1487612947"/>
               </p:ext>
             </p:extLst>
           </p:nvPr>
@@ -22444,10 +23205,18 @@
                         </a:defRPr>
                       </a:pPr>
                       <a:r>
-                        <a:rPr lang="da-DK" dirty="0"/>
+                        <a:rPr lang="da-DK" dirty="0">
+                          <a:solidFill>
+                            <a:srgbClr val="212121"/>
+                          </a:solidFill>
+                        </a:rPr>
                         <a:t>2</a:t>
                       </a:r>
-                      <a:endParaRPr dirty="0"/>
+                      <a:endParaRPr dirty="0">
+                        <a:solidFill>
+                          <a:srgbClr val="212121"/>
+                        </a:solidFill>
+                      </a:endParaRPr>
                     </a:p>
                   </a:txBody>
                   <a:tcPr marL="0" marR="0" marT="0" marB="0" anchor="ctr" horzOverflow="overflow">
@@ -22470,10 +23239,18 @@
                         </a:defRPr>
                       </a:pPr>
                       <a:r>
-                        <a:rPr lang="da-DK" dirty="0"/>
+                        <a:rPr lang="da-DK" dirty="0">
+                          <a:solidFill>
+                            <a:srgbClr val="212121"/>
+                          </a:solidFill>
+                        </a:rPr>
                         <a:t>A</a:t>
                       </a:r>
-                      <a:endParaRPr dirty="0"/>
+                      <a:endParaRPr dirty="0">
+                        <a:solidFill>
+                          <a:srgbClr val="212121"/>
+                        </a:solidFill>
+                      </a:endParaRPr>
                     </a:p>
                   </a:txBody>
                   <a:tcPr marL="0" marR="0" marT="0" marB="0" anchor="ctr" horzOverflow="overflow">
@@ -22496,10 +23273,18 @@
                         </a:defRPr>
                       </a:pPr>
                       <a:r>
-                        <a:rPr lang="da-DK" dirty="0"/>
+                        <a:rPr lang="da-DK" dirty="0">
+                          <a:solidFill>
+                            <a:srgbClr val="212121"/>
+                          </a:solidFill>
+                        </a:rPr>
                         <a:t>01-01-2013</a:t>
                       </a:r>
-                      <a:endParaRPr dirty="0"/>
+                      <a:endParaRPr dirty="0">
+                        <a:solidFill>
+                          <a:srgbClr val="212121"/>
+                        </a:solidFill>
+                      </a:endParaRPr>
                     </a:p>
                   </a:txBody>
                   <a:tcPr marL="0" marR="0" marT="0" marB="0" anchor="ctr" horzOverflow="overflow">
@@ -22522,10 +23307,18 @@
                         </a:defRPr>
                       </a:pPr>
                       <a:r>
-                        <a:rPr lang="da-DK" dirty="0"/>
+                        <a:rPr lang="da-DK" dirty="0">
+                          <a:solidFill>
+                            <a:srgbClr val="212121"/>
+                          </a:solidFill>
+                        </a:rPr>
                         <a:t>1</a:t>
                       </a:r>
-                      <a:endParaRPr dirty="0"/>
+                      <a:endParaRPr dirty="0">
+                        <a:solidFill>
+                          <a:srgbClr val="212121"/>
+                        </a:solidFill>
+                      </a:endParaRPr>
                     </a:p>
                   </a:txBody>
                   <a:tcPr marL="0" marR="0" marT="0" marB="0" anchor="ctr" horzOverflow="overflow">
@@ -22555,10 +23348,18 @@
                         </a:defRPr>
                       </a:pPr>
                       <a:r>
-                        <a:rPr lang="da-DK" dirty="0"/>
+                        <a:rPr lang="da-DK" dirty="0">
+                          <a:solidFill>
+                            <a:srgbClr val="212121"/>
+                          </a:solidFill>
+                        </a:rPr>
                         <a:t>2</a:t>
                       </a:r>
-                      <a:endParaRPr dirty="0"/>
+                      <a:endParaRPr dirty="0">
+                        <a:solidFill>
+                          <a:srgbClr val="212121"/>
+                        </a:solidFill>
+                      </a:endParaRPr>
                     </a:p>
                   </a:txBody>
                   <a:tcPr marL="0" marR="0" marT="0" marB="0" anchor="ctr" horzOverflow="overflow">
@@ -22581,10 +23382,18 @@
                         </a:defRPr>
                       </a:pPr>
                       <a:r>
-                        <a:rPr lang="da-DK" dirty="0"/>
+                        <a:rPr lang="da-DK" dirty="0">
+                          <a:solidFill>
+                            <a:srgbClr val="212121"/>
+                          </a:solidFill>
+                        </a:rPr>
                         <a:t>B</a:t>
                       </a:r>
-                      <a:endParaRPr dirty="0"/>
+                      <a:endParaRPr dirty="0">
+                        <a:solidFill>
+                          <a:srgbClr val="212121"/>
+                        </a:solidFill>
+                      </a:endParaRPr>
                     </a:p>
                   </a:txBody>
                   <a:tcPr marL="0" marR="0" marT="0" marB="0" anchor="ctr" horzOverflow="overflow">
@@ -22607,10 +23416,18 @@
                         </a:defRPr>
                       </a:pPr>
                       <a:r>
-                        <a:rPr lang="da-DK" dirty="0"/>
+                        <a:rPr lang="da-DK" dirty="0">
+                          <a:solidFill>
+                            <a:srgbClr val="212121"/>
+                          </a:solidFill>
+                        </a:rPr>
                         <a:t>01-01-2013</a:t>
                       </a:r>
-                      <a:endParaRPr dirty="0"/>
+                      <a:endParaRPr dirty="0">
+                        <a:solidFill>
+                          <a:srgbClr val="212121"/>
+                        </a:solidFill>
+                      </a:endParaRPr>
                     </a:p>
                   </a:txBody>
                   <a:tcPr marL="0" marR="0" marT="0" marB="0" anchor="ctr" horzOverflow="overflow">
@@ -22633,10 +23450,18 @@
                         </a:defRPr>
                       </a:pPr>
                       <a:r>
-                        <a:rPr lang="da-DK" dirty="0"/>
+                        <a:rPr lang="da-DK" dirty="0">
+                          <a:solidFill>
+                            <a:srgbClr val="212121"/>
+                          </a:solidFill>
+                        </a:rPr>
                         <a:t>1</a:t>
                       </a:r>
-                      <a:endParaRPr dirty="0"/>
+                      <a:endParaRPr dirty="0">
+                        <a:solidFill>
+                          <a:srgbClr val="212121"/>
+                        </a:solidFill>
+                      </a:endParaRPr>
                     </a:p>
                   </a:txBody>
                   <a:tcPr marL="0" marR="0" marT="0" marB="0" anchor="ctr" horzOverflow="overflow">
@@ -22674,7 +23499,7 @@
           </a:ln>
           <a:extLst>
             <a:ext uri="{C572A759-6A51-4108-AA02-DFA0A04FC94B}">
-              <ma14:wrappingTextBoxFlag xmlns:ma14="http://schemas.microsoft.com/office/mac/drawingml/2011/main" xmlns="" val="1"/>
+              <ma14:wrappingTextBoxFlag xmlns="" xmlns:ma14="http://schemas.microsoft.com/office/mac/drawingml/2011/main" val="1"/>
             </a:ext>
           </a:extLst>
         </p:spPr>
@@ -22901,7 +23726,7 @@
           </a:ln>
           <a:extLst>
             <a:ext uri="{C572A759-6A51-4108-AA02-DFA0A04FC94B}">
-              <ma14:wrappingTextBoxFlag xmlns:ma14="http://schemas.microsoft.com/office/mac/drawingml/2011/main" xmlns="" val="1"/>
+              <ma14:wrappingTextBoxFlag xmlns="" xmlns:ma14="http://schemas.microsoft.com/office/mac/drawingml/2011/main" val="1"/>
             </a:ext>
           </a:extLst>
         </p:spPr>
@@ -22922,7 +23747,7 @@
                   <a:srgbClr val="000000"/>
                 </a:solidFill>
               </a:rPr>
-              <a:t>dt</a:t>
+              <a:t>dt_a</a:t>
             </a:r>
             <a:r>
               <a:rPr lang="en-US" b="0" dirty="0">
@@ -22930,7 +23755,23 @@
                   <a:srgbClr val="000000"/>
                 </a:solidFill>
               </a:rPr>
-              <a:t>[, </a:t>
+              <a:t>[</a:t>
+            </a:r>
+            <a:r>
+              <a:rPr lang="en-US" b="0" dirty="0" err="1">
+                <a:solidFill>
+                  <a:srgbClr val="000000"/>
+                </a:solidFill>
+              </a:rPr>
+              <a:t>dt_b</a:t>
+            </a:r>
+            <a:r>
+              <a:rPr lang="en-US" b="0" dirty="0">
+                <a:solidFill>
+                  <a:srgbClr val="000000"/>
+                </a:solidFill>
+              </a:rPr>
+              <a:t>, </a:t>
             </a:r>
             <a:r>
               <a:rPr lang="en-US" dirty="0">
@@ -22938,7 +23779,7 @@
                   <a:srgbClr val="000000"/>
                 </a:solidFill>
               </a:rPr>
-              <a:t>roll = +</a:t>
+              <a:t>roll = -</a:t>
             </a:r>
             <a:r>
               <a:rPr lang="en-US" dirty="0" err="1">
@@ -22986,7 +23827,7 @@
           </a:ln>
           <a:extLst>
             <a:ext uri="{C572A759-6A51-4108-AA02-DFA0A04FC94B}">
-              <ma14:wrappingTextBoxFlag xmlns:ma14="http://schemas.microsoft.com/office/mac/drawingml/2011/main" xmlns="" val="1"/>
+              <ma14:wrappingTextBoxFlag xmlns="" xmlns:ma14="http://schemas.microsoft.com/office/mac/drawingml/2011/main" val="1"/>
             </a:ext>
           </a:extLst>
         </p:spPr>
@@ -23216,7 +24057,7 @@
           </a:ln>
           <a:extLst>
             <a:ext uri="{C572A759-6A51-4108-AA02-DFA0A04FC94B}">
-              <ma14:wrappingTextBoxFlag xmlns:ma14="http://schemas.microsoft.com/office/mac/drawingml/2011/main" xmlns="" val="1"/>
+              <ma14:wrappingTextBoxFlag xmlns="" xmlns:ma14="http://schemas.microsoft.com/office/mac/drawingml/2011/main" val="1"/>
             </a:ext>
           </a:extLst>
         </p:spPr>
@@ -23303,7 +24144,7 @@
           </a:ln>
           <a:extLst>
             <a:ext uri="{C572A759-6A51-4108-AA02-DFA0A04FC94B}">
-              <ma14:wrappingTextBoxFlag xmlns:ma14="http://schemas.microsoft.com/office/mac/drawingml/2011/main" xmlns="" val="1"/>
+              <ma14:wrappingTextBoxFlag xmlns="" xmlns:ma14="http://schemas.microsoft.com/office/mac/drawingml/2011/main" val="1"/>
             </a:ext>
           </a:extLst>
         </p:spPr>
@@ -23346,7 +24187,7 @@
         <p:spPr>
           <a:xfrm>
             <a:off x="4812083" y="4095308"/>
-            <a:ext cx="445635" cy="276999"/>
+            <a:ext cx="1840247" cy="276999"/>
           </a:xfrm>
           <a:prstGeom prst="rect">
             <a:avLst/>
@@ -23361,7 +24202,7 @@
             <a:pPr lvl="1" indent="0"/>
             <a:r>
               <a:rPr lang="da-DK" dirty="0"/>
-              <a:t>DCAST</a:t>
+              <a:t>RESHAPE TO WIDE FORMAT</a:t>
             </a:r>
           </a:p>
         </p:txBody>
@@ -23469,7 +24310,7 @@
         <p:spPr>
           <a:xfrm>
             <a:off x="4812083" y="6818600"/>
-            <a:ext cx="459421" cy="276999"/>
+            <a:ext cx="1964640" cy="276999"/>
           </a:xfrm>
           <a:prstGeom prst="rect">
             <a:avLst/>
@@ -23484,7 +24325,7 @@
             <a:pPr lvl="1" indent="0"/>
             <a:r>
               <a:rPr lang="da-DK" dirty="0"/>
-              <a:t>MELT</a:t>
+              <a:t>RESHAPE TO LONG FORMAT</a:t>
             </a:r>
           </a:p>
         </p:txBody>
@@ -23508,7 +24349,7 @@
           </a:ln>
           <a:extLst>
             <a:ext uri="{C572A759-6A51-4108-AA02-DFA0A04FC94B}">
-              <ma14:wrappingTextBoxFlag xmlns:ma14="http://schemas.microsoft.com/office/mac/drawingml/2011/main" xmlns="" val="1"/>
+              <ma14:wrappingTextBoxFlag xmlns="" xmlns:ma14="http://schemas.microsoft.com/office/mac/drawingml/2011/main" val="1"/>
             </a:ext>
           </a:extLst>
         </p:spPr>
@@ -23619,7 +24460,7 @@
           <p:nvPr>
             <p:extLst>
               <p:ext uri="{D42A27DB-BD31-4B8C-83A1-F6EECF244321}">
-                <p14:modId xmlns:p14="http://schemas.microsoft.com/office/powerpoint/2010/main" val="434976309"/>
+                <p14:modId xmlns:p14="http://schemas.microsoft.com/office/powerpoint/2010/main" val="539846629"/>
               </p:ext>
             </p:extLst>
           </p:nvPr>
@@ -23790,15 +24631,23 @@
                         </a:defRPr>
                       </a:pPr>
                       <a:r>
-                        <a:rPr lang="da-DK" dirty="0"/>
+                        <a:rPr lang="da-DK" dirty="0">
+                          <a:solidFill>
+                            <a:srgbClr val="212121"/>
+                          </a:solidFill>
+                        </a:rPr>
                         <a:t>A</a:t>
                       </a:r>
-                      <a:endParaRPr dirty="0"/>
-                    </a:p>
-                  </a:txBody>
-                  <a:tcPr marL="0" marR="0" marT="0" marB="0" anchor="ctr" horzOverflow="overflow">
-                    <a:solidFill>
-                      <a:srgbClr val="D9D9D9"/>
+                      <a:endParaRPr dirty="0">
+                        <a:solidFill>
+                          <a:srgbClr val="212121"/>
+                        </a:solidFill>
+                      </a:endParaRPr>
+                    </a:p>
+                  </a:txBody>
+                  <a:tcPr marL="0" marR="0" marT="0" marB="0" anchor="ctr" horzOverflow="overflow">
+                    <a:solidFill>
+                      <a:srgbClr val="D8D8D8"/>
                     </a:solidFill>
                   </a:tcPr>
                 </a:tc>
@@ -23816,15 +24665,23 @@
                         </a:defRPr>
                       </a:pPr>
                       <a:r>
-                        <a:rPr lang="da-DK" dirty="0"/>
+                        <a:rPr lang="da-DK" dirty="0">
+                          <a:solidFill>
+                            <a:srgbClr val="212121"/>
+                          </a:solidFill>
+                        </a:rPr>
                         <a:t>X</a:t>
                       </a:r>
-                      <a:endParaRPr dirty="0"/>
-                    </a:p>
-                  </a:txBody>
-                  <a:tcPr marL="0" marR="0" marT="0" marB="0" anchor="ctr" horzOverflow="overflow">
-                    <a:solidFill>
-                      <a:srgbClr val="D9D9D9"/>
+                      <a:endParaRPr dirty="0">
+                        <a:solidFill>
+                          <a:srgbClr val="212121"/>
+                        </a:solidFill>
+                      </a:endParaRPr>
+                    </a:p>
+                  </a:txBody>
+                  <a:tcPr marL="0" marR="0" marT="0" marB="0" anchor="ctr" horzOverflow="overflow">
+                    <a:solidFill>
+                      <a:srgbClr val="D8D8D8"/>
                     </a:solidFill>
                   </a:tcPr>
                 </a:tc>
@@ -23842,15 +24699,23 @@
                         </a:defRPr>
                       </a:pPr>
                       <a:r>
-                        <a:rPr lang="da-DK" dirty="0"/>
+                        <a:rPr lang="da-DK" dirty="0">
+                          <a:solidFill>
+                            <a:srgbClr val="212121"/>
+                          </a:solidFill>
+                        </a:rPr>
                         <a:t>1</a:t>
                       </a:r>
-                      <a:endParaRPr dirty="0"/>
-                    </a:p>
-                  </a:txBody>
-                  <a:tcPr marL="0" marR="0" marT="0" marB="0" anchor="ctr" horzOverflow="overflow">
-                    <a:solidFill>
-                      <a:srgbClr val="D9D9D9"/>
+                      <a:endParaRPr dirty="0">
+                        <a:solidFill>
+                          <a:srgbClr val="212121"/>
+                        </a:solidFill>
+                      </a:endParaRPr>
+                    </a:p>
+                  </a:txBody>
+                  <a:tcPr marL="0" marR="0" marT="0" marB="0" anchor="ctr" horzOverflow="overflow">
+                    <a:solidFill>
+                      <a:srgbClr val="D8D8D8"/>
                     </a:solidFill>
                   </a:tcPr>
                 </a:tc>
@@ -23868,15 +24733,23 @@
                         </a:defRPr>
                       </a:pPr>
                       <a:r>
-                        <a:rPr lang="da-DK" dirty="0"/>
+                        <a:rPr lang="da-DK" dirty="0">
+                          <a:solidFill>
+                            <a:srgbClr val="212121"/>
+                          </a:solidFill>
+                        </a:rPr>
                         <a:t>3</a:t>
                       </a:r>
-                      <a:endParaRPr dirty="0"/>
-                    </a:p>
-                  </a:txBody>
-                  <a:tcPr marL="0" marR="0" marT="0" marB="0" anchor="ctr" horzOverflow="overflow">
-                    <a:solidFill>
-                      <a:srgbClr val="D9D9D9"/>
+                      <a:endParaRPr dirty="0">
+                        <a:solidFill>
+                          <a:srgbClr val="212121"/>
+                        </a:solidFill>
+                      </a:endParaRPr>
+                    </a:p>
+                  </a:txBody>
+                  <a:tcPr marL="0" marR="0" marT="0" marB="0" anchor="ctr" horzOverflow="overflow">
+                    <a:solidFill>
+                      <a:srgbClr val="D8D8D8"/>
                     </a:solidFill>
                   </a:tcPr>
                 </a:tc>
@@ -23901,15 +24774,23 @@
                         </a:defRPr>
                       </a:pPr>
                       <a:r>
-                        <a:rPr lang="da-DK" dirty="0"/>
+                        <a:rPr lang="da-DK" dirty="0">
+                          <a:solidFill>
+                            <a:srgbClr val="212121"/>
+                          </a:solidFill>
+                        </a:rPr>
                         <a:t>A</a:t>
                       </a:r>
-                      <a:endParaRPr dirty="0"/>
-                    </a:p>
-                  </a:txBody>
-                  <a:tcPr marL="0" marR="0" marT="0" marB="0" anchor="ctr" horzOverflow="overflow">
-                    <a:solidFill>
-                      <a:srgbClr val="D9D9D9"/>
+                      <a:endParaRPr dirty="0">
+                        <a:solidFill>
+                          <a:srgbClr val="212121"/>
+                        </a:solidFill>
+                      </a:endParaRPr>
+                    </a:p>
+                  </a:txBody>
+                  <a:tcPr marL="0" marR="0" marT="0" marB="0" anchor="ctr" horzOverflow="overflow">
+                    <a:solidFill>
+                      <a:srgbClr val="D8D8D8"/>
                     </a:solidFill>
                   </a:tcPr>
                 </a:tc>
@@ -23927,15 +24808,23 @@
                         </a:defRPr>
                       </a:pPr>
                       <a:r>
-                        <a:rPr lang="da-DK" dirty="0"/>
+                        <a:rPr lang="da-DK" dirty="0">
+                          <a:solidFill>
+                            <a:srgbClr val="212121"/>
+                          </a:solidFill>
+                        </a:rPr>
                         <a:t>Z</a:t>
                       </a:r>
-                      <a:endParaRPr dirty="0"/>
-                    </a:p>
-                  </a:txBody>
-                  <a:tcPr marL="0" marR="0" marT="0" marB="0" anchor="ctr" horzOverflow="overflow">
-                    <a:solidFill>
-                      <a:srgbClr val="D9D9D9"/>
+                      <a:endParaRPr dirty="0">
+                        <a:solidFill>
+                          <a:srgbClr val="212121"/>
+                        </a:solidFill>
+                      </a:endParaRPr>
+                    </a:p>
+                  </a:txBody>
+                  <a:tcPr marL="0" marR="0" marT="0" marB="0" anchor="ctr" horzOverflow="overflow">
+                    <a:solidFill>
+                      <a:srgbClr val="D8D8D8"/>
                     </a:solidFill>
                   </a:tcPr>
                 </a:tc>
@@ -23953,15 +24842,23 @@
                         </a:defRPr>
                       </a:pPr>
                       <a:r>
-                        <a:rPr lang="da-DK" dirty="0"/>
+                        <a:rPr lang="da-DK" dirty="0">
+                          <a:solidFill>
+                            <a:srgbClr val="212121"/>
+                          </a:solidFill>
+                        </a:rPr>
                         <a:t>2</a:t>
                       </a:r>
-                      <a:endParaRPr dirty="0"/>
-                    </a:p>
-                  </a:txBody>
-                  <a:tcPr marL="0" marR="0" marT="0" marB="0" anchor="ctr" horzOverflow="overflow">
-                    <a:solidFill>
-                      <a:srgbClr val="D9D9D9"/>
+                      <a:endParaRPr dirty="0">
+                        <a:solidFill>
+                          <a:srgbClr val="212121"/>
+                        </a:solidFill>
+                      </a:endParaRPr>
+                    </a:p>
+                  </a:txBody>
+                  <a:tcPr marL="0" marR="0" marT="0" marB="0" anchor="ctr" horzOverflow="overflow">
+                    <a:solidFill>
+                      <a:srgbClr val="D8D8D8"/>
                     </a:solidFill>
                   </a:tcPr>
                 </a:tc>
@@ -23979,15 +24876,23 @@
                         </a:defRPr>
                       </a:pPr>
                       <a:r>
-                        <a:rPr lang="da-DK" dirty="0"/>
+                        <a:rPr lang="da-DK" dirty="0">
+                          <a:solidFill>
+                            <a:srgbClr val="212121"/>
+                          </a:solidFill>
+                        </a:rPr>
                         <a:t>4</a:t>
                       </a:r>
-                      <a:endParaRPr dirty="0"/>
-                    </a:p>
-                  </a:txBody>
-                  <a:tcPr marL="0" marR="0" marT="0" marB="0" anchor="ctr" horzOverflow="overflow">
-                    <a:solidFill>
-                      <a:srgbClr val="D9D9D9"/>
+                      <a:endParaRPr dirty="0">
+                        <a:solidFill>
+                          <a:srgbClr val="212121"/>
+                        </a:solidFill>
+                      </a:endParaRPr>
+                    </a:p>
+                  </a:txBody>
+                  <a:tcPr marL="0" marR="0" marT="0" marB="0" anchor="ctr" horzOverflow="overflow">
+                    <a:solidFill>
+                      <a:srgbClr val="D8D8D8"/>
                     </a:solidFill>
                   </a:tcPr>
                 </a:tc>
@@ -24012,15 +24917,23 @@
                         </a:defRPr>
                       </a:pPr>
                       <a:r>
-                        <a:rPr lang="da-DK" dirty="0"/>
+                        <a:rPr lang="da-DK" dirty="0">
+                          <a:solidFill>
+                            <a:srgbClr val="212121"/>
+                          </a:solidFill>
+                        </a:rPr>
                         <a:t>B</a:t>
                       </a:r>
-                      <a:endParaRPr dirty="0"/>
-                    </a:p>
-                  </a:txBody>
-                  <a:tcPr marL="0" marR="0" marT="0" marB="0" anchor="ctr" horzOverflow="overflow">
-                    <a:solidFill>
-                      <a:srgbClr val="D9D9D9"/>
+                      <a:endParaRPr dirty="0">
+                        <a:solidFill>
+                          <a:srgbClr val="212121"/>
+                        </a:solidFill>
+                      </a:endParaRPr>
+                    </a:p>
+                  </a:txBody>
+                  <a:tcPr marL="0" marR="0" marT="0" marB="0" anchor="ctr" horzOverflow="overflow">
+                    <a:solidFill>
+                      <a:srgbClr val="D8D8D8"/>
                     </a:solidFill>
                   </a:tcPr>
                 </a:tc>
@@ -24038,15 +24951,23 @@
                         </a:defRPr>
                       </a:pPr>
                       <a:r>
-                        <a:rPr lang="da-DK" dirty="0"/>
+                        <a:rPr lang="da-DK" dirty="0">
+                          <a:solidFill>
+                            <a:srgbClr val="212121"/>
+                          </a:solidFill>
+                        </a:rPr>
                         <a:t>X</a:t>
                       </a:r>
-                      <a:endParaRPr dirty="0"/>
-                    </a:p>
-                  </a:txBody>
-                  <a:tcPr marL="0" marR="0" marT="0" marB="0" anchor="ctr" horzOverflow="overflow">
-                    <a:solidFill>
-                      <a:srgbClr val="D9D9D9"/>
+                      <a:endParaRPr dirty="0">
+                        <a:solidFill>
+                          <a:srgbClr val="212121"/>
+                        </a:solidFill>
+                      </a:endParaRPr>
+                    </a:p>
+                  </a:txBody>
+                  <a:tcPr marL="0" marR="0" marT="0" marB="0" anchor="ctr" horzOverflow="overflow">
+                    <a:solidFill>
+                      <a:srgbClr val="D8D8D8"/>
                     </a:solidFill>
                   </a:tcPr>
                 </a:tc>
@@ -24064,15 +24985,23 @@
                         </a:defRPr>
                       </a:pPr>
                       <a:r>
-                        <a:rPr lang="da-DK" dirty="0"/>
+                        <a:rPr lang="da-DK" dirty="0">
+                          <a:solidFill>
+                            <a:srgbClr val="212121"/>
+                          </a:solidFill>
+                        </a:rPr>
                         <a:t>1</a:t>
                       </a:r>
-                      <a:endParaRPr dirty="0"/>
-                    </a:p>
-                  </a:txBody>
-                  <a:tcPr marL="0" marR="0" marT="0" marB="0" anchor="ctr" horzOverflow="overflow">
-                    <a:solidFill>
-                      <a:srgbClr val="D9D9D9"/>
+                      <a:endParaRPr dirty="0">
+                        <a:solidFill>
+                          <a:srgbClr val="212121"/>
+                        </a:solidFill>
+                      </a:endParaRPr>
+                    </a:p>
+                  </a:txBody>
+                  <a:tcPr marL="0" marR="0" marT="0" marB="0" anchor="ctr" horzOverflow="overflow">
+                    <a:solidFill>
+                      <a:srgbClr val="D8D8D8"/>
                     </a:solidFill>
                   </a:tcPr>
                 </a:tc>
@@ -24090,15 +25019,23 @@
                         </a:defRPr>
                       </a:pPr>
                       <a:r>
-                        <a:rPr lang="da-DK" dirty="0"/>
+                        <a:rPr lang="da-DK" dirty="0">
+                          <a:solidFill>
+                            <a:srgbClr val="212121"/>
+                          </a:solidFill>
+                        </a:rPr>
                         <a:t>3</a:t>
                       </a:r>
-                      <a:endParaRPr dirty="0"/>
-                    </a:p>
-                  </a:txBody>
-                  <a:tcPr marL="0" marR="0" marT="0" marB="0" anchor="ctr" horzOverflow="overflow">
-                    <a:solidFill>
-                      <a:srgbClr val="D9D9D9"/>
+                      <a:endParaRPr dirty="0">
+                        <a:solidFill>
+                          <a:srgbClr val="212121"/>
+                        </a:solidFill>
+                      </a:endParaRPr>
+                    </a:p>
+                  </a:txBody>
+                  <a:tcPr marL="0" marR="0" marT="0" marB="0" anchor="ctr" horzOverflow="overflow">
+                    <a:solidFill>
+                      <a:srgbClr val="D8D8D8"/>
                     </a:solidFill>
                   </a:tcPr>
                 </a:tc>
@@ -24123,15 +25060,23 @@
                         </a:defRPr>
                       </a:pPr>
                       <a:r>
-                        <a:rPr lang="da-DK" dirty="0"/>
+                        <a:rPr lang="da-DK" dirty="0">
+                          <a:solidFill>
+                            <a:srgbClr val="212121"/>
+                          </a:solidFill>
+                        </a:rPr>
                         <a:t>B</a:t>
                       </a:r>
-                      <a:endParaRPr dirty="0"/>
-                    </a:p>
-                  </a:txBody>
-                  <a:tcPr marL="0" marR="0" marT="0" marB="0" anchor="ctr" horzOverflow="overflow">
-                    <a:solidFill>
-                      <a:srgbClr val="D9D9D9"/>
+                      <a:endParaRPr dirty="0">
+                        <a:solidFill>
+                          <a:srgbClr val="212121"/>
+                        </a:solidFill>
+                      </a:endParaRPr>
+                    </a:p>
+                  </a:txBody>
+                  <a:tcPr marL="0" marR="0" marT="0" marB="0" anchor="ctr" horzOverflow="overflow">
+                    <a:solidFill>
+                      <a:srgbClr val="D8D8D8"/>
                     </a:solidFill>
                   </a:tcPr>
                 </a:tc>
@@ -24149,15 +25094,23 @@
                         </a:defRPr>
                       </a:pPr>
                       <a:r>
-                        <a:rPr lang="da-DK" dirty="0"/>
+                        <a:rPr lang="da-DK" dirty="0">
+                          <a:solidFill>
+                            <a:srgbClr val="212121"/>
+                          </a:solidFill>
+                        </a:rPr>
                         <a:t>Z</a:t>
                       </a:r>
-                      <a:endParaRPr dirty="0"/>
-                    </a:p>
-                  </a:txBody>
-                  <a:tcPr marL="0" marR="0" marT="0" marB="0" anchor="ctr" horzOverflow="overflow">
-                    <a:solidFill>
-                      <a:srgbClr val="D9D9D9"/>
+                      <a:endParaRPr dirty="0">
+                        <a:solidFill>
+                          <a:srgbClr val="212121"/>
+                        </a:solidFill>
+                      </a:endParaRPr>
+                    </a:p>
+                  </a:txBody>
+                  <a:tcPr marL="0" marR="0" marT="0" marB="0" anchor="ctr" horzOverflow="overflow">
+                    <a:solidFill>
+                      <a:srgbClr val="D8D8D8"/>
                     </a:solidFill>
                   </a:tcPr>
                 </a:tc>
@@ -24175,15 +25128,23 @@
                         </a:defRPr>
                       </a:pPr>
                       <a:r>
-                        <a:rPr lang="da-DK" dirty="0"/>
+                        <a:rPr lang="da-DK" dirty="0">
+                          <a:solidFill>
+                            <a:srgbClr val="212121"/>
+                          </a:solidFill>
+                        </a:rPr>
                         <a:t>2</a:t>
                       </a:r>
-                      <a:endParaRPr dirty="0"/>
-                    </a:p>
-                  </a:txBody>
-                  <a:tcPr marL="0" marR="0" marT="0" marB="0" anchor="ctr" horzOverflow="overflow">
-                    <a:solidFill>
-                      <a:srgbClr val="D9D9D9"/>
+                      <a:endParaRPr dirty="0">
+                        <a:solidFill>
+                          <a:srgbClr val="212121"/>
+                        </a:solidFill>
+                      </a:endParaRPr>
+                    </a:p>
+                  </a:txBody>
+                  <a:tcPr marL="0" marR="0" marT="0" marB="0" anchor="ctr" horzOverflow="overflow">
+                    <a:solidFill>
+                      <a:srgbClr val="D8D8D8"/>
                     </a:solidFill>
                   </a:tcPr>
                 </a:tc>
@@ -24201,15 +25162,23 @@
                         </a:defRPr>
                       </a:pPr>
                       <a:r>
-                        <a:rPr lang="da-DK" dirty="0"/>
+                        <a:rPr lang="da-DK" dirty="0">
+                          <a:solidFill>
+                            <a:srgbClr val="212121"/>
+                          </a:solidFill>
+                        </a:rPr>
                         <a:t>4</a:t>
                       </a:r>
-                      <a:endParaRPr dirty="0"/>
-                    </a:p>
-                  </a:txBody>
-                  <a:tcPr marL="0" marR="0" marT="0" marB="0" anchor="ctr" horzOverflow="overflow">
-                    <a:solidFill>
-                      <a:srgbClr val="D9D9D9"/>
+                      <a:endParaRPr dirty="0">
+                        <a:solidFill>
+                          <a:srgbClr val="212121"/>
+                        </a:solidFill>
+                      </a:endParaRPr>
+                    </a:p>
+                  </a:txBody>
+                  <a:tcPr marL="0" marR="0" marT="0" marB="0" anchor="ctr" horzOverflow="overflow">
+                    <a:solidFill>
+                      <a:srgbClr val="D8D8D8"/>
                     </a:solidFill>
                   </a:tcPr>
                 </a:tc>
@@ -24318,7 +25287,7 @@
           </a:ln>
           <a:extLst>
             <a:ext uri="{C572A759-6A51-4108-AA02-DFA0A04FC94B}">
-              <ma14:wrappingTextBoxFlag xmlns:ma14="http://schemas.microsoft.com/office/mac/drawingml/2011/main" xmlns="" val="1"/>
+              <ma14:wrappingTextBoxFlag xmlns="" xmlns:ma14="http://schemas.microsoft.com/office/mac/drawingml/2011/main" val="1"/>
             </a:ext>
           </a:extLst>
         </p:spPr>
@@ -24442,7 +25411,7 @@
           </a:ln>
           <a:extLst>
             <a:ext uri="{C572A759-6A51-4108-AA02-DFA0A04FC94B}">
-              <ma14:wrappingTextBoxFlag xmlns:ma14="http://schemas.microsoft.com/office/mac/drawingml/2011/main" xmlns="" val="1"/>
+              <ma14:wrappingTextBoxFlag xmlns="" xmlns:ma14="http://schemas.microsoft.com/office/mac/drawingml/2011/main" val="1"/>
             </a:ext>
           </a:extLst>
         </p:spPr>
@@ -24605,7 +25574,7 @@
           </a:ln>
           <a:extLst>
             <a:ext uri="{C572A759-6A51-4108-AA02-DFA0A04FC94B}">
-              <ma14:wrappingTextBoxFlag xmlns:ma14="http://schemas.microsoft.com/office/mac/drawingml/2011/main" xmlns="" val="1"/>
+              <ma14:wrappingTextBoxFlag xmlns="" xmlns:ma14="http://schemas.microsoft.com/office/mac/drawingml/2011/main" val="1"/>
             </a:ext>
           </a:extLst>
         </p:spPr>
@@ -25382,7 +26351,7 @@
           <p:nvPr>
             <p:extLst>
               <p:ext uri="{D42A27DB-BD31-4B8C-83A1-F6EECF244321}">
-                <p14:modId xmlns:p14="http://schemas.microsoft.com/office/powerpoint/2010/main" val="2947360056"/>
+                <p14:modId xmlns:p14="http://schemas.microsoft.com/office/powerpoint/2010/main" val="2356002097"/>
               </p:ext>
             </p:extLst>
           </p:nvPr>
@@ -25586,15 +26555,23 @@
                         </a:defRPr>
                       </a:pPr>
                       <a:r>
-                        <a:rPr lang="da-DK" dirty="0"/>
+                        <a:rPr lang="da-DK" dirty="0">
+                          <a:solidFill>
+                            <a:srgbClr val="212121"/>
+                          </a:solidFill>
+                        </a:rPr>
                         <a:t>A</a:t>
                       </a:r>
-                      <a:endParaRPr dirty="0"/>
-                    </a:p>
-                  </a:txBody>
-                  <a:tcPr marL="0" marR="0" marT="0" marB="0" anchor="ctr" horzOverflow="overflow">
-                    <a:solidFill>
-                      <a:srgbClr val="D9D9D9"/>
+                      <a:endParaRPr dirty="0">
+                        <a:solidFill>
+                          <a:srgbClr val="212121"/>
+                        </a:solidFill>
+                      </a:endParaRPr>
+                    </a:p>
+                  </a:txBody>
+                  <a:tcPr marL="0" marR="0" marT="0" marB="0" anchor="ctr" horzOverflow="overflow">
+                    <a:solidFill>
+                      <a:srgbClr val="D8D8D8"/>
                     </a:solidFill>
                   </a:tcPr>
                 </a:tc>
@@ -25612,15 +26589,23 @@
                         </a:defRPr>
                       </a:pPr>
                       <a:r>
-                        <a:rPr lang="da-DK" dirty="0"/>
+                        <a:rPr lang="da-DK" dirty="0">
+                          <a:solidFill>
+                            <a:srgbClr val="212121"/>
+                          </a:solidFill>
+                        </a:rPr>
                         <a:t>1</a:t>
                       </a:r>
-                      <a:endParaRPr dirty="0"/>
-                    </a:p>
-                  </a:txBody>
-                  <a:tcPr marL="0" marR="0" marT="0" marB="0" anchor="ctr" horzOverflow="overflow">
-                    <a:solidFill>
-                      <a:srgbClr val="D9D9D9"/>
+                      <a:endParaRPr dirty="0">
+                        <a:solidFill>
+                          <a:srgbClr val="212121"/>
+                        </a:solidFill>
+                      </a:endParaRPr>
+                    </a:p>
+                  </a:txBody>
+                  <a:tcPr marL="0" marR="0" marT="0" marB="0" anchor="ctr" horzOverflow="overflow">
+                    <a:solidFill>
+                      <a:srgbClr val="D8D8D8"/>
                     </a:solidFill>
                   </a:tcPr>
                 </a:tc>
@@ -25638,15 +26623,23 @@
                         </a:defRPr>
                       </a:pPr>
                       <a:r>
-                        <a:rPr lang="da-DK" dirty="0"/>
+                        <a:rPr lang="da-DK" dirty="0">
+                          <a:solidFill>
+                            <a:srgbClr val="212121"/>
+                          </a:solidFill>
+                        </a:rPr>
                         <a:t>2</a:t>
                       </a:r>
-                      <a:endParaRPr dirty="0"/>
-                    </a:p>
-                  </a:txBody>
-                  <a:tcPr marL="0" marR="0" marT="0" marB="0" anchor="ctr" horzOverflow="overflow">
-                    <a:solidFill>
-                      <a:srgbClr val="D9D9D9"/>
+                      <a:endParaRPr dirty="0">
+                        <a:solidFill>
+                          <a:srgbClr val="212121"/>
+                        </a:solidFill>
+                      </a:endParaRPr>
+                    </a:p>
+                  </a:txBody>
+                  <a:tcPr marL="0" marR="0" marT="0" marB="0" anchor="ctr" horzOverflow="overflow">
+                    <a:solidFill>
+                      <a:srgbClr val="D8D8D8"/>
                     </a:solidFill>
                   </a:tcPr>
                 </a:tc>
@@ -25664,15 +26657,23 @@
                         </a:defRPr>
                       </a:pPr>
                       <a:r>
-                        <a:rPr lang="da-DK" dirty="0"/>
+                        <a:rPr lang="da-DK" dirty="0">
+                          <a:solidFill>
+                            <a:srgbClr val="212121"/>
+                          </a:solidFill>
+                        </a:rPr>
                         <a:t>3</a:t>
                       </a:r>
-                      <a:endParaRPr dirty="0"/>
-                    </a:p>
-                  </a:txBody>
-                  <a:tcPr marL="0" marR="0" marT="0" marB="0" anchor="ctr" horzOverflow="overflow">
-                    <a:solidFill>
-                      <a:srgbClr val="D9D9D9"/>
+                      <a:endParaRPr dirty="0">
+                        <a:solidFill>
+                          <a:srgbClr val="212121"/>
+                        </a:solidFill>
+                      </a:endParaRPr>
+                    </a:p>
+                  </a:txBody>
+                  <a:tcPr marL="0" marR="0" marT="0" marB="0" anchor="ctr" horzOverflow="overflow">
+                    <a:solidFill>
+                      <a:srgbClr val="D8D8D8"/>
                     </a:solidFill>
                   </a:tcPr>
                 </a:tc>
@@ -25690,15 +26691,23 @@
                         </a:defRPr>
                       </a:pPr>
                       <a:r>
-                        <a:rPr lang="da-DK" dirty="0"/>
+                        <a:rPr lang="da-DK" dirty="0">
+                          <a:solidFill>
+                            <a:srgbClr val="212121"/>
+                          </a:solidFill>
+                        </a:rPr>
                         <a:t>4</a:t>
                       </a:r>
-                      <a:endParaRPr dirty="0"/>
-                    </a:p>
-                  </a:txBody>
-                  <a:tcPr marL="0" marR="0" marT="0" marB="0" anchor="ctr" horzOverflow="overflow">
-                    <a:solidFill>
-                      <a:srgbClr val="D9D9D9"/>
+                      <a:endParaRPr dirty="0">
+                        <a:solidFill>
+                          <a:srgbClr val="212121"/>
+                        </a:solidFill>
+                      </a:endParaRPr>
+                    </a:p>
+                  </a:txBody>
+                  <a:tcPr marL="0" marR="0" marT="0" marB="0" anchor="ctr" horzOverflow="overflow">
+                    <a:solidFill>
+                      <a:srgbClr val="D8D8D8"/>
                     </a:solidFill>
                   </a:tcPr>
                 </a:tc>
@@ -25723,15 +26732,23 @@
                         </a:defRPr>
                       </a:pPr>
                       <a:r>
-                        <a:rPr lang="da-DK" dirty="0"/>
+                        <a:rPr lang="da-DK" dirty="0">
+                          <a:solidFill>
+                            <a:srgbClr val="212121"/>
+                          </a:solidFill>
+                        </a:rPr>
                         <a:t>B</a:t>
                       </a:r>
-                      <a:endParaRPr dirty="0"/>
-                    </a:p>
-                  </a:txBody>
-                  <a:tcPr marL="0" marR="0" marT="0" marB="0" anchor="ctr" horzOverflow="overflow">
-                    <a:solidFill>
-                      <a:srgbClr val="D9D9D9"/>
+                      <a:endParaRPr dirty="0">
+                        <a:solidFill>
+                          <a:srgbClr val="212121"/>
+                        </a:solidFill>
+                      </a:endParaRPr>
+                    </a:p>
+                  </a:txBody>
+                  <a:tcPr marL="0" marR="0" marT="0" marB="0" anchor="ctr" horzOverflow="overflow">
+                    <a:solidFill>
+                      <a:srgbClr val="D8D8D8"/>
                     </a:solidFill>
                   </a:tcPr>
                 </a:tc>
@@ -25749,15 +26766,23 @@
                         </a:defRPr>
                       </a:pPr>
                       <a:r>
-                        <a:rPr lang="da-DK" dirty="0"/>
+                        <a:rPr lang="da-DK" dirty="0">
+                          <a:solidFill>
+                            <a:srgbClr val="212121"/>
+                          </a:solidFill>
+                        </a:rPr>
                         <a:t>1</a:t>
                       </a:r>
-                      <a:endParaRPr dirty="0"/>
-                    </a:p>
-                  </a:txBody>
-                  <a:tcPr marL="0" marR="0" marT="0" marB="0" anchor="ctr" horzOverflow="overflow">
-                    <a:solidFill>
-                      <a:srgbClr val="D9D9D9"/>
+                      <a:endParaRPr dirty="0">
+                        <a:solidFill>
+                          <a:srgbClr val="212121"/>
+                        </a:solidFill>
+                      </a:endParaRPr>
+                    </a:p>
+                  </a:txBody>
+                  <a:tcPr marL="0" marR="0" marT="0" marB="0" anchor="ctr" horzOverflow="overflow">
+                    <a:solidFill>
+                      <a:srgbClr val="D8D8D8"/>
                     </a:solidFill>
                   </a:tcPr>
                 </a:tc>
@@ -25775,15 +26800,23 @@
                         </a:defRPr>
                       </a:pPr>
                       <a:r>
-                        <a:rPr lang="da-DK" dirty="0"/>
+                        <a:rPr lang="da-DK" dirty="0">
+                          <a:solidFill>
+                            <a:srgbClr val="212121"/>
+                          </a:solidFill>
+                        </a:rPr>
                         <a:t>2</a:t>
                       </a:r>
-                      <a:endParaRPr dirty="0"/>
-                    </a:p>
-                  </a:txBody>
-                  <a:tcPr marL="0" marR="0" marT="0" marB="0" anchor="ctr" horzOverflow="overflow">
-                    <a:solidFill>
-                      <a:srgbClr val="D9D9D9"/>
+                      <a:endParaRPr dirty="0">
+                        <a:solidFill>
+                          <a:srgbClr val="212121"/>
+                        </a:solidFill>
+                      </a:endParaRPr>
+                    </a:p>
+                  </a:txBody>
+                  <a:tcPr marL="0" marR="0" marT="0" marB="0" anchor="ctr" horzOverflow="overflow">
+                    <a:solidFill>
+                      <a:srgbClr val="D8D8D8"/>
                     </a:solidFill>
                   </a:tcPr>
                 </a:tc>
@@ -25801,15 +26834,23 @@
                         </a:defRPr>
                       </a:pPr>
                       <a:r>
-                        <a:rPr lang="da-DK" dirty="0"/>
+                        <a:rPr lang="da-DK" dirty="0">
+                          <a:solidFill>
+                            <a:srgbClr val="212121"/>
+                          </a:solidFill>
+                        </a:rPr>
                         <a:t>3</a:t>
                       </a:r>
-                      <a:endParaRPr dirty="0"/>
-                    </a:p>
-                  </a:txBody>
-                  <a:tcPr marL="0" marR="0" marT="0" marB="0" anchor="ctr" horzOverflow="overflow">
-                    <a:solidFill>
-                      <a:srgbClr val="D9D9D9"/>
+                      <a:endParaRPr dirty="0">
+                        <a:solidFill>
+                          <a:srgbClr val="212121"/>
+                        </a:solidFill>
+                      </a:endParaRPr>
+                    </a:p>
+                  </a:txBody>
+                  <a:tcPr marL="0" marR="0" marT="0" marB="0" anchor="ctr" horzOverflow="overflow">
+                    <a:solidFill>
+                      <a:srgbClr val="D8D8D8"/>
                     </a:solidFill>
                   </a:tcPr>
                 </a:tc>
@@ -25827,15 +26868,23 @@
                         </a:defRPr>
                       </a:pPr>
                       <a:r>
-                        <a:rPr lang="da-DK" dirty="0"/>
+                        <a:rPr lang="da-DK" dirty="0">
+                          <a:solidFill>
+                            <a:srgbClr val="212121"/>
+                          </a:solidFill>
+                        </a:rPr>
                         <a:t>4</a:t>
                       </a:r>
-                      <a:endParaRPr dirty="0"/>
-                    </a:p>
-                  </a:txBody>
-                  <a:tcPr marL="0" marR="0" marT="0" marB="0" anchor="ctr" horzOverflow="overflow">
-                    <a:solidFill>
-                      <a:srgbClr val="D9D9D9"/>
+                      <a:endParaRPr dirty="0">
+                        <a:solidFill>
+                          <a:srgbClr val="212121"/>
+                        </a:solidFill>
+                      </a:endParaRPr>
+                    </a:p>
+                  </a:txBody>
+                  <a:tcPr marL="0" marR="0" marT="0" marB="0" anchor="ctr" horzOverflow="overflow">
+                    <a:solidFill>
+                      <a:srgbClr val="D8D8D8"/>
                     </a:solidFill>
                   </a:tcPr>
                 </a:tc>
@@ -25868,7 +26917,7 @@
           </a:ln>
           <a:extLst>
             <a:ext uri="{C572A759-6A51-4108-AA02-DFA0A04FC94B}">
-              <ma14:wrappingTextBoxFlag xmlns:ma14="http://schemas.microsoft.com/office/mac/drawingml/2011/main" xmlns="" val="1"/>
+              <ma14:wrappingTextBoxFlag xmlns="" xmlns:ma14="http://schemas.microsoft.com/office/mac/drawingml/2011/main" val="1"/>
             </a:ext>
           </a:extLst>
         </p:spPr>
@@ -26045,7 +27094,7 @@
           </a:ln>
           <a:extLst>
             <a:ext uri="{C572A759-6A51-4108-AA02-DFA0A04FC94B}">
-              <ma14:wrappingTextBoxFlag xmlns:ma14="http://schemas.microsoft.com/office/mac/drawingml/2011/main" xmlns="" val="1"/>
+              <ma14:wrappingTextBoxFlag xmlns="" xmlns:ma14="http://schemas.microsoft.com/office/mac/drawingml/2011/main" val="1"/>
             </a:ext>
           </a:extLst>
         </p:spPr>
@@ -26085,7 +27134,7 @@
           <p:nvPr>
             <p:extLst>
               <p:ext uri="{D42A27DB-BD31-4B8C-83A1-F6EECF244321}">
-                <p14:modId xmlns:p14="http://schemas.microsoft.com/office/powerpoint/2010/main" val="4079991212"/>
+                <p14:modId xmlns:p14="http://schemas.microsoft.com/office/powerpoint/2010/main" val="3689514735"/>
               </p:ext>
             </p:extLst>
           </p:nvPr>
@@ -26179,7 +27228,7 @@
                   </a:txBody>
                   <a:tcPr marL="0" marR="0" marT="0" marB="0" anchor="ctr" horzOverflow="overflow">
                     <a:solidFill>
-                      <a:srgbClr val="A6AAA9"/>
+                      <a:srgbClr val="BD8324"/>
                     </a:solidFill>
                   </a:tcPr>
                 </a:tc>
@@ -26205,7 +27254,7 @@
                   </a:txBody>
                   <a:tcPr marL="0" marR="0" marT="0" marB="0" anchor="ctr" horzOverflow="overflow">
                     <a:solidFill>
-                      <a:srgbClr val="A6AAA9"/>
+                      <a:srgbClr val="BD8324"/>
                     </a:solidFill>
                   </a:tcPr>
                 </a:tc>
@@ -26231,7 +27280,7 @@
                   </a:txBody>
                   <a:tcPr marL="0" marR="0" marT="0" marB="0" anchor="ctr" horzOverflow="overflow">
                     <a:solidFill>
-                      <a:srgbClr val="A6AAA9"/>
+                      <a:srgbClr val="BD8324"/>
                     </a:solidFill>
                   </a:tcPr>
                 </a:tc>
@@ -26256,15 +27305,23 @@
                         </a:defRPr>
                       </a:pPr>
                       <a:r>
-                        <a:rPr lang="da-DK" dirty="0"/>
+                        <a:rPr lang="da-DK" dirty="0">
+                          <a:solidFill>
+                            <a:srgbClr val="212121"/>
+                          </a:solidFill>
+                        </a:rPr>
                         <a:t>A</a:t>
                       </a:r>
-                      <a:endParaRPr dirty="0"/>
-                    </a:p>
-                  </a:txBody>
-                  <a:tcPr marL="0" marR="0" marT="0" marB="0" anchor="ctr" horzOverflow="overflow">
-                    <a:solidFill>
-                      <a:srgbClr val="D9D9D9"/>
+                      <a:endParaRPr dirty="0">
+                        <a:solidFill>
+                          <a:srgbClr val="212121"/>
+                        </a:solidFill>
+                      </a:endParaRPr>
+                    </a:p>
+                  </a:txBody>
+                  <a:tcPr marL="0" marR="0" marT="0" marB="0" anchor="ctr" horzOverflow="overflow">
+                    <a:solidFill>
+                      <a:srgbClr val="D8D8D8"/>
                     </a:solidFill>
                   </a:tcPr>
                 </a:tc>
@@ -26282,15 +27339,23 @@
                         </a:defRPr>
                       </a:pPr>
                       <a:r>
-                        <a:rPr lang="da-DK" dirty="0"/>
+                        <a:rPr lang="da-DK" dirty="0">
+                          <a:solidFill>
+                            <a:srgbClr val="212121"/>
+                          </a:solidFill>
+                        </a:rPr>
                         <a:t>1</a:t>
                       </a:r>
-                      <a:endParaRPr dirty="0"/>
-                    </a:p>
-                  </a:txBody>
-                  <a:tcPr marL="0" marR="0" marT="0" marB="0" anchor="ctr" horzOverflow="overflow">
-                    <a:solidFill>
-                      <a:srgbClr val="D9D9D9"/>
+                      <a:endParaRPr dirty="0">
+                        <a:solidFill>
+                          <a:srgbClr val="212121"/>
+                        </a:solidFill>
+                      </a:endParaRPr>
+                    </a:p>
+                  </a:txBody>
+                  <a:tcPr marL="0" marR="0" marT="0" marB="0" anchor="ctr" horzOverflow="overflow">
+                    <a:solidFill>
+                      <a:srgbClr val="D8D8D8"/>
                     </a:solidFill>
                   </a:tcPr>
                 </a:tc>
@@ -26308,15 +27373,23 @@
                         </a:defRPr>
                       </a:pPr>
                       <a:r>
-                        <a:rPr lang="da-DK" dirty="0"/>
+                        <a:rPr lang="da-DK" dirty="0">
+                          <a:solidFill>
+                            <a:srgbClr val="212121"/>
+                          </a:solidFill>
+                        </a:rPr>
                         <a:t>1</a:t>
                       </a:r>
-                      <a:endParaRPr dirty="0"/>
-                    </a:p>
-                  </a:txBody>
-                  <a:tcPr marL="0" marR="0" marT="0" marB="0" anchor="ctr" horzOverflow="overflow">
-                    <a:solidFill>
-                      <a:srgbClr val="D9D9D9"/>
+                      <a:endParaRPr dirty="0">
+                        <a:solidFill>
+                          <a:srgbClr val="212121"/>
+                        </a:solidFill>
+                      </a:endParaRPr>
+                    </a:p>
+                  </a:txBody>
+                  <a:tcPr marL="0" marR="0" marT="0" marB="0" anchor="ctr" horzOverflow="overflow">
+                    <a:solidFill>
+                      <a:srgbClr val="D8D8D8"/>
                     </a:solidFill>
                   </a:tcPr>
                 </a:tc>
@@ -26334,15 +27407,23 @@
                         </a:defRPr>
                       </a:pPr>
                       <a:r>
-                        <a:rPr lang="da-DK" dirty="0"/>
+                        <a:rPr lang="da-DK" dirty="0">
+                          <a:solidFill>
+                            <a:srgbClr val="212121"/>
+                          </a:solidFill>
+                        </a:rPr>
                         <a:t>3</a:t>
                       </a:r>
-                      <a:endParaRPr dirty="0"/>
-                    </a:p>
-                  </a:txBody>
-                  <a:tcPr marL="0" marR="0" marT="0" marB="0" anchor="ctr" horzOverflow="overflow">
-                    <a:solidFill>
-                      <a:srgbClr val="D9D9D9"/>
+                      <a:endParaRPr dirty="0">
+                        <a:solidFill>
+                          <a:srgbClr val="212121"/>
+                        </a:solidFill>
+                      </a:endParaRPr>
+                    </a:p>
+                  </a:txBody>
+                  <a:tcPr marL="0" marR="0" marT="0" marB="0" anchor="ctr" horzOverflow="overflow">
+                    <a:solidFill>
+                      <a:srgbClr val="D8D8D8"/>
                     </a:solidFill>
                   </a:tcPr>
                 </a:tc>
@@ -26367,15 +27448,23 @@
                         </a:defRPr>
                       </a:pPr>
                       <a:r>
-                        <a:rPr lang="da-DK" dirty="0"/>
+                        <a:rPr lang="da-DK" dirty="0">
+                          <a:solidFill>
+                            <a:srgbClr val="212121"/>
+                          </a:solidFill>
+                        </a:rPr>
                         <a:t>B</a:t>
                       </a:r>
-                      <a:endParaRPr dirty="0"/>
-                    </a:p>
-                  </a:txBody>
-                  <a:tcPr marL="0" marR="0" marT="0" marB="0" anchor="ctr" horzOverflow="overflow">
-                    <a:solidFill>
-                      <a:srgbClr val="D9D9D9"/>
+                      <a:endParaRPr dirty="0">
+                        <a:solidFill>
+                          <a:srgbClr val="212121"/>
+                        </a:solidFill>
+                      </a:endParaRPr>
+                    </a:p>
+                  </a:txBody>
+                  <a:tcPr marL="0" marR="0" marT="0" marB="0" anchor="ctr" horzOverflow="overflow">
+                    <a:solidFill>
+                      <a:srgbClr val="D8D8D8"/>
                     </a:solidFill>
                   </a:tcPr>
                 </a:tc>
@@ -26393,15 +27482,23 @@
                         </a:defRPr>
                       </a:pPr>
                       <a:r>
-                        <a:rPr lang="da-DK" dirty="0"/>
+                        <a:rPr lang="da-DK" dirty="0">
+                          <a:solidFill>
+                            <a:srgbClr val="212121"/>
+                          </a:solidFill>
+                        </a:rPr>
                         <a:t>1</a:t>
                       </a:r>
-                      <a:endParaRPr dirty="0"/>
-                    </a:p>
-                  </a:txBody>
-                  <a:tcPr marL="0" marR="0" marT="0" marB="0" anchor="ctr" horzOverflow="overflow">
-                    <a:solidFill>
-                      <a:srgbClr val="D9D9D9"/>
+                      <a:endParaRPr dirty="0">
+                        <a:solidFill>
+                          <a:srgbClr val="212121"/>
+                        </a:solidFill>
+                      </a:endParaRPr>
+                    </a:p>
+                  </a:txBody>
+                  <a:tcPr marL="0" marR="0" marT="0" marB="0" anchor="ctr" horzOverflow="overflow">
+                    <a:solidFill>
+                      <a:srgbClr val="D8D8D8"/>
                     </a:solidFill>
                   </a:tcPr>
                 </a:tc>
@@ -26419,15 +27516,23 @@
                         </a:defRPr>
                       </a:pPr>
                       <a:r>
-                        <a:rPr lang="da-DK" dirty="0"/>
+                        <a:rPr lang="da-DK" dirty="0">
+                          <a:solidFill>
+                            <a:srgbClr val="212121"/>
+                          </a:solidFill>
+                        </a:rPr>
                         <a:t>1</a:t>
                       </a:r>
-                      <a:endParaRPr dirty="0"/>
-                    </a:p>
-                  </a:txBody>
-                  <a:tcPr marL="0" marR="0" marT="0" marB="0" anchor="ctr" horzOverflow="overflow">
-                    <a:solidFill>
-                      <a:srgbClr val="D9D9D9"/>
+                      <a:endParaRPr dirty="0">
+                        <a:solidFill>
+                          <a:srgbClr val="212121"/>
+                        </a:solidFill>
+                      </a:endParaRPr>
+                    </a:p>
+                  </a:txBody>
+                  <a:tcPr marL="0" marR="0" marT="0" marB="0" anchor="ctr" horzOverflow="overflow">
+                    <a:solidFill>
+                      <a:srgbClr val="D8D8D8"/>
                     </a:solidFill>
                   </a:tcPr>
                 </a:tc>
@@ -26445,15 +27550,23 @@
                         </a:defRPr>
                       </a:pPr>
                       <a:r>
-                        <a:rPr lang="da-DK" dirty="0"/>
+                        <a:rPr lang="da-DK" dirty="0">
+                          <a:solidFill>
+                            <a:srgbClr val="212121"/>
+                          </a:solidFill>
+                        </a:rPr>
                         <a:t>3</a:t>
                       </a:r>
-                      <a:endParaRPr dirty="0"/>
-                    </a:p>
-                  </a:txBody>
-                  <a:tcPr marL="0" marR="0" marT="0" marB="0" anchor="ctr" horzOverflow="overflow">
-                    <a:solidFill>
-                      <a:srgbClr val="D9D9D9"/>
+                      <a:endParaRPr dirty="0">
+                        <a:solidFill>
+                          <a:srgbClr val="212121"/>
+                        </a:solidFill>
+                      </a:endParaRPr>
+                    </a:p>
+                  </a:txBody>
+                  <a:tcPr marL="0" marR="0" marT="0" marB="0" anchor="ctr" horzOverflow="overflow">
+                    <a:solidFill>
+                      <a:srgbClr val="D8D8D8"/>
                     </a:solidFill>
                   </a:tcPr>
                 </a:tc>
@@ -26478,15 +27591,23 @@
                         </a:defRPr>
                       </a:pPr>
                       <a:r>
-                        <a:rPr lang="da-DK" dirty="0"/>
+                        <a:rPr lang="da-DK" dirty="0">
+                          <a:solidFill>
+                            <a:srgbClr val="212121"/>
+                          </a:solidFill>
+                        </a:rPr>
                         <a:t>A</a:t>
                       </a:r>
-                      <a:endParaRPr dirty="0"/>
-                    </a:p>
-                  </a:txBody>
-                  <a:tcPr marL="0" marR="0" marT="0" marB="0" anchor="ctr" horzOverflow="overflow">
-                    <a:solidFill>
-                      <a:srgbClr val="D9D9D9"/>
+                      <a:endParaRPr dirty="0">
+                        <a:solidFill>
+                          <a:srgbClr val="212121"/>
+                        </a:solidFill>
+                      </a:endParaRPr>
+                    </a:p>
+                  </a:txBody>
+                  <a:tcPr marL="0" marR="0" marT="0" marB="0" anchor="ctr" horzOverflow="overflow">
+                    <a:solidFill>
+                      <a:srgbClr val="D8D8D8"/>
                     </a:solidFill>
                   </a:tcPr>
                 </a:tc>
@@ -26504,15 +27625,23 @@
                         </a:defRPr>
                       </a:pPr>
                       <a:r>
-                        <a:rPr lang="da-DK" dirty="0"/>
+                        <a:rPr lang="da-DK" dirty="0">
+                          <a:solidFill>
+                            <a:srgbClr val="212121"/>
+                          </a:solidFill>
+                        </a:rPr>
                         <a:t>2</a:t>
                       </a:r>
-                      <a:endParaRPr dirty="0"/>
-                    </a:p>
-                  </a:txBody>
-                  <a:tcPr marL="0" marR="0" marT="0" marB="0" anchor="ctr" horzOverflow="overflow">
-                    <a:solidFill>
-                      <a:srgbClr val="D9D9D9"/>
+                      <a:endParaRPr dirty="0">
+                        <a:solidFill>
+                          <a:srgbClr val="212121"/>
+                        </a:solidFill>
+                      </a:endParaRPr>
+                    </a:p>
+                  </a:txBody>
+                  <a:tcPr marL="0" marR="0" marT="0" marB="0" anchor="ctr" horzOverflow="overflow">
+                    <a:solidFill>
+                      <a:srgbClr val="D8D8D8"/>
                     </a:solidFill>
                   </a:tcPr>
                 </a:tc>
@@ -26530,15 +27659,23 @@
                         </a:defRPr>
                       </a:pPr>
                       <a:r>
-                        <a:rPr lang="da-DK" dirty="0"/>
+                        <a:rPr lang="da-DK" dirty="0">
+                          <a:solidFill>
+                            <a:srgbClr val="212121"/>
+                          </a:solidFill>
+                        </a:rPr>
                         <a:t>2</a:t>
                       </a:r>
-                      <a:endParaRPr dirty="0"/>
-                    </a:p>
-                  </a:txBody>
-                  <a:tcPr marL="0" marR="0" marT="0" marB="0" anchor="ctr" horzOverflow="overflow">
-                    <a:solidFill>
-                      <a:srgbClr val="D9D9D9"/>
+                      <a:endParaRPr dirty="0">
+                        <a:solidFill>
+                          <a:srgbClr val="212121"/>
+                        </a:solidFill>
+                      </a:endParaRPr>
+                    </a:p>
+                  </a:txBody>
+                  <a:tcPr marL="0" marR="0" marT="0" marB="0" anchor="ctr" horzOverflow="overflow">
+                    <a:solidFill>
+                      <a:srgbClr val="D8D8D8"/>
                     </a:solidFill>
                   </a:tcPr>
                 </a:tc>
@@ -26556,15 +27693,23 @@
                         </a:defRPr>
                       </a:pPr>
                       <a:r>
-                        <a:rPr lang="da-DK" dirty="0"/>
+                        <a:rPr lang="da-DK" dirty="0">
+                          <a:solidFill>
+                            <a:srgbClr val="212121"/>
+                          </a:solidFill>
+                        </a:rPr>
                         <a:t>4</a:t>
                       </a:r>
-                      <a:endParaRPr dirty="0"/>
-                    </a:p>
-                  </a:txBody>
-                  <a:tcPr marL="0" marR="0" marT="0" marB="0" anchor="ctr" horzOverflow="overflow">
-                    <a:solidFill>
-                      <a:srgbClr val="D9D9D9"/>
+                      <a:endParaRPr dirty="0">
+                        <a:solidFill>
+                          <a:srgbClr val="212121"/>
+                        </a:solidFill>
+                      </a:endParaRPr>
+                    </a:p>
+                  </a:txBody>
+                  <a:tcPr marL="0" marR="0" marT="0" marB="0" anchor="ctr" horzOverflow="overflow">
+                    <a:solidFill>
+                      <a:srgbClr val="D8D8D8"/>
                     </a:solidFill>
                   </a:tcPr>
                 </a:tc>
@@ -26589,15 +27734,23 @@
                         </a:defRPr>
                       </a:pPr>
                       <a:r>
-                        <a:rPr lang="da-DK" dirty="0"/>
+                        <a:rPr lang="da-DK" dirty="0">
+                          <a:solidFill>
+                            <a:srgbClr val="212121"/>
+                          </a:solidFill>
+                        </a:rPr>
                         <a:t>B</a:t>
                       </a:r>
-                      <a:endParaRPr dirty="0"/>
-                    </a:p>
-                  </a:txBody>
-                  <a:tcPr marL="0" marR="0" marT="0" marB="0" anchor="ctr" horzOverflow="overflow">
-                    <a:solidFill>
-                      <a:srgbClr val="D9D9D9"/>
+                      <a:endParaRPr dirty="0">
+                        <a:solidFill>
+                          <a:srgbClr val="212121"/>
+                        </a:solidFill>
+                      </a:endParaRPr>
+                    </a:p>
+                  </a:txBody>
+                  <a:tcPr marL="0" marR="0" marT="0" marB="0" anchor="ctr" horzOverflow="overflow">
+                    <a:solidFill>
+                      <a:srgbClr val="D8D8D8"/>
                     </a:solidFill>
                   </a:tcPr>
                 </a:tc>
@@ -26615,15 +27768,23 @@
                         </a:defRPr>
                       </a:pPr>
                       <a:r>
-                        <a:rPr lang="da-DK" dirty="0"/>
+                        <a:rPr lang="da-DK" dirty="0">
+                          <a:solidFill>
+                            <a:srgbClr val="212121"/>
+                          </a:solidFill>
+                        </a:rPr>
                         <a:t>2</a:t>
                       </a:r>
-                      <a:endParaRPr dirty="0"/>
-                    </a:p>
-                  </a:txBody>
-                  <a:tcPr marL="0" marR="0" marT="0" marB="0" anchor="ctr" horzOverflow="overflow">
-                    <a:solidFill>
-                      <a:srgbClr val="D9D9D9"/>
+                      <a:endParaRPr dirty="0">
+                        <a:solidFill>
+                          <a:srgbClr val="212121"/>
+                        </a:solidFill>
+                      </a:endParaRPr>
+                    </a:p>
+                  </a:txBody>
+                  <a:tcPr marL="0" marR="0" marT="0" marB="0" anchor="ctr" horzOverflow="overflow">
+                    <a:solidFill>
+                      <a:srgbClr val="D8D8D8"/>
                     </a:solidFill>
                   </a:tcPr>
                 </a:tc>
@@ -26641,15 +27802,23 @@
                         </a:defRPr>
                       </a:pPr>
                       <a:r>
-                        <a:rPr lang="da-DK" dirty="0"/>
+                        <a:rPr lang="da-DK" dirty="0">
+                          <a:solidFill>
+                            <a:srgbClr val="212121"/>
+                          </a:solidFill>
+                        </a:rPr>
                         <a:t>2</a:t>
                       </a:r>
-                      <a:endParaRPr dirty="0"/>
-                    </a:p>
-                  </a:txBody>
-                  <a:tcPr marL="0" marR="0" marT="0" marB="0" anchor="ctr" horzOverflow="overflow">
-                    <a:solidFill>
-                      <a:srgbClr val="D9D9D9"/>
+                      <a:endParaRPr dirty="0">
+                        <a:solidFill>
+                          <a:srgbClr val="212121"/>
+                        </a:solidFill>
+                      </a:endParaRPr>
+                    </a:p>
+                  </a:txBody>
+                  <a:tcPr marL="0" marR="0" marT="0" marB="0" anchor="ctr" horzOverflow="overflow">
+                    <a:solidFill>
+                      <a:srgbClr val="D8D8D8"/>
                     </a:solidFill>
                   </a:tcPr>
                 </a:tc>
@@ -26667,15 +27836,23 @@
                         </a:defRPr>
                       </a:pPr>
                       <a:r>
-                        <a:rPr lang="da-DK" dirty="0"/>
+                        <a:rPr lang="da-DK" dirty="0">
+                          <a:solidFill>
+                            <a:srgbClr val="212121"/>
+                          </a:solidFill>
+                        </a:rPr>
                         <a:t>4</a:t>
                       </a:r>
-                      <a:endParaRPr dirty="0"/>
-                    </a:p>
-                  </a:txBody>
-                  <a:tcPr marL="0" marR="0" marT="0" marB="0" anchor="ctr" horzOverflow="overflow">
-                    <a:solidFill>
-                      <a:srgbClr val="D9D9D9"/>
+                      <a:endParaRPr dirty="0">
+                        <a:solidFill>
+                          <a:srgbClr val="212121"/>
+                        </a:solidFill>
+                      </a:endParaRPr>
+                    </a:p>
+                  </a:txBody>
+                  <a:tcPr marL="0" marR="0" marT="0" marB="0" anchor="ctr" horzOverflow="overflow">
+                    <a:solidFill>
+                      <a:srgbClr val="D8D8D8"/>
                     </a:solidFill>
                   </a:tcPr>
                 </a:tc>
@@ -26750,7 +27927,7 @@
           <p:nvPr>
             <p:extLst>
               <p:ext uri="{D42A27DB-BD31-4B8C-83A1-F6EECF244321}">
-                <p14:modId xmlns:p14="http://schemas.microsoft.com/office/powerpoint/2010/main" val="2857588476"/>
+                <p14:modId xmlns:p14="http://schemas.microsoft.com/office/powerpoint/2010/main" val="3901906277"/>
               </p:ext>
             </p:extLst>
           </p:nvPr>
@@ -26851,7 +28028,7 @@
                   </a:txBody>
                   <a:tcPr marL="0" marR="0" marT="0" marB="0" anchor="ctr" horzOverflow="overflow">
                     <a:solidFill>
-                      <a:srgbClr val="BE8411"/>
+                      <a:srgbClr val="A6AAA9"/>
                     </a:solidFill>
                   </a:tcPr>
                 </a:tc>
@@ -26877,7 +28054,7 @@
                   </a:txBody>
                   <a:tcPr marL="0" marR="0" marT="0" marB="0" anchor="ctr" horzOverflow="overflow">
                     <a:solidFill>
-                      <a:srgbClr val="BE8411"/>
+                      <a:srgbClr val="A6AAA9"/>
                     </a:solidFill>
                   </a:tcPr>
                 </a:tc>
@@ -26903,7 +28080,7 @@
                   </a:txBody>
                   <a:tcPr marL="0" marR="0" marT="0" marB="0" anchor="ctr" horzOverflow="overflow">
                     <a:solidFill>
-                      <a:srgbClr val="BE8411"/>
+                      <a:srgbClr val="A6AAA9"/>
                     </a:solidFill>
                   </a:tcPr>
                 </a:tc>
@@ -26929,7 +28106,7 @@
                   </a:txBody>
                   <a:tcPr marL="0" marR="0" marT="0" marB="0" anchor="ctr" horzOverflow="overflow">
                     <a:solidFill>
-                      <a:srgbClr val="BE8411"/>
+                      <a:srgbClr val="A6AAA9"/>
                     </a:solidFill>
                   </a:tcPr>
                 </a:tc>
@@ -26954,15 +28131,23 @@
                         </a:defRPr>
                       </a:pPr>
                       <a:r>
-                        <a:rPr lang="da-DK" dirty="0"/>
+                        <a:rPr lang="da-DK" dirty="0">
+                          <a:solidFill>
+                            <a:srgbClr val="212121"/>
+                          </a:solidFill>
+                        </a:rPr>
                         <a:t>A</a:t>
                       </a:r>
-                      <a:endParaRPr dirty="0"/>
-                    </a:p>
-                  </a:txBody>
-                  <a:tcPr marL="0" marR="0" marT="0" marB="0" anchor="ctr" horzOverflow="overflow">
-                    <a:solidFill>
-                      <a:srgbClr val="D9D9D9"/>
+                      <a:endParaRPr dirty="0">
+                        <a:solidFill>
+                          <a:srgbClr val="212121"/>
+                        </a:solidFill>
+                      </a:endParaRPr>
+                    </a:p>
+                  </a:txBody>
+                  <a:tcPr marL="0" marR="0" marT="0" marB="0" anchor="ctr" horzOverflow="overflow">
+                    <a:solidFill>
+                      <a:srgbClr val="D8D8D8"/>
                     </a:solidFill>
                   </a:tcPr>
                 </a:tc>
@@ -26980,15 +28165,23 @@
                         </a:defRPr>
                       </a:pPr>
                       <a:r>
-                        <a:rPr lang="da-DK" dirty="0"/>
+                        <a:rPr lang="da-DK" dirty="0">
+                          <a:solidFill>
+                            <a:srgbClr val="212121"/>
+                          </a:solidFill>
+                        </a:rPr>
                         <a:t>1</a:t>
                       </a:r>
-                      <a:endParaRPr dirty="0"/>
-                    </a:p>
-                  </a:txBody>
-                  <a:tcPr marL="0" marR="0" marT="0" marB="0" anchor="ctr" horzOverflow="overflow">
-                    <a:solidFill>
-                      <a:srgbClr val="D9D9D9"/>
+                      <a:endParaRPr dirty="0">
+                        <a:solidFill>
+                          <a:srgbClr val="212121"/>
+                        </a:solidFill>
+                      </a:endParaRPr>
+                    </a:p>
+                  </a:txBody>
+                  <a:tcPr marL="0" marR="0" marT="0" marB="0" anchor="ctr" horzOverflow="overflow">
+                    <a:solidFill>
+                      <a:srgbClr val="D8D8D8"/>
                     </a:solidFill>
                   </a:tcPr>
                 </a:tc>
@@ -27006,15 +28199,23 @@
                         </a:defRPr>
                       </a:pPr>
                       <a:r>
-                        <a:rPr lang="da-DK" dirty="0"/>
+                        <a:rPr lang="da-DK" dirty="0">
+                          <a:solidFill>
+                            <a:srgbClr val="212121"/>
+                          </a:solidFill>
+                        </a:rPr>
                         <a:t>2</a:t>
                       </a:r>
-                      <a:endParaRPr dirty="0"/>
-                    </a:p>
-                  </a:txBody>
-                  <a:tcPr marL="0" marR="0" marT="0" marB="0" anchor="ctr" horzOverflow="overflow">
-                    <a:solidFill>
-                      <a:srgbClr val="D9D9D9"/>
+                      <a:endParaRPr dirty="0">
+                        <a:solidFill>
+                          <a:srgbClr val="212121"/>
+                        </a:solidFill>
+                      </a:endParaRPr>
+                    </a:p>
+                  </a:txBody>
+                  <a:tcPr marL="0" marR="0" marT="0" marB="0" anchor="ctr" horzOverflow="overflow">
+                    <a:solidFill>
+                      <a:srgbClr val="D8D8D8"/>
                     </a:solidFill>
                   </a:tcPr>
                 </a:tc>
@@ -27032,15 +28233,23 @@
                         </a:defRPr>
                       </a:pPr>
                       <a:r>
-                        <a:rPr lang="da-DK" dirty="0"/>
+                        <a:rPr lang="da-DK" dirty="0">
+                          <a:solidFill>
+                            <a:srgbClr val="212121"/>
+                          </a:solidFill>
+                        </a:rPr>
                         <a:t>3</a:t>
                       </a:r>
-                      <a:endParaRPr dirty="0"/>
-                    </a:p>
-                  </a:txBody>
-                  <a:tcPr marL="0" marR="0" marT="0" marB="0" anchor="ctr" horzOverflow="overflow">
-                    <a:solidFill>
-                      <a:srgbClr val="D9D9D9"/>
+                      <a:endParaRPr dirty="0">
+                        <a:solidFill>
+                          <a:srgbClr val="212121"/>
+                        </a:solidFill>
+                      </a:endParaRPr>
+                    </a:p>
+                  </a:txBody>
+                  <a:tcPr marL="0" marR="0" marT="0" marB="0" anchor="ctr" horzOverflow="overflow">
+                    <a:solidFill>
+                      <a:srgbClr val="D8D8D8"/>
                     </a:solidFill>
                   </a:tcPr>
                 </a:tc>
@@ -27058,15 +28267,23 @@
                         </a:defRPr>
                       </a:pPr>
                       <a:r>
-                        <a:rPr lang="da-DK" dirty="0"/>
+                        <a:rPr lang="da-DK" dirty="0">
+                          <a:solidFill>
+                            <a:srgbClr val="212121"/>
+                          </a:solidFill>
+                        </a:rPr>
                         <a:t>4</a:t>
                       </a:r>
-                      <a:endParaRPr dirty="0"/>
-                    </a:p>
-                  </a:txBody>
-                  <a:tcPr marL="0" marR="0" marT="0" marB="0" anchor="ctr" horzOverflow="overflow">
-                    <a:solidFill>
-                      <a:srgbClr val="D9D9D9"/>
+                      <a:endParaRPr dirty="0">
+                        <a:solidFill>
+                          <a:srgbClr val="212121"/>
+                        </a:solidFill>
+                      </a:endParaRPr>
+                    </a:p>
+                  </a:txBody>
+                  <a:tcPr marL="0" marR="0" marT="0" marB="0" anchor="ctr" horzOverflow="overflow">
+                    <a:solidFill>
+                      <a:srgbClr val="D8D8D8"/>
                     </a:solidFill>
                   </a:tcPr>
                 </a:tc>
@@ -27091,15 +28308,23 @@
                         </a:defRPr>
                       </a:pPr>
                       <a:r>
-                        <a:rPr lang="da-DK" dirty="0"/>
+                        <a:rPr lang="da-DK" dirty="0">
+                          <a:solidFill>
+                            <a:srgbClr val="212121"/>
+                          </a:solidFill>
+                        </a:rPr>
                         <a:t>B</a:t>
                       </a:r>
-                      <a:endParaRPr dirty="0"/>
-                    </a:p>
-                  </a:txBody>
-                  <a:tcPr marL="0" marR="0" marT="0" marB="0" anchor="ctr" horzOverflow="overflow">
-                    <a:solidFill>
-                      <a:srgbClr val="D9D9D9"/>
+                      <a:endParaRPr dirty="0">
+                        <a:solidFill>
+                          <a:srgbClr val="212121"/>
+                        </a:solidFill>
+                      </a:endParaRPr>
+                    </a:p>
+                  </a:txBody>
+                  <a:tcPr marL="0" marR="0" marT="0" marB="0" anchor="ctr" horzOverflow="overflow">
+                    <a:solidFill>
+                      <a:srgbClr val="D8D8D8"/>
                     </a:solidFill>
                   </a:tcPr>
                 </a:tc>
@@ -27117,15 +28342,23 @@
                         </a:defRPr>
                       </a:pPr>
                       <a:r>
-                        <a:rPr lang="da-DK" dirty="0"/>
+                        <a:rPr lang="da-DK" dirty="0">
+                          <a:solidFill>
+                            <a:srgbClr val="212121"/>
+                          </a:solidFill>
+                        </a:rPr>
                         <a:t>1</a:t>
                       </a:r>
-                      <a:endParaRPr dirty="0"/>
-                    </a:p>
-                  </a:txBody>
-                  <a:tcPr marL="0" marR="0" marT="0" marB="0" anchor="ctr" horzOverflow="overflow">
-                    <a:solidFill>
-                      <a:srgbClr val="D9D9D9"/>
+                      <a:endParaRPr dirty="0">
+                        <a:solidFill>
+                          <a:srgbClr val="212121"/>
+                        </a:solidFill>
+                      </a:endParaRPr>
+                    </a:p>
+                  </a:txBody>
+                  <a:tcPr marL="0" marR="0" marT="0" marB="0" anchor="ctr" horzOverflow="overflow">
+                    <a:solidFill>
+                      <a:srgbClr val="D8D8D8"/>
                     </a:solidFill>
                   </a:tcPr>
                 </a:tc>
@@ -27143,15 +28376,23 @@
                         </a:defRPr>
                       </a:pPr>
                       <a:r>
-                        <a:rPr lang="da-DK" dirty="0"/>
+                        <a:rPr lang="da-DK" dirty="0">
+                          <a:solidFill>
+                            <a:srgbClr val="212121"/>
+                          </a:solidFill>
+                        </a:rPr>
                         <a:t>2</a:t>
                       </a:r>
-                      <a:endParaRPr dirty="0"/>
-                    </a:p>
-                  </a:txBody>
-                  <a:tcPr marL="0" marR="0" marT="0" marB="0" anchor="ctr" horzOverflow="overflow">
-                    <a:solidFill>
-                      <a:srgbClr val="D9D9D9"/>
+                      <a:endParaRPr dirty="0">
+                        <a:solidFill>
+                          <a:srgbClr val="212121"/>
+                        </a:solidFill>
+                      </a:endParaRPr>
+                    </a:p>
+                  </a:txBody>
+                  <a:tcPr marL="0" marR="0" marT="0" marB="0" anchor="ctr" horzOverflow="overflow">
+                    <a:solidFill>
+                      <a:srgbClr val="D8D8D8"/>
                     </a:solidFill>
                   </a:tcPr>
                 </a:tc>
@@ -27169,15 +28410,23 @@
                         </a:defRPr>
                       </a:pPr>
                       <a:r>
-                        <a:rPr lang="da-DK" dirty="0"/>
+                        <a:rPr lang="da-DK" dirty="0">
+                          <a:solidFill>
+                            <a:srgbClr val="212121"/>
+                          </a:solidFill>
+                        </a:rPr>
                         <a:t>3</a:t>
                       </a:r>
-                      <a:endParaRPr dirty="0"/>
-                    </a:p>
-                  </a:txBody>
-                  <a:tcPr marL="0" marR="0" marT="0" marB="0" anchor="ctr" horzOverflow="overflow">
-                    <a:solidFill>
-                      <a:srgbClr val="D9D9D9"/>
+                      <a:endParaRPr dirty="0">
+                        <a:solidFill>
+                          <a:srgbClr val="212121"/>
+                        </a:solidFill>
+                      </a:endParaRPr>
+                    </a:p>
+                  </a:txBody>
+                  <a:tcPr marL="0" marR="0" marT="0" marB="0" anchor="ctr" horzOverflow="overflow">
+                    <a:solidFill>
+                      <a:srgbClr val="D8D8D8"/>
                     </a:solidFill>
                   </a:tcPr>
                 </a:tc>
@@ -27195,15 +28444,23 @@
                         </a:defRPr>
                       </a:pPr>
                       <a:r>
-                        <a:rPr lang="da-DK" dirty="0"/>
+                        <a:rPr lang="da-DK" dirty="0">
+                          <a:solidFill>
+                            <a:srgbClr val="212121"/>
+                          </a:solidFill>
+                        </a:rPr>
                         <a:t>4</a:t>
                       </a:r>
-                      <a:endParaRPr dirty="0"/>
-                    </a:p>
-                  </a:txBody>
-                  <a:tcPr marL="0" marR="0" marT="0" marB="0" anchor="ctr" horzOverflow="overflow">
-                    <a:solidFill>
-                      <a:srgbClr val="D9D9D9"/>
+                      <a:endParaRPr dirty="0">
+                        <a:solidFill>
+                          <a:srgbClr val="212121"/>
+                        </a:solidFill>
+                      </a:endParaRPr>
+                    </a:p>
+                  </a:txBody>
+                  <a:tcPr marL="0" marR="0" marT="0" marB="0" anchor="ctr" horzOverflow="overflow">
+                    <a:solidFill>
+                      <a:srgbClr val="D8D8D8"/>
                     </a:solidFill>
                   </a:tcPr>
                 </a:tc>
@@ -27225,7 +28482,7 @@
         </p:nvSpPr>
         <p:spPr>
           <a:xfrm>
-            <a:off x="4812083" y="8270195"/>
+            <a:off x="4812083" y="8244795"/>
             <a:ext cx="4717933" cy="276405"/>
           </a:xfrm>
           <a:prstGeom prst="rect">
@@ -27236,7 +28493,7 @@
           </a:ln>
           <a:extLst>
             <a:ext uri="{C572A759-6A51-4108-AA02-DFA0A04FC94B}">
-              <ma14:wrappingTextBoxFlag xmlns:ma14="http://schemas.microsoft.com/office/mac/drawingml/2011/main" xmlns="" val="1"/>
+              <ma14:wrappingTextBoxFlag xmlns="" xmlns:ma14="http://schemas.microsoft.com/office/mac/drawingml/2011/main" val="1"/>
             </a:ext>
           </a:extLst>
         </p:spPr>
@@ -27328,7 +28585,7 @@
           </a:ln>
           <a:extLst>
             <a:ext uri="{C572A759-6A51-4108-AA02-DFA0A04FC94B}">
-              <ma14:wrappingTextBoxFlag xmlns:ma14="http://schemas.microsoft.com/office/mac/drawingml/2011/main" xmlns="" val="1"/>
+              <ma14:wrappingTextBoxFlag xmlns="" xmlns:ma14="http://schemas.microsoft.com/office/mac/drawingml/2011/main" val="1"/>
             </a:ext>
           </a:extLst>
         </p:spPr>
@@ -27470,7 +28727,7 @@
           </a:ln>
           <a:extLst>
             <a:ext uri="{C572A759-6A51-4108-AA02-DFA0A04FC94B}">
-              <ma14:wrappingTextBoxFlag xmlns:ma14="http://schemas.microsoft.com/office/mac/drawingml/2011/main" xmlns="" val="1"/>
+              <ma14:wrappingTextBoxFlag xmlns="" xmlns:ma14="http://schemas.microsoft.com/office/mac/drawingml/2011/main" val="1"/>
             </a:ext>
           </a:extLst>
         </p:spPr>
@@ -27563,7 +28820,7 @@
           </a:ln>
           <a:extLst>
             <a:ext uri="{C572A759-6A51-4108-AA02-DFA0A04FC94B}">
-              <ma14:wrappingTextBoxFlag xmlns:ma14="http://schemas.microsoft.com/office/mac/drawingml/2011/main" xmlns="" val="1"/>
+              <ma14:wrappingTextBoxFlag xmlns="" xmlns:ma14="http://schemas.microsoft.com/office/mac/drawingml/2011/main" val="1"/>
             </a:ext>
           </a:extLst>
         </p:spPr>
@@ -27783,7 +29040,7 @@
           </a:ln>
           <a:extLst>
             <a:ext uri="{C572A759-6A51-4108-AA02-DFA0A04FC94B}">
-              <ma14:wrappingTextBoxFlag xmlns:ma14="http://schemas.microsoft.com/office/mac/drawingml/2011/main" xmlns="" val="1"/>
+              <ma14:wrappingTextBoxFlag xmlns="" xmlns:ma14="http://schemas.microsoft.com/office/mac/drawingml/2011/main" val="1"/>
             </a:ext>
           </a:extLst>
         </p:spPr>
@@ -27944,7 +29201,7 @@
           </a:ln>
           <a:extLst>
             <a:ext uri="{C572A759-6A51-4108-AA02-DFA0A04FC94B}">
-              <ma14:wrappingTextBoxFlag xmlns:ma14="http://schemas.microsoft.com/office/mac/drawingml/2011/main" xmlns="" val="1"/>
+              <ma14:wrappingTextBoxFlag xmlns="" xmlns:ma14="http://schemas.microsoft.com/office/mac/drawingml/2011/main" val="1"/>
             </a:ext>
           </a:extLst>
         </p:spPr>
@@ -28081,7 +29338,7 @@
           </a:ln>
           <a:extLst>
             <a:ext uri="{C572A759-6A51-4108-AA02-DFA0A04FC94B}">
-              <ma14:wrappingTextBoxFlag xmlns:ma14="http://schemas.microsoft.com/office/mac/drawingml/2011/main" xmlns="" val="1"/>
+              <ma14:wrappingTextBoxFlag xmlns="" xmlns:ma14="http://schemas.microsoft.com/office/mac/drawingml/2011/main" val="1"/>
             </a:ext>
           </a:extLst>
         </p:spPr>
@@ -28750,13 +30007,13 @@
           <p:nvPr>
             <p:extLst>
               <p:ext uri="{D42A27DB-BD31-4B8C-83A1-F6EECF244321}">
-                <p14:modId xmlns:p14="http://schemas.microsoft.com/office/powerpoint/2010/main" val="1833373946"/>
+                <p14:modId xmlns:p14="http://schemas.microsoft.com/office/powerpoint/2010/main" val="4035586782"/>
               </p:ext>
             </p:extLst>
           </p:nvPr>
         </p:nvGraphicFramePr>
         <p:xfrm>
-          <a:off x="4812083" y="8543628"/>
+          <a:off x="4812083" y="8518228"/>
           <a:ext cx="4571860" cy="1097280"/>
         </p:xfrm>
         <a:graphic>

--- a/powerpoints/datatable.pptx
+++ b/powerpoints/datatable.pptx
@@ -418,7 +418,7 @@
           <a:p>
             <a:fld id="{14A1A45B-F66E-48A2-89C5-3AD170776287}" type="datetimeFigureOut">
               <a:rPr lang="da-DK" smtClean="0"/>
-              <a:t>23/08/2018</a:t>
+              <a:t>26/08/2018</a:t>
             </a:fld>
             <a:endParaRPr lang="da-DK"/>
           </a:p>
@@ -3488,7 +3488,7 @@
             <a:avLst/>
           </a:prstGeom>
           <a:solidFill>
-            <a:srgbClr val="F5F5F5"/>
+            <a:srgbClr val="F3F3F3"/>
           </a:solidFill>
           <a:ln w="12700">
             <a:miter lim="400000"/>
@@ -3869,7 +3869,7 @@
                   <a:srgbClr val="5B6167"/>
                 </a:solidFill>
               </a:rPr>
-              <a:t>8-23</a:t>
+              <a:t>8-26</a:t>
             </a:r>
             <a:endParaRPr dirty="0">
               <a:solidFill>
@@ -4571,7 +4571,7 @@
                   <a:srgbClr val="000000"/>
                 </a:solidFill>
               </a:rPr>
-              <a:t>a = c(1, 2), b = c(“a”, “b”)</a:t>
+              <a:t>a = c(1, 2), b = c("a", "b")</a:t>
             </a:r>
             <a:r>
               <a:rPr lang="en-US" dirty="0">
@@ -5049,7 +5049,7 @@
                   <a:srgbClr val="000000"/>
                 </a:solidFill>
               </a:rPr>
-              <a:t>, ] – subset rows based on the values in one or more columns.</a:t>
+              <a:t>, ] – subset rows based on values in one or more columns.</a:t>
             </a:r>
             <a:endParaRPr lang="da-DK" b="0" dirty="0">
               <a:solidFill>
@@ -6107,7 +6107,7 @@
                   <a:srgbClr val="000000"/>
                 </a:solidFill>
               </a:rPr>
-              <a:t>] – select column(s) by number. Prefix column numbers with “-” to deselect.</a:t>
+              <a:t>] – extract column(s) by number. Prefix column numbers with “-” to drop.</a:t>
             </a:r>
           </a:p>
         </p:txBody>
@@ -6730,7 +6730,7 @@
                   <a:srgbClr val="000000"/>
                 </a:solidFill>
               </a:rPr>
-              <a:t>] – select column(s) by name</a:t>
+              <a:t>] – extract column(s) by name</a:t>
             </a:r>
             <a:r>
               <a:rPr lang="en-US" b="0" dirty="0">
@@ -9659,7 +9659,7 @@
         <p:spPr>
           <a:xfrm>
             <a:off x="10957082" y="5895713"/>
-            <a:ext cx="2763316" cy="498598"/>
+            <a:ext cx="2763316" cy="664797"/>
           </a:xfrm>
           <a:prstGeom prst="rect">
             <a:avLst/>
@@ -9745,7 +9745,7 @@
                 </a:solidFill>
                 <a:cs typeface="Helvetica" panose="020B0604020202020204" pitchFamily="34" charset="0"/>
               </a:rPr>
-              <a:t> – arrange the rows of a data.table. Prefix variable names with “</a:t>
+              <a:t> – reorder a data.table according to specified columns. Prefix column names with “</a:t>
             </a:r>
             <a:r>
               <a:rPr lang="en-US" dirty="0">
@@ -10684,7 +10684,7 @@
         <p:spPr>
           <a:xfrm>
             <a:off x="9357554" y="5560638"/>
-            <a:ext cx="1183978" cy="276999"/>
+            <a:ext cx="749564" cy="276999"/>
           </a:xfrm>
           <a:prstGeom prst="rect">
             <a:avLst/>
@@ -10699,7 +10699,7 @@
             <a:pPr lvl="1" indent="0"/>
             <a:r>
               <a:rPr lang="da-DK" dirty="0"/>
-              <a:t>ARRANGE ROWS</a:t>
+              <a:t>REORDER</a:t>
             </a:r>
           </a:p>
         </p:txBody>
@@ -10759,7 +10759,7 @@
         </p:nvSpPr>
         <p:spPr>
           <a:xfrm>
-            <a:off x="10957082" y="7040286"/>
+            <a:off x="10957082" y="7116486"/>
             <a:ext cx="2763316" cy="498598"/>
           </a:xfrm>
           <a:prstGeom prst="rect">
@@ -10794,12 +10794,20 @@
               <a:t>unique(</a:t>
             </a:r>
             <a:r>
+              <a:rPr lang="en-US" b="0" dirty="0" err="1">
+                <a:solidFill>
+                  <a:srgbClr val="000000"/>
+                </a:solidFill>
+              </a:rPr>
+              <a:t>dt</a:t>
+            </a:r>
+            <a:r>
               <a:rPr lang="en-US" b="0" dirty="0">
                 <a:solidFill>
                   <a:srgbClr val="000000"/>
                 </a:solidFill>
               </a:rPr>
-              <a:t>dt, a, b</a:t>
+              <a:t>, by = c("a", "b")</a:t>
             </a:r>
             <a:r>
               <a:rPr lang="en-US" dirty="0">
@@ -10815,7 +10823,7 @@
                   <a:srgbClr val="000000"/>
                 </a:solidFill>
               </a:rPr>
-              <a:t> – extract a subset of the data based on a unique combination of values.</a:t>
+              <a:t> – extract unique rows based on columns specified in “by”. Leave out “by” to use all columns.</a:t>
             </a:r>
           </a:p>
         </p:txBody>
@@ -10827,13 +10835,13 @@
           <p:nvPr>
             <p:extLst>
               <p:ext uri="{D42A27DB-BD31-4B8C-83A1-F6EECF244321}">
-                <p14:modId xmlns:p14="http://schemas.microsoft.com/office/powerpoint/2010/main" val="2815637385"/>
+                <p14:modId xmlns:p14="http://schemas.microsoft.com/office/powerpoint/2010/main" val="701060044"/>
               </p:ext>
             </p:extLst>
           </p:nvPr>
         </p:nvGraphicFramePr>
         <p:xfrm>
-          <a:off x="10156338" y="7077802"/>
+          <a:off x="10156338" y="7154002"/>
           <a:ext cx="453600" cy="609600"/>
         </p:xfrm>
         <a:graphic>
@@ -11256,7 +11264,7 @@
         </p:nvSpPr>
         <p:spPr>
           <a:xfrm>
-            <a:off x="9928849" y="7235416"/>
+            <a:off x="9928849" y="7311616"/>
             <a:ext cx="136800" cy="0"/>
           </a:xfrm>
           <a:prstGeom prst="line">
@@ -11309,13 +11317,13 @@
           <p:nvPr>
             <p:extLst>
               <p:ext uri="{D42A27DB-BD31-4B8C-83A1-F6EECF244321}">
-                <p14:modId xmlns:p14="http://schemas.microsoft.com/office/powerpoint/2010/main" val="320809421"/>
+                <p14:modId xmlns:p14="http://schemas.microsoft.com/office/powerpoint/2010/main" val="2741037434"/>
               </p:ext>
             </p:extLst>
           </p:nvPr>
         </p:nvGraphicFramePr>
         <p:xfrm>
-          <a:off x="9357554" y="7077803"/>
+          <a:off x="9357554" y="7154003"/>
           <a:ext cx="453600" cy="762000"/>
         </p:xfrm>
         <a:graphic>
@@ -11832,8 +11840,8 @@
         </p:nvSpPr>
         <p:spPr>
           <a:xfrm>
-            <a:off x="9357554" y="6749944"/>
-            <a:ext cx="1100622" cy="276999"/>
+            <a:off x="9357554" y="6826144"/>
+            <a:ext cx="1078180" cy="276999"/>
           </a:xfrm>
           <a:prstGeom prst="rect">
             <a:avLst/>
@@ -11848,7 +11856,7 @@
             <a:pPr lvl="1" indent="0"/>
             <a:r>
               <a:rPr lang="da-DK" dirty="0"/>
-              <a:t>UNIQUE CASES</a:t>
+              <a:t>UNIQUE ROWS</a:t>
             </a:r>
           </a:p>
         </p:txBody>
@@ -11861,7 +11869,7 @@
         </p:nvSpPr>
         <p:spPr>
           <a:xfrm>
-            <a:off x="9357554" y="6732059"/>
+            <a:off x="9357554" y="6808259"/>
             <a:ext cx="4320000" cy="797"/>
           </a:xfrm>
           <a:prstGeom prst="line">
@@ -13333,7 +13341,7 @@
         </p:nvSpPr>
         <p:spPr>
           <a:xfrm>
-            <a:off x="9357554" y="8082223"/>
+            <a:off x="9357554" y="8096431"/>
             <a:ext cx="4320000" cy="590931"/>
           </a:xfrm>
           <a:prstGeom prst="rect">
@@ -13381,7 +13389,7 @@
                   <a:srgbClr val="000000"/>
                 </a:solidFill>
               </a:rPr>
-              <a:t>, by = c(“a”, “b”)</a:t>
+              <a:t>, by = c("a", "b")</a:t>
             </a:r>
             <a:r>
               <a:rPr lang="en-US" dirty="0">
@@ -13397,7 +13405,7 @@
                   <a:srgbClr val="000000"/>
                 </a:solidFill>
               </a:rPr>
-              <a:t> – return the number of unique rows, based on columns specified in “by”. Leave out “by” to use all columns.</a:t>
+              <a:t> – return the number of unique rows based on columns specified in “by”. Leave out “by” to use all columns. </a:t>
             </a:r>
           </a:p>
         </p:txBody>
@@ -15788,7 +15796,7 @@
         </p:nvSpPr>
         <p:spPr>
           <a:xfrm>
-            <a:off x="9357554" y="8786963"/>
+            <a:off x="9357554" y="8870113"/>
             <a:ext cx="4320000" cy="1348679"/>
           </a:xfrm>
           <a:prstGeom prst="rect">
@@ -15797,10 +15805,10 @@
           <a:gradFill flip="none" rotWithShape="1">
             <a:gsLst>
               <a:gs pos="0">
-                <a:srgbClr val="F5F5F5"/>
+                <a:srgbClr val="F3F3F3"/>
               </a:gs>
               <a:gs pos="38000">
-                <a:srgbClr val="F5F5F5"/>
+                <a:srgbClr val="F3F3F3"/>
               </a:gs>
               <a:gs pos="100000">
                 <a:schemeClr val="bg1"/>
@@ -15848,7 +15856,7 @@
         </p:nvSpPr>
         <p:spPr>
           <a:xfrm>
-            <a:off x="9513344" y="8901334"/>
+            <a:off x="9513344" y="8984484"/>
             <a:ext cx="4130480" cy="1195041"/>
           </a:xfrm>
           <a:prstGeom prst="rect">
@@ -16341,13 +16349,18 @@
               <a:t>Updated</a:t>
             </a:r>
             <a:r>
-              <a:rPr lang="da-DK" dirty="0">
+              <a:rPr lang="da-DK">
                 <a:solidFill>
                   <a:srgbClr val="5B6167"/>
                 </a:solidFill>
               </a:rPr>
-              <a:t>: 2018-08-23</a:t>
-            </a:r>
+              <a:t>: 2018-08-26</a:t>
+            </a:r>
+            <a:endParaRPr lang="da-DK" dirty="0">
+              <a:solidFill>
+                <a:srgbClr val="5B6167"/>
+              </a:solidFill>
+            </a:endParaRPr>
           </a:p>
         </p:txBody>
       </p:sp>
@@ -16674,20 +16687,12 @@
               <a:t>] – join two data.tables based on rows with equal values. </a:t>
             </a:r>
             <a:r>
-              <a:rPr lang="en-US" b="0" dirty="0" err="1">
+              <a:rPr lang="en-US" b="0" dirty="0">
                 <a:solidFill>
                   <a:srgbClr val="5B6167"/>
                 </a:solidFill>
               </a:rPr>
-              <a:t>setkey</a:t>
-            </a:r>
-            <a:r>
-              <a:rPr lang="en-US" b="0" dirty="0">
-                <a:solidFill>
-                  <a:srgbClr val="5B6167"/>
-                </a:solidFill>
-              </a:rPr>
-              <a:t>() can be used in stead of “.on”.</a:t>
+              <a:t>You can leave out “on” if keys are already set.</a:t>
             </a:r>
           </a:p>
         </p:txBody>
@@ -18143,7 +18148,7 @@
                   <a:srgbClr val="000000"/>
                 </a:solidFill>
               </a:rPr>
-              <a:t>] – join two data.tables based on rows with equal and unequal values</a:t>
+              <a:t>] – join two data.tables based on rows with equal and unequal values.</a:t>
             </a:r>
           </a:p>
         </p:txBody>
@@ -19154,7 +19159,7 @@
           <p:nvPr>
             <p:extLst>
               <p:ext uri="{D42A27DB-BD31-4B8C-83A1-F6EECF244321}">
-                <p14:modId xmlns:p14="http://schemas.microsoft.com/office/powerpoint/2010/main" val="1979969576"/>
+                <p14:modId xmlns:p14="http://schemas.microsoft.com/office/powerpoint/2010/main" val="2882807153"/>
               </p:ext>
             </p:extLst>
           </p:nvPr>
@@ -19248,7 +19253,7 @@
                   </a:txBody>
                   <a:tcPr marL="0" marR="0" marT="0" marB="0" anchor="ctr" horzOverflow="overflow">
                     <a:solidFill>
-                      <a:srgbClr val="A6AAA9"/>
+                      <a:srgbClr val="BD8324"/>
                     </a:solidFill>
                   </a:tcPr>
                 </a:tc>
@@ -19302,9 +19307,7 @@
                   </a:txBody>
                   <a:tcPr marL="0" marR="0" marT="0" marB="0" anchor="ctr" horzOverflow="overflow">
                     <a:solidFill>
-                      <a:schemeClr val="accent3">
-                        <a:lumMod val="50000"/>
-                      </a:schemeClr>
+                      <a:srgbClr val="A6AAA9"/>
                     </a:solidFill>
                   </a:tcPr>
                 </a:tc>
@@ -19379,7 +19382,7 @@
                   </a:txBody>
                   <a:tcPr marL="0" marR="0" marT="0" marB="0" anchor="ctr" horzOverflow="overflow">
                     <a:solidFill>
-                      <a:srgbClr val="D8D8D8"/>
+                      <a:srgbClr val="F3CC86"/>
                     </a:solidFill>
                   </a:tcPr>
                 </a:tc>
@@ -19449,9 +19452,7 @@
                   </a:txBody>
                   <a:tcPr marL="0" marR="0" marT="0" marB="0" anchor="ctr" horzOverflow="overflow">
                     <a:solidFill>
-                      <a:schemeClr val="accent3">
-                        <a:lumMod val="90000"/>
-                      </a:schemeClr>
+                      <a:srgbClr val="D8D8D8"/>
                     </a:solidFill>
                   </a:tcPr>
                 </a:tc>
@@ -19526,7 +19527,7 @@
                   </a:txBody>
                   <a:tcPr marL="0" marR="0" marT="0" marB="0" anchor="ctr" horzOverflow="overflow">
                     <a:solidFill>
-                      <a:srgbClr val="D8D8D8"/>
+                      <a:srgbClr val="F3CC86"/>
                     </a:solidFill>
                   </a:tcPr>
                 </a:tc>
@@ -19596,9 +19597,7 @@
                   </a:txBody>
                   <a:tcPr marL="0" marR="0" marT="0" marB="0" anchor="ctr" horzOverflow="overflow">
                     <a:solidFill>
-                      <a:schemeClr val="accent3">
-                        <a:lumMod val="90000"/>
-                      </a:schemeClr>
+                      <a:srgbClr val="D8D8D8"/>
                     </a:solidFill>
                   </a:tcPr>
                 </a:tc>
@@ -19673,7 +19672,7 @@
                   </a:txBody>
                   <a:tcPr marL="0" marR="0" marT="0" marB="0" anchor="ctr" horzOverflow="overflow">
                     <a:solidFill>
-                      <a:srgbClr val="D8D8D8"/>
+                      <a:srgbClr val="F3CC86"/>
                     </a:solidFill>
                   </a:tcPr>
                 </a:tc>
@@ -19743,9 +19742,7 @@
                   </a:txBody>
                   <a:tcPr marL="0" marR="0" marT="0" marB="0" anchor="ctr" horzOverflow="overflow">
                     <a:solidFill>
-                      <a:schemeClr val="accent3">
-                        <a:lumMod val="90000"/>
-                      </a:schemeClr>
+                      <a:srgbClr val="D8D8D8"/>
                     </a:solidFill>
                   </a:tcPr>
                 </a:tc>
@@ -19844,7 +19841,7 @@
                   <a:srgbClr val="000000"/>
                 </a:solidFill>
               </a:rPr>
-              <a:t>By default, a rolling join matches rows, defined by an id variable, but only keeps the most recent preceding match with the left table, defined by a date variable.</a:t>
+              <a:t>By default, a rolling join matches rows, according to id columns, but only keeps the most recent preceding match with the left table, according to date columns.</a:t>
             </a:r>
           </a:p>
         </p:txBody>
@@ -19937,7 +19934,7 @@
                   <a:srgbClr val="000000"/>
                 </a:solidFill>
               </a:rPr>
-              <a:t>– combine rows of two data.tables</a:t>
+              <a:t>– combine rows of two data.tables.</a:t>
             </a:r>
             <a:endParaRPr lang="en-US" dirty="0">
               <a:solidFill>
@@ -20838,7 +20835,7 @@
                   <a:srgbClr val="000000"/>
                 </a:solidFill>
               </a:rPr>
-              <a:t>– combine columns of two data.tables</a:t>
+              <a:t>– combine columns of two data.tables.</a:t>
             </a:r>
             <a:endParaRPr lang="en-US" dirty="0">
               <a:solidFill>
@@ -21907,7 +21904,7 @@
           <p:nvPr>
             <p:extLst>
               <p:ext uri="{D42A27DB-BD31-4B8C-83A1-F6EECF244321}">
-                <p14:modId xmlns:p14="http://schemas.microsoft.com/office/powerpoint/2010/main" val="2384305474"/>
+                <p14:modId xmlns:p14="http://schemas.microsoft.com/office/powerpoint/2010/main" val="1940586252"/>
               </p:ext>
             </p:extLst>
           </p:nvPr>
@@ -22172,7 +22169,7 @@
                   </a:txBody>
                   <a:tcPr marL="0" marR="0" marT="0" marB="0" anchor="ctr" horzOverflow="overflow">
                     <a:solidFill>
-                      <a:srgbClr val="F4CD81"/>
+                      <a:srgbClr val="D8D8D8"/>
                     </a:solidFill>
                   </a:tcPr>
                 </a:tc>
@@ -22499,7 +22496,7 @@
                   </a:txBody>
                   <a:tcPr marL="0" marR="0" marT="0" marB="0" anchor="ctr" horzOverflow="overflow">
                     <a:solidFill>
-                      <a:srgbClr val="F4CD81"/>
+                      <a:srgbClr val="D8D8D8"/>
                     </a:solidFill>
                   </a:tcPr>
                 </a:tc>
@@ -22678,7 +22675,7 @@
           <p:nvPr>
             <p:extLst>
               <p:ext uri="{D42A27DB-BD31-4B8C-83A1-F6EECF244321}">
-                <p14:modId xmlns:p14="http://schemas.microsoft.com/office/powerpoint/2010/main" val="2193050652"/>
+                <p14:modId xmlns:p14="http://schemas.microsoft.com/office/powerpoint/2010/main" val="698063809"/>
               </p:ext>
             </p:extLst>
           </p:nvPr>
@@ -22834,7 +22831,7 @@
                   </a:txBody>
                   <a:tcPr marL="0" marR="0" marT="0" marB="0" anchor="ctr" horzOverflow="overflow">
                     <a:solidFill>
-                      <a:srgbClr val="F4CD81"/>
+                      <a:srgbClr val="D8D8D8"/>
                     </a:solidFill>
                   </a:tcPr>
                 </a:tc>
@@ -22943,7 +22940,7 @@
                   </a:txBody>
                   <a:tcPr marL="0" marR="0" marT="0" marB="0" anchor="ctr" horzOverflow="overflow">
                     <a:solidFill>
-                      <a:srgbClr val="F4CD81"/>
+                      <a:srgbClr val="D8D8D8"/>
                     </a:solidFill>
                   </a:tcPr>
                 </a:tc>
@@ -23032,7 +23029,7 @@
           <p:nvPr>
             <p:extLst>
               <p:ext uri="{D42A27DB-BD31-4B8C-83A1-F6EECF244321}">
-                <p14:modId xmlns:p14="http://schemas.microsoft.com/office/powerpoint/2010/main" val="1487612947"/>
+                <p14:modId xmlns:p14="http://schemas.microsoft.com/office/powerpoint/2010/main" val="3825382795"/>
               </p:ext>
             </p:extLst>
           </p:nvPr>
@@ -23221,7 +23218,7 @@
                   </a:txBody>
                   <a:tcPr marL="0" marR="0" marT="0" marB="0" anchor="ctr" horzOverflow="overflow">
                     <a:solidFill>
-                      <a:srgbClr val="F4CD81"/>
+                      <a:srgbClr val="D8D8D8"/>
                     </a:solidFill>
                   </a:tcPr>
                 </a:tc>
@@ -23323,7 +23320,7 @@
                   </a:txBody>
                   <a:tcPr marL="0" marR="0" marT="0" marB="0" anchor="ctr" horzOverflow="overflow">
                     <a:solidFill>
-                      <a:srgbClr val="F4CD81"/>
+                      <a:srgbClr val="D8D8D8"/>
                     </a:solidFill>
                   </a:tcPr>
                 </a:tc>
@@ -23364,7 +23361,7 @@
                   </a:txBody>
                   <a:tcPr marL="0" marR="0" marT="0" marB="0" anchor="ctr" horzOverflow="overflow">
                     <a:solidFill>
-                      <a:srgbClr val="F4CD81"/>
+                      <a:srgbClr val="D8D8D8"/>
                     </a:solidFill>
                   </a:tcPr>
                 </a:tc>
@@ -23466,7 +23463,7 @@
                   </a:txBody>
                   <a:tcPr marL="0" marR="0" marT="0" marB="0" anchor="ctr" horzOverflow="overflow">
                     <a:solidFill>
-                      <a:srgbClr val="F4CD81"/>
+                      <a:srgbClr val="D8D8D8"/>
                     </a:solidFill>
                   </a:tcPr>
                 </a:tc>
@@ -23888,23 +23885,7 @@
                   <a:srgbClr val="000000"/>
                 </a:solidFill>
               </a:rPr>
-              <a:t> – set keys in a </a:t>
-            </a:r>
-            <a:r>
-              <a:rPr lang="en-US" b="0" dirty="0" err="1">
-                <a:solidFill>
-                  <a:srgbClr val="000000"/>
-                </a:solidFill>
-              </a:rPr>
-              <a:t>data.table</a:t>
-            </a:r>
-            <a:r>
-              <a:rPr lang="en-US" b="0" dirty="0">
-                <a:solidFill>
-                  <a:srgbClr val="000000"/>
-                </a:solidFill>
-              </a:rPr>
-              <a:t> to enable faster repeated lookups in specified columns using “</a:t>
+              <a:t> – set keys in a data.table to enable faster repeated lookups in specified column(s) using “</a:t>
             </a:r>
             <a:r>
               <a:rPr lang="en-US" b="0" dirty="0" err="1">
@@ -24262,7 +24243,7 @@
         </p:nvSpPr>
         <p:spPr>
           <a:xfrm>
-            <a:off x="4812083" y="6801194"/>
+            <a:off x="4812083" y="6710591"/>
             <a:ext cx="4320000" cy="0"/>
           </a:xfrm>
           <a:prstGeom prst="line">
@@ -24309,7 +24290,7 @@
         </p:nvSpPr>
         <p:spPr>
           <a:xfrm>
-            <a:off x="4812083" y="6818600"/>
+            <a:off x="4812083" y="6727997"/>
             <a:ext cx="1964640" cy="276999"/>
           </a:xfrm>
           <a:prstGeom prst="rect">
@@ -24440,7 +24421,7 @@
                   <a:srgbClr val="000000"/>
                 </a:solidFill>
               </a:rPr>
-              <a:t> = c(“a”, “b”)</a:t>
+              <a:t> = c("a", "b")</a:t>
             </a:r>
             <a:r>
               <a:rPr lang="en-US" dirty="0">
@@ -25488,7 +25469,7 @@
                   <a:srgbClr val="000000"/>
                 </a:solidFill>
               </a:rPr>
-              <a:t> = c(“a”, “b”)</a:t>
+              <a:t> = c(</a:t>
             </a:r>
             <a:r>
               <a:rPr lang="en-US" b="0" dirty="0">
@@ -25496,7 +25477,71 @@
                   <a:srgbClr val="000000"/>
                 </a:solidFill>
               </a:rPr>
-              <a:t>] – convert designated columns to character</a:t>
+              <a:t>"</a:t>
+            </a:r>
+            <a:r>
+              <a:rPr lang="en-US" dirty="0">
+                <a:solidFill>
+                  <a:srgbClr val="000000"/>
+                </a:solidFill>
+              </a:rPr>
+              <a:t>a</a:t>
+            </a:r>
+            <a:r>
+              <a:rPr lang="en-US" b="0" dirty="0">
+                <a:solidFill>
+                  <a:srgbClr val="000000"/>
+                </a:solidFill>
+              </a:rPr>
+              <a:t>"</a:t>
+            </a:r>
+            <a:r>
+              <a:rPr lang="en-US" dirty="0">
+                <a:solidFill>
+                  <a:srgbClr val="000000"/>
+                </a:solidFill>
+              </a:rPr>
+              <a:t>, </a:t>
+            </a:r>
+            <a:r>
+              <a:rPr lang="en-US" b="0" dirty="0">
+                <a:solidFill>
+                  <a:srgbClr val="000000"/>
+                </a:solidFill>
+              </a:rPr>
+              <a:t>"</a:t>
+            </a:r>
+            <a:r>
+              <a:rPr lang="en-US" dirty="0">
+                <a:solidFill>
+                  <a:srgbClr val="000000"/>
+                </a:solidFill>
+              </a:rPr>
+              <a:t>b</a:t>
+            </a:r>
+            <a:r>
+              <a:rPr lang="en-US" b="0" dirty="0">
+                <a:solidFill>
+                  <a:srgbClr val="000000"/>
+                </a:solidFill>
+              </a:rPr>
+              <a:t>"</a:t>
+            </a:r>
+            <a:r>
+              <a:rPr lang="en-US" dirty="0">
+                <a:solidFill>
+                  <a:srgbClr val="000000"/>
+                </a:solidFill>
+              </a:rPr>
+              <a:t>)</a:t>
+            </a:r>
+            <a:r>
+              <a:rPr lang="en-US" b="0" dirty="0">
+                <a:solidFill>
+                  <a:srgbClr val="000000"/>
+                </a:solidFill>
+              </a:rPr>
+              <a:t>] – convert the type of the designated columns.</a:t>
             </a:r>
           </a:p>
         </p:txBody>
@@ -25619,7 +25664,7 @@
                   <a:srgbClr val="000000"/>
                 </a:solidFill>
               </a:rPr>
-              <a:t>, c(“a”,</a:t>
+              <a:t>, c("a",</a:t>
             </a:r>
             <a:r>
               <a:rPr lang="en-US" b="0" dirty="0">
@@ -25628,7 +25673,7 @@
                 </a:solidFill>
                 <a:sym typeface="Source Sans Pro Light"/>
               </a:rPr>
-              <a:t> “b”), c(“x”, “y”</a:t>
+              <a:t> </a:t>
             </a:r>
             <a:r>
               <a:rPr lang="en-US" b="0" dirty="0">
@@ -25636,23 +25681,108 @@
                   <a:srgbClr val="000000"/>
                 </a:solidFill>
               </a:rPr>
+              <a:t>"</a:t>
+            </a:r>
+            <a:r>
+              <a:rPr lang="en-US" b="0" dirty="0">
+                <a:solidFill>
+                  <a:srgbClr val="000000"/>
+                </a:solidFill>
+                <a:sym typeface="Source Sans Pro Light"/>
+              </a:rPr>
+              <a:t>b</a:t>
+            </a:r>
+            <a:r>
+              <a:rPr lang="en-US" b="0" dirty="0">
+                <a:solidFill>
+                  <a:srgbClr val="000000"/>
+                </a:solidFill>
+              </a:rPr>
+              <a:t>"</a:t>
+            </a:r>
+            <a:r>
+              <a:rPr lang="en-US" b="0" dirty="0">
+                <a:solidFill>
+                  <a:srgbClr val="000000"/>
+                </a:solidFill>
+                <a:sym typeface="Source Sans Pro Light"/>
+              </a:rPr>
+              <a:t>), c(</a:t>
+            </a:r>
+            <a:r>
+              <a:rPr lang="en-US" b="0" dirty="0">
+                <a:solidFill>
+                  <a:srgbClr val="000000"/>
+                </a:solidFill>
+              </a:rPr>
+              <a:t>"</a:t>
+            </a:r>
+            <a:r>
+              <a:rPr lang="en-US" b="0" dirty="0">
+                <a:solidFill>
+                  <a:srgbClr val="000000"/>
+                </a:solidFill>
+                <a:sym typeface="Source Sans Pro Light"/>
+              </a:rPr>
+              <a:t>x</a:t>
+            </a:r>
+            <a:r>
+              <a:rPr lang="en-US" b="0" dirty="0">
+                <a:solidFill>
+                  <a:srgbClr val="000000"/>
+                </a:solidFill>
+              </a:rPr>
+              <a:t>"</a:t>
+            </a:r>
+            <a:r>
+              <a:rPr lang="en-US" b="0" dirty="0">
+                <a:solidFill>
+                  <a:srgbClr val="000000"/>
+                </a:solidFill>
+                <a:sym typeface="Source Sans Pro Light"/>
+              </a:rPr>
+              <a:t>, </a:t>
+            </a:r>
+            <a:r>
+              <a:rPr lang="en-US" b="0" dirty="0">
+                <a:solidFill>
+                  <a:srgbClr val="000000"/>
+                </a:solidFill>
+              </a:rPr>
+              <a:t>"</a:t>
+            </a:r>
+            <a:r>
+              <a:rPr lang="en-US" b="0" dirty="0">
+                <a:solidFill>
+                  <a:srgbClr val="000000"/>
+                </a:solidFill>
+                <a:sym typeface="Source Sans Pro Light"/>
+              </a:rPr>
+              <a:t>y</a:t>
+            </a:r>
+            <a:r>
+              <a:rPr lang="en-US" b="0" dirty="0">
+                <a:solidFill>
+                  <a:srgbClr val="000000"/>
+                </a:solidFill>
+              </a:rPr>
+              <a:t>")</a:t>
+            </a:r>
+            <a:r>
+              <a:rPr lang="en-US" dirty="0">
+                <a:solidFill>
+                  <a:srgbClr val="000000"/>
+                </a:solidFill>
+              </a:rPr>
               <a:t>)</a:t>
             </a:r>
             <a:r>
-              <a:rPr lang="en-US" dirty="0">
-                <a:solidFill>
-                  <a:srgbClr val="000000"/>
-                </a:solidFill>
-              </a:rPr>
-              <a:t>)</a:t>
-            </a:r>
-            <a:r>
               <a:rPr lang="en-US" b="0" dirty="0">
                 <a:solidFill>
                   <a:srgbClr val="000000"/>
                 </a:solidFill>
               </a:rPr>
-              <a:t> – rename multiple columns</a:t>
+              <a:t> – rename column(s)</a:t>
             </a:r>
             <a:r>
               <a:rPr lang="en-US" b="0" dirty="0">
@@ -26906,7 +27036,7 @@
         </p:nvSpPr>
         <p:spPr>
           <a:xfrm>
-            <a:off x="6840570" y="7161729"/>
+            <a:off x="6840570" y="7071126"/>
             <a:ext cx="2573850" cy="988692"/>
           </a:xfrm>
           <a:prstGeom prst="rect">
@@ -27134,13 +27264,13 @@
           <p:nvPr>
             <p:extLst>
               <p:ext uri="{D42A27DB-BD31-4B8C-83A1-F6EECF244321}">
-                <p14:modId xmlns:p14="http://schemas.microsoft.com/office/powerpoint/2010/main" val="3689514735"/>
+                <p14:modId xmlns:p14="http://schemas.microsoft.com/office/powerpoint/2010/main" val="358622017"/>
               </p:ext>
             </p:extLst>
           </p:nvPr>
         </p:nvGraphicFramePr>
         <p:xfrm>
-          <a:off x="6210918" y="7161729"/>
+          <a:off x="6210918" y="7071126"/>
           <a:ext cx="567424" cy="762000"/>
         </p:xfrm>
         <a:graphic>
@@ -27874,7 +28004,7 @@
         </p:nvSpPr>
         <p:spPr>
           <a:xfrm>
-            <a:off x="6027674" y="7333310"/>
+            <a:off x="6027674" y="7242707"/>
             <a:ext cx="136800" cy="0"/>
           </a:xfrm>
           <a:prstGeom prst="line">
@@ -27927,13 +28057,13 @@
           <p:nvPr>
             <p:extLst>
               <p:ext uri="{D42A27DB-BD31-4B8C-83A1-F6EECF244321}">
-                <p14:modId xmlns:p14="http://schemas.microsoft.com/office/powerpoint/2010/main" val="3901906277"/>
+                <p14:modId xmlns:p14="http://schemas.microsoft.com/office/powerpoint/2010/main" val="781459449"/>
               </p:ext>
             </p:extLst>
           </p:nvPr>
         </p:nvGraphicFramePr>
         <p:xfrm>
-          <a:off x="4812083" y="7171318"/>
+          <a:off x="4812083" y="7080715"/>
           <a:ext cx="1185862" cy="457200"/>
         </p:xfrm>
         <a:graphic>
@@ -28482,7 +28612,7 @@
         </p:nvSpPr>
         <p:spPr>
           <a:xfrm>
-            <a:off x="4812083" y="8244795"/>
+            <a:off x="4812083" y="8154192"/>
             <a:ext cx="4717933" cy="276405"/>
           </a:xfrm>
           <a:prstGeom prst="rect">
@@ -28857,7 +28987,7 @@
                   <a:srgbClr val="000000"/>
                 </a:solidFill>
               </a:rPr>
-              <a:t>“</a:t>
+              <a:t>"</a:t>
             </a:r>
             <a:r>
               <a:rPr lang="en-US" b="0" dirty="0" err="1">
@@ -28873,7 +29003,7 @@
                   <a:srgbClr val="000000"/>
                 </a:solidFill>
               </a:rPr>
-              <a:t>”</a:t>
+              <a:t>"</a:t>
             </a:r>
             <a:r>
               <a:rPr lang="en-US" dirty="0">
@@ -28911,12 +29041,20 @@
               </a:lnSpc>
             </a:pPr>
             <a:r>
+              <a:rPr lang="en-US" dirty="0" err="1">
+                <a:solidFill>
+                  <a:srgbClr val="000000"/>
+                </a:solidFill>
+              </a:rPr>
+              <a:t>fread</a:t>
+            </a:r>
+            <a:r>
               <a:rPr lang="en-US" dirty="0">
                 <a:solidFill>
                   <a:srgbClr val="000000"/>
                 </a:solidFill>
               </a:rPr>
-              <a:t>fread(</a:t>
+              <a:t>(</a:t>
             </a:r>
             <a:r>
               <a:rPr lang="en-US" b="0" dirty="0">
@@ -28924,7 +29062,23 @@
                   <a:srgbClr val="000000"/>
                 </a:solidFill>
               </a:rPr>
-              <a:t>“file.csv”, cols = c(“a”, “b”)</a:t>
+              <a:t>"</a:t>
+            </a:r>
+            <a:r>
+              <a:rPr lang="en-US" b="0" dirty="0" err="1">
+                <a:solidFill>
+                  <a:srgbClr val="000000"/>
+                </a:solidFill>
+              </a:rPr>
+              <a:t>file.csv</a:t>
+            </a:r>
+            <a:r>
+              <a:rPr lang="en-US" b="0" dirty="0">
+                <a:solidFill>
+                  <a:srgbClr val="000000"/>
+                </a:solidFill>
+              </a:rPr>
+              <a:t>", select = c("a", "b")</a:t>
             </a:r>
             <a:r>
               <a:rPr lang="en-US" dirty="0">
@@ -28940,7 +29094,7 @@
                   <a:srgbClr val="000000"/>
                 </a:solidFill>
               </a:rPr>
-              <a:t>– read two columns named “a” and “b” from a file named “file.csv” in the working directory.</a:t>
+              <a:t>– read specified columns from a flat file into R.</a:t>
             </a:r>
           </a:p>
         </p:txBody>
@@ -29085,7 +29239,23 @@
                   <a:srgbClr val="000000"/>
                 </a:solidFill>
               </a:rPr>
-              <a:t>, file =“”</a:t>
+              <a:t>, file = "</a:t>
+            </a:r>
+            <a:r>
+              <a:rPr lang="en-US" b="0" dirty="0" err="1">
+                <a:solidFill>
+                  <a:srgbClr val="000000"/>
+                </a:solidFill>
+              </a:rPr>
+              <a:t>file.csv</a:t>
+            </a:r>
+            <a:r>
+              <a:rPr lang="en-US" b="0" dirty="0">
+                <a:solidFill>
+                  <a:srgbClr val="000000"/>
+                </a:solidFill>
+              </a:rPr>
+              <a:t>"</a:t>
             </a:r>
             <a:r>
               <a:rPr lang="en-US" dirty="0">
@@ -29230,7 +29400,23 @@
                   <a:srgbClr val="000000"/>
                 </a:solidFill>
               </a:rPr>
-              <a:t>() </a:t>
+              <a:t>(</a:t>
+            </a:r>
+            <a:r>
+              <a:rPr lang="en-US" b="0" dirty="0">
+                <a:solidFill>
+                  <a:srgbClr val="000000"/>
+                </a:solidFill>
+              </a:rPr>
+              <a:t>4</a:t>
+            </a:r>
+            <a:r>
+              <a:rPr lang="en-US" dirty="0">
+                <a:solidFill>
+                  <a:srgbClr val="000000"/>
+                </a:solidFill>
+              </a:rPr>
+              <a:t>) </a:t>
             </a:r>
             <a:r>
               <a:rPr lang="en-US" b="0" dirty="0">
@@ -29399,7 +29585,7 @@
                   <a:srgbClr val="000000"/>
                 </a:solidFill>
               </a:rPr>
-              <a:t>] – select the row with the highest value of within a column grouped according to b. Also works with </a:t>
+              <a:t>] – within groups, extract rows with the maximum value in a specified column. Also works with </a:t>
             </a:r>
             <a:r>
               <a:rPr lang="en-US" b="0" dirty="0" err="1">
@@ -29423,7 +29609,7 @@
                   <a:srgbClr val="5B6167"/>
                 </a:solidFill>
               </a:rPr>
-              <a:t>Similar to .SD[.N] and .SD[1] on page 1.</a:t>
+              <a:t>Similar to “.SD[.N]” and “.SD[1]”.</a:t>
             </a:r>
           </a:p>
         </p:txBody>
@@ -29443,14 +29629,14 @@
           <p:nvPr>
             <p:extLst>
               <p:ext uri="{D42A27DB-BD31-4B8C-83A1-F6EECF244321}">
-                <p14:modId xmlns:p14="http://schemas.microsoft.com/office/powerpoint/2010/main" val="3168877821"/>
+                <p14:modId xmlns:p14="http://schemas.microsoft.com/office/powerpoint/2010/main" val="1825687542"/>
               </p:ext>
             </p:extLst>
           </p:nvPr>
         </p:nvGraphicFramePr>
         <p:xfrm>
-          <a:off x="4812083" y="5596049"/>
-          <a:ext cx="4435491" cy="934826"/>
+          <a:off x="4812083" y="5624625"/>
+          <a:ext cx="4435491" cy="861674"/>
         </p:xfrm>
         <a:graphic>
           <a:graphicData uri="http://schemas.openxmlformats.org/drawingml/2006/table">
@@ -29480,7 +29666,14 @@
                     <a:bodyPr/>
                     <a:lstStyle/>
                     <a:p>
-                      <a:pPr algn="l"/>
+                      <a:pPr algn="l">
+                        <a:lnSpc>
+                          <a:spcPct val="90000"/>
+                        </a:lnSpc>
+                        <a:spcBef>
+                          <a:spcPts val="200"/>
+                        </a:spcBef>
+                      </a:pPr>
                       <a:r>
                         <a:rPr lang="en-US" sz="1200" b="0" dirty="0" err="1">
                           <a:solidFill>
@@ -29554,10 +29747,10 @@
                     <a:p>
                       <a:pPr marL="0" marR="0" lvl="0" indent="0" algn="l" defTabSz="584200" rtl="0" eaLnBrk="1" fontAlgn="auto" latinLnBrk="0" hangingPunct="1">
                         <a:lnSpc>
-                          <a:spcPct val="100000"/>
+                          <a:spcPct val="90000"/>
                         </a:lnSpc>
                         <a:spcBef>
-                          <a:spcPts val="0"/>
+                          <a:spcPts val="200"/>
                         </a:spcBef>
                         <a:spcAft>
                           <a:spcPts val="0"/>
@@ -29667,7 +29860,14 @@
                     <a:bodyPr/>
                     <a:lstStyle/>
                     <a:p>
-                      <a:pPr algn="l"/>
+                      <a:pPr algn="l">
+                        <a:lnSpc>
+                          <a:spcPct val="90000"/>
+                        </a:lnSpc>
+                        <a:spcBef>
+                          <a:spcPts val="200"/>
+                        </a:spcBef>
+                      </a:pPr>
                       <a:r>
                         <a:rPr lang="en-US" sz="1200" b="0" dirty="0">
                           <a:solidFill>
@@ -29741,10 +29941,10 @@
                     <a:p>
                       <a:pPr marL="0" marR="0" lvl="0" indent="0" algn="l" defTabSz="584200" rtl="0" eaLnBrk="1" fontAlgn="auto" latinLnBrk="0" hangingPunct="1">
                         <a:lnSpc>
-                          <a:spcPct val="100000"/>
+                          <a:spcPct val="90000"/>
                         </a:lnSpc>
                         <a:spcBef>
-                          <a:spcPts val="0"/>
+                          <a:spcPts val="200"/>
                         </a:spcBef>
                         <a:spcAft>
                           <a:spcPts val="0"/>
@@ -29827,7 +30027,14 @@
                     <a:bodyPr/>
                     <a:lstStyle/>
                     <a:p>
-                      <a:pPr algn="l"/>
+                      <a:pPr algn="l">
+                        <a:lnSpc>
+                          <a:spcPct val="90000"/>
+                        </a:lnSpc>
+                        <a:spcBef>
+                          <a:spcPts val="200"/>
+                        </a:spcBef>
+                      </a:pPr>
                       <a:r>
                         <a:rPr lang="en-US" sz="1200" b="0" dirty="0" err="1">
                           <a:solidFill>
@@ -29901,10 +30108,10 @@
                     <a:p>
                       <a:pPr marL="0" marR="0" lvl="0" indent="0" algn="l" defTabSz="584200" rtl="0" eaLnBrk="1" fontAlgn="auto" latinLnBrk="0" hangingPunct="1">
                         <a:lnSpc>
-                          <a:spcPct val="100000"/>
+                          <a:spcPct val="90000"/>
                         </a:lnSpc>
                         <a:spcBef>
-                          <a:spcPts val="0"/>
+                          <a:spcPts val="200"/>
                         </a:spcBef>
                         <a:spcAft>
                           <a:spcPts val="0"/>
@@ -30007,14 +30214,14 @@
           <p:nvPr>
             <p:extLst>
               <p:ext uri="{D42A27DB-BD31-4B8C-83A1-F6EECF244321}">
-                <p14:modId xmlns:p14="http://schemas.microsoft.com/office/powerpoint/2010/main" val="4035586782"/>
+                <p14:modId xmlns:p14="http://schemas.microsoft.com/office/powerpoint/2010/main" val="3204801653"/>
               </p:ext>
             </p:extLst>
           </p:nvPr>
         </p:nvGraphicFramePr>
         <p:xfrm>
-          <a:off x="4812083" y="8518228"/>
-          <a:ext cx="4571860" cy="1097280"/>
+          <a:off x="4812083" y="8456201"/>
+          <a:ext cx="4571860" cy="987552"/>
         </p:xfrm>
         <a:graphic>
           <a:graphicData uri="http://schemas.openxmlformats.org/drawingml/2006/table">
@@ -30044,9 +30251,16 @@
                     <a:bodyPr/>
                     <a:lstStyle/>
                     <a:p>
-                      <a:pPr algn="l"/>
+                      <a:pPr algn="l">
+                        <a:lnSpc>
+                          <a:spcPct val="90000"/>
+                        </a:lnSpc>
+                        <a:spcBef>
+                          <a:spcPts val="200"/>
+                        </a:spcBef>
+                      </a:pPr>
                       <a:r>
-                        <a:rPr lang="en-US" sz="1200" b="0">
+                        <a:rPr lang="en-US" sz="1200" b="0" dirty="0" err="1">
                           <a:solidFill>
                             <a:srgbClr val="5B6167"/>
                           </a:solidFill>
@@ -30118,10 +30332,10 @@
                     <a:p>
                       <a:pPr marL="0" marR="0" lvl="0" indent="0" algn="l" defTabSz="584200" rtl="0" eaLnBrk="1" fontAlgn="auto" latinLnBrk="0" hangingPunct="1">
                         <a:lnSpc>
-                          <a:spcPct val="100000"/>
+                          <a:spcPct val="90000"/>
                         </a:lnSpc>
                         <a:spcBef>
-                          <a:spcPts val="0"/>
+                          <a:spcPts val="200"/>
                         </a:spcBef>
                         <a:spcAft>
                           <a:spcPts val="0"/>
@@ -30231,7 +30445,14 @@
                     <a:bodyPr/>
                     <a:lstStyle/>
                     <a:p>
-                      <a:pPr algn="l"/>
+                      <a:pPr algn="l">
+                        <a:lnSpc>
+                          <a:spcPct val="90000"/>
+                        </a:lnSpc>
+                        <a:spcBef>
+                          <a:spcPts val="200"/>
+                        </a:spcBef>
+                      </a:pPr>
                       <a:r>
                         <a:rPr lang="en-US" sz="1200" b="0" dirty="0" err="1">
                           <a:solidFill>
@@ -30325,10 +30546,10 @@
                     <a:p>
                       <a:pPr marL="0" marR="0" lvl="0" indent="0" algn="l" defTabSz="584200" rtl="0" eaLnBrk="1" fontAlgn="auto" latinLnBrk="0" hangingPunct="1">
                         <a:lnSpc>
-                          <a:spcPct val="100000"/>
+                          <a:spcPct val="90000"/>
                         </a:lnSpc>
                         <a:spcBef>
-                          <a:spcPts val="0"/>
+                          <a:spcPts val="200"/>
                         </a:spcBef>
                         <a:spcAft>
                           <a:spcPts val="0"/>
@@ -30411,7 +30632,14 @@
                     <a:bodyPr/>
                     <a:lstStyle/>
                     <a:p>
-                      <a:pPr algn="l"/>
+                      <a:pPr algn="l">
+                        <a:lnSpc>
+                          <a:spcPct val="90000"/>
+                        </a:lnSpc>
+                        <a:spcBef>
+                          <a:spcPts val="200"/>
+                        </a:spcBef>
+                      </a:pPr>
                       <a:r>
                         <a:rPr lang="en-US" sz="1200" b="0">
                           <a:solidFill>
@@ -30485,10 +30713,10 @@
                     <a:p>
                       <a:pPr marL="0" marR="0" lvl="0" indent="0" algn="l" defTabSz="584200" rtl="0" eaLnBrk="1" fontAlgn="auto" latinLnBrk="0" hangingPunct="1">
                         <a:lnSpc>
-                          <a:spcPct val="100000"/>
+                          <a:spcPct val="90000"/>
                         </a:lnSpc>
                         <a:spcBef>
-                          <a:spcPts val="0"/>
+                          <a:spcPts val="200"/>
                         </a:spcBef>
                         <a:spcAft>
                           <a:spcPts val="0"/>
@@ -30510,25 +30738,6 @@
                         </a:rPr>
                         <a:t>Column(s) containing values to fill into cells </a:t>
                       </a:r>
-                    </a:p>
-                    <a:p>
-                      <a:pPr marL="0" marR="0" lvl="0" indent="0" algn="l" defTabSz="584200" rtl="0" eaLnBrk="1" fontAlgn="auto" latinLnBrk="0" hangingPunct="1">
-                        <a:lnSpc>
-                          <a:spcPct val="100000"/>
-                        </a:lnSpc>
-                        <a:spcBef>
-                          <a:spcPts val="0"/>
-                        </a:spcBef>
-                        <a:spcAft>
-                          <a:spcPts val="0"/>
-                        </a:spcAft>
-                        <a:buClrTx/>
-                        <a:buSzTx/>
-                        <a:buFontTx/>
-                        <a:buNone/>
-                        <a:tabLst/>
-                        <a:defRPr/>
-                      </a:pPr>
                       <a:r>
                         <a:rPr lang="en-US" sz="1200" dirty="0">
                           <a:solidFill>
@@ -30600,7 +30809,14 @@
                     <a:bodyPr/>
                     <a:lstStyle/>
                     <a:p>
-                      <a:pPr algn="l"/>
+                      <a:pPr algn="l">
+                        <a:lnSpc>
+                          <a:spcPct val="90000"/>
+                        </a:lnSpc>
+                        <a:spcBef>
+                          <a:spcPts val="200"/>
+                        </a:spcBef>
+                      </a:pPr>
                       <a:r>
                         <a:rPr lang="en-US" sz="1200" b="0" dirty="0" err="1">
                           <a:solidFill>
@@ -30704,10 +30920,10 @@
                     <a:p>
                       <a:pPr marL="0" marR="0" lvl="0" indent="0" algn="l" defTabSz="584200" rtl="0" eaLnBrk="1" fontAlgn="auto" latinLnBrk="0" hangingPunct="1">
                         <a:lnSpc>
-                          <a:spcPct val="100000"/>
+                          <a:spcPct val="90000"/>
                         </a:lnSpc>
                         <a:spcBef>
-                          <a:spcPts val="0"/>
+                          <a:spcPts val="200"/>
                         </a:spcBef>
                         <a:spcAft>
                           <a:spcPts val="0"/>

--- a/powerpoints/datatable.pptx
+++ b/powerpoints/datatable.pptx
@@ -418,7 +418,7 @@
           <a:p>
             <a:fld id="{14A1A45B-F66E-48A2-89C5-3AD170776287}" type="datetimeFigureOut">
               <a:rPr lang="da-DK" smtClean="0"/>
-              <a:t>29/09/2018</a:t>
+              <a:t>10/01/2019</a:t>
             </a:fld>
             <a:endParaRPr lang="da-DK"/>
           </a:p>
@@ -2444,7 +2444,7 @@
           </a:ln>
           <a:extLst>
             <a:ext uri="{C572A759-6A51-4108-AA02-DFA0A04FC94B}">
-              <ma14:wrappingTextBoxFlag xmlns:ma14="http://schemas.microsoft.com/office/mac/drawingml/2011/main" xmlns="" val="1"/>
+              <ma14:wrappingTextBoxFlag xmlns="" xmlns:ma14="http://schemas.microsoft.com/office/mac/drawingml/2011/main" val="1"/>
             </a:ext>
           </a:extLst>
         </p:spPr>
@@ -2483,7 +2483,7 @@
           </a:ln>
           <a:extLst>
             <a:ext uri="{C572A759-6A51-4108-AA02-DFA0A04FC94B}">
-              <ma14:wrappingTextBoxFlag xmlns:ma14="http://schemas.microsoft.com/office/mac/drawingml/2011/main" xmlns="" val="1"/>
+              <ma14:wrappingTextBoxFlag xmlns="" xmlns:ma14="http://schemas.microsoft.com/office/mac/drawingml/2011/main" val="1"/>
             </a:ext>
           </a:extLst>
         </p:spPr>
@@ -3540,7 +3540,7 @@
           </a:ln>
           <a:extLst>
             <a:ext uri="{C572A759-6A51-4108-AA02-DFA0A04FC94B}">
-              <ma14:wrappingTextBoxFlag xmlns:ma14="http://schemas.microsoft.com/office/mac/drawingml/2011/main" xmlns="" val="1"/>
+              <ma14:wrappingTextBoxFlag xmlns="" xmlns:ma14="http://schemas.microsoft.com/office/mac/drawingml/2011/main" val="1"/>
             </a:ext>
           </a:extLst>
         </p:spPr>
@@ -3602,7 +3602,7 @@
           </a:ln>
           <a:extLst>
             <a:ext uri="{C572A759-6A51-4108-AA02-DFA0A04FC94B}">
-              <ma14:wrappingTextBoxFlag xmlns:ma14="http://schemas.microsoft.com/office/mac/drawingml/2011/main" xmlns="" val="1"/>
+              <ma14:wrappingTextBoxFlag xmlns="" xmlns:ma14="http://schemas.microsoft.com/office/mac/drawingml/2011/main" val="1"/>
             </a:ext>
           </a:extLst>
         </p:spPr>
@@ -3709,15 +3709,7 @@
                   <a:srgbClr val="5B6167"/>
                 </a:solidFill>
               </a:rPr>
-              <a:t> with the </a:t>
-            </a:r>
-            <a:r>
-              <a:rPr lang="da-DK" dirty="0" err="1">
-                <a:solidFill>
-                  <a:srgbClr val="5B6167"/>
-                </a:solidFill>
-              </a:rPr>
-              <a:t>data.table</a:t>
+              <a:t> with the data.table</a:t>
             </a:r>
             <a:r>
               <a:rPr dirty="0">
@@ -3740,7 +3732,7 @@
                   </a:extLst>
                 </a:hlinkClick>
               </a:rPr>
-              <a:t>webpage</a:t>
+              <a:t>homepage</a:t>
             </a:r>
             <a:r>
               <a:rPr lang="da-DK" dirty="0">
@@ -3843,7 +3835,7 @@
                   <a:srgbClr val="5B6167"/>
                 </a:solidFill>
               </a:rPr>
-              <a:t>6</a:t>
+              <a:t>8</a:t>
             </a:r>
             <a:r>
               <a:rPr dirty="0">
@@ -3859,7 +3851,7 @@
                   <a:srgbClr val="5B6167"/>
                 </a:solidFill>
               </a:rPr>
-              <a:t>8</a:t>
+              <a:t>9</a:t>
             </a:r>
             <a:r>
               <a:rPr dirty="0">
@@ -3867,7 +3859,7 @@
                   <a:srgbClr val="5B6167"/>
                 </a:solidFill>
               </a:rPr>
-              <a:t>-0</a:t>
+              <a:t>-</a:t>
             </a:r>
             <a:r>
               <a:rPr lang="da-DK" dirty="0">
@@ -3875,7 +3867,7 @@
                   <a:srgbClr val="5B6167"/>
                 </a:solidFill>
               </a:rPr>
-              <a:t>9</a:t>
+              <a:t>01</a:t>
             </a:r>
             <a:endParaRPr dirty="0">
               <a:solidFill>
@@ -4061,7 +4053,7 @@
           </a:ln>
           <a:extLst>
             <a:ext uri="{C572A759-6A51-4108-AA02-DFA0A04FC94B}">
-              <ma14:wrappingTextBoxFlag xmlns:ma14="http://schemas.microsoft.com/office/mac/drawingml/2011/main" xmlns="" val="1"/>
+              <ma14:wrappingTextBoxFlag xmlns="" xmlns:ma14="http://schemas.microsoft.com/office/mac/drawingml/2011/main" val="1"/>
             </a:ext>
           </a:extLst>
         </p:spPr>
@@ -4122,7 +4114,7 @@
           </a:ln>
           <a:extLst>
             <a:ext uri="{C572A759-6A51-4108-AA02-DFA0A04FC94B}">
-              <ma14:wrappingTextBoxFlag xmlns:ma14="http://schemas.microsoft.com/office/mac/drawingml/2011/main" xmlns="" val="1"/>
+              <ma14:wrappingTextBoxFlag xmlns="" xmlns:ma14="http://schemas.microsoft.com/office/mac/drawingml/2011/main" val="1"/>
             </a:ext>
           </a:extLst>
         </p:spPr>
@@ -4175,7 +4167,7 @@
           </a:ln>
           <a:extLst>
             <a:ext uri="{C572A759-6A51-4108-AA02-DFA0A04FC94B}">
-              <ma14:wrappingTextBoxFlag xmlns:ma14="http://schemas.microsoft.com/office/mac/drawingml/2011/main" xmlns="" val="1"/>
+              <ma14:wrappingTextBoxFlag xmlns="" xmlns:ma14="http://schemas.microsoft.com/office/mac/drawingml/2011/main" val="1"/>
             </a:ext>
           </a:extLst>
         </p:spPr>
@@ -4375,7 +4367,7 @@
                 </a:solidFill>
                 <a:cs typeface="Arial" panose="020B0604020202020204" pitchFamily="34" charset="0"/>
               </a:rPr>
-              <a:t>, </a:t>
+              <a:t> </a:t>
             </a:r>
           </a:p>
           <a:p>
@@ -4540,7 +4532,7 @@
           </a:ln>
           <a:extLst>
             <a:ext uri="{C572A759-6A51-4108-AA02-DFA0A04FC94B}">
-              <ma14:wrappingTextBoxFlag xmlns:ma14="http://schemas.microsoft.com/office/mac/drawingml/2011/main" xmlns="" val="1"/>
+              <ma14:wrappingTextBoxFlag xmlns="" xmlns:ma14="http://schemas.microsoft.com/office/mac/drawingml/2011/main" val="1"/>
             </a:ext>
           </a:extLst>
         </p:spPr>
@@ -4765,7 +4757,7 @@
           </a:ln>
           <a:extLst>
             <a:ext uri="{C572A759-6A51-4108-AA02-DFA0A04FC94B}">
-              <ma14:wrappingTextBoxFlag xmlns:ma14="http://schemas.microsoft.com/office/mac/drawingml/2011/main" xmlns="" val="1"/>
+              <ma14:wrappingTextBoxFlag xmlns="" xmlns:ma14="http://schemas.microsoft.com/office/mac/drawingml/2011/main" val="1"/>
             </a:ext>
           </a:extLst>
         </p:spPr>
@@ -4852,8 +4844,8 @@
         </p:nvSpPr>
         <p:spPr>
           <a:xfrm>
-            <a:off x="1668725" y="7355629"/>
-            <a:ext cx="2941173" cy="1491906"/>
+            <a:off x="1647107" y="7355629"/>
+            <a:ext cx="2962792" cy="1491906"/>
           </a:xfrm>
           <a:prstGeom prst="rect">
             <a:avLst/>
@@ -4863,7 +4855,7 @@
           </a:ln>
           <a:extLst>
             <a:ext uri="{C572A759-6A51-4108-AA02-DFA0A04FC94B}">
-              <ma14:wrappingTextBoxFlag xmlns:ma14="http://schemas.microsoft.com/office/mac/drawingml/2011/main" xmlns="" val="1"/>
+              <ma14:wrappingTextBoxFlag xmlns="" xmlns:ma14="http://schemas.microsoft.com/office/mac/drawingml/2011/main" val="1"/>
             </a:ext>
           </a:extLst>
         </p:spPr>
@@ -5115,7 +5107,7 @@
           </a:ln>
           <a:extLst>
             <a:ext uri="{C572A759-6A51-4108-AA02-DFA0A04FC94B}">
-              <ma14:wrappingTextBoxFlag xmlns:ma14="http://schemas.microsoft.com/office/mac/drawingml/2011/main" xmlns="" val="1"/>
+              <ma14:wrappingTextBoxFlag xmlns="" xmlns:ma14="http://schemas.microsoft.com/office/mac/drawingml/2011/main" val="1"/>
             </a:ext>
           </a:extLst>
         </p:spPr>
@@ -5221,7 +5213,7 @@
           </a:ln>
           <a:extLst>
             <a:ext uri="{C572A759-6A51-4108-AA02-DFA0A04FC94B}">
-              <ma14:wrappingTextBoxFlag xmlns:ma14="http://schemas.microsoft.com/office/mac/drawingml/2011/main" xmlns="" val="1"/>
+              <ma14:wrappingTextBoxFlag xmlns="" xmlns:ma14="http://schemas.microsoft.com/office/mac/drawingml/2011/main" val="1"/>
             </a:ext>
           </a:extLst>
         </p:spPr>
@@ -5313,7 +5305,7 @@
           </a:ln>
           <a:extLst>
             <a:ext uri="{C572A759-6A51-4108-AA02-DFA0A04FC94B}">
-              <ma14:wrappingTextBoxFlag xmlns:ma14="http://schemas.microsoft.com/office/mac/drawingml/2011/main" xmlns="" val="1"/>
+              <ma14:wrappingTextBoxFlag xmlns="" xmlns:ma14="http://schemas.microsoft.com/office/mac/drawingml/2011/main" val="1"/>
             </a:ext>
           </a:extLst>
         </p:spPr>
@@ -5377,14 +5369,14 @@
           <p:nvPr>
             <p:extLst>
               <p:ext uri="{D42A27DB-BD31-4B8C-83A1-F6EECF244321}">
-                <p14:modId xmlns:p14="http://schemas.microsoft.com/office/powerpoint/2010/main" val="3186505698"/>
+                <p14:modId xmlns:p14="http://schemas.microsoft.com/office/powerpoint/2010/main" val="2301038660"/>
               </p:ext>
             </p:extLst>
           </p:nvPr>
         </p:nvGraphicFramePr>
         <p:xfrm>
           <a:off x="979678" y="7348238"/>
-          <a:ext cx="452127" cy="457200"/>
+          <a:ext cx="464400" cy="457200"/>
         </p:xfrm>
         <a:graphic>
           <a:graphicData uri="http://schemas.openxmlformats.org/drawingml/2006/table">
@@ -5393,21 +5385,21 @@
                 <a:tableStyleId>{33BA23B1-9221-436E-865A-0063620EA4FD}</a:tableStyleId>
               </a:tblPr>
               <a:tblGrid>
-                <a:gridCol w="150709">
+                <a:gridCol w="154800">
                   <a:extLst>
                     <a:ext uri="{9D8B030D-6E8A-4147-A177-3AD203B41FA5}">
                       <a16:colId xmlns:a16="http://schemas.microsoft.com/office/drawing/2014/main" val="20000"/>
                     </a:ext>
                   </a:extLst>
                 </a:gridCol>
-                <a:gridCol w="150709">
+                <a:gridCol w="154800">
                   <a:extLst>
                     <a:ext uri="{9D8B030D-6E8A-4147-A177-3AD203B41FA5}">
                       <a16:colId xmlns:a16="http://schemas.microsoft.com/office/drawing/2014/main" val="20001"/>
                     </a:ext>
                   </a:extLst>
                 </a:gridCol>
-                <a:gridCol w="150709">
+                <a:gridCol w="154800">
                   <a:extLst>
                     <a:ext uri="{9D8B030D-6E8A-4147-A177-3AD203B41FA5}">
                       <a16:colId xmlns:a16="http://schemas.microsoft.com/office/drawing/2014/main" val="20002"/>
@@ -5658,7 +5650,7 @@
         </p:nvSpPr>
         <p:spPr>
           <a:xfrm flipV="1">
-            <a:off x="783335" y="7492186"/>
+            <a:off x="796036" y="7504886"/>
             <a:ext cx="136800" cy="0"/>
           </a:xfrm>
           <a:prstGeom prst="line">
@@ -5666,7 +5658,7 @@
           </a:prstGeom>
           <a:ln w="12700">
             <a:solidFill>
-              <a:srgbClr val="53585F"/>
+              <a:srgbClr val="757878"/>
             </a:solidFill>
             <a:miter lim="400000"/>
             <a:tailEnd type="triangle"/>
@@ -5711,14 +5703,14 @@
           <p:nvPr>
             <p:extLst>
               <p:ext uri="{D42A27DB-BD31-4B8C-83A1-F6EECF244321}">
-                <p14:modId xmlns:p14="http://schemas.microsoft.com/office/powerpoint/2010/main" val="504206539"/>
+                <p14:modId xmlns:p14="http://schemas.microsoft.com/office/powerpoint/2010/main" val="3601920635"/>
               </p:ext>
             </p:extLst>
           </p:nvPr>
         </p:nvGraphicFramePr>
         <p:xfrm>
           <a:off x="289898" y="7351281"/>
-          <a:ext cx="448557" cy="609600"/>
+          <a:ext cx="464400" cy="609600"/>
         </p:xfrm>
         <a:graphic>
           <a:graphicData uri="http://schemas.openxmlformats.org/drawingml/2006/table">
@@ -5727,21 +5719,21 @@
                 <a:tableStyleId>{33BA23B1-9221-436E-865A-0063620EA4FD}</a:tableStyleId>
               </a:tblPr>
               <a:tblGrid>
-                <a:gridCol w="149519">
+                <a:gridCol w="154800">
                   <a:extLst>
                     <a:ext uri="{9D8B030D-6E8A-4147-A177-3AD203B41FA5}">
                       <a16:colId xmlns:a16="http://schemas.microsoft.com/office/drawing/2014/main" val="20000"/>
                     </a:ext>
                   </a:extLst>
                 </a:gridCol>
-                <a:gridCol w="149519">
+                <a:gridCol w="154800">
                   <a:extLst>
                     <a:ext uri="{9D8B030D-6E8A-4147-A177-3AD203B41FA5}">
                       <a16:colId xmlns:a16="http://schemas.microsoft.com/office/drawing/2014/main" val="20001"/>
                     </a:ext>
                   </a:extLst>
                 </a:gridCol>
-                <a:gridCol w="149519">
+                <a:gridCol w="154800">
                   <a:extLst>
                     <a:ext uri="{9D8B030D-6E8A-4147-A177-3AD203B41FA5}">
                       <a16:colId xmlns:a16="http://schemas.microsoft.com/office/drawing/2014/main" val="20002"/>
@@ -6065,8 +6057,8 @@
         </p:nvSpPr>
         <p:spPr>
           <a:xfrm>
-            <a:off x="5947090" y="2502410"/>
-            <a:ext cx="3173705" cy="332399"/>
+            <a:off x="6057252" y="2502410"/>
+            <a:ext cx="3063543" cy="332399"/>
           </a:xfrm>
           <a:prstGeom prst="rect">
             <a:avLst/>
@@ -6076,7 +6068,7 @@
           </a:ln>
           <a:extLst>
             <a:ext uri="{C572A759-6A51-4108-AA02-DFA0A04FC94B}">
-              <ma14:wrappingTextBoxFlag xmlns:ma14="http://schemas.microsoft.com/office/mac/drawingml/2011/main" xmlns="" val="1"/>
+              <ma14:wrappingTextBoxFlag xmlns="" xmlns:ma14="http://schemas.microsoft.com/office/mac/drawingml/2011/main" val="1"/>
             </a:ext>
           </a:extLst>
         </p:spPr>
@@ -6113,7 +6105,7 @@
                   <a:srgbClr val="000000"/>
                 </a:solidFill>
               </a:rPr>
-              <a:t>] – extract column(s) by number. Prefix column numbers with “-” to drop.</a:t>
+              <a:t>] – extract columns by number. Prefix column numbers with “-” to drop.</a:t>
             </a:r>
           </a:p>
         </p:txBody>
@@ -6125,14 +6117,14 @@
           <p:nvPr>
             <p:extLst>
               <p:ext uri="{D42A27DB-BD31-4B8C-83A1-F6EECF244321}">
-                <p14:modId xmlns:p14="http://schemas.microsoft.com/office/powerpoint/2010/main" val="1662414917"/>
+                <p14:modId xmlns:p14="http://schemas.microsoft.com/office/powerpoint/2010/main" val="3840837557"/>
               </p:ext>
             </p:extLst>
           </p:nvPr>
         </p:nvGraphicFramePr>
         <p:xfrm>
-          <a:off x="5544231" y="2506600"/>
-          <a:ext cx="151200" cy="609600"/>
+          <a:off x="5525181" y="2500381"/>
+          <a:ext cx="154800" cy="609600"/>
         </p:xfrm>
         <a:graphic>
           <a:graphicData uri="http://schemas.openxmlformats.org/drawingml/2006/table">
@@ -6141,7 +6133,7 @@
                 <a:tableStyleId>{33BA23B1-9221-436E-865A-0063620EA4FD}</a:tableStyleId>
               </a:tblPr>
               <a:tblGrid>
-                <a:gridCol w="151200">
+                <a:gridCol w="154800">
                   <a:extLst>
                     <a:ext uri="{9D8B030D-6E8A-4147-A177-3AD203B41FA5}">
                       <a16:colId xmlns:a16="http://schemas.microsoft.com/office/drawing/2014/main" val="20000"/>
@@ -6285,7 +6277,7 @@
         </p:nvSpPr>
         <p:spPr>
           <a:xfrm>
-            <a:off x="5355862" y="2657610"/>
+            <a:off x="5344117" y="2652546"/>
             <a:ext cx="136800" cy="0"/>
           </a:xfrm>
           <a:prstGeom prst="line">
@@ -6293,7 +6285,7 @@
           </a:prstGeom>
           <a:ln w="12700">
             <a:solidFill>
-              <a:srgbClr val="53585F"/>
+              <a:srgbClr val="757878"/>
             </a:solidFill>
             <a:miter lim="400000"/>
             <a:tailEnd type="triangle"/>
@@ -6338,14 +6330,14 @@
           <p:nvPr>
             <p:extLst>
               <p:ext uri="{D42A27DB-BD31-4B8C-83A1-F6EECF244321}">
-                <p14:modId xmlns:p14="http://schemas.microsoft.com/office/powerpoint/2010/main" val="1170309931"/>
+                <p14:modId xmlns:p14="http://schemas.microsoft.com/office/powerpoint/2010/main" val="336120589"/>
               </p:ext>
             </p:extLst>
           </p:nvPr>
         </p:nvGraphicFramePr>
         <p:xfrm>
           <a:off x="4834526" y="2500381"/>
-          <a:ext cx="458046" cy="609600"/>
+          <a:ext cx="464400" cy="609600"/>
         </p:xfrm>
         <a:graphic>
           <a:graphicData uri="http://schemas.openxmlformats.org/drawingml/2006/table">
@@ -6354,21 +6346,21 @@
                 <a:tableStyleId>{33BA23B1-9221-436E-865A-0063620EA4FD}</a:tableStyleId>
               </a:tblPr>
               <a:tblGrid>
-                <a:gridCol w="152682">
+                <a:gridCol w="154800">
                   <a:extLst>
                     <a:ext uri="{9D8B030D-6E8A-4147-A177-3AD203B41FA5}">
                       <a16:colId xmlns:a16="http://schemas.microsoft.com/office/drawing/2014/main" val="20000"/>
                     </a:ext>
                   </a:extLst>
                 </a:gridCol>
-                <a:gridCol w="152682">
+                <a:gridCol w="154800">
                   <a:extLst>
                     <a:ext uri="{9D8B030D-6E8A-4147-A177-3AD203B41FA5}">
                       <a16:colId xmlns:a16="http://schemas.microsoft.com/office/drawing/2014/main" val="20001"/>
                     </a:ext>
                   </a:extLst>
                 </a:gridCol>
-                <a:gridCol w="152682">
+                <a:gridCol w="154800">
                   <a:extLst>
                     <a:ext uri="{9D8B030D-6E8A-4147-A177-3AD203B41FA5}">
                       <a16:colId xmlns:a16="http://schemas.microsoft.com/office/drawing/2014/main" val="20002"/>
@@ -6688,8 +6680,8 @@
         </p:nvSpPr>
         <p:spPr>
           <a:xfrm>
-            <a:off x="6003637" y="3350613"/>
-            <a:ext cx="3117158" cy="166199"/>
+            <a:off x="6057253" y="3350613"/>
+            <a:ext cx="3063542" cy="166199"/>
           </a:xfrm>
           <a:prstGeom prst="rect">
             <a:avLst/>
@@ -6699,7 +6691,7 @@
           </a:ln>
           <a:extLst>
             <a:ext uri="{C572A759-6A51-4108-AA02-DFA0A04FC94B}">
-              <ma14:wrappingTextBoxFlag xmlns:ma14="http://schemas.microsoft.com/office/mac/drawingml/2011/main" xmlns="" val="1"/>
+              <ma14:wrappingTextBoxFlag xmlns="" xmlns:ma14="http://schemas.microsoft.com/office/mac/drawingml/2011/main" val="1"/>
             </a:ext>
           </a:extLst>
         </p:spPr>
@@ -6736,7 +6728,7 @@
                   <a:srgbClr val="000000"/>
                 </a:solidFill>
               </a:rPr>
-              <a:t>] – extract column(s) by name</a:t>
+              <a:t>] – extract columns by name</a:t>
             </a:r>
             <a:r>
               <a:rPr lang="en-US" b="0" dirty="0">
@@ -6762,14 +6754,14 @@
           <p:nvPr>
             <p:extLst>
               <p:ext uri="{D42A27DB-BD31-4B8C-83A1-F6EECF244321}">
-                <p14:modId xmlns:p14="http://schemas.microsoft.com/office/powerpoint/2010/main" val="89909741"/>
+                <p14:modId xmlns:p14="http://schemas.microsoft.com/office/powerpoint/2010/main" val="4127869966"/>
               </p:ext>
             </p:extLst>
           </p:nvPr>
         </p:nvGraphicFramePr>
         <p:xfrm>
-          <a:off x="5544231" y="3350117"/>
-          <a:ext cx="303608" cy="609600"/>
+          <a:off x="5525181" y="3349725"/>
+          <a:ext cx="309600" cy="609600"/>
         </p:xfrm>
         <a:graphic>
           <a:graphicData uri="http://schemas.openxmlformats.org/drawingml/2006/table">
@@ -6778,14 +6770,14 @@
                 <a:tableStyleId>{33BA23B1-9221-436E-865A-0063620EA4FD}</a:tableStyleId>
               </a:tblPr>
               <a:tblGrid>
-                <a:gridCol w="151804">
+                <a:gridCol w="154800">
                   <a:extLst>
                     <a:ext uri="{9D8B030D-6E8A-4147-A177-3AD203B41FA5}">
                       <a16:colId xmlns:a16="http://schemas.microsoft.com/office/drawing/2014/main" val="20000"/>
                     </a:ext>
                   </a:extLst>
                 </a:gridCol>
-                <a:gridCol w="151804">
+                <a:gridCol w="154800">
                   <a:extLst>
                     <a:ext uri="{9D8B030D-6E8A-4147-A177-3AD203B41FA5}">
                       <a16:colId xmlns:a16="http://schemas.microsoft.com/office/drawing/2014/main" val="20001"/>
@@ -7033,7 +7025,7 @@
         </p:nvSpPr>
         <p:spPr>
           <a:xfrm>
-            <a:off x="5353979" y="3493905"/>
+            <a:off x="5344117" y="3499862"/>
             <a:ext cx="136800" cy="0"/>
           </a:xfrm>
           <a:prstGeom prst="line">
@@ -7041,7 +7033,7 @@
           </a:prstGeom>
           <a:ln w="12700">
             <a:solidFill>
-              <a:srgbClr val="53585F"/>
+              <a:srgbClr val="757878"/>
             </a:solidFill>
             <a:miter lim="400000"/>
             <a:tailEnd type="triangle"/>
@@ -7086,14 +7078,14 @@
           <p:nvPr>
             <p:extLst>
               <p:ext uri="{D42A27DB-BD31-4B8C-83A1-F6EECF244321}">
-                <p14:modId xmlns:p14="http://schemas.microsoft.com/office/powerpoint/2010/main" val="3665910632"/>
+                <p14:modId xmlns:p14="http://schemas.microsoft.com/office/powerpoint/2010/main" val="2704408127"/>
               </p:ext>
             </p:extLst>
           </p:nvPr>
         </p:nvGraphicFramePr>
         <p:xfrm>
           <a:off x="4834526" y="3349725"/>
-          <a:ext cx="459123" cy="609600"/>
+          <a:ext cx="464400" cy="609600"/>
         </p:xfrm>
         <a:graphic>
           <a:graphicData uri="http://schemas.openxmlformats.org/drawingml/2006/table">
@@ -7102,21 +7094,21 @@
                 <a:tableStyleId>{33BA23B1-9221-436E-865A-0063620EA4FD}</a:tableStyleId>
               </a:tblPr>
               <a:tblGrid>
-                <a:gridCol w="153041">
+                <a:gridCol w="154800">
                   <a:extLst>
                     <a:ext uri="{9D8B030D-6E8A-4147-A177-3AD203B41FA5}">
                       <a16:colId xmlns:a16="http://schemas.microsoft.com/office/drawing/2014/main" val="20000"/>
                     </a:ext>
                   </a:extLst>
                 </a:gridCol>
-                <a:gridCol w="153041">
+                <a:gridCol w="154800">
                   <a:extLst>
                     <a:ext uri="{9D8B030D-6E8A-4147-A177-3AD203B41FA5}">
                       <a16:colId xmlns:a16="http://schemas.microsoft.com/office/drawing/2014/main" val="20001"/>
                     </a:ext>
                   </a:extLst>
                 </a:gridCol>
-                <a:gridCol w="153041">
+                <a:gridCol w="154800">
                   <a:extLst>
                     <a:ext uri="{9D8B030D-6E8A-4147-A177-3AD203B41FA5}">
                       <a16:colId xmlns:a16="http://schemas.microsoft.com/office/drawing/2014/main" val="20002"/>
@@ -7451,14 +7443,14 @@
           <p:nvPr>
             <p:extLst>
               <p:ext uri="{D42A27DB-BD31-4B8C-83A1-F6EECF244321}">
-                <p14:modId xmlns:p14="http://schemas.microsoft.com/office/powerpoint/2010/main" val="1109313703"/>
+                <p14:modId xmlns:p14="http://schemas.microsoft.com/office/powerpoint/2010/main" val="2821445932"/>
               </p:ext>
             </p:extLst>
           </p:nvPr>
         </p:nvGraphicFramePr>
         <p:xfrm>
           <a:off x="979679" y="8265394"/>
-          <a:ext cx="448953" cy="304800"/>
+          <a:ext cx="464400" cy="304800"/>
         </p:xfrm>
         <a:graphic>
           <a:graphicData uri="http://schemas.openxmlformats.org/drawingml/2006/table">
@@ -7467,21 +7459,21 @@
                 <a:tableStyleId>{33BA23B1-9221-436E-865A-0063620EA4FD}</a:tableStyleId>
               </a:tblPr>
               <a:tblGrid>
-                <a:gridCol w="149651">
+                <a:gridCol w="154800">
                   <a:extLst>
                     <a:ext uri="{9D8B030D-6E8A-4147-A177-3AD203B41FA5}">
                       <a16:colId xmlns:a16="http://schemas.microsoft.com/office/drawing/2014/main" val="20000"/>
                     </a:ext>
                   </a:extLst>
                 </a:gridCol>
-                <a:gridCol w="149651">
+                <a:gridCol w="154800">
                   <a:extLst>
                     <a:ext uri="{9D8B030D-6E8A-4147-A177-3AD203B41FA5}">
                       <a16:colId xmlns:a16="http://schemas.microsoft.com/office/drawing/2014/main" val="20001"/>
                     </a:ext>
                   </a:extLst>
                 </a:gridCol>
-                <a:gridCol w="149651">
+                <a:gridCol w="154800">
                   <a:extLst>
                     <a:ext uri="{9D8B030D-6E8A-4147-A177-3AD203B41FA5}">
                       <a16:colId xmlns:a16="http://schemas.microsoft.com/office/drawing/2014/main" val="20002"/>
@@ -7671,7 +7663,7 @@
         </p:nvSpPr>
         <p:spPr>
           <a:xfrm>
-            <a:off x="783336" y="8417793"/>
+            <a:off x="796036" y="8417793"/>
             <a:ext cx="136800" cy="0"/>
           </a:xfrm>
           <a:prstGeom prst="line">
@@ -7679,7 +7671,7 @@
           </a:prstGeom>
           <a:ln w="12700">
             <a:solidFill>
-              <a:srgbClr val="53585F"/>
+              <a:srgbClr val="757878"/>
             </a:solidFill>
             <a:miter lim="400000"/>
             <a:tailEnd type="triangle"/>
@@ -7724,14 +7716,14 @@
           <p:nvPr>
             <p:extLst>
               <p:ext uri="{D42A27DB-BD31-4B8C-83A1-F6EECF244321}">
-                <p14:modId xmlns:p14="http://schemas.microsoft.com/office/powerpoint/2010/main" val="539897720"/>
+                <p14:modId xmlns:p14="http://schemas.microsoft.com/office/powerpoint/2010/main" val="1631091416"/>
               </p:ext>
             </p:extLst>
           </p:nvPr>
         </p:nvGraphicFramePr>
         <p:xfrm>
           <a:off x="289898" y="8265394"/>
-          <a:ext cx="448557" cy="609600"/>
+          <a:ext cx="464400" cy="609600"/>
         </p:xfrm>
         <a:graphic>
           <a:graphicData uri="http://schemas.openxmlformats.org/drawingml/2006/table">
@@ -7740,21 +7732,21 @@
                 <a:tableStyleId>{33BA23B1-9221-436E-865A-0063620EA4FD}</a:tableStyleId>
               </a:tblPr>
               <a:tblGrid>
-                <a:gridCol w="149519">
+                <a:gridCol w="154800">
                   <a:extLst>
                     <a:ext uri="{9D8B030D-6E8A-4147-A177-3AD203B41FA5}">
                       <a16:colId xmlns:a16="http://schemas.microsoft.com/office/drawing/2014/main" val="20000"/>
                     </a:ext>
                   </a:extLst>
                 </a:gridCol>
-                <a:gridCol w="149519">
+                <a:gridCol w="154800">
                   <a:extLst>
                     <a:ext uri="{9D8B030D-6E8A-4147-A177-3AD203B41FA5}">
                       <a16:colId xmlns:a16="http://schemas.microsoft.com/office/drawing/2014/main" val="20001"/>
                     </a:ext>
                   </a:extLst>
                 </a:gridCol>
-                <a:gridCol w="149519">
+                <a:gridCol w="154800">
                   <a:extLst>
                     <a:ext uri="{9D8B030D-6E8A-4147-A177-3AD203B41FA5}">
                       <a16:colId xmlns:a16="http://schemas.microsoft.com/office/drawing/2014/main" val="20002"/>
@@ -8190,8 +8182,8 @@
         </p:nvSpPr>
         <p:spPr>
           <a:xfrm>
-            <a:off x="5911337" y="4544336"/>
-            <a:ext cx="3243188" cy="882293"/>
+            <a:off x="5904365" y="4544336"/>
+            <a:ext cx="3250160" cy="882293"/>
           </a:xfrm>
           <a:prstGeom prst="rect">
             <a:avLst/>
@@ -8201,7 +8193,7 @@
           </a:ln>
           <a:extLst>
             <a:ext uri="{C572A759-6A51-4108-AA02-DFA0A04FC94B}">
-              <ma14:wrappingTextBoxFlag xmlns:ma14="http://schemas.microsoft.com/office/mac/drawingml/2011/main" xmlns="" val="1"/>
+              <ma14:wrappingTextBoxFlag xmlns="" xmlns:ma14="http://schemas.microsoft.com/office/mac/drawingml/2011/main" val="1"/>
             </a:ext>
           </a:extLst>
         </p:spPr>
@@ -8295,7 +8287,7 @@
                 <a:latin typeface="Source Sans Pro" panose="020B0503030403020204" pitchFamily="34" charset="0"/>
                 <a:ea typeface="Source Sans Pro" panose="020B0503030403020204" pitchFamily="34" charset="0"/>
               </a:rPr>
-              <a:t>Summary functions like mean(), median(), min(), max(), etc. may be used to summarize rows.</a:t>
+              <a:t>Summary functions like mean(), median(), min(), max(), etc. can be used to summarize rows.</a:t>
             </a:r>
           </a:p>
         </p:txBody>
@@ -8366,7 +8358,7 @@
           </a:ln>
           <a:extLst>
             <a:ext uri="{C572A759-6A51-4108-AA02-DFA0A04FC94B}">
-              <ma14:wrappingTextBoxFlag xmlns:ma14="http://schemas.microsoft.com/office/mac/drawingml/2011/main" xmlns="" val="1"/>
+              <ma14:wrappingTextBoxFlag xmlns="" xmlns:ma14="http://schemas.microsoft.com/office/mac/drawingml/2011/main" val="1"/>
             </a:ext>
           </a:extLst>
         </p:spPr>
@@ -8392,7 +8384,7 @@
             <a:r>
               <a:rPr lang="en-US" dirty="0">
                 <a:solidFill>
-                  <a:srgbClr val="206DA5"/>
+                  <a:srgbClr val="0070C0"/>
                 </a:solidFill>
               </a:rPr>
               <a:t>.(c = sum(b))</a:t>
@@ -8514,7 +8506,16 @@
                 </a:solidFill>
                 <a:sym typeface="Source Sans Pro Light"/>
               </a:rPr>
-              <a:t> c := sum(b)</a:t>
+              <a:t> </a:t>
+            </a:r>
+            <a:r>
+              <a:rPr lang="en-US" dirty="0">
+                <a:solidFill>
+                  <a:srgbClr val="0070C0"/>
+                </a:solidFill>
+                <a:sym typeface="Source Sans Pro Light"/>
+              </a:rPr>
+              <a:t>c := sum(b)</a:t>
             </a:r>
             <a:r>
               <a:rPr lang="en-US" dirty="0">
@@ -8613,7 +8614,7 @@
             <a:r>
               <a:rPr lang="en-US" dirty="0">
                 <a:solidFill>
-                  <a:srgbClr val="206DA5"/>
+                  <a:srgbClr val="0070C0"/>
                 </a:solidFill>
               </a:rPr>
               <a:t>.SD[1]</a:t>
@@ -8706,29 +8707,11 @@
             <a:r>
               <a:rPr lang="en-US" dirty="0">
                 <a:solidFill>
-                  <a:srgbClr val="206DA5"/>
+                  <a:srgbClr val="0070C0"/>
                 </a:solidFill>
                 <a:sym typeface="Source Sans Pro Light"/>
               </a:rPr>
-              <a:t>.</a:t>
-            </a:r>
-            <a:r>
-              <a:rPr lang="en-US" dirty="0">
-                <a:solidFill>
-                  <a:srgbClr val="0070C0"/>
-                </a:solidFill>
-                <a:sym typeface="Source Sans Pro Light"/>
-              </a:rPr>
-              <a:t>SD</a:t>
-            </a:r>
-            <a:r>
-              <a:rPr lang="en-US" dirty="0">
-                <a:solidFill>
-                  <a:srgbClr val="206DA5"/>
-                </a:solidFill>
-                <a:sym typeface="Source Sans Pro Light"/>
-              </a:rPr>
-              <a:t>[.N]</a:t>
+              <a:t>.SD[.N]</a:t>
             </a:r>
             <a:r>
               <a:rPr lang="en-US" dirty="0">
@@ -8923,14 +8906,14 @@
           <p:nvPr>
             <p:extLst>
               <p:ext uri="{D42A27DB-BD31-4B8C-83A1-F6EECF244321}">
-                <p14:modId xmlns:p14="http://schemas.microsoft.com/office/powerpoint/2010/main" val="2041342195"/>
+                <p14:modId xmlns:p14="http://schemas.microsoft.com/office/powerpoint/2010/main" val="4284701110"/>
               </p:ext>
             </p:extLst>
           </p:nvPr>
         </p:nvGraphicFramePr>
         <p:xfrm>
-          <a:off x="5397064" y="6048504"/>
-          <a:ext cx="449217" cy="457200"/>
+          <a:off x="5368489" y="6048309"/>
+          <a:ext cx="464400" cy="457200"/>
         </p:xfrm>
         <a:graphic>
           <a:graphicData uri="http://schemas.openxmlformats.org/drawingml/2006/table">
@@ -8939,21 +8922,21 @@
                 <a:tableStyleId>{33BA23B1-9221-436E-865A-0063620EA4FD}</a:tableStyleId>
               </a:tblPr>
               <a:tblGrid>
-                <a:gridCol w="149739">
+                <a:gridCol w="154800">
                   <a:extLst>
                     <a:ext uri="{9D8B030D-6E8A-4147-A177-3AD203B41FA5}">
                       <a16:colId xmlns:a16="http://schemas.microsoft.com/office/drawing/2014/main" val="20000"/>
                     </a:ext>
                   </a:extLst>
                 </a:gridCol>
-                <a:gridCol w="149739">
+                <a:gridCol w="154800">
                   <a:extLst>
                     <a:ext uri="{9D8B030D-6E8A-4147-A177-3AD203B41FA5}">
                       <a16:colId xmlns:a16="http://schemas.microsoft.com/office/drawing/2014/main" val="20001"/>
                     </a:ext>
                   </a:extLst>
                 </a:gridCol>
-                <a:gridCol w="149739">
+                <a:gridCol w="154800">
                   <a:extLst>
                     <a:ext uri="{9D8B030D-6E8A-4147-A177-3AD203B41FA5}">
                       <a16:colId xmlns:a16="http://schemas.microsoft.com/office/drawing/2014/main" val="20002"/>
@@ -9226,7 +9209,7 @@
         </p:nvSpPr>
         <p:spPr>
           <a:xfrm>
-            <a:off x="5192668" y="6195571"/>
+            <a:off x="5189493" y="6198746"/>
             <a:ext cx="136800" cy="0"/>
           </a:xfrm>
           <a:prstGeom prst="line">
@@ -9234,7 +9217,7 @@
           </a:prstGeom>
           <a:ln w="12700">
             <a:solidFill>
-              <a:srgbClr val="53585F"/>
+              <a:srgbClr val="757878"/>
             </a:solidFill>
             <a:miter lim="400000"/>
             <a:tailEnd type="triangle"/>
@@ -9279,14 +9262,14 @@
           <p:nvPr>
             <p:extLst>
               <p:ext uri="{D42A27DB-BD31-4B8C-83A1-F6EECF244321}">
-                <p14:modId xmlns:p14="http://schemas.microsoft.com/office/powerpoint/2010/main" val="4250291252"/>
+                <p14:modId xmlns:p14="http://schemas.microsoft.com/office/powerpoint/2010/main" val="449746630"/>
               </p:ext>
             </p:extLst>
           </p:nvPr>
         </p:nvGraphicFramePr>
         <p:xfrm>
           <a:off x="4834526" y="6048309"/>
-          <a:ext cx="299356" cy="457200"/>
+          <a:ext cx="309600" cy="457200"/>
         </p:xfrm>
         <a:graphic>
           <a:graphicData uri="http://schemas.openxmlformats.org/drawingml/2006/table">
@@ -9295,14 +9278,14 @@
                 <a:tableStyleId>{33BA23B1-9221-436E-865A-0063620EA4FD}</a:tableStyleId>
               </a:tblPr>
               <a:tblGrid>
-                <a:gridCol w="149678">
+                <a:gridCol w="154800">
                   <a:extLst>
                     <a:ext uri="{9D8B030D-6E8A-4147-A177-3AD203B41FA5}">
                       <a16:colId xmlns:a16="http://schemas.microsoft.com/office/drawing/2014/main" val="20000"/>
                     </a:ext>
                   </a:extLst>
                 </a:gridCol>
-                <a:gridCol w="149678">
+                <a:gridCol w="154800">
                   <a:extLst>
                     <a:ext uri="{9D8B030D-6E8A-4147-A177-3AD203B41FA5}">
                       <a16:colId xmlns:a16="http://schemas.microsoft.com/office/drawing/2014/main" val="20001"/>
@@ -9475,8 +9458,8 @@
         </p:nvSpPr>
         <p:spPr>
           <a:xfrm>
-            <a:off x="6109463" y="6049232"/>
-            <a:ext cx="3033146" cy="332399"/>
+            <a:off x="6212052" y="6048309"/>
+            <a:ext cx="2930557" cy="332399"/>
           </a:xfrm>
           <a:prstGeom prst="rect">
             <a:avLst/>
@@ -9486,7 +9469,7 @@
           </a:ln>
           <a:extLst>
             <a:ext uri="{C572A759-6A51-4108-AA02-DFA0A04FC94B}">
-              <ma14:wrappingTextBoxFlag xmlns:ma14="http://schemas.microsoft.com/office/mac/drawingml/2011/main" xmlns="" val="1"/>
+              <ma14:wrappingTextBoxFlag xmlns="" xmlns:ma14="http://schemas.microsoft.com/office/mac/drawingml/2011/main" val="1"/>
             </a:ext>
           </a:extLst>
         </p:spPr>
@@ -9544,8 +9527,8 @@
         </p:nvSpPr>
         <p:spPr>
           <a:xfrm>
-            <a:off x="10957082" y="7886213"/>
-            <a:ext cx="2763316" cy="664797"/>
+            <a:off x="10752276" y="7886213"/>
+            <a:ext cx="2968122" cy="498598"/>
           </a:xfrm>
           <a:prstGeom prst="rect">
             <a:avLst/>
@@ -9555,7 +9538,7 @@
           </a:ln>
           <a:extLst>
             <a:ext uri="{C572A759-6A51-4108-AA02-DFA0A04FC94B}">
-              <ma14:wrappingTextBoxFlag xmlns:ma14="http://schemas.microsoft.com/office/mac/drawingml/2011/main" xmlns="" val="1"/>
+              <ma14:wrappingTextBoxFlag xmlns="" xmlns:ma14="http://schemas.microsoft.com/office/mac/drawingml/2011/main" val="1"/>
             </a:ext>
           </a:extLst>
         </p:spPr>
@@ -9661,14 +9644,14 @@
           <p:nvPr>
             <p:extLst>
               <p:ext uri="{D42A27DB-BD31-4B8C-83A1-F6EECF244321}">
-                <p14:modId xmlns:p14="http://schemas.microsoft.com/office/powerpoint/2010/main" val="3907723116"/>
+                <p14:modId xmlns:p14="http://schemas.microsoft.com/office/powerpoint/2010/main" val="3584069129"/>
               </p:ext>
             </p:extLst>
           </p:nvPr>
         </p:nvGraphicFramePr>
         <p:xfrm>
-          <a:off x="10178740" y="7890022"/>
-          <a:ext cx="453600" cy="609600"/>
+          <a:off x="10054915" y="7890022"/>
+          <a:ext cx="464400" cy="609600"/>
         </p:xfrm>
         <a:graphic>
           <a:graphicData uri="http://schemas.openxmlformats.org/drawingml/2006/table">
@@ -9680,21 +9663,21 @@
                 <a:tableStyleId>{33BA23B1-9221-436E-865A-0063620EA4FD}</a:tableStyleId>
               </a:tblPr>
               <a:tblGrid>
-                <a:gridCol w="151200">
+                <a:gridCol w="154800">
                   <a:extLst>
                     <a:ext uri="{9D8B030D-6E8A-4147-A177-3AD203B41FA5}">
                       <a16:colId xmlns:a16="http://schemas.microsoft.com/office/drawing/2014/main" val="20000"/>
                     </a:ext>
                   </a:extLst>
                 </a:gridCol>
-                <a:gridCol w="151200">
+                <a:gridCol w="154800">
                   <a:extLst>
                     <a:ext uri="{9D8B030D-6E8A-4147-A177-3AD203B41FA5}">
                       <a16:colId xmlns:a16="http://schemas.microsoft.com/office/drawing/2014/main" val="20001"/>
                     </a:ext>
                   </a:extLst>
                 </a:gridCol>
-                <a:gridCol w="151200">
+                <a:gridCol w="154800">
                   <a:extLst>
                     <a:ext uri="{9D8B030D-6E8A-4147-A177-3AD203B41FA5}">
                       <a16:colId xmlns:a16="http://schemas.microsoft.com/office/drawing/2014/main" val="20002"/>
@@ -10090,7 +10073,7 @@
         </p:nvSpPr>
         <p:spPr>
           <a:xfrm>
-            <a:off x="9935116" y="8039212"/>
+            <a:off x="9869043" y="8039212"/>
             <a:ext cx="136800" cy="0"/>
           </a:xfrm>
           <a:prstGeom prst="line">
@@ -10098,7 +10081,7 @@
           </a:prstGeom>
           <a:ln w="12700">
             <a:solidFill>
-              <a:srgbClr val="53585F"/>
+              <a:srgbClr val="757878"/>
             </a:solidFill>
             <a:miter lim="400000"/>
             <a:tailEnd type="triangle"/>
@@ -10143,14 +10126,14 @@
           <p:nvPr>
             <p:extLst>
               <p:ext uri="{D42A27DB-BD31-4B8C-83A1-F6EECF244321}">
-                <p14:modId xmlns:p14="http://schemas.microsoft.com/office/powerpoint/2010/main" val="518879453"/>
+                <p14:modId xmlns:p14="http://schemas.microsoft.com/office/powerpoint/2010/main" val="1644299138"/>
               </p:ext>
             </p:extLst>
           </p:nvPr>
         </p:nvGraphicFramePr>
         <p:xfrm>
           <a:off x="9357554" y="7883762"/>
-          <a:ext cx="453600" cy="609600"/>
+          <a:ext cx="464400" cy="609600"/>
         </p:xfrm>
         <a:graphic>
           <a:graphicData uri="http://schemas.openxmlformats.org/drawingml/2006/table">
@@ -10159,21 +10142,21 @@
                 <a:tableStyleId>{33BA23B1-9221-436E-865A-0063620EA4FD}</a:tableStyleId>
               </a:tblPr>
               <a:tblGrid>
-                <a:gridCol w="151200">
+                <a:gridCol w="154800">
                   <a:extLst>
                     <a:ext uri="{9D8B030D-6E8A-4147-A177-3AD203B41FA5}">
                       <a16:colId xmlns:a16="http://schemas.microsoft.com/office/drawing/2014/main" val="20000"/>
                     </a:ext>
                   </a:extLst>
                 </a:gridCol>
-                <a:gridCol w="151200">
+                <a:gridCol w="154800">
                   <a:extLst>
                     <a:ext uri="{9D8B030D-6E8A-4147-A177-3AD203B41FA5}">
                       <a16:colId xmlns:a16="http://schemas.microsoft.com/office/drawing/2014/main" val="20001"/>
                     </a:ext>
                   </a:extLst>
                 </a:gridCol>
-                <a:gridCol w="151200">
+                <a:gridCol w="154800">
                   <a:extLst>
                     <a:ext uri="{9D8B030D-6E8A-4147-A177-3AD203B41FA5}">
                       <a16:colId xmlns:a16="http://schemas.microsoft.com/office/drawing/2014/main" val="20002"/>
@@ -10645,7 +10628,7 @@
         </p:nvSpPr>
         <p:spPr>
           <a:xfrm>
-            <a:off x="5205368" y="6911914"/>
+            <a:off x="5189493" y="6911914"/>
             <a:ext cx="136800" cy="0"/>
           </a:xfrm>
           <a:prstGeom prst="line">
@@ -10653,7 +10636,7 @@
           </a:prstGeom>
           <a:ln w="12700">
             <a:solidFill>
-              <a:srgbClr val="53585F"/>
+              <a:srgbClr val="757878"/>
             </a:solidFill>
             <a:miter lim="400000"/>
             <a:tailEnd type="triangle"/>
@@ -10698,14 +10681,14 @@
           <p:nvPr>
             <p:extLst>
               <p:ext uri="{D42A27DB-BD31-4B8C-83A1-F6EECF244321}">
-                <p14:modId xmlns:p14="http://schemas.microsoft.com/office/powerpoint/2010/main" val="3178958086"/>
+                <p14:modId xmlns:p14="http://schemas.microsoft.com/office/powerpoint/2010/main" val="325753191"/>
               </p:ext>
             </p:extLst>
           </p:nvPr>
         </p:nvGraphicFramePr>
         <p:xfrm>
-          <a:off x="4834526" y="6760144"/>
-          <a:ext cx="299356" cy="457200"/>
+          <a:off x="4834526" y="6757370"/>
+          <a:ext cx="309600" cy="457200"/>
         </p:xfrm>
         <a:graphic>
           <a:graphicData uri="http://schemas.openxmlformats.org/drawingml/2006/table">
@@ -10714,14 +10697,14 @@
                 <a:tableStyleId>{33BA23B1-9221-436E-865A-0063620EA4FD}</a:tableStyleId>
               </a:tblPr>
               <a:tblGrid>
-                <a:gridCol w="149678">
+                <a:gridCol w="154800">
                   <a:extLst>
                     <a:ext uri="{9D8B030D-6E8A-4147-A177-3AD203B41FA5}">
                       <a16:colId xmlns:a16="http://schemas.microsoft.com/office/drawing/2014/main" val="20000"/>
                     </a:ext>
                   </a:extLst>
                 </a:gridCol>
-                <a:gridCol w="149678">
+                <a:gridCol w="154800">
                   <a:extLst>
                     <a:ext uri="{9D8B030D-6E8A-4147-A177-3AD203B41FA5}">
                       <a16:colId xmlns:a16="http://schemas.microsoft.com/office/drawing/2014/main" val="20001"/>
@@ -10924,8 +10907,8 @@
         </p:nvSpPr>
         <p:spPr>
           <a:xfrm>
-            <a:off x="6109463" y="6762018"/>
-            <a:ext cx="3045062" cy="537070"/>
+            <a:off x="6212052" y="6757370"/>
+            <a:ext cx="2942473" cy="703269"/>
           </a:xfrm>
           <a:prstGeom prst="rect">
             <a:avLst/>
@@ -10935,7 +10918,7 @@
           </a:ln>
           <a:extLst>
             <a:ext uri="{C572A759-6A51-4108-AA02-DFA0A04FC94B}">
-              <ma14:wrappingTextBoxFlag xmlns:ma14="http://schemas.microsoft.com/office/mac/drawingml/2011/main" xmlns="" val="1"/>
+              <ma14:wrappingTextBoxFlag xmlns="" xmlns:ma14="http://schemas.microsoft.com/office/mac/drawingml/2011/main" val="1"/>
             </a:ext>
           </a:extLst>
         </p:spPr>
@@ -11028,13 +11011,13 @@
           <p:nvPr>
             <p:extLst>
               <p:ext uri="{D42A27DB-BD31-4B8C-83A1-F6EECF244321}">
-                <p14:modId xmlns:p14="http://schemas.microsoft.com/office/powerpoint/2010/main" val="650253575"/>
+                <p14:modId xmlns:p14="http://schemas.microsoft.com/office/powerpoint/2010/main" val="784391121"/>
               </p:ext>
             </p:extLst>
           </p:nvPr>
         </p:nvGraphicFramePr>
         <p:xfrm>
-          <a:off x="5527040" y="4575756"/>
+          <a:off x="5523865" y="4575756"/>
           <a:ext cx="154319" cy="304800"/>
         </p:xfrm>
         <a:graphic>
@@ -11130,7 +11113,7 @@
         </p:nvSpPr>
         <p:spPr>
           <a:xfrm>
-            <a:off x="5340942" y="4725185"/>
+            <a:off x="5344117" y="4725185"/>
             <a:ext cx="136800" cy="0"/>
           </a:xfrm>
           <a:prstGeom prst="line">
@@ -11138,7 +11121,7 @@
           </a:prstGeom>
           <a:ln w="12700">
             <a:solidFill>
-              <a:srgbClr val="53585F"/>
+              <a:srgbClr val="757878"/>
             </a:solidFill>
             <a:miter lim="400000"/>
             <a:tailEnd type="triangle"/>
@@ -11183,14 +11166,14 @@
           <p:nvPr>
             <p:extLst>
               <p:ext uri="{D42A27DB-BD31-4B8C-83A1-F6EECF244321}">
-                <p14:modId xmlns:p14="http://schemas.microsoft.com/office/powerpoint/2010/main" val="404045723"/>
+                <p14:modId xmlns:p14="http://schemas.microsoft.com/office/powerpoint/2010/main" val="1985054015"/>
               </p:ext>
             </p:extLst>
           </p:nvPr>
         </p:nvGraphicFramePr>
         <p:xfrm>
           <a:off x="4834526" y="4574631"/>
-          <a:ext cx="462537" cy="609600"/>
+          <a:ext cx="463158" cy="609600"/>
         </p:xfrm>
         <a:graphic>
           <a:graphicData uri="http://schemas.openxmlformats.org/drawingml/2006/table">
@@ -11199,7 +11182,7 @@
                 <a:tableStyleId>{33BA23B1-9221-436E-865A-0063620EA4FD}</a:tableStyleId>
               </a:tblPr>
               <a:tblGrid>
-                <a:gridCol w="154179">
+                <a:gridCol w="154800">
                   <a:extLst>
                     <a:ext uri="{9D8B030D-6E8A-4147-A177-3AD203B41FA5}">
                       <a16:colId xmlns:a16="http://schemas.microsoft.com/office/drawing/2014/main" val="20000"/>
@@ -11565,14 +11548,14 @@
           <p:nvPr>
             <p:extLst>
               <p:ext uri="{D42A27DB-BD31-4B8C-83A1-F6EECF244321}">
-                <p14:modId xmlns:p14="http://schemas.microsoft.com/office/powerpoint/2010/main" val="977200774"/>
+                <p14:modId xmlns:p14="http://schemas.microsoft.com/office/powerpoint/2010/main" val="2801020611"/>
               </p:ext>
             </p:extLst>
           </p:nvPr>
         </p:nvGraphicFramePr>
         <p:xfrm>
-          <a:off x="5406468" y="6757370"/>
-          <a:ext cx="487625" cy="457200"/>
+          <a:off x="5365193" y="6757370"/>
+          <a:ext cx="507600" cy="457200"/>
         </p:xfrm>
         <a:graphic>
           <a:graphicData uri="http://schemas.openxmlformats.org/drawingml/2006/table">
@@ -11581,21 +11564,21 @@
                 <a:tableStyleId>{33BA23B1-9221-436E-865A-0063620EA4FD}</a:tableStyleId>
               </a:tblPr>
               <a:tblGrid>
-                <a:gridCol w="151200">
+                <a:gridCol w="154800">
                   <a:extLst>
                     <a:ext uri="{9D8B030D-6E8A-4147-A177-3AD203B41FA5}">
                       <a16:colId xmlns:a16="http://schemas.microsoft.com/office/drawing/2014/main" val="20000"/>
                     </a:ext>
                   </a:extLst>
                 </a:gridCol>
-                <a:gridCol w="149225">
+                <a:gridCol w="154800">
                   <a:extLst>
                     <a:ext uri="{9D8B030D-6E8A-4147-A177-3AD203B41FA5}">
                       <a16:colId xmlns:a16="http://schemas.microsoft.com/office/drawing/2014/main" val="20001"/>
                     </a:ext>
                   </a:extLst>
                 </a:gridCol>
-                <a:gridCol w="187200">
+                <a:gridCol w="198000">
                   <a:extLst>
                     <a:ext uri="{9D8B030D-6E8A-4147-A177-3AD203B41FA5}">
                       <a16:colId xmlns:a16="http://schemas.microsoft.com/office/drawing/2014/main" val="20002"/>
@@ -12011,7 +11994,7 @@
           </a:ln>
           <a:extLst>
             <a:ext uri="{C572A759-6A51-4108-AA02-DFA0A04FC94B}">
-              <ma14:wrappingTextBoxFlag xmlns:ma14="http://schemas.microsoft.com/office/mac/drawingml/2011/main" xmlns="" val="1"/>
+              <ma14:wrappingTextBoxFlag xmlns="" xmlns:ma14="http://schemas.microsoft.com/office/mac/drawingml/2011/main" val="1"/>
             </a:ext>
           </a:extLst>
         </p:spPr>
@@ -12068,14 +12051,14 @@
           <p:nvPr>
             <p:extLst>
               <p:ext uri="{D42A27DB-BD31-4B8C-83A1-F6EECF244321}">
-                <p14:modId xmlns:p14="http://schemas.microsoft.com/office/powerpoint/2010/main" val="1707340232"/>
+                <p14:modId xmlns:p14="http://schemas.microsoft.com/office/powerpoint/2010/main" val="3210736610"/>
               </p:ext>
             </p:extLst>
           </p:nvPr>
         </p:nvGraphicFramePr>
         <p:xfrm>
           <a:off x="10065698" y="2121177"/>
-          <a:ext cx="453600" cy="457200"/>
+          <a:ext cx="464400" cy="457200"/>
         </p:xfrm>
         <a:graphic>
           <a:graphicData uri="http://schemas.openxmlformats.org/drawingml/2006/table">
@@ -12084,21 +12067,21 @@
                 <a:tableStyleId>{33BA23B1-9221-436E-865A-0063620EA4FD}</a:tableStyleId>
               </a:tblPr>
               <a:tblGrid>
-                <a:gridCol w="151200">
+                <a:gridCol w="154800">
                   <a:extLst>
                     <a:ext uri="{9D8B030D-6E8A-4147-A177-3AD203B41FA5}">
                       <a16:colId xmlns:a16="http://schemas.microsoft.com/office/drawing/2014/main" val="20000"/>
                     </a:ext>
                   </a:extLst>
                 </a:gridCol>
-                <a:gridCol w="151200">
+                <a:gridCol w="154800">
                   <a:extLst>
                     <a:ext uri="{9D8B030D-6E8A-4147-A177-3AD203B41FA5}">
                       <a16:colId xmlns:a16="http://schemas.microsoft.com/office/drawing/2014/main" val="20001"/>
                     </a:ext>
                   </a:extLst>
                 </a:gridCol>
-                <a:gridCol w="151200">
+                <a:gridCol w="154800">
                   <a:extLst>
                     <a:ext uri="{9D8B030D-6E8A-4147-A177-3AD203B41FA5}">
                       <a16:colId xmlns:a16="http://schemas.microsoft.com/office/drawing/2014/main" val="20002"/>
@@ -12357,7 +12340,7 @@
           </a:prstGeom>
           <a:ln w="12700">
             <a:solidFill>
-              <a:srgbClr val="53585F"/>
+              <a:srgbClr val="757878"/>
             </a:solidFill>
             <a:miter lim="400000"/>
             <a:tailEnd type="triangle"/>
@@ -12408,14 +12391,14 @@
           <p:nvPr>
             <p:extLst>
               <p:ext uri="{D42A27DB-BD31-4B8C-83A1-F6EECF244321}">
-                <p14:modId xmlns:p14="http://schemas.microsoft.com/office/powerpoint/2010/main" val="295278337"/>
+                <p14:modId xmlns:p14="http://schemas.microsoft.com/office/powerpoint/2010/main" val="1259442418"/>
               </p:ext>
             </p:extLst>
           </p:nvPr>
         </p:nvGraphicFramePr>
         <p:xfrm>
           <a:off x="9358627" y="2122560"/>
-          <a:ext cx="453600" cy="1066800"/>
+          <a:ext cx="464400" cy="1066800"/>
         </p:xfrm>
         <a:graphic>
           <a:graphicData uri="http://schemas.openxmlformats.org/drawingml/2006/table">
@@ -12424,21 +12407,21 @@
                 <a:tableStyleId>{33BA23B1-9221-436E-865A-0063620EA4FD}</a:tableStyleId>
               </a:tblPr>
               <a:tblGrid>
-                <a:gridCol w="151200">
+                <a:gridCol w="154800">
                   <a:extLst>
                     <a:ext uri="{9D8B030D-6E8A-4147-A177-3AD203B41FA5}">
                       <a16:colId xmlns:a16="http://schemas.microsoft.com/office/drawing/2014/main" val="20000"/>
                     </a:ext>
                   </a:extLst>
                 </a:gridCol>
-                <a:gridCol w="151200">
+                <a:gridCol w="154800">
                   <a:extLst>
                     <a:ext uri="{9D8B030D-6E8A-4147-A177-3AD203B41FA5}">
                       <a16:colId xmlns:a16="http://schemas.microsoft.com/office/drawing/2014/main" val="20001"/>
                     </a:ext>
                   </a:extLst>
                 </a:gridCol>
-                <a:gridCol w="151200">
+                <a:gridCol w="154800">
                   <a:extLst>
                     <a:ext uri="{9D8B030D-6E8A-4147-A177-3AD203B41FA5}">
                       <a16:colId xmlns:a16="http://schemas.microsoft.com/office/drawing/2014/main" val="20002"/>
@@ -13006,14 +12989,14 @@
           <p:nvPr>
             <p:extLst>
               <p:ext uri="{D42A27DB-BD31-4B8C-83A1-F6EECF244321}">
-                <p14:modId xmlns:p14="http://schemas.microsoft.com/office/powerpoint/2010/main" val="1125565470"/>
+                <p14:modId xmlns:p14="http://schemas.microsoft.com/office/powerpoint/2010/main" val="1707246212"/>
               </p:ext>
             </p:extLst>
           </p:nvPr>
         </p:nvGraphicFramePr>
         <p:xfrm>
           <a:off x="9950469" y="2600049"/>
-          <a:ext cx="453600" cy="304800"/>
+          <a:ext cx="464400" cy="304800"/>
         </p:xfrm>
         <a:graphic>
           <a:graphicData uri="http://schemas.openxmlformats.org/drawingml/2006/table">
@@ -13022,21 +13005,21 @@
                 <a:tableStyleId>{33BA23B1-9221-436E-865A-0063620EA4FD}</a:tableStyleId>
               </a:tblPr>
               <a:tblGrid>
-                <a:gridCol w="151200">
+                <a:gridCol w="154800">
                   <a:extLst>
                     <a:ext uri="{9D8B030D-6E8A-4147-A177-3AD203B41FA5}">
                       <a16:colId xmlns:a16="http://schemas.microsoft.com/office/drawing/2014/main" val="20000"/>
                     </a:ext>
                   </a:extLst>
                 </a:gridCol>
-                <a:gridCol w="151200">
+                <a:gridCol w="154800">
                   <a:extLst>
                     <a:ext uri="{9D8B030D-6E8A-4147-A177-3AD203B41FA5}">
                       <a16:colId xmlns:a16="http://schemas.microsoft.com/office/drawing/2014/main" val="20001"/>
                     </a:ext>
                   </a:extLst>
                 </a:gridCol>
-                <a:gridCol w="151200">
+                <a:gridCol w="154800">
                   <a:extLst>
                     <a:ext uri="{9D8B030D-6E8A-4147-A177-3AD203B41FA5}">
                       <a16:colId xmlns:a16="http://schemas.microsoft.com/office/drawing/2014/main" val="20002"/>
@@ -13209,14 +13192,14 @@
           <p:nvPr>
             <p:extLst>
               <p:ext uri="{D42A27DB-BD31-4B8C-83A1-F6EECF244321}">
-                <p14:modId xmlns:p14="http://schemas.microsoft.com/office/powerpoint/2010/main" val="2237328548"/>
+                <p14:modId xmlns:p14="http://schemas.microsoft.com/office/powerpoint/2010/main" val="393275537"/>
               </p:ext>
             </p:extLst>
           </p:nvPr>
         </p:nvGraphicFramePr>
         <p:xfrm>
           <a:off x="10104485" y="2933406"/>
-          <a:ext cx="453600" cy="304800"/>
+          <a:ext cx="464400" cy="304800"/>
         </p:xfrm>
         <a:graphic>
           <a:graphicData uri="http://schemas.openxmlformats.org/drawingml/2006/table">
@@ -13225,21 +13208,21 @@
                 <a:tableStyleId>{33BA23B1-9221-436E-865A-0063620EA4FD}</a:tableStyleId>
               </a:tblPr>
               <a:tblGrid>
-                <a:gridCol w="151200">
+                <a:gridCol w="154800">
                   <a:extLst>
                     <a:ext uri="{9D8B030D-6E8A-4147-A177-3AD203B41FA5}">
                       <a16:colId xmlns:a16="http://schemas.microsoft.com/office/drawing/2014/main" val="20000"/>
                     </a:ext>
                   </a:extLst>
                 </a:gridCol>
-                <a:gridCol w="151200">
+                <a:gridCol w="154800">
                   <a:extLst>
                     <a:ext uri="{9D8B030D-6E8A-4147-A177-3AD203B41FA5}">
                       <a16:colId xmlns:a16="http://schemas.microsoft.com/office/drawing/2014/main" val="20001"/>
                     </a:ext>
                   </a:extLst>
                 </a:gridCol>
-                <a:gridCol w="151200">
+                <a:gridCol w="154800">
                   <a:extLst>
                     <a:ext uri="{9D8B030D-6E8A-4147-A177-3AD203B41FA5}">
                       <a16:colId xmlns:a16="http://schemas.microsoft.com/office/drawing/2014/main" val="20002"/>
@@ -13411,7 +13394,7 @@
         </p:nvSpPr>
         <p:spPr>
           <a:xfrm>
-            <a:off x="10565935" y="2276788"/>
+            <a:off x="10565935" y="2272280"/>
             <a:ext cx="136800" cy="0"/>
           </a:xfrm>
           <a:prstGeom prst="line">
@@ -13419,7 +13402,7 @@
           </a:prstGeom>
           <a:ln w="12700">
             <a:solidFill>
-              <a:srgbClr val="53585F"/>
+              <a:srgbClr val="757878"/>
             </a:solidFill>
             <a:miter lim="400000"/>
             <a:tailEnd type="triangle"/>
@@ -13470,14 +13453,14 @@
           <p:nvPr>
             <p:extLst>
               <p:ext uri="{D42A27DB-BD31-4B8C-83A1-F6EECF244321}">
-                <p14:modId xmlns:p14="http://schemas.microsoft.com/office/powerpoint/2010/main" val="2561126680"/>
+                <p14:modId xmlns:p14="http://schemas.microsoft.com/office/powerpoint/2010/main" val="1311809860"/>
               </p:ext>
             </p:extLst>
           </p:nvPr>
         </p:nvGraphicFramePr>
         <p:xfrm>
           <a:off x="10742497" y="2120624"/>
-          <a:ext cx="453600" cy="609600"/>
+          <a:ext cx="464400" cy="609600"/>
         </p:xfrm>
         <a:graphic>
           <a:graphicData uri="http://schemas.openxmlformats.org/drawingml/2006/table">
@@ -13486,21 +13469,21 @@
                 <a:tableStyleId>{33BA23B1-9221-436E-865A-0063620EA4FD}</a:tableStyleId>
               </a:tblPr>
               <a:tblGrid>
-                <a:gridCol w="151200">
+                <a:gridCol w="154800">
                   <a:extLst>
                     <a:ext uri="{9D8B030D-6E8A-4147-A177-3AD203B41FA5}">
                       <a16:colId xmlns:a16="http://schemas.microsoft.com/office/drawing/2014/main" val="20000"/>
                     </a:ext>
                   </a:extLst>
                 </a:gridCol>
-                <a:gridCol w="151200">
+                <a:gridCol w="154800">
                   <a:extLst>
                     <a:ext uri="{9D8B030D-6E8A-4147-A177-3AD203B41FA5}">
                       <a16:colId xmlns:a16="http://schemas.microsoft.com/office/drawing/2014/main" val="20001"/>
                     </a:ext>
                   </a:extLst>
                 </a:gridCol>
-                <a:gridCol w="151200">
+                <a:gridCol w="154800">
                   <a:extLst>
                     <a:ext uri="{9D8B030D-6E8A-4147-A177-3AD203B41FA5}">
                       <a16:colId xmlns:a16="http://schemas.microsoft.com/office/drawing/2014/main" val="20002"/>
@@ -13836,8 +13819,8 @@
         </p:nvSpPr>
         <p:spPr>
           <a:xfrm>
-            <a:off x="11346405" y="2128300"/>
-            <a:ext cx="2332222" cy="1048492"/>
+            <a:off x="11419297" y="2128300"/>
+            <a:ext cx="2259330" cy="1048492"/>
           </a:xfrm>
           <a:prstGeom prst="rect">
             <a:avLst/>
@@ -13847,7 +13830,7 @@
           </a:ln>
           <a:extLst>
             <a:ext uri="{C572A759-6A51-4108-AA02-DFA0A04FC94B}">
-              <ma14:wrappingTextBoxFlag xmlns:ma14="http://schemas.microsoft.com/office/mac/drawingml/2011/main" xmlns="" val="1"/>
+              <ma14:wrappingTextBoxFlag xmlns="" xmlns:ma14="http://schemas.microsoft.com/office/mac/drawingml/2011/main" val="1"/>
             </a:ext>
           </a:extLst>
         </p:spPr>
@@ -13900,7 +13883,7 @@
                   <a:srgbClr val="000000"/>
                 </a:solidFill>
               </a:rPr>
-              <a:t>] – group rows by values in specified column(s)</a:t>
+              <a:t>] – group rows by values in specified columns</a:t>
             </a:r>
             <a:r>
               <a:rPr lang="en-US" b="0" dirty="0">
@@ -14020,7 +14003,7 @@
                 </a:solidFill>
                 <a:cs typeface="Arial" panose="020B0604020202020204" pitchFamily="34" charset="0"/>
               </a:rPr>
-              <a:t> rows according to values in specified column(s).</a:t>
+              <a:t> rows by values in specified columns.</a:t>
             </a:r>
             <a:endParaRPr lang="en-US" b="0" dirty="0">
               <a:solidFill>
@@ -14106,7 +14089,7 @@
           </a:ln>
           <a:extLst>
             <a:ext uri="{C572A759-6A51-4108-AA02-DFA0A04FC94B}">
-              <ma14:wrappingTextBoxFlag xmlns:ma14="http://schemas.microsoft.com/office/mac/drawingml/2011/main" xmlns="" val="1"/>
+              <ma14:wrappingTextBoxFlag xmlns="" xmlns:ma14="http://schemas.microsoft.com/office/mac/drawingml/2011/main" val="1"/>
             </a:ext>
           </a:extLst>
         </p:spPr>
@@ -14165,7 +14148,7 @@
           </a:ln>
           <a:extLst>
             <a:ext uri="{C572A759-6A51-4108-AA02-DFA0A04FC94B}">
-              <ma14:wrappingTextBoxFlag xmlns:ma14="http://schemas.microsoft.com/office/mac/drawingml/2011/main" xmlns="" val="1"/>
+              <ma14:wrappingTextBoxFlag xmlns="" xmlns:ma14="http://schemas.microsoft.com/office/mac/drawingml/2011/main" val="1"/>
             </a:ext>
           </a:extLst>
         </p:spPr>
@@ -14290,7 +14273,7 @@
         </p:nvSpPr>
         <p:spPr>
           <a:xfrm>
-            <a:off x="9357554" y="8847799"/>
+            <a:off x="9357554" y="8845164"/>
             <a:ext cx="4316400" cy="1181872"/>
           </a:xfrm>
           <a:prstGeom prst="rect">
@@ -14350,7 +14333,7 @@
         </p:nvSpPr>
         <p:spPr>
           <a:xfrm>
-            <a:off x="9513344" y="8922415"/>
+            <a:off x="9513344" y="8919780"/>
             <a:ext cx="4055806" cy="1018546"/>
           </a:xfrm>
           <a:prstGeom prst="rect">
@@ -14361,7 +14344,7 @@
           </a:ln>
           <a:extLst>
             <a:ext uri="{C572A759-6A51-4108-AA02-DFA0A04FC94B}">
-              <ma14:wrappingTextBoxFlag xmlns:ma14="http://schemas.microsoft.com/office/mac/drawingml/2011/main" xmlns="" val="1"/>
+              <ma14:wrappingTextBoxFlag xmlns="" xmlns:ma14="http://schemas.microsoft.com/office/mac/drawingml/2011/main" val="1"/>
             </a:ext>
           </a:extLst>
         </p:spPr>
@@ -14414,7 +14397,7 @@
                 </a:solidFill>
                 <a:cs typeface="Arial" panose="020B0604020202020204" pitchFamily="34" charset="0"/>
               </a:rPr>
-              <a:t> functions prefixed with “set” and the operator “:=” work without “&lt;-” to alter data without making copies in memory. E.g. the more efficient “</a:t>
+              <a:t> functions prefixed with “set” and the operator “:=” work without “&lt;-” to alter data without making copies in memory. E.g., the more efficient “</a:t>
             </a:r>
             <a:r>
               <a:rPr lang="en-US" b="0" dirty="0" err="1">
@@ -14539,14 +14522,14 @@
           <p:nvPr>
             <p:extLst>
               <p:ext uri="{D42A27DB-BD31-4B8C-83A1-F6EECF244321}">
-                <p14:modId xmlns:p14="http://schemas.microsoft.com/office/powerpoint/2010/main" val="3902896771"/>
+                <p14:modId xmlns:p14="http://schemas.microsoft.com/office/powerpoint/2010/main" val="3144983162"/>
               </p:ext>
             </p:extLst>
           </p:nvPr>
         </p:nvGraphicFramePr>
         <p:xfrm>
-          <a:off x="5397064" y="7472266"/>
-          <a:ext cx="604800" cy="457200"/>
+          <a:off x="5368489" y="7472071"/>
+          <a:ext cx="619200" cy="457200"/>
         </p:xfrm>
         <a:graphic>
           <a:graphicData uri="http://schemas.openxmlformats.org/drawingml/2006/table">
@@ -14555,28 +14538,28 @@
                 <a:tableStyleId>{33BA23B1-9221-436E-865A-0063620EA4FD}</a:tableStyleId>
               </a:tblPr>
               <a:tblGrid>
-                <a:gridCol w="151200">
+                <a:gridCol w="154800">
                   <a:extLst>
                     <a:ext uri="{9D8B030D-6E8A-4147-A177-3AD203B41FA5}">
                       <a16:colId xmlns:a16="http://schemas.microsoft.com/office/drawing/2014/main" val="20000"/>
                     </a:ext>
                   </a:extLst>
                 </a:gridCol>
-                <a:gridCol w="151200">
+                <a:gridCol w="154800">
                   <a:extLst>
                     <a:ext uri="{9D8B030D-6E8A-4147-A177-3AD203B41FA5}">
                       <a16:colId xmlns:a16="http://schemas.microsoft.com/office/drawing/2014/main" val="20001"/>
                     </a:ext>
                   </a:extLst>
                 </a:gridCol>
-                <a:gridCol w="151200">
+                <a:gridCol w="154800">
                   <a:extLst>
                     <a:ext uri="{9D8B030D-6E8A-4147-A177-3AD203B41FA5}">
                       <a16:colId xmlns:a16="http://schemas.microsoft.com/office/drawing/2014/main" val="20002"/>
                     </a:ext>
                   </a:extLst>
                 </a:gridCol>
-                <a:gridCol w="151200">
+                <a:gridCol w="154800">
                   <a:extLst>
                     <a:ext uri="{9D8B030D-6E8A-4147-A177-3AD203B41FA5}">
                       <a16:colId xmlns:a16="http://schemas.microsoft.com/office/drawing/2014/main" val="2502943937"/>
@@ -14955,7 +14938,7 @@
         </p:nvSpPr>
         <p:spPr>
           <a:xfrm>
-            <a:off x="5192668" y="7619333"/>
+            <a:off x="5189493" y="7622508"/>
             <a:ext cx="136800" cy="0"/>
           </a:xfrm>
           <a:prstGeom prst="line">
@@ -14963,7 +14946,7 @@
           </a:prstGeom>
           <a:ln w="12700">
             <a:solidFill>
-              <a:srgbClr val="53585F"/>
+              <a:srgbClr val="757878"/>
             </a:solidFill>
             <a:miter lim="400000"/>
             <a:tailEnd type="triangle"/>
@@ -15014,14 +14997,14 @@
           <p:nvPr>
             <p:extLst>
               <p:ext uri="{D42A27DB-BD31-4B8C-83A1-F6EECF244321}">
-                <p14:modId xmlns:p14="http://schemas.microsoft.com/office/powerpoint/2010/main" val="4118245026"/>
+                <p14:modId xmlns:p14="http://schemas.microsoft.com/office/powerpoint/2010/main" val="1947120919"/>
               </p:ext>
             </p:extLst>
           </p:nvPr>
         </p:nvGraphicFramePr>
         <p:xfrm>
           <a:off x="4834526" y="7472071"/>
-          <a:ext cx="299356" cy="457200"/>
+          <a:ext cx="309600" cy="457200"/>
         </p:xfrm>
         <a:graphic>
           <a:graphicData uri="http://schemas.openxmlformats.org/drawingml/2006/table">
@@ -15030,14 +15013,14 @@
                 <a:tableStyleId>{33BA23B1-9221-436E-865A-0063620EA4FD}</a:tableStyleId>
               </a:tblPr>
               <a:tblGrid>
-                <a:gridCol w="149678">
+                <a:gridCol w="154800">
                   <a:extLst>
                     <a:ext uri="{9D8B030D-6E8A-4147-A177-3AD203B41FA5}">
                       <a16:colId xmlns:a16="http://schemas.microsoft.com/office/drawing/2014/main" val="20000"/>
                     </a:ext>
                   </a:extLst>
                 </a:gridCol>
-                <a:gridCol w="149678">
+                <a:gridCol w="154800">
                   <a:extLst>
                     <a:ext uri="{9D8B030D-6E8A-4147-A177-3AD203B41FA5}">
                       <a16:colId xmlns:a16="http://schemas.microsoft.com/office/drawing/2014/main" val="20001"/>
@@ -15216,8 +15199,8 @@
         </p:nvSpPr>
         <p:spPr>
           <a:xfrm>
-            <a:off x="6109463" y="7472994"/>
-            <a:ext cx="3033146" cy="332399"/>
+            <a:off x="6212052" y="7472071"/>
+            <a:ext cx="2930556" cy="332399"/>
           </a:xfrm>
           <a:prstGeom prst="rect">
             <a:avLst/>
@@ -15227,7 +15210,7 @@
           </a:ln>
           <a:extLst>
             <a:ext uri="{C572A759-6A51-4108-AA02-DFA0A04FC94B}">
-              <ma14:wrappingTextBoxFlag xmlns:ma14="http://schemas.microsoft.com/office/mac/drawingml/2011/main" xmlns="" val="1"/>
+              <ma14:wrappingTextBoxFlag xmlns="" xmlns:ma14="http://schemas.microsoft.com/office/mac/drawingml/2011/main" val="1"/>
             </a:ext>
           </a:extLst>
         </p:spPr>
@@ -15378,14 +15361,14 @@
           <p:nvPr>
             <p:extLst>
               <p:ext uri="{D42A27DB-BD31-4B8C-83A1-F6EECF244321}">
-                <p14:modId xmlns:p14="http://schemas.microsoft.com/office/powerpoint/2010/main" val="562109261"/>
+                <p14:modId xmlns:p14="http://schemas.microsoft.com/office/powerpoint/2010/main" val="4222221672"/>
               </p:ext>
             </p:extLst>
           </p:nvPr>
         </p:nvGraphicFramePr>
         <p:xfrm>
           <a:off x="4834526" y="8530961"/>
-          <a:ext cx="449217" cy="457200"/>
+          <a:ext cx="464400" cy="457200"/>
         </p:xfrm>
         <a:graphic>
           <a:graphicData uri="http://schemas.openxmlformats.org/drawingml/2006/table">
@@ -15394,21 +15377,21 @@
                 <a:tableStyleId>{33BA23B1-9221-436E-865A-0063620EA4FD}</a:tableStyleId>
               </a:tblPr>
               <a:tblGrid>
-                <a:gridCol w="149739">
+                <a:gridCol w="154800">
                   <a:extLst>
                     <a:ext uri="{9D8B030D-6E8A-4147-A177-3AD203B41FA5}">
                       <a16:colId xmlns:a16="http://schemas.microsoft.com/office/drawing/2014/main" val="20000"/>
                     </a:ext>
                   </a:extLst>
                 </a:gridCol>
-                <a:gridCol w="149739">
+                <a:gridCol w="154800">
                   <a:extLst>
                     <a:ext uri="{9D8B030D-6E8A-4147-A177-3AD203B41FA5}">
                       <a16:colId xmlns:a16="http://schemas.microsoft.com/office/drawing/2014/main" val="20001"/>
                     </a:ext>
                   </a:extLst>
                 </a:gridCol>
-                <a:gridCol w="149739">
+                <a:gridCol w="154800">
                   <a:extLst>
                     <a:ext uri="{9D8B030D-6E8A-4147-A177-3AD203B41FA5}">
                       <a16:colId xmlns:a16="http://schemas.microsoft.com/office/drawing/2014/main" val="20002"/>
@@ -15671,7 +15654,7 @@
         </p:nvSpPr>
         <p:spPr>
           <a:xfrm>
-            <a:off x="5361832" y="8680153"/>
+            <a:off x="5342782" y="8680153"/>
             <a:ext cx="136800" cy="0"/>
           </a:xfrm>
           <a:prstGeom prst="line">
@@ -15679,7 +15662,7 @@
           </a:prstGeom>
           <a:ln w="12700">
             <a:solidFill>
-              <a:srgbClr val="53585F"/>
+              <a:srgbClr val="757878"/>
             </a:solidFill>
             <a:miter lim="400000"/>
             <a:tailEnd type="triangle"/>
@@ -15730,14 +15713,14 @@
           <p:nvPr>
             <p:extLst>
               <p:ext uri="{D42A27DB-BD31-4B8C-83A1-F6EECF244321}">
-                <p14:modId xmlns:p14="http://schemas.microsoft.com/office/powerpoint/2010/main" val="2416045382"/>
+                <p14:modId xmlns:p14="http://schemas.microsoft.com/office/powerpoint/2010/main" val="4184833622"/>
               </p:ext>
             </p:extLst>
           </p:nvPr>
         </p:nvGraphicFramePr>
         <p:xfrm>
-          <a:off x="5568363" y="8530961"/>
-          <a:ext cx="299356" cy="457200"/>
+          <a:off x="5520126" y="8530961"/>
+          <a:ext cx="309600" cy="457200"/>
         </p:xfrm>
         <a:graphic>
           <a:graphicData uri="http://schemas.openxmlformats.org/drawingml/2006/table">
@@ -15746,14 +15729,14 @@
                 <a:tableStyleId>{33BA23B1-9221-436E-865A-0063620EA4FD}</a:tableStyleId>
               </a:tblPr>
               <a:tblGrid>
-                <a:gridCol w="149678">
+                <a:gridCol w="154800">
                   <a:extLst>
                     <a:ext uri="{9D8B030D-6E8A-4147-A177-3AD203B41FA5}">
                       <a16:colId xmlns:a16="http://schemas.microsoft.com/office/drawing/2014/main" val="20000"/>
                     </a:ext>
                   </a:extLst>
                 </a:gridCol>
-                <a:gridCol w="149678">
+                <a:gridCol w="154800">
                   <a:extLst>
                     <a:ext uri="{9D8B030D-6E8A-4147-A177-3AD203B41FA5}">
                       <a16:colId xmlns:a16="http://schemas.microsoft.com/office/drawing/2014/main" val="20001"/>
@@ -15932,8 +15915,8 @@
         </p:nvSpPr>
         <p:spPr>
           <a:xfrm>
-            <a:off x="6109463" y="8530961"/>
-            <a:ext cx="3033146" cy="166199"/>
+            <a:off x="6050926" y="8530961"/>
+            <a:ext cx="3091683" cy="166199"/>
           </a:xfrm>
           <a:prstGeom prst="rect">
             <a:avLst/>
@@ -15943,7 +15926,7 @@
           </a:ln>
           <a:extLst>
             <a:ext uri="{C572A759-6A51-4108-AA02-DFA0A04FC94B}">
-              <ma14:wrappingTextBoxFlag xmlns:ma14="http://schemas.microsoft.com/office/mac/drawingml/2011/main" xmlns="" val="1"/>
+              <ma14:wrappingTextBoxFlag xmlns="" xmlns:ma14="http://schemas.microsoft.com/office/mac/drawingml/2011/main" val="1"/>
             </a:ext>
           </a:extLst>
         </p:spPr>
@@ -15985,18 +15968,10 @@
             <a:r>
               <a:rPr lang="en-US" b="0" dirty="0">
                 <a:solidFill>
-                  <a:srgbClr val="0070C0"/>
-                </a:solidFill>
-              </a:rPr>
-              <a:t>]</a:t>
-            </a:r>
-            <a:r>
-              <a:rPr lang="en-US" b="0" dirty="0">
-                <a:solidFill>
                   <a:srgbClr val="000000"/>
                 </a:solidFill>
               </a:rPr>
-              <a:t> – delete a column.</a:t>
+              <a:t>] – delete a column.</a:t>
             </a:r>
           </a:p>
         </p:txBody>
@@ -16102,14 +16077,14 @@
           <p:nvPr>
             <p:extLst>
               <p:ext uri="{D42A27DB-BD31-4B8C-83A1-F6EECF244321}">
-                <p14:modId xmlns:p14="http://schemas.microsoft.com/office/powerpoint/2010/main" val="2801493231"/>
+                <p14:modId xmlns:p14="http://schemas.microsoft.com/office/powerpoint/2010/main" val="4026723501"/>
               </p:ext>
             </p:extLst>
           </p:nvPr>
         </p:nvGraphicFramePr>
         <p:xfrm>
           <a:off x="4822609" y="9572471"/>
-          <a:ext cx="347739" cy="457200"/>
+          <a:ext cx="352800" cy="457200"/>
         </p:xfrm>
         <a:graphic>
           <a:graphicData uri="http://schemas.openxmlformats.org/drawingml/2006/table">
@@ -16118,7 +16093,7 @@
                 <a:tableStyleId>{33BA23B1-9221-436E-865A-0063620EA4FD}</a:tableStyleId>
               </a:tblPr>
               <a:tblGrid>
-                <a:gridCol w="149739">
+                <a:gridCol w="154800">
                   <a:extLst>
                     <a:ext uri="{9D8B030D-6E8A-4147-A177-3AD203B41FA5}">
                       <a16:colId xmlns:a16="http://schemas.microsoft.com/office/drawing/2014/main" val="20000"/>
@@ -16338,7 +16313,7 @@
         </p:nvSpPr>
         <p:spPr>
           <a:xfrm>
-            <a:off x="5215187" y="9725409"/>
+            <a:off x="5218362" y="9725409"/>
             <a:ext cx="136800" cy="0"/>
           </a:xfrm>
           <a:prstGeom prst="line">
@@ -16346,7 +16321,7 @@
           </a:prstGeom>
           <a:ln w="12700">
             <a:solidFill>
-              <a:srgbClr val="53585F"/>
+              <a:srgbClr val="757878"/>
             </a:solidFill>
             <a:miter lim="400000"/>
             <a:tailEnd type="triangle"/>
@@ -16397,14 +16372,14 @@
           <p:nvPr>
             <p:extLst>
               <p:ext uri="{D42A27DB-BD31-4B8C-83A1-F6EECF244321}">
-                <p14:modId xmlns:p14="http://schemas.microsoft.com/office/powerpoint/2010/main" val="186634181"/>
+                <p14:modId xmlns:p14="http://schemas.microsoft.com/office/powerpoint/2010/main" val="543408808"/>
               </p:ext>
             </p:extLst>
           </p:nvPr>
         </p:nvGraphicFramePr>
         <p:xfrm>
           <a:off x="5403507" y="9573042"/>
-          <a:ext cx="299356" cy="457200"/>
+          <a:ext cx="309600" cy="457200"/>
         </p:xfrm>
         <a:graphic>
           <a:graphicData uri="http://schemas.openxmlformats.org/drawingml/2006/table">
@@ -16413,14 +16388,14 @@
                 <a:tableStyleId>{33BA23B1-9221-436E-865A-0063620EA4FD}</a:tableStyleId>
               </a:tblPr>
               <a:tblGrid>
-                <a:gridCol w="149678">
+                <a:gridCol w="154800">
                   <a:extLst>
                     <a:ext uri="{9D8B030D-6E8A-4147-A177-3AD203B41FA5}">
                       <a16:colId xmlns:a16="http://schemas.microsoft.com/office/drawing/2014/main" val="20000"/>
                     </a:ext>
                   </a:extLst>
                 </a:gridCol>
-                <a:gridCol w="149678">
+                <a:gridCol w="154800">
                   <a:extLst>
                     <a:ext uri="{9D8B030D-6E8A-4147-A177-3AD203B41FA5}">
                       <a16:colId xmlns:a16="http://schemas.microsoft.com/office/drawing/2014/main" val="20001"/>
@@ -16611,8 +16586,8 @@
         </p:nvSpPr>
         <p:spPr>
           <a:xfrm>
-            <a:off x="6097546" y="9572471"/>
-            <a:ext cx="3033146" cy="498598"/>
+            <a:off x="6050926" y="9572471"/>
+            <a:ext cx="3079766" cy="498598"/>
           </a:xfrm>
           <a:prstGeom prst="rect">
             <a:avLst/>
@@ -16622,7 +16597,7 @@
           </a:ln>
           <a:extLst>
             <a:ext uri="{C572A759-6A51-4108-AA02-DFA0A04FC94B}">
-              <ma14:wrappingTextBoxFlag xmlns:ma14="http://schemas.microsoft.com/office/mac/drawingml/2011/main" xmlns="" val="1"/>
+              <ma14:wrappingTextBoxFlag xmlns="" xmlns:ma14="http://schemas.microsoft.com/office/mac/drawingml/2011/main" val="1"/>
             </a:ext>
           </a:extLst>
         </p:spPr>
@@ -16921,7 +16896,7 @@
           </a:ln>
           <a:extLst>
             <a:ext uri="{C572A759-6A51-4108-AA02-DFA0A04FC94B}">
-              <ma14:wrappingTextBoxFlag xmlns:ma14="http://schemas.microsoft.com/office/mac/drawingml/2011/main" xmlns="" val="1"/>
+              <ma14:wrappingTextBoxFlag xmlns="" xmlns:ma14="http://schemas.microsoft.com/office/mac/drawingml/2011/main" val="1"/>
             </a:ext>
           </a:extLst>
         </p:spPr>
@@ -17019,7 +16994,7 @@
                   </a:extLst>
                 </a:hlinkClick>
               </a:rPr>
-              <a:t>webpage</a:t>
+              <a:t>homepage</a:t>
             </a:r>
             <a:r>
               <a:rPr lang="da-DK" dirty="0">
@@ -17050,7 +17025,7 @@
                   <a:srgbClr val="5B6167"/>
                 </a:solidFill>
               </a:rPr>
-              <a:t> • data.table version 1.11.6 • </a:t>
+              <a:t> • data.table version 1.11.8 • </a:t>
             </a:r>
             <a:r>
               <a:rPr lang="da-DK" dirty="0" err="1">
@@ -17066,7 +17041,7 @@
                   <a:srgbClr val="5B6167"/>
                 </a:solidFill>
               </a:rPr>
-              <a:t>: 2018-09</a:t>
+              <a:t>: 2019-01</a:t>
             </a:r>
           </a:p>
         </p:txBody>
@@ -17166,7 +17141,7 @@
           </a:ln>
           <a:extLst>
             <a:ext uri="{C572A759-6A51-4108-AA02-DFA0A04FC94B}">
-              <ma14:wrappingTextBoxFlag xmlns:ma14="http://schemas.microsoft.com/office/mac/drawingml/2011/main" xmlns="" val="1"/>
+              <ma14:wrappingTextBoxFlag xmlns="" xmlns:ma14="http://schemas.microsoft.com/office/mac/drawingml/2011/main" val="1"/>
             </a:ext>
           </a:extLst>
         </p:spPr>
@@ -17195,7 +17170,7 @@
                   <a:srgbClr val="393939"/>
                 </a:solidFill>
               </a:rPr>
-              <a:t>.SD</a:t>
+              <a:t>Apply function to cols.</a:t>
             </a:r>
           </a:p>
         </p:txBody>
@@ -17264,7 +17239,7 @@
           </a:ln>
           <a:extLst>
             <a:ext uri="{C572A759-6A51-4108-AA02-DFA0A04FC94B}">
-              <ma14:wrappingTextBoxFlag xmlns:ma14="http://schemas.microsoft.com/office/mac/drawingml/2011/main" xmlns="" val="1"/>
+              <ma14:wrappingTextBoxFlag xmlns="" xmlns:ma14="http://schemas.microsoft.com/office/mac/drawingml/2011/main" val="1"/>
             </a:ext>
           </a:extLst>
         </p:spPr>
@@ -17319,8 +17294,8 @@
         </p:nvSpPr>
         <p:spPr>
           <a:xfrm>
-            <a:off x="2217201" y="6130245"/>
-            <a:ext cx="2386445" cy="775003"/>
+            <a:off x="2026690" y="6130245"/>
+            <a:ext cx="2576956" cy="387502"/>
           </a:xfrm>
           <a:prstGeom prst="rect">
             <a:avLst/>
@@ -17330,12 +17305,12 @@
           </a:ln>
           <a:extLst>
             <a:ext uri="{C572A759-6A51-4108-AA02-DFA0A04FC94B}">
-              <ma14:wrappingTextBoxFlag xmlns:ma14="http://schemas.microsoft.com/office/mac/drawingml/2011/main" xmlns="" val="1"/>
+              <ma14:wrappingTextBoxFlag xmlns="" xmlns:ma14="http://schemas.microsoft.com/office/mac/drawingml/2011/main" val="1"/>
             </a:ext>
           </a:extLst>
         </p:spPr>
         <p:txBody>
-          <a:bodyPr wrap="square" lIns="0" tIns="54570" rIns="0" bIns="54570">
+          <a:bodyPr wrap="square" lIns="0" tIns="0" rIns="0" bIns="54570">
             <a:spAutoFit/>
           </a:bodyPr>
           <a:lstStyle/>
@@ -17391,16 +17366,13 @@
                   <a:srgbClr val="000000"/>
                 </a:solidFill>
               </a:rPr>
-              <a:t>] – join two data.tables based on rows with equal values. </a:t>
-            </a:r>
-            <a:r>
-              <a:rPr lang="en-US" b="0" dirty="0">
-                <a:solidFill>
-                  <a:srgbClr val="5B6167"/>
-                </a:solidFill>
-              </a:rPr>
-              <a:t>You can leave out “on” if keys are already set.</a:t>
-            </a:r>
+              <a:t>] – join data.tables on rows with equal values.</a:t>
+            </a:r>
+            <a:endParaRPr lang="en-US" b="0" dirty="0">
+              <a:solidFill>
+                <a:srgbClr val="5B6167"/>
+              </a:solidFill>
+            </a:endParaRPr>
           </a:p>
         </p:txBody>
       </p:sp>
@@ -17411,14 +17383,14 @@
           <p:nvPr>
             <p:extLst>
               <p:ext uri="{D42A27DB-BD31-4B8C-83A1-F6EECF244321}">
-                <p14:modId xmlns:p14="http://schemas.microsoft.com/office/powerpoint/2010/main" val="4177603055"/>
+                <p14:modId xmlns:p14="http://schemas.microsoft.com/office/powerpoint/2010/main" val="1471732956"/>
               </p:ext>
             </p:extLst>
           </p:nvPr>
         </p:nvGraphicFramePr>
         <p:xfrm>
-          <a:off x="290230" y="6128144"/>
-          <a:ext cx="305364" cy="609600"/>
+          <a:off x="290230" y="6120023"/>
+          <a:ext cx="309600" cy="609600"/>
         </p:xfrm>
         <a:graphic>
           <a:graphicData uri="http://schemas.openxmlformats.org/drawingml/2006/table">
@@ -17427,14 +17399,14 @@
                 <a:tableStyleId>{33BA23B1-9221-436E-865A-0063620EA4FD}</a:tableStyleId>
               </a:tblPr>
               <a:tblGrid>
-                <a:gridCol w="152682">
+                <a:gridCol w="154800">
                   <a:extLst>
                     <a:ext uri="{9D8B030D-6E8A-4147-A177-3AD203B41FA5}">
                       <a16:colId xmlns:a16="http://schemas.microsoft.com/office/drawing/2014/main" val="20000"/>
                     </a:ext>
                   </a:extLst>
                 </a:gridCol>
-                <a:gridCol w="152682">
+                <a:gridCol w="154800">
                   <a:extLst>
                     <a:ext uri="{9D8B030D-6E8A-4147-A177-3AD203B41FA5}">
                       <a16:colId xmlns:a16="http://schemas.microsoft.com/office/drawing/2014/main" val="20001"/>
@@ -17822,7 +17794,7 @@
         </p:nvSpPr>
         <p:spPr>
           <a:xfrm>
-            <a:off x="290230" y="8045339"/>
+            <a:off x="290230" y="7923419"/>
             <a:ext cx="4320000" cy="0"/>
           </a:xfrm>
           <a:prstGeom prst="line">
@@ -17869,7 +17841,7 @@
         </p:nvSpPr>
         <p:spPr>
           <a:xfrm>
-            <a:off x="290230" y="8067410"/>
+            <a:off x="290230" y="7945490"/>
             <a:ext cx="971420" cy="276999"/>
           </a:xfrm>
           <a:prstGeom prst="rect">
@@ -17897,14 +17869,14 @@
           <p:nvPr>
             <p:extLst>
               <p:ext uri="{D42A27DB-BD31-4B8C-83A1-F6EECF244321}">
-                <p14:modId xmlns:p14="http://schemas.microsoft.com/office/powerpoint/2010/main" val="2744979883"/>
+                <p14:modId xmlns:p14="http://schemas.microsoft.com/office/powerpoint/2010/main" val="4132378329"/>
               </p:ext>
             </p:extLst>
           </p:nvPr>
         </p:nvGraphicFramePr>
         <p:xfrm>
-          <a:off x="895909" y="6120023"/>
-          <a:ext cx="305364" cy="609600"/>
+          <a:off x="848284" y="6120023"/>
+          <a:ext cx="309600" cy="609600"/>
         </p:xfrm>
         <a:graphic>
           <a:graphicData uri="http://schemas.openxmlformats.org/drawingml/2006/table">
@@ -17913,14 +17885,14 @@
                 <a:tableStyleId>{33BA23B1-9221-436E-865A-0063620EA4FD}</a:tableStyleId>
               </a:tblPr>
               <a:tblGrid>
-                <a:gridCol w="152682">
+                <a:gridCol w="154800">
                   <a:extLst>
                     <a:ext uri="{9D8B030D-6E8A-4147-A177-3AD203B41FA5}">
                       <a16:colId xmlns:a16="http://schemas.microsoft.com/office/drawing/2014/main" val="20000"/>
                     </a:ext>
                   </a:extLst>
                 </a:gridCol>
-                <a:gridCol w="152682">
+                <a:gridCol w="154800">
                   <a:extLst>
                     <a:ext uri="{9D8B030D-6E8A-4147-A177-3AD203B41FA5}">
                       <a16:colId xmlns:a16="http://schemas.microsoft.com/office/drawing/2014/main" val="20001"/>
@@ -18232,8 +18204,8 @@
         </p:nvSpPr>
         <p:spPr>
           <a:xfrm>
-            <a:off x="637358" y="6272399"/>
-            <a:ext cx="318258" cy="359505"/>
+            <a:off x="608783" y="6272399"/>
+            <a:ext cx="318258" cy="345655"/>
           </a:xfrm>
           <a:prstGeom prst="rect">
             <a:avLst/>
@@ -18243,7 +18215,7 @@
           </a:ln>
           <a:extLst>
             <a:ext uri="{C572A759-6A51-4108-AA02-DFA0A04FC94B}">
-              <ma14:wrappingTextBoxFlag xmlns:ma14="http://schemas.microsoft.com/office/mac/drawingml/2011/main" xmlns="" val="1"/>
+              <ma14:wrappingTextBoxFlag xmlns="" xmlns:ma14="http://schemas.microsoft.com/office/mac/drawingml/2011/main" val="1"/>
             </a:ext>
           </a:extLst>
         </p:spPr>
@@ -18259,9 +18231,9 @@
               </a:lnSpc>
             </a:pPr>
             <a:r>
-              <a:rPr lang="en-US" sz="1800" b="0" dirty="0">
-                <a:solidFill>
-                  <a:srgbClr val="53585F"/>
+              <a:rPr lang="en-US" sz="1700" b="0" dirty="0">
+                <a:solidFill>
+                  <a:srgbClr val="757878"/>
                 </a:solidFill>
               </a:rPr>
               <a:t>+</a:t>
@@ -18276,14 +18248,14 @@
           <p:nvPr>
             <p:extLst>
               <p:ext uri="{D42A27DB-BD31-4B8C-83A1-F6EECF244321}">
-                <p14:modId xmlns:p14="http://schemas.microsoft.com/office/powerpoint/2010/main" val="1118855424"/>
+                <p14:modId xmlns:p14="http://schemas.microsoft.com/office/powerpoint/2010/main" val="542972259"/>
               </p:ext>
             </p:extLst>
           </p:nvPr>
         </p:nvGraphicFramePr>
         <p:xfrm>
-          <a:off x="1466990" y="6131622"/>
-          <a:ext cx="449184" cy="609600"/>
+          <a:off x="1362215" y="6120023"/>
+          <a:ext cx="464400" cy="609600"/>
         </p:xfrm>
         <a:graphic>
           <a:graphicData uri="http://schemas.openxmlformats.org/drawingml/2006/table">
@@ -18292,21 +18264,21 @@
                 <a:tableStyleId>{33BA23B1-9221-436E-865A-0063620EA4FD}</a:tableStyleId>
               </a:tblPr>
               <a:tblGrid>
-                <a:gridCol w="149728">
+                <a:gridCol w="154800">
                   <a:extLst>
                     <a:ext uri="{9D8B030D-6E8A-4147-A177-3AD203B41FA5}">
                       <a16:colId xmlns:a16="http://schemas.microsoft.com/office/drawing/2014/main" val="20000"/>
                     </a:ext>
                   </a:extLst>
                 </a:gridCol>
-                <a:gridCol w="149728">
+                <a:gridCol w="154800">
                   <a:extLst>
                     <a:ext uri="{9D8B030D-6E8A-4147-A177-3AD203B41FA5}">
                       <a16:colId xmlns:a16="http://schemas.microsoft.com/office/drawing/2014/main" val="20001"/>
                     </a:ext>
                   </a:extLst>
                 </a:gridCol>
-                <a:gridCol w="149728">
+                <a:gridCol w="154800">
                   <a:extLst>
                     <a:ext uri="{9D8B030D-6E8A-4147-A177-3AD203B41FA5}">
                       <a16:colId xmlns:a16="http://schemas.microsoft.com/office/drawing/2014/main" val="20002"/>
@@ -18738,8 +18710,8 @@
         </p:nvSpPr>
         <p:spPr>
           <a:xfrm>
-            <a:off x="1221828" y="6272843"/>
-            <a:ext cx="318258" cy="359505"/>
+            <a:off x="1145628" y="6272843"/>
+            <a:ext cx="318258" cy="345655"/>
           </a:xfrm>
           <a:prstGeom prst="rect">
             <a:avLst/>
@@ -18749,7 +18721,7 @@
           </a:ln>
           <a:extLst>
             <a:ext uri="{C572A759-6A51-4108-AA02-DFA0A04FC94B}">
-              <ma14:wrappingTextBoxFlag xmlns:ma14="http://schemas.microsoft.com/office/mac/drawingml/2011/main" xmlns="" val="1"/>
+              <ma14:wrappingTextBoxFlag xmlns="" xmlns:ma14="http://schemas.microsoft.com/office/mac/drawingml/2011/main" val="1"/>
             </a:ext>
           </a:extLst>
         </p:spPr>
@@ -18765,9 +18737,9 @@
               </a:lnSpc>
             </a:pPr>
             <a:r>
-              <a:rPr lang="en-US" sz="1800" b="0" dirty="0">
-                <a:solidFill>
-                  <a:srgbClr val="53585F"/>
+              <a:rPr lang="en-US" sz="1700" b="0" dirty="0">
+                <a:solidFill>
+                  <a:srgbClr val="757878"/>
                 </a:solidFill>
               </a:rPr>
               <a:t>=</a:t>
@@ -18783,8 +18755,8 @@
         </p:nvSpPr>
         <p:spPr>
           <a:xfrm>
-            <a:off x="2622666" y="7063080"/>
-            <a:ext cx="1980980" cy="775003"/>
+            <a:off x="2556941" y="7063080"/>
+            <a:ext cx="2046705" cy="553701"/>
           </a:xfrm>
           <a:prstGeom prst="rect">
             <a:avLst/>
@@ -18794,12 +18766,12 @@
           </a:ln>
           <a:extLst>
             <a:ext uri="{C572A759-6A51-4108-AA02-DFA0A04FC94B}">
-              <ma14:wrappingTextBoxFlag xmlns:ma14="http://schemas.microsoft.com/office/mac/drawingml/2011/main" xmlns="" val="1"/>
+              <ma14:wrappingTextBoxFlag xmlns="" xmlns:ma14="http://schemas.microsoft.com/office/mac/drawingml/2011/main" val="1"/>
             </a:ext>
           </a:extLst>
         </p:spPr>
         <p:txBody>
-          <a:bodyPr wrap="square" lIns="0" tIns="54570" rIns="0" bIns="54570">
+          <a:bodyPr wrap="square" lIns="0" tIns="0" rIns="0" bIns="54570">
             <a:spAutoFit/>
           </a:bodyPr>
           <a:lstStyle/>
@@ -18855,7 +18827,23 @@
                   <a:srgbClr val="000000"/>
                 </a:solidFill>
               </a:rPr>
-              <a:t>] – join two data.tables based on rows with equal and unequal values.</a:t>
+              <a:t>] – join data.tables on rows with equal </a:t>
+            </a:r>
+            <a:r>
+              <a:rPr lang="en-US" b="0" i="1" dirty="0">
+                <a:solidFill>
+                  <a:srgbClr val="000000"/>
+                </a:solidFill>
+              </a:rPr>
+              <a:t>and unequal </a:t>
+            </a:r>
+            <a:r>
+              <a:rPr lang="en-US" b="0" dirty="0">
+                <a:solidFill>
+                  <a:srgbClr val="000000"/>
+                </a:solidFill>
+              </a:rPr>
+              <a:t>values.</a:t>
             </a:r>
           </a:p>
         </p:txBody>
@@ -18867,14 +18855,14 @@
           <p:nvPr>
             <p:extLst>
               <p:ext uri="{D42A27DB-BD31-4B8C-83A1-F6EECF244321}">
-                <p14:modId xmlns:p14="http://schemas.microsoft.com/office/powerpoint/2010/main" val="3272806282"/>
+                <p14:modId xmlns:p14="http://schemas.microsoft.com/office/powerpoint/2010/main" val="2532188908"/>
               </p:ext>
             </p:extLst>
           </p:nvPr>
         </p:nvGraphicFramePr>
         <p:xfrm>
-          <a:off x="290230" y="7070959"/>
-          <a:ext cx="453600" cy="609600"/>
+          <a:off x="290230" y="7062838"/>
+          <a:ext cx="464400" cy="609600"/>
         </p:xfrm>
         <a:graphic>
           <a:graphicData uri="http://schemas.openxmlformats.org/drawingml/2006/table">
@@ -18883,21 +18871,21 @@
                 <a:tableStyleId>{33BA23B1-9221-436E-865A-0063620EA4FD}</a:tableStyleId>
               </a:tblPr>
               <a:tblGrid>
-                <a:gridCol w="151200">
+                <a:gridCol w="154800">
                   <a:extLst>
                     <a:ext uri="{9D8B030D-6E8A-4147-A177-3AD203B41FA5}">
                       <a16:colId xmlns:a16="http://schemas.microsoft.com/office/drawing/2014/main" val="20000"/>
                     </a:ext>
                   </a:extLst>
                 </a:gridCol>
-                <a:gridCol w="151200">
+                <a:gridCol w="154800">
                   <a:extLst>
                     <a:ext uri="{9D8B030D-6E8A-4147-A177-3AD203B41FA5}">
                       <a16:colId xmlns:a16="http://schemas.microsoft.com/office/drawing/2014/main" val="20001"/>
                     </a:ext>
                   </a:extLst>
                 </a:gridCol>
-                <a:gridCol w="151200">
+                <a:gridCol w="154800">
                   <a:extLst>
                     <a:ext uri="{9D8B030D-6E8A-4147-A177-3AD203B41FA5}">
                       <a16:colId xmlns:a16="http://schemas.microsoft.com/office/drawing/2014/main" val="20002"/>
@@ -19344,14 +19332,14 @@
           <p:nvPr>
             <p:extLst>
               <p:ext uri="{D42A27DB-BD31-4B8C-83A1-F6EECF244321}">
-                <p14:modId xmlns:p14="http://schemas.microsoft.com/office/powerpoint/2010/main" val="2246582969"/>
+                <p14:modId xmlns:p14="http://schemas.microsoft.com/office/powerpoint/2010/main" val="3345645647"/>
               </p:ext>
             </p:extLst>
           </p:nvPr>
         </p:nvGraphicFramePr>
         <p:xfrm>
-          <a:off x="997835" y="7062838"/>
-          <a:ext cx="454107" cy="609600"/>
+          <a:off x="985135" y="7062838"/>
+          <a:ext cx="457538" cy="609600"/>
         </p:xfrm>
         <a:graphic>
           <a:graphicData uri="http://schemas.openxmlformats.org/drawingml/2006/table">
@@ -19367,7 +19355,7 @@
                     </a:ext>
                   </a:extLst>
                 </a:gridCol>
-                <a:gridCol w="151369">
+                <a:gridCol w="154800">
                   <a:extLst>
                     <a:ext uri="{9D8B030D-6E8A-4147-A177-3AD203B41FA5}">
                       <a16:colId xmlns:a16="http://schemas.microsoft.com/office/drawing/2014/main" val="20001"/>
@@ -19822,8 +19810,8 @@
         </p:nvSpPr>
         <p:spPr>
           <a:xfrm>
-            <a:off x="761387" y="7215658"/>
-            <a:ext cx="318258" cy="359505"/>
+            <a:off x="758212" y="7215658"/>
+            <a:ext cx="318258" cy="345655"/>
           </a:xfrm>
           <a:prstGeom prst="rect">
             <a:avLst/>
@@ -19833,7 +19821,7 @@
           </a:ln>
           <a:extLst>
             <a:ext uri="{C572A759-6A51-4108-AA02-DFA0A04FC94B}">
-              <ma14:wrappingTextBoxFlag xmlns:ma14="http://schemas.microsoft.com/office/mac/drawingml/2011/main" xmlns="" val="1"/>
+              <ma14:wrappingTextBoxFlag xmlns="" xmlns:ma14="http://schemas.microsoft.com/office/mac/drawingml/2011/main" val="1"/>
             </a:ext>
           </a:extLst>
         </p:spPr>
@@ -19849,9 +19837,9 @@
               </a:lnSpc>
             </a:pPr>
             <a:r>
-              <a:rPr lang="en-US" sz="1800" b="0" dirty="0">
-                <a:solidFill>
-                  <a:srgbClr val="53585F"/>
+              <a:rPr lang="en-US" sz="1700" b="0" dirty="0">
+                <a:solidFill>
+                  <a:srgbClr val="757878"/>
                 </a:solidFill>
               </a:rPr>
               <a:t>+</a:t>
@@ -19866,14 +19854,14 @@
           <p:nvPr>
             <p:extLst>
               <p:ext uri="{D42A27DB-BD31-4B8C-83A1-F6EECF244321}">
-                <p14:modId xmlns:p14="http://schemas.microsoft.com/office/powerpoint/2010/main" val="1494327018"/>
+                <p14:modId xmlns:p14="http://schemas.microsoft.com/office/powerpoint/2010/main" val="3487717368"/>
               </p:ext>
             </p:extLst>
           </p:nvPr>
         </p:nvGraphicFramePr>
         <p:xfrm>
-          <a:off x="1725593" y="7074437"/>
-          <a:ext cx="640800" cy="609600"/>
+          <a:off x="1671618" y="7062838"/>
+          <a:ext cx="662400" cy="612000"/>
         </p:xfrm>
         <a:graphic>
           <a:graphicData uri="http://schemas.openxmlformats.org/drawingml/2006/table">
@@ -19882,28 +19870,28 @@
                 <a:tableStyleId>{33BA23B1-9221-436E-865A-0063620EA4FD}</a:tableStyleId>
               </a:tblPr>
               <a:tblGrid>
-                <a:gridCol w="187200">
+                <a:gridCol w="198000">
                   <a:extLst>
                     <a:ext uri="{9D8B030D-6E8A-4147-A177-3AD203B41FA5}">
                       <a16:colId xmlns:a16="http://schemas.microsoft.com/office/drawing/2014/main" val="20000"/>
                     </a:ext>
                   </a:extLst>
                 </a:gridCol>
-                <a:gridCol w="151200">
+                <a:gridCol w="154800">
                   <a:extLst>
                     <a:ext uri="{9D8B030D-6E8A-4147-A177-3AD203B41FA5}">
                       <a16:colId xmlns:a16="http://schemas.microsoft.com/office/drawing/2014/main" val="20001"/>
                     </a:ext>
                   </a:extLst>
                 </a:gridCol>
-                <a:gridCol w="151200">
+                <a:gridCol w="154800">
                   <a:extLst>
                     <a:ext uri="{9D8B030D-6E8A-4147-A177-3AD203B41FA5}">
                       <a16:colId xmlns:a16="http://schemas.microsoft.com/office/drawing/2014/main" val="20002"/>
                     </a:ext>
                   </a:extLst>
                 </a:gridCol>
-                <a:gridCol w="151200">
+                <a:gridCol w="154800">
                   <a:extLst>
                     <a:ext uri="{9D8B030D-6E8A-4147-A177-3AD203B41FA5}">
                       <a16:colId xmlns:a16="http://schemas.microsoft.com/office/drawing/2014/main" val="20003"/>
@@ -20024,7 +20012,7 @@
                   </a:ext>
                 </a:extLst>
               </a:tr>
-              <a:tr h="114300">
+              <a:tr h="154800">
                 <a:tc>
                   <a:txBody>
                     <a:bodyPr/>
@@ -20472,7 +20460,7 @@
         <p:spPr>
           <a:xfrm>
             <a:off x="1469320" y="7215658"/>
-            <a:ext cx="318258" cy="359505"/>
+            <a:ext cx="318258" cy="345655"/>
           </a:xfrm>
           <a:prstGeom prst="rect">
             <a:avLst/>
@@ -20482,7 +20470,7 @@
           </a:ln>
           <a:extLst>
             <a:ext uri="{C572A759-6A51-4108-AA02-DFA0A04FC94B}">
-              <ma14:wrappingTextBoxFlag xmlns:ma14="http://schemas.microsoft.com/office/mac/drawingml/2011/main" xmlns="" val="1"/>
+              <ma14:wrappingTextBoxFlag xmlns="" xmlns:ma14="http://schemas.microsoft.com/office/mac/drawingml/2011/main" val="1"/>
             </a:ext>
           </a:extLst>
         </p:spPr>
@@ -20498,9 +20486,9 @@
               </a:lnSpc>
             </a:pPr>
             <a:r>
-              <a:rPr lang="en-US" sz="1800" b="0" dirty="0">
-                <a:solidFill>
-                  <a:srgbClr val="53585F"/>
+              <a:rPr lang="en-US" sz="1700" b="0" dirty="0">
+                <a:solidFill>
+                  <a:srgbClr val="757878"/>
                 </a:solidFill>
               </a:rPr>
               <a:t>=</a:t>
@@ -20516,7 +20504,7 @@
         </p:nvSpPr>
         <p:spPr>
           <a:xfrm>
-            <a:off x="290230" y="9401447"/>
+            <a:off x="290230" y="9293703"/>
             <a:ext cx="4313416" cy="775003"/>
           </a:xfrm>
           <a:prstGeom prst="rect">
@@ -20527,7 +20515,7 @@
           </a:ln>
           <a:extLst>
             <a:ext uri="{C572A759-6A51-4108-AA02-DFA0A04FC94B}">
-              <ma14:wrappingTextBoxFlag xmlns:ma14="http://schemas.microsoft.com/office/mac/drawingml/2011/main" xmlns="" val="1"/>
+              <ma14:wrappingTextBoxFlag xmlns="" xmlns:ma14="http://schemas.microsoft.com/office/mac/drawingml/2011/main" val="1"/>
             </a:ext>
           </a:extLst>
         </p:spPr>
@@ -20588,7 +20576,7 @@
                   <a:srgbClr val="000000"/>
                 </a:solidFill>
               </a:rPr>
-              <a:t>] – by default, a rolling join matches rows, according to id columns, but only keeps the most recent preceding match with the left table, according to date columns. </a:t>
+              <a:t>] – join data.tables on matching rows in id columns but only keep the most recent preceding match with the left data.table according to date columns. </a:t>
             </a:r>
             <a:r>
               <a:rPr lang="en-US" b="0" dirty="0">
@@ -20596,7 +20584,7 @@
                   <a:srgbClr val="5B6167"/>
                 </a:solidFill>
               </a:rPr>
-              <a:t>Use “roll = -</a:t>
+              <a:t>“roll = -</a:t>
             </a:r>
             <a:r>
               <a:rPr lang="en-US" b="0" dirty="0" err="1">
@@ -20612,7 +20600,7 @@
                   <a:srgbClr val="5B6167"/>
                 </a:solidFill>
               </a:rPr>
-              <a:t>” to reverse direction.</a:t>
+              <a:t>” reverses direction.</a:t>
             </a:r>
           </a:p>
         </p:txBody>
@@ -20625,8 +20613,8 @@
         </p:nvSpPr>
         <p:spPr>
           <a:xfrm>
-            <a:off x="6527669" y="1518080"/>
-            <a:ext cx="2651762" cy="387502"/>
+            <a:off x="6399640" y="1518080"/>
+            <a:ext cx="2779791" cy="387502"/>
           </a:xfrm>
           <a:prstGeom prst="rect">
             <a:avLst/>
@@ -20636,7 +20624,7 @@
           </a:ln>
           <a:extLst>
             <a:ext uri="{C572A759-6A51-4108-AA02-DFA0A04FC94B}">
-              <ma14:wrappingTextBoxFlag xmlns:ma14="http://schemas.microsoft.com/office/mac/drawingml/2011/main" xmlns="" val="1"/>
+              <ma14:wrappingTextBoxFlag xmlns="" xmlns:ma14="http://schemas.microsoft.com/office/mac/drawingml/2011/main" val="1"/>
             </a:ext>
           </a:extLst>
         </p:spPr>
@@ -20722,14 +20710,14 @@
           <p:nvPr>
             <p:extLst>
               <p:ext uri="{D42A27DB-BD31-4B8C-83A1-F6EECF244321}">
-                <p14:modId xmlns:p14="http://schemas.microsoft.com/office/powerpoint/2010/main" val="1946181426"/>
+                <p14:modId xmlns:p14="http://schemas.microsoft.com/office/powerpoint/2010/main" val="2254977361"/>
               </p:ext>
             </p:extLst>
           </p:nvPr>
         </p:nvGraphicFramePr>
         <p:xfrm>
-          <a:off x="4812083" y="1525090"/>
-          <a:ext cx="305364" cy="457200"/>
+          <a:off x="4812083" y="1516969"/>
+          <a:ext cx="309600" cy="457200"/>
         </p:xfrm>
         <a:graphic>
           <a:graphicData uri="http://schemas.openxmlformats.org/drawingml/2006/table">
@@ -20738,14 +20726,14 @@
                 <a:tableStyleId>{33BA23B1-9221-436E-865A-0063620EA4FD}</a:tableStyleId>
               </a:tblPr>
               <a:tblGrid>
-                <a:gridCol w="152682">
+                <a:gridCol w="154800">
                   <a:extLst>
                     <a:ext uri="{9D8B030D-6E8A-4147-A177-3AD203B41FA5}">
                       <a16:colId xmlns:a16="http://schemas.microsoft.com/office/drawing/2014/main" val="20000"/>
                     </a:ext>
                   </a:extLst>
                 </a:gridCol>
-                <a:gridCol w="152682">
+                <a:gridCol w="154800">
                   <a:extLst>
                     <a:ext uri="{9D8B030D-6E8A-4147-A177-3AD203B41FA5}">
                       <a16:colId xmlns:a16="http://schemas.microsoft.com/office/drawing/2014/main" val="20001"/>
@@ -20925,14 +20913,14 @@
           <p:nvPr>
             <p:extLst>
               <p:ext uri="{D42A27DB-BD31-4B8C-83A1-F6EECF244321}">
-                <p14:modId xmlns:p14="http://schemas.microsoft.com/office/powerpoint/2010/main" val="334224205"/>
+                <p14:modId xmlns:p14="http://schemas.microsoft.com/office/powerpoint/2010/main" val="2189644047"/>
               </p:ext>
             </p:extLst>
           </p:nvPr>
         </p:nvGraphicFramePr>
         <p:xfrm>
-          <a:off x="5366472" y="1516969"/>
-          <a:ext cx="305364" cy="457200"/>
+          <a:off x="5341072" y="1516969"/>
+          <a:ext cx="309600" cy="457200"/>
         </p:xfrm>
         <a:graphic>
           <a:graphicData uri="http://schemas.openxmlformats.org/drawingml/2006/table">
@@ -20941,14 +20929,14 @@
                 <a:tableStyleId>{33BA23B1-9221-436E-865A-0063620EA4FD}</a:tableStyleId>
               </a:tblPr>
               <a:tblGrid>
-                <a:gridCol w="152682">
+                <a:gridCol w="154800">
                   <a:extLst>
                     <a:ext uri="{9D8B030D-6E8A-4147-A177-3AD203B41FA5}">
                       <a16:colId xmlns:a16="http://schemas.microsoft.com/office/drawing/2014/main" val="20000"/>
                     </a:ext>
                   </a:extLst>
                 </a:gridCol>
-                <a:gridCol w="152682">
+                <a:gridCol w="154800">
                   <a:extLst>
                     <a:ext uri="{9D8B030D-6E8A-4147-A177-3AD203B41FA5}">
                       <a16:colId xmlns:a16="http://schemas.microsoft.com/office/drawing/2014/main" val="20001"/>
@@ -21132,7 +21120,7 @@
         <p:spPr>
           <a:xfrm>
             <a:off x="5121776" y="1578851"/>
-            <a:ext cx="318258" cy="359505"/>
+            <a:ext cx="318258" cy="345655"/>
           </a:xfrm>
           <a:prstGeom prst="rect">
             <a:avLst/>
@@ -21142,7 +21130,7 @@
           </a:ln>
           <a:extLst>
             <a:ext uri="{C572A759-6A51-4108-AA02-DFA0A04FC94B}">
-              <ma14:wrappingTextBoxFlag xmlns:ma14="http://schemas.microsoft.com/office/mac/drawingml/2011/main" xmlns="" val="1"/>
+              <ma14:wrappingTextBoxFlag xmlns="" xmlns:ma14="http://schemas.microsoft.com/office/mac/drawingml/2011/main" val="1"/>
             </a:ext>
           </a:extLst>
         </p:spPr>
@@ -21158,9 +21146,9 @@
               </a:lnSpc>
             </a:pPr>
             <a:r>
-              <a:rPr lang="en-US" sz="1800" b="0" dirty="0">
-                <a:solidFill>
-                  <a:srgbClr val="53585F"/>
+              <a:rPr lang="en-US" sz="1700" b="0" dirty="0">
+                <a:solidFill>
+                  <a:srgbClr val="757878"/>
                 </a:solidFill>
               </a:rPr>
               <a:t>+</a:t>
@@ -21175,14 +21163,14 @@
           <p:nvPr>
             <p:extLst>
               <p:ext uri="{D42A27DB-BD31-4B8C-83A1-F6EECF244321}">
-                <p14:modId xmlns:p14="http://schemas.microsoft.com/office/powerpoint/2010/main" val="2270922642"/>
+                <p14:modId xmlns:p14="http://schemas.microsoft.com/office/powerpoint/2010/main" val="3889289221"/>
               </p:ext>
             </p:extLst>
           </p:nvPr>
         </p:nvGraphicFramePr>
         <p:xfrm>
-          <a:off x="5937326" y="1518080"/>
-          <a:ext cx="299456" cy="762000"/>
+          <a:off x="5870651" y="1516969"/>
+          <a:ext cx="309600" cy="762000"/>
         </p:xfrm>
         <a:graphic>
           <a:graphicData uri="http://schemas.openxmlformats.org/drawingml/2006/table">
@@ -21191,14 +21179,14 @@
                 <a:tableStyleId>{33BA23B1-9221-436E-865A-0063620EA4FD}</a:tableStyleId>
               </a:tblPr>
               <a:tblGrid>
-                <a:gridCol w="149728">
+                <a:gridCol w="154800">
                   <a:extLst>
                     <a:ext uri="{9D8B030D-6E8A-4147-A177-3AD203B41FA5}">
                       <a16:colId xmlns:a16="http://schemas.microsoft.com/office/drawing/2014/main" val="20000"/>
                     </a:ext>
                   </a:extLst>
                 </a:gridCol>
-                <a:gridCol w="149728">
+                <a:gridCol w="154800">
                   <a:extLst>
                     <a:ext uri="{9D8B030D-6E8A-4147-A177-3AD203B41FA5}">
                       <a16:colId xmlns:a16="http://schemas.microsoft.com/office/drawing/2014/main" val="20001"/>
@@ -21481,8 +21469,8 @@
         </p:nvSpPr>
         <p:spPr>
           <a:xfrm>
-            <a:off x="5688264" y="1579295"/>
-            <a:ext cx="318258" cy="359505"/>
+            <a:off x="5651320" y="1579295"/>
+            <a:ext cx="318258" cy="345655"/>
           </a:xfrm>
           <a:prstGeom prst="rect">
             <a:avLst/>
@@ -21492,7 +21480,7 @@
           </a:ln>
           <a:extLst>
             <a:ext uri="{C572A759-6A51-4108-AA02-DFA0A04FC94B}">
-              <ma14:wrappingTextBoxFlag xmlns:ma14="http://schemas.microsoft.com/office/mac/drawingml/2011/main" xmlns="" val="1"/>
+              <ma14:wrappingTextBoxFlag xmlns="" xmlns:ma14="http://schemas.microsoft.com/office/mac/drawingml/2011/main" val="1"/>
             </a:ext>
           </a:extLst>
         </p:spPr>
@@ -21508,9 +21496,9 @@
               </a:lnSpc>
             </a:pPr>
             <a:r>
-              <a:rPr lang="en-US" sz="1800" b="0" dirty="0">
-                <a:solidFill>
-                  <a:srgbClr val="53585F"/>
+              <a:rPr lang="en-US" sz="1700" b="0" dirty="0">
+                <a:solidFill>
+                  <a:srgbClr val="757878"/>
                 </a:solidFill>
               </a:rPr>
               <a:t>=</a:t>
@@ -21526,8 +21514,8 @@
         </p:nvSpPr>
         <p:spPr>
           <a:xfrm>
-            <a:off x="6805004" y="2521928"/>
-            <a:ext cx="2374426" cy="387502"/>
+            <a:off x="6707975" y="2521928"/>
+            <a:ext cx="2471456" cy="387502"/>
           </a:xfrm>
           <a:prstGeom prst="rect">
             <a:avLst/>
@@ -21537,7 +21525,7 @@
           </a:ln>
           <a:extLst>
             <a:ext uri="{C572A759-6A51-4108-AA02-DFA0A04FC94B}">
-              <ma14:wrappingTextBoxFlag xmlns:ma14="http://schemas.microsoft.com/office/mac/drawingml/2011/main" xmlns="" val="1"/>
+              <ma14:wrappingTextBoxFlag xmlns="" xmlns:ma14="http://schemas.microsoft.com/office/mac/drawingml/2011/main" val="1"/>
             </a:ext>
           </a:extLst>
         </p:spPr>
@@ -21623,14 +21611,14 @@
           <p:nvPr>
             <p:extLst>
               <p:ext uri="{D42A27DB-BD31-4B8C-83A1-F6EECF244321}">
-                <p14:modId xmlns:p14="http://schemas.microsoft.com/office/powerpoint/2010/main" val="3026639663"/>
+                <p14:modId xmlns:p14="http://schemas.microsoft.com/office/powerpoint/2010/main" val="56398493"/>
               </p:ext>
             </p:extLst>
           </p:nvPr>
         </p:nvGraphicFramePr>
         <p:xfrm>
           <a:off x="4812083" y="2518974"/>
-          <a:ext cx="305364" cy="609600"/>
+          <a:ext cx="309600" cy="609600"/>
         </p:xfrm>
         <a:graphic>
           <a:graphicData uri="http://schemas.openxmlformats.org/drawingml/2006/table">
@@ -21639,14 +21627,14 @@
                 <a:tableStyleId>{33BA23B1-9221-436E-865A-0063620EA4FD}</a:tableStyleId>
               </a:tblPr>
               <a:tblGrid>
-                <a:gridCol w="152682">
+                <a:gridCol w="154800">
                   <a:extLst>
                     <a:ext uri="{9D8B030D-6E8A-4147-A177-3AD203B41FA5}">
                       <a16:colId xmlns:a16="http://schemas.microsoft.com/office/drawing/2014/main" val="20000"/>
                     </a:ext>
                   </a:extLst>
                 </a:gridCol>
-                <a:gridCol w="152682">
+                <a:gridCol w="154800">
                   <a:extLst>
                     <a:ext uri="{9D8B030D-6E8A-4147-A177-3AD203B41FA5}">
                       <a16:colId xmlns:a16="http://schemas.microsoft.com/office/drawing/2014/main" val="20001"/>
@@ -21877,14 +21865,14 @@
           <p:nvPr>
             <p:extLst>
               <p:ext uri="{D42A27DB-BD31-4B8C-83A1-F6EECF244321}">
-                <p14:modId xmlns:p14="http://schemas.microsoft.com/office/powerpoint/2010/main" val="2958449869"/>
+                <p14:modId xmlns:p14="http://schemas.microsoft.com/office/powerpoint/2010/main" val="2531597978"/>
               </p:ext>
             </p:extLst>
           </p:nvPr>
         </p:nvGraphicFramePr>
         <p:xfrm>
-          <a:off x="5366472" y="2518974"/>
-          <a:ext cx="305364" cy="609600"/>
+          <a:off x="5350597" y="2518974"/>
+          <a:ext cx="307482" cy="609600"/>
         </p:xfrm>
         <a:graphic>
           <a:graphicData uri="http://schemas.openxmlformats.org/drawingml/2006/table">
@@ -21900,7 +21888,7 @@
                     </a:ext>
                   </a:extLst>
                 </a:gridCol>
-                <a:gridCol w="152682">
+                <a:gridCol w="154800">
                   <a:extLst>
                     <a:ext uri="{9D8B030D-6E8A-4147-A177-3AD203B41FA5}">
                       <a16:colId xmlns:a16="http://schemas.microsoft.com/office/drawing/2014/main" val="20001"/>
@@ -22135,7 +22123,7 @@
         <p:spPr>
           <a:xfrm>
             <a:off x="5121776" y="2671350"/>
-            <a:ext cx="318258" cy="359505"/>
+            <a:ext cx="318258" cy="345655"/>
           </a:xfrm>
           <a:prstGeom prst="rect">
             <a:avLst/>
@@ -22145,7 +22133,7 @@
           </a:ln>
           <a:extLst>
             <a:ext uri="{C572A759-6A51-4108-AA02-DFA0A04FC94B}">
-              <ma14:wrappingTextBoxFlag xmlns:ma14="http://schemas.microsoft.com/office/mac/drawingml/2011/main" xmlns="" val="1"/>
+              <ma14:wrappingTextBoxFlag xmlns="" xmlns:ma14="http://schemas.microsoft.com/office/mac/drawingml/2011/main" val="1"/>
             </a:ext>
           </a:extLst>
         </p:spPr>
@@ -22161,9 +22149,9 @@
               </a:lnSpc>
             </a:pPr>
             <a:r>
-              <a:rPr lang="en-US" sz="1800" b="0" dirty="0">
-                <a:solidFill>
-                  <a:srgbClr val="53585F"/>
+              <a:rPr lang="en-US" sz="1700" b="0" dirty="0">
+                <a:solidFill>
+                  <a:srgbClr val="757878"/>
                 </a:solidFill>
               </a:rPr>
               <a:t>+</a:t>
@@ -22178,14 +22166,14 @@
           <p:nvPr>
             <p:extLst>
               <p:ext uri="{D42A27DB-BD31-4B8C-83A1-F6EECF244321}">
-                <p14:modId xmlns:p14="http://schemas.microsoft.com/office/powerpoint/2010/main" val="4270104003"/>
+                <p14:modId xmlns:p14="http://schemas.microsoft.com/office/powerpoint/2010/main" val="4117123109"/>
               </p:ext>
             </p:extLst>
           </p:nvPr>
         </p:nvGraphicFramePr>
         <p:xfrm>
-          <a:off x="5941310" y="2521928"/>
-          <a:ext cx="600920" cy="609600"/>
+          <a:off x="5890510" y="2518974"/>
+          <a:ext cx="605490" cy="609600"/>
         </p:xfrm>
         <a:graphic>
           <a:graphicData uri="http://schemas.openxmlformats.org/drawingml/2006/table">
@@ -22208,7 +22196,7 @@
                     </a:ext>
                   </a:extLst>
                 </a:gridCol>
-                <a:gridCol w="150230">
+                <a:gridCol w="154800">
                   <a:extLst>
                     <a:ext uri="{9D8B030D-6E8A-4147-A177-3AD203B41FA5}">
                       <a16:colId xmlns:a16="http://schemas.microsoft.com/office/drawing/2014/main" val="20002"/>
@@ -22632,7 +22620,7 @@
         <p:spPr>
           <a:xfrm>
             <a:off x="5678536" y="2671794"/>
-            <a:ext cx="318258" cy="359505"/>
+            <a:ext cx="318258" cy="345655"/>
           </a:xfrm>
           <a:prstGeom prst="rect">
             <a:avLst/>
@@ -22642,7 +22630,7 @@
           </a:ln>
           <a:extLst>
             <a:ext uri="{C572A759-6A51-4108-AA02-DFA0A04FC94B}">
-              <ma14:wrappingTextBoxFlag xmlns:ma14="http://schemas.microsoft.com/office/mac/drawingml/2011/main" xmlns="" val="1"/>
+              <ma14:wrappingTextBoxFlag xmlns="" xmlns:ma14="http://schemas.microsoft.com/office/mac/drawingml/2011/main" val="1"/>
             </a:ext>
           </a:extLst>
         </p:spPr>
@@ -22658,9 +22646,9 @@
               </a:lnSpc>
             </a:pPr>
             <a:r>
-              <a:rPr lang="en-US" sz="1800" b="0" dirty="0">
-                <a:solidFill>
-                  <a:srgbClr val="53585F"/>
+              <a:rPr lang="en-US" sz="1700" b="0" dirty="0">
+                <a:solidFill>
+                  <a:srgbClr val="757878"/>
                 </a:solidFill>
               </a:rPr>
               <a:t>=</a:t>
@@ -22675,14 +22663,14 @@
           <p:nvPr>
             <p:extLst>
               <p:ext uri="{D42A27DB-BD31-4B8C-83A1-F6EECF244321}">
-                <p14:modId xmlns:p14="http://schemas.microsoft.com/office/powerpoint/2010/main" val="13358167"/>
+                <p14:modId xmlns:p14="http://schemas.microsoft.com/office/powerpoint/2010/main" val="2512052124"/>
               </p:ext>
             </p:extLst>
           </p:nvPr>
         </p:nvGraphicFramePr>
         <p:xfrm>
-          <a:off x="290230" y="8404514"/>
-          <a:ext cx="1003446" cy="914400"/>
+          <a:off x="290230" y="8277831"/>
+          <a:ext cx="975600" cy="914400"/>
         </p:xfrm>
         <a:graphic>
           <a:graphicData uri="http://schemas.openxmlformats.org/drawingml/2006/table">
@@ -22691,21 +22679,21 @@
                 <a:tableStyleId>{33BA23B1-9221-436E-865A-0063620EA4FD}</a:tableStyleId>
               </a:tblPr>
               <a:tblGrid>
-                <a:gridCol w="161998">
+                <a:gridCol w="154800">
                   <a:extLst>
                     <a:ext uri="{9D8B030D-6E8A-4147-A177-3AD203B41FA5}">
                       <a16:colId xmlns:a16="http://schemas.microsoft.com/office/drawing/2014/main" val="20000"/>
                     </a:ext>
                   </a:extLst>
                 </a:gridCol>
-                <a:gridCol w="161998">
+                <a:gridCol w="154800">
                   <a:extLst>
                     <a:ext uri="{9D8B030D-6E8A-4147-A177-3AD203B41FA5}">
                       <a16:colId xmlns:a16="http://schemas.microsoft.com/office/drawing/2014/main" val="20001"/>
                     </a:ext>
                   </a:extLst>
                 </a:gridCol>
-                <a:gridCol w="679450">
+                <a:gridCol w="666000">
                   <a:extLst>
                     <a:ext uri="{9D8B030D-6E8A-4147-A177-3AD203B41FA5}">
                       <a16:colId xmlns:a16="http://schemas.microsoft.com/office/drawing/2014/main" val="20002"/>
@@ -23357,8 +23345,8 @@
         </p:nvSpPr>
         <p:spPr>
           <a:xfrm>
-            <a:off x="1352113" y="8449041"/>
-            <a:ext cx="227439" cy="359505"/>
+            <a:off x="1260347" y="8369649"/>
+            <a:ext cx="227439" cy="345655"/>
           </a:xfrm>
           <a:prstGeom prst="rect">
             <a:avLst/>
@@ -23368,7 +23356,7 @@
           </a:ln>
           <a:extLst>
             <a:ext uri="{C572A759-6A51-4108-AA02-DFA0A04FC94B}">
-              <ma14:wrappingTextBoxFlag xmlns:ma14="http://schemas.microsoft.com/office/mac/drawingml/2011/main" xmlns="" val="1"/>
+              <ma14:wrappingTextBoxFlag xmlns="" xmlns:ma14="http://schemas.microsoft.com/office/mac/drawingml/2011/main" val="1"/>
             </a:ext>
           </a:extLst>
         </p:spPr>
@@ -23384,9 +23372,9 @@
               </a:lnSpc>
             </a:pPr>
             <a:r>
-              <a:rPr lang="en-US" sz="1800" b="0" dirty="0">
-                <a:solidFill>
-                  <a:srgbClr val="53585F"/>
+              <a:rPr lang="en-US" sz="1700" b="0" dirty="0">
+                <a:solidFill>
+                  <a:srgbClr val="757878"/>
                 </a:solidFill>
               </a:rPr>
               <a:t>+</a:t>
@@ -23402,8 +23390,8 @@
         </p:nvSpPr>
         <p:spPr>
           <a:xfrm>
-            <a:off x="2753567" y="8446572"/>
-            <a:ext cx="236139" cy="359505"/>
+            <a:off x="2452047" y="8367180"/>
+            <a:ext cx="236139" cy="345655"/>
           </a:xfrm>
           <a:prstGeom prst="rect">
             <a:avLst/>
@@ -23413,7 +23401,7 @@
           </a:ln>
           <a:extLst>
             <a:ext uri="{C572A759-6A51-4108-AA02-DFA0A04FC94B}">
-              <ma14:wrappingTextBoxFlag xmlns:ma14="http://schemas.microsoft.com/office/mac/drawingml/2011/main" xmlns="" val="1"/>
+              <ma14:wrappingTextBoxFlag xmlns="" xmlns:ma14="http://schemas.microsoft.com/office/mac/drawingml/2011/main" val="1"/>
             </a:ext>
           </a:extLst>
         </p:spPr>
@@ -23429,9 +23417,9 @@
               </a:lnSpc>
             </a:pPr>
             <a:r>
-              <a:rPr lang="en-US" sz="1800" b="0" dirty="0">
-                <a:solidFill>
-                  <a:srgbClr val="53585F"/>
+              <a:rPr lang="en-US" sz="1700" b="0" dirty="0">
+                <a:solidFill>
+                  <a:srgbClr val="757878"/>
                 </a:solidFill>
               </a:rPr>
               <a:t>=</a:t>
@@ -23446,14 +23434,14 @@
           <p:nvPr>
             <p:extLst>
               <p:ext uri="{D42A27DB-BD31-4B8C-83A1-F6EECF244321}">
-                <p14:modId xmlns:p14="http://schemas.microsoft.com/office/powerpoint/2010/main" val="4128893651"/>
+                <p14:modId xmlns:p14="http://schemas.microsoft.com/office/powerpoint/2010/main" val="954938193"/>
               </p:ext>
             </p:extLst>
           </p:nvPr>
         </p:nvGraphicFramePr>
         <p:xfrm>
-          <a:off x="1661484" y="8400194"/>
-          <a:ext cx="1003446" cy="457200"/>
+          <a:off x="1487037" y="8277831"/>
+          <a:ext cx="975600" cy="457200"/>
         </p:xfrm>
         <a:graphic>
           <a:graphicData uri="http://schemas.openxmlformats.org/drawingml/2006/table">
@@ -23462,21 +23450,21 @@
                 <a:tableStyleId>{33BA23B1-9221-436E-865A-0063620EA4FD}</a:tableStyleId>
               </a:tblPr>
               <a:tblGrid>
-                <a:gridCol w="161998">
+                <a:gridCol w="154800">
                   <a:extLst>
                     <a:ext uri="{9D8B030D-6E8A-4147-A177-3AD203B41FA5}">
                       <a16:colId xmlns:a16="http://schemas.microsoft.com/office/drawing/2014/main" val="20000"/>
                     </a:ext>
                   </a:extLst>
                 </a:gridCol>
-                <a:gridCol w="161998">
+                <a:gridCol w="154800">
                   <a:extLst>
                     <a:ext uri="{9D8B030D-6E8A-4147-A177-3AD203B41FA5}">
                       <a16:colId xmlns:a16="http://schemas.microsoft.com/office/drawing/2014/main" val="20001"/>
                     </a:ext>
                   </a:extLst>
                 </a:gridCol>
-                <a:gridCol w="679450">
+                <a:gridCol w="666000">
                   <a:extLst>
                     <a:ext uri="{9D8B030D-6E8A-4147-A177-3AD203B41FA5}">
                       <a16:colId xmlns:a16="http://schemas.microsoft.com/office/drawing/2014/main" val="20002"/>
@@ -23800,14 +23788,14 @@
           <p:nvPr>
             <p:extLst>
               <p:ext uri="{D42A27DB-BD31-4B8C-83A1-F6EECF244321}">
-                <p14:modId xmlns:p14="http://schemas.microsoft.com/office/powerpoint/2010/main" val="1785946551"/>
+                <p14:modId xmlns:p14="http://schemas.microsoft.com/office/powerpoint/2010/main" val="2969857371"/>
               </p:ext>
             </p:extLst>
           </p:nvPr>
         </p:nvGraphicFramePr>
         <p:xfrm>
-          <a:off x="3081956" y="8399751"/>
-          <a:ext cx="1074881" cy="457200"/>
+          <a:off x="2685394" y="8277831"/>
+          <a:ext cx="1123238" cy="457200"/>
         </p:xfrm>
         <a:graphic>
           <a:graphicData uri="http://schemas.openxmlformats.org/drawingml/2006/table">
@@ -23816,7 +23804,7 @@
                 <a:tableStyleId>{33BA23B1-9221-436E-865A-0063620EA4FD}</a:tableStyleId>
               </a:tblPr>
               <a:tblGrid>
-                <a:gridCol w="96593">
+                <a:gridCol w="154800">
                   <a:extLst>
                     <a:ext uri="{9D8B030D-6E8A-4147-A177-3AD203B41FA5}">
                       <a16:colId xmlns:a16="http://schemas.microsoft.com/office/drawing/2014/main" val="20000"/>
@@ -23830,14 +23818,14 @@
                     </a:ext>
                   </a:extLst>
                 </a:gridCol>
-                <a:gridCol w="679450">
+                <a:gridCol w="666000">
                   <a:extLst>
                     <a:ext uri="{9D8B030D-6E8A-4147-A177-3AD203B41FA5}">
                       <a16:colId xmlns:a16="http://schemas.microsoft.com/office/drawing/2014/main" val="20002"/>
                     </a:ext>
                   </a:extLst>
                 </a:gridCol>
-                <a:gridCol w="151200">
+                <a:gridCol w="154800">
                   <a:extLst>
                     <a:ext uri="{9D8B030D-6E8A-4147-A177-3AD203B41FA5}">
                       <a16:colId xmlns:a16="http://schemas.microsoft.com/office/drawing/2014/main" val="20003"/>
@@ -24267,7 +24255,7 @@
           </a:ln>
           <a:extLst>
             <a:ext uri="{C572A759-6A51-4108-AA02-DFA0A04FC94B}">
-              <ma14:wrappingTextBoxFlag xmlns:ma14="http://schemas.microsoft.com/office/mac/drawingml/2011/main" xmlns="" val="1"/>
+              <ma14:wrappingTextBoxFlag xmlns="" xmlns:ma14="http://schemas.microsoft.com/office/mac/drawingml/2011/main" val="1"/>
             </a:ext>
           </a:extLst>
         </p:spPr>
@@ -24328,7 +24316,7 @@
                   <a:srgbClr val="000000"/>
                 </a:solidFill>
               </a:rPr>
-              <a:t> – set keys in a data.table to enable faster repeated lookups in specified column(s) using “</a:t>
+              <a:t> – set keys to enable fast repeated lookup in specified columns using “</a:t>
             </a:r>
             <a:r>
               <a:rPr lang="en-US" b="0" dirty="0" err="1">
@@ -24344,7 +24332,7 @@
                   <a:srgbClr val="000000"/>
                 </a:solidFill>
               </a:rPr>
-              <a:t>[.(value), ]” or for merging without specifying merging columns “</a:t>
+              <a:t>[.(value), ]” or for merging without specifying merging columns using “</a:t>
             </a:r>
             <a:r>
               <a:rPr lang="en-US" b="0" dirty="0" err="1">
@@ -24481,7 +24469,7 @@
           </a:ln>
           <a:extLst>
             <a:ext uri="{C572A759-6A51-4108-AA02-DFA0A04FC94B}">
-              <ma14:wrappingTextBoxFlag xmlns:ma14="http://schemas.microsoft.com/office/mac/drawingml/2011/main" xmlns="" val="1"/>
+              <ma14:wrappingTextBoxFlag xmlns="" xmlns:ma14="http://schemas.microsoft.com/office/mac/drawingml/2011/main" val="1"/>
             </a:ext>
           </a:extLst>
         </p:spPr>
@@ -24568,7 +24556,7 @@
           </a:ln>
           <a:extLst>
             <a:ext uri="{C572A759-6A51-4108-AA02-DFA0A04FC94B}">
-              <ma14:wrappingTextBoxFlag xmlns:ma14="http://schemas.microsoft.com/office/mac/drawingml/2011/main" xmlns="" val="1"/>
+              <ma14:wrappingTextBoxFlag xmlns="" xmlns:ma14="http://schemas.microsoft.com/office/mac/drawingml/2011/main" val="1"/>
             </a:ext>
           </a:extLst>
         </p:spPr>
@@ -24762,8 +24750,8 @@
         </p:nvSpPr>
         <p:spPr>
           <a:xfrm>
-            <a:off x="7052184" y="4471341"/>
-            <a:ext cx="2029281" cy="604997"/>
+            <a:off x="7012057" y="4463629"/>
+            <a:ext cx="2039673" cy="604997"/>
           </a:xfrm>
           <a:prstGeom prst="rect">
             <a:avLst/>
@@ -24773,7 +24761,7 @@
           </a:ln>
           <a:extLst>
             <a:ext uri="{C572A759-6A51-4108-AA02-DFA0A04FC94B}">
-              <ma14:wrappingTextBoxFlag xmlns:ma14="http://schemas.microsoft.com/office/mac/drawingml/2011/main" xmlns="" val="1"/>
+              <ma14:wrappingTextBoxFlag xmlns="" xmlns:ma14="http://schemas.microsoft.com/office/mac/drawingml/2011/main" val="1"/>
             </a:ext>
           </a:extLst>
         </p:spPr>
@@ -24884,14 +24872,14 @@
           <p:nvPr>
             <p:extLst>
               <p:ext uri="{D42A27DB-BD31-4B8C-83A1-F6EECF244321}">
-                <p14:modId xmlns:p14="http://schemas.microsoft.com/office/powerpoint/2010/main" val="3033635140"/>
+                <p14:modId xmlns:p14="http://schemas.microsoft.com/office/powerpoint/2010/main" val="3054532518"/>
               </p:ext>
             </p:extLst>
           </p:nvPr>
         </p:nvGraphicFramePr>
         <p:xfrm>
           <a:off x="4812083" y="4463629"/>
-          <a:ext cx="628225" cy="762000"/>
+          <a:ext cx="619200" cy="762000"/>
         </p:xfrm>
         <a:graphic>
           <a:graphicData uri="http://schemas.openxmlformats.org/drawingml/2006/table">
@@ -24900,28 +24888,28 @@
                 <a:tableStyleId>{33BA23B1-9221-436E-865A-0063620EA4FD}</a:tableStyleId>
               </a:tblPr>
               <a:tblGrid>
-                <a:gridCol w="151200">
+                <a:gridCol w="154800">
                   <a:extLst>
                     <a:ext uri="{9D8B030D-6E8A-4147-A177-3AD203B41FA5}">
                       <a16:colId xmlns:a16="http://schemas.microsoft.com/office/drawing/2014/main" val="20000"/>
                     </a:ext>
                   </a:extLst>
                 </a:gridCol>
-                <a:gridCol w="174625">
+                <a:gridCol w="154800">
                   <a:extLst>
                     <a:ext uri="{9D8B030D-6E8A-4147-A177-3AD203B41FA5}">
                       <a16:colId xmlns:a16="http://schemas.microsoft.com/office/drawing/2014/main" val="20001"/>
                     </a:ext>
                   </a:extLst>
                 </a:gridCol>
-                <a:gridCol w="151200">
+                <a:gridCol w="154800">
                   <a:extLst>
                     <a:ext uri="{9D8B030D-6E8A-4147-A177-3AD203B41FA5}">
                       <a16:colId xmlns:a16="http://schemas.microsoft.com/office/drawing/2014/main" val="20002"/>
                     </a:ext>
                   </a:extLst>
                 </a:gridCol>
-                <a:gridCol w="151200">
+                <a:gridCol w="154800">
                   <a:extLst>
                     <a:ext uri="{9D8B030D-6E8A-4147-A177-3AD203B41FA5}">
                       <a16:colId xmlns:a16="http://schemas.microsoft.com/office/drawing/2014/main" val="20003"/>
@@ -24978,7 +24966,7 @@
                   </a:txBody>
                   <a:tcPr marL="0" marR="0" marT="0" marB="0" anchor="ctr" horzOverflow="overflow">
                     <a:solidFill>
-                      <a:srgbClr val="A6AAA9"/>
+                      <a:srgbClr val="BE8323"/>
                     </a:solidFill>
                   </a:tcPr>
                 </a:tc>
@@ -25004,7 +24992,7 @@
                   </a:txBody>
                   <a:tcPr marL="0" marR="0" marT="0" marB="0" anchor="ctr" horzOverflow="overflow">
                     <a:solidFill>
-                      <a:srgbClr val="A6AAA9"/>
+                      <a:srgbClr val="BE8323"/>
                     </a:solidFill>
                   </a:tcPr>
                 </a:tc>
@@ -25030,7 +25018,7 @@
                   </a:txBody>
                   <a:tcPr marL="0" marR="0" marT="0" marB="0" anchor="ctr" horzOverflow="overflow">
                     <a:solidFill>
-                      <a:srgbClr val="A6AAA9"/>
+                      <a:srgbClr val="BE8323"/>
                     </a:solidFill>
                   </a:tcPr>
                 </a:tc>
@@ -25094,7 +25082,7 @@
                             <a:srgbClr val="212121"/>
                           </a:solidFill>
                         </a:rPr>
-                        <a:t>X</a:t>
+                        <a:t>x</a:t>
                       </a:r>
                       <a:endParaRPr dirty="0">
                         <a:solidFill>
@@ -25105,7 +25093,7 @@
                   </a:txBody>
                   <a:tcPr marL="0" marR="0" marT="0" marB="0" anchor="ctr" horzOverflow="overflow">
                     <a:solidFill>
-                      <a:srgbClr val="D8D8D8"/>
+                      <a:srgbClr val="F2CB8A"/>
                     </a:solidFill>
                   </a:tcPr>
                 </a:tc>
@@ -25139,7 +25127,7 @@
                   </a:txBody>
                   <a:tcPr marL="0" marR="0" marT="0" marB="0" anchor="ctr" horzOverflow="overflow">
                     <a:solidFill>
-                      <a:srgbClr val="D8D8D8"/>
+                      <a:srgbClr val="F2CB8A"/>
                     </a:solidFill>
                   </a:tcPr>
                 </a:tc>
@@ -25173,7 +25161,7 @@
                   </a:txBody>
                   <a:tcPr marL="0" marR="0" marT="0" marB="0" anchor="ctr" horzOverflow="overflow">
                     <a:solidFill>
-                      <a:srgbClr val="D8D8D8"/>
+                      <a:srgbClr val="F2CB8A"/>
                     </a:solidFill>
                   </a:tcPr>
                 </a:tc>
@@ -25237,7 +25225,7 @@
                             <a:srgbClr val="212121"/>
                           </a:solidFill>
                         </a:rPr>
-                        <a:t>Z</a:t>
+                        <a:t>z</a:t>
                       </a:r>
                       <a:endParaRPr dirty="0">
                         <a:solidFill>
@@ -25248,7 +25236,7 @@
                   </a:txBody>
                   <a:tcPr marL="0" marR="0" marT="0" marB="0" anchor="ctr" horzOverflow="overflow">
                     <a:solidFill>
-                      <a:srgbClr val="D8D8D8"/>
+                      <a:srgbClr val="F2CB8A"/>
                     </a:solidFill>
                   </a:tcPr>
                 </a:tc>
@@ -25282,7 +25270,7 @@
                   </a:txBody>
                   <a:tcPr marL="0" marR="0" marT="0" marB="0" anchor="ctr" horzOverflow="overflow">
                     <a:solidFill>
-                      <a:srgbClr val="D8D8D8"/>
+                      <a:srgbClr val="F2CB8A"/>
                     </a:solidFill>
                   </a:tcPr>
                 </a:tc>
@@ -25316,7 +25304,7 @@
                   </a:txBody>
                   <a:tcPr marL="0" marR="0" marT="0" marB="0" anchor="ctr" horzOverflow="overflow">
                     <a:solidFill>
-                      <a:srgbClr val="D8D8D8"/>
+                      <a:srgbClr val="F2CB8A"/>
                     </a:solidFill>
                   </a:tcPr>
                 </a:tc>
@@ -25380,7 +25368,7 @@
                             <a:srgbClr val="212121"/>
                           </a:solidFill>
                         </a:rPr>
-                        <a:t>X</a:t>
+                        <a:t>x</a:t>
                       </a:r>
                       <a:endParaRPr dirty="0">
                         <a:solidFill>
@@ -25391,7 +25379,7 @@
                   </a:txBody>
                   <a:tcPr marL="0" marR="0" marT="0" marB="0" anchor="ctr" horzOverflow="overflow">
                     <a:solidFill>
-                      <a:srgbClr val="D8D8D8"/>
+                      <a:srgbClr val="F2CB8A"/>
                     </a:solidFill>
                   </a:tcPr>
                 </a:tc>
@@ -25425,7 +25413,7 @@
                   </a:txBody>
                   <a:tcPr marL="0" marR="0" marT="0" marB="0" anchor="ctr" horzOverflow="overflow">
                     <a:solidFill>
-                      <a:srgbClr val="D8D8D8"/>
+                      <a:srgbClr val="F2CB8A"/>
                     </a:solidFill>
                   </a:tcPr>
                 </a:tc>
@@ -25459,7 +25447,7 @@
                   </a:txBody>
                   <a:tcPr marL="0" marR="0" marT="0" marB="0" anchor="ctr" horzOverflow="overflow">
                     <a:solidFill>
-                      <a:srgbClr val="D8D8D8"/>
+                      <a:srgbClr val="F2CB8A"/>
                     </a:solidFill>
                   </a:tcPr>
                 </a:tc>
@@ -25523,7 +25511,7 @@
                             <a:srgbClr val="212121"/>
                           </a:solidFill>
                         </a:rPr>
-                        <a:t>Z</a:t>
+                        <a:t>z</a:t>
                       </a:r>
                       <a:endParaRPr dirty="0">
                         <a:solidFill>
@@ -25534,7 +25522,7 @@
                   </a:txBody>
                   <a:tcPr marL="0" marR="0" marT="0" marB="0" anchor="ctr" horzOverflow="overflow">
                     <a:solidFill>
-                      <a:srgbClr val="D8D8D8"/>
+                      <a:srgbClr val="F2CB8A"/>
                     </a:solidFill>
                   </a:tcPr>
                 </a:tc>
@@ -25568,7 +25556,7 @@
                   </a:txBody>
                   <a:tcPr marL="0" marR="0" marT="0" marB="0" anchor="ctr" horzOverflow="overflow">
                     <a:solidFill>
-                      <a:srgbClr val="D8D8D8"/>
+                      <a:srgbClr val="F2CB8A"/>
                     </a:solidFill>
                   </a:tcPr>
                 </a:tc>
@@ -25602,7 +25590,7 @@
                   </a:txBody>
                   <a:tcPr marL="0" marR="0" marT="0" marB="0" anchor="ctr" horzOverflow="overflow">
                     <a:solidFill>
-                      <a:srgbClr val="D8D8D8"/>
+                      <a:srgbClr val="F2CB8A"/>
                     </a:solidFill>
                   </a:tcPr>
                 </a:tc>
@@ -25624,8 +25612,8 @@
         </p:nvSpPr>
         <p:spPr>
           <a:xfrm>
-            <a:off x="9359106" y="2137718"/>
-            <a:ext cx="2620910" cy="276999"/>
+            <a:off x="9359106" y="1780775"/>
+            <a:ext cx="2947923" cy="276999"/>
           </a:xfrm>
           <a:prstGeom prst="rect">
             <a:avLst/>
@@ -25640,7 +25628,7 @@
             <a:pPr lvl="1" indent="0"/>
             <a:r>
               <a:rPr lang="da-DK" dirty="0"/>
-              <a:t>MULTIPLE COLUMN TYPE CONVERSION</a:t>
+              <a:t>APPLY A FUNCTION TO MULTIPLE COLUMNS</a:t>
             </a:r>
           </a:p>
         </p:txBody>
@@ -25653,7 +25641,7 @@
         </p:nvSpPr>
         <p:spPr>
           <a:xfrm flipV="1">
-            <a:off x="9359106" y="2108171"/>
+            <a:off x="9359106" y="1751228"/>
             <a:ext cx="4320000" cy="3147"/>
           </a:xfrm>
           <a:prstGeom prst="line">
@@ -25694,13 +25682,94 @@
       </p:sp>
       <p:sp>
         <p:nvSpPr>
-          <p:cNvPr id="95" name="Use headers, colors, and/or backgrounds to separate or group together sections."/>
+          <p:cNvPr id="4" name="Rectangle 3">
+            <a:extLst>
+              <a:ext uri="{FF2B5EF4-FFF2-40B4-BE49-F238E27FC236}">
+                <a16:creationId xmlns:a16="http://schemas.microsoft.com/office/drawing/2014/main" id="{6F7439FF-969F-234A-B99D-79803428D342}"/>
+              </a:ext>
+            </a:extLst>
+          </p:cNvPr>
+          <p:cNvSpPr/>
+          <p:nvPr/>
+        </p:nvSpPr>
+        <p:spPr>
+          <a:xfrm>
+            <a:off x="12826660" y="1684800"/>
+            <a:ext cx="378000" cy="169648"/>
+          </a:xfrm>
+          <a:prstGeom prst="rect">
+            <a:avLst/>
+          </a:prstGeom>
+          <a:solidFill>
+            <a:srgbClr val="FFFFFF"/>
+          </a:solidFill>
+          <a:ln w="12700" cap="flat">
+            <a:noFill/>
+            <a:miter lim="400000"/>
+          </a:ln>
+          <a:effectLst/>
+          <a:sp3d/>
+        </p:spPr>
+        <p:style>
+          <a:lnRef idx="0">
+            <a:scrgbClr r="0" g="0" b="0"/>
+          </a:lnRef>
+          <a:fillRef idx="0">
+            <a:scrgbClr r="0" g="0" b="0"/>
+          </a:fillRef>
+          <a:effectRef idx="0">
+            <a:scrgbClr r="0" g="0" b="0"/>
+          </a:effectRef>
+          <a:fontRef idx="none"/>
+        </p:style>
+        <p:txBody>
+          <a:bodyPr rot="0" spcFirstLastPara="1" vertOverflow="overflow" horzOverflow="overflow" vert="horz" wrap="square" lIns="54570" tIns="54570" rIns="54570" bIns="54570" numCol="1" spcCol="38100" rtlCol="0" anchor="ctr">
+            <a:spAutoFit/>
+          </a:bodyPr>
+          <a:lstStyle/>
+          <a:p>
+            <a:pPr marL="0" marR="0" indent="0" algn="l" defTabSz="584200" rtl="0" fontAlgn="auto" latinLnBrk="0" hangingPunct="0">
+              <a:lnSpc>
+                <a:spcPct val="80000"/>
+              </a:lnSpc>
+              <a:spcBef>
+                <a:spcPts val="0"/>
+              </a:spcBef>
+              <a:spcAft>
+                <a:spcPts val="0"/>
+              </a:spcAft>
+              <a:buClrTx/>
+              <a:buSzTx/>
+              <a:buFontTx/>
+              <a:buNone/>
+              <a:tabLst/>
+            </a:pPr>
+            <a:endParaRPr kumimoji="0" lang="da-DK" sz="1200" b="0" i="0" u="none" strike="noStrike" cap="none" spc="0" normalizeH="0" baseline="0">
+              <a:ln>
+                <a:noFill/>
+              </a:ln>
+              <a:solidFill>
+                <a:srgbClr val="000000"/>
+              </a:solidFill>
+              <a:effectLst/>
+              <a:uFillTx/>
+              <a:latin typeface="Source Sans Pro"/>
+              <a:ea typeface="Source Sans Pro"/>
+              <a:cs typeface="Source Sans Pro"/>
+              <a:sym typeface="Source Sans Pro"/>
+            </a:endParaRPr>
+          </a:p>
+        </p:txBody>
+      </p:sp>
+      <p:sp>
+        <p:nvSpPr>
+          <p:cNvPr id="119" name="Use headers, colors, and/or backgrounds to separate or group together sections."/>
           <p:cNvSpPr txBox="1"/>
           <p:nvPr/>
         </p:nvSpPr>
         <p:spPr>
           <a:xfrm>
-            <a:off x="9359106" y="1658492"/>
+            <a:off x="9359106" y="2050861"/>
             <a:ext cx="4318113" cy="276405"/>
           </a:xfrm>
           <a:prstGeom prst="rect">
@@ -25711,7 +25780,7 @@
           </a:ln>
           <a:extLst>
             <a:ext uri="{C572A759-6A51-4108-AA02-DFA0A04FC94B}">
-              <ma14:wrappingTextBoxFlag xmlns:ma14="http://schemas.microsoft.com/office/mac/drawingml/2011/main" xmlns="" val="1"/>
+              <ma14:wrappingTextBoxFlag xmlns="" xmlns:ma14="http://schemas.microsoft.com/office/mac/drawingml/2011/main" val="1"/>
             </a:ext>
           </a:extLst>
         </p:spPr>
@@ -25726,243 +25795,11 @@
                 <a:spcPct val="90000"/>
               </a:lnSpc>
             </a:pPr>
-            <a:r>
-              <a:rPr lang="en-US" b="0" dirty="0">
-                <a:solidFill>
-                  <a:srgbClr val="000000"/>
-                </a:solidFill>
-              </a:rPr>
-              <a:t>Refer to a </a:t>
-            </a:r>
-            <a:r>
-              <a:rPr lang="en-US" dirty="0">
-                <a:solidFill>
-                  <a:srgbClr val="000000"/>
-                </a:solidFill>
-              </a:rPr>
-              <a:t>S</a:t>
-            </a:r>
-            <a:r>
-              <a:rPr lang="en-US" b="0" dirty="0">
-                <a:solidFill>
-                  <a:srgbClr val="000000"/>
-                </a:solidFill>
-              </a:rPr>
-              <a:t>ubset of the </a:t>
-            </a:r>
-            <a:r>
-              <a:rPr lang="en-US" dirty="0">
-                <a:solidFill>
-                  <a:srgbClr val="000000"/>
-                </a:solidFill>
-              </a:rPr>
-              <a:t>D</a:t>
-            </a:r>
-            <a:r>
-              <a:rPr lang="en-US" b="0" dirty="0">
-                <a:solidFill>
-                  <a:srgbClr val="000000"/>
-                </a:solidFill>
-              </a:rPr>
-              <a:t>ata with </a:t>
-            </a:r>
-            <a:r>
-              <a:rPr lang="en-US" dirty="0">
-                <a:solidFill>
-                  <a:srgbClr val="000000"/>
-                </a:solidFill>
-              </a:rPr>
-              <a:t>.SD</a:t>
-            </a:r>
-            <a:r>
-              <a:rPr lang="en-US" b="0" dirty="0">
-                <a:solidFill>
-                  <a:srgbClr val="000000"/>
-                </a:solidFill>
-              </a:rPr>
-              <a:t>.</a:t>
-            </a:r>
-          </a:p>
-        </p:txBody>
-      </p:sp>
-      <p:sp>
-        <p:nvSpPr>
-          <p:cNvPr id="119" name="Use headers, colors, and/or backgrounds to separate or group together sections."/>
-          <p:cNvSpPr txBox="1"/>
-          <p:nvPr/>
-        </p:nvSpPr>
-        <p:spPr>
-          <a:xfrm>
-            <a:off x="9359106" y="2407804"/>
-            <a:ext cx="4318113" cy="442605"/>
-          </a:xfrm>
-          <a:prstGeom prst="rect">
-            <a:avLst/>
-          </a:prstGeom>
-          <a:ln w="12700">
-            <a:miter lim="400000"/>
-          </a:ln>
-          <a:extLst>
-            <a:ext uri="{C572A759-6A51-4108-AA02-DFA0A04FC94B}">
-              <ma14:wrappingTextBoxFlag xmlns:ma14="http://schemas.microsoft.com/office/mac/drawingml/2011/main" xmlns="" val="1"/>
-            </a:ext>
-          </a:extLst>
-        </p:spPr>
-        <p:txBody>
-          <a:bodyPr wrap="square" lIns="0" tIns="54570" rIns="0" bIns="54570">
-            <a:spAutoFit/>
-          </a:bodyPr>
-          <a:lstStyle/>
-          <a:p>
-            <a:pPr lvl="1" indent="0">
-              <a:lnSpc>
-                <a:spcPct val="90000"/>
-              </a:lnSpc>
-            </a:pPr>
-            <a:r>
-              <a:rPr lang="en-US" b="0" dirty="0" err="1">
-                <a:solidFill>
-                  <a:srgbClr val="000000"/>
-                </a:solidFill>
-              </a:rPr>
-              <a:t>dt</a:t>
-            </a:r>
-            <a:r>
-              <a:rPr lang="en-US" b="0" dirty="0">
-                <a:solidFill>
-                  <a:srgbClr val="000000"/>
-                </a:solidFill>
-              </a:rPr>
-              <a:t>[, </a:t>
-            </a:r>
-            <a:r>
-              <a:rPr lang="en-US" dirty="0" err="1">
-                <a:solidFill>
-                  <a:srgbClr val="0070C0"/>
-                </a:solidFill>
-              </a:rPr>
-              <a:t>lapply</a:t>
-            </a:r>
-            <a:r>
-              <a:rPr lang="en-US" dirty="0">
-                <a:solidFill>
-                  <a:srgbClr val="0070C0"/>
-                </a:solidFill>
-              </a:rPr>
-              <a:t>(.SD, </a:t>
-            </a:r>
-            <a:r>
-              <a:rPr lang="en-US" dirty="0" err="1">
-                <a:solidFill>
-                  <a:srgbClr val="0070C0"/>
-                </a:solidFill>
-              </a:rPr>
-              <a:t>as.character</a:t>
-            </a:r>
-            <a:r>
-              <a:rPr lang="en-US" dirty="0">
-                <a:solidFill>
-                  <a:srgbClr val="0070C0"/>
-                </a:solidFill>
-              </a:rPr>
-              <a:t>)</a:t>
-            </a:r>
-            <a:r>
-              <a:rPr lang="en-US" dirty="0">
-                <a:solidFill>
-                  <a:srgbClr val="000000"/>
-                </a:solidFill>
-              </a:rPr>
-              <a:t>, .</a:t>
-            </a:r>
-            <a:r>
-              <a:rPr lang="en-US" dirty="0" err="1">
-                <a:solidFill>
-                  <a:srgbClr val="000000"/>
-                </a:solidFill>
-              </a:rPr>
-              <a:t>SDcols</a:t>
-            </a:r>
-            <a:r>
-              <a:rPr lang="en-US" dirty="0">
-                <a:solidFill>
-                  <a:srgbClr val="000000"/>
-                </a:solidFill>
-              </a:rPr>
-              <a:t> = c(</a:t>
-            </a:r>
-            <a:r>
-              <a:rPr lang="en-US" b="0" dirty="0">
-                <a:solidFill>
-                  <a:srgbClr val="000000"/>
-                </a:solidFill>
-              </a:rPr>
-              <a:t>"</a:t>
-            </a:r>
-            <a:r>
-              <a:rPr lang="en-US" dirty="0">
-                <a:solidFill>
-                  <a:srgbClr val="000000"/>
-                </a:solidFill>
-              </a:rPr>
-              <a:t>a</a:t>
-            </a:r>
-            <a:r>
-              <a:rPr lang="en-US" b="0" dirty="0">
-                <a:solidFill>
-                  <a:srgbClr val="000000"/>
-                </a:solidFill>
-              </a:rPr>
-              <a:t>"</a:t>
-            </a:r>
-            <a:r>
-              <a:rPr lang="en-US" dirty="0">
-                <a:solidFill>
-                  <a:srgbClr val="000000"/>
-                </a:solidFill>
-              </a:rPr>
-              <a:t>, </a:t>
-            </a:r>
-            <a:r>
-              <a:rPr lang="en-US" b="0" dirty="0">
-                <a:solidFill>
-                  <a:srgbClr val="000000"/>
-                </a:solidFill>
-              </a:rPr>
-              <a:t>"</a:t>
-            </a:r>
-            <a:r>
-              <a:rPr lang="en-US" dirty="0">
-                <a:solidFill>
-                  <a:srgbClr val="000000"/>
-                </a:solidFill>
-              </a:rPr>
-              <a:t>b</a:t>
-            </a:r>
-            <a:r>
-              <a:rPr lang="en-US" b="0" dirty="0">
-                <a:solidFill>
-                  <a:srgbClr val="000000"/>
-                </a:solidFill>
-              </a:rPr>
-              <a:t>"</a:t>
-            </a:r>
-            <a:r>
-              <a:rPr lang="en-US" dirty="0">
-                <a:solidFill>
-                  <a:srgbClr val="000000"/>
-                </a:solidFill>
-              </a:rPr>
-              <a:t>)</a:t>
-            </a:r>
-            <a:r>
-              <a:rPr lang="en-US" b="0" dirty="0">
-                <a:solidFill>
-                  <a:srgbClr val="000000"/>
-                </a:solidFill>
-              </a:rPr>
-              <a:t>] – convert the type of designated columns.</a:t>
-            </a:r>
+            <a:endParaRPr lang="en" b="0" dirty="0">
+              <a:solidFill>
+                <a:srgbClr val="000000"/>
+              </a:solidFill>
+            </a:endParaRPr>
           </a:p>
         </p:txBody>
       </p:sp>
@@ -25974,7 +25811,7 @@
         </p:nvSpPr>
         <p:spPr>
           <a:xfrm>
-            <a:off x="5499227" y="4599143"/>
+            <a:off x="5473827" y="4611843"/>
             <a:ext cx="136800" cy="0"/>
           </a:xfrm>
           <a:prstGeom prst="line">
@@ -25982,7 +25819,7 @@
           </a:prstGeom>
           <a:ln w="12700">
             <a:solidFill>
-              <a:srgbClr val="53585F"/>
+              <a:srgbClr val="757878"/>
             </a:solidFill>
             <a:miter lim="400000"/>
             <a:tailEnd type="triangle"/>
@@ -26028,8 +25865,8 @@
         </p:nvSpPr>
         <p:spPr>
           <a:xfrm>
-            <a:off x="1418421" y="3285906"/>
-            <a:ext cx="3189922" cy="387502"/>
+            <a:off x="1351378" y="3285906"/>
+            <a:ext cx="3256965" cy="387502"/>
           </a:xfrm>
           <a:prstGeom prst="rect">
             <a:avLst/>
@@ -26039,7 +25876,7 @@
           </a:ln>
           <a:extLst>
             <a:ext uri="{C572A759-6A51-4108-AA02-DFA0A04FC94B}">
-              <ma14:wrappingTextBoxFlag xmlns:ma14="http://schemas.microsoft.com/office/mac/drawingml/2011/main" xmlns="" val="1"/>
+              <ma14:wrappingTextBoxFlag xmlns="" xmlns:ma14="http://schemas.microsoft.com/office/mac/drawingml/2011/main" val="1"/>
             </a:ext>
           </a:extLst>
         </p:spPr>
@@ -26202,7 +26039,7 @@
                   <a:srgbClr val="000000"/>
                 </a:solidFill>
               </a:rPr>
-              <a:t> – rename column(s)</a:t>
+              <a:t> – rename columns</a:t>
             </a:r>
             <a:r>
               <a:rPr lang="en-US" b="0" dirty="0">
@@ -26228,13 +26065,13 @@
           <p:nvPr>
             <p:extLst>
               <p:ext uri="{D42A27DB-BD31-4B8C-83A1-F6EECF244321}">
-                <p14:modId xmlns:p14="http://schemas.microsoft.com/office/powerpoint/2010/main" val="504503992"/>
+                <p14:modId xmlns:p14="http://schemas.microsoft.com/office/powerpoint/2010/main" val="670805292"/>
               </p:ext>
             </p:extLst>
           </p:nvPr>
         </p:nvGraphicFramePr>
         <p:xfrm>
-          <a:off x="850530" y="3277439"/>
+          <a:off x="821955" y="3277439"/>
           <a:ext cx="302400" cy="457200"/>
         </p:xfrm>
         <a:graphic>
@@ -26447,7 +26284,7 @@
         </p:nvSpPr>
         <p:spPr>
           <a:xfrm>
-            <a:off x="656920" y="3426489"/>
+            <a:off x="641045" y="3429664"/>
             <a:ext cx="136800" cy="0"/>
           </a:xfrm>
           <a:prstGeom prst="line">
@@ -26455,7 +26292,7 @@
           </a:prstGeom>
           <a:ln w="12700">
             <a:solidFill>
-              <a:srgbClr val="53585F"/>
+              <a:srgbClr val="757878"/>
             </a:solidFill>
             <a:miter lim="400000"/>
             <a:tailEnd type="triangle"/>
@@ -26500,13 +26337,13 @@
           <p:nvPr>
             <p:extLst>
               <p:ext uri="{D42A27DB-BD31-4B8C-83A1-F6EECF244321}">
-                <p14:modId xmlns:p14="http://schemas.microsoft.com/office/powerpoint/2010/main" val="3632444144"/>
+                <p14:modId xmlns:p14="http://schemas.microsoft.com/office/powerpoint/2010/main" val="3842002274"/>
               </p:ext>
             </p:extLst>
           </p:nvPr>
         </p:nvGraphicFramePr>
         <p:xfrm>
-          <a:off x="290230" y="3291918"/>
+          <a:off x="290230" y="3277439"/>
           <a:ext cx="302400" cy="457200"/>
         </p:xfrm>
         <a:graphic>
@@ -26791,14 +26628,14 @@
           <p:nvPr>
             <p:extLst>
               <p:ext uri="{D42A27DB-BD31-4B8C-83A1-F6EECF244321}">
-                <p14:modId xmlns:p14="http://schemas.microsoft.com/office/powerpoint/2010/main" val="5739344"/>
+                <p14:modId xmlns:p14="http://schemas.microsoft.com/office/powerpoint/2010/main" val="1674421554"/>
               </p:ext>
             </p:extLst>
           </p:nvPr>
         </p:nvGraphicFramePr>
         <p:xfrm>
-          <a:off x="5711216" y="4463629"/>
-          <a:ext cx="1185862" cy="457200"/>
+          <a:off x="5654932" y="4463629"/>
+          <a:ext cx="1141812" cy="457200"/>
         </p:xfrm>
         <a:graphic>
           <a:graphicData uri="http://schemas.openxmlformats.org/drawingml/2006/table">
@@ -26807,35 +26644,35 @@
                 <a:tableStyleId>{33BA23B1-9221-436E-865A-0063620EA4FD}</a:tableStyleId>
               </a:tblPr>
               <a:tblGrid>
-                <a:gridCol w="147638">
+                <a:gridCol w="154800">
                   <a:extLst>
                     <a:ext uri="{9D8B030D-6E8A-4147-A177-3AD203B41FA5}">
                       <a16:colId xmlns:a16="http://schemas.microsoft.com/office/drawing/2014/main" val="20000"/>
                     </a:ext>
                   </a:extLst>
                 </a:gridCol>
-                <a:gridCol w="258762">
+                <a:gridCol w="244475">
                   <a:extLst>
                     <a:ext uri="{9D8B030D-6E8A-4147-A177-3AD203B41FA5}">
                       <a16:colId xmlns:a16="http://schemas.microsoft.com/office/drawing/2014/main" val="20001"/>
                     </a:ext>
                   </a:extLst>
                 </a:gridCol>
-                <a:gridCol w="252412">
+                <a:gridCol w="238125">
                   <a:extLst>
                     <a:ext uri="{9D8B030D-6E8A-4147-A177-3AD203B41FA5}">
                       <a16:colId xmlns:a16="http://schemas.microsoft.com/office/drawing/2014/main" val="20002"/>
                     </a:ext>
                   </a:extLst>
                 </a:gridCol>
-                <a:gridCol w="266700">
+                <a:gridCol w="252412">
                   <a:extLst>
                     <a:ext uri="{9D8B030D-6E8A-4147-A177-3AD203B41FA5}">
                       <a16:colId xmlns:a16="http://schemas.microsoft.com/office/drawing/2014/main" val="20003"/>
                     </a:ext>
                   </a:extLst>
                 </a:gridCol>
-                <a:gridCol w="260350">
+                <a:gridCol w="252000">
                   <a:extLst>
                     <a:ext uri="{9D8B030D-6E8A-4147-A177-3AD203B41FA5}">
                       <a16:colId xmlns:a16="http://schemas.microsoft.com/office/drawing/2014/main" val="20004"/>
@@ -26885,7 +26722,7 @@
                       </a:pPr>
                       <a:r>
                         <a:rPr lang="da-DK" dirty="0" err="1"/>
-                        <a:t>a_X</a:t>
+                        <a:t>a_x</a:t>
                       </a:r>
                       <a:endParaRPr dirty="0"/>
                     </a:p>
@@ -26911,7 +26748,7 @@
                       </a:pPr>
                       <a:r>
                         <a:rPr lang="da-DK" dirty="0" err="1"/>
-                        <a:t>a_Z</a:t>
+                        <a:t>a_z</a:t>
                       </a:r>
                       <a:endParaRPr dirty="0"/>
                     </a:p>
@@ -26937,7 +26774,7 @@
                       </a:pPr>
                       <a:r>
                         <a:rPr lang="da-DK" dirty="0" err="1"/>
-                        <a:t>b_X</a:t>
+                        <a:t>b_x</a:t>
                       </a:r>
                       <a:endParaRPr dirty="0"/>
                     </a:p>
@@ -26963,7 +26800,7 @@
                       </a:pPr>
                       <a:r>
                         <a:rPr lang="da-DK" dirty="0" err="1"/>
-                        <a:t>b_Z</a:t>
+                        <a:t>b_z</a:t>
                       </a:r>
                       <a:endParaRPr dirty="0"/>
                     </a:p>
@@ -27045,7 +26882,7 @@
                   </a:txBody>
                   <a:tcPr marL="0" marR="0" marT="0" marB="0" anchor="ctr" horzOverflow="overflow">
                     <a:solidFill>
-                      <a:srgbClr val="D8D8D8"/>
+                      <a:srgbClr val="F2CB8A"/>
                     </a:solidFill>
                   </a:tcPr>
                 </a:tc>
@@ -27079,7 +26916,7 @@
                   </a:txBody>
                   <a:tcPr marL="0" marR="0" marT="0" marB="0" anchor="ctr" horzOverflow="overflow">
                     <a:solidFill>
-                      <a:srgbClr val="D8D8D8"/>
+                      <a:srgbClr val="F2CB8A"/>
                     </a:solidFill>
                   </a:tcPr>
                 </a:tc>
@@ -27113,7 +26950,7 @@
                   </a:txBody>
                   <a:tcPr marL="0" marR="0" marT="0" marB="0" anchor="ctr" horzOverflow="overflow">
                     <a:solidFill>
-                      <a:srgbClr val="D8D8D8"/>
+                      <a:srgbClr val="F2CB8A"/>
                     </a:solidFill>
                   </a:tcPr>
                 </a:tc>
@@ -27147,7 +26984,7 @@
                   </a:txBody>
                   <a:tcPr marL="0" marR="0" marT="0" marB="0" anchor="ctr" horzOverflow="overflow">
                     <a:solidFill>
-                      <a:srgbClr val="D8D8D8"/>
+                      <a:srgbClr val="F2CB8A"/>
                     </a:solidFill>
                   </a:tcPr>
                 </a:tc>
@@ -27222,7 +27059,7 @@
                   </a:txBody>
                   <a:tcPr marL="0" marR="0" marT="0" marB="0" anchor="ctr" horzOverflow="overflow">
                     <a:solidFill>
-                      <a:srgbClr val="D8D8D8"/>
+                      <a:srgbClr val="F2CB8A"/>
                     </a:solidFill>
                   </a:tcPr>
                 </a:tc>
@@ -27256,7 +27093,7 @@
                   </a:txBody>
                   <a:tcPr marL="0" marR="0" marT="0" marB="0" anchor="ctr" horzOverflow="overflow">
                     <a:solidFill>
-                      <a:srgbClr val="D8D8D8"/>
+                      <a:srgbClr val="F2CB8A"/>
                     </a:solidFill>
                   </a:tcPr>
                 </a:tc>
@@ -27290,7 +27127,7 @@
                   </a:txBody>
                   <a:tcPr marL="0" marR="0" marT="0" marB="0" anchor="ctr" horzOverflow="overflow">
                     <a:solidFill>
-                      <a:srgbClr val="D8D8D8"/>
+                      <a:srgbClr val="F2CB8A"/>
                     </a:solidFill>
                   </a:tcPr>
                 </a:tc>
@@ -27324,7 +27161,7 @@
                   </a:txBody>
                   <a:tcPr marL="0" marR="0" marT="0" marB="0" anchor="ctr" horzOverflow="overflow">
                     <a:solidFill>
-                      <a:srgbClr val="D8D8D8"/>
+                      <a:srgbClr val="F2CB8A"/>
                     </a:solidFill>
                   </a:tcPr>
                 </a:tc>
@@ -27346,8 +27183,8 @@
         </p:nvSpPr>
         <p:spPr>
           <a:xfrm>
-            <a:off x="6840570" y="7071126"/>
-            <a:ext cx="2573850" cy="988692"/>
+            <a:off x="6839374" y="7071126"/>
+            <a:ext cx="2732791" cy="933589"/>
           </a:xfrm>
           <a:prstGeom prst="rect">
             <a:avLst/>
@@ -27357,12 +27194,12 @@
           </a:ln>
           <a:extLst>
             <a:ext uri="{C572A759-6A51-4108-AA02-DFA0A04FC94B}">
-              <ma14:wrappingTextBoxFlag xmlns:ma14="http://schemas.microsoft.com/office/mac/drawingml/2011/main" xmlns="" val="1"/>
+              <ma14:wrappingTextBoxFlag xmlns="" xmlns:ma14="http://schemas.microsoft.com/office/mac/drawingml/2011/main" val="1"/>
             </a:ext>
           </a:extLst>
         </p:spPr>
         <p:txBody>
-          <a:bodyPr wrap="square" lIns="0" tIns="0" rIns="0" bIns="54570">
+          <a:bodyPr wrap="square" lIns="0" tIns="0" rIns="0" bIns="0">
             <a:spAutoFit/>
           </a:bodyPr>
           <a:lstStyle/>
@@ -27440,7 +27277,23 @@
                   <a:srgbClr val="000000"/>
                 </a:solidFill>
               </a:rPr>
-              <a:t>            measure = patterns("^a", "^b"), </a:t>
+              <a:t>            </a:t>
+            </a:r>
+            <a:r>
+              <a:rPr lang="en-US" b="0" dirty="0" err="1">
+                <a:solidFill>
+                  <a:srgbClr val="000000"/>
+                </a:solidFill>
+              </a:rPr>
+              <a:t>measure.vars</a:t>
+            </a:r>
+            <a:r>
+              <a:rPr lang="en-US" b="0" dirty="0">
+                <a:solidFill>
+                  <a:srgbClr val="000000"/>
+                </a:solidFill>
+              </a:rPr>
+              <a:t> = patterns("^a", "^b"), </a:t>
             </a:r>
           </a:p>
           <a:p>
@@ -27534,7 +27387,7 @@
           </a:ln>
           <a:extLst>
             <a:ext uri="{C572A759-6A51-4108-AA02-DFA0A04FC94B}">
-              <ma14:wrappingTextBoxFlag xmlns:ma14="http://schemas.microsoft.com/office/mac/drawingml/2011/main" xmlns="" val="1"/>
+              <ma14:wrappingTextBoxFlag xmlns="" xmlns:ma14="http://schemas.microsoft.com/office/mac/drawingml/2011/main" val="1"/>
             </a:ext>
           </a:extLst>
         </p:spPr>
@@ -27574,14 +27427,14 @@
           <p:nvPr>
             <p:extLst>
               <p:ext uri="{D42A27DB-BD31-4B8C-83A1-F6EECF244321}">
-                <p14:modId xmlns:p14="http://schemas.microsoft.com/office/powerpoint/2010/main" val="358622017"/>
+                <p14:modId xmlns:p14="http://schemas.microsoft.com/office/powerpoint/2010/main" val="591925707"/>
               </p:ext>
             </p:extLst>
           </p:nvPr>
         </p:nvGraphicFramePr>
         <p:xfrm>
-          <a:off x="6210918" y="7071126"/>
-          <a:ext cx="567424" cy="762000"/>
+          <a:off x="6126604" y="7071126"/>
+          <a:ext cx="619200" cy="762000"/>
         </p:xfrm>
         <a:graphic>
           <a:graphicData uri="http://schemas.openxmlformats.org/drawingml/2006/table">
@@ -27590,28 +27443,28 @@
                 <a:tableStyleId>{33BA23B1-9221-436E-865A-0063620EA4FD}</a:tableStyleId>
               </a:tblPr>
               <a:tblGrid>
-                <a:gridCol w="147638">
+                <a:gridCol w="154800">
                   <a:extLst>
                     <a:ext uri="{9D8B030D-6E8A-4147-A177-3AD203B41FA5}">
                       <a16:colId xmlns:a16="http://schemas.microsoft.com/office/drawing/2014/main" val="20000"/>
                     </a:ext>
                   </a:extLst>
                 </a:gridCol>
-                <a:gridCol w="145809">
+                <a:gridCol w="154800">
                   <a:extLst>
                     <a:ext uri="{9D8B030D-6E8A-4147-A177-3AD203B41FA5}">
                       <a16:colId xmlns:a16="http://schemas.microsoft.com/office/drawing/2014/main" val="20001"/>
                     </a:ext>
                   </a:extLst>
                 </a:gridCol>
-                <a:gridCol w="136988">
+                <a:gridCol w="154800">
                   <a:extLst>
                     <a:ext uri="{9D8B030D-6E8A-4147-A177-3AD203B41FA5}">
                       <a16:colId xmlns:a16="http://schemas.microsoft.com/office/drawing/2014/main" val="20002"/>
                     </a:ext>
                   </a:extLst>
                 </a:gridCol>
-                <a:gridCol w="136989">
+                <a:gridCol w="154800">
                   <a:extLst>
                     <a:ext uri="{9D8B030D-6E8A-4147-A177-3AD203B41FA5}">
                       <a16:colId xmlns:a16="http://schemas.microsoft.com/office/drawing/2014/main" val="20003"/>
@@ -27795,7 +27648,7 @@
                   </a:txBody>
                   <a:tcPr marL="0" marR="0" marT="0" marB="0" anchor="ctr" horzOverflow="overflow">
                     <a:solidFill>
-                      <a:srgbClr val="D8D8D8"/>
+                      <a:srgbClr val="F2CB8A"/>
                     </a:solidFill>
                   </a:tcPr>
                 </a:tc>
@@ -27829,7 +27682,7 @@
                   </a:txBody>
                   <a:tcPr marL="0" marR="0" marT="0" marB="0" anchor="ctr" horzOverflow="overflow">
                     <a:solidFill>
-                      <a:srgbClr val="D8D8D8"/>
+                      <a:srgbClr val="F2CB8A"/>
                     </a:solidFill>
                   </a:tcPr>
                 </a:tc>
@@ -27863,7 +27716,7 @@
                   </a:txBody>
                   <a:tcPr marL="0" marR="0" marT="0" marB="0" anchor="ctr" horzOverflow="overflow">
                     <a:solidFill>
-                      <a:srgbClr val="D8D8D8"/>
+                      <a:srgbClr val="F2CB8A"/>
                     </a:solidFill>
                   </a:tcPr>
                 </a:tc>
@@ -27938,7 +27791,7 @@
                   </a:txBody>
                   <a:tcPr marL="0" marR="0" marT="0" marB="0" anchor="ctr" horzOverflow="overflow">
                     <a:solidFill>
-                      <a:srgbClr val="D8D8D8"/>
+                      <a:srgbClr val="F2CB8A"/>
                     </a:solidFill>
                   </a:tcPr>
                 </a:tc>
@@ -27972,7 +27825,7 @@
                   </a:txBody>
                   <a:tcPr marL="0" marR="0" marT="0" marB="0" anchor="ctr" horzOverflow="overflow">
                     <a:solidFill>
-                      <a:srgbClr val="D8D8D8"/>
+                      <a:srgbClr val="F2CB8A"/>
                     </a:solidFill>
                   </a:tcPr>
                 </a:tc>
@@ -28006,7 +27859,7 @@
                   </a:txBody>
                   <a:tcPr marL="0" marR="0" marT="0" marB="0" anchor="ctr" horzOverflow="overflow">
                     <a:solidFill>
-                      <a:srgbClr val="D8D8D8"/>
+                      <a:srgbClr val="F2CB8A"/>
                     </a:solidFill>
                   </a:tcPr>
                 </a:tc>
@@ -28081,7 +27934,7 @@
                   </a:txBody>
                   <a:tcPr marL="0" marR="0" marT="0" marB="0" anchor="ctr" horzOverflow="overflow">
                     <a:solidFill>
-                      <a:srgbClr val="D8D8D8"/>
+                      <a:srgbClr val="F2CB8A"/>
                     </a:solidFill>
                   </a:tcPr>
                 </a:tc>
@@ -28115,7 +27968,7 @@
                   </a:txBody>
                   <a:tcPr marL="0" marR="0" marT="0" marB="0" anchor="ctr" horzOverflow="overflow">
                     <a:solidFill>
-                      <a:srgbClr val="D8D8D8"/>
+                      <a:srgbClr val="F2CB8A"/>
                     </a:solidFill>
                   </a:tcPr>
                 </a:tc>
@@ -28149,7 +28002,7 @@
                   </a:txBody>
                   <a:tcPr marL="0" marR="0" marT="0" marB="0" anchor="ctr" horzOverflow="overflow">
                     <a:solidFill>
-                      <a:srgbClr val="D8D8D8"/>
+                      <a:srgbClr val="F2CB8A"/>
                     </a:solidFill>
                   </a:tcPr>
                 </a:tc>
@@ -28224,7 +28077,7 @@
                   </a:txBody>
                   <a:tcPr marL="0" marR="0" marT="0" marB="0" anchor="ctr" horzOverflow="overflow">
                     <a:solidFill>
-                      <a:srgbClr val="D8D8D8"/>
+                      <a:srgbClr val="F2CB8A"/>
                     </a:solidFill>
                   </a:tcPr>
                 </a:tc>
@@ -28258,7 +28111,7 @@
                   </a:txBody>
                   <a:tcPr marL="0" marR="0" marT="0" marB="0" anchor="ctr" horzOverflow="overflow">
                     <a:solidFill>
-                      <a:srgbClr val="D8D8D8"/>
+                      <a:srgbClr val="F2CB8A"/>
                     </a:solidFill>
                   </a:tcPr>
                 </a:tc>
@@ -28292,7 +28145,7 @@
                   </a:txBody>
                   <a:tcPr marL="0" marR="0" marT="0" marB="0" anchor="ctr" horzOverflow="overflow">
                     <a:solidFill>
-                      <a:srgbClr val="D8D8D8"/>
+                      <a:srgbClr val="F2CB8A"/>
                     </a:solidFill>
                   </a:tcPr>
                 </a:tc>
@@ -28314,7 +28167,7 @@
         </p:nvSpPr>
         <p:spPr>
           <a:xfrm>
-            <a:off x="6027674" y="7242707"/>
+            <a:off x="5957927" y="7233471"/>
             <a:ext cx="136800" cy="0"/>
           </a:xfrm>
           <a:prstGeom prst="line">
@@ -28322,7 +28175,7 @@
           </a:prstGeom>
           <a:ln w="12700">
             <a:solidFill>
-              <a:srgbClr val="53585F"/>
+              <a:srgbClr val="757878"/>
             </a:solidFill>
             <a:miter lim="400000"/>
             <a:tailEnd type="triangle"/>
@@ -28367,14 +28220,14 @@
           <p:nvPr>
             <p:extLst>
               <p:ext uri="{D42A27DB-BD31-4B8C-83A1-F6EECF244321}">
-                <p14:modId xmlns:p14="http://schemas.microsoft.com/office/powerpoint/2010/main" val="781459449"/>
+                <p14:modId xmlns:p14="http://schemas.microsoft.com/office/powerpoint/2010/main" val="316641333"/>
               </p:ext>
             </p:extLst>
           </p:nvPr>
         </p:nvGraphicFramePr>
         <p:xfrm>
-          <a:off x="4812083" y="7080715"/>
-          <a:ext cx="1185862" cy="457200"/>
+          <a:off x="4812083" y="7071126"/>
+          <a:ext cx="1128712" cy="457200"/>
         </p:xfrm>
         <a:graphic>
           <a:graphicData uri="http://schemas.openxmlformats.org/drawingml/2006/table">
@@ -28390,28 +28243,28 @@
                     </a:ext>
                   </a:extLst>
                 </a:gridCol>
-                <a:gridCol w="258762">
+                <a:gridCol w="244475">
                   <a:extLst>
                     <a:ext uri="{9D8B030D-6E8A-4147-A177-3AD203B41FA5}">
                       <a16:colId xmlns:a16="http://schemas.microsoft.com/office/drawing/2014/main" val="20001"/>
                     </a:ext>
                   </a:extLst>
                 </a:gridCol>
-                <a:gridCol w="252412">
+                <a:gridCol w="238125">
                   <a:extLst>
                     <a:ext uri="{9D8B030D-6E8A-4147-A177-3AD203B41FA5}">
                       <a16:colId xmlns:a16="http://schemas.microsoft.com/office/drawing/2014/main" val="20002"/>
                     </a:ext>
                   </a:extLst>
                 </a:gridCol>
-                <a:gridCol w="266700">
+                <a:gridCol w="252412">
                   <a:extLst>
                     <a:ext uri="{9D8B030D-6E8A-4147-A177-3AD203B41FA5}">
                       <a16:colId xmlns:a16="http://schemas.microsoft.com/office/drawing/2014/main" val="20003"/>
                     </a:ext>
                   </a:extLst>
                 </a:gridCol>
-                <a:gridCol w="260350">
+                <a:gridCol w="246062">
                   <a:extLst>
                     <a:ext uri="{9D8B030D-6E8A-4147-A177-3AD203B41FA5}">
                       <a16:colId xmlns:a16="http://schemas.microsoft.com/office/drawing/2014/main" val="20004"/>
@@ -28461,14 +28314,14 @@
                       </a:pPr>
                       <a:r>
                         <a:rPr lang="da-DK" dirty="0" err="1"/>
-                        <a:t>a_X</a:t>
+                        <a:t>a_x</a:t>
                       </a:r>
                       <a:endParaRPr dirty="0"/>
                     </a:p>
                   </a:txBody>
                   <a:tcPr marL="0" marR="0" marT="0" marB="0" anchor="ctr" horzOverflow="overflow">
                     <a:solidFill>
-                      <a:srgbClr val="A6AAA9"/>
+                      <a:srgbClr val="BE8323"/>
                     </a:solidFill>
                   </a:tcPr>
                 </a:tc>
@@ -28487,14 +28340,14 @@
                       </a:pPr>
                       <a:r>
                         <a:rPr lang="da-DK" dirty="0" err="1"/>
-                        <a:t>a_Z</a:t>
+                        <a:t>a_z</a:t>
                       </a:r>
                       <a:endParaRPr dirty="0"/>
                     </a:p>
                   </a:txBody>
                   <a:tcPr marL="0" marR="0" marT="0" marB="0" anchor="ctr" horzOverflow="overflow">
                     <a:solidFill>
-                      <a:srgbClr val="A6AAA9"/>
+                      <a:srgbClr val="BE8323"/>
                     </a:solidFill>
                   </a:tcPr>
                 </a:tc>
@@ -28513,14 +28366,14 @@
                       </a:pPr>
                       <a:r>
                         <a:rPr lang="da-DK" dirty="0" err="1"/>
-                        <a:t>b_X</a:t>
+                        <a:t>b_x</a:t>
                       </a:r>
                       <a:endParaRPr dirty="0"/>
                     </a:p>
                   </a:txBody>
                   <a:tcPr marL="0" marR="0" marT="0" marB="0" anchor="ctr" horzOverflow="overflow">
                     <a:solidFill>
-                      <a:srgbClr val="A6AAA9"/>
+                      <a:srgbClr val="BE8323"/>
                     </a:solidFill>
                   </a:tcPr>
                 </a:tc>
@@ -28539,14 +28392,14 @@
                       </a:pPr>
                       <a:r>
                         <a:rPr lang="da-DK" dirty="0" err="1"/>
-                        <a:t>b_Z</a:t>
+                        <a:t>b_z</a:t>
                       </a:r>
                       <a:endParaRPr dirty="0"/>
                     </a:p>
                   </a:txBody>
                   <a:tcPr marL="0" marR="0" marT="0" marB="0" anchor="ctr" horzOverflow="overflow">
                     <a:solidFill>
-                      <a:srgbClr val="A6AAA9"/>
+                      <a:srgbClr val="BE8323"/>
                     </a:solidFill>
                   </a:tcPr>
                 </a:tc>
@@ -28621,7 +28474,7 @@
                   </a:txBody>
                   <a:tcPr marL="0" marR="0" marT="0" marB="0" anchor="ctr" horzOverflow="overflow">
                     <a:solidFill>
-                      <a:srgbClr val="D8D8D8"/>
+                      <a:srgbClr val="F2CB8A"/>
                     </a:solidFill>
                   </a:tcPr>
                 </a:tc>
@@ -28655,7 +28508,7 @@
                   </a:txBody>
                   <a:tcPr marL="0" marR="0" marT="0" marB="0" anchor="ctr" horzOverflow="overflow">
                     <a:solidFill>
-                      <a:srgbClr val="D8D8D8"/>
+                      <a:srgbClr val="F2CB8A"/>
                     </a:solidFill>
                   </a:tcPr>
                 </a:tc>
@@ -28689,7 +28542,7 @@
                   </a:txBody>
                   <a:tcPr marL="0" marR="0" marT="0" marB="0" anchor="ctr" horzOverflow="overflow">
                     <a:solidFill>
-                      <a:srgbClr val="D8D8D8"/>
+                      <a:srgbClr val="F2CB8A"/>
                     </a:solidFill>
                   </a:tcPr>
                 </a:tc>
@@ -28723,7 +28576,7 @@
                   </a:txBody>
                   <a:tcPr marL="0" marR="0" marT="0" marB="0" anchor="ctr" horzOverflow="overflow">
                     <a:solidFill>
-                      <a:srgbClr val="D8D8D8"/>
+                      <a:srgbClr val="F2CB8A"/>
                     </a:solidFill>
                   </a:tcPr>
                 </a:tc>
@@ -28798,7 +28651,7 @@
                   </a:txBody>
                   <a:tcPr marL="0" marR="0" marT="0" marB="0" anchor="ctr" horzOverflow="overflow">
                     <a:solidFill>
-                      <a:srgbClr val="D8D8D8"/>
+                      <a:srgbClr val="F2CB8A"/>
                     </a:solidFill>
                   </a:tcPr>
                 </a:tc>
@@ -28832,7 +28685,7 @@
                   </a:txBody>
                   <a:tcPr marL="0" marR="0" marT="0" marB="0" anchor="ctr" horzOverflow="overflow">
                     <a:solidFill>
-                      <a:srgbClr val="D8D8D8"/>
+                      <a:srgbClr val="F2CB8A"/>
                     </a:solidFill>
                   </a:tcPr>
                 </a:tc>
@@ -28866,7 +28719,7 @@
                   </a:txBody>
                   <a:tcPr marL="0" marR="0" marT="0" marB="0" anchor="ctr" horzOverflow="overflow">
                     <a:solidFill>
-                      <a:srgbClr val="D8D8D8"/>
+                      <a:srgbClr val="F2CB8A"/>
                     </a:solidFill>
                   </a:tcPr>
                 </a:tc>
@@ -28900,7 +28753,7 @@
                   </a:txBody>
                   <a:tcPr marL="0" marR="0" marT="0" marB="0" anchor="ctr" horzOverflow="overflow">
                     <a:solidFill>
-                      <a:srgbClr val="D8D8D8"/>
+                      <a:srgbClr val="F2CB8A"/>
                     </a:solidFill>
                   </a:tcPr>
                 </a:tc>
@@ -28922,7 +28775,7 @@
         </p:nvSpPr>
         <p:spPr>
           <a:xfrm>
-            <a:off x="4812083" y="8154192"/>
+            <a:off x="4812083" y="8143827"/>
             <a:ext cx="4717933" cy="276405"/>
           </a:xfrm>
           <a:prstGeom prst="rect">
@@ -28933,7 +28786,7 @@
           </a:ln>
           <a:extLst>
             <a:ext uri="{C572A759-6A51-4108-AA02-DFA0A04FC94B}">
-              <ma14:wrappingTextBoxFlag xmlns:ma14="http://schemas.microsoft.com/office/mac/drawingml/2011/main" xmlns="" val="1"/>
+              <ma14:wrappingTextBoxFlag xmlns="" xmlns:ma14="http://schemas.microsoft.com/office/mac/drawingml/2011/main" val="1"/>
             </a:ext>
           </a:extLst>
         </p:spPr>
@@ -28969,7 +28822,7 @@
         </p:nvSpPr>
         <p:spPr>
           <a:xfrm flipV="1">
-            <a:off x="9359106" y="4151616"/>
+            <a:off x="9359106" y="4212970"/>
             <a:ext cx="4320000" cy="0"/>
           </a:xfrm>
           <a:prstGeom prst="line">
@@ -29014,7 +28867,7 @@
         </p:nvSpPr>
         <p:spPr>
           <a:xfrm>
-            <a:off x="9359106" y="4244796"/>
+            <a:off x="9359106" y="4306150"/>
             <a:ext cx="3840883" cy="340029"/>
           </a:xfrm>
           <a:prstGeom prst="rect">
@@ -29025,7 +28878,7 @@
           </a:ln>
           <a:extLst>
             <a:ext uri="{C572A759-6A51-4108-AA02-DFA0A04FC94B}">
-              <ma14:wrappingTextBoxFlag xmlns:ma14="http://schemas.microsoft.com/office/mac/drawingml/2011/main" xmlns="" val="1"/>
+              <ma14:wrappingTextBoxFlag xmlns="" xmlns:ma14="http://schemas.microsoft.com/office/mac/drawingml/2011/main" val="1"/>
             </a:ext>
           </a:extLst>
         </p:spPr>
@@ -29055,207 +28908,6 @@
                 </a:solidFill>
               </a:rPr>
               <a:t>Sequential rows</a:t>
-            </a:r>
-          </a:p>
-        </p:txBody>
-      </p:sp>
-      <p:sp>
-        <p:nvSpPr>
-          <p:cNvPr id="166" name="Rektangel 165"/>
-          <p:cNvSpPr/>
-          <p:nvPr/>
-        </p:nvSpPr>
-        <p:spPr>
-          <a:xfrm>
-            <a:off x="9359106" y="3044553"/>
-            <a:ext cx="1056379" cy="276999"/>
-          </a:xfrm>
-          <a:prstGeom prst="rect">
-            <a:avLst/>
-          </a:prstGeom>
-        </p:spPr>
-        <p:txBody>
-          <a:bodyPr wrap="none" lIns="0" rIns="0">
-            <a:spAutoFit/>
-          </a:bodyPr>
-          <a:lstStyle/>
-          <a:p>
-            <a:pPr lvl="1" indent="0"/>
-            <a:r>
-              <a:rPr lang="da-DK" dirty="0"/>
-              <a:t>GROUP OPTIMA</a:t>
-            </a:r>
-          </a:p>
-        </p:txBody>
-      </p:sp>
-      <p:sp>
-        <p:nvSpPr>
-          <p:cNvPr id="167" name="Line"/>
-          <p:cNvSpPr/>
-          <p:nvPr/>
-        </p:nvSpPr>
-        <p:spPr>
-          <a:xfrm flipV="1">
-            <a:off x="9359106" y="3021712"/>
-            <a:ext cx="4320000" cy="3147"/>
-          </a:xfrm>
-          <a:prstGeom prst="line">
-            <a:avLst/>
-          </a:prstGeom>
-          <a:ln w="12700">
-            <a:solidFill>
-              <a:schemeClr val="tx1">
-                <a:lumMod val="60000"/>
-                <a:lumOff val="40000"/>
-              </a:schemeClr>
-            </a:solidFill>
-            <a:custDash>
-              <a:ds d="100000" sp="200000"/>
-            </a:custDash>
-          </a:ln>
-        </p:spPr>
-        <p:txBody>
-          <a:bodyPr lIns="54570" tIns="54570" rIns="54570" bIns="54570" anchor="ctr"/>
-          <a:lstStyle/>
-          <a:p>
-            <a:pPr>
-              <a:lnSpc>
-                <a:spcPct val="80000"/>
-              </a:lnSpc>
-              <a:spcBef>
-                <a:spcPts val="600"/>
-              </a:spcBef>
-              <a:defRPr b="0">
-                <a:solidFill>
-                  <a:srgbClr val="000000"/>
-                </a:solidFill>
-              </a:defRPr>
-            </a:pPr>
-            <a:endParaRPr dirty="0"/>
-          </a:p>
-        </p:txBody>
-      </p:sp>
-      <p:sp>
-        <p:nvSpPr>
-          <p:cNvPr id="168" name="Use headers, colors, and/or backgrounds to separate or group together sections."/>
-          <p:cNvSpPr txBox="1"/>
-          <p:nvPr/>
-        </p:nvSpPr>
-        <p:spPr>
-          <a:xfrm>
-            <a:off x="9359106" y="3290349"/>
-            <a:ext cx="4318113" cy="608804"/>
-          </a:xfrm>
-          <a:prstGeom prst="rect">
-            <a:avLst/>
-          </a:prstGeom>
-          <a:ln w="12700">
-            <a:miter lim="400000"/>
-          </a:ln>
-          <a:extLst>
-            <a:ext uri="{C572A759-6A51-4108-AA02-DFA0A04FC94B}">
-              <ma14:wrappingTextBoxFlag xmlns:ma14="http://schemas.microsoft.com/office/mac/drawingml/2011/main" xmlns="" val="1"/>
-            </a:ext>
-          </a:extLst>
-        </p:spPr>
-        <p:txBody>
-          <a:bodyPr wrap="square" lIns="0" tIns="54570" rIns="0" bIns="54570">
-            <a:spAutoFit/>
-          </a:bodyPr>
-          <a:lstStyle/>
-          <a:p>
-            <a:pPr lvl="1" indent="0">
-              <a:lnSpc>
-                <a:spcPct val="90000"/>
-              </a:lnSpc>
-            </a:pPr>
-            <a:r>
-              <a:rPr lang="en-US" b="0" dirty="0" err="1">
-                <a:solidFill>
-                  <a:srgbClr val="000000"/>
-                </a:solidFill>
-              </a:rPr>
-              <a:t>dt</a:t>
-            </a:r>
-            <a:r>
-              <a:rPr lang="en-US" b="0" dirty="0">
-                <a:solidFill>
-                  <a:srgbClr val="000000"/>
-                </a:solidFill>
-              </a:rPr>
-              <a:t>[, </a:t>
-            </a:r>
-            <a:r>
-              <a:rPr lang="en-US" dirty="0">
-                <a:solidFill>
-                  <a:srgbClr val="0070C0"/>
-                </a:solidFill>
-              </a:rPr>
-              <a:t>.SD[</a:t>
-            </a:r>
-            <a:r>
-              <a:rPr lang="en-US" dirty="0" err="1">
-                <a:solidFill>
-                  <a:srgbClr val="0070C0"/>
-                </a:solidFill>
-              </a:rPr>
-              <a:t>which.max</a:t>
-            </a:r>
-            <a:r>
-              <a:rPr lang="en-US" dirty="0">
-                <a:solidFill>
-                  <a:srgbClr val="0070C0"/>
-                </a:solidFill>
-              </a:rPr>
-              <a:t>(a)]</a:t>
-            </a:r>
-            <a:r>
-              <a:rPr lang="en-US" dirty="0">
-                <a:solidFill>
-                  <a:srgbClr val="000000"/>
-                </a:solidFill>
-              </a:rPr>
-              <a:t>, </a:t>
-            </a:r>
-            <a:r>
-              <a:rPr lang="en-US" dirty="0">
-                <a:solidFill>
-                  <a:srgbClr val="B74819"/>
-                </a:solidFill>
-              </a:rPr>
-              <a:t>by = b</a:t>
-            </a:r>
-            <a:r>
-              <a:rPr lang="en-US" b="0" dirty="0">
-                <a:solidFill>
-                  <a:srgbClr val="000000"/>
-                </a:solidFill>
-              </a:rPr>
-              <a:t>] – within groups, extract rows with the maximum value in a specified column. Also works with </a:t>
-            </a:r>
-            <a:r>
-              <a:rPr lang="en-US" b="0" dirty="0" err="1">
-                <a:solidFill>
-                  <a:srgbClr val="000000"/>
-                </a:solidFill>
-              </a:rPr>
-              <a:t>which.min</a:t>
-            </a:r>
-            <a:r>
-              <a:rPr lang="en-US" b="0" dirty="0">
-                <a:solidFill>
-                  <a:srgbClr val="000000"/>
-                </a:solidFill>
-              </a:rPr>
-              <a:t>() and which(). </a:t>
-            </a:r>
-            <a:r>
-              <a:rPr lang="en-US" b="0" dirty="0">
-                <a:solidFill>
-                  <a:srgbClr val="5B6167"/>
-                </a:solidFill>
-              </a:rPr>
-              <a:t>Similar to “.SD[.N]” and “.SD[1]”.</a:t>
             </a:r>
           </a:p>
         </p:txBody>
@@ -29275,7 +28927,7 @@
           <p:nvPr>
             <p:extLst>
               <p:ext uri="{D42A27DB-BD31-4B8C-83A1-F6EECF244321}">
-                <p14:modId xmlns:p14="http://schemas.microsoft.com/office/powerpoint/2010/main" val="1825687542"/>
+                <p14:modId xmlns:p14="http://schemas.microsoft.com/office/powerpoint/2010/main" val="3872133793"/>
               </p:ext>
             </p:extLst>
           </p:nvPr>
@@ -29610,7 +29262,7 @@
                           <a:latin typeface="Source Sans Pro" panose="020B0503030403020204" pitchFamily="34" charset="0"/>
                           <a:ea typeface="Source Sans Pro" panose="020B0503030403020204" pitchFamily="34" charset="0"/>
                         </a:rPr>
-                        <a:t>Formula with a LHS: id column(s) containing id(s) for multiple entries. And a RHS: column(s) with value(s) to spread in column headers. </a:t>
+                        <a:t>Formula with a LHS: ID columns containing IDs for multiple entries. And a RHS: columns with values to spread in column headers. </a:t>
                       </a:r>
                     </a:p>
                   </a:txBody>
@@ -29777,7 +29429,7 @@
                           <a:latin typeface="Source Sans Pro" panose="020B0503030403020204" pitchFamily="34" charset="0"/>
                           <a:ea typeface="Source Sans Pro" panose="020B0503030403020204" pitchFamily="34" charset="0"/>
                         </a:rPr>
-                        <a:t>Column(s) containing values to fill into cells.</a:t>
+                        <a:t>Columns containing values to fill into cells.</a:t>
                       </a:r>
                       <a:endParaRPr lang="da-DK" sz="1200" dirty="0">
                         <a:solidFill>
@@ -29860,13 +29512,13 @@
           <p:nvPr>
             <p:extLst>
               <p:ext uri="{D42A27DB-BD31-4B8C-83A1-F6EECF244321}">
-                <p14:modId xmlns:p14="http://schemas.microsoft.com/office/powerpoint/2010/main" val="3204801653"/>
+                <p14:modId xmlns:p14="http://schemas.microsoft.com/office/powerpoint/2010/main" val="774084040"/>
               </p:ext>
             </p:extLst>
           </p:nvPr>
         </p:nvGraphicFramePr>
         <p:xfrm>
-          <a:off x="4812083" y="8456201"/>
+          <a:off x="4812083" y="8445836"/>
           <a:ext cx="4571860" cy="987552"/>
         </p:xfrm>
         <a:graphic>
@@ -30215,7 +29867,7 @@
                           <a:latin typeface="Source Sans Pro" panose="020B0503030403020204" pitchFamily="34" charset="0"/>
                           <a:ea typeface="Source Sans Pro" panose="020B0503030403020204" pitchFamily="34" charset="0"/>
                         </a:rPr>
-                        <a:t>Id column(s) with id(s) for multiple entries.</a:t>
+                        <a:t>ID columns with IDs for multiple entries.</a:t>
                       </a:r>
                     </a:p>
                   </a:txBody>
@@ -30287,14 +29939,14 @@
                         </a:spcBef>
                       </a:pPr>
                       <a:r>
-                        <a:rPr lang="en-US" sz="1200" b="0">
+                        <a:rPr lang="en-US" sz="1200" b="0" dirty="0" err="1">
                           <a:solidFill>
                             <a:srgbClr val="5B6167"/>
                           </a:solidFill>
                           <a:latin typeface="Source Sans Pro" panose="020B0503030403020204" pitchFamily="34" charset="0"/>
                           <a:ea typeface="Source Sans Pro" panose="020B0503030403020204" pitchFamily="34" charset="0"/>
                         </a:rPr>
-                        <a:t>measure</a:t>
+                        <a:t>measure.vars</a:t>
                       </a:r>
                       <a:endParaRPr lang="en-US" sz="1200" dirty="0">
                         <a:solidFill>
@@ -30382,7 +30034,7 @@
                           <a:latin typeface="Source Sans Pro" panose="020B0503030403020204" pitchFamily="34" charset="0"/>
                           <a:ea typeface="Source Sans Pro" panose="020B0503030403020204" pitchFamily="34" charset="0"/>
                         </a:rPr>
-                        <a:t>Column(s) containing values to fill into cells </a:t>
+                        <a:t>Columns containing values to fill into cells </a:t>
                       </a:r>
                       <a:r>
                         <a:rPr lang="en-US" sz="1200" dirty="0">
@@ -30589,7 +30241,7 @@
                           <a:latin typeface="Source Sans Pro" panose="020B0503030403020204" pitchFamily="34" charset="0"/>
                           <a:ea typeface="Source Sans Pro" panose="020B0503030403020204" pitchFamily="34" charset="0"/>
                         </a:rPr>
-                        <a:t>Name(s) of new column(s) for variables and values derived from old headers.</a:t>
+                        <a:t>Names of new columns for variables and values derived from old headers.</a:t>
                       </a:r>
                     </a:p>
                   </a:txBody>
@@ -30703,8 +30355,8 @@
         </p:nvSpPr>
         <p:spPr>
           <a:xfrm>
-            <a:off x="1897907" y="1452244"/>
-            <a:ext cx="2763316" cy="498598"/>
+            <a:off x="1660997" y="1452244"/>
+            <a:ext cx="3000226" cy="498598"/>
           </a:xfrm>
           <a:prstGeom prst="rect">
             <a:avLst/>
@@ -30714,7 +30366,7 @@
           </a:ln>
           <a:extLst>
             <a:ext uri="{C572A759-6A51-4108-AA02-DFA0A04FC94B}">
-              <ma14:wrappingTextBoxFlag xmlns:ma14="http://schemas.microsoft.com/office/mac/drawingml/2011/main" xmlns="" val="1"/>
+              <ma14:wrappingTextBoxFlag xmlns="" xmlns:ma14="http://schemas.microsoft.com/office/mac/drawingml/2011/main" val="1"/>
             </a:ext>
           </a:extLst>
         </p:spPr>
@@ -30785,13 +30437,13 @@
           <p:nvPr>
             <p:extLst>
               <p:ext uri="{D42A27DB-BD31-4B8C-83A1-F6EECF244321}">
-                <p14:modId xmlns:p14="http://schemas.microsoft.com/office/powerpoint/2010/main" val="2420879368"/>
+                <p14:modId xmlns:p14="http://schemas.microsoft.com/office/powerpoint/2010/main" val="2508528484"/>
               </p:ext>
             </p:extLst>
           </p:nvPr>
         </p:nvGraphicFramePr>
         <p:xfrm>
-          <a:off x="1097163" y="1489760"/>
+          <a:off x="979688" y="1489760"/>
           <a:ext cx="453600" cy="457200"/>
         </p:xfrm>
         <a:graphic>
@@ -31123,7 +30775,7 @@
         </p:nvSpPr>
         <p:spPr>
           <a:xfrm>
-            <a:off x="855819" y="1647374"/>
+            <a:off x="796234" y="1642455"/>
             <a:ext cx="136800" cy="0"/>
           </a:xfrm>
           <a:prstGeom prst="line">
@@ -31131,7 +30783,7 @@
           </a:prstGeom>
           <a:ln w="12700">
             <a:solidFill>
-              <a:srgbClr val="53585F"/>
+              <a:srgbClr val="757878"/>
             </a:solidFill>
             <a:miter lim="400000"/>
             <a:tailEnd type="triangle"/>
@@ -31766,7 +31418,7 @@
                   <a:srgbClr val="000000"/>
                 </a:solidFill>
               </a:rPr>
-              <a:t> – return the number of unique rows based on columns specified in “by”. </a:t>
+              <a:t> – count the number of unique rows based on columns specified in “by”. </a:t>
             </a:r>
           </a:p>
         </p:txBody>
@@ -31785,7 +31437,7 @@
         </p:nvSpPr>
         <p:spPr>
           <a:xfrm flipV="1">
-            <a:off x="9356759" y="7765070"/>
+            <a:off x="9356759" y="7826424"/>
             <a:ext cx="4320000" cy="0"/>
           </a:xfrm>
           <a:prstGeom prst="line">
@@ -31836,7 +31488,7 @@
         </p:nvSpPr>
         <p:spPr>
           <a:xfrm>
-            <a:off x="9356759" y="7858250"/>
+            <a:off x="9356759" y="7919604"/>
             <a:ext cx="3840883" cy="340029"/>
           </a:xfrm>
           <a:prstGeom prst="rect">
@@ -31847,7 +31499,7 @@
           </a:ln>
           <a:extLst>
             <a:ext uri="{C572A759-6A51-4108-AA02-DFA0A04FC94B}">
-              <ma14:wrappingTextBoxFlag xmlns:ma14="http://schemas.microsoft.com/office/mac/drawingml/2011/main" xmlns="" val="1"/>
+              <ma14:wrappingTextBoxFlag xmlns="" xmlns:ma14="http://schemas.microsoft.com/office/mac/drawingml/2011/main" val="1"/>
             </a:ext>
           </a:extLst>
         </p:spPr>
@@ -31876,21 +31528,8 @@
                   <a:srgbClr val="975CBC"/>
                 </a:solidFill>
               </a:rPr>
-              <a:t>fread &amp; </a:t>
-            </a:r>
-            <a:r>
-              <a:rPr lang="en-US" dirty="0" err="1">
-                <a:solidFill>
-                  <a:srgbClr val="975CBC"/>
-                </a:solidFill>
-              </a:rPr>
-              <a:t>fwrite</a:t>
-            </a:r>
-            <a:endParaRPr lang="en-US" dirty="0">
-              <a:solidFill>
-                <a:srgbClr val="975CBC"/>
-              </a:solidFill>
-            </a:endParaRPr>
+              <a:t>read &amp; write files</a:t>
+            </a:r>
           </a:p>
         </p:txBody>
       </p:sp>
@@ -31908,7 +31547,7 @@
         </p:nvSpPr>
         <p:spPr>
           <a:xfrm>
-            <a:off x="9356759" y="8354902"/>
+            <a:off x="9356759" y="8416256"/>
             <a:ext cx="540212" cy="276999"/>
           </a:xfrm>
           <a:prstGeom prst="rect">
@@ -31943,7 +31582,7 @@
         </p:nvSpPr>
         <p:spPr>
           <a:xfrm flipV="1">
-            <a:off x="9356759" y="8335291"/>
+            <a:off x="9356759" y="8396645"/>
             <a:ext cx="4320000" cy="0"/>
           </a:xfrm>
           <a:prstGeom prst="line">
@@ -31996,7 +31635,7 @@
         </p:nvSpPr>
         <p:spPr>
           <a:xfrm>
-            <a:off x="9356759" y="8603928"/>
+            <a:off x="9356759" y="8665282"/>
             <a:ext cx="4318113" cy="826299"/>
           </a:xfrm>
           <a:prstGeom prst="rect">
@@ -32007,7 +31646,7 @@
           </a:ln>
           <a:extLst>
             <a:ext uri="{C572A759-6A51-4108-AA02-DFA0A04FC94B}">
-              <ma14:wrappingTextBoxFlag xmlns:ma14="http://schemas.microsoft.com/office/mac/drawingml/2011/main" xmlns="" val="1"/>
+              <ma14:wrappingTextBoxFlag xmlns="" xmlns:ma14="http://schemas.microsoft.com/office/mac/drawingml/2011/main" val="1"/>
             </a:ext>
           </a:extLst>
         </p:spPr>
@@ -32167,7 +31806,7 @@
                   <a:srgbClr val="000000"/>
                 </a:solidFill>
               </a:rPr>
-              <a:t>– read specified column(s) from a flat file into R.</a:t>
+              <a:t>– read specified columns from a flat file into R.</a:t>
             </a:r>
           </a:p>
         </p:txBody>
@@ -32186,7 +31825,7 @@
         </p:nvSpPr>
         <p:spPr>
           <a:xfrm>
-            <a:off x="9356759" y="9656101"/>
+            <a:off x="9356759" y="9717455"/>
             <a:ext cx="548227" cy="276999"/>
           </a:xfrm>
           <a:prstGeom prst="rect">
@@ -32221,7 +31860,7 @@
         </p:nvSpPr>
         <p:spPr>
           <a:xfrm flipV="1">
-            <a:off x="9356759" y="9634449"/>
+            <a:off x="9356759" y="9695803"/>
             <a:ext cx="4320000" cy="0"/>
           </a:xfrm>
           <a:prstGeom prst="line">
@@ -32274,7 +31913,7 @@
         </p:nvSpPr>
         <p:spPr>
           <a:xfrm>
-            <a:off x="9356759" y="9921015"/>
+            <a:off x="9356759" y="9982369"/>
             <a:ext cx="4318113" cy="276405"/>
           </a:xfrm>
           <a:prstGeom prst="rect">
@@ -32285,7 +31924,7 @@
           </a:ln>
           <a:extLst>
             <a:ext uri="{C572A759-6A51-4108-AA02-DFA0A04FC94B}">
-              <ma14:wrappingTextBoxFlag xmlns:ma14="http://schemas.microsoft.com/office/mac/drawingml/2011/main" xmlns="" val="1"/>
+              <ma14:wrappingTextBoxFlag xmlns="" xmlns:ma14="http://schemas.microsoft.com/office/mac/drawingml/2011/main" val="1"/>
             </a:ext>
           </a:extLst>
         </p:spPr>
@@ -32330,7 +31969,7 @@
                   <a:srgbClr val="000000"/>
                 </a:solidFill>
               </a:rPr>
-              <a:t>, file = "</a:t>
+              <a:t>, "</a:t>
             </a:r>
             <a:r>
               <a:rPr lang="en-US" b="0" dirty="0" err="1">
@@ -32381,8 +32020,8 @@
         </p:nvSpPr>
         <p:spPr>
           <a:xfrm>
-            <a:off x="10696639" y="5113153"/>
-            <a:ext cx="3001897" cy="332399"/>
+            <a:off x="10583859" y="5174507"/>
+            <a:ext cx="3114677" cy="332399"/>
           </a:xfrm>
           <a:prstGeom prst="rect">
             <a:avLst/>
@@ -32392,7 +32031,7 @@
           </a:ln>
           <a:extLst>
             <a:ext uri="{C572A759-6A51-4108-AA02-DFA0A04FC94B}">
-              <ma14:wrappingTextBoxFlag xmlns:ma14="http://schemas.microsoft.com/office/mac/drawingml/2011/main" xmlns="" val="1"/>
+              <ma14:wrappingTextBoxFlag xmlns="" xmlns:ma14="http://schemas.microsoft.com/office/mac/drawingml/2011/main" val="1"/>
             </a:ext>
           </a:extLst>
         </p:spPr>
@@ -32487,14 +32126,14 @@
           <p:nvPr>
             <p:extLst>
               <p:ext uri="{D42A27DB-BD31-4B8C-83A1-F6EECF244321}">
-                <p14:modId xmlns:p14="http://schemas.microsoft.com/office/powerpoint/2010/main" val="4208429032"/>
+                <p14:modId xmlns:p14="http://schemas.microsoft.com/office/powerpoint/2010/main" val="970800801"/>
               </p:ext>
             </p:extLst>
           </p:nvPr>
         </p:nvGraphicFramePr>
         <p:xfrm>
-          <a:off x="9984984" y="5113153"/>
-          <a:ext cx="453600" cy="609600"/>
+          <a:off x="9892909" y="5174507"/>
+          <a:ext cx="464400" cy="609600"/>
         </p:xfrm>
         <a:graphic>
           <a:graphicData uri="http://schemas.openxmlformats.org/drawingml/2006/table">
@@ -32506,21 +32145,21 @@
                 <a:tableStyleId>{33BA23B1-9221-436E-865A-0063620EA4FD}</a:tableStyleId>
               </a:tblPr>
               <a:tblGrid>
-                <a:gridCol w="151200">
+                <a:gridCol w="154800">
                   <a:extLst>
                     <a:ext uri="{9D8B030D-6E8A-4147-A177-3AD203B41FA5}">
                       <a16:colId xmlns:a16="http://schemas.microsoft.com/office/drawing/2014/main" val="20000"/>
                     </a:ext>
                   </a:extLst>
                 </a:gridCol>
-                <a:gridCol w="151200">
+                <a:gridCol w="154800">
                   <a:extLst>
                     <a:ext uri="{9D8B030D-6E8A-4147-A177-3AD203B41FA5}">
                       <a16:colId xmlns:a16="http://schemas.microsoft.com/office/drawing/2014/main" val="20001"/>
                     </a:ext>
                   </a:extLst>
                 </a:gridCol>
-                <a:gridCol w="151200">
+                <a:gridCol w="154800">
                   <a:extLst>
                     <a:ext uri="{9D8B030D-6E8A-4147-A177-3AD203B41FA5}">
                       <a16:colId xmlns:a16="http://schemas.microsoft.com/office/drawing/2014/main" val="20002"/>
@@ -32934,7 +32573,7 @@
         </p:nvSpPr>
         <p:spPr>
           <a:xfrm>
-            <a:off x="9757495" y="5270767"/>
+            <a:off x="9706695" y="5332121"/>
             <a:ext cx="136800" cy="0"/>
           </a:xfrm>
           <a:prstGeom prst="line">
@@ -32942,7 +32581,7 @@
           </a:prstGeom>
           <a:ln w="12700">
             <a:solidFill>
-              <a:srgbClr val="53585F"/>
+              <a:srgbClr val="757878"/>
             </a:solidFill>
             <a:miter lim="400000"/>
             <a:tailEnd type="triangle"/>
@@ -32993,14 +32632,14 @@
           <p:nvPr>
             <p:extLst>
               <p:ext uri="{D42A27DB-BD31-4B8C-83A1-F6EECF244321}">
-                <p14:modId xmlns:p14="http://schemas.microsoft.com/office/powerpoint/2010/main" val="2413270543"/>
+                <p14:modId xmlns:p14="http://schemas.microsoft.com/office/powerpoint/2010/main" val="204463635"/>
               </p:ext>
             </p:extLst>
           </p:nvPr>
         </p:nvGraphicFramePr>
         <p:xfrm>
-          <a:off x="9356759" y="5113153"/>
-          <a:ext cx="302400" cy="609600"/>
+          <a:off x="9356759" y="5174507"/>
+          <a:ext cx="309600" cy="609600"/>
         </p:xfrm>
         <a:graphic>
           <a:graphicData uri="http://schemas.openxmlformats.org/drawingml/2006/table">
@@ -33009,14 +32648,14 @@
                 <a:tableStyleId>{33BA23B1-9221-436E-865A-0063620EA4FD}</a:tableStyleId>
               </a:tblPr>
               <a:tblGrid>
-                <a:gridCol w="151200">
+                <a:gridCol w="154800">
                   <a:extLst>
                     <a:ext uri="{9D8B030D-6E8A-4147-A177-3AD203B41FA5}">
                       <a16:colId xmlns:a16="http://schemas.microsoft.com/office/drawing/2014/main" val="20000"/>
                     </a:ext>
                   </a:extLst>
                 </a:gridCol>
-                <a:gridCol w="151200">
+                <a:gridCol w="154800">
                   <a:extLst>
                     <a:ext uri="{9D8B030D-6E8A-4147-A177-3AD203B41FA5}">
                       <a16:colId xmlns:a16="http://schemas.microsoft.com/office/drawing/2014/main" val="20001"/>
@@ -33326,7 +32965,7 @@
         </p:nvSpPr>
         <p:spPr>
           <a:xfrm>
-            <a:off x="9356759" y="4786060"/>
+            <a:off x="9356759" y="4847414"/>
             <a:ext cx="677430" cy="276999"/>
           </a:xfrm>
           <a:prstGeom prst="rect">
@@ -33361,7 +33000,7 @@
         </p:nvSpPr>
         <p:spPr>
           <a:xfrm>
-            <a:off x="9356759" y="4768175"/>
+            <a:off x="9356759" y="4829529"/>
             <a:ext cx="4320000" cy="797"/>
           </a:xfrm>
           <a:prstGeom prst="line">
@@ -33414,8 +33053,8 @@
         </p:nvSpPr>
         <p:spPr>
           <a:xfrm>
-            <a:off x="10696639" y="6241022"/>
-            <a:ext cx="3001897" cy="1214692"/>
+            <a:off x="10608009" y="6302376"/>
+            <a:ext cx="3090527" cy="1214692"/>
           </a:xfrm>
           <a:prstGeom prst="rect">
             <a:avLst/>
@@ -33425,7 +33064,7 @@
           </a:ln>
           <a:extLst>
             <a:ext uri="{C572A759-6A51-4108-AA02-DFA0A04FC94B}">
-              <ma14:wrappingTextBoxFlag xmlns:ma14="http://schemas.microsoft.com/office/mac/drawingml/2011/main" xmlns="" val="1"/>
+              <ma14:wrappingTextBoxFlag xmlns="" xmlns:ma14="http://schemas.microsoft.com/office/mac/drawingml/2011/main" val="1"/>
             </a:ext>
           </a:extLst>
         </p:spPr>
@@ -33603,13 +33242,13 @@
           <p:nvPr>
             <p:extLst>
               <p:ext uri="{D42A27DB-BD31-4B8C-83A1-F6EECF244321}">
-                <p14:modId xmlns:p14="http://schemas.microsoft.com/office/powerpoint/2010/main" val="974772950"/>
+                <p14:modId xmlns:p14="http://schemas.microsoft.com/office/powerpoint/2010/main" val="3031287073"/>
               </p:ext>
             </p:extLst>
           </p:nvPr>
         </p:nvGraphicFramePr>
         <p:xfrm>
-          <a:off x="9984984" y="6241022"/>
+          <a:off x="9883384" y="6302376"/>
           <a:ext cx="500400" cy="914400"/>
         </p:xfrm>
         <a:graphic>
@@ -34252,7 +33891,7 @@
         </p:nvSpPr>
         <p:spPr>
           <a:xfrm>
-            <a:off x="9757495" y="6398636"/>
+            <a:off x="9706695" y="6459990"/>
             <a:ext cx="136800" cy="0"/>
           </a:xfrm>
           <a:prstGeom prst="line">
@@ -34260,7 +33899,7 @@
           </a:prstGeom>
           <a:ln w="12700">
             <a:solidFill>
-              <a:srgbClr val="53585F"/>
+              <a:srgbClr val="757878"/>
             </a:solidFill>
             <a:miter lim="400000"/>
             <a:tailEnd type="triangle"/>
@@ -34311,13 +33950,13 @@
           <p:nvPr>
             <p:extLst>
               <p:ext uri="{D42A27DB-BD31-4B8C-83A1-F6EECF244321}">
-                <p14:modId xmlns:p14="http://schemas.microsoft.com/office/powerpoint/2010/main" val="1235622132"/>
+                <p14:modId xmlns:p14="http://schemas.microsoft.com/office/powerpoint/2010/main" val="3772387896"/>
               </p:ext>
             </p:extLst>
           </p:nvPr>
         </p:nvGraphicFramePr>
         <p:xfrm>
-          <a:off x="9356759" y="6241022"/>
+          <a:off x="9356759" y="6302376"/>
           <a:ext cx="302400" cy="914400"/>
         </p:xfrm>
         <a:graphic>
@@ -34365,7 +34004,7 @@
                   </a:txBody>
                   <a:tcPr marL="0" marR="0" marT="0" marB="0" anchor="ctr" horzOverflow="overflow">
                     <a:solidFill>
-                      <a:srgbClr val="A6AAA9"/>
+                      <a:srgbClr val="BE8323"/>
                     </a:solidFill>
                   </a:tcPr>
                 </a:tc>
@@ -34432,7 +34071,7 @@
                   </a:txBody>
                   <a:tcPr marL="0" marR="0" marT="0" marB="0" anchor="ctr" horzOverflow="overflow">
                     <a:solidFill>
-                      <a:srgbClr val="D8D8D8"/>
+                      <a:srgbClr val="F2CB8A"/>
                     </a:solidFill>
                   </a:tcPr>
                 </a:tc>
@@ -34507,7 +34146,7 @@
                   </a:txBody>
                   <a:tcPr marL="0" marR="0" marT="0" marB="0" anchor="ctr" horzOverflow="overflow">
                     <a:solidFill>
-                      <a:srgbClr val="D8D8D8"/>
+                      <a:srgbClr val="F2CB8A"/>
                     </a:solidFill>
                   </a:tcPr>
                 </a:tc>
@@ -34582,7 +34221,7 @@
                   </a:txBody>
                   <a:tcPr marL="0" marR="0" marT="0" marB="0" anchor="ctr" horzOverflow="overflow">
                     <a:solidFill>
-                      <a:srgbClr val="D8D8D8"/>
+                      <a:srgbClr val="F2CB8A"/>
                     </a:solidFill>
                   </a:tcPr>
                 </a:tc>
@@ -34657,7 +34296,7 @@
                   </a:txBody>
                   <a:tcPr marL="0" marR="0" marT="0" marB="0" anchor="ctr" horzOverflow="overflow">
                     <a:solidFill>
-                      <a:srgbClr val="D8D8D8"/>
+                      <a:srgbClr val="F2CB8A"/>
                     </a:solidFill>
                   </a:tcPr>
                 </a:tc>
@@ -34732,7 +34371,7 @@
                   </a:txBody>
                   <a:tcPr marL="0" marR="0" marT="0" marB="0" anchor="ctr" horzOverflow="overflow">
                     <a:solidFill>
-                      <a:srgbClr val="D8D8D8"/>
+                      <a:srgbClr val="F2CB8A"/>
                     </a:solidFill>
                   </a:tcPr>
                 </a:tc>
@@ -34794,7 +34433,7 @@
         </p:nvSpPr>
         <p:spPr>
           <a:xfrm>
-            <a:off x="9356759" y="5913929"/>
+            <a:off x="9356759" y="5975283"/>
             <a:ext cx="872996" cy="276999"/>
           </a:xfrm>
           <a:prstGeom prst="rect">
@@ -34829,7 +34468,7 @@
         </p:nvSpPr>
         <p:spPr>
           <a:xfrm>
-            <a:off x="9356759" y="5896044"/>
+            <a:off x="9356759" y="5957398"/>
             <a:ext cx="4320000" cy="797"/>
           </a:xfrm>
           <a:prstGeom prst="line">
@@ -34868,6 +34507,1848 @@
           </a:p>
         </p:txBody>
       </p:sp>
+      <p:sp>
+        <p:nvSpPr>
+          <p:cNvPr id="142" name="Use headers, colors, and/or backgrounds to separate or group together sections.">
+            <a:extLst>
+              <a:ext uri="{FF2B5EF4-FFF2-40B4-BE49-F238E27FC236}">
+                <a16:creationId xmlns:a16="http://schemas.microsoft.com/office/drawing/2014/main" id="{9C639F80-B1BE-CC45-A383-CB91E59278DC}"/>
+              </a:ext>
+            </a:extLst>
+          </p:cNvPr>
+          <p:cNvSpPr txBox="1"/>
+          <p:nvPr/>
+        </p:nvSpPr>
+        <p:spPr>
+          <a:xfrm>
+            <a:off x="10662617" y="2122337"/>
+            <a:ext cx="3053105" cy="1879489"/>
+          </a:xfrm>
+          <a:prstGeom prst="rect">
+            <a:avLst/>
+          </a:prstGeom>
+          <a:ln w="12700">
+            <a:miter lim="400000"/>
+          </a:ln>
+          <a:extLst>
+            <a:ext uri="{C572A759-6A51-4108-AA02-DFA0A04FC94B}">
+              <ma14:wrappingTextBoxFlag xmlns="" xmlns:ma14="http://schemas.microsoft.com/office/mac/drawingml/2011/main" val="1"/>
+            </a:ext>
+          </a:extLst>
+        </p:spPr>
+        <p:txBody>
+          <a:bodyPr wrap="square" lIns="0" tIns="0" rIns="0" bIns="0">
+            <a:spAutoFit/>
+          </a:bodyPr>
+          <a:lstStyle/>
+          <a:p>
+            <a:pPr lvl="1" indent="0">
+              <a:lnSpc>
+                <a:spcPct val="90000"/>
+              </a:lnSpc>
+            </a:pPr>
+            <a:r>
+              <a:rPr lang="en-US" b="0" dirty="0" err="1">
+                <a:solidFill>
+                  <a:srgbClr val="000000"/>
+                </a:solidFill>
+              </a:rPr>
+              <a:t>dt</a:t>
+            </a:r>
+            <a:r>
+              <a:rPr lang="en-US" b="0" dirty="0">
+                <a:solidFill>
+                  <a:srgbClr val="000000"/>
+                </a:solidFill>
+              </a:rPr>
+              <a:t>[, </a:t>
+            </a:r>
+            <a:r>
+              <a:rPr lang="en-US" dirty="0" err="1">
+                <a:solidFill>
+                  <a:srgbClr val="0070C0"/>
+                </a:solidFill>
+              </a:rPr>
+              <a:t>lapply</a:t>
+            </a:r>
+            <a:r>
+              <a:rPr lang="en-US" dirty="0">
+                <a:solidFill>
+                  <a:srgbClr val="0070C0"/>
+                </a:solidFill>
+              </a:rPr>
+              <a:t>(.SD, mean)</a:t>
+            </a:r>
+            <a:r>
+              <a:rPr lang="en-US" dirty="0">
+                <a:solidFill>
+                  <a:srgbClr val="000000"/>
+                </a:solidFill>
+              </a:rPr>
+              <a:t>, .</a:t>
+            </a:r>
+            <a:r>
+              <a:rPr lang="en-US" dirty="0" err="1">
+                <a:solidFill>
+                  <a:srgbClr val="000000"/>
+                </a:solidFill>
+              </a:rPr>
+              <a:t>SDcols</a:t>
+            </a:r>
+            <a:r>
+              <a:rPr lang="en-US" dirty="0">
+                <a:solidFill>
+                  <a:srgbClr val="000000"/>
+                </a:solidFill>
+              </a:rPr>
+              <a:t> = c(</a:t>
+            </a:r>
+            <a:r>
+              <a:rPr lang="en-US" b="0" dirty="0">
+                <a:solidFill>
+                  <a:srgbClr val="000000"/>
+                </a:solidFill>
+              </a:rPr>
+              <a:t>"</a:t>
+            </a:r>
+            <a:r>
+              <a:rPr lang="en-US" dirty="0">
+                <a:solidFill>
+                  <a:srgbClr val="000000"/>
+                </a:solidFill>
+              </a:rPr>
+              <a:t>a</a:t>
+            </a:r>
+            <a:r>
+              <a:rPr lang="en-US" b="0" dirty="0">
+                <a:solidFill>
+                  <a:srgbClr val="000000"/>
+                </a:solidFill>
+              </a:rPr>
+              <a:t>"</a:t>
+            </a:r>
+            <a:r>
+              <a:rPr lang="en-US" dirty="0">
+                <a:solidFill>
+                  <a:srgbClr val="000000"/>
+                </a:solidFill>
+              </a:rPr>
+              <a:t>, </a:t>
+            </a:r>
+            <a:r>
+              <a:rPr lang="en-US" b="0" dirty="0">
+                <a:solidFill>
+                  <a:srgbClr val="000000"/>
+                </a:solidFill>
+              </a:rPr>
+              <a:t>"</a:t>
+            </a:r>
+            <a:r>
+              <a:rPr lang="en-US" dirty="0">
+                <a:solidFill>
+                  <a:srgbClr val="000000"/>
+                </a:solidFill>
+              </a:rPr>
+              <a:t>b</a:t>
+            </a:r>
+            <a:r>
+              <a:rPr lang="en-US" b="0" dirty="0">
+                <a:solidFill>
+                  <a:srgbClr val="000000"/>
+                </a:solidFill>
+              </a:rPr>
+              <a:t>"</a:t>
+            </a:r>
+            <a:r>
+              <a:rPr lang="en-US" dirty="0">
+                <a:solidFill>
+                  <a:srgbClr val="000000"/>
+                </a:solidFill>
+              </a:rPr>
+              <a:t>)</a:t>
+            </a:r>
+            <a:r>
+              <a:rPr lang="en-US" b="0" dirty="0">
+                <a:solidFill>
+                  <a:srgbClr val="000000"/>
+                </a:solidFill>
+              </a:rPr>
+              <a:t>] – </a:t>
+            </a:r>
+            <a:r>
+              <a:rPr lang="en" b="0" dirty="0">
+                <a:solidFill>
+                  <a:srgbClr val="000000"/>
+                </a:solidFill>
+              </a:rPr>
+              <a:t>apply a function – e.g. mean(), </a:t>
+            </a:r>
+            <a:r>
+              <a:rPr lang="en" b="0" dirty="0" err="1">
+                <a:solidFill>
+                  <a:srgbClr val="000000"/>
+                </a:solidFill>
+              </a:rPr>
+              <a:t>as.character</a:t>
+            </a:r>
+            <a:r>
+              <a:rPr lang="en" b="0" dirty="0">
+                <a:solidFill>
+                  <a:srgbClr val="000000"/>
+                </a:solidFill>
+              </a:rPr>
+              <a:t>(), </a:t>
+            </a:r>
+            <a:r>
+              <a:rPr lang="en" b="0" dirty="0" err="1">
+                <a:solidFill>
+                  <a:srgbClr val="000000"/>
+                </a:solidFill>
+              </a:rPr>
+              <a:t>which.max</a:t>
+            </a:r>
+            <a:r>
+              <a:rPr lang="en" b="0" dirty="0">
+                <a:solidFill>
+                  <a:srgbClr val="000000"/>
+                </a:solidFill>
+              </a:rPr>
+              <a:t>() – to columns specified in .</a:t>
+            </a:r>
+            <a:r>
+              <a:rPr lang="en" b="0" dirty="0" err="1">
+                <a:solidFill>
+                  <a:srgbClr val="000000"/>
+                </a:solidFill>
+              </a:rPr>
+              <a:t>SDcols</a:t>
+            </a:r>
+            <a:r>
+              <a:rPr lang="en" b="0" dirty="0">
+                <a:solidFill>
+                  <a:srgbClr val="000000"/>
+                </a:solidFill>
+              </a:rPr>
+              <a:t> with </a:t>
+            </a:r>
+            <a:r>
+              <a:rPr lang="en" b="0" dirty="0" err="1">
+                <a:solidFill>
+                  <a:srgbClr val="000000"/>
+                </a:solidFill>
+              </a:rPr>
+              <a:t>lapply</a:t>
+            </a:r>
+            <a:r>
+              <a:rPr lang="en" b="0" dirty="0">
+                <a:solidFill>
+                  <a:srgbClr val="000000"/>
+                </a:solidFill>
+              </a:rPr>
+              <a:t>() and the .SD symbol. </a:t>
+            </a:r>
+            <a:r>
+              <a:rPr lang="en" b="0" dirty="0">
+                <a:solidFill>
+                  <a:srgbClr val="5B6167"/>
+                </a:solidFill>
+              </a:rPr>
+              <a:t>Also works with groups. </a:t>
+            </a:r>
+          </a:p>
+          <a:p>
+            <a:pPr lvl="1" indent="0">
+              <a:lnSpc>
+                <a:spcPct val="90000"/>
+              </a:lnSpc>
+            </a:pPr>
+            <a:endParaRPr lang="en" b="0" dirty="0">
+              <a:solidFill>
+                <a:srgbClr val="5B6167"/>
+              </a:solidFill>
+            </a:endParaRPr>
+          </a:p>
+          <a:p>
+            <a:pPr lvl="1" indent="0">
+              <a:lnSpc>
+                <a:spcPct val="90000"/>
+              </a:lnSpc>
+            </a:pPr>
+            <a:r>
+              <a:rPr lang="en-US" dirty="0">
+                <a:solidFill>
+                  <a:srgbClr val="000000"/>
+                </a:solidFill>
+              </a:rPr>
+              <a:t>cols &lt;- c("a")</a:t>
+            </a:r>
+            <a:br>
+              <a:rPr lang="en-US" dirty="0">
+                <a:solidFill>
+                  <a:srgbClr val="000000"/>
+                </a:solidFill>
+              </a:rPr>
+            </a:br>
+            <a:r>
+              <a:rPr lang="en-US" b="0" dirty="0" err="1">
+                <a:solidFill>
+                  <a:srgbClr val="000000"/>
+                </a:solidFill>
+              </a:rPr>
+              <a:t>dt</a:t>
+            </a:r>
+            <a:r>
+              <a:rPr lang="en-US" b="0" dirty="0">
+                <a:solidFill>
+                  <a:srgbClr val="000000"/>
+                </a:solidFill>
+              </a:rPr>
+              <a:t>[, </a:t>
+            </a:r>
+            <a:r>
+              <a:rPr lang="en-US" dirty="0">
+                <a:solidFill>
+                  <a:srgbClr val="0070C0"/>
+                </a:solidFill>
+              </a:rPr>
+              <a:t>paste0(cols, "_m") := </a:t>
+            </a:r>
+            <a:r>
+              <a:rPr lang="en-US" dirty="0" err="1">
+                <a:solidFill>
+                  <a:srgbClr val="0070C0"/>
+                </a:solidFill>
+              </a:rPr>
+              <a:t>lapply</a:t>
+            </a:r>
+            <a:r>
+              <a:rPr lang="en-US" dirty="0">
+                <a:solidFill>
+                  <a:srgbClr val="0070C0"/>
+                </a:solidFill>
+              </a:rPr>
+              <a:t>(.SD, mean)</a:t>
+            </a:r>
+            <a:r>
+              <a:rPr lang="en-US" dirty="0">
+                <a:solidFill>
+                  <a:srgbClr val="000000"/>
+                </a:solidFill>
+              </a:rPr>
+              <a:t>, .</a:t>
+            </a:r>
+            <a:r>
+              <a:rPr lang="en-US" dirty="0" err="1">
+                <a:solidFill>
+                  <a:srgbClr val="000000"/>
+                </a:solidFill>
+              </a:rPr>
+              <a:t>SDcols</a:t>
+            </a:r>
+            <a:r>
+              <a:rPr lang="en-US" dirty="0">
+                <a:solidFill>
+                  <a:srgbClr val="000000"/>
+                </a:solidFill>
+              </a:rPr>
+              <a:t> = cols</a:t>
+            </a:r>
+            <a:r>
+              <a:rPr lang="en-US" b="0" dirty="0">
+                <a:solidFill>
+                  <a:srgbClr val="000000"/>
+                </a:solidFill>
+              </a:rPr>
+              <a:t>] – apply a function to specified columns and assign the result with suffixed variable names to the original data.</a:t>
+            </a:r>
+            <a:endParaRPr lang="en" b="0" dirty="0">
+              <a:solidFill>
+                <a:srgbClr val="5B6167"/>
+              </a:solidFill>
+            </a:endParaRPr>
+          </a:p>
+        </p:txBody>
+      </p:sp>
+      <p:graphicFrame>
+        <p:nvGraphicFramePr>
+          <p:cNvPr id="149" name="Table">
+            <a:extLst>
+              <a:ext uri="{FF2B5EF4-FFF2-40B4-BE49-F238E27FC236}">
+                <a16:creationId xmlns:a16="http://schemas.microsoft.com/office/drawing/2014/main" id="{ECE8CCFE-4E7D-E64E-BC1C-FBB100EF602F}"/>
+              </a:ext>
+            </a:extLst>
+          </p:cNvPr>
+          <p:cNvGraphicFramePr/>
+          <p:nvPr>
+            <p:extLst>
+              <p:ext uri="{D42A27DB-BD31-4B8C-83A1-F6EECF244321}">
+                <p14:modId xmlns:p14="http://schemas.microsoft.com/office/powerpoint/2010/main" val="1900699663"/>
+              </p:ext>
+            </p:extLst>
+          </p:nvPr>
+        </p:nvGraphicFramePr>
+        <p:xfrm>
+          <a:off x="10034189" y="2122337"/>
+          <a:ext cx="309600" cy="304800"/>
+        </p:xfrm>
+        <a:graphic>
+          <a:graphicData uri="http://schemas.openxmlformats.org/drawingml/2006/table">
+            <a:tbl>
+              <a:tblPr firstRow="1">
+                <a:solidFill>
+                  <a:srgbClr val="BE8411"/>
+                </a:solidFill>
+                <a:tableStyleId>{33BA23B1-9221-436E-865A-0063620EA4FD}</a:tableStyleId>
+              </a:tblPr>
+              <a:tblGrid>
+                <a:gridCol w="154800">
+                  <a:extLst>
+                    <a:ext uri="{9D8B030D-6E8A-4147-A177-3AD203B41FA5}">
+                      <a16:colId xmlns:a16="http://schemas.microsoft.com/office/drawing/2014/main" val="20000"/>
+                    </a:ext>
+                  </a:extLst>
+                </a:gridCol>
+                <a:gridCol w="154800">
+                  <a:extLst>
+                    <a:ext uri="{9D8B030D-6E8A-4147-A177-3AD203B41FA5}">
+                      <a16:colId xmlns:a16="http://schemas.microsoft.com/office/drawing/2014/main" val="20001"/>
+                    </a:ext>
+                  </a:extLst>
+                </a:gridCol>
+              </a:tblGrid>
+              <a:tr h="114300">
+                <a:tc>
+                  <a:txBody>
+                    <a:bodyPr/>
+                    <a:lstStyle/>
+                    <a:p>
+                      <a:pPr defTabSz="914400">
+                        <a:defRPr sz="1000">
+                          <a:latin typeface="Helvetica"/>
+                          <a:ea typeface="Helvetica"/>
+                          <a:cs typeface="Helvetica"/>
+                          <a:sym typeface="Helvetica"/>
+                        </a:defRPr>
+                      </a:pPr>
+                      <a:r>
+                        <a:rPr lang="da-DK" dirty="0"/>
+                        <a:t>a</a:t>
+                      </a:r>
+                      <a:endParaRPr dirty="0"/>
+                    </a:p>
+                  </a:txBody>
+                  <a:tcPr marL="0" marR="0" marT="0" marB="0" anchor="ctr" horzOverflow="overflow">
+                    <a:solidFill>
+                      <a:schemeClr val="accent3">
+                        <a:lumMod val="50000"/>
+                      </a:schemeClr>
+                    </a:solidFill>
+                  </a:tcPr>
+                </a:tc>
+                <a:tc>
+                  <a:txBody>
+                    <a:bodyPr/>
+                    <a:lstStyle/>
+                    <a:p>
+                      <a:pPr defTabSz="914400">
+                        <a:defRPr sz="1000">
+                          <a:latin typeface="Helvetica"/>
+                          <a:ea typeface="Helvetica"/>
+                          <a:cs typeface="Helvetica"/>
+                          <a:sym typeface="Helvetica"/>
+                        </a:defRPr>
+                      </a:pPr>
+                      <a:r>
+                        <a:rPr lang="da-DK" dirty="0"/>
+                        <a:t>b</a:t>
+                      </a:r>
+                      <a:endParaRPr dirty="0"/>
+                    </a:p>
+                  </a:txBody>
+                  <a:tcPr marL="0" marR="0" marT="0" marB="0" anchor="ctr" horzOverflow="overflow">
+                    <a:solidFill>
+                      <a:schemeClr val="accent3">
+                        <a:lumMod val="50000"/>
+                      </a:schemeClr>
+                    </a:solidFill>
+                  </a:tcPr>
+                </a:tc>
+                <a:extLst>
+                  <a:ext uri="{0D108BD9-81ED-4DB2-BD59-A6C34878D82A}">
+                    <a16:rowId xmlns:a16="http://schemas.microsoft.com/office/drawing/2014/main" val="10000"/>
+                  </a:ext>
+                </a:extLst>
+              </a:tr>
+              <a:tr h="114300">
+                <a:tc>
+                  <a:txBody>
+                    <a:bodyPr/>
+                    <a:lstStyle/>
+                    <a:p>
+                      <a:pPr defTabSz="914400">
+                        <a:defRPr sz="1000">
+                          <a:latin typeface="Helvetica"/>
+                          <a:ea typeface="Helvetica"/>
+                          <a:cs typeface="Helvetica"/>
+                          <a:sym typeface="Helvetica"/>
+                        </a:defRPr>
+                      </a:pPr>
+                      <a:r>
+                        <a:rPr lang="da-DK" dirty="0">
+                          <a:solidFill>
+                            <a:srgbClr val="212121"/>
+                          </a:solidFill>
+                        </a:rPr>
+                        <a:t>2</a:t>
+                      </a:r>
+                      <a:endParaRPr dirty="0">
+                        <a:solidFill>
+                          <a:srgbClr val="212121"/>
+                        </a:solidFill>
+                      </a:endParaRPr>
+                    </a:p>
+                  </a:txBody>
+                  <a:tcPr marL="0" marR="0" marT="0" marB="0" anchor="ctr" horzOverflow="overflow">
+                    <a:solidFill>
+                      <a:srgbClr val="F3CC86"/>
+                    </a:solidFill>
+                  </a:tcPr>
+                </a:tc>
+                <a:tc>
+                  <a:txBody>
+                    <a:bodyPr/>
+                    <a:lstStyle/>
+                    <a:p>
+                      <a:pPr defTabSz="914400">
+                        <a:defRPr sz="1000">
+                          <a:latin typeface="Helvetica"/>
+                          <a:ea typeface="Helvetica"/>
+                          <a:cs typeface="Helvetica"/>
+                          <a:sym typeface="Helvetica"/>
+                        </a:defRPr>
+                      </a:pPr>
+                      <a:r>
+                        <a:rPr lang="da-DK" dirty="0">
+                          <a:solidFill>
+                            <a:srgbClr val="212121"/>
+                          </a:solidFill>
+                        </a:rPr>
+                        <a:t>5</a:t>
+                      </a:r>
+                      <a:endParaRPr dirty="0">
+                        <a:solidFill>
+                          <a:srgbClr val="212121"/>
+                        </a:solidFill>
+                      </a:endParaRPr>
+                    </a:p>
+                  </a:txBody>
+                  <a:tcPr marL="0" marR="0" marT="0" marB="0" anchor="ctr" horzOverflow="overflow">
+                    <a:solidFill>
+                      <a:srgbClr val="F3CC86"/>
+                    </a:solidFill>
+                  </a:tcPr>
+                </a:tc>
+                <a:extLst>
+                  <a:ext uri="{0D108BD9-81ED-4DB2-BD59-A6C34878D82A}">
+                    <a16:rowId xmlns:a16="http://schemas.microsoft.com/office/drawing/2014/main" val="10001"/>
+                  </a:ext>
+                </a:extLst>
+              </a:tr>
+            </a:tbl>
+          </a:graphicData>
+        </a:graphic>
+      </p:graphicFrame>
+      <p:sp>
+        <p:nvSpPr>
+          <p:cNvPr id="150" name="Line">
+            <a:extLst>
+              <a:ext uri="{FF2B5EF4-FFF2-40B4-BE49-F238E27FC236}">
+                <a16:creationId xmlns:a16="http://schemas.microsoft.com/office/drawing/2014/main" id="{3234ED4C-69A4-5F47-B690-D14DFFBA977E}"/>
+              </a:ext>
+            </a:extLst>
+          </p:cNvPr>
+          <p:cNvSpPr/>
+          <p:nvPr/>
+        </p:nvSpPr>
+        <p:spPr>
+          <a:xfrm>
+            <a:off x="9850735" y="2275032"/>
+            <a:ext cx="136800" cy="0"/>
+          </a:xfrm>
+          <a:prstGeom prst="line">
+            <a:avLst/>
+          </a:prstGeom>
+          <a:ln w="12700">
+            <a:solidFill>
+              <a:srgbClr val="757878"/>
+            </a:solidFill>
+            <a:miter lim="400000"/>
+            <a:tailEnd type="triangle"/>
+          </a:ln>
+        </p:spPr>
+        <p:txBody>
+          <a:bodyPr lIns="0" tIns="0" rIns="0" bIns="0"/>
+          <a:lstStyle/>
+          <a:p>
+            <a:pPr>
+              <a:lnSpc>
+                <a:spcPct val="80000"/>
+              </a:lnSpc>
+              <a:spcBef>
+                <a:spcPts val="0"/>
+              </a:spcBef>
+              <a:defRPr sz="5600" b="0">
+                <a:solidFill>
+                  <a:srgbClr val="000000"/>
+                </a:solidFill>
+                <a:effectLst>
+                  <a:outerShdw blurRad="38100" dist="12700" dir="5400000" rotWithShape="0">
+                    <a:srgbClr val="000000">
+                      <a:alpha val="50000"/>
+                    </a:srgbClr>
+                  </a:outerShdw>
+                </a:effectLst>
+                <a:latin typeface="Gill Sans"/>
+                <a:ea typeface="Gill Sans"/>
+                <a:cs typeface="Gill Sans"/>
+                <a:sym typeface="Gill Sans"/>
+              </a:defRPr>
+            </a:pPr>
+            <a:endParaRPr/>
+          </a:p>
+        </p:txBody>
+      </p:sp>
+      <p:graphicFrame>
+        <p:nvGraphicFramePr>
+          <p:cNvPr id="151" name="Table">
+            <a:extLst>
+              <a:ext uri="{FF2B5EF4-FFF2-40B4-BE49-F238E27FC236}">
+                <a16:creationId xmlns:a16="http://schemas.microsoft.com/office/drawing/2014/main" id="{6389B5F2-531B-044B-A161-C22AB24AF421}"/>
+              </a:ext>
+            </a:extLst>
+          </p:cNvPr>
+          <p:cNvGraphicFramePr/>
+          <p:nvPr>
+            <p:extLst>
+              <p:ext uri="{D42A27DB-BD31-4B8C-83A1-F6EECF244321}">
+                <p14:modId xmlns:p14="http://schemas.microsoft.com/office/powerpoint/2010/main" val="821145429"/>
+              </p:ext>
+            </p:extLst>
+          </p:nvPr>
+        </p:nvGraphicFramePr>
+        <p:xfrm>
+          <a:off x="9352880" y="2122338"/>
+          <a:ext cx="453600" cy="609600"/>
+        </p:xfrm>
+        <a:graphic>
+          <a:graphicData uri="http://schemas.openxmlformats.org/drawingml/2006/table">
+            <a:tbl>
+              <a:tblPr firstRow="1">
+                <a:tableStyleId>{33BA23B1-9221-436E-865A-0063620EA4FD}</a:tableStyleId>
+              </a:tblPr>
+              <a:tblGrid>
+                <a:gridCol w="151200">
+                  <a:extLst>
+                    <a:ext uri="{9D8B030D-6E8A-4147-A177-3AD203B41FA5}">
+                      <a16:colId xmlns:a16="http://schemas.microsoft.com/office/drawing/2014/main" val="20000"/>
+                    </a:ext>
+                  </a:extLst>
+                </a:gridCol>
+                <a:gridCol w="151200">
+                  <a:extLst>
+                    <a:ext uri="{9D8B030D-6E8A-4147-A177-3AD203B41FA5}">
+                      <a16:colId xmlns:a16="http://schemas.microsoft.com/office/drawing/2014/main" val="20001"/>
+                    </a:ext>
+                  </a:extLst>
+                </a:gridCol>
+                <a:gridCol w="151200">
+                  <a:extLst>
+                    <a:ext uri="{9D8B030D-6E8A-4147-A177-3AD203B41FA5}">
+                      <a16:colId xmlns:a16="http://schemas.microsoft.com/office/drawing/2014/main" val="20002"/>
+                    </a:ext>
+                  </a:extLst>
+                </a:gridCol>
+              </a:tblGrid>
+              <a:tr h="114300">
+                <a:tc>
+                  <a:txBody>
+                    <a:bodyPr/>
+                    <a:lstStyle/>
+                    <a:p>
+                      <a:pPr defTabSz="914400">
+                        <a:defRPr sz="1000">
+                          <a:latin typeface="Helvetica"/>
+                          <a:ea typeface="Helvetica"/>
+                          <a:cs typeface="Helvetica"/>
+                          <a:sym typeface="Helvetica"/>
+                        </a:defRPr>
+                      </a:pPr>
+                      <a:r>
+                        <a:rPr lang="da-DK" dirty="0"/>
+                        <a:t>a</a:t>
+                      </a:r>
+                      <a:endParaRPr dirty="0"/>
+                    </a:p>
+                  </a:txBody>
+                  <a:tcPr marL="0" marR="0" marT="0" marB="0" anchor="ctr" horzOverflow="overflow">
+                    <a:solidFill>
+                      <a:schemeClr val="accent3">
+                        <a:lumMod val="50000"/>
+                      </a:schemeClr>
+                    </a:solidFill>
+                  </a:tcPr>
+                </a:tc>
+                <a:tc>
+                  <a:txBody>
+                    <a:bodyPr/>
+                    <a:lstStyle/>
+                    <a:p>
+                      <a:pPr defTabSz="914400">
+                        <a:defRPr sz="1000">
+                          <a:latin typeface="Helvetica"/>
+                          <a:ea typeface="Helvetica"/>
+                          <a:cs typeface="Helvetica"/>
+                          <a:sym typeface="Helvetica"/>
+                        </a:defRPr>
+                      </a:pPr>
+                      <a:r>
+                        <a:rPr lang="da-DK" dirty="0"/>
+                        <a:t>b</a:t>
+                      </a:r>
+                      <a:endParaRPr dirty="0"/>
+                    </a:p>
+                  </a:txBody>
+                  <a:tcPr marL="0" marR="0" marT="0" marB="0" anchor="ctr" horzOverflow="overflow">
+                    <a:solidFill>
+                      <a:schemeClr val="accent3">
+                        <a:lumMod val="50000"/>
+                      </a:schemeClr>
+                    </a:solidFill>
+                  </a:tcPr>
+                </a:tc>
+                <a:tc>
+                  <a:txBody>
+                    <a:bodyPr/>
+                    <a:lstStyle/>
+                    <a:p>
+                      <a:pPr defTabSz="914400">
+                        <a:defRPr sz="1000">
+                          <a:latin typeface="Helvetica"/>
+                          <a:ea typeface="Helvetica"/>
+                          <a:cs typeface="Helvetica"/>
+                          <a:sym typeface="Helvetica"/>
+                        </a:defRPr>
+                      </a:pPr>
+                      <a:endParaRPr dirty="0"/>
+                    </a:p>
+                  </a:txBody>
+                  <a:tcPr marL="0" marR="0" marT="0" marB="0" anchor="ctr" horzOverflow="overflow">
+                    <a:solidFill>
+                      <a:srgbClr val="A6AAA9"/>
+                    </a:solidFill>
+                  </a:tcPr>
+                </a:tc>
+                <a:extLst>
+                  <a:ext uri="{0D108BD9-81ED-4DB2-BD59-A6C34878D82A}">
+                    <a16:rowId xmlns:a16="http://schemas.microsoft.com/office/drawing/2014/main" val="10000"/>
+                  </a:ext>
+                </a:extLst>
+              </a:tr>
+              <a:tr h="114300">
+                <a:tc>
+                  <a:txBody>
+                    <a:bodyPr/>
+                    <a:lstStyle/>
+                    <a:p>
+                      <a:pPr defTabSz="914400">
+                        <a:defRPr sz="1000">
+                          <a:latin typeface="Helvetica"/>
+                          <a:ea typeface="Helvetica"/>
+                          <a:cs typeface="Helvetica"/>
+                          <a:sym typeface="Helvetica"/>
+                        </a:defRPr>
+                      </a:pPr>
+                      <a:r>
+                        <a:rPr lang="da-DK" dirty="0">
+                          <a:solidFill>
+                            <a:srgbClr val="212121"/>
+                          </a:solidFill>
+                        </a:rPr>
+                        <a:t>1</a:t>
+                      </a:r>
+                      <a:endParaRPr dirty="0">
+                        <a:solidFill>
+                          <a:srgbClr val="212121"/>
+                        </a:solidFill>
+                      </a:endParaRPr>
+                    </a:p>
+                  </a:txBody>
+                  <a:tcPr marL="0" marR="0" marT="0" marB="0" anchor="ctr" horzOverflow="overflow">
+                    <a:solidFill>
+                      <a:srgbClr val="F3CC86"/>
+                    </a:solidFill>
+                  </a:tcPr>
+                </a:tc>
+                <a:tc>
+                  <a:txBody>
+                    <a:bodyPr/>
+                    <a:lstStyle/>
+                    <a:p>
+                      <a:pPr defTabSz="914400">
+                        <a:defRPr sz="1000">
+                          <a:latin typeface="Helvetica"/>
+                          <a:ea typeface="Helvetica"/>
+                          <a:cs typeface="Helvetica"/>
+                          <a:sym typeface="Helvetica"/>
+                        </a:defRPr>
+                      </a:pPr>
+                      <a:r>
+                        <a:rPr lang="da-DK" dirty="0">
+                          <a:solidFill>
+                            <a:srgbClr val="212121"/>
+                          </a:solidFill>
+                        </a:rPr>
+                        <a:t>4</a:t>
+                      </a:r>
+                      <a:endParaRPr dirty="0">
+                        <a:solidFill>
+                          <a:srgbClr val="212121"/>
+                        </a:solidFill>
+                      </a:endParaRPr>
+                    </a:p>
+                  </a:txBody>
+                  <a:tcPr marL="0" marR="0" marT="0" marB="0" anchor="ctr" horzOverflow="overflow">
+                    <a:solidFill>
+                      <a:srgbClr val="F3CC86"/>
+                    </a:solidFill>
+                  </a:tcPr>
+                </a:tc>
+                <a:tc>
+                  <a:txBody>
+                    <a:bodyPr/>
+                    <a:lstStyle/>
+                    <a:p>
+                      <a:pPr defTabSz="914400">
+                        <a:defRPr sz="1000">
+                          <a:latin typeface="Helvetica"/>
+                          <a:ea typeface="Helvetica"/>
+                          <a:cs typeface="Helvetica"/>
+                          <a:sym typeface="Helvetica"/>
+                        </a:defRPr>
+                      </a:pPr>
+                      <a:endParaRPr dirty="0"/>
+                    </a:p>
+                  </a:txBody>
+                  <a:tcPr marL="0" marR="0" marT="0" marB="0" anchor="ctr" horzOverflow="overflow">
+                    <a:solidFill>
+                      <a:srgbClr val="D8D8D8"/>
+                    </a:solidFill>
+                  </a:tcPr>
+                </a:tc>
+                <a:extLst>
+                  <a:ext uri="{0D108BD9-81ED-4DB2-BD59-A6C34878D82A}">
+                    <a16:rowId xmlns:a16="http://schemas.microsoft.com/office/drawing/2014/main" val="10001"/>
+                  </a:ext>
+                </a:extLst>
+              </a:tr>
+              <a:tr h="114300">
+                <a:tc>
+                  <a:txBody>
+                    <a:bodyPr/>
+                    <a:lstStyle/>
+                    <a:p>
+                      <a:pPr defTabSz="914400">
+                        <a:defRPr sz="1000">
+                          <a:latin typeface="Helvetica"/>
+                          <a:ea typeface="Helvetica"/>
+                          <a:cs typeface="Helvetica"/>
+                          <a:sym typeface="Helvetica"/>
+                        </a:defRPr>
+                      </a:pPr>
+                      <a:r>
+                        <a:rPr lang="da-DK" dirty="0">
+                          <a:solidFill>
+                            <a:srgbClr val="212121"/>
+                          </a:solidFill>
+                        </a:rPr>
+                        <a:t>2</a:t>
+                      </a:r>
+                      <a:endParaRPr dirty="0">
+                        <a:solidFill>
+                          <a:srgbClr val="212121"/>
+                        </a:solidFill>
+                      </a:endParaRPr>
+                    </a:p>
+                  </a:txBody>
+                  <a:tcPr marL="0" marR="0" marT="0" marB="0" anchor="ctr" horzOverflow="overflow">
+                    <a:solidFill>
+                      <a:srgbClr val="F3CC86"/>
+                    </a:solidFill>
+                  </a:tcPr>
+                </a:tc>
+                <a:tc>
+                  <a:txBody>
+                    <a:bodyPr/>
+                    <a:lstStyle/>
+                    <a:p>
+                      <a:pPr defTabSz="914400">
+                        <a:defRPr sz="1000">
+                          <a:latin typeface="Helvetica"/>
+                          <a:ea typeface="Helvetica"/>
+                          <a:cs typeface="Helvetica"/>
+                          <a:sym typeface="Helvetica"/>
+                        </a:defRPr>
+                      </a:pPr>
+                      <a:r>
+                        <a:rPr lang="da-DK" dirty="0">
+                          <a:solidFill>
+                            <a:srgbClr val="212121"/>
+                          </a:solidFill>
+                        </a:rPr>
+                        <a:t>5</a:t>
+                      </a:r>
+                      <a:endParaRPr dirty="0">
+                        <a:solidFill>
+                          <a:srgbClr val="212121"/>
+                        </a:solidFill>
+                      </a:endParaRPr>
+                    </a:p>
+                  </a:txBody>
+                  <a:tcPr marL="0" marR="0" marT="0" marB="0" anchor="ctr" horzOverflow="overflow">
+                    <a:solidFill>
+                      <a:srgbClr val="F3CC86"/>
+                    </a:solidFill>
+                  </a:tcPr>
+                </a:tc>
+                <a:tc>
+                  <a:txBody>
+                    <a:bodyPr/>
+                    <a:lstStyle/>
+                    <a:p>
+                      <a:pPr defTabSz="914400">
+                        <a:defRPr sz="1000">
+                          <a:latin typeface="Helvetica"/>
+                          <a:ea typeface="Helvetica"/>
+                          <a:cs typeface="Helvetica"/>
+                          <a:sym typeface="Helvetica"/>
+                        </a:defRPr>
+                      </a:pPr>
+                      <a:endParaRPr dirty="0"/>
+                    </a:p>
+                  </a:txBody>
+                  <a:tcPr marL="0" marR="0" marT="0" marB="0" anchor="ctr" horzOverflow="overflow">
+                    <a:solidFill>
+                      <a:srgbClr val="D8D8D8"/>
+                    </a:solidFill>
+                  </a:tcPr>
+                </a:tc>
+                <a:extLst>
+                  <a:ext uri="{0D108BD9-81ED-4DB2-BD59-A6C34878D82A}">
+                    <a16:rowId xmlns:a16="http://schemas.microsoft.com/office/drawing/2014/main" val="10002"/>
+                  </a:ext>
+                </a:extLst>
+              </a:tr>
+              <a:tr h="114300">
+                <a:tc>
+                  <a:txBody>
+                    <a:bodyPr/>
+                    <a:lstStyle/>
+                    <a:p>
+                      <a:pPr defTabSz="914400">
+                        <a:defRPr sz="1000">
+                          <a:latin typeface="Helvetica"/>
+                          <a:ea typeface="Helvetica"/>
+                          <a:cs typeface="Helvetica"/>
+                          <a:sym typeface="Helvetica"/>
+                        </a:defRPr>
+                      </a:pPr>
+                      <a:r>
+                        <a:rPr lang="da-DK" dirty="0">
+                          <a:solidFill>
+                            <a:srgbClr val="212121"/>
+                          </a:solidFill>
+                        </a:rPr>
+                        <a:t>3</a:t>
+                      </a:r>
+                      <a:endParaRPr dirty="0">
+                        <a:solidFill>
+                          <a:srgbClr val="212121"/>
+                        </a:solidFill>
+                      </a:endParaRPr>
+                    </a:p>
+                  </a:txBody>
+                  <a:tcPr marL="0" marR="0" marT="0" marB="0" anchor="ctr" horzOverflow="overflow">
+                    <a:solidFill>
+                      <a:srgbClr val="F3CC86"/>
+                    </a:solidFill>
+                  </a:tcPr>
+                </a:tc>
+                <a:tc>
+                  <a:txBody>
+                    <a:bodyPr/>
+                    <a:lstStyle/>
+                    <a:p>
+                      <a:pPr defTabSz="914400">
+                        <a:defRPr sz="1000">
+                          <a:latin typeface="Helvetica"/>
+                          <a:ea typeface="Helvetica"/>
+                          <a:cs typeface="Helvetica"/>
+                          <a:sym typeface="Helvetica"/>
+                        </a:defRPr>
+                      </a:pPr>
+                      <a:r>
+                        <a:rPr lang="da-DK" dirty="0">
+                          <a:solidFill>
+                            <a:srgbClr val="212121"/>
+                          </a:solidFill>
+                        </a:rPr>
+                        <a:t>6</a:t>
+                      </a:r>
+                      <a:endParaRPr dirty="0">
+                        <a:solidFill>
+                          <a:srgbClr val="212121"/>
+                        </a:solidFill>
+                      </a:endParaRPr>
+                    </a:p>
+                  </a:txBody>
+                  <a:tcPr marL="0" marR="0" marT="0" marB="0" anchor="ctr" horzOverflow="overflow">
+                    <a:solidFill>
+                      <a:srgbClr val="F3CC86"/>
+                    </a:solidFill>
+                  </a:tcPr>
+                </a:tc>
+                <a:tc>
+                  <a:txBody>
+                    <a:bodyPr/>
+                    <a:lstStyle/>
+                    <a:p>
+                      <a:pPr defTabSz="914400">
+                        <a:defRPr sz="1000">
+                          <a:latin typeface="Helvetica"/>
+                          <a:ea typeface="Helvetica"/>
+                          <a:cs typeface="Helvetica"/>
+                          <a:sym typeface="Helvetica"/>
+                        </a:defRPr>
+                      </a:pPr>
+                      <a:endParaRPr dirty="0"/>
+                    </a:p>
+                  </a:txBody>
+                  <a:tcPr marL="0" marR="0" marT="0" marB="0" anchor="ctr" horzOverflow="overflow">
+                    <a:solidFill>
+                      <a:srgbClr val="D8D8D8"/>
+                    </a:solidFill>
+                  </a:tcPr>
+                </a:tc>
+                <a:extLst>
+                  <a:ext uri="{0D108BD9-81ED-4DB2-BD59-A6C34878D82A}">
+                    <a16:rowId xmlns:a16="http://schemas.microsoft.com/office/drawing/2014/main" val="1931809070"/>
+                  </a:ext>
+                </a:extLst>
+              </a:tr>
+            </a:tbl>
+          </a:graphicData>
+        </a:graphic>
+      </p:graphicFrame>
+      <p:graphicFrame>
+        <p:nvGraphicFramePr>
+          <p:cNvPr id="152" name="Table">
+            <a:extLst>
+              <a:ext uri="{FF2B5EF4-FFF2-40B4-BE49-F238E27FC236}">
+                <a16:creationId xmlns:a16="http://schemas.microsoft.com/office/drawing/2014/main" id="{3B3DBC46-25B1-0A4A-9D1D-2EFEA449F964}"/>
+              </a:ext>
+            </a:extLst>
+          </p:cNvPr>
+          <p:cNvGraphicFramePr/>
+          <p:nvPr>
+            <p:extLst>
+              <p:ext uri="{D42A27DB-BD31-4B8C-83A1-F6EECF244321}">
+                <p14:modId xmlns:p14="http://schemas.microsoft.com/office/powerpoint/2010/main" val="4097219336"/>
+              </p:ext>
+            </p:extLst>
+          </p:nvPr>
+        </p:nvGraphicFramePr>
+        <p:xfrm>
+          <a:off x="9876936" y="3201450"/>
+          <a:ext cx="579600" cy="609600"/>
+        </p:xfrm>
+        <a:graphic>
+          <a:graphicData uri="http://schemas.openxmlformats.org/drawingml/2006/table">
+            <a:tbl>
+              <a:tblPr firstRow="1">
+                <a:solidFill>
+                  <a:srgbClr val="BE8411"/>
+                </a:solidFill>
+                <a:tableStyleId>{33BA23B1-9221-436E-865A-0063620EA4FD}</a:tableStyleId>
+              </a:tblPr>
+              <a:tblGrid>
+                <a:gridCol w="154800">
+                  <a:extLst>
+                    <a:ext uri="{9D8B030D-6E8A-4147-A177-3AD203B41FA5}">
+                      <a16:colId xmlns:a16="http://schemas.microsoft.com/office/drawing/2014/main" val="20000"/>
+                    </a:ext>
+                  </a:extLst>
+                </a:gridCol>
+                <a:gridCol w="154800">
+                  <a:extLst>
+                    <a:ext uri="{9D8B030D-6E8A-4147-A177-3AD203B41FA5}">
+                      <a16:colId xmlns:a16="http://schemas.microsoft.com/office/drawing/2014/main" val="3799027635"/>
+                    </a:ext>
+                  </a:extLst>
+                </a:gridCol>
+                <a:gridCol w="270000">
+                  <a:extLst>
+                    <a:ext uri="{9D8B030D-6E8A-4147-A177-3AD203B41FA5}">
+                      <a16:colId xmlns:a16="http://schemas.microsoft.com/office/drawing/2014/main" val="20001"/>
+                    </a:ext>
+                  </a:extLst>
+                </a:gridCol>
+              </a:tblGrid>
+              <a:tr h="114300">
+                <a:tc>
+                  <a:txBody>
+                    <a:bodyPr/>
+                    <a:lstStyle/>
+                    <a:p>
+                      <a:pPr defTabSz="914400">
+                        <a:defRPr sz="1000">
+                          <a:latin typeface="Helvetica"/>
+                          <a:ea typeface="Helvetica"/>
+                          <a:cs typeface="Helvetica"/>
+                          <a:sym typeface="Helvetica"/>
+                        </a:defRPr>
+                      </a:pPr>
+                      <a:r>
+                        <a:rPr lang="da-DK" dirty="0"/>
+                        <a:t>a</a:t>
+                      </a:r>
+                      <a:endParaRPr dirty="0"/>
+                    </a:p>
+                  </a:txBody>
+                  <a:tcPr marL="0" marR="0" marT="0" marB="0" anchor="ctr" horzOverflow="overflow">
+                    <a:solidFill>
+                      <a:schemeClr val="accent3">
+                        <a:lumMod val="50000"/>
+                      </a:schemeClr>
+                    </a:solidFill>
+                  </a:tcPr>
+                </a:tc>
+                <a:tc>
+                  <a:txBody>
+                    <a:bodyPr/>
+                    <a:lstStyle/>
+                    <a:p>
+                      <a:pPr defTabSz="914400">
+                        <a:defRPr sz="1000">
+                          <a:latin typeface="Helvetica"/>
+                          <a:ea typeface="Helvetica"/>
+                          <a:cs typeface="Helvetica"/>
+                          <a:sym typeface="Helvetica"/>
+                        </a:defRPr>
+                      </a:pPr>
+                      <a:endParaRPr dirty="0"/>
+                    </a:p>
+                  </a:txBody>
+                  <a:tcPr marL="0" marR="0" marT="0" marB="0" anchor="ctr" horzOverflow="overflow">
+                    <a:solidFill>
+                      <a:srgbClr val="A6AAA9"/>
+                    </a:solidFill>
+                  </a:tcPr>
+                </a:tc>
+                <a:tc>
+                  <a:txBody>
+                    <a:bodyPr/>
+                    <a:lstStyle/>
+                    <a:p>
+                      <a:pPr defTabSz="914400">
+                        <a:defRPr sz="1000">
+                          <a:latin typeface="Helvetica"/>
+                          <a:ea typeface="Helvetica"/>
+                          <a:cs typeface="Helvetica"/>
+                          <a:sym typeface="Helvetica"/>
+                        </a:defRPr>
+                      </a:pPr>
+                      <a:r>
+                        <a:rPr lang="da-DK" dirty="0" err="1"/>
+                        <a:t>a_m</a:t>
+                      </a:r>
+                      <a:endParaRPr dirty="0"/>
+                    </a:p>
+                  </a:txBody>
+                  <a:tcPr marL="0" marR="0" marT="0" marB="0" anchor="ctr" horzOverflow="overflow">
+                    <a:solidFill>
+                      <a:schemeClr val="accent3">
+                        <a:lumMod val="50000"/>
+                      </a:schemeClr>
+                    </a:solidFill>
+                  </a:tcPr>
+                </a:tc>
+                <a:extLst>
+                  <a:ext uri="{0D108BD9-81ED-4DB2-BD59-A6C34878D82A}">
+                    <a16:rowId xmlns:a16="http://schemas.microsoft.com/office/drawing/2014/main" val="10000"/>
+                  </a:ext>
+                </a:extLst>
+              </a:tr>
+              <a:tr h="114300">
+                <a:tc>
+                  <a:txBody>
+                    <a:bodyPr/>
+                    <a:lstStyle/>
+                    <a:p>
+                      <a:pPr defTabSz="914400">
+                        <a:defRPr sz="1000">
+                          <a:latin typeface="Helvetica"/>
+                          <a:ea typeface="Helvetica"/>
+                          <a:cs typeface="Helvetica"/>
+                          <a:sym typeface="Helvetica"/>
+                        </a:defRPr>
+                      </a:pPr>
+                      <a:r>
+                        <a:rPr lang="da-DK" dirty="0">
+                          <a:solidFill>
+                            <a:srgbClr val="212121"/>
+                          </a:solidFill>
+                        </a:rPr>
+                        <a:t>1</a:t>
+                      </a:r>
+                      <a:endParaRPr dirty="0">
+                        <a:solidFill>
+                          <a:srgbClr val="212121"/>
+                        </a:solidFill>
+                      </a:endParaRPr>
+                    </a:p>
+                  </a:txBody>
+                  <a:tcPr marL="0" marR="0" marT="0" marB="0" anchor="ctr" horzOverflow="overflow">
+                    <a:solidFill>
+                      <a:srgbClr val="F3CC86"/>
+                    </a:solidFill>
+                  </a:tcPr>
+                </a:tc>
+                <a:tc>
+                  <a:txBody>
+                    <a:bodyPr/>
+                    <a:lstStyle/>
+                    <a:p>
+                      <a:pPr defTabSz="914400">
+                        <a:defRPr sz="1000">
+                          <a:latin typeface="Helvetica"/>
+                          <a:ea typeface="Helvetica"/>
+                          <a:cs typeface="Helvetica"/>
+                          <a:sym typeface="Helvetica"/>
+                        </a:defRPr>
+                      </a:pPr>
+                      <a:endParaRPr dirty="0">
+                        <a:solidFill>
+                          <a:srgbClr val="212121"/>
+                        </a:solidFill>
+                      </a:endParaRPr>
+                    </a:p>
+                  </a:txBody>
+                  <a:tcPr marL="0" marR="0" marT="0" marB="0" anchor="ctr" horzOverflow="overflow">
+                    <a:solidFill>
+                      <a:srgbClr val="D8D8D8"/>
+                    </a:solidFill>
+                  </a:tcPr>
+                </a:tc>
+                <a:tc>
+                  <a:txBody>
+                    <a:bodyPr/>
+                    <a:lstStyle/>
+                    <a:p>
+                      <a:pPr defTabSz="914400">
+                        <a:defRPr sz="1000">
+                          <a:latin typeface="Helvetica"/>
+                          <a:ea typeface="Helvetica"/>
+                          <a:cs typeface="Helvetica"/>
+                          <a:sym typeface="Helvetica"/>
+                        </a:defRPr>
+                      </a:pPr>
+                      <a:r>
+                        <a:rPr lang="da-DK" dirty="0">
+                          <a:solidFill>
+                            <a:srgbClr val="212121"/>
+                          </a:solidFill>
+                        </a:rPr>
+                        <a:t>2</a:t>
+                      </a:r>
+                      <a:endParaRPr dirty="0">
+                        <a:solidFill>
+                          <a:srgbClr val="212121"/>
+                        </a:solidFill>
+                      </a:endParaRPr>
+                    </a:p>
+                  </a:txBody>
+                  <a:tcPr marL="0" marR="0" marT="0" marB="0" anchor="ctr" horzOverflow="overflow">
+                    <a:solidFill>
+                      <a:srgbClr val="F3CC86"/>
+                    </a:solidFill>
+                  </a:tcPr>
+                </a:tc>
+                <a:extLst>
+                  <a:ext uri="{0D108BD9-81ED-4DB2-BD59-A6C34878D82A}">
+                    <a16:rowId xmlns:a16="http://schemas.microsoft.com/office/drawing/2014/main" val="10001"/>
+                  </a:ext>
+                </a:extLst>
+              </a:tr>
+              <a:tr h="114300">
+                <a:tc>
+                  <a:txBody>
+                    <a:bodyPr/>
+                    <a:lstStyle/>
+                    <a:p>
+                      <a:pPr defTabSz="914400">
+                        <a:defRPr sz="1000">
+                          <a:latin typeface="Helvetica"/>
+                          <a:ea typeface="Helvetica"/>
+                          <a:cs typeface="Helvetica"/>
+                          <a:sym typeface="Helvetica"/>
+                        </a:defRPr>
+                      </a:pPr>
+                      <a:r>
+                        <a:rPr lang="da-DK" dirty="0">
+                          <a:solidFill>
+                            <a:srgbClr val="212121"/>
+                          </a:solidFill>
+                        </a:rPr>
+                        <a:t>2</a:t>
+                      </a:r>
+                      <a:endParaRPr dirty="0">
+                        <a:solidFill>
+                          <a:srgbClr val="212121"/>
+                        </a:solidFill>
+                      </a:endParaRPr>
+                    </a:p>
+                  </a:txBody>
+                  <a:tcPr marL="0" marR="0" marT="0" marB="0" anchor="ctr" horzOverflow="overflow">
+                    <a:solidFill>
+                      <a:srgbClr val="F3CC86"/>
+                    </a:solidFill>
+                  </a:tcPr>
+                </a:tc>
+                <a:tc>
+                  <a:txBody>
+                    <a:bodyPr/>
+                    <a:lstStyle/>
+                    <a:p>
+                      <a:pPr defTabSz="914400">
+                        <a:defRPr sz="1000">
+                          <a:latin typeface="Helvetica"/>
+                          <a:ea typeface="Helvetica"/>
+                          <a:cs typeface="Helvetica"/>
+                          <a:sym typeface="Helvetica"/>
+                        </a:defRPr>
+                      </a:pPr>
+                      <a:endParaRPr dirty="0">
+                        <a:solidFill>
+                          <a:srgbClr val="212121"/>
+                        </a:solidFill>
+                      </a:endParaRPr>
+                    </a:p>
+                  </a:txBody>
+                  <a:tcPr marL="0" marR="0" marT="0" marB="0" anchor="ctr" horzOverflow="overflow">
+                    <a:solidFill>
+                      <a:srgbClr val="D8D8D8"/>
+                    </a:solidFill>
+                  </a:tcPr>
+                </a:tc>
+                <a:tc>
+                  <a:txBody>
+                    <a:bodyPr/>
+                    <a:lstStyle/>
+                    <a:p>
+                      <a:pPr defTabSz="914400">
+                        <a:defRPr sz="1000">
+                          <a:latin typeface="Helvetica"/>
+                          <a:ea typeface="Helvetica"/>
+                          <a:cs typeface="Helvetica"/>
+                          <a:sym typeface="Helvetica"/>
+                        </a:defRPr>
+                      </a:pPr>
+                      <a:r>
+                        <a:rPr lang="da-DK" dirty="0">
+                          <a:solidFill>
+                            <a:srgbClr val="212121"/>
+                          </a:solidFill>
+                        </a:rPr>
+                        <a:t>2</a:t>
+                      </a:r>
+                      <a:endParaRPr dirty="0">
+                        <a:solidFill>
+                          <a:srgbClr val="212121"/>
+                        </a:solidFill>
+                      </a:endParaRPr>
+                    </a:p>
+                  </a:txBody>
+                  <a:tcPr marL="0" marR="0" marT="0" marB="0" anchor="ctr" horzOverflow="overflow">
+                    <a:solidFill>
+                      <a:srgbClr val="F3CC86"/>
+                    </a:solidFill>
+                  </a:tcPr>
+                </a:tc>
+                <a:extLst>
+                  <a:ext uri="{0D108BD9-81ED-4DB2-BD59-A6C34878D82A}">
+                    <a16:rowId xmlns:a16="http://schemas.microsoft.com/office/drawing/2014/main" val="1646634945"/>
+                  </a:ext>
+                </a:extLst>
+              </a:tr>
+              <a:tr h="114300">
+                <a:tc>
+                  <a:txBody>
+                    <a:bodyPr/>
+                    <a:lstStyle/>
+                    <a:p>
+                      <a:pPr defTabSz="914400">
+                        <a:defRPr sz="1000">
+                          <a:latin typeface="Helvetica"/>
+                          <a:ea typeface="Helvetica"/>
+                          <a:cs typeface="Helvetica"/>
+                          <a:sym typeface="Helvetica"/>
+                        </a:defRPr>
+                      </a:pPr>
+                      <a:r>
+                        <a:rPr lang="da-DK" dirty="0">
+                          <a:solidFill>
+                            <a:srgbClr val="212121"/>
+                          </a:solidFill>
+                        </a:rPr>
+                        <a:t>3</a:t>
+                      </a:r>
+                      <a:endParaRPr dirty="0">
+                        <a:solidFill>
+                          <a:srgbClr val="212121"/>
+                        </a:solidFill>
+                      </a:endParaRPr>
+                    </a:p>
+                  </a:txBody>
+                  <a:tcPr marL="0" marR="0" marT="0" marB="0" anchor="ctr" horzOverflow="overflow">
+                    <a:solidFill>
+                      <a:srgbClr val="F3CC86"/>
+                    </a:solidFill>
+                  </a:tcPr>
+                </a:tc>
+                <a:tc>
+                  <a:txBody>
+                    <a:bodyPr/>
+                    <a:lstStyle/>
+                    <a:p>
+                      <a:pPr defTabSz="914400">
+                        <a:defRPr sz="1000">
+                          <a:latin typeface="Helvetica"/>
+                          <a:ea typeface="Helvetica"/>
+                          <a:cs typeface="Helvetica"/>
+                          <a:sym typeface="Helvetica"/>
+                        </a:defRPr>
+                      </a:pPr>
+                      <a:endParaRPr dirty="0">
+                        <a:solidFill>
+                          <a:srgbClr val="212121"/>
+                        </a:solidFill>
+                      </a:endParaRPr>
+                    </a:p>
+                  </a:txBody>
+                  <a:tcPr marL="0" marR="0" marT="0" marB="0" anchor="ctr" horzOverflow="overflow">
+                    <a:solidFill>
+                      <a:srgbClr val="D8D8D8"/>
+                    </a:solidFill>
+                  </a:tcPr>
+                </a:tc>
+                <a:tc>
+                  <a:txBody>
+                    <a:bodyPr/>
+                    <a:lstStyle/>
+                    <a:p>
+                      <a:pPr defTabSz="914400">
+                        <a:defRPr sz="1000">
+                          <a:latin typeface="Helvetica"/>
+                          <a:ea typeface="Helvetica"/>
+                          <a:cs typeface="Helvetica"/>
+                          <a:sym typeface="Helvetica"/>
+                        </a:defRPr>
+                      </a:pPr>
+                      <a:r>
+                        <a:rPr lang="da-DK" dirty="0">
+                          <a:solidFill>
+                            <a:srgbClr val="212121"/>
+                          </a:solidFill>
+                        </a:rPr>
+                        <a:t>2</a:t>
+                      </a:r>
+                      <a:endParaRPr dirty="0">
+                        <a:solidFill>
+                          <a:srgbClr val="212121"/>
+                        </a:solidFill>
+                      </a:endParaRPr>
+                    </a:p>
+                  </a:txBody>
+                  <a:tcPr marL="0" marR="0" marT="0" marB="0" anchor="ctr" horzOverflow="overflow">
+                    <a:solidFill>
+                      <a:srgbClr val="F3CC86"/>
+                    </a:solidFill>
+                  </a:tcPr>
+                </a:tc>
+                <a:extLst>
+                  <a:ext uri="{0D108BD9-81ED-4DB2-BD59-A6C34878D82A}">
+                    <a16:rowId xmlns:a16="http://schemas.microsoft.com/office/drawing/2014/main" val="2400910294"/>
+                  </a:ext>
+                </a:extLst>
+              </a:tr>
+            </a:tbl>
+          </a:graphicData>
+        </a:graphic>
+      </p:graphicFrame>
+      <p:sp>
+        <p:nvSpPr>
+          <p:cNvPr id="153" name="Line">
+            <a:extLst>
+              <a:ext uri="{FF2B5EF4-FFF2-40B4-BE49-F238E27FC236}">
+                <a16:creationId xmlns:a16="http://schemas.microsoft.com/office/drawing/2014/main" id="{8F129C43-906F-3B47-AC5E-BF045351693F}"/>
+              </a:ext>
+            </a:extLst>
+          </p:cNvPr>
+          <p:cNvSpPr/>
+          <p:nvPr/>
+        </p:nvSpPr>
+        <p:spPr>
+          <a:xfrm>
+            <a:off x="9693482" y="3354145"/>
+            <a:ext cx="136800" cy="0"/>
+          </a:xfrm>
+          <a:prstGeom prst="line">
+            <a:avLst/>
+          </a:prstGeom>
+          <a:ln w="12700">
+            <a:solidFill>
+              <a:srgbClr val="757878"/>
+            </a:solidFill>
+            <a:miter lim="400000"/>
+            <a:tailEnd type="triangle"/>
+          </a:ln>
+        </p:spPr>
+        <p:txBody>
+          <a:bodyPr lIns="0" tIns="0" rIns="0" bIns="0"/>
+          <a:lstStyle/>
+          <a:p>
+            <a:pPr>
+              <a:lnSpc>
+                <a:spcPct val="80000"/>
+              </a:lnSpc>
+              <a:spcBef>
+                <a:spcPts val="0"/>
+              </a:spcBef>
+              <a:defRPr sz="5600" b="0">
+                <a:solidFill>
+                  <a:srgbClr val="000000"/>
+                </a:solidFill>
+                <a:effectLst>
+                  <a:outerShdw blurRad="38100" dist="12700" dir="5400000" rotWithShape="0">
+                    <a:srgbClr val="000000">
+                      <a:alpha val="50000"/>
+                    </a:srgbClr>
+                  </a:outerShdw>
+                </a:effectLst>
+                <a:latin typeface="Gill Sans"/>
+                <a:ea typeface="Gill Sans"/>
+                <a:cs typeface="Gill Sans"/>
+                <a:sym typeface="Gill Sans"/>
+              </a:defRPr>
+            </a:pPr>
+            <a:endParaRPr/>
+          </a:p>
+        </p:txBody>
+      </p:sp>
+      <p:graphicFrame>
+        <p:nvGraphicFramePr>
+          <p:cNvPr id="156" name="Table">
+            <a:extLst>
+              <a:ext uri="{FF2B5EF4-FFF2-40B4-BE49-F238E27FC236}">
+                <a16:creationId xmlns:a16="http://schemas.microsoft.com/office/drawing/2014/main" id="{02364840-A2FB-B442-A3EA-DF23597A29CD}"/>
+              </a:ext>
+            </a:extLst>
+          </p:cNvPr>
+          <p:cNvGraphicFramePr/>
+          <p:nvPr>
+            <p:extLst>
+              <p:ext uri="{D42A27DB-BD31-4B8C-83A1-F6EECF244321}">
+                <p14:modId xmlns:p14="http://schemas.microsoft.com/office/powerpoint/2010/main" val="171183712"/>
+              </p:ext>
+            </p:extLst>
+          </p:nvPr>
+        </p:nvGraphicFramePr>
+        <p:xfrm>
+          <a:off x="9352880" y="3201451"/>
+          <a:ext cx="302400" cy="609600"/>
+        </p:xfrm>
+        <a:graphic>
+          <a:graphicData uri="http://schemas.openxmlformats.org/drawingml/2006/table">
+            <a:tbl>
+              <a:tblPr firstRow="1">
+                <a:tableStyleId>{33BA23B1-9221-436E-865A-0063620EA4FD}</a:tableStyleId>
+              </a:tblPr>
+              <a:tblGrid>
+                <a:gridCol w="151200">
+                  <a:extLst>
+                    <a:ext uri="{9D8B030D-6E8A-4147-A177-3AD203B41FA5}">
+                      <a16:colId xmlns:a16="http://schemas.microsoft.com/office/drawing/2014/main" val="20000"/>
+                    </a:ext>
+                  </a:extLst>
+                </a:gridCol>
+                <a:gridCol w="151200">
+                  <a:extLst>
+                    <a:ext uri="{9D8B030D-6E8A-4147-A177-3AD203B41FA5}">
+                      <a16:colId xmlns:a16="http://schemas.microsoft.com/office/drawing/2014/main" val="20002"/>
+                    </a:ext>
+                  </a:extLst>
+                </a:gridCol>
+              </a:tblGrid>
+              <a:tr h="114300">
+                <a:tc>
+                  <a:txBody>
+                    <a:bodyPr/>
+                    <a:lstStyle/>
+                    <a:p>
+                      <a:pPr defTabSz="914400">
+                        <a:defRPr sz="1000">
+                          <a:latin typeface="Helvetica"/>
+                          <a:ea typeface="Helvetica"/>
+                          <a:cs typeface="Helvetica"/>
+                          <a:sym typeface="Helvetica"/>
+                        </a:defRPr>
+                      </a:pPr>
+                      <a:r>
+                        <a:rPr lang="da-DK" dirty="0"/>
+                        <a:t>a</a:t>
+                      </a:r>
+                      <a:endParaRPr dirty="0"/>
+                    </a:p>
+                  </a:txBody>
+                  <a:tcPr marL="0" marR="0" marT="0" marB="0" anchor="ctr" horzOverflow="overflow">
+                    <a:solidFill>
+                      <a:schemeClr val="accent3">
+                        <a:lumMod val="50000"/>
+                      </a:schemeClr>
+                    </a:solidFill>
+                  </a:tcPr>
+                </a:tc>
+                <a:tc>
+                  <a:txBody>
+                    <a:bodyPr/>
+                    <a:lstStyle/>
+                    <a:p>
+                      <a:pPr defTabSz="914400">
+                        <a:defRPr sz="1000">
+                          <a:latin typeface="Helvetica"/>
+                          <a:ea typeface="Helvetica"/>
+                          <a:cs typeface="Helvetica"/>
+                          <a:sym typeface="Helvetica"/>
+                        </a:defRPr>
+                      </a:pPr>
+                      <a:endParaRPr dirty="0"/>
+                    </a:p>
+                  </a:txBody>
+                  <a:tcPr marL="0" marR="0" marT="0" marB="0" anchor="ctr" horzOverflow="overflow">
+                    <a:solidFill>
+                      <a:srgbClr val="A6AAA9"/>
+                    </a:solidFill>
+                  </a:tcPr>
+                </a:tc>
+                <a:extLst>
+                  <a:ext uri="{0D108BD9-81ED-4DB2-BD59-A6C34878D82A}">
+                    <a16:rowId xmlns:a16="http://schemas.microsoft.com/office/drawing/2014/main" val="10000"/>
+                  </a:ext>
+                </a:extLst>
+              </a:tr>
+              <a:tr h="114300">
+                <a:tc>
+                  <a:txBody>
+                    <a:bodyPr/>
+                    <a:lstStyle/>
+                    <a:p>
+                      <a:pPr defTabSz="914400">
+                        <a:defRPr sz="1000">
+                          <a:latin typeface="Helvetica"/>
+                          <a:ea typeface="Helvetica"/>
+                          <a:cs typeface="Helvetica"/>
+                          <a:sym typeface="Helvetica"/>
+                        </a:defRPr>
+                      </a:pPr>
+                      <a:r>
+                        <a:rPr lang="da-DK" dirty="0">
+                          <a:solidFill>
+                            <a:srgbClr val="212121"/>
+                          </a:solidFill>
+                        </a:rPr>
+                        <a:t>1</a:t>
+                      </a:r>
+                      <a:endParaRPr dirty="0">
+                        <a:solidFill>
+                          <a:srgbClr val="212121"/>
+                        </a:solidFill>
+                      </a:endParaRPr>
+                    </a:p>
+                  </a:txBody>
+                  <a:tcPr marL="0" marR="0" marT="0" marB="0" anchor="ctr" horzOverflow="overflow">
+                    <a:solidFill>
+                      <a:srgbClr val="F3CC86"/>
+                    </a:solidFill>
+                  </a:tcPr>
+                </a:tc>
+                <a:tc>
+                  <a:txBody>
+                    <a:bodyPr/>
+                    <a:lstStyle/>
+                    <a:p>
+                      <a:pPr defTabSz="914400">
+                        <a:defRPr sz="1000">
+                          <a:latin typeface="Helvetica"/>
+                          <a:ea typeface="Helvetica"/>
+                          <a:cs typeface="Helvetica"/>
+                          <a:sym typeface="Helvetica"/>
+                        </a:defRPr>
+                      </a:pPr>
+                      <a:endParaRPr dirty="0"/>
+                    </a:p>
+                  </a:txBody>
+                  <a:tcPr marL="0" marR="0" marT="0" marB="0" anchor="ctr" horzOverflow="overflow">
+                    <a:solidFill>
+                      <a:srgbClr val="D8D8D8"/>
+                    </a:solidFill>
+                  </a:tcPr>
+                </a:tc>
+                <a:extLst>
+                  <a:ext uri="{0D108BD9-81ED-4DB2-BD59-A6C34878D82A}">
+                    <a16:rowId xmlns:a16="http://schemas.microsoft.com/office/drawing/2014/main" val="10001"/>
+                  </a:ext>
+                </a:extLst>
+              </a:tr>
+              <a:tr h="114300">
+                <a:tc>
+                  <a:txBody>
+                    <a:bodyPr/>
+                    <a:lstStyle/>
+                    <a:p>
+                      <a:pPr defTabSz="914400">
+                        <a:defRPr sz="1000">
+                          <a:latin typeface="Helvetica"/>
+                          <a:ea typeface="Helvetica"/>
+                          <a:cs typeface="Helvetica"/>
+                          <a:sym typeface="Helvetica"/>
+                        </a:defRPr>
+                      </a:pPr>
+                      <a:r>
+                        <a:rPr lang="da-DK" dirty="0">
+                          <a:solidFill>
+                            <a:srgbClr val="212121"/>
+                          </a:solidFill>
+                        </a:rPr>
+                        <a:t>2</a:t>
+                      </a:r>
+                      <a:endParaRPr dirty="0">
+                        <a:solidFill>
+                          <a:srgbClr val="212121"/>
+                        </a:solidFill>
+                      </a:endParaRPr>
+                    </a:p>
+                  </a:txBody>
+                  <a:tcPr marL="0" marR="0" marT="0" marB="0" anchor="ctr" horzOverflow="overflow">
+                    <a:solidFill>
+                      <a:srgbClr val="F3CC86"/>
+                    </a:solidFill>
+                  </a:tcPr>
+                </a:tc>
+                <a:tc>
+                  <a:txBody>
+                    <a:bodyPr/>
+                    <a:lstStyle/>
+                    <a:p>
+                      <a:pPr defTabSz="914400">
+                        <a:defRPr sz="1000">
+                          <a:latin typeface="Helvetica"/>
+                          <a:ea typeface="Helvetica"/>
+                          <a:cs typeface="Helvetica"/>
+                          <a:sym typeface="Helvetica"/>
+                        </a:defRPr>
+                      </a:pPr>
+                      <a:endParaRPr dirty="0"/>
+                    </a:p>
+                  </a:txBody>
+                  <a:tcPr marL="0" marR="0" marT="0" marB="0" anchor="ctr" horzOverflow="overflow">
+                    <a:solidFill>
+                      <a:srgbClr val="D8D8D8"/>
+                    </a:solidFill>
+                  </a:tcPr>
+                </a:tc>
+                <a:extLst>
+                  <a:ext uri="{0D108BD9-81ED-4DB2-BD59-A6C34878D82A}">
+                    <a16:rowId xmlns:a16="http://schemas.microsoft.com/office/drawing/2014/main" val="10002"/>
+                  </a:ext>
+                </a:extLst>
+              </a:tr>
+              <a:tr h="114300">
+                <a:tc>
+                  <a:txBody>
+                    <a:bodyPr/>
+                    <a:lstStyle/>
+                    <a:p>
+                      <a:pPr defTabSz="914400">
+                        <a:defRPr sz="1000">
+                          <a:latin typeface="Helvetica"/>
+                          <a:ea typeface="Helvetica"/>
+                          <a:cs typeface="Helvetica"/>
+                          <a:sym typeface="Helvetica"/>
+                        </a:defRPr>
+                      </a:pPr>
+                      <a:r>
+                        <a:rPr lang="da-DK" dirty="0">
+                          <a:solidFill>
+                            <a:srgbClr val="212121"/>
+                          </a:solidFill>
+                        </a:rPr>
+                        <a:t>3</a:t>
+                      </a:r>
+                      <a:endParaRPr dirty="0">
+                        <a:solidFill>
+                          <a:srgbClr val="212121"/>
+                        </a:solidFill>
+                      </a:endParaRPr>
+                    </a:p>
+                  </a:txBody>
+                  <a:tcPr marL="0" marR="0" marT="0" marB="0" anchor="ctr" horzOverflow="overflow">
+                    <a:solidFill>
+                      <a:srgbClr val="F3CC86"/>
+                    </a:solidFill>
+                  </a:tcPr>
+                </a:tc>
+                <a:tc>
+                  <a:txBody>
+                    <a:bodyPr/>
+                    <a:lstStyle/>
+                    <a:p>
+                      <a:pPr defTabSz="914400">
+                        <a:defRPr sz="1000">
+                          <a:latin typeface="Helvetica"/>
+                          <a:ea typeface="Helvetica"/>
+                          <a:cs typeface="Helvetica"/>
+                          <a:sym typeface="Helvetica"/>
+                        </a:defRPr>
+                      </a:pPr>
+                      <a:endParaRPr dirty="0"/>
+                    </a:p>
+                  </a:txBody>
+                  <a:tcPr marL="0" marR="0" marT="0" marB="0" anchor="ctr" horzOverflow="overflow">
+                    <a:solidFill>
+                      <a:srgbClr val="D8D8D8"/>
+                    </a:solidFill>
+                  </a:tcPr>
+                </a:tc>
+                <a:extLst>
+                  <a:ext uri="{0D108BD9-81ED-4DB2-BD59-A6C34878D82A}">
+                    <a16:rowId xmlns:a16="http://schemas.microsoft.com/office/drawing/2014/main" val="1931809070"/>
+                  </a:ext>
+                </a:extLst>
+              </a:tr>
+            </a:tbl>
+          </a:graphicData>
+        </a:graphic>
+      </p:graphicFrame>
     </p:spTree>
     <p:extLst>
       <p:ext uri="{BB962C8B-B14F-4D97-AF65-F5344CB8AC3E}">

--- a/powerpoints/datatable.pptx
+++ b/powerpoints/datatable.pptx
@@ -418,7 +418,7 @@
           <a:p>
             <a:fld id="{14A1A45B-F66E-48A2-89C5-3AD170776287}" type="datetimeFigureOut">
               <a:rPr lang="da-DK" smtClean="0"/>
-              <a:t>10/01/2019</a:t>
+              <a:t>27-03-2024</a:t>
             </a:fld>
             <a:endParaRPr lang="da-DK"/>
           </a:p>
@@ -484,7 +484,7 @@
           <a:p>
             <a:fld id="{247FDCC0-BD89-4589-8355-28D22473BEB3}" type="slidenum">
               <a:rPr lang="da-DK" smtClean="0"/>
-              <a:t>‹#›</a:t>
+              <a:t>‹Nº›</a:t>
             </a:fld>
             <a:endParaRPr lang="da-DK"/>
           </a:p>
@@ -546,7 +546,7 @@
           <a:bodyPr/>
           <a:lstStyle/>
           <a:p>
-            <a:endParaRPr/>
+            <a:endParaRPr dirty="0"/>
           </a:p>
         </p:txBody>
       </p:sp>
@@ -986,9 +986,9 @@
           <a:lstStyle/>
           <a:p>
             <a:fld id="{86CB4B4D-7CA3-9044-876B-883B54F8677D}" type="slidenum">
-              <a:t>‹#›</a:t>
+              <a:t>‹Nº›</a:t>
             </a:fld>
-            <a:endParaRPr/>
+            <a:endParaRPr dirty="0"/>
           </a:p>
         </p:txBody>
       </p:sp>
@@ -1114,9 +1114,9 @@
           <a:lstStyle/>
           <a:p>
             <a:fld id="{86CB4B4D-7CA3-9044-876B-883B54F8677D}" type="slidenum">
-              <a:t>‹#›</a:t>
+              <a:t>‹Nº›</a:t>
             </a:fld>
-            <a:endParaRPr/>
+            <a:endParaRPr dirty="0"/>
           </a:p>
         </p:txBody>
       </p:sp>
@@ -1171,7 +1171,7 @@
           </a:bodyPr>
           <a:lstStyle/>
           <a:p>
-            <a:endParaRPr/>
+            <a:endParaRPr dirty="0"/>
           </a:p>
         </p:txBody>
       </p:sp>
@@ -1195,9 +1195,9 @@
           <a:lstStyle/>
           <a:p>
             <a:fld id="{86CB4B4D-7CA3-9044-876B-883B54F8677D}" type="slidenum">
-              <a:t>‹#›</a:t>
+              <a:t>‹Nº›</a:t>
             </a:fld>
-            <a:endParaRPr/>
+            <a:endParaRPr dirty="0"/>
           </a:p>
         </p:txBody>
       </p:sp>
@@ -1247,9 +1247,9 @@
           <a:lstStyle/>
           <a:p>
             <a:fld id="{86CB4B4D-7CA3-9044-876B-883B54F8677D}" type="slidenum">
-              <a:t>‹#›</a:t>
+              <a:t>‹Nº›</a:t>
             </a:fld>
-            <a:endParaRPr/>
+            <a:endParaRPr dirty="0"/>
           </a:p>
         </p:txBody>
       </p:sp>
@@ -1304,7 +1304,7 @@
           </a:bodyPr>
           <a:lstStyle/>
           <a:p>
-            <a:endParaRPr/>
+            <a:endParaRPr dirty="0"/>
           </a:p>
         </p:txBody>
       </p:sp>
@@ -1460,9 +1460,9 @@
           <a:lstStyle/>
           <a:p>
             <a:fld id="{86CB4B4D-7CA3-9044-876B-883B54F8677D}" type="slidenum">
-              <a:t>‹#›</a:t>
+              <a:t>‹Nº›</a:t>
             </a:fld>
-            <a:endParaRPr/>
+            <a:endParaRPr dirty="0"/>
           </a:p>
         </p:txBody>
       </p:sp>
@@ -1541,9 +1541,9 @@
           <a:lstStyle/>
           <a:p>
             <a:fld id="{86CB4B4D-7CA3-9044-876B-883B54F8677D}" type="slidenum">
-              <a:t>‹#›</a:t>
+              <a:t>‹Nº›</a:t>
             </a:fld>
-            <a:endParaRPr/>
+            <a:endParaRPr dirty="0"/>
           </a:p>
         </p:txBody>
       </p:sp>
@@ -1598,7 +1598,7 @@
           </a:bodyPr>
           <a:lstStyle/>
           <a:p>
-            <a:endParaRPr/>
+            <a:endParaRPr dirty="0"/>
           </a:p>
         </p:txBody>
       </p:sp>
@@ -1759,9 +1759,9 @@
           <a:lstStyle/>
           <a:p>
             <a:fld id="{86CB4B4D-7CA3-9044-876B-883B54F8677D}" type="slidenum">
-              <a:t>‹#›</a:t>
+              <a:t>‹Nº›</a:t>
             </a:fld>
-            <a:endParaRPr/>
+            <a:endParaRPr dirty="0"/>
           </a:p>
         </p:txBody>
       </p:sp>
@@ -1836,9 +1836,9 @@
           <a:lstStyle/>
           <a:p>
             <a:fld id="{86CB4B4D-7CA3-9044-876B-883B54F8677D}" type="slidenum">
-              <a:t>‹#›</a:t>
+              <a:t>‹Nº›</a:t>
             </a:fld>
-            <a:endParaRPr/>
+            <a:endParaRPr dirty="0"/>
           </a:p>
         </p:txBody>
       </p:sp>
@@ -1962,9 +1962,9 @@
           <a:lstStyle/>
           <a:p>
             <a:fld id="{86CB4B4D-7CA3-9044-876B-883B54F8677D}" type="slidenum">
-              <a:t>‹#›</a:t>
+              <a:t>‹Nº›</a:t>
             </a:fld>
-            <a:endParaRPr/>
+            <a:endParaRPr dirty="0"/>
           </a:p>
         </p:txBody>
       </p:sp>
@@ -2019,7 +2019,7 @@
           </a:bodyPr>
           <a:lstStyle/>
           <a:p>
-            <a:endParaRPr/>
+            <a:endParaRPr dirty="0"/>
           </a:p>
         </p:txBody>
       </p:sp>
@@ -2137,9 +2137,9 @@
           <a:lstStyle/>
           <a:p>
             <a:fld id="{86CB4B4D-7CA3-9044-876B-883B54F8677D}" type="slidenum">
-              <a:t>‹#›</a:t>
+              <a:t>‹Nº›</a:t>
             </a:fld>
-            <a:endParaRPr/>
+            <a:endParaRPr dirty="0"/>
           </a:p>
         </p:txBody>
       </p:sp>
@@ -2242,9 +2242,9 @@
           <a:lstStyle/>
           <a:p>
             <a:fld id="{86CB4B4D-7CA3-9044-876B-883B54F8677D}" type="slidenum">
-              <a:t>‹#›</a:t>
+              <a:t>‹Nº›</a:t>
             </a:fld>
-            <a:endParaRPr/>
+            <a:endParaRPr dirty="0"/>
           </a:p>
         </p:txBody>
       </p:sp>
@@ -2299,7 +2299,7 @@
           </a:bodyPr>
           <a:lstStyle/>
           <a:p>
-            <a:endParaRPr/>
+            <a:endParaRPr dirty="0"/>
           </a:p>
         </p:txBody>
       </p:sp>
@@ -2328,7 +2328,7 @@
           </a:bodyPr>
           <a:lstStyle/>
           <a:p>
-            <a:endParaRPr/>
+            <a:endParaRPr dirty="0"/>
           </a:p>
         </p:txBody>
       </p:sp>
@@ -2357,7 +2357,7 @@
           </a:bodyPr>
           <a:lstStyle/>
           <a:p>
-            <a:endParaRPr/>
+            <a:endParaRPr dirty="0"/>
           </a:p>
         </p:txBody>
       </p:sp>
@@ -2381,9 +2381,9 @@
           <a:lstStyle/>
           <a:p>
             <a:fld id="{86CB4B4D-7CA3-9044-876B-883B54F8677D}" type="slidenum">
-              <a:t>‹#›</a:t>
+              <a:t>‹Nº›</a:t>
             </a:fld>
-            <a:endParaRPr/>
+            <a:endParaRPr dirty="0"/>
           </a:p>
         </p:txBody>
       </p:sp>
@@ -2444,7 +2444,7 @@
           </a:ln>
           <a:extLst>
             <a:ext uri="{C572A759-6A51-4108-AA02-DFA0A04FC94B}">
-              <ma14:wrappingTextBoxFlag xmlns="" xmlns:ma14="http://schemas.microsoft.com/office/mac/drawingml/2011/main" val="1"/>
+              <ma14:wrappingTextBoxFlag xmlns:ma14="http://schemas.microsoft.com/office/mac/drawingml/2011/main" xmlns="" val="1"/>
             </a:ext>
           </a:extLst>
         </p:spPr>
@@ -2483,7 +2483,7 @@
           </a:ln>
           <a:extLst>
             <a:ext uri="{C572A759-6A51-4108-AA02-DFA0A04FC94B}">
-              <ma14:wrappingTextBoxFlag xmlns="" xmlns:ma14="http://schemas.microsoft.com/office/mac/drawingml/2011/main" val="1"/>
+              <ma14:wrappingTextBoxFlag xmlns:ma14="http://schemas.microsoft.com/office/mac/drawingml/2011/main" xmlns="" val="1"/>
             </a:ext>
           </a:extLst>
         </p:spPr>
@@ -2567,9 +2567,9 @@
           </a:lstStyle>
           <a:p>
             <a:fld id="{86CB4B4D-7CA3-9044-876B-883B54F8677D}" type="slidenum">
-              <a:t>‹#›</a:t>
+              <a:t>‹Nº›</a:t>
             </a:fld>
-            <a:endParaRPr/>
+            <a:endParaRPr dirty="0"/>
           </a:p>
         </p:txBody>
       </p:sp>
@@ -3540,7 +3540,7 @@
           </a:ln>
           <a:extLst>
             <a:ext uri="{C572A759-6A51-4108-AA02-DFA0A04FC94B}">
-              <ma14:wrappingTextBoxFlag xmlns="" xmlns:ma14="http://schemas.microsoft.com/office/mac/drawingml/2011/main" val="1"/>
+              <ma14:wrappingTextBoxFlag xmlns:ma14="http://schemas.microsoft.com/office/mac/drawingml/2011/main" xmlns="" val="1"/>
             </a:ext>
           </a:extLst>
         </p:spPr>
@@ -3602,7 +3602,7 @@
           </a:ln>
           <a:extLst>
             <a:ext uri="{C572A759-6A51-4108-AA02-DFA0A04FC94B}">
-              <ma14:wrappingTextBoxFlag xmlns="" xmlns:ma14="http://schemas.microsoft.com/office/mac/drawingml/2011/main" val="1"/>
+              <ma14:wrappingTextBoxFlag xmlns:ma14="http://schemas.microsoft.com/office/mac/drawingml/2011/main" xmlns="" val="1"/>
             </a:ext>
           </a:extLst>
         </p:spPr>
@@ -3626,9 +3626,17 @@
               </a:defRPr>
             </a:pPr>
             <a:r>
-              <a:rPr dirty="0">
+              <a:rPr lang="en-US" dirty="0">
                 <a:solidFill>
                   <a:srgbClr val="5B6167"/>
+                </a:solidFill>
+              </a:rPr>
+              <a:t>Created by Erik Petrovsky  and Mara Destefanis – maragdestefanis@gmail.com</a:t>
+            </a:r>
+            <a:r>
+              <a:rPr lang="en-US" dirty="0">
+                <a:solidFill>
+                  <a:srgbClr val="757878"/>
                 </a:solidFill>
                 <a:hlinkClick r:id="rId4">
                   <a:extLst>
@@ -3638,7 +3646,23 @@
                   </a:extLst>
                 </a:hlinkClick>
               </a:rPr>
-              <a:t>CC BY SA</a:t>
+              <a:t> </a:t>
+            </a:r>
+            <a:r>
+              <a:rPr dirty="0">
+                <a:solidFill>
+                  <a:srgbClr val="5B6167"/>
+                </a:solidFill>
+              </a:rPr>
+              <a:t>• Learn more</a:t>
+            </a:r>
+            <a:r>
+              <a:rPr lang="da-DK" dirty="0">
+                <a:solidFill>
+                  <a:srgbClr val="5B6167"/>
+                </a:solidFill>
+              </a:rPr>
+              <a:t> with the data.table</a:t>
             </a:r>
             <a:r>
               <a:rPr dirty="0">
@@ -3647,38 +3671,6 @@
                 </a:solidFill>
               </a:rPr>
               <a:t> </a:t>
-            </a:r>
-            <a:r>
-              <a:rPr lang="da-DK" dirty="0">
-                <a:solidFill>
-                  <a:srgbClr val="5B6167"/>
-                </a:solidFill>
-              </a:rPr>
-              <a:t>Erik </a:t>
-            </a:r>
-            <a:r>
-              <a:rPr lang="da-DK" dirty="0" err="1">
-                <a:solidFill>
-                  <a:srgbClr val="5B6167"/>
-                </a:solidFill>
-              </a:rPr>
-              <a:t>Petrovski</a:t>
-            </a:r>
-            <a:r>
-              <a:rPr lang="da-DK" dirty="0">
-                <a:solidFill>
-                  <a:srgbClr val="5B6167"/>
-                </a:solidFill>
-              </a:rPr>
-              <a:t> </a:t>
-            </a:r>
-            <a:r>
-              <a:rPr dirty="0">
-                <a:solidFill>
-                  <a:srgbClr val="5B6167"/>
-                </a:solidFill>
-              </a:rPr>
-              <a:t>• </a:t>
             </a:r>
             <a:r>
               <a:rPr lang="da-DK" dirty="0">
@@ -3693,26 +3685,10 @@
                   </a:extLst>
                 </a:hlinkClick>
               </a:rPr>
-              <a:t>www.petrovski.dk</a:t>
-            </a:r>
-            <a:r>
-              <a:rPr dirty="0">
-                <a:solidFill>
-                  <a:srgbClr val="5B6167"/>
-                </a:solidFill>
-              </a:rPr>
-              <a:t> • Learn more</a:t>
+              <a:t>homepage</a:t>
             </a:r>
             <a:r>
               <a:rPr lang="da-DK" dirty="0">
-                <a:solidFill>
-                  <a:srgbClr val="5B6167"/>
-                </a:solidFill>
-              </a:rPr>
-              <a:t> with the data.table</a:t>
-            </a:r>
-            <a:r>
-              <a:rPr dirty="0">
                 <a:solidFill>
                   <a:srgbClr val="5B6167"/>
                 </a:solidFill>
@@ -3720,7 +3696,23 @@
               <a:t> </a:t>
             </a:r>
             <a:r>
+              <a:rPr dirty="0">
+                <a:solidFill>
+                  <a:srgbClr val="5B6167"/>
+                </a:solidFill>
+              </a:rPr>
+              <a:t>or</a:t>
+            </a:r>
+            <a:r>
               <a:rPr lang="da-DK" dirty="0">
+                <a:solidFill>
+                  <a:srgbClr val="5B6167"/>
+                </a:solidFill>
+              </a:rPr>
+              <a:t> </a:t>
+            </a:r>
+            <a:r>
+              <a:rPr dirty="0">
                 <a:solidFill>
                   <a:srgbClr val="5B6167"/>
                 </a:solidFill>
@@ -3732,45 +3724,6 @@
                   </a:extLst>
                 </a:hlinkClick>
               </a:rPr>
-              <a:t>homepage</a:t>
-            </a:r>
-            <a:r>
-              <a:rPr lang="da-DK" dirty="0">
-                <a:solidFill>
-                  <a:srgbClr val="5B6167"/>
-                </a:solidFill>
-              </a:rPr>
-              <a:t> </a:t>
-            </a:r>
-            <a:r>
-              <a:rPr dirty="0">
-                <a:solidFill>
-                  <a:srgbClr val="5B6167"/>
-                </a:solidFill>
-              </a:rPr>
-              <a:t>or</a:t>
-            </a:r>
-            <a:r>
-              <a:rPr lang="da-DK" dirty="0">
-                <a:solidFill>
-                  <a:srgbClr val="5B6167"/>
-                </a:solidFill>
-              </a:rPr>
-              <a:t> </a:t>
-            </a:r>
-            <a:r>
-              <a:rPr dirty="0">
-                <a:solidFill>
-                  <a:srgbClr val="5B6167"/>
-                </a:solidFill>
-                <a:hlinkClick r:id="rId7">
-                  <a:extLst>
-                    <a:ext uri="{A12FA001-AC4F-418D-AE19-62706E023703}">
-                      <ahyp:hlinkClr xmlns:ahyp="http://schemas.microsoft.com/office/drawing/2018/hyperlinkcolor" val="tx"/>
-                    </a:ext>
-                  </a:extLst>
-                </a:hlinkClick>
-              </a:rPr>
               <a:t>vignette</a:t>
             </a:r>
             <a:r>
@@ -3819,7 +3772,7 @@
                   <a:srgbClr val="5B6167"/>
                 </a:solidFill>
               </a:rPr>
-              <a:t>11</a:t>
+              <a:t>15.0</a:t>
             </a:r>
             <a:r>
               <a:rPr dirty="0">
@@ -3827,31 +3780,15 @@
                   <a:srgbClr val="5B6167"/>
                 </a:solidFill>
               </a:rPr>
-              <a:t>.</a:t>
-            </a:r>
-            <a:r>
-              <a:rPr lang="da-DK" dirty="0">
+              <a:t> • Updated: 20</a:t>
+            </a:r>
+            <a:r>
+              <a:rPr lang="es-ES" dirty="0">
                 <a:solidFill>
                   <a:srgbClr val="5B6167"/>
                 </a:solidFill>
               </a:rPr>
-              <a:t>8</a:t>
-            </a:r>
-            <a:r>
-              <a:rPr dirty="0">
-                <a:solidFill>
-                  <a:srgbClr val="5B6167"/>
-                </a:solidFill>
-              </a:rPr>
-              <a:t> • Updated: 201</a:t>
-            </a:r>
-            <a:r>
-              <a:rPr lang="da-DK" dirty="0">
-                <a:solidFill>
-                  <a:srgbClr val="5B6167"/>
-                </a:solidFill>
-              </a:rPr>
-              <a:t>9</a:t>
+              <a:t>24</a:t>
             </a:r>
             <a:r>
               <a:rPr dirty="0">
@@ -3985,7 +3922,7 @@
                 </a:solidFill>
               </a:defRPr>
             </a:pPr>
-            <a:endParaRPr/>
+            <a:endParaRPr dirty="0"/>
           </a:p>
         </p:txBody>
       </p:sp>
@@ -4030,7 +3967,7 @@
                 </a:solidFill>
               </a:defRPr>
             </a:pPr>
-            <a:endParaRPr/>
+            <a:endParaRPr dirty="0"/>
           </a:p>
         </p:txBody>
       </p:sp>
@@ -4053,7 +3990,7 @@
           </a:ln>
           <a:extLst>
             <a:ext uri="{C572A759-6A51-4108-AA02-DFA0A04FC94B}">
-              <ma14:wrappingTextBoxFlag xmlns="" xmlns:ma14="http://schemas.microsoft.com/office/mac/drawingml/2011/main" val="1"/>
+              <ma14:wrappingTextBoxFlag xmlns:ma14="http://schemas.microsoft.com/office/mac/drawingml/2011/main" xmlns="" val="1"/>
             </a:ext>
           </a:extLst>
         </p:spPr>
@@ -4114,7 +4051,7 @@
           </a:ln>
           <a:extLst>
             <a:ext uri="{C572A759-6A51-4108-AA02-DFA0A04FC94B}">
-              <ma14:wrappingTextBoxFlag xmlns="" xmlns:ma14="http://schemas.microsoft.com/office/mac/drawingml/2011/main" val="1"/>
+              <ma14:wrappingTextBoxFlag xmlns:ma14="http://schemas.microsoft.com/office/mac/drawingml/2011/main" xmlns="" val="1"/>
             </a:ext>
           </a:extLst>
         </p:spPr>
@@ -4167,7 +4104,7 @@
           </a:ln>
           <a:extLst>
             <a:ext uri="{C572A759-6A51-4108-AA02-DFA0A04FC94B}">
-              <ma14:wrappingTextBoxFlag xmlns="" xmlns:ma14="http://schemas.microsoft.com/office/mac/drawingml/2011/main" val="1"/>
+              <ma14:wrappingTextBoxFlag xmlns:ma14="http://schemas.microsoft.com/office/mac/drawingml/2011/main" xmlns="" val="1"/>
             </a:ext>
           </a:extLst>
         </p:spPr>
@@ -4232,7 +4169,7 @@
               <a:t>[</a:t>
             </a:r>
             <a:r>
-              <a:rPr lang="en-US" sz="1600" dirty="0" err="1">
+              <a:rPr lang="en-US" sz="1600" dirty="0">
                 <a:solidFill>
                   <a:srgbClr val="119571"/>
                 </a:solidFill>
@@ -4352,7 +4289,7 @@
               <a:t>subset rows using </a:t>
             </a:r>
             <a:r>
-              <a:rPr lang="en-US" dirty="0" err="1">
+              <a:rPr lang="en-US" dirty="0">
                 <a:solidFill>
                   <a:srgbClr val="119571"/>
                 </a:solidFill>
@@ -4532,7 +4469,7 @@
           </a:ln>
           <a:extLst>
             <a:ext uri="{C572A759-6A51-4108-AA02-DFA0A04FC94B}">
-              <ma14:wrappingTextBoxFlag xmlns="" xmlns:ma14="http://schemas.microsoft.com/office/mac/drawingml/2011/main" val="1"/>
+              <ma14:wrappingTextBoxFlag xmlns:ma14="http://schemas.microsoft.com/office/mac/drawingml/2011/main" xmlns="" val="1"/>
             </a:ext>
           </a:extLst>
         </p:spPr>
@@ -4548,20 +4485,12 @@
               </a:lnSpc>
             </a:pPr>
             <a:r>
-              <a:rPr lang="en-US" dirty="0" err="1">
+              <a:rPr lang="en-US" dirty="0">
                 <a:solidFill>
                   <a:srgbClr val="000000"/>
                 </a:solidFill>
               </a:rPr>
-              <a:t>data.table</a:t>
-            </a:r>
-            <a:r>
-              <a:rPr lang="en-US" dirty="0">
-                <a:solidFill>
-                  <a:srgbClr val="000000"/>
-                </a:solidFill>
-              </a:rPr>
-              <a:t>(</a:t>
+              <a:t>data.table(</a:t>
             </a:r>
             <a:r>
               <a:rPr lang="en-US" b="0" dirty="0">
@@ -4585,23 +4514,7 @@
                   <a:srgbClr val="000000"/>
                 </a:solidFill>
               </a:rPr>
-              <a:t> – create a data.table from scratch. Analogous to </a:t>
-            </a:r>
-            <a:r>
-              <a:rPr lang="en-US" b="0" dirty="0" err="1">
-                <a:solidFill>
-                  <a:srgbClr val="000000"/>
-                </a:solidFill>
-              </a:rPr>
-              <a:t>data.frame</a:t>
-            </a:r>
-            <a:r>
-              <a:rPr lang="en-US" b="0" dirty="0">
-                <a:solidFill>
-                  <a:srgbClr val="000000"/>
-                </a:solidFill>
-              </a:rPr>
-              <a:t>()</a:t>
+              <a:t> – create a data.table from scratch. Analogous to data.frame()</a:t>
             </a:r>
             <a:r>
               <a:rPr lang="en-US" b="0" dirty="0">
@@ -4656,23 +4569,15 @@
               </a:lnSpc>
             </a:pPr>
             <a:r>
-              <a:rPr lang="en-US" dirty="0" err="1">
+              <a:rPr lang="en-US" dirty="0">
                 <a:solidFill>
                   <a:srgbClr val="000000"/>
                 </a:solidFill>
               </a:rPr>
-              <a:t>setDT</a:t>
-            </a:r>
-            <a:r>
-              <a:rPr lang="en-US" dirty="0">
-                <a:solidFill>
-                  <a:srgbClr val="000000"/>
-                </a:solidFill>
-              </a:rPr>
-              <a:t>(</a:t>
-            </a:r>
-            <a:r>
-              <a:rPr lang="en-US" b="0" dirty="0" err="1">
+              <a:t>setDT(</a:t>
+            </a:r>
+            <a:r>
+              <a:rPr lang="en-US" b="0" dirty="0">
                 <a:solidFill>
                   <a:srgbClr val="000000"/>
                 </a:solidFill>
@@ -4696,23 +4601,15 @@
               <a:t>* or </a:t>
             </a:r>
             <a:r>
-              <a:rPr lang="en-US" dirty="0" err="1">
+              <a:rPr lang="en-US" dirty="0">
                 <a:solidFill>
                   <a:srgbClr val="000000"/>
                 </a:solidFill>
               </a:rPr>
-              <a:t>as.data.table</a:t>
-            </a:r>
-            <a:r>
-              <a:rPr lang="en-US" dirty="0">
-                <a:solidFill>
-                  <a:srgbClr val="000000"/>
-                </a:solidFill>
-              </a:rPr>
-              <a:t>(</a:t>
-            </a:r>
-            <a:r>
-              <a:rPr lang="en-US" b="0" dirty="0" err="1">
+              <a:t>as.data.table(</a:t>
+            </a:r>
+            <a:r>
+              <a:rPr lang="en-US" b="0" dirty="0">
                 <a:solidFill>
                   <a:srgbClr val="000000"/>
                 </a:solidFill>
@@ -4757,7 +4654,7 @@
           </a:ln>
           <a:extLst>
             <a:ext uri="{C572A759-6A51-4108-AA02-DFA0A04FC94B}">
-              <ma14:wrappingTextBoxFlag xmlns="" xmlns:ma14="http://schemas.microsoft.com/office/mac/drawingml/2011/main" val="1"/>
+              <ma14:wrappingTextBoxFlag xmlns:ma14="http://schemas.microsoft.com/office/mac/drawingml/2011/main" xmlns="" val="1"/>
             </a:ext>
           </a:extLst>
         </p:spPr>
@@ -4832,7 +4729,7 @@
                 </a:solidFill>
               </a:defRPr>
             </a:pPr>
-            <a:endParaRPr/>
+            <a:endParaRPr dirty="0"/>
           </a:p>
         </p:txBody>
       </p:sp>
@@ -4855,7 +4752,7 @@
           </a:ln>
           <a:extLst>
             <a:ext uri="{C572A759-6A51-4108-AA02-DFA0A04FC94B}">
-              <ma14:wrappingTextBoxFlag xmlns="" xmlns:ma14="http://schemas.microsoft.com/office/mac/drawingml/2011/main" val="1"/>
+              <ma14:wrappingTextBoxFlag xmlns:ma14="http://schemas.microsoft.com/office/mac/drawingml/2011/main" xmlns="" val="1"/>
             </a:ext>
           </a:extLst>
         </p:spPr>
@@ -5107,7 +5004,7 @@
           </a:ln>
           <a:extLst>
             <a:ext uri="{C572A759-6A51-4108-AA02-DFA0A04FC94B}">
-              <ma14:wrappingTextBoxFlag xmlns="" xmlns:ma14="http://schemas.microsoft.com/office/mac/drawingml/2011/main" val="1"/>
+              <ma14:wrappingTextBoxFlag xmlns:ma14="http://schemas.microsoft.com/office/mac/drawingml/2011/main" xmlns="" val="1"/>
             </a:ext>
           </a:extLst>
         </p:spPr>
@@ -5190,7 +5087,7 @@
                 </a:solidFill>
               </a:defRPr>
             </a:pPr>
-            <a:endParaRPr/>
+            <a:endParaRPr dirty="0"/>
           </a:p>
         </p:txBody>
       </p:sp>
@@ -5213,7 +5110,7 @@
           </a:ln>
           <a:extLst>
             <a:ext uri="{C572A759-6A51-4108-AA02-DFA0A04FC94B}">
-              <ma14:wrappingTextBoxFlag xmlns="" xmlns:ma14="http://schemas.microsoft.com/office/mac/drawingml/2011/main" val="1"/>
+              <ma14:wrappingTextBoxFlag xmlns:ma14="http://schemas.microsoft.com/office/mac/drawingml/2011/main" xmlns="" val="1"/>
             </a:ext>
           </a:extLst>
         </p:spPr>
@@ -5282,7 +5179,7 @@
                 </a:solidFill>
               </a:defRPr>
             </a:pPr>
-            <a:endParaRPr/>
+            <a:endParaRPr dirty="0"/>
           </a:p>
         </p:txBody>
       </p:sp>
@@ -5305,7 +5202,7 @@
           </a:ln>
           <a:extLst>
             <a:ext uri="{C572A759-6A51-4108-AA02-DFA0A04FC94B}">
-              <ma14:wrappingTextBoxFlag xmlns="" xmlns:ma14="http://schemas.microsoft.com/office/mac/drawingml/2011/main" val="1"/>
+              <ma14:wrappingTextBoxFlag xmlns:ma14="http://schemas.microsoft.com/office/mac/drawingml/2011/main" xmlns="" val="1"/>
             </a:ext>
           </a:extLst>
         </p:spPr>
@@ -5692,7 +5589,7 @@
                 <a:sym typeface="Gill Sans"/>
               </a:defRPr>
             </a:pPr>
-            <a:endParaRPr/>
+            <a:endParaRPr dirty="0"/>
           </a:p>
         </p:txBody>
       </p:sp>
@@ -6068,7 +5965,7 @@
           </a:ln>
           <a:extLst>
             <a:ext uri="{C572A759-6A51-4108-AA02-DFA0A04FC94B}">
-              <ma14:wrappingTextBoxFlag xmlns="" xmlns:ma14="http://schemas.microsoft.com/office/mac/drawingml/2011/main" val="1"/>
+              <ma14:wrappingTextBoxFlag xmlns:ma14="http://schemas.microsoft.com/office/mac/drawingml/2011/main" xmlns="" val="1"/>
             </a:ext>
           </a:extLst>
         </p:spPr>
@@ -6319,7 +6216,7 @@
                 <a:sym typeface="Gill Sans"/>
               </a:defRPr>
             </a:pPr>
-            <a:endParaRPr/>
+            <a:endParaRPr dirty="0"/>
           </a:p>
         </p:txBody>
       </p:sp>
@@ -6691,7 +6588,7 @@
           </a:ln>
           <a:extLst>
             <a:ext uri="{C572A759-6A51-4108-AA02-DFA0A04FC94B}">
-              <ma14:wrappingTextBoxFlag xmlns="" xmlns:ma14="http://schemas.microsoft.com/office/mac/drawingml/2011/main" val="1"/>
+              <ma14:wrappingTextBoxFlag xmlns:ma14="http://schemas.microsoft.com/office/mac/drawingml/2011/main" xmlns="" val="1"/>
             </a:ext>
           </a:extLst>
         </p:spPr>
@@ -7067,7 +6964,7 @@
                 <a:sym typeface="Gill Sans"/>
               </a:defRPr>
             </a:pPr>
-            <a:endParaRPr/>
+            <a:endParaRPr dirty="0"/>
           </a:p>
         </p:txBody>
       </p:sp>
@@ -7705,7 +7602,7 @@
                 <a:sym typeface="Gill Sans"/>
               </a:defRPr>
             </a:pPr>
-            <a:endParaRPr/>
+            <a:endParaRPr dirty="0"/>
           </a:p>
         </p:txBody>
       </p:sp>
@@ -8170,7 +8067,7 @@
                 </a:solidFill>
               </a:defRPr>
             </a:pPr>
-            <a:endParaRPr/>
+            <a:endParaRPr dirty="0"/>
           </a:p>
         </p:txBody>
       </p:sp>
@@ -8193,7 +8090,7 @@
           </a:ln>
           <a:extLst>
             <a:ext uri="{C572A759-6A51-4108-AA02-DFA0A04FC94B}">
-              <ma14:wrappingTextBoxFlag xmlns="" xmlns:ma14="http://schemas.microsoft.com/office/mac/drawingml/2011/main" val="1"/>
+              <ma14:wrappingTextBoxFlag xmlns:ma14="http://schemas.microsoft.com/office/mac/drawingml/2011/main" xmlns="" val="1"/>
             </a:ext>
           </a:extLst>
         </p:spPr>
@@ -8236,27 +8133,7 @@
                 <a:latin typeface="Source Sans Pro" panose="020B0503030403020204" pitchFamily="34" charset="0"/>
                 <a:ea typeface="Source Sans Pro" panose="020B0503030403020204" pitchFamily="34" charset="0"/>
               </a:rPr>
-              <a:t>] – create a </a:t>
-            </a:r>
-            <a:r>
-              <a:rPr lang="en-US" b="0" dirty="0" err="1">
-                <a:solidFill>
-                  <a:srgbClr val="000000"/>
-                </a:solidFill>
-                <a:latin typeface="Source Sans Pro" panose="020B0503030403020204" pitchFamily="34" charset="0"/>
-                <a:ea typeface="Source Sans Pro" panose="020B0503030403020204" pitchFamily="34" charset="0"/>
-              </a:rPr>
-              <a:t>data.table</a:t>
-            </a:r>
-            <a:r>
-              <a:rPr lang="en-US" b="0" dirty="0">
-                <a:solidFill>
-                  <a:srgbClr val="000000"/>
-                </a:solidFill>
-                <a:latin typeface="Source Sans Pro" panose="020B0503030403020204" pitchFamily="34" charset="0"/>
-                <a:ea typeface="Source Sans Pro" panose="020B0503030403020204" pitchFamily="34" charset="0"/>
-              </a:rPr>
-              <a:t> with new columns based on the summarized values of rows.</a:t>
+              <a:t>] – create a data.table with new columns based on the summarized values of rows.</a:t>
             </a:r>
           </a:p>
           <a:p>
@@ -8335,7 +8212,7 @@
                 </a:solidFill>
               </a:defRPr>
             </a:pPr>
-            <a:endParaRPr/>
+            <a:endParaRPr dirty="0"/>
           </a:p>
         </p:txBody>
       </p:sp>
@@ -8358,7 +8235,7 @@
           </a:ln>
           <a:extLst>
             <a:ext uri="{C572A759-6A51-4108-AA02-DFA0A04FC94B}">
-              <ma14:wrappingTextBoxFlag xmlns="" xmlns:ma14="http://schemas.microsoft.com/office/mac/drawingml/2011/main" val="1"/>
+              <ma14:wrappingTextBoxFlag xmlns:ma14="http://schemas.microsoft.com/office/mac/drawingml/2011/main" xmlns="" val="1"/>
             </a:ext>
           </a:extLst>
         </p:spPr>
@@ -8482,22 +8359,13 @@
               </a:lnSpc>
             </a:pPr>
             <a:r>
-              <a:rPr lang="en-US" b="0" dirty="0" err="1">
+              <a:rPr lang="en-US" b="0" dirty="0">
                 <a:solidFill>
                   <a:srgbClr val="000000"/>
                 </a:solidFill>
                 <a:sym typeface="Source Sans Pro Light"/>
               </a:rPr>
-              <a:t>dt</a:t>
-            </a:r>
-            <a:r>
-              <a:rPr lang="en-US" b="0" dirty="0">
-                <a:solidFill>
-                  <a:srgbClr val="000000"/>
-                </a:solidFill>
-                <a:sym typeface="Source Sans Pro Light"/>
-              </a:rPr>
-              <a:t>[,</a:t>
+              <a:t>dt[,</a:t>
             </a:r>
             <a:r>
               <a:rPr lang="en-US" dirty="0">
@@ -8596,20 +8464,12 @@
               </a:lnSpc>
             </a:pPr>
             <a:r>
-              <a:rPr lang="en-US" b="0" dirty="0" err="1">
+              <a:rPr lang="en-US" b="0" dirty="0">
                 <a:solidFill>
                   <a:srgbClr val="000000"/>
                 </a:solidFill>
               </a:rPr>
-              <a:t>dt</a:t>
-            </a:r>
-            <a:r>
-              <a:rPr lang="en-US" b="0" dirty="0">
-                <a:solidFill>
-                  <a:srgbClr val="000000"/>
-                </a:solidFill>
-              </a:rPr>
-              <a:t>[, </a:t>
+              <a:t>dt[, </a:t>
             </a:r>
             <a:r>
               <a:rPr lang="en-US" dirty="0">
@@ -8687,22 +8547,13 @@
               </a:lnSpc>
             </a:pPr>
             <a:r>
-              <a:rPr lang="en-US" b="0" dirty="0" err="1">
+              <a:rPr lang="en-US" b="0" dirty="0">
                 <a:solidFill>
                   <a:srgbClr val="000000"/>
                 </a:solidFill>
                 <a:sym typeface="Source Sans Pro Light"/>
               </a:rPr>
-              <a:t>dt</a:t>
-            </a:r>
-            <a:r>
-              <a:rPr lang="en-US" b="0" dirty="0">
-                <a:solidFill>
-                  <a:srgbClr val="000000"/>
-                </a:solidFill>
-                <a:sym typeface="Source Sans Pro Light"/>
-              </a:rPr>
-              <a:t>[, </a:t>
+              <a:t>dt[, </a:t>
             </a:r>
             <a:r>
               <a:rPr lang="en-US" dirty="0">
@@ -8819,7 +8670,7 @@
                 </a:solidFill>
               </a:defRPr>
             </a:pPr>
-            <a:endParaRPr/>
+            <a:endParaRPr dirty="0"/>
           </a:p>
         </p:txBody>
       </p:sp>
@@ -8895,7 +8746,7 @@
                 </a:solidFill>
               </a:defRPr>
             </a:pPr>
-            <a:endParaRPr/>
+            <a:endParaRPr dirty="0"/>
           </a:p>
         </p:txBody>
       </p:sp>
@@ -9251,7 +9102,7 @@
                 <a:sym typeface="Gill Sans"/>
               </a:defRPr>
             </a:pPr>
-            <a:endParaRPr/>
+            <a:endParaRPr dirty="0"/>
           </a:p>
         </p:txBody>
       </p:sp>
@@ -9469,7 +9320,7 @@
           </a:ln>
           <a:extLst>
             <a:ext uri="{C572A759-6A51-4108-AA02-DFA0A04FC94B}">
-              <ma14:wrappingTextBoxFlag xmlns="" xmlns:ma14="http://schemas.microsoft.com/office/mac/drawingml/2011/main" val="1"/>
+              <ma14:wrappingTextBoxFlag xmlns:ma14="http://schemas.microsoft.com/office/mac/drawingml/2011/main" xmlns="" val="1"/>
             </a:ext>
           </a:extLst>
         </p:spPr>
@@ -9538,7 +9389,7 @@
           </a:ln>
           <a:extLst>
             <a:ext uri="{C572A759-6A51-4108-AA02-DFA0A04FC94B}">
-              <ma14:wrappingTextBoxFlag xmlns="" xmlns:ma14="http://schemas.microsoft.com/office/mac/drawingml/2011/main" val="1"/>
+              <ma14:wrappingTextBoxFlag xmlns:ma14="http://schemas.microsoft.com/office/mac/drawingml/2011/main" xmlns="" val="1"/>
             </a:ext>
           </a:extLst>
         </p:spPr>
@@ -9554,22 +9405,13 @@
               </a:lnSpc>
             </a:pPr>
             <a:r>
-              <a:rPr lang="en-US" dirty="0" err="1">
+              <a:rPr lang="en-US" dirty="0">
                 <a:solidFill>
                   <a:srgbClr val="000000"/>
                 </a:solidFill>
                 <a:cs typeface="Helvetica" panose="020B0604020202020204" pitchFamily="34" charset="0"/>
               </a:rPr>
-              <a:t>setorder</a:t>
-            </a:r>
-            <a:r>
-              <a:rPr lang="en-US" dirty="0">
-                <a:solidFill>
-                  <a:srgbClr val="000000"/>
-                </a:solidFill>
-                <a:cs typeface="Helvetica" panose="020B0604020202020204" pitchFamily="34" charset="0"/>
-              </a:rPr>
-              <a:t>(</a:t>
+              <a:t>setorder(</a:t>
             </a:r>
             <a:r>
               <a:rPr lang="en-US" b="0" dirty="0">
@@ -10115,7 +9957,7 @@
                 <a:sym typeface="Gill Sans"/>
               </a:defRPr>
             </a:pPr>
-            <a:endParaRPr/>
+            <a:endParaRPr dirty="0"/>
           </a:p>
         </p:txBody>
       </p:sp>
@@ -10616,7 +10458,7 @@
                 </a:solidFill>
               </a:defRPr>
             </a:pPr>
-            <a:endParaRPr/>
+            <a:endParaRPr dirty="0"/>
           </a:p>
         </p:txBody>
       </p:sp>
@@ -10670,7 +10512,7 @@
                 <a:sym typeface="Gill Sans"/>
               </a:defRPr>
             </a:pPr>
-            <a:endParaRPr/>
+            <a:endParaRPr dirty="0"/>
           </a:p>
         </p:txBody>
       </p:sp>
@@ -10918,7 +10760,7 @@
           </a:ln>
           <a:extLst>
             <a:ext uri="{C572A759-6A51-4108-AA02-DFA0A04FC94B}">
-              <ma14:wrappingTextBoxFlag xmlns="" xmlns:ma14="http://schemas.microsoft.com/office/mac/drawingml/2011/main" val="1"/>
+              <ma14:wrappingTextBoxFlag xmlns:ma14="http://schemas.microsoft.com/office/mac/drawingml/2011/main" xmlns="" val="1"/>
             </a:ext>
           </a:extLst>
         </p:spPr>
@@ -11155,7 +10997,7 @@
                 <a:sym typeface="Gill Sans"/>
               </a:defRPr>
             </a:pPr>
-            <a:endParaRPr/>
+            <a:endParaRPr dirty="0"/>
           </a:p>
         </p:txBody>
       </p:sp>
@@ -11894,13 +11736,13 @@
           <p:nvPr/>
         </p:nvPicPr>
         <p:blipFill>
-          <a:blip r:embed="rId8">
+          <a:blip r:embed="rId7" cstate="print">
             <a:extLst>
               <a:ext uri="{28A0092B-C50C-407E-A947-70E740481C1C}">
                 <a14:useLocalDpi xmlns:a14="http://schemas.microsoft.com/office/drawing/2010/main" val="0"/>
               </a:ext>
               <a:ext uri="{96DAC541-7B7A-43D3-8B79-37D633B846F1}">
-                <asvg:svgBlip xmlns:asvg="http://schemas.microsoft.com/office/drawing/2016/SVG/main" r:embed="rId9"/>
+                <asvg:svgBlip xmlns:asvg="http://schemas.microsoft.com/office/drawing/2016/SVG/main" r:embed="rId8"/>
               </a:ext>
             </a:extLst>
           </a:blip>
@@ -11994,7 +11836,7 @@
           </a:ln>
           <a:extLst>
             <a:ext uri="{C572A759-6A51-4108-AA02-DFA0A04FC94B}">
-              <ma14:wrappingTextBoxFlag xmlns="" xmlns:ma14="http://schemas.microsoft.com/office/mac/drawingml/2011/main" val="1"/>
+              <ma14:wrappingTextBoxFlag xmlns:ma14="http://schemas.microsoft.com/office/mac/drawingml/2011/main" xmlns="" val="1"/>
             </a:ext>
           </a:extLst>
         </p:spPr>
@@ -12374,7 +12216,7 @@
                 <a:sym typeface="Gill Sans"/>
               </a:defRPr>
             </a:pPr>
-            <a:endParaRPr/>
+            <a:endParaRPr dirty="0"/>
           </a:p>
         </p:txBody>
       </p:sp>
@@ -13436,7 +13278,7 @@
                 <a:sym typeface="Gill Sans"/>
               </a:defRPr>
             </a:pPr>
-            <a:endParaRPr/>
+            <a:endParaRPr dirty="0"/>
           </a:p>
         </p:txBody>
       </p:sp>
@@ -13830,7 +13672,7 @@
           </a:ln>
           <a:extLst>
             <a:ext uri="{C572A759-6A51-4108-AA02-DFA0A04FC94B}">
-              <ma14:wrappingTextBoxFlag xmlns="" xmlns:ma14="http://schemas.microsoft.com/office/mac/drawingml/2011/main" val="1"/>
+              <ma14:wrappingTextBoxFlag xmlns:ma14="http://schemas.microsoft.com/office/mac/drawingml/2011/main" xmlns="" val="1"/>
             </a:ext>
           </a:extLst>
         </p:spPr>
@@ -13915,20 +13757,12 @@
               </a:lnSpc>
             </a:pPr>
             <a:r>
-              <a:rPr lang="en-US" b="0" dirty="0" err="1">
+              <a:rPr lang="en-US" b="0" dirty="0">
                 <a:solidFill>
                   <a:srgbClr val="000000"/>
                 </a:solidFill>
               </a:rPr>
-              <a:t>dt</a:t>
-            </a:r>
-            <a:r>
-              <a:rPr lang="en-US" b="0" dirty="0">
-                <a:solidFill>
-                  <a:srgbClr val="000000"/>
-                </a:solidFill>
-              </a:rPr>
-              <a:t>[, </a:t>
+              <a:t>dt[, </a:t>
             </a:r>
             <a:r>
               <a:rPr lang="en-US" b="0" dirty="0">
@@ -13947,20 +13781,12 @@
               <a:t>, </a:t>
             </a:r>
             <a:r>
-              <a:rPr lang="en-US" dirty="0" err="1">
+              <a:rPr lang="en-US" dirty="0">
                 <a:solidFill>
                   <a:srgbClr val="B74819"/>
                 </a:solidFill>
               </a:rPr>
-              <a:t>keyby</a:t>
-            </a:r>
-            <a:r>
-              <a:rPr lang="en-US" dirty="0">
-                <a:solidFill>
-                  <a:srgbClr val="B74819"/>
-                </a:solidFill>
-              </a:rPr>
-              <a:t> = .(</a:t>
+              <a:t>keyby = .(</a:t>
             </a:r>
             <a:r>
               <a:rPr lang="en-US" dirty="0">
@@ -14060,7 +13886,7 @@
                 </a:solidFill>
               </a:defRPr>
             </a:pPr>
-            <a:endParaRPr/>
+            <a:endParaRPr dirty="0"/>
           </a:p>
         </p:txBody>
       </p:sp>
@@ -14089,7 +13915,7 @@
           </a:ln>
           <a:extLst>
             <a:ext uri="{C572A759-6A51-4108-AA02-DFA0A04FC94B}">
-              <ma14:wrappingTextBoxFlag xmlns="" xmlns:ma14="http://schemas.microsoft.com/office/mac/drawingml/2011/main" val="1"/>
+              <ma14:wrappingTextBoxFlag xmlns:ma14="http://schemas.microsoft.com/office/mac/drawingml/2011/main" xmlns="" val="1"/>
             </a:ext>
           </a:extLst>
         </p:spPr>
@@ -14148,7 +13974,7 @@
           </a:ln>
           <a:extLst>
             <a:ext uri="{C572A759-6A51-4108-AA02-DFA0A04FC94B}">
-              <ma14:wrappingTextBoxFlag xmlns="" xmlns:ma14="http://schemas.microsoft.com/office/mac/drawingml/2011/main" val="1"/>
+              <ma14:wrappingTextBoxFlag xmlns:ma14="http://schemas.microsoft.com/office/mac/drawingml/2011/main" xmlns="" val="1"/>
             </a:ext>
           </a:extLst>
         </p:spPr>
@@ -14164,20 +13990,12 @@
               </a:lnSpc>
             </a:pPr>
             <a:r>
-              <a:rPr lang="en-US" dirty="0" err="1">
+              <a:rPr lang="en-US" dirty="0">
                 <a:solidFill>
                   <a:srgbClr val="000000"/>
                 </a:solidFill>
               </a:rPr>
-              <a:t>dt</a:t>
-            </a:r>
-            <a:r>
-              <a:rPr lang="en-US" dirty="0">
-                <a:solidFill>
-                  <a:srgbClr val="000000"/>
-                </a:solidFill>
-              </a:rPr>
-              <a:t>[</a:t>
+              <a:t>dt[</a:t>
             </a:r>
             <a:r>
               <a:rPr lang="en-US" b="0" dirty="0">
@@ -14217,23 +14035,7 @@
                   <a:srgbClr val="000000"/>
                 </a:solidFill>
               </a:rPr>
-              <a:t>– perform a sequence of </a:t>
-            </a:r>
-            <a:r>
-              <a:rPr lang="en-US" b="0" dirty="0" err="1">
-                <a:solidFill>
-                  <a:srgbClr val="000000"/>
-                </a:solidFill>
-              </a:rPr>
-              <a:t>data.table</a:t>
-            </a:r>
-            <a:r>
-              <a:rPr lang="en-US" b="0" dirty="0">
-                <a:solidFill>
-                  <a:srgbClr val="000000"/>
-                </a:solidFill>
-              </a:rPr>
-              <a:t> operations by </a:t>
+              <a:t>– perform a sequence of data.table operations by </a:t>
             </a:r>
             <a:r>
               <a:rPr lang="en-US" b="0" i="1" dirty="0">
@@ -14344,7 +14146,7 @@
           </a:ln>
           <a:extLst>
             <a:ext uri="{C572A759-6A51-4108-AA02-DFA0A04FC94B}">
-              <ma14:wrappingTextBoxFlag xmlns="" xmlns:ma14="http://schemas.microsoft.com/office/mac/drawingml/2011/main" val="1"/>
+              <ma14:wrappingTextBoxFlag xmlns:ma14="http://schemas.microsoft.com/office/mac/drawingml/2011/main" xmlns="" val="1"/>
             </a:ext>
           </a:extLst>
         </p:spPr>
@@ -14382,58 +14184,13 @@
               </a:lnSpc>
             </a:pPr>
             <a:r>
-              <a:rPr lang="en-US" b="0" dirty="0" err="1">
+              <a:rPr lang="en-US" b="0" dirty="0">
                 <a:solidFill>
                   <a:srgbClr val="000000"/>
                 </a:solidFill>
                 <a:cs typeface="Arial" panose="020B0604020202020204" pitchFamily="34" charset="0"/>
               </a:rPr>
-              <a:t>data.table’s</a:t>
-            </a:r>
-            <a:r>
-              <a:rPr lang="en-US" b="0" dirty="0">
-                <a:solidFill>
-                  <a:srgbClr val="000000"/>
-                </a:solidFill>
-                <a:cs typeface="Arial" panose="020B0604020202020204" pitchFamily="34" charset="0"/>
-              </a:rPr>
-              <a:t> functions prefixed with “set” and the operator “:=” work without “&lt;-” to alter data without making copies in memory. E.g., the more efficient “</a:t>
-            </a:r>
-            <a:r>
-              <a:rPr lang="en-US" b="0" dirty="0" err="1">
-                <a:solidFill>
-                  <a:srgbClr val="000000"/>
-                </a:solidFill>
-                <a:cs typeface="Arial" panose="020B0604020202020204" pitchFamily="34" charset="0"/>
-              </a:rPr>
-              <a:t>setDT</a:t>
-            </a:r>
-            <a:r>
-              <a:rPr lang="en-US" b="0" dirty="0">
-                <a:solidFill>
-                  <a:srgbClr val="000000"/>
-                </a:solidFill>
-                <a:cs typeface="Arial" panose="020B0604020202020204" pitchFamily="34" charset="0"/>
-              </a:rPr>
-              <a:t>(</a:t>
-            </a:r>
-            <a:r>
-              <a:rPr lang="en-US" b="0" dirty="0" err="1">
-                <a:solidFill>
-                  <a:srgbClr val="000000"/>
-                </a:solidFill>
-                <a:cs typeface="Arial" panose="020B0604020202020204" pitchFamily="34" charset="0"/>
-              </a:rPr>
-              <a:t>df</a:t>
-            </a:r>
-            <a:r>
-              <a:rPr lang="en-US" b="0" dirty="0">
-                <a:solidFill>
-                  <a:srgbClr val="000000"/>
-                </a:solidFill>
-                <a:cs typeface="Arial" panose="020B0604020202020204" pitchFamily="34" charset="0"/>
-              </a:rPr>
-              <a:t>)” is analogous to</a:t>
+              <a:t>data.table’s functions prefixed with “set” and the operator “:=” work without “&lt;-” to alter data without making copies in memory. E.g., the more efficient “setDT(df)” is analogous to</a:t>
             </a:r>
             <a:br>
               <a:rPr lang="en-US" b="0" dirty="0">
@@ -14450,61 +14207,7 @@
                 </a:solidFill>
                 <a:cs typeface="Arial" panose="020B0604020202020204" pitchFamily="34" charset="0"/>
               </a:rPr>
-              <a:t>“</a:t>
-            </a:r>
-            <a:r>
-              <a:rPr lang="en-US" b="0" dirty="0" err="1">
-                <a:solidFill>
-                  <a:srgbClr val="000000"/>
-                </a:solidFill>
-                <a:cs typeface="Arial" panose="020B0604020202020204" pitchFamily="34" charset="0"/>
-              </a:rPr>
-              <a:t>df</a:t>
-            </a:r>
-            <a:r>
-              <a:rPr lang="en-US" b="0" dirty="0">
-                <a:solidFill>
-                  <a:srgbClr val="000000"/>
-                </a:solidFill>
-                <a:cs typeface="Arial" panose="020B0604020202020204" pitchFamily="34" charset="0"/>
-              </a:rPr>
-              <a:t> &lt;- </a:t>
-            </a:r>
-            <a:r>
-              <a:rPr lang="en-US" b="0" dirty="0" err="1">
-                <a:solidFill>
-                  <a:srgbClr val="000000"/>
-                </a:solidFill>
-                <a:cs typeface="Arial" panose="020B0604020202020204" pitchFamily="34" charset="0"/>
-              </a:rPr>
-              <a:t>as.data.table</a:t>
-            </a:r>
-            <a:r>
-              <a:rPr lang="en-US" b="0" dirty="0">
-                <a:solidFill>
-                  <a:srgbClr val="000000"/>
-                </a:solidFill>
-                <a:cs typeface="Arial" panose="020B0604020202020204" pitchFamily="34" charset="0"/>
-              </a:rPr>
-              <a:t>(</a:t>
-            </a:r>
-            <a:r>
-              <a:rPr lang="en-US" b="0" dirty="0" err="1">
-                <a:solidFill>
-                  <a:srgbClr val="000000"/>
-                </a:solidFill>
-                <a:cs typeface="Arial" panose="020B0604020202020204" pitchFamily="34" charset="0"/>
-              </a:rPr>
-              <a:t>df</a:t>
-            </a:r>
-            <a:r>
-              <a:rPr lang="en-US" b="0" dirty="0">
-                <a:solidFill>
-                  <a:srgbClr val="000000"/>
-                </a:solidFill>
-                <a:cs typeface="Arial" panose="020B0604020202020204" pitchFamily="34" charset="0"/>
-              </a:rPr>
-              <a:t>)”.</a:t>
+              <a:t>“df &lt;- as.data.table(df)”.</a:t>
             </a:r>
           </a:p>
         </p:txBody>
@@ -14980,7 +14683,7 @@
                 <a:sym typeface="Gill Sans"/>
               </a:defRPr>
             </a:pPr>
-            <a:endParaRPr/>
+            <a:endParaRPr dirty="0"/>
           </a:p>
         </p:txBody>
       </p:sp>
@@ -15210,7 +14913,7 @@
           </a:ln>
           <a:extLst>
             <a:ext uri="{C572A759-6A51-4108-AA02-DFA0A04FC94B}">
-              <ma14:wrappingTextBoxFlag xmlns="" xmlns:ma14="http://schemas.microsoft.com/office/mac/drawingml/2011/main" val="1"/>
+              <ma14:wrappingTextBoxFlag xmlns:ma14="http://schemas.microsoft.com/office/mac/drawingml/2011/main" xmlns="" val="1"/>
             </a:ext>
           </a:extLst>
         </p:spPr>
@@ -15344,7 +15047,7 @@
                 </a:solidFill>
               </a:defRPr>
             </a:pPr>
-            <a:endParaRPr/>
+            <a:endParaRPr dirty="0"/>
           </a:p>
         </p:txBody>
       </p:sp>
@@ -15696,7 +15399,7 @@
                 <a:sym typeface="Gill Sans"/>
               </a:defRPr>
             </a:pPr>
-            <a:endParaRPr/>
+            <a:endParaRPr dirty="0"/>
           </a:p>
         </p:txBody>
       </p:sp>
@@ -15926,7 +15629,7 @@
           </a:ln>
           <a:extLst>
             <a:ext uri="{C572A759-6A51-4108-AA02-DFA0A04FC94B}">
-              <ma14:wrappingTextBoxFlag xmlns="" xmlns:ma14="http://schemas.microsoft.com/office/mac/drawingml/2011/main" val="1"/>
+              <ma14:wrappingTextBoxFlag xmlns:ma14="http://schemas.microsoft.com/office/mac/drawingml/2011/main" xmlns="" val="1"/>
             </a:ext>
           </a:extLst>
         </p:spPr>
@@ -16060,7 +15763,7 @@
                 </a:solidFill>
               </a:defRPr>
             </a:pPr>
-            <a:endParaRPr/>
+            <a:endParaRPr dirty="0"/>
           </a:p>
         </p:txBody>
       </p:sp>
@@ -16355,7 +16058,7 @@
                 <a:sym typeface="Gill Sans"/>
               </a:defRPr>
             </a:pPr>
-            <a:endParaRPr/>
+            <a:endParaRPr dirty="0"/>
           </a:p>
         </p:txBody>
       </p:sp>
@@ -16597,7 +16300,7 @@
           </a:ln>
           <a:extLst>
             <a:ext uri="{C572A759-6A51-4108-AA02-DFA0A04FC94B}">
-              <ma14:wrappingTextBoxFlag xmlns="" xmlns:ma14="http://schemas.microsoft.com/office/mac/drawingml/2011/main" val="1"/>
+              <ma14:wrappingTextBoxFlag xmlns:ma14="http://schemas.microsoft.com/office/mac/drawingml/2011/main" xmlns="" val="1"/>
             </a:ext>
           </a:extLst>
         </p:spPr>
@@ -16634,95 +16337,15 @@
                   <a:srgbClr val="0070C0"/>
                 </a:solidFill>
               </a:rPr>
-              <a:t>b := </a:t>
-            </a:r>
-            <a:r>
-              <a:rPr lang="en-US" dirty="0" err="1">
-                <a:solidFill>
-                  <a:srgbClr val="0070C0"/>
+              <a:t>b := as.integer(b)</a:t>
+            </a:r>
+            <a:r>
+              <a:rPr lang="en-US" b="0" dirty="0">
+                <a:solidFill>
+                  <a:srgbClr val="000000"/>
                 </a:solidFill>
               </a:rPr>
-              <a:t>as.integer</a:t>
-            </a:r>
-            <a:r>
-              <a:rPr lang="en-US" dirty="0">
-                <a:solidFill>
-                  <a:srgbClr val="0070C0"/>
-                </a:solidFill>
-              </a:rPr>
-              <a:t>(b)</a:t>
-            </a:r>
-            <a:r>
-              <a:rPr lang="en-US" b="0" dirty="0">
-                <a:solidFill>
-                  <a:srgbClr val="000000"/>
-                </a:solidFill>
-              </a:rPr>
-              <a:t>] – convert the type of a column using </a:t>
-            </a:r>
-            <a:r>
-              <a:rPr lang="en-US" b="0" dirty="0" err="1">
-                <a:solidFill>
-                  <a:srgbClr val="000000"/>
-                </a:solidFill>
-              </a:rPr>
-              <a:t>as.integer</a:t>
-            </a:r>
-            <a:r>
-              <a:rPr lang="en-US" b="0" dirty="0">
-                <a:solidFill>
-                  <a:srgbClr val="000000"/>
-                </a:solidFill>
-              </a:rPr>
-              <a:t>(), </a:t>
-            </a:r>
-            <a:r>
-              <a:rPr lang="en-US" b="0" dirty="0" err="1">
-                <a:solidFill>
-                  <a:srgbClr val="000000"/>
-                </a:solidFill>
-              </a:rPr>
-              <a:t>as.numeric</a:t>
-            </a:r>
-            <a:r>
-              <a:rPr lang="en-US" b="0" dirty="0">
-                <a:solidFill>
-                  <a:srgbClr val="000000"/>
-                </a:solidFill>
-              </a:rPr>
-              <a:t>(), </a:t>
-            </a:r>
-            <a:r>
-              <a:rPr lang="en-US" b="0" dirty="0" err="1">
-                <a:solidFill>
-                  <a:srgbClr val="000000"/>
-                </a:solidFill>
-              </a:rPr>
-              <a:t>as.character</a:t>
-            </a:r>
-            <a:r>
-              <a:rPr lang="en-US" b="0" dirty="0">
-                <a:solidFill>
-                  <a:srgbClr val="000000"/>
-                </a:solidFill>
-              </a:rPr>
-              <a:t>(), </a:t>
-            </a:r>
-            <a:r>
-              <a:rPr lang="en-US" b="0" dirty="0" err="1">
-                <a:solidFill>
-                  <a:srgbClr val="000000"/>
-                </a:solidFill>
-              </a:rPr>
-              <a:t>as.Date</a:t>
-            </a:r>
-            <a:r>
-              <a:rPr lang="en-US" b="0" dirty="0">
-                <a:solidFill>
-                  <a:srgbClr val="000000"/>
-                </a:solidFill>
-              </a:rPr>
-              <a:t>(), etc..</a:t>
+              <a:t>] – convert the type of a column using as.integer(), as.numeric(), as.character(), as.Date(), etc..</a:t>
             </a:r>
           </a:p>
         </p:txBody>
@@ -16831,49 +16454,7 @@
                 </a:solidFill>
               </a:defRPr>
             </a:pPr>
-            <a:endParaRPr/>
-          </a:p>
-        </p:txBody>
-      </p:sp>
-      <p:sp>
-        <p:nvSpPr>
-          <p:cNvPr id="274" name="Line"/>
-          <p:cNvSpPr/>
-          <p:nvPr/>
-        </p:nvSpPr>
-        <p:spPr>
-          <a:xfrm>
-            <a:off x="241300" y="10337513"/>
-            <a:ext cx="13434202" cy="1"/>
-          </a:xfrm>
-          <a:prstGeom prst="line">
-            <a:avLst/>
-          </a:prstGeom>
-          <a:ln w="12700">
-            <a:solidFill>
-              <a:srgbClr val="5B6167"/>
-            </a:solidFill>
-            <a:miter lim="400000"/>
-          </a:ln>
-        </p:spPr>
-        <p:txBody>
-          <a:bodyPr lIns="54570" tIns="54570" rIns="54570" bIns="54570" anchor="ctr"/>
-          <a:lstStyle/>
-          <a:p>
-            <a:pPr>
-              <a:lnSpc>
-                <a:spcPct val="80000"/>
-              </a:lnSpc>
-              <a:spcBef>
-                <a:spcPts val="600"/>
-              </a:spcBef>
-              <a:defRPr b="0">
-                <a:solidFill>
-                  <a:srgbClr val="000000"/>
-                </a:solidFill>
-              </a:defRPr>
-            </a:pPr>
-            <a:endParaRPr/>
+            <a:endParaRPr dirty="0"/>
           </a:p>
         </p:txBody>
       </p:sp>
@@ -16896,7 +16477,7 @@
           </a:ln>
           <a:extLst>
             <a:ext uri="{C572A759-6A51-4108-AA02-DFA0A04FC94B}">
-              <ma14:wrappingTextBoxFlag xmlns="" xmlns:ma14="http://schemas.microsoft.com/office/mac/drawingml/2011/main" val="1"/>
+              <ma14:wrappingTextBoxFlag xmlns:ma14="http://schemas.microsoft.com/office/mac/drawingml/2011/main" xmlns="" val="1"/>
             </a:ext>
           </a:extLst>
         </p:spPr>
@@ -16920,6 +16501,22 @@
               </a:defRPr>
             </a:pPr>
             <a:r>
+              <a:rPr lang="en-US" dirty="0">
+                <a:solidFill>
+                  <a:srgbClr val="5B6167"/>
+                </a:solidFill>
+              </a:rPr>
+              <a:t>Created by Erik Petrovsky  and Mara Destefanis – maragdestefanis@gmail.com</a:t>
+            </a:r>
+            <a:r>
+              <a:rPr lang="da-DK" dirty="0">
+                <a:solidFill>
+                  <a:srgbClr val="5B6167"/>
+                </a:solidFill>
+              </a:rPr>
+              <a:t>• Learn more with the data.table </a:t>
+            </a:r>
+            <a:r>
               <a:rPr lang="da-DK" dirty="0">
                 <a:solidFill>
                   <a:srgbClr val="5B6167"/>
@@ -16932,7 +16529,7 @@
                   </a:extLst>
                 </a:hlinkClick>
               </a:rPr>
-              <a:t>CC BY SA</a:t>
+              <a:t>homepage</a:t>
             </a:r>
             <a:r>
               <a:rPr lang="da-DK" dirty="0">
@@ -16940,23 +16537,7 @@
                   <a:srgbClr val="5B6167"/>
                 </a:solidFill>
               </a:rPr>
-              <a:t> Erik </a:t>
-            </a:r>
-            <a:r>
-              <a:rPr lang="da-DK" dirty="0" err="1">
-                <a:solidFill>
-                  <a:srgbClr val="5B6167"/>
-                </a:solidFill>
-              </a:rPr>
-              <a:t>Petrovski</a:t>
-            </a:r>
-            <a:r>
-              <a:rPr lang="da-DK" dirty="0">
-                <a:solidFill>
-                  <a:srgbClr val="5B6167"/>
-                </a:solidFill>
-              </a:rPr>
-              <a:t> • </a:t>
+              <a:t> or </a:t>
             </a:r>
             <a:r>
               <a:rPr lang="da-DK" dirty="0">
@@ -16971,7 +16552,7 @@
                   </a:extLst>
                 </a:hlinkClick>
               </a:rPr>
-              <a:t>www.petrovski.dk</a:t>
+              <a:t>vignette</a:t>
             </a:r>
             <a:r>
               <a:rPr lang="da-DK" dirty="0">
@@ -16979,69 +16560,7 @@
                   <a:srgbClr val="5B6167"/>
                 </a:solidFill>
               </a:rPr>
-              <a:t> • Learn more with the data.table </a:t>
-            </a:r>
-            <a:r>
-              <a:rPr lang="da-DK" dirty="0">
-                <a:solidFill>
-                  <a:srgbClr val="5B6167"/>
-                </a:solidFill>
-                <a:hlinkClick r:id="rId6">
-                  <a:extLst>
-                    <a:ext uri="{A12FA001-AC4F-418D-AE19-62706E023703}">
-                      <ahyp:hlinkClr xmlns:ahyp="http://schemas.microsoft.com/office/drawing/2018/hyperlinkcolor" val="tx"/>
-                    </a:ext>
-                  </a:extLst>
-                </a:hlinkClick>
-              </a:rPr>
-              <a:t>homepage</a:t>
-            </a:r>
-            <a:r>
-              <a:rPr lang="da-DK" dirty="0">
-                <a:solidFill>
-                  <a:srgbClr val="5B6167"/>
-                </a:solidFill>
-              </a:rPr>
-              <a:t> or </a:t>
-            </a:r>
-            <a:r>
-              <a:rPr lang="da-DK" dirty="0">
-                <a:solidFill>
-                  <a:srgbClr val="5B6167"/>
-                </a:solidFill>
-                <a:hlinkClick r:id="rId7">
-                  <a:extLst>
-                    <a:ext uri="{A12FA001-AC4F-418D-AE19-62706E023703}">
-                      <ahyp:hlinkClr xmlns:ahyp="http://schemas.microsoft.com/office/drawing/2018/hyperlinkcolor" val="tx"/>
-                    </a:ext>
-                  </a:extLst>
-                </a:hlinkClick>
-              </a:rPr>
-              <a:t>vignette</a:t>
-            </a:r>
-            <a:r>
-              <a:rPr lang="da-DK" dirty="0">
-                <a:solidFill>
-                  <a:srgbClr val="5B6167"/>
-                </a:solidFill>
-              </a:rPr>
-              <a:t> • data.table version 1.11.8 • </a:t>
-            </a:r>
-            <a:r>
-              <a:rPr lang="da-DK" dirty="0" err="1">
-                <a:solidFill>
-                  <a:srgbClr val="5B6167"/>
-                </a:solidFill>
-              </a:rPr>
-              <a:t>Updated</a:t>
-            </a:r>
-            <a:r>
-              <a:rPr lang="da-DK" dirty="0">
-                <a:solidFill>
-                  <a:srgbClr val="5B6167"/>
-                </a:solidFill>
-              </a:rPr>
-              <a:t>: 2019-01</a:t>
+              <a:t> • data.table version 1.15.0 • Updated: 2024-01</a:t>
             </a:r>
           </a:p>
         </p:txBody>
@@ -17118,7 +16637,7 @@
                 </a:solidFill>
               </a:defRPr>
             </a:pPr>
-            <a:endParaRPr/>
+            <a:endParaRPr dirty="0"/>
           </a:p>
         </p:txBody>
       </p:sp>
@@ -17141,7 +16660,7 @@
           </a:ln>
           <a:extLst>
             <a:ext uri="{C572A759-6A51-4108-AA02-DFA0A04FC94B}">
-              <ma14:wrappingTextBoxFlag xmlns="" xmlns:ma14="http://schemas.microsoft.com/office/mac/drawingml/2011/main" val="1"/>
+              <ma14:wrappingTextBoxFlag xmlns:ma14="http://schemas.microsoft.com/office/mac/drawingml/2011/main" xmlns="" val="1"/>
             </a:ext>
           </a:extLst>
         </p:spPr>
@@ -17216,7 +16735,7 @@
                 </a:solidFill>
               </a:defRPr>
             </a:pPr>
-            <a:endParaRPr/>
+            <a:endParaRPr dirty="0"/>
           </a:p>
         </p:txBody>
       </p:sp>
@@ -17239,7 +16758,7 @@
           </a:ln>
           <a:extLst>
             <a:ext uri="{C572A759-6A51-4108-AA02-DFA0A04FC94B}">
-              <ma14:wrappingTextBoxFlag xmlns="" xmlns:ma14="http://schemas.microsoft.com/office/mac/drawingml/2011/main" val="1"/>
+              <ma14:wrappingTextBoxFlag xmlns:ma14="http://schemas.microsoft.com/office/mac/drawingml/2011/main" xmlns="" val="1"/>
             </a:ext>
           </a:extLst>
         </p:spPr>
@@ -17268,21 +16787,8 @@
                   <a:srgbClr val="393939"/>
                 </a:solidFill>
               </a:rPr>
-              <a:t>Combine </a:t>
-            </a:r>
-            <a:r>
-              <a:rPr lang="en-US" dirty="0" err="1">
-                <a:solidFill>
-                  <a:srgbClr val="393939"/>
-                </a:solidFill>
-              </a:rPr>
-              <a:t>data.tables</a:t>
-            </a:r>
-            <a:endParaRPr lang="en-US" dirty="0">
-              <a:solidFill>
-                <a:srgbClr val="393939"/>
-              </a:solidFill>
-            </a:endParaRPr>
+              <a:t>Combine data.tables</a:t>
+            </a:r>
           </a:p>
         </p:txBody>
       </p:sp>
@@ -17305,7 +16811,7 @@
           </a:ln>
           <a:extLst>
             <a:ext uri="{C572A759-6A51-4108-AA02-DFA0A04FC94B}">
-              <ma14:wrappingTextBoxFlag xmlns="" xmlns:ma14="http://schemas.microsoft.com/office/mac/drawingml/2011/main" val="1"/>
+              <ma14:wrappingTextBoxFlag xmlns:ma14="http://schemas.microsoft.com/office/mac/drawingml/2011/main" xmlns="" val="1"/>
             </a:ext>
           </a:extLst>
         </p:spPr>
@@ -17321,36 +16827,12 @@
               </a:lnSpc>
             </a:pPr>
             <a:r>
-              <a:rPr lang="en-US" b="0" dirty="0" err="1">
+              <a:rPr lang="en-US" b="0" dirty="0">
                 <a:solidFill>
                   <a:srgbClr val="000000"/>
                 </a:solidFill>
               </a:rPr>
-              <a:t>dt_a</a:t>
-            </a:r>
-            <a:r>
-              <a:rPr lang="en-US" b="0" dirty="0">
-                <a:solidFill>
-                  <a:srgbClr val="000000"/>
-                </a:solidFill>
-              </a:rPr>
-              <a:t>[</a:t>
-            </a:r>
-            <a:r>
-              <a:rPr lang="en-US" b="0" dirty="0" err="1">
-                <a:solidFill>
-                  <a:srgbClr val="000000"/>
-                </a:solidFill>
-              </a:rPr>
-              <a:t>dt_b</a:t>
-            </a:r>
-            <a:r>
-              <a:rPr lang="en-US" b="0" dirty="0">
-                <a:solidFill>
-                  <a:srgbClr val="000000"/>
-                </a:solidFill>
-              </a:rPr>
-              <a:t>,</a:t>
+              <a:t>dt_a[dt_b,</a:t>
             </a:r>
             <a:r>
               <a:rPr lang="en-US" dirty="0">
@@ -17782,7 +17264,7 @@
                 </a:solidFill>
               </a:defRPr>
             </a:pPr>
-            <a:endParaRPr/>
+            <a:endParaRPr dirty="0"/>
           </a:p>
         </p:txBody>
       </p:sp>
@@ -17829,7 +17311,7 @@
                 </a:solidFill>
               </a:defRPr>
             </a:pPr>
-            <a:endParaRPr/>
+            <a:endParaRPr dirty="0"/>
           </a:p>
         </p:txBody>
       </p:sp>
@@ -18215,7 +17697,7 @@
           </a:ln>
           <a:extLst>
             <a:ext uri="{C572A759-6A51-4108-AA02-DFA0A04FC94B}">
-              <ma14:wrappingTextBoxFlag xmlns="" xmlns:ma14="http://schemas.microsoft.com/office/mac/drawingml/2011/main" val="1"/>
+              <ma14:wrappingTextBoxFlag xmlns:ma14="http://schemas.microsoft.com/office/mac/drawingml/2011/main" xmlns="" val="1"/>
             </a:ext>
           </a:extLst>
         </p:spPr>
@@ -18721,7 +18203,7 @@
           </a:ln>
           <a:extLst>
             <a:ext uri="{C572A759-6A51-4108-AA02-DFA0A04FC94B}">
-              <ma14:wrappingTextBoxFlag xmlns="" xmlns:ma14="http://schemas.microsoft.com/office/mac/drawingml/2011/main" val="1"/>
+              <ma14:wrappingTextBoxFlag xmlns:ma14="http://schemas.microsoft.com/office/mac/drawingml/2011/main" xmlns="" val="1"/>
             </a:ext>
           </a:extLst>
         </p:spPr>
@@ -18766,7 +18248,7 @@
           </a:ln>
           <a:extLst>
             <a:ext uri="{C572A759-6A51-4108-AA02-DFA0A04FC94B}">
-              <ma14:wrappingTextBoxFlag xmlns="" xmlns:ma14="http://schemas.microsoft.com/office/mac/drawingml/2011/main" val="1"/>
+              <ma14:wrappingTextBoxFlag xmlns:ma14="http://schemas.microsoft.com/office/mac/drawingml/2011/main" xmlns="" val="1"/>
             </a:ext>
           </a:extLst>
         </p:spPr>
@@ -18782,36 +18264,12 @@
               </a:lnSpc>
             </a:pPr>
             <a:r>
-              <a:rPr lang="en-US" b="0" dirty="0" err="1">
+              <a:rPr lang="en-US" b="0" dirty="0">
                 <a:solidFill>
                   <a:srgbClr val="000000"/>
                 </a:solidFill>
               </a:rPr>
-              <a:t>dt_a</a:t>
-            </a:r>
-            <a:r>
-              <a:rPr lang="en-US" b="0" dirty="0">
-                <a:solidFill>
-                  <a:srgbClr val="000000"/>
-                </a:solidFill>
-              </a:rPr>
-              <a:t>[</a:t>
-            </a:r>
-            <a:r>
-              <a:rPr lang="en-US" b="0" dirty="0" err="1">
-                <a:solidFill>
-                  <a:srgbClr val="000000"/>
-                </a:solidFill>
-              </a:rPr>
-              <a:t>dt_b</a:t>
-            </a:r>
-            <a:r>
-              <a:rPr lang="en-US" b="0" dirty="0">
-                <a:solidFill>
-                  <a:srgbClr val="000000"/>
-                </a:solidFill>
-              </a:rPr>
-              <a:t>,</a:t>
+              <a:t>dt_a[dt_b,</a:t>
             </a:r>
             <a:r>
               <a:rPr lang="en-US" dirty="0">
@@ -19821,7 +19279,7 @@
           </a:ln>
           <a:extLst>
             <a:ext uri="{C572A759-6A51-4108-AA02-DFA0A04FC94B}">
-              <ma14:wrappingTextBoxFlag xmlns="" xmlns:ma14="http://schemas.microsoft.com/office/mac/drawingml/2011/main" val="1"/>
+              <ma14:wrappingTextBoxFlag xmlns:ma14="http://schemas.microsoft.com/office/mac/drawingml/2011/main" xmlns="" val="1"/>
             </a:ext>
           </a:extLst>
         </p:spPr>
@@ -20470,7 +19928,7 @@
           </a:ln>
           <a:extLst>
             <a:ext uri="{C572A759-6A51-4108-AA02-DFA0A04FC94B}">
-              <ma14:wrappingTextBoxFlag xmlns="" xmlns:ma14="http://schemas.microsoft.com/office/mac/drawingml/2011/main" val="1"/>
+              <ma14:wrappingTextBoxFlag xmlns:ma14="http://schemas.microsoft.com/office/mac/drawingml/2011/main" xmlns="" val="1"/>
             </a:ext>
           </a:extLst>
         </p:spPr>
@@ -20515,7 +19973,7 @@
           </a:ln>
           <a:extLst>
             <a:ext uri="{C572A759-6A51-4108-AA02-DFA0A04FC94B}">
-              <ma14:wrappingTextBoxFlag xmlns="" xmlns:ma14="http://schemas.microsoft.com/office/mac/drawingml/2011/main" val="1"/>
+              <ma14:wrappingTextBoxFlag xmlns:ma14="http://schemas.microsoft.com/office/mac/drawingml/2011/main" xmlns="" val="1"/>
             </a:ext>
           </a:extLst>
         </p:spPr>
@@ -20531,36 +19989,12 @@
               </a:lnSpc>
             </a:pPr>
             <a:r>
-              <a:rPr lang="en-US" b="0" dirty="0" err="1">
+              <a:rPr lang="en-US" b="0" dirty="0">
                 <a:solidFill>
                   <a:srgbClr val="000000"/>
                 </a:solidFill>
               </a:rPr>
-              <a:t>dt_a</a:t>
-            </a:r>
-            <a:r>
-              <a:rPr lang="en-US" b="0" dirty="0">
-                <a:solidFill>
-                  <a:srgbClr val="000000"/>
-                </a:solidFill>
-              </a:rPr>
-              <a:t>[</a:t>
-            </a:r>
-            <a:r>
-              <a:rPr lang="en-US" b="0" dirty="0" err="1">
-                <a:solidFill>
-                  <a:srgbClr val="000000"/>
-                </a:solidFill>
-              </a:rPr>
-              <a:t>dt_b</a:t>
-            </a:r>
-            <a:r>
-              <a:rPr lang="en-US" b="0" dirty="0">
-                <a:solidFill>
-                  <a:srgbClr val="000000"/>
-                </a:solidFill>
-              </a:rPr>
-              <a:t>, </a:t>
+              <a:t>dt_a[dt_b, </a:t>
             </a:r>
             <a:r>
               <a:rPr lang="en-US" dirty="0">
@@ -20584,23 +20018,7 @@
                   <a:srgbClr val="5B6167"/>
                 </a:solidFill>
               </a:rPr>
-              <a:t>“roll = -</a:t>
-            </a:r>
-            <a:r>
-              <a:rPr lang="en-US" b="0" dirty="0" err="1">
-                <a:solidFill>
-                  <a:srgbClr val="5B6167"/>
-                </a:solidFill>
-              </a:rPr>
-              <a:t>Inf</a:t>
-            </a:r>
-            <a:r>
-              <a:rPr lang="en-US" b="0" dirty="0">
-                <a:solidFill>
-                  <a:srgbClr val="5B6167"/>
-                </a:solidFill>
-              </a:rPr>
-              <a:t>” reverses direction.</a:t>
+              <a:t>“roll = -Inf” reverses direction.</a:t>
             </a:r>
           </a:p>
         </p:txBody>
@@ -20624,7 +20042,7 @@
           </a:ln>
           <a:extLst>
             <a:ext uri="{C572A759-6A51-4108-AA02-DFA0A04FC94B}">
-              <ma14:wrappingTextBoxFlag xmlns="" xmlns:ma14="http://schemas.microsoft.com/office/mac/drawingml/2011/main" val="1"/>
+              <ma14:wrappingTextBoxFlag xmlns:ma14="http://schemas.microsoft.com/office/mac/drawingml/2011/main" xmlns="" val="1"/>
             </a:ext>
           </a:extLst>
         </p:spPr>
@@ -20640,44 +20058,20 @@
               </a:lnSpc>
             </a:pPr>
             <a:r>
-              <a:rPr lang="en-US" dirty="0" err="1">
+              <a:rPr lang="en-US" dirty="0">
                 <a:solidFill>
                   <a:srgbClr val="000000"/>
                 </a:solidFill>
               </a:rPr>
-              <a:t>rbind</a:t>
-            </a:r>
-            <a:r>
-              <a:rPr lang="en-US" dirty="0">
+              <a:t>rbind(</a:t>
+            </a:r>
+            <a:r>
+              <a:rPr lang="en-US" b="0" dirty="0">
                 <a:solidFill>
                   <a:srgbClr val="000000"/>
                 </a:solidFill>
               </a:rPr>
-              <a:t>(</a:t>
-            </a:r>
-            <a:r>
-              <a:rPr lang="en-US" b="0" dirty="0" err="1">
-                <a:solidFill>
-                  <a:srgbClr val="000000"/>
-                </a:solidFill>
-              </a:rPr>
-              <a:t>dt_a</a:t>
-            </a:r>
-            <a:r>
-              <a:rPr lang="en-US" b="0" dirty="0">
-                <a:solidFill>
-                  <a:srgbClr val="000000"/>
-                </a:solidFill>
-              </a:rPr>
-              <a:t>, </a:t>
-            </a:r>
-            <a:r>
-              <a:rPr lang="en-US" b="0" dirty="0" err="1">
-                <a:solidFill>
-                  <a:srgbClr val="000000"/>
-                </a:solidFill>
-              </a:rPr>
-              <a:t>dt_b</a:t>
+              <a:t>dt_a, dt_b</a:t>
             </a:r>
             <a:r>
               <a:rPr lang="en-US" dirty="0">
@@ -21130,7 +20524,7 @@
           </a:ln>
           <a:extLst>
             <a:ext uri="{C572A759-6A51-4108-AA02-DFA0A04FC94B}">
-              <ma14:wrappingTextBoxFlag xmlns="" xmlns:ma14="http://schemas.microsoft.com/office/mac/drawingml/2011/main" val="1"/>
+              <ma14:wrappingTextBoxFlag xmlns:ma14="http://schemas.microsoft.com/office/mac/drawingml/2011/main" xmlns="" val="1"/>
             </a:ext>
           </a:extLst>
         </p:spPr>
@@ -21480,7 +20874,7 @@
           </a:ln>
           <a:extLst>
             <a:ext uri="{C572A759-6A51-4108-AA02-DFA0A04FC94B}">
-              <ma14:wrappingTextBoxFlag xmlns="" xmlns:ma14="http://schemas.microsoft.com/office/mac/drawingml/2011/main" val="1"/>
+              <ma14:wrappingTextBoxFlag xmlns:ma14="http://schemas.microsoft.com/office/mac/drawingml/2011/main" xmlns="" val="1"/>
             </a:ext>
           </a:extLst>
         </p:spPr>
@@ -21525,7 +20919,7 @@
           </a:ln>
           <a:extLst>
             <a:ext uri="{C572A759-6A51-4108-AA02-DFA0A04FC94B}">
-              <ma14:wrappingTextBoxFlag xmlns="" xmlns:ma14="http://schemas.microsoft.com/office/mac/drawingml/2011/main" val="1"/>
+              <ma14:wrappingTextBoxFlag xmlns:ma14="http://schemas.microsoft.com/office/mac/drawingml/2011/main" xmlns="" val="1"/>
             </a:ext>
           </a:extLst>
         </p:spPr>
@@ -21541,44 +20935,20 @@
               </a:lnSpc>
             </a:pPr>
             <a:r>
-              <a:rPr lang="en-US" dirty="0" err="1">
+              <a:rPr lang="en-US" dirty="0">
                 <a:solidFill>
                   <a:srgbClr val="000000"/>
                 </a:solidFill>
               </a:rPr>
-              <a:t>cbind</a:t>
-            </a:r>
-            <a:r>
-              <a:rPr lang="en-US" dirty="0">
+              <a:t>cbind(</a:t>
+            </a:r>
+            <a:r>
+              <a:rPr lang="en-US" b="0" dirty="0">
                 <a:solidFill>
                   <a:srgbClr val="000000"/>
                 </a:solidFill>
               </a:rPr>
-              <a:t>(</a:t>
-            </a:r>
-            <a:r>
-              <a:rPr lang="en-US" b="0" dirty="0" err="1">
-                <a:solidFill>
-                  <a:srgbClr val="000000"/>
-                </a:solidFill>
-              </a:rPr>
-              <a:t>dt_a</a:t>
-            </a:r>
-            <a:r>
-              <a:rPr lang="en-US" b="0" dirty="0">
-                <a:solidFill>
-                  <a:srgbClr val="000000"/>
-                </a:solidFill>
-              </a:rPr>
-              <a:t>, </a:t>
-            </a:r>
-            <a:r>
-              <a:rPr lang="en-US" b="0" dirty="0" err="1">
-                <a:solidFill>
-                  <a:srgbClr val="000000"/>
-                </a:solidFill>
-              </a:rPr>
-              <a:t>dt_b</a:t>
+              <a:t>dt_a, dt_b</a:t>
             </a:r>
             <a:r>
               <a:rPr lang="en-US" dirty="0">
@@ -22133,7 +21503,7 @@
           </a:ln>
           <a:extLst>
             <a:ext uri="{C572A759-6A51-4108-AA02-DFA0A04FC94B}">
-              <ma14:wrappingTextBoxFlag xmlns="" xmlns:ma14="http://schemas.microsoft.com/office/mac/drawingml/2011/main" val="1"/>
+              <ma14:wrappingTextBoxFlag xmlns:ma14="http://schemas.microsoft.com/office/mac/drawingml/2011/main" xmlns="" val="1"/>
             </a:ext>
           </a:extLst>
         </p:spPr>
@@ -22630,7 +22000,7 @@
           </a:ln>
           <a:extLst>
             <a:ext uri="{C572A759-6A51-4108-AA02-DFA0A04FC94B}">
-              <ma14:wrappingTextBoxFlag xmlns="" xmlns:ma14="http://schemas.microsoft.com/office/mac/drawingml/2011/main" val="1"/>
+              <ma14:wrappingTextBoxFlag xmlns:ma14="http://schemas.microsoft.com/office/mac/drawingml/2011/main" xmlns="" val="1"/>
             </a:ext>
           </a:extLst>
         </p:spPr>
@@ -23356,7 +22726,7 @@
           </a:ln>
           <a:extLst>
             <a:ext uri="{C572A759-6A51-4108-AA02-DFA0A04FC94B}">
-              <ma14:wrappingTextBoxFlag xmlns="" xmlns:ma14="http://schemas.microsoft.com/office/mac/drawingml/2011/main" val="1"/>
+              <ma14:wrappingTextBoxFlag xmlns:ma14="http://schemas.microsoft.com/office/mac/drawingml/2011/main" xmlns="" val="1"/>
             </a:ext>
           </a:extLst>
         </p:spPr>
@@ -23401,7 +22771,7 @@
           </a:ln>
           <a:extLst>
             <a:ext uri="{C572A759-6A51-4108-AA02-DFA0A04FC94B}">
-              <ma14:wrappingTextBoxFlag xmlns="" xmlns:ma14="http://schemas.microsoft.com/office/mac/drawingml/2011/main" val="1"/>
+              <ma14:wrappingTextBoxFlag xmlns:ma14="http://schemas.microsoft.com/office/mac/drawingml/2011/main" xmlns="" val="1"/>
             </a:ext>
           </a:extLst>
         </p:spPr>
@@ -24255,7 +23625,7 @@
           </a:ln>
           <a:extLst>
             <a:ext uri="{C572A759-6A51-4108-AA02-DFA0A04FC94B}">
-              <ma14:wrappingTextBoxFlag xmlns="" xmlns:ma14="http://schemas.microsoft.com/office/mac/drawingml/2011/main" val="1"/>
+              <ma14:wrappingTextBoxFlag xmlns:ma14="http://schemas.microsoft.com/office/mac/drawingml/2011/main" xmlns="" val="1"/>
             </a:ext>
           </a:extLst>
         </p:spPr>
@@ -24271,36 +23641,20 @@
               </a:lnSpc>
             </a:pPr>
             <a:r>
-              <a:rPr lang="en-US" dirty="0" err="1">
+              <a:rPr lang="en-US" dirty="0">
                 <a:solidFill>
                   <a:srgbClr val="000000"/>
                 </a:solidFill>
               </a:rPr>
-              <a:t>setkey</a:t>
-            </a:r>
-            <a:r>
-              <a:rPr lang="en-US" dirty="0">
+              <a:t>setkey(</a:t>
+            </a:r>
+            <a:r>
+              <a:rPr lang="en-US" b="0" dirty="0">
                 <a:solidFill>
                   <a:srgbClr val="000000"/>
                 </a:solidFill>
               </a:rPr>
-              <a:t>(</a:t>
-            </a:r>
-            <a:r>
-              <a:rPr lang="en-US" b="0" dirty="0" err="1">
-                <a:solidFill>
-                  <a:srgbClr val="000000"/>
-                </a:solidFill>
-              </a:rPr>
-              <a:t>dt</a:t>
-            </a:r>
-            <a:r>
-              <a:rPr lang="en-US" b="0" dirty="0">
-                <a:solidFill>
-                  <a:srgbClr val="000000"/>
-                </a:solidFill>
-              </a:rPr>
-              <a:t>, a,  b</a:t>
+              <a:t>dt, a,  b</a:t>
             </a:r>
             <a:r>
               <a:rPr lang="en-US" dirty="0">
@@ -24316,55 +23670,7 @@
                   <a:srgbClr val="000000"/>
                 </a:solidFill>
               </a:rPr>
-              <a:t> – set keys to enable fast repeated lookup in specified columns using “</a:t>
-            </a:r>
-            <a:r>
-              <a:rPr lang="en-US" b="0" dirty="0" err="1">
-                <a:solidFill>
-                  <a:srgbClr val="000000"/>
-                </a:solidFill>
-              </a:rPr>
-              <a:t>dt</a:t>
-            </a:r>
-            <a:r>
-              <a:rPr lang="en-US" b="0" dirty="0">
-                <a:solidFill>
-                  <a:srgbClr val="000000"/>
-                </a:solidFill>
-              </a:rPr>
-              <a:t>[.(value), ]” or for merging without specifying merging columns using “</a:t>
-            </a:r>
-            <a:r>
-              <a:rPr lang="en-US" b="0" dirty="0" err="1">
-                <a:solidFill>
-                  <a:srgbClr val="000000"/>
-                </a:solidFill>
-              </a:rPr>
-              <a:t>dt_a</a:t>
-            </a:r>
-            <a:r>
-              <a:rPr lang="en-US" b="0" dirty="0">
-                <a:solidFill>
-                  <a:srgbClr val="000000"/>
-                </a:solidFill>
-              </a:rPr>
-              <a:t>[</a:t>
-            </a:r>
-            <a:r>
-              <a:rPr lang="en-US" b="0" dirty="0" err="1">
-                <a:solidFill>
-                  <a:srgbClr val="000000"/>
-                </a:solidFill>
-              </a:rPr>
-              <a:t>dt_b</a:t>
-            </a:r>
-            <a:r>
-              <a:rPr lang="en-US" b="0" dirty="0">
-                <a:solidFill>
-                  <a:srgbClr val="000000"/>
-                </a:solidFill>
-              </a:rPr>
-              <a:t>]”.</a:t>
+              <a:t> – set keys to enable fast repeated lookup in specified columns using “dt[.(value), ]” or for merging without specifying merging columns using “dt_a[dt_b]”.</a:t>
             </a:r>
             <a:endParaRPr lang="en-US" dirty="0">
               <a:solidFill>
@@ -24446,7 +23752,7 @@
                 </a:solidFill>
               </a:defRPr>
             </a:pPr>
-            <a:endParaRPr/>
+            <a:endParaRPr dirty="0"/>
           </a:p>
         </p:txBody>
       </p:sp>
@@ -24469,7 +23775,7 @@
           </a:ln>
           <a:extLst>
             <a:ext uri="{C572A759-6A51-4108-AA02-DFA0A04FC94B}">
-              <ma14:wrappingTextBoxFlag xmlns="" xmlns:ma14="http://schemas.microsoft.com/office/mac/drawingml/2011/main" val="1"/>
+              <ma14:wrappingTextBoxFlag xmlns:ma14="http://schemas.microsoft.com/office/mac/drawingml/2011/main" xmlns="" val="1"/>
             </a:ext>
           </a:extLst>
         </p:spPr>
@@ -24533,7 +23839,7 @@
                 </a:solidFill>
               </a:defRPr>
             </a:pPr>
-            <a:endParaRPr/>
+            <a:endParaRPr dirty="0"/>
           </a:p>
         </p:txBody>
       </p:sp>
@@ -24556,7 +23862,7 @@
           </a:ln>
           <a:extLst>
             <a:ext uri="{C572A759-6A51-4108-AA02-DFA0A04FC94B}">
-              <ma14:wrappingTextBoxFlag xmlns="" xmlns:ma14="http://schemas.microsoft.com/office/mac/drawingml/2011/main" val="1"/>
+              <ma14:wrappingTextBoxFlag xmlns:ma14="http://schemas.microsoft.com/office/mac/drawingml/2011/main" xmlns="" val="1"/>
             </a:ext>
           </a:extLst>
         </p:spPr>
@@ -24662,7 +23968,7 @@
                 </a:solidFill>
               </a:defRPr>
             </a:pPr>
-            <a:endParaRPr/>
+            <a:endParaRPr dirty="0"/>
           </a:p>
         </p:txBody>
       </p:sp>
@@ -24709,7 +24015,7 @@
                 </a:solidFill>
               </a:defRPr>
             </a:pPr>
-            <a:endParaRPr/>
+            <a:endParaRPr dirty="0"/>
           </a:p>
         </p:txBody>
       </p:sp>
@@ -24761,7 +24067,7 @@
           </a:ln>
           <a:extLst>
             <a:ext uri="{C572A759-6A51-4108-AA02-DFA0A04FC94B}">
-              <ma14:wrappingTextBoxFlag xmlns="" xmlns:ma14="http://schemas.microsoft.com/office/mac/drawingml/2011/main" val="1"/>
+              <ma14:wrappingTextBoxFlag xmlns:ma14="http://schemas.microsoft.com/office/mac/drawingml/2011/main" xmlns="" val="1"/>
             </a:ext>
           </a:extLst>
         </p:spPr>
@@ -24777,36 +24083,20 @@
               </a:lnSpc>
             </a:pPr>
             <a:r>
-              <a:rPr lang="en-US" dirty="0" err="1">
+              <a:rPr lang="en-US" dirty="0">
                 <a:solidFill>
                   <a:srgbClr val="000000"/>
                 </a:solidFill>
               </a:rPr>
-              <a:t>dcast</a:t>
-            </a:r>
-            <a:r>
-              <a:rPr lang="en-US" dirty="0">
+              <a:t>dcast(</a:t>
+            </a:r>
+            <a:r>
+              <a:rPr lang="en-US" b="0" dirty="0">
                 <a:solidFill>
                   <a:srgbClr val="000000"/>
                 </a:solidFill>
               </a:rPr>
-              <a:t>(</a:t>
-            </a:r>
-            <a:r>
-              <a:rPr lang="en-US" b="0" dirty="0" err="1">
-                <a:solidFill>
-                  <a:srgbClr val="000000"/>
-                </a:solidFill>
-              </a:rPr>
-              <a:t>dt</a:t>
-            </a:r>
-            <a:r>
-              <a:rPr lang="en-US" b="0" dirty="0">
-                <a:solidFill>
-                  <a:srgbClr val="000000"/>
-                </a:solidFill>
-              </a:rPr>
-              <a:t>, </a:t>
+              <a:t>dt, </a:t>
             </a:r>
           </a:p>
           <a:p>
@@ -24836,23 +24126,7 @@
                   <a:srgbClr val="000000"/>
                 </a:solidFill>
               </a:rPr>
-              <a:t>              </a:t>
-            </a:r>
-            <a:r>
-              <a:rPr lang="en-US" b="0" dirty="0" err="1">
-                <a:solidFill>
-                  <a:srgbClr val="000000"/>
-                </a:solidFill>
-              </a:rPr>
-              <a:t>value.var</a:t>
-            </a:r>
-            <a:r>
-              <a:rPr lang="en-US" b="0" dirty="0">
-                <a:solidFill>
-                  <a:srgbClr val="000000"/>
-                </a:solidFill>
-              </a:rPr>
-              <a:t> = c("a", "b")</a:t>
+              <a:t>              value.var = c("a", "b")</a:t>
             </a:r>
             <a:r>
               <a:rPr lang="en-US" dirty="0">
@@ -24872,7 +24146,7 @@
           <p:nvPr>
             <p:extLst>
               <p:ext uri="{D42A27DB-BD31-4B8C-83A1-F6EECF244321}">
-                <p14:modId xmlns:p14="http://schemas.microsoft.com/office/powerpoint/2010/main" val="3054532518"/>
+                <p14:modId xmlns:p14="http://schemas.microsoft.com/office/powerpoint/2010/main" val="3903634120"/>
               </p:ext>
             </p:extLst>
           </p:nvPr>
@@ -25225,6 +24499,149 @@
                             <a:srgbClr val="212121"/>
                           </a:solidFill>
                         </a:rPr>
+                        <a:t>x</a:t>
+                      </a:r>
+                      <a:endParaRPr dirty="0">
+                        <a:solidFill>
+                          <a:srgbClr val="212121"/>
+                        </a:solidFill>
+                      </a:endParaRPr>
+                    </a:p>
+                  </a:txBody>
+                  <a:tcPr marL="0" marR="0" marT="0" marB="0" anchor="ctr" horzOverflow="overflow">
+                    <a:solidFill>
+                      <a:srgbClr val="F2CB8A"/>
+                    </a:solidFill>
+                  </a:tcPr>
+                </a:tc>
+                <a:tc>
+                  <a:txBody>
+                    <a:bodyPr/>
+                    <a:lstStyle/>
+                    <a:p>
+                      <a:pPr defTabSz="914400">
+                        <a:defRPr sz="1000">
+                          <a:latin typeface="Helvetica"/>
+                          <a:ea typeface="Helvetica"/>
+                          <a:cs typeface="Helvetica"/>
+                          <a:sym typeface="Helvetica"/>
+                        </a:defRPr>
+                      </a:pPr>
+                      <a:r>
+                        <a:rPr lang="da-DK" dirty="0">
+                          <a:solidFill>
+                            <a:srgbClr val="212121"/>
+                          </a:solidFill>
+                        </a:rPr>
+                        <a:t>1</a:t>
+                      </a:r>
+                      <a:endParaRPr dirty="0">
+                        <a:solidFill>
+                          <a:srgbClr val="212121"/>
+                        </a:solidFill>
+                      </a:endParaRPr>
+                    </a:p>
+                  </a:txBody>
+                  <a:tcPr marL="0" marR="0" marT="0" marB="0" anchor="ctr" horzOverflow="overflow">
+                    <a:solidFill>
+                      <a:srgbClr val="F2CB8A"/>
+                    </a:solidFill>
+                  </a:tcPr>
+                </a:tc>
+                <a:tc>
+                  <a:txBody>
+                    <a:bodyPr/>
+                    <a:lstStyle/>
+                    <a:p>
+                      <a:pPr defTabSz="914400">
+                        <a:defRPr sz="1000">
+                          <a:latin typeface="Helvetica"/>
+                          <a:ea typeface="Helvetica"/>
+                          <a:cs typeface="Helvetica"/>
+                          <a:sym typeface="Helvetica"/>
+                        </a:defRPr>
+                      </a:pPr>
+                      <a:r>
+                        <a:rPr lang="da-DK" dirty="0">
+                          <a:solidFill>
+                            <a:srgbClr val="212121"/>
+                          </a:solidFill>
+                        </a:rPr>
+                        <a:t>3</a:t>
+                      </a:r>
+                      <a:endParaRPr dirty="0">
+                        <a:solidFill>
+                          <a:srgbClr val="212121"/>
+                        </a:solidFill>
+                      </a:endParaRPr>
+                    </a:p>
+                  </a:txBody>
+                  <a:tcPr marL="0" marR="0" marT="0" marB="0" anchor="ctr" horzOverflow="overflow">
+                    <a:solidFill>
+                      <a:srgbClr val="F2CB8A"/>
+                    </a:solidFill>
+                  </a:tcPr>
+                </a:tc>
+                <a:extLst>
+                  <a:ext uri="{0D108BD9-81ED-4DB2-BD59-A6C34878D82A}">
+                    <a16:rowId xmlns:a16="http://schemas.microsoft.com/office/drawing/2014/main" val="10002"/>
+                  </a:ext>
+                </a:extLst>
+              </a:tr>
+              <a:tr h="114300">
+                <a:tc>
+                  <a:txBody>
+                    <a:bodyPr/>
+                    <a:lstStyle/>
+                    <a:p>
+                      <a:pPr defTabSz="914400">
+                        <a:defRPr sz="1000">
+                          <a:latin typeface="Helvetica"/>
+                          <a:ea typeface="Helvetica"/>
+                          <a:cs typeface="Helvetica"/>
+                          <a:sym typeface="Helvetica"/>
+                        </a:defRPr>
+                      </a:pPr>
+                      <a:r>
+                        <a:rPr lang="da-DK" dirty="0">
+                          <a:solidFill>
+                            <a:srgbClr val="212121"/>
+                          </a:solidFill>
+                        </a:rPr>
+                        <a:t>B</a:t>
+                      </a:r>
+                      <a:endParaRPr dirty="0">
+                        <a:solidFill>
+                          <a:srgbClr val="212121"/>
+                        </a:solidFill>
+                      </a:endParaRPr>
+                    </a:p>
+                  </a:txBody>
+                  <a:tcPr marL="0" marR="0" marT="0" marB="0" anchor="ctr" horzOverflow="overflow">
+                    <a:solidFill>
+                      <a:srgbClr val="D8D8D8"/>
+                    </a:solidFill>
+                  </a:tcPr>
+                </a:tc>
+                <a:tc>
+                  <a:txBody>
+                    <a:bodyPr/>
+                    <a:lstStyle/>
+                    <a:p>
+                      <a:pPr defTabSz="914400">
+                        <a:defRPr sz="1000">
+                          <a:latin typeface="Helvetica"/>
+                          <a:ea typeface="Helvetica"/>
+                          <a:cs typeface="Helvetica"/>
+                          <a:sym typeface="Helvetica"/>
+                        </a:defRPr>
+                      </a:pPr>
+                      <a:r>
+                        <a:rPr lang="da-DK" dirty="0">
+                          <a:solidFill>
+                            <a:srgbClr val="212121"/>
+                          </a:solidFill>
+                        </a:rPr>
                         <a:t>z</a:t>
                       </a:r>
                       <a:endParaRPr dirty="0">
@@ -25294,149 +24711,6 @@
                           </a:solidFill>
                         </a:rPr>
                         <a:t>4</a:t>
-                      </a:r>
-                      <a:endParaRPr dirty="0">
-                        <a:solidFill>
-                          <a:srgbClr val="212121"/>
-                        </a:solidFill>
-                      </a:endParaRPr>
-                    </a:p>
-                  </a:txBody>
-                  <a:tcPr marL="0" marR="0" marT="0" marB="0" anchor="ctr" horzOverflow="overflow">
-                    <a:solidFill>
-                      <a:srgbClr val="F2CB8A"/>
-                    </a:solidFill>
-                  </a:tcPr>
-                </a:tc>
-                <a:extLst>
-                  <a:ext uri="{0D108BD9-81ED-4DB2-BD59-A6C34878D82A}">
-                    <a16:rowId xmlns:a16="http://schemas.microsoft.com/office/drawing/2014/main" val="10002"/>
-                  </a:ext>
-                </a:extLst>
-              </a:tr>
-              <a:tr h="114300">
-                <a:tc>
-                  <a:txBody>
-                    <a:bodyPr/>
-                    <a:lstStyle/>
-                    <a:p>
-                      <a:pPr defTabSz="914400">
-                        <a:defRPr sz="1000">
-                          <a:latin typeface="Helvetica"/>
-                          <a:ea typeface="Helvetica"/>
-                          <a:cs typeface="Helvetica"/>
-                          <a:sym typeface="Helvetica"/>
-                        </a:defRPr>
-                      </a:pPr>
-                      <a:r>
-                        <a:rPr lang="da-DK" dirty="0">
-                          <a:solidFill>
-                            <a:srgbClr val="212121"/>
-                          </a:solidFill>
-                        </a:rPr>
-                        <a:t>B</a:t>
-                      </a:r>
-                      <a:endParaRPr dirty="0">
-                        <a:solidFill>
-                          <a:srgbClr val="212121"/>
-                        </a:solidFill>
-                      </a:endParaRPr>
-                    </a:p>
-                  </a:txBody>
-                  <a:tcPr marL="0" marR="0" marT="0" marB="0" anchor="ctr" horzOverflow="overflow">
-                    <a:solidFill>
-                      <a:srgbClr val="D8D8D8"/>
-                    </a:solidFill>
-                  </a:tcPr>
-                </a:tc>
-                <a:tc>
-                  <a:txBody>
-                    <a:bodyPr/>
-                    <a:lstStyle/>
-                    <a:p>
-                      <a:pPr defTabSz="914400">
-                        <a:defRPr sz="1000">
-                          <a:latin typeface="Helvetica"/>
-                          <a:ea typeface="Helvetica"/>
-                          <a:cs typeface="Helvetica"/>
-                          <a:sym typeface="Helvetica"/>
-                        </a:defRPr>
-                      </a:pPr>
-                      <a:r>
-                        <a:rPr lang="da-DK" dirty="0">
-                          <a:solidFill>
-                            <a:srgbClr val="212121"/>
-                          </a:solidFill>
-                        </a:rPr>
-                        <a:t>x</a:t>
-                      </a:r>
-                      <a:endParaRPr dirty="0">
-                        <a:solidFill>
-                          <a:srgbClr val="212121"/>
-                        </a:solidFill>
-                      </a:endParaRPr>
-                    </a:p>
-                  </a:txBody>
-                  <a:tcPr marL="0" marR="0" marT="0" marB="0" anchor="ctr" horzOverflow="overflow">
-                    <a:solidFill>
-                      <a:srgbClr val="F2CB8A"/>
-                    </a:solidFill>
-                  </a:tcPr>
-                </a:tc>
-                <a:tc>
-                  <a:txBody>
-                    <a:bodyPr/>
-                    <a:lstStyle/>
-                    <a:p>
-                      <a:pPr defTabSz="914400">
-                        <a:defRPr sz="1000">
-                          <a:latin typeface="Helvetica"/>
-                          <a:ea typeface="Helvetica"/>
-                          <a:cs typeface="Helvetica"/>
-                          <a:sym typeface="Helvetica"/>
-                        </a:defRPr>
-                      </a:pPr>
-                      <a:r>
-                        <a:rPr lang="da-DK" dirty="0">
-                          <a:solidFill>
-                            <a:srgbClr val="212121"/>
-                          </a:solidFill>
-                        </a:rPr>
-                        <a:t>1</a:t>
-                      </a:r>
-                      <a:endParaRPr dirty="0">
-                        <a:solidFill>
-                          <a:srgbClr val="212121"/>
-                        </a:solidFill>
-                      </a:endParaRPr>
-                    </a:p>
-                  </a:txBody>
-                  <a:tcPr marL="0" marR="0" marT="0" marB="0" anchor="ctr" horzOverflow="overflow">
-                    <a:solidFill>
-                      <a:srgbClr val="F2CB8A"/>
-                    </a:solidFill>
-                  </a:tcPr>
-                </a:tc>
-                <a:tc>
-                  <a:txBody>
-                    <a:bodyPr/>
-                    <a:lstStyle/>
-                    <a:p>
-                      <a:pPr defTabSz="914400">
-                        <a:defRPr sz="1000">
-                          <a:latin typeface="Helvetica"/>
-                          <a:ea typeface="Helvetica"/>
-                          <a:cs typeface="Helvetica"/>
-                          <a:sym typeface="Helvetica"/>
-                        </a:defRPr>
-                      </a:pPr>
-                      <a:r>
-                        <a:rPr lang="da-DK" dirty="0">
-                          <a:solidFill>
-                            <a:srgbClr val="212121"/>
-                          </a:solidFill>
-                        </a:rPr>
-                        <a:t>3</a:t>
                       </a:r>
                       <a:endParaRPr dirty="0">
                         <a:solidFill>
@@ -25780,7 +25054,7 @@
           </a:ln>
           <a:extLst>
             <a:ext uri="{C572A759-6A51-4108-AA02-DFA0A04FC94B}">
-              <ma14:wrappingTextBoxFlag xmlns="" xmlns:ma14="http://schemas.microsoft.com/office/mac/drawingml/2011/main" val="1"/>
+              <ma14:wrappingTextBoxFlag xmlns:ma14="http://schemas.microsoft.com/office/mac/drawingml/2011/main" xmlns="" val="1"/>
             </a:ext>
           </a:extLst>
         </p:spPr>
@@ -25853,7 +25127,7 @@
                 <a:sym typeface="Gill Sans"/>
               </a:defRPr>
             </a:pPr>
-            <a:endParaRPr/>
+            <a:endParaRPr dirty="0"/>
           </a:p>
         </p:txBody>
       </p:sp>
@@ -25876,7 +25150,7 @@
           </a:ln>
           <a:extLst>
             <a:ext uri="{C572A759-6A51-4108-AA02-DFA0A04FC94B}">
-              <ma14:wrappingTextBoxFlag xmlns="" xmlns:ma14="http://schemas.microsoft.com/office/mac/drawingml/2011/main" val="1"/>
+              <ma14:wrappingTextBoxFlag xmlns:ma14="http://schemas.microsoft.com/office/mac/drawingml/2011/main" xmlns="" val="1"/>
             </a:ext>
           </a:extLst>
         </p:spPr>
@@ -25892,36 +25166,20 @@
               </a:lnSpc>
             </a:pPr>
             <a:r>
-              <a:rPr lang="en-US" dirty="0" err="1">
+              <a:rPr lang="en-US" dirty="0">
                 <a:solidFill>
                   <a:srgbClr val="000000"/>
                 </a:solidFill>
               </a:rPr>
-              <a:t>setnames</a:t>
-            </a:r>
-            <a:r>
-              <a:rPr lang="en-US" dirty="0">
+              <a:t>setnames(</a:t>
+            </a:r>
+            <a:r>
+              <a:rPr lang="en-US" b="0" dirty="0">
                 <a:solidFill>
                   <a:srgbClr val="000000"/>
                 </a:solidFill>
               </a:rPr>
-              <a:t>(</a:t>
-            </a:r>
-            <a:r>
-              <a:rPr lang="en-US" b="0" dirty="0" err="1">
-                <a:solidFill>
-                  <a:srgbClr val="000000"/>
-                </a:solidFill>
-              </a:rPr>
-              <a:t>dt</a:t>
-            </a:r>
-            <a:r>
-              <a:rPr lang="en-US" b="0" dirty="0">
-                <a:solidFill>
-                  <a:srgbClr val="000000"/>
-                </a:solidFill>
-              </a:rPr>
-              <a:t>, c("a",</a:t>
+              <a:t>dt, c("a",</a:t>
             </a:r>
             <a:r>
               <a:rPr lang="en-US" b="0" dirty="0">
@@ -26326,7 +25584,7 @@
                 <a:sym typeface="Gill Sans"/>
               </a:defRPr>
             </a:pPr>
-            <a:endParaRPr/>
+            <a:endParaRPr dirty="0"/>
           </a:p>
         </p:txBody>
       </p:sp>
@@ -26617,7 +25875,7 @@
                 </a:solidFill>
               </a:defRPr>
             </a:pPr>
-            <a:endParaRPr/>
+            <a:endParaRPr dirty="0"/>
           </a:p>
         </p:txBody>
       </p:sp>
@@ -27183,8 +26441,8 @@
         </p:nvSpPr>
         <p:spPr>
           <a:xfrm>
-            <a:off x="6839374" y="7071126"/>
-            <a:ext cx="2732791" cy="933589"/>
+            <a:off x="6879558" y="6889551"/>
+            <a:ext cx="2677971" cy="714042"/>
           </a:xfrm>
           <a:prstGeom prst="rect">
             <a:avLst/>
@@ -27194,7 +26452,7 @@
           </a:ln>
           <a:extLst>
             <a:ext uri="{C572A759-6A51-4108-AA02-DFA0A04FC94B}">
-              <ma14:wrappingTextBoxFlag xmlns="" xmlns:ma14="http://schemas.microsoft.com/office/mac/drawingml/2011/main" val="1"/>
+              <ma14:wrappingTextBoxFlag xmlns:ma14="http://schemas.microsoft.com/office/mac/drawingml/2011/main" xmlns="" val="1"/>
             </a:ext>
           </a:extLst>
         </p:spPr>
@@ -27218,20 +26476,12 @@
               <a:t>melt(</a:t>
             </a:r>
             <a:r>
-              <a:rPr lang="en-US" b="0" dirty="0" err="1">
+              <a:rPr lang="en-US" b="0" dirty="0">
                 <a:solidFill>
                   <a:srgbClr val="000000"/>
                 </a:solidFill>
               </a:rPr>
-              <a:t>dt</a:t>
-            </a:r>
-            <a:r>
-              <a:rPr lang="en-US" b="0" dirty="0">
-                <a:solidFill>
-                  <a:srgbClr val="000000"/>
-                </a:solidFill>
-              </a:rPr>
-              <a:t>, </a:t>
+              <a:t>dt,</a:t>
             </a:r>
           </a:p>
           <a:p>
@@ -27246,23 +26496,7 @@
                   <a:srgbClr val="000000"/>
                 </a:solidFill>
               </a:rPr>
-              <a:t>            </a:t>
-            </a:r>
-            <a:r>
-              <a:rPr lang="en-US" b="0" dirty="0" err="1">
-                <a:solidFill>
-                  <a:srgbClr val="000000"/>
-                </a:solidFill>
-              </a:rPr>
-              <a:t>id.vars</a:t>
-            </a:r>
-            <a:r>
-              <a:rPr lang="en-US" b="0" dirty="0">
-                <a:solidFill>
-                  <a:srgbClr val="000000"/>
-                </a:solidFill>
-              </a:rPr>
-              <a:t> = c("id"), </a:t>
+              <a:t>            measure.vars = measure ( </a:t>
             </a:r>
           </a:p>
           <a:p>
@@ -27277,23 +26511,7 @@
                   <a:srgbClr val="000000"/>
                 </a:solidFill>
               </a:rPr>
-              <a:t>            </a:t>
-            </a:r>
-            <a:r>
-              <a:rPr lang="en-US" b="0" dirty="0" err="1">
-                <a:solidFill>
-                  <a:srgbClr val="000000"/>
-                </a:solidFill>
-              </a:rPr>
-              <a:t>measure.vars</a:t>
-            </a:r>
-            <a:r>
-              <a:rPr lang="en-US" b="0" dirty="0">
-                <a:solidFill>
-                  <a:srgbClr val="000000"/>
-                </a:solidFill>
-              </a:rPr>
-              <a:t> = patterns("^a", "^b"), </a:t>
+              <a:t>                value.name,  y, sep="_"))</a:t>
             </a:r>
           </a:p>
           <a:p>
@@ -27302,69 +26520,11 @@
                 <a:spcPct val="90000"/>
               </a:lnSpc>
             </a:pPr>
-            <a:r>
-              <a:rPr lang="en-US" b="0" dirty="0">
-                <a:solidFill>
-                  <a:srgbClr val="000000"/>
-                </a:solidFill>
-              </a:rPr>
-              <a:t>            </a:t>
-            </a:r>
-            <a:r>
-              <a:rPr lang="en-US" b="0" dirty="0" err="1">
-                <a:solidFill>
-                  <a:srgbClr val="000000"/>
-                </a:solidFill>
-              </a:rPr>
-              <a:t>variable.name</a:t>
-            </a:r>
-            <a:r>
-              <a:rPr lang="en-US" b="0" dirty="0">
-                <a:solidFill>
-                  <a:srgbClr val="000000"/>
-                </a:solidFill>
-              </a:rPr>
-              <a:t> = "y",</a:t>
-            </a:r>
-          </a:p>
-          <a:p>
-            <a:pPr lvl="1" indent="0">
-              <a:lnSpc>
-                <a:spcPct val="90000"/>
-              </a:lnSpc>
-            </a:pPr>
-            <a:r>
-              <a:rPr lang="en-US" b="0" dirty="0">
-                <a:solidFill>
-                  <a:srgbClr val="000000"/>
-                </a:solidFill>
-              </a:rPr>
-              <a:t>            </a:t>
-            </a:r>
-            <a:r>
-              <a:rPr lang="en-US" b="0" dirty="0" err="1">
-                <a:solidFill>
-                  <a:srgbClr val="000000"/>
-                </a:solidFill>
-              </a:rPr>
-              <a:t>value.name</a:t>
-            </a:r>
-            <a:r>
-              <a:rPr lang="en-US" b="0" dirty="0">
-                <a:solidFill>
-                  <a:srgbClr val="000000"/>
-                </a:solidFill>
-              </a:rPr>
-              <a:t> = c("a", "b")</a:t>
-            </a:r>
-            <a:r>
-              <a:rPr lang="en-US" dirty="0">
-                <a:solidFill>
-                  <a:srgbClr val="000000"/>
-                </a:solidFill>
-              </a:rPr>
-              <a:t>)</a:t>
-            </a:r>
+            <a:endParaRPr lang="en-US" sz="1000" b="0" dirty="0">
+              <a:solidFill>
+                <a:srgbClr val="000000"/>
+              </a:solidFill>
+            </a:endParaRPr>
           </a:p>
         </p:txBody>
       </p:sp>
@@ -27387,7 +26547,7 @@
           </a:ln>
           <a:extLst>
             <a:ext uri="{C572A759-6A51-4108-AA02-DFA0A04FC94B}">
-              <ma14:wrappingTextBoxFlag xmlns="" xmlns:ma14="http://schemas.microsoft.com/office/mac/drawingml/2011/main" val="1"/>
+              <ma14:wrappingTextBoxFlag xmlns:ma14="http://schemas.microsoft.com/office/mac/drawingml/2011/main" xmlns="" val="1"/>
             </a:ext>
           </a:extLst>
         </p:spPr>
@@ -27427,13 +26587,13 @@
           <p:nvPr>
             <p:extLst>
               <p:ext uri="{D42A27DB-BD31-4B8C-83A1-F6EECF244321}">
-                <p14:modId xmlns:p14="http://schemas.microsoft.com/office/powerpoint/2010/main" val="591925707"/>
+                <p14:modId xmlns:p14="http://schemas.microsoft.com/office/powerpoint/2010/main" val="4066342989"/>
               </p:ext>
             </p:extLst>
           </p:nvPr>
         </p:nvGraphicFramePr>
         <p:xfrm>
-          <a:off x="6126604" y="7071126"/>
+          <a:off x="6107996" y="6955205"/>
           <a:ext cx="619200" cy="762000"/>
         </p:xfrm>
         <a:graphic>
@@ -27450,14 +26610,14 @@
                     </a:ext>
                   </a:extLst>
                 </a:gridCol>
-                <a:gridCol w="154800">
+                <a:gridCol w="138004">
                   <a:extLst>
                     <a:ext uri="{9D8B030D-6E8A-4147-A177-3AD203B41FA5}">
                       <a16:colId xmlns:a16="http://schemas.microsoft.com/office/drawing/2014/main" val="20001"/>
                     </a:ext>
                   </a:extLst>
                 </a:gridCol>
-                <a:gridCol w="154800">
+                <a:gridCol w="171596">
                   <a:extLst>
                     <a:ext uri="{9D8B030D-6E8A-4147-A177-3AD203B41FA5}">
                       <a16:colId xmlns:a16="http://schemas.microsoft.com/office/drawing/2014/main" val="20002"/>
@@ -27632,12 +26792,12 @@
                         </a:defRPr>
                       </a:pPr>
                       <a:r>
-                        <a:rPr lang="da-DK" dirty="0">
+                        <a:rPr lang="es-ES" dirty="0">
                           <a:solidFill>
                             <a:srgbClr val="212121"/>
                           </a:solidFill>
                         </a:rPr>
-                        <a:t>1</a:t>
+                        <a:t>x</a:t>
                       </a:r>
                       <a:endParaRPr dirty="0">
                         <a:solidFill>
@@ -27766,7 +26926,21 @@
                     <a:bodyPr/>
                     <a:lstStyle/>
                     <a:p>
-                      <a:pPr defTabSz="914400">
+                      <a:pPr marL="0" marR="0" lvl="0" indent="0" algn="ctr" defTabSz="914400" rtl="0" eaLnBrk="1" fontAlgn="auto" latinLnBrk="0" hangingPunct="1">
+                        <a:lnSpc>
+                          <a:spcPct val="100000"/>
+                        </a:lnSpc>
+                        <a:spcBef>
+                          <a:spcPts val="0"/>
+                        </a:spcBef>
+                        <a:spcAft>
+                          <a:spcPts val="0"/>
+                        </a:spcAft>
+                        <a:buClrTx/>
+                        <a:buSzTx/>
+                        <a:buFontTx/>
+                        <a:buNone/>
+                        <a:tabLst/>
                         <a:defRPr sz="1000">
                           <a:latin typeface="Helvetica"/>
                           <a:ea typeface="Helvetica"/>
@@ -27775,18 +26949,13 @@
                         </a:defRPr>
                       </a:pPr>
                       <a:r>
-                        <a:rPr lang="da-DK" dirty="0">
+                        <a:rPr lang="es-ES" dirty="0">
                           <a:solidFill>
                             <a:srgbClr val="212121"/>
                           </a:solidFill>
                         </a:rPr>
-                        <a:t>1</a:t>
+                        <a:t>x</a:t>
                       </a:r>
-                      <a:endParaRPr dirty="0">
-                        <a:solidFill>
-                          <a:srgbClr val="212121"/>
-                        </a:solidFill>
-                      </a:endParaRPr>
                     </a:p>
                   </a:txBody>
                   <a:tcPr marL="0" marR="0" marT="0" marB="0" anchor="ctr" horzOverflow="overflow">
@@ -27809,7 +26978,7 @@
                         </a:defRPr>
                       </a:pPr>
                       <a:r>
-                        <a:rPr lang="da-DK" dirty="0">
+                        <a:rPr lang="es-ES" dirty="0">
                           <a:solidFill>
                             <a:srgbClr val="212121"/>
                           </a:solidFill>
@@ -27909,6 +27078,49 @@
                     <a:bodyPr/>
                     <a:lstStyle/>
                     <a:p>
+                      <a:pPr marL="0" marR="0" lvl="0" indent="0" algn="ctr" defTabSz="914400" rtl="0" eaLnBrk="1" fontAlgn="auto" latinLnBrk="0" hangingPunct="1">
+                        <a:lnSpc>
+                          <a:spcPct val="100000"/>
+                        </a:lnSpc>
+                        <a:spcBef>
+                          <a:spcPts val="0"/>
+                        </a:spcBef>
+                        <a:spcAft>
+                          <a:spcPts val="0"/>
+                        </a:spcAft>
+                        <a:buClrTx/>
+                        <a:buSzTx/>
+                        <a:buFontTx/>
+                        <a:buNone/>
+                        <a:tabLst/>
+                        <a:defRPr sz="1000">
+                          <a:latin typeface="Helvetica"/>
+                          <a:ea typeface="Helvetica"/>
+                          <a:cs typeface="Helvetica"/>
+                          <a:sym typeface="Helvetica"/>
+                        </a:defRPr>
+                      </a:pPr>
+                      <a:r>
+                        <a:rPr lang="da-DK" dirty="0">
+                          <a:solidFill>
+                            <a:srgbClr val="212121"/>
+                          </a:solidFill>
+                        </a:rPr>
+                        <a:t>z</a:t>
+                      </a:r>
+                    </a:p>
+                  </a:txBody>
+                  <a:tcPr marL="0" marR="0" marT="0" marB="0" anchor="ctr" horzOverflow="overflow">
+                    <a:solidFill>
+                      <a:srgbClr val="F2CB8A"/>
+                    </a:solidFill>
+                  </a:tcPr>
+                </a:tc>
+                <a:tc>
+                  <a:txBody>
+                    <a:bodyPr/>
+                    <a:lstStyle/>
+                    <a:p>
                       <a:pPr defTabSz="914400">
                         <a:defRPr sz="1000">
                           <a:latin typeface="Helvetica"/>
@@ -27957,40 +27169,6 @@
                             <a:srgbClr val="212121"/>
                           </a:solidFill>
                         </a:rPr>
-                        <a:t>2</a:t>
-                      </a:r>
-                      <a:endParaRPr dirty="0">
-                        <a:solidFill>
-                          <a:srgbClr val="212121"/>
-                        </a:solidFill>
-                      </a:endParaRPr>
-                    </a:p>
-                  </a:txBody>
-                  <a:tcPr marL="0" marR="0" marT="0" marB="0" anchor="ctr" horzOverflow="overflow">
-                    <a:solidFill>
-                      <a:srgbClr val="F2CB8A"/>
-                    </a:solidFill>
-                  </a:tcPr>
-                </a:tc>
-                <a:tc>
-                  <a:txBody>
-                    <a:bodyPr/>
-                    <a:lstStyle/>
-                    <a:p>
-                      <a:pPr defTabSz="914400">
-                        <a:defRPr sz="1000">
-                          <a:latin typeface="Helvetica"/>
-                          <a:ea typeface="Helvetica"/>
-                          <a:cs typeface="Helvetica"/>
-                          <a:sym typeface="Helvetica"/>
-                        </a:defRPr>
-                      </a:pPr>
-                      <a:r>
-                        <a:rPr lang="da-DK" dirty="0">
-                          <a:solidFill>
-                            <a:srgbClr val="212121"/>
-                          </a:solidFill>
-                        </a:rPr>
                         <a:t>4</a:t>
                       </a:r>
                       <a:endParaRPr dirty="0">
@@ -28061,12 +27239,12 @@
                         </a:defRPr>
                       </a:pPr>
                       <a:r>
-                        <a:rPr lang="da-DK" dirty="0">
+                        <a:rPr lang="es-ES" b="0" dirty="0">
                           <a:solidFill>
-                            <a:srgbClr val="212121"/>
+                            <a:srgbClr val="000000"/>
                           </a:solidFill>
                         </a:rPr>
-                        <a:t>2</a:t>
+                        <a:t>z</a:t>
                       </a:r>
                       <a:endParaRPr dirty="0">
                         <a:solidFill>
@@ -28167,7 +27345,7 @@
         </p:nvSpPr>
         <p:spPr>
           <a:xfrm>
-            <a:off x="5957927" y="7233471"/>
+            <a:off x="5957051" y="7181083"/>
             <a:ext cx="136800" cy="0"/>
           </a:xfrm>
           <a:prstGeom prst="line">
@@ -28209,7 +27387,7 @@
                 <a:sym typeface="Gill Sans"/>
               </a:defRPr>
             </a:pPr>
-            <a:endParaRPr/>
+            <a:endParaRPr dirty="0"/>
           </a:p>
         </p:txBody>
       </p:sp>
@@ -28220,14 +27398,14 @@
           <p:nvPr>
             <p:extLst>
               <p:ext uri="{D42A27DB-BD31-4B8C-83A1-F6EECF244321}">
-                <p14:modId xmlns:p14="http://schemas.microsoft.com/office/powerpoint/2010/main" val="316641333"/>
+                <p14:modId xmlns:p14="http://schemas.microsoft.com/office/powerpoint/2010/main" val="44970439"/>
               </p:ext>
             </p:extLst>
           </p:nvPr>
         </p:nvGraphicFramePr>
         <p:xfrm>
-          <a:off x="4812083" y="7071126"/>
-          <a:ext cx="1128712" cy="457200"/>
+          <a:off x="4807879" y="7004996"/>
+          <a:ext cx="1168997" cy="512073"/>
         </p:xfrm>
         <a:graphic>
           <a:graphicData uri="http://schemas.openxmlformats.org/drawingml/2006/table">
@@ -28236,35 +27414,35 @@
                 <a:tableStyleId>{33BA23B1-9221-436E-865A-0063620EA4FD}</a:tableStyleId>
               </a:tblPr>
               <a:tblGrid>
-                <a:gridCol w="147638">
+                <a:gridCol w="150314">
                   <a:extLst>
                     <a:ext uri="{9D8B030D-6E8A-4147-A177-3AD203B41FA5}">
                       <a16:colId xmlns:a16="http://schemas.microsoft.com/office/drawing/2014/main" val="20000"/>
                     </a:ext>
                   </a:extLst>
                 </a:gridCol>
-                <a:gridCol w="244475">
+                <a:gridCol w="258762">
                   <a:extLst>
                     <a:ext uri="{9D8B030D-6E8A-4147-A177-3AD203B41FA5}">
                       <a16:colId xmlns:a16="http://schemas.microsoft.com/office/drawing/2014/main" val="20001"/>
                     </a:ext>
                   </a:extLst>
                 </a:gridCol>
-                <a:gridCol w="238125">
+                <a:gridCol w="252412">
                   <a:extLst>
                     <a:ext uri="{9D8B030D-6E8A-4147-A177-3AD203B41FA5}">
                       <a16:colId xmlns:a16="http://schemas.microsoft.com/office/drawing/2014/main" val="20002"/>
                     </a:ext>
                   </a:extLst>
                 </a:gridCol>
-                <a:gridCol w="252412">
+                <a:gridCol w="256987">
                   <a:extLst>
                     <a:ext uri="{9D8B030D-6E8A-4147-A177-3AD203B41FA5}">
                       <a16:colId xmlns:a16="http://schemas.microsoft.com/office/drawing/2014/main" val="20003"/>
                     </a:ext>
                   </a:extLst>
                 </a:gridCol>
-                <a:gridCol w="246062">
+                <a:gridCol w="250522">
                   <a:extLst>
                     <a:ext uri="{9D8B030D-6E8A-4147-A177-3AD203B41FA5}">
                       <a16:colId xmlns:a16="http://schemas.microsoft.com/office/drawing/2014/main" val="20004"/>
@@ -28272,7 +27450,7 @@
                   </a:extLst>
                 </a:gridCol>
               </a:tblGrid>
-              <a:tr h="114300">
+              <a:tr h="170691">
                 <a:tc>
                   <a:txBody>
                     <a:bodyPr/>
@@ -28313,7 +27491,7 @@
                         </a:defRPr>
                       </a:pPr>
                       <a:r>
-                        <a:rPr lang="da-DK" dirty="0" err="1"/>
+                        <a:rPr lang="da-DK" dirty="0"/>
                         <a:t>a_x</a:t>
                       </a:r>
                       <a:endParaRPr dirty="0"/>
@@ -28339,7 +27517,7 @@
                         </a:defRPr>
                       </a:pPr>
                       <a:r>
-                        <a:rPr lang="da-DK" dirty="0" err="1"/>
+                        <a:rPr lang="da-DK" dirty="0"/>
                         <a:t>a_z</a:t>
                       </a:r>
                       <a:endParaRPr dirty="0"/>
@@ -28365,7 +27543,7 @@
                         </a:defRPr>
                       </a:pPr>
                       <a:r>
-                        <a:rPr lang="da-DK" dirty="0" err="1"/>
+                        <a:rPr lang="da-DK" dirty="0"/>
                         <a:t>b_x</a:t>
                       </a:r>
                       <a:endParaRPr dirty="0"/>
@@ -28409,7 +27587,7 @@
                   </a:ext>
                 </a:extLst>
               </a:tr>
-              <a:tr h="114300">
+              <a:tr h="170691">
                 <a:tc>
                   <a:txBody>
                     <a:bodyPr/>
@@ -28586,7 +27764,7 @@
                   </a:ext>
                 </a:extLst>
               </a:tr>
-              <a:tr h="114300">
+              <a:tr h="170691">
                 <a:tc>
                   <a:txBody>
                     <a:bodyPr/>
@@ -28775,7 +27953,7 @@
         </p:nvSpPr>
         <p:spPr>
           <a:xfrm>
-            <a:off x="4812083" y="8143827"/>
+            <a:off x="4786147" y="7709595"/>
             <a:ext cx="4717933" cy="276405"/>
           </a:xfrm>
           <a:prstGeom prst="rect">
@@ -28786,7 +27964,7 @@
           </a:ln>
           <a:extLst>
             <a:ext uri="{C572A759-6A51-4108-AA02-DFA0A04FC94B}">
-              <ma14:wrappingTextBoxFlag xmlns="" xmlns:ma14="http://schemas.microsoft.com/office/mac/drawingml/2011/main" val="1"/>
+              <ma14:wrappingTextBoxFlag xmlns:ma14="http://schemas.microsoft.com/office/mac/drawingml/2011/main" xmlns="" val="1"/>
             </a:ext>
           </a:extLst>
         </p:spPr>
@@ -28855,7 +28033,7 @@
                 </a:solidFill>
               </a:defRPr>
             </a:pPr>
-            <a:endParaRPr/>
+            <a:endParaRPr dirty="0"/>
           </a:p>
         </p:txBody>
       </p:sp>
@@ -28878,7 +28056,7 @@
           </a:ln>
           <a:extLst>
             <a:ext uri="{C572A759-6A51-4108-AA02-DFA0A04FC94B}">
-              <ma14:wrappingTextBoxFlag xmlns="" xmlns:ma14="http://schemas.microsoft.com/office/mac/drawingml/2011/main" val="1"/>
+              <ma14:wrappingTextBoxFlag xmlns:ma14="http://schemas.microsoft.com/office/mac/drawingml/2011/main" xmlns="" val="1"/>
             </a:ext>
           </a:extLst>
         </p:spPr>
@@ -28927,7 +28105,7 @@
           <p:nvPr>
             <p:extLst>
               <p:ext uri="{D42A27DB-BD31-4B8C-83A1-F6EECF244321}">
-                <p14:modId xmlns:p14="http://schemas.microsoft.com/office/powerpoint/2010/main" val="3872133793"/>
+                <p14:modId xmlns:p14="http://schemas.microsoft.com/office/powerpoint/2010/main" val="1062893479"/>
               </p:ext>
             </p:extLst>
           </p:nvPr>
@@ -28973,7 +28151,7 @@
                         </a:spcBef>
                       </a:pPr>
                       <a:r>
-                        <a:rPr lang="en-US" sz="1200" b="0" dirty="0" err="1">
+                        <a:rPr lang="en-US" sz="1200" b="0" dirty="0">
                           <a:solidFill>
                             <a:srgbClr val="5B6167"/>
                           </a:solidFill>
@@ -29068,27 +28246,7 @@
                           <a:latin typeface="Source Sans Pro" panose="020B0503030403020204" pitchFamily="34" charset="0"/>
                           <a:ea typeface="Source Sans Pro" panose="020B0503030403020204" pitchFamily="34" charset="0"/>
                         </a:rPr>
-                        <a:t>A </a:t>
-                      </a:r>
-                      <a:r>
-                        <a:rPr lang="en-US" sz="1200" b="0" dirty="0" err="1">
-                          <a:solidFill>
-                            <a:srgbClr val="5B6167"/>
-                          </a:solidFill>
-                          <a:latin typeface="Source Sans Pro" panose="020B0503030403020204" pitchFamily="34" charset="0"/>
-                          <a:ea typeface="Source Sans Pro" panose="020B0503030403020204" pitchFamily="34" charset="0"/>
-                        </a:rPr>
-                        <a:t>data.table</a:t>
-                      </a:r>
-                      <a:r>
-                        <a:rPr lang="en-US" sz="1200" b="0" dirty="0">
-                          <a:solidFill>
-                            <a:srgbClr val="5B6167"/>
-                          </a:solidFill>
-                          <a:latin typeface="Source Sans Pro" panose="020B0503030403020204" pitchFamily="34" charset="0"/>
-                          <a:ea typeface="Source Sans Pro" panose="020B0503030403020204" pitchFamily="34" charset="0"/>
-                        </a:rPr>
-                        <a:t>.</a:t>
+                        <a:t>A data.table.</a:t>
                       </a:r>
                       <a:endParaRPr lang="da-DK" sz="1200" dirty="0">
                         <a:solidFill>
@@ -29334,7 +28492,7 @@
                         </a:spcBef>
                       </a:pPr>
                       <a:r>
-                        <a:rPr lang="en-US" sz="1200" b="0" dirty="0" err="1">
+                        <a:rPr lang="en-US" sz="1200" b="0" dirty="0">
                           <a:solidFill>
                             <a:srgbClr val="5B6167"/>
                           </a:solidFill>
@@ -29512,14 +28670,14 @@
           <p:nvPr>
             <p:extLst>
               <p:ext uri="{D42A27DB-BD31-4B8C-83A1-F6EECF244321}">
-                <p14:modId xmlns:p14="http://schemas.microsoft.com/office/powerpoint/2010/main" val="774084040"/>
+                <p14:modId xmlns:p14="http://schemas.microsoft.com/office/powerpoint/2010/main" val="165111407"/>
               </p:ext>
             </p:extLst>
           </p:nvPr>
         </p:nvGraphicFramePr>
         <p:xfrm>
-          <a:off x="4812083" y="8445836"/>
-          <a:ext cx="4571860" cy="987552"/>
+          <a:off x="4786147" y="7935050"/>
+          <a:ext cx="4566432" cy="2482088"/>
         </p:xfrm>
         <a:graphic>
           <a:graphicData uri="http://schemas.openxmlformats.org/drawingml/2006/table">
@@ -29528,14 +28686,14 @@
                 <a:tableStyleId>{5940675A-B579-460E-94D1-54222C63F5DA}</a:tableStyleId>
               </a:tblPr>
               <a:tblGrid>
-                <a:gridCol w="1082271">
+                <a:gridCol w="1001739">
                   <a:extLst>
                     <a:ext uri="{9D8B030D-6E8A-4147-A177-3AD203B41FA5}">
                       <a16:colId xmlns:a16="http://schemas.microsoft.com/office/drawing/2014/main" val="985492433"/>
                     </a:ext>
                   </a:extLst>
                 </a:gridCol>
-                <a:gridCol w="3489589">
+                <a:gridCol w="3564693">
                   <a:extLst>
                     <a:ext uri="{9D8B030D-6E8A-4147-A177-3AD203B41FA5}">
                       <a16:colId xmlns:a16="http://schemas.microsoft.com/office/drawing/2014/main" val="1441745969"/>
@@ -29543,7 +28701,7 @@
                   </a:extLst>
                 </a:gridCol>
               </a:tblGrid>
-              <a:tr h="134928">
+              <a:tr h="152759">
                 <a:tc>
                   <a:txBody>
                     <a:bodyPr/>
@@ -29558,7 +28716,7 @@
                         </a:spcBef>
                       </a:pPr>
                       <a:r>
-                        <a:rPr lang="en-US" sz="1200" b="0" dirty="0" err="1">
+                        <a:rPr lang="en-US" sz="1200" b="0" dirty="0">
                           <a:solidFill>
                             <a:srgbClr val="5B6167"/>
                           </a:solidFill>
@@ -29653,27 +28811,7 @@
                           <a:latin typeface="Source Sans Pro" panose="020B0503030403020204" pitchFamily="34" charset="0"/>
                           <a:ea typeface="Source Sans Pro" panose="020B0503030403020204" pitchFamily="34" charset="0"/>
                         </a:rPr>
-                        <a:t>A </a:t>
-                      </a:r>
-                      <a:r>
-                        <a:rPr lang="en-US" sz="1200" b="0" dirty="0" err="1">
-                          <a:solidFill>
-                            <a:srgbClr val="5B6167"/>
-                          </a:solidFill>
-                          <a:latin typeface="Source Sans Pro" panose="020B0503030403020204" pitchFamily="34" charset="0"/>
-                          <a:ea typeface="Source Sans Pro" panose="020B0503030403020204" pitchFamily="34" charset="0"/>
-                        </a:rPr>
-                        <a:t>data.table</a:t>
-                      </a:r>
-                      <a:r>
-                        <a:rPr lang="en-US" sz="1200" b="0" dirty="0">
-                          <a:solidFill>
-                            <a:srgbClr val="5B6167"/>
-                          </a:solidFill>
-                          <a:latin typeface="Source Sans Pro" panose="020B0503030403020204" pitchFamily="34" charset="0"/>
-                          <a:ea typeface="Source Sans Pro" panose="020B0503030403020204" pitchFamily="34" charset="0"/>
-                        </a:rPr>
-                        <a:t>.</a:t>
+                        <a:t>A data.table.</a:t>
                       </a:r>
                       <a:endParaRPr lang="en-US" sz="1200" dirty="0">
                         <a:solidFill>
@@ -29737,7 +28875,7 @@
                   </a:ext>
                 </a:extLst>
               </a:tr>
-              <a:tr h="115720">
+              <a:tr h="1187182">
                 <a:tc>
                   <a:txBody>
                     <a:bodyPr/>
@@ -29752,36 +28890,137 @@
                         </a:spcBef>
                       </a:pPr>
                       <a:r>
-                        <a:rPr lang="en-US" sz="1200" b="0" dirty="0" err="1">
+                        <a:rPr lang="en-US" sz="1200" b="0" dirty="0">
                           <a:solidFill>
                             <a:srgbClr val="5B6167"/>
                           </a:solidFill>
                           <a:latin typeface="Source Sans Pro" panose="020B0503030403020204" pitchFamily="34" charset="0"/>
                           <a:ea typeface="Source Sans Pro" panose="020B0503030403020204" pitchFamily="34" charset="0"/>
                         </a:rPr>
-                        <a:t>id.</a:t>
+                        <a:t>measure.vars</a:t>
                       </a:r>
+                    </a:p>
+                    <a:p>
+                      <a:pPr algn="l">
+                        <a:lnSpc>
+                          <a:spcPct val="90000"/>
+                        </a:lnSpc>
+                        <a:spcBef>
+                          <a:spcPts val="200"/>
+                        </a:spcBef>
+                      </a:pPr>
+                      <a:endParaRPr lang="en-US" sz="1200" b="0" dirty="0">
+                        <a:solidFill>
+                          <a:srgbClr val="5B6167"/>
+                        </a:solidFill>
+                        <a:latin typeface="Source Sans Pro" panose="020B0503030403020204" pitchFamily="34" charset="0"/>
+                        <a:ea typeface="Source Sans Pro" panose="020B0503030403020204" pitchFamily="34" charset="0"/>
+                      </a:endParaRPr>
+                    </a:p>
+                    <a:p>
+                      <a:pPr marL="0" marR="0" lvl="0" indent="0" algn="l" defTabSz="584200" rtl="0" eaLnBrk="1" fontAlgn="auto" latinLnBrk="0" hangingPunct="1">
+                        <a:lnSpc>
+                          <a:spcPct val="90000"/>
+                        </a:lnSpc>
+                        <a:spcBef>
+                          <a:spcPts val="200"/>
+                        </a:spcBef>
+                        <a:spcAft>
+                          <a:spcPts val="0"/>
+                        </a:spcAft>
+                        <a:buClrTx/>
+                        <a:buSzTx/>
+                        <a:buFontTx/>
+                        <a:buNone/>
+                        <a:tabLst/>
+                        <a:defRPr/>
+                      </a:pPr>
                       <a:r>
-                        <a:rPr lang="en-US" sz="1200" b="0" err="1">
+                        <a:rPr lang="en-US" sz="1200" b="0" dirty="0">
                           <a:solidFill>
                             <a:srgbClr val="5B6167"/>
                           </a:solidFill>
                           <a:latin typeface="Source Sans Pro" panose="020B0503030403020204" pitchFamily="34" charset="0"/>
                           <a:ea typeface="Source Sans Pro" panose="020B0503030403020204" pitchFamily="34" charset="0"/>
                         </a:rPr>
-                        <a:t>vars</a:t>
+                        <a:t>id.vars</a:t>
                       </a:r>
+                    </a:p>
+                    <a:p>
+                      <a:pPr marL="0" marR="0" lvl="0" indent="0" algn="l" defTabSz="584200" rtl="0" eaLnBrk="1" fontAlgn="auto" latinLnBrk="0" hangingPunct="1">
+                        <a:lnSpc>
+                          <a:spcPct val="90000"/>
+                        </a:lnSpc>
+                        <a:spcBef>
+                          <a:spcPts val="200"/>
+                        </a:spcBef>
+                        <a:spcAft>
+                          <a:spcPts val="0"/>
+                        </a:spcAft>
+                        <a:buClrTx/>
+                        <a:buSzTx/>
+                        <a:buFontTx/>
+                        <a:buNone/>
+                        <a:tabLst/>
+                        <a:defRPr/>
+                      </a:pPr>
                       <a:r>
-                        <a:rPr lang="en-US" sz="1200" b="0">
+                        <a:rPr lang="en-US" sz="1200" b="0" dirty="0">
                           <a:solidFill>
                             <a:srgbClr val="5B6167"/>
                           </a:solidFill>
                           <a:latin typeface="Source Sans Pro" panose="020B0503030403020204" pitchFamily="34" charset="0"/>
                           <a:ea typeface="Source Sans Pro" panose="020B0503030403020204" pitchFamily="34" charset="0"/>
                         </a:rPr>
-                        <a:t> </a:t>
+                        <a:t>variable.name, value.name          </a:t>
+                      </a:r>
+                    </a:p>
+                    <a:p>
+                      <a:pPr marL="0" marR="0" lvl="0" indent="0" algn="l" defTabSz="584200" rtl="0" eaLnBrk="1" fontAlgn="auto" latinLnBrk="0" hangingPunct="1">
+                        <a:lnSpc>
+                          <a:spcPct val="90000"/>
+                        </a:lnSpc>
+                        <a:spcBef>
+                          <a:spcPts val="200"/>
+                        </a:spcBef>
+                        <a:spcAft>
+                          <a:spcPts val="0"/>
+                        </a:spcAft>
+                        <a:buClrTx/>
+                        <a:buSzTx/>
+                        <a:buFontTx/>
+                        <a:buNone/>
+                        <a:tabLst/>
+                        <a:defRPr/>
+                      </a:pPr>
+                      <a:r>
+                        <a:rPr lang="en-US" sz="1200" b="0" dirty="0">
+                          <a:solidFill>
+                            <a:srgbClr val="5B6167"/>
+                          </a:solidFill>
+                          <a:latin typeface="Source Sans Pro" panose="020B0503030403020204" pitchFamily="34" charset="0"/>
+                          <a:ea typeface="Source Sans Pro" panose="020B0503030403020204" pitchFamily="34" charset="0"/>
+                        </a:rPr>
+                        <a:t>  </a:t>
                       </a:r>
                       <a:endParaRPr lang="en-US" sz="1200" dirty="0">
+                        <a:solidFill>
+                          <a:srgbClr val="5B6167"/>
+                        </a:solidFill>
+                        <a:latin typeface="Source Sans Pro" panose="020B0503030403020204" pitchFamily="34" charset="0"/>
+                        <a:ea typeface="Source Sans Pro" panose="020B0503030403020204" pitchFamily="34" charset="0"/>
+                      </a:endParaRPr>
+                    </a:p>
+                    <a:p>
+                      <a:pPr algn="l">
+                        <a:lnSpc>
+                          <a:spcPct val="90000"/>
+                        </a:lnSpc>
+                        <a:spcBef>
+                          <a:spcPts val="200"/>
+                        </a:spcBef>
+                      </a:pPr>
+                      <a:endParaRPr lang="en-US" sz="1200" b="0" dirty="0">
                         <a:solidFill>
                           <a:srgbClr val="5B6167"/>
                         </a:solidFill>
@@ -29867,8 +29106,173 @@
                           <a:latin typeface="Source Sans Pro" panose="020B0503030403020204" pitchFamily="34" charset="0"/>
                           <a:ea typeface="Source Sans Pro" panose="020B0503030403020204" pitchFamily="34" charset="0"/>
                         </a:rPr>
-                        <a:t>ID columns with IDs for multiple entries.</a:t>
+                        <a:t>Columns containing values to fill into cells, </a:t>
                       </a:r>
+                      <a:br>
+                        <a:rPr lang="en-US" sz="1200" b="0" dirty="0">
+                          <a:solidFill>
+                            <a:srgbClr val="5B6167"/>
+                          </a:solidFill>
+                          <a:latin typeface="Source Sans Pro" panose="020B0503030403020204" pitchFamily="34" charset="0"/>
+                          <a:ea typeface="Source Sans Pro" panose="020B0503030403020204" pitchFamily="34" charset="0"/>
+                        </a:rPr>
+                      </a:br>
+                      <a:r>
+                        <a:rPr lang="en-US" sz="1200" b="0" dirty="0">
+                          <a:solidFill>
+                            <a:srgbClr val="5B6167"/>
+                          </a:solidFill>
+                          <a:latin typeface="Source Sans Pro" panose="020B0503030403020204" pitchFamily="34" charset="0"/>
+                          <a:ea typeface="Source Sans Pro" panose="020B0503030403020204" pitchFamily="34" charset="0"/>
+                        </a:rPr>
+                        <a:t>often using measure() or patterns ().</a:t>
+                      </a:r>
+                    </a:p>
+                    <a:p>
+                      <a:pPr marL="0" marR="0" lvl="0" indent="0" algn="l" defTabSz="584200" rtl="0" eaLnBrk="1" fontAlgn="auto" latinLnBrk="0" hangingPunct="1">
+                        <a:lnSpc>
+                          <a:spcPct val="90000"/>
+                        </a:lnSpc>
+                        <a:spcBef>
+                          <a:spcPts val="200"/>
+                        </a:spcBef>
+                        <a:spcAft>
+                          <a:spcPts val="0"/>
+                        </a:spcAft>
+                        <a:buClrTx/>
+                        <a:buSzTx/>
+                        <a:buFontTx/>
+                        <a:buNone/>
+                        <a:tabLst/>
+                        <a:defRPr/>
+                      </a:pPr>
+                      <a:r>
+                        <a:rPr lang="en-US" sz="1200" noProof="0" dirty="0">
+                          <a:solidFill>
+                            <a:srgbClr val="5B6167"/>
+                          </a:solidFill>
+                          <a:latin typeface="Source Sans Pro" panose="020B0503030403020204" pitchFamily="34" charset="0"/>
+                          <a:ea typeface="Source Sans Pro" panose="020B0503030403020204" pitchFamily="34" charset="0"/>
+                        </a:rPr>
+                        <a:t>Character vector of ID column names (optional). </a:t>
+                      </a:r>
+                    </a:p>
+                    <a:p>
+                      <a:pPr marL="0" marR="0" lvl="0" indent="0" algn="l" defTabSz="584200" rtl="0" eaLnBrk="1" fontAlgn="auto" latinLnBrk="0" hangingPunct="1">
+                        <a:lnSpc>
+                          <a:spcPct val="90000"/>
+                        </a:lnSpc>
+                        <a:spcBef>
+                          <a:spcPts val="200"/>
+                        </a:spcBef>
+                        <a:spcAft>
+                          <a:spcPts val="0"/>
+                        </a:spcAft>
+                        <a:buClrTx/>
+                        <a:buSzTx/>
+                        <a:buFontTx/>
+                        <a:buNone/>
+                        <a:tabLst/>
+                        <a:defRPr/>
+                      </a:pPr>
+                      <a:endParaRPr lang="en-US" sz="1200" noProof="0" dirty="0">
+                        <a:solidFill>
+                          <a:srgbClr val="5B6167"/>
+                        </a:solidFill>
+                        <a:latin typeface="Source Sans Pro" panose="020B0503030403020204" pitchFamily="34" charset="0"/>
+                        <a:ea typeface="Source Sans Pro" panose="020B0503030403020204" pitchFamily="34" charset="0"/>
+                      </a:endParaRPr>
+                    </a:p>
+                    <a:p>
+                      <a:pPr marL="0" marR="0" lvl="0" indent="0" algn="l" defTabSz="584200" rtl="0" eaLnBrk="1" fontAlgn="auto" latinLnBrk="0" hangingPunct="1">
+                        <a:lnSpc>
+                          <a:spcPct val="90000"/>
+                        </a:lnSpc>
+                        <a:spcBef>
+                          <a:spcPts val="200"/>
+                        </a:spcBef>
+                        <a:spcAft>
+                          <a:spcPts val="0"/>
+                        </a:spcAft>
+                        <a:buClrTx/>
+                        <a:buSzTx/>
+                        <a:buFontTx/>
+                        <a:buNone/>
+                        <a:tabLst/>
+                        <a:defRPr/>
+                      </a:pPr>
+                      <a:r>
+                        <a:rPr lang="en-US" sz="1200" noProof="0" dirty="0">
+                          <a:solidFill>
+                            <a:srgbClr val="5B6167"/>
+                          </a:solidFill>
+                          <a:latin typeface="Source Sans Pro" panose="020B0503030403020204" pitchFamily="34" charset="0"/>
+                          <a:ea typeface="Source Sans Pro" panose="020B0503030403020204" pitchFamily="34" charset="0"/>
+                        </a:rPr>
+                        <a:t> Names for output columns </a:t>
+                      </a:r>
+                      <a:r>
+                        <a:rPr lang="en-US" sz="1200" dirty="0">
+                          <a:solidFill>
+                            <a:srgbClr val="5B6167"/>
+                          </a:solidFill>
+                          <a:latin typeface="Source Sans Pro" panose="020B0503030403020204" pitchFamily="34" charset="0"/>
+                          <a:ea typeface="Source Sans Pro" panose="020B0503030403020204" pitchFamily="34" charset="0"/>
+                        </a:rPr>
+                        <a:t>(optional).</a:t>
+                      </a:r>
+                    </a:p>
+                    <a:p>
+                      <a:pPr marL="0" marR="0" lvl="0" indent="0" algn="l" defTabSz="584200" rtl="0" eaLnBrk="1" fontAlgn="auto" latinLnBrk="0" hangingPunct="1">
+                        <a:lnSpc>
+                          <a:spcPct val="90000"/>
+                        </a:lnSpc>
+                        <a:spcBef>
+                          <a:spcPts val="200"/>
+                        </a:spcBef>
+                        <a:spcAft>
+                          <a:spcPts val="0"/>
+                        </a:spcAft>
+                        <a:buClrTx/>
+                        <a:buSzTx/>
+                        <a:buFontTx/>
+                        <a:buNone/>
+                        <a:tabLst/>
+                        <a:defRPr/>
+                      </a:pPr>
+                      <a:endParaRPr lang="en-US" sz="1200" dirty="0">
+                        <a:solidFill>
+                          <a:srgbClr val="5B6167"/>
+                        </a:solidFill>
+                        <a:latin typeface="Source Sans Pro" panose="020B0503030403020204" pitchFamily="34" charset="0"/>
+                        <a:ea typeface="Source Sans Pro" panose="020B0503030403020204" pitchFamily="34" charset="0"/>
+                      </a:endParaRPr>
+                    </a:p>
+                    <a:p>
+                      <a:pPr marL="0" marR="0" lvl="0" indent="0" algn="l" defTabSz="584200" rtl="0" eaLnBrk="1" fontAlgn="auto" latinLnBrk="0" hangingPunct="1">
+                        <a:lnSpc>
+                          <a:spcPct val="90000"/>
+                        </a:lnSpc>
+                        <a:spcBef>
+                          <a:spcPts val="200"/>
+                        </a:spcBef>
+                        <a:spcAft>
+                          <a:spcPts val="0"/>
+                        </a:spcAft>
+                        <a:buClrTx/>
+                        <a:buSzTx/>
+                        <a:buFontTx/>
+                        <a:buNone/>
+                        <a:tabLst/>
+                        <a:defRPr/>
+                      </a:pPr>
+                      <a:endParaRPr lang="en-US" sz="1200" b="0" dirty="0">
+                        <a:solidFill>
+                          <a:srgbClr val="5B6167"/>
+                        </a:solidFill>
+                        <a:latin typeface="Source Sans Pro" panose="020B0503030403020204" pitchFamily="34" charset="0"/>
+                        <a:ea typeface="Source Sans Pro" panose="020B0503030403020204" pitchFamily="34" charset="0"/>
+                      </a:endParaRPr>
                     </a:p>
                   </a:txBody>
                   <a:tcPr marL="0" marR="0" marT="0" marB="0">
@@ -29924,7 +29328,7 @@
                   </a:ext>
                 </a:extLst>
               </a:tr>
-              <a:tr h="314832">
+              <a:tr h="154585">
                 <a:tc>
                   <a:txBody>
                     <a:bodyPr/>
@@ -29938,16 +29342,6 @@
                           <a:spcPts val="200"/>
                         </a:spcBef>
                       </a:pPr>
-                      <a:r>
-                        <a:rPr lang="en-US" sz="1200" b="0" dirty="0" err="1">
-                          <a:solidFill>
-                            <a:srgbClr val="5B6167"/>
-                          </a:solidFill>
-                          <a:latin typeface="Source Sans Pro" panose="020B0503030403020204" pitchFamily="34" charset="0"/>
-                          <a:ea typeface="Source Sans Pro" panose="020B0503030403020204" pitchFamily="34" charset="0"/>
-                        </a:rPr>
-                        <a:t>measure.vars</a:t>
-                      </a:r>
                       <a:endParaRPr lang="en-US" sz="1200" dirty="0">
                         <a:solidFill>
                           <a:srgbClr val="5B6167"/>
@@ -30026,26 +29420,13 @@
                         <a:tabLst/>
                         <a:defRPr/>
                       </a:pPr>
-                      <a:r>
-                        <a:rPr lang="en-US" sz="1200" noProof="0" dirty="0">
-                          <a:solidFill>
-                            <a:srgbClr val="5B6167"/>
-                          </a:solidFill>
-                          <a:latin typeface="Source Sans Pro" panose="020B0503030403020204" pitchFamily="34" charset="0"/>
-                          <a:ea typeface="Source Sans Pro" panose="020B0503030403020204" pitchFamily="34" charset="0"/>
-                        </a:rPr>
-                        <a:t>Columns containing values to fill into cells </a:t>
-                      </a:r>
-                      <a:r>
-                        <a:rPr lang="en-US" sz="1200" dirty="0">
-                          <a:solidFill>
-                            <a:srgbClr val="5B6167"/>
-                          </a:solidFill>
-                          <a:latin typeface="Source Sans Pro" panose="020B0503030403020204" pitchFamily="34" charset="0"/>
-                          <a:ea typeface="Source Sans Pro" panose="020B0503030403020204" pitchFamily="34" charset="0"/>
-                        </a:rPr>
-                        <a:t>(often in pattern form).</a:t>
-                      </a:r>
+                      <a:endParaRPr lang="en-US" sz="1200" dirty="0">
+                        <a:solidFill>
+                          <a:srgbClr val="5B6167"/>
+                        </a:solidFill>
+                        <a:latin typeface="Source Sans Pro" panose="020B0503030403020204" pitchFamily="34" charset="0"/>
+                        <a:ea typeface="Source Sans Pro" panose="020B0503030403020204" pitchFamily="34" charset="0"/>
+                      </a:endParaRPr>
                     </a:p>
                   </a:txBody>
                   <a:tcPr marL="0" marR="0" marT="0" marB="0">
@@ -30101,7 +29482,7 @@
                   </a:ext>
                 </a:extLst>
               </a:tr>
-              <a:tr h="314832">
+              <a:tr h="658183">
                 <a:tc>
                   <a:txBody>
                     <a:bodyPr/>
@@ -30115,17 +29496,7 @@
                           <a:spcPts val="200"/>
                         </a:spcBef>
                       </a:pPr>
-                      <a:r>
-                        <a:rPr lang="en-US" sz="1200" b="0" dirty="0" err="1">
-                          <a:solidFill>
-                            <a:srgbClr val="5B6167"/>
-                          </a:solidFill>
-                          <a:latin typeface="Source Sans Pro" panose="020B0503030403020204" pitchFamily="34" charset="0"/>
-                          <a:ea typeface="Source Sans Pro" panose="020B0503030403020204" pitchFamily="34" charset="0"/>
-                        </a:rPr>
-                        <a:t>variable.name</a:t>
-                      </a:r>
-                      <a:r>
+                      <a:br>
                         <a:rPr lang="en-US" sz="1200" b="0" dirty="0">
                           <a:solidFill>
                             <a:srgbClr val="5B6167"/>
@@ -30133,29 +29504,25 @@
                           <a:latin typeface="Source Sans Pro" panose="020B0503030403020204" pitchFamily="34" charset="0"/>
                           <a:ea typeface="Source Sans Pro" panose="020B0503030403020204" pitchFamily="34" charset="0"/>
                         </a:rPr>
-                        <a:t>, </a:t>
-                      </a:r>
-                      <a:r>
-                        <a:rPr lang="en-US" sz="1200" b="0" dirty="0" err="1">
-                          <a:solidFill>
-                            <a:srgbClr val="5B6167"/>
-                          </a:solidFill>
-                          <a:latin typeface="Source Sans Pro" panose="020B0503030403020204" pitchFamily="34" charset="0"/>
-                          <a:ea typeface="Source Sans Pro" panose="020B0503030403020204" pitchFamily="34" charset="0"/>
-                        </a:rPr>
-                        <a:t>value.name</a:t>
-                      </a:r>
-                      <a:r>
-                        <a:rPr lang="en-US" sz="1200" b="0" dirty="0">
-                          <a:solidFill>
-                            <a:srgbClr val="5B6167"/>
-                          </a:solidFill>
-                          <a:latin typeface="Source Sans Pro" panose="020B0503030403020204" pitchFamily="34" charset="0"/>
-                          <a:ea typeface="Source Sans Pro" panose="020B0503030403020204" pitchFamily="34" charset="0"/>
-                        </a:rPr>
-                        <a:t>  </a:t>
-                      </a:r>
-                      <a:endParaRPr lang="en-US" sz="1200" dirty="0">
+                      </a:br>
+                      <a:endParaRPr lang="en-US" sz="1200" b="0" dirty="0">
+                        <a:solidFill>
+                          <a:srgbClr val="5B6167"/>
+                        </a:solidFill>
+                        <a:latin typeface="Source Sans Pro" panose="020B0503030403020204" pitchFamily="34" charset="0"/>
+                        <a:ea typeface="Source Sans Pro" panose="020B0503030403020204" pitchFamily="34" charset="0"/>
+                      </a:endParaRPr>
+                    </a:p>
+                    <a:p>
+                      <a:pPr algn="l">
+                        <a:lnSpc>
+                          <a:spcPct val="90000"/>
+                        </a:lnSpc>
+                        <a:spcBef>
+                          <a:spcPts val="200"/>
+                        </a:spcBef>
+                      </a:pPr>
+                      <a:endParaRPr lang="en-US" sz="1200" b="0" dirty="0">
                         <a:solidFill>
                           <a:srgbClr val="5B6167"/>
                         </a:solidFill>
@@ -30233,16 +29600,74 @@
                         <a:tabLst/>
                         <a:defRPr/>
                       </a:pPr>
-                      <a:r>
-                        <a:rPr lang="en-US" sz="1200" b="0" dirty="0">
+                      <a:endParaRPr lang="en-US" sz="1200" b="0" dirty="0">
+                        <a:solidFill>
+                          <a:srgbClr val="5B6167"/>
+                        </a:solidFill>
+                        <a:latin typeface="Source Sans Pro" panose="020B0503030403020204" pitchFamily="34" charset="0"/>
+                        <a:ea typeface="Source Sans Pro" panose="020B0503030403020204" pitchFamily="34" charset="0"/>
+                      </a:endParaRPr>
+                    </a:p>
+                    <a:p>
+                      <a:pPr marL="0" marR="0" lvl="0" indent="0" algn="l" defTabSz="584200" rtl="0" eaLnBrk="1" fontAlgn="auto" latinLnBrk="0" hangingPunct="1">
+                        <a:lnSpc>
+                          <a:spcPct val="90000"/>
+                        </a:lnSpc>
+                        <a:spcBef>
+                          <a:spcPts val="200"/>
+                        </a:spcBef>
+                        <a:spcAft>
+                          <a:spcPts val="0"/>
+                        </a:spcAft>
+                        <a:buClrTx/>
+                        <a:buSzTx/>
+                        <a:buFontTx/>
+                        <a:buNone/>
+                        <a:tabLst/>
+                        <a:defRPr/>
+                      </a:pPr>
+                      <a:endParaRPr lang="en-US" sz="1200" dirty="0">
+                        <a:solidFill>
+                          <a:srgbClr val="5B6167"/>
+                        </a:solidFill>
+                        <a:latin typeface="Source Sans Pro" panose="020B0503030403020204" pitchFamily="34" charset="0"/>
+                        <a:ea typeface="Source Sans Pro" panose="020B0503030403020204" pitchFamily="34" charset="0"/>
+                      </a:endParaRPr>
+                    </a:p>
+                    <a:p>
+                      <a:pPr marL="0" marR="0" lvl="0" indent="0" algn="l" defTabSz="584200" rtl="0" eaLnBrk="1" fontAlgn="auto" latinLnBrk="0" hangingPunct="1">
+                        <a:lnSpc>
+                          <a:spcPct val="90000"/>
+                        </a:lnSpc>
+                        <a:spcBef>
+                          <a:spcPts val="200"/>
+                        </a:spcBef>
+                        <a:spcAft>
+                          <a:spcPts val="0"/>
+                        </a:spcAft>
+                        <a:buClrTx/>
+                        <a:buSzTx/>
+                        <a:buFontTx/>
+                        <a:buNone/>
+                        <a:tabLst/>
+                        <a:defRPr/>
+                      </a:pPr>
+                      <a:br>
+                        <a:rPr lang="en-US" sz="1200" noProof="0" dirty="0">
                           <a:solidFill>
                             <a:srgbClr val="5B6167"/>
                           </a:solidFill>
                           <a:latin typeface="Source Sans Pro" panose="020B0503030403020204" pitchFamily="34" charset="0"/>
                           <a:ea typeface="Source Sans Pro" panose="020B0503030403020204" pitchFamily="34" charset="0"/>
                         </a:rPr>
-                        <a:t>Names of new columns for variables and values derived from old headers.</a:t>
-                      </a:r>
+                      </a:br>
+                      <a:endParaRPr lang="en-US" sz="1200" b="0" dirty="0">
+                        <a:solidFill>
+                          <a:srgbClr val="5B6167"/>
+                        </a:solidFill>
+                        <a:latin typeface="Source Sans Pro" panose="020B0503030403020204" pitchFamily="34" charset="0"/>
+                        <a:ea typeface="Source Sans Pro" panose="020B0503030403020204" pitchFamily="34" charset="0"/>
+                      </a:endParaRPr>
                     </a:p>
                   </a:txBody>
                   <a:tcPr marL="0" marR="0" marT="0" marB="0">
@@ -30298,6 +29723,160 @@
                   </a:ext>
                 </a:extLst>
               </a:tr>
+              <a:tr h="152759">
+                <a:tc>
+                  <a:txBody>
+                    <a:bodyPr/>
+                    <a:lstStyle/>
+                    <a:p>
+                      <a:pPr algn="l">
+                        <a:lnSpc>
+                          <a:spcPct val="90000"/>
+                        </a:lnSpc>
+                        <a:spcBef>
+                          <a:spcPts val="200"/>
+                        </a:spcBef>
+                      </a:pPr>
+                      <a:endParaRPr lang="en-US" sz="1200" dirty="0">
+                        <a:solidFill>
+                          <a:srgbClr val="5B6167"/>
+                        </a:solidFill>
+                        <a:latin typeface="Source Sans Pro" panose="020B0503030403020204" pitchFamily="34" charset="0"/>
+                        <a:ea typeface="Source Sans Pro" panose="020B0503030403020204" pitchFamily="34" charset="0"/>
+                      </a:endParaRPr>
+                    </a:p>
+                  </a:txBody>
+                  <a:tcPr marL="0" marR="0" marT="0" marB="0">
+                    <a:lnL w="12700" cap="flat" cmpd="sng" algn="ctr">
+                      <a:solidFill>
+                        <a:schemeClr val="bg1"/>
+                      </a:solidFill>
+                      <a:prstDash val="solid"/>
+                      <a:round/>
+                      <a:headEnd type="none" w="med" len="med"/>
+                      <a:tailEnd type="none" w="med" len="med"/>
+                    </a:lnL>
+                    <a:lnR w="12700" cap="flat" cmpd="sng" algn="ctr">
+                      <a:solidFill>
+                        <a:schemeClr val="bg1"/>
+                      </a:solidFill>
+                      <a:prstDash val="solid"/>
+                      <a:round/>
+                      <a:headEnd type="none" w="med" len="med"/>
+                      <a:tailEnd type="none" w="med" len="med"/>
+                    </a:lnR>
+                    <a:lnT w="12700" cap="flat" cmpd="sng" algn="ctr">
+                      <a:solidFill>
+                        <a:schemeClr val="bg1"/>
+                      </a:solidFill>
+                      <a:prstDash val="solid"/>
+                      <a:round/>
+                      <a:headEnd type="none" w="med" len="med"/>
+                      <a:tailEnd type="none" w="med" len="med"/>
+                    </a:lnT>
+                    <a:lnB w="12700" cap="flat" cmpd="sng" algn="ctr">
+                      <a:solidFill>
+                        <a:schemeClr val="bg1"/>
+                      </a:solidFill>
+                      <a:prstDash val="solid"/>
+                      <a:round/>
+                      <a:headEnd type="none" w="med" len="med"/>
+                      <a:tailEnd type="none" w="med" len="med"/>
+                    </a:lnB>
+                    <a:lnTlToBr w="12700" cmpd="sng">
+                      <a:noFill/>
+                      <a:prstDash val="solid"/>
+                    </a:lnTlToBr>
+                    <a:lnBlToTr w="12700" cmpd="sng">
+                      <a:noFill/>
+                      <a:prstDash val="solid"/>
+                    </a:lnBlToTr>
+                  </a:tcPr>
+                </a:tc>
+                <a:tc>
+                  <a:txBody>
+                    <a:bodyPr/>
+                    <a:lstStyle/>
+                    <a:p>
+                      <a:pPr marL="0" marR="0" lvl="0" indent="0" algn="l" defTabSz="584200" rtl="0" eaLnBrk="1" fontAlgn="auto" latinLnBrk="0" hangingPunct="1">
+                        <a:lnSpc>
+                          <a:spcPct val="90000"/>
+                        </a:lnSpc>
+                        <a:spcBef>
+                          <a:spcPts val="200"/>
+                        </a:spcBef>
+                        <a:spcAft>
+                          <a:spcPts val="0"/>
+                        </a:spcAft>
+                        <a:buClrTx/>
+                        <a:buSzTx/>
+                        <a:buFontTx/>
+                        <a:buNone/>
+                        <a:tabLst/>
+                        <a:defRPr/>
+                      </a:pPr>
+                      <a:endParaRPr lang="en-US" sz="1200" dirty="0">
+                        <a:solidFill>
+                          <a:srgbClr val="5B6167"/>
+                        </a:solidFill>
+                        <a:latin typeface="Source Sans Pro" panose="020B0503030403020204" pitchFamily="34" charset="0"/>
+                        <a:ea typeface="Source Sans Pro" panose="020B0503030403020204" pitchFamily="34" charset="0"/>
+                      </a:endParaRPr>
+                    </a:p>
+                  </a:txBody>
+                  <a:tcPr marL="0" marR="0" marT="0" marB="0">
+                    <a:lnL w="12700" cap="flat" cmpd="sng" algn="ctr">
+                      <a:solidFill>
+                        <a:schemeClr val="bg1"/>
+                      </a:solidFill>
+                      <a:prstDash val="solid"/>
+                      <a:round/>
+                      <a:headEnd type="none" w="med" len="med"/>
+                      <a:tailEnd type="none" w="med" len="med"/>
+                    </a:lnL>
+                    <a:lnR w="12700" cap="flat" cmpd="sng" algn="ctr">
+                      <a:solidFill>
+                        <a:schemeClr val="bg1"/>
+                      </a:solidFill>
+                      <a:prstDash val="solid"/>
+                      <a:round/>
+                      <a:headEnd type="none" w="med" len="med"/>
+                      <a:tailEnd type="none" w="med" len="med"/>
+                    </a:lnR>
+                    <a:lnT w="12700" cap="flat" cmpd="sng" algn="ctr">
+                      <a:solidFill>
+                        <a:schemeClr val="bg1"/>
+                      </a:solidFill>
+                      <a:prstDash val="solid"/>
+                      <a:round/>
+                      <a:headEnd type="none" w="med" len="med"/>
+                      <a:tailEnd type="none" w="med" len="med"/>
+                    </a:lnT>
+                    <a:lnB w="12700" cap="flat" cmpd="sng" algn="ctr">
+                      <a:solidFill>
+                        <a:schemeClr val="bg1"/>
+                      </a:solidFill>
+                      <a:prstDash val="solid"/>
+                      <a:round/>
+                      <a:headEnd type="none" w="med" len="med"/>
+                      <a:tailEnd type="none" w="med" len="med"/>
+                    </a:lnB>
+                    <a:lnTlToBr w="12700" cmpd="sng">
+                      <a:noFill/>
+                      <a:prstDash val="solid"/>
+                    </a:lnTlToBr>
+                    <a:lnBlToTr w="12700" cmpd="sng">
+                      <a:noFill/>
+                      <a:prstDash val="solid"/>
+                    </a:lnBlToTr>
+                  </a:tcPr>
+                </a:tc>
+                <a:extLst>
+                  <a:ext uri="{0D108BD9-81ED-4DB2-BD59-A6C34878D82A}">
+                    <a16:rowId xmlns:a16="http://schemas.microsoft.com/office/drawing/2014/main" val="2058199522"/>
+                  </a:ext>
+                </a:extLst>
+              </a:tr>
             </a:tbl>
           </a:graphicData>
         </a:graphic>
@@ -30317,13 +29896,13 @@
           <p:nvPr/>
         </p:nvPicPr>
         <p:blipFill>
-          <a:blip r:embed="rId8">
+          <a:blip r:embed="rId6" cstate="print">
             <a:extLst>
               <a:ext uri="{28A0092B-C50C-407E-A947-70E740481C1C}">
                 <a14:useLocalDpi xmlns:a14="http://schemas.microsoft.com/office/drawing/2010/main" val="0"/>
               </a:ext>
               <a:ext uri="{96DAC541-7B7A-43D3-8B79-37D633B846F1}">
-                <asvg:svgBlip xmlns:asvg="http://schemas.microsoft.com/office/drawing/2016/SVG/main" r:embed="rId9"/>
+                <asvg:svgBlip xmlns:asvg="http://schemas.microsoft.com/office/drawing/2016/SVG/main" r:embed="rId7"/>
               </a:ext>
             </a:extLst>
           </a:blip>
@@ -30366,7 +29945,7 @@
           </a:ln>
           <a:extLst>
             <a:ext uri="{C572A759-6A51-4108-AA02-DFA0A04FC94B}">
-              <ma14:wrappingTextBoxFlag xmlns="" xmlns:ma14="http://schemas.microsoft.com/office/mac/drawingml/2011/main" val="1"/>
+              <ma14:wrappingTextBoxFlag xmlns:ma14="http://schemas.microsoft.com/office/mac/drawingml/2011/main" xmlns="" val="1"/>
             </a:ext>
           </a:extLst>
         </p:spPr>
@@ -30390,20 +29969,12 @@
               <a:t>unique(</a:t>
             </a:r>
             <a:r>
-              <a:rPr lang="en-US" b="0" dirty="0" err="1">
+              <a:rPr lang="en-US" b="0" dirty="0">
                 <a:solidFill>
                   <a:srgbClr val="000000"/>
                 </a:solidFill>
               </a:rPr>
-              <a:t>dt</a:t>
-            </a:r>
-            <a:r>
-              <a:rPr lang="en-US" b="0" dirty="0">
-                <a:solidFill>
-                  <a:srgbClr val="000000"/>
-                </a:solidFill>
-              </a:rPr>
-              <a:t>, by = c("a", "b")</a:t>
+              <a:t>dt, by = c("a", "b")</a:t>
             </a:r>
             <a:r>
               <a:rPr lang="en-US" dirty="0">
@@ -30817,7 +30388,7 @@
                 <a:sym typeface="Gill Sans"/>
               </a:defRPr>
             </a:pPr>
-            <a:endParaRPr/>
+            <a:endParaRPr dirty="0"/>
           </a:p>
         </p:txBody>
       </p:sp>
@@ -31336,7 +30907,7 @@
                 </a:solidFill>
               </a:defRPr>
             </a:pPr>
-            <a:endParaRPr/>
+            <a:endParaRPr dirty="0"/>
           </a:p>
         </p:txBody>
       </p:sp>
@@ -31373,36 +30944,20 @@
               </a:lnSpc>
             </a:pPr>
             <a:r>
-              <a:rPr lang="en-US" dirty="0" err="1">
+              <a:rPr lang="en-US" dirty="0">
                 <a:solidFill>
                   <a:srgbClr val="000000"/>
                 </a:solidFill>
               </a:rPr>
-              <a:t>uniqueN</a:t>
-            </a:r>
-            <a:r>
-              <a:rPr lang="en-US" dirty="0">
+              <a:t>uniqueN(</a:t>
+            </a:r>
+            <a:r>
+              <a:rPr lang="en-US" b="0" dirty="0">
                 <a:solidFill>
                   <a:srgbClr val="000000"/>
                 </a:solidFill>
               </a:rPr>
-              <a:t>(</a:t>
-            </a:r>
-            <a:r>
-              <a:rPr lang="en-US" b="0" dirty="0" err="1">
-                <a:solidFill>
-                  <a:srgbClr val="000000"/>
-                </a:solidFill>
-              </a:rPr>
-              <a:t>dt</a:t>
-            </a:r>
-            <a:r>
-              <a:rPr lang="en-US" b="0" dirty="0">
-                <a:solidFill>
-                  <a:srgbClr val="000000"/>
-                </a:solidFill>
-              </a:rPr>
-              <a:t>, by = c("a", "b")</a:t>
+              <a:t>dt, by = c("a", "b")</a:t>
             </a:r>
             <a:r>
               <a:rPr lang="en-US" dirty="0">
@@ -31470,7 +31025,7 @@
                 </a:solidFill>
               </a:defRPr>
             </a:pPr>
-            <a:endParaRPr/>
+            <a:endParaRPr dirty="0"/>
           </a:p>
         </p:txBody>
       </p:sp>
@@ -31499,7 +31054,7 @@
           </a:ln>
           <a:extLst>
             <a:ext uri="{C572A759-6A51-4108-AA02-DFA0A04FC94B}">
-              <ma14:wrappingTextBoxFlag xmlns="" xmlns:ma14="http://schemas.microsoft.com/office/mac/drawingml/2011/main" val="1"/>
+              <ma14:wrappingTextBoxFlag xmlns:ma14="http://schemas.microsoft.com/office/mac/drawingml/2011/main" xmlns="" val="1"/>
             </a:ext>
           </a:extLst>
         </p:spPr>
@@ -31646,7 +31201,7 @@
           </a:ln>
           <a:extLst>
             <a:ext uri="{C572A759-6A51-4108-AA02-DFA0A04FC94B}">
-              <ma14:wrappingTextBoxFlag xmlns="" xmlns:ma14="http://schemas.microsoft.com/office/mac/drawingml/2011/main" val="1"/>
+              <ma14:wrappingTextBoxFlag xmlns:ma14="http://schemas.microsoft.com/office/mac/drawingml/2011/main" xmlns="" val="1"/>
             </a:ext>
           </a:extLst>
         </p:spPr>
@@ -31662,44 +31217,20 @@
               </a:lnSpc>
             </a:pPr>
             <a:r>
-              <a:rPr lang="en-US" dirty="0" err="1">
+              <a:rPr lang="en-US" dirty="0">
                 <a:solidFill>
                   <a:srgbClr val="000000"/>
                 </a:solidFill>
               </a:rPr>
-              <a:t>fread</a:t>
-            </a:r>
-            <a:r>
-              <a:rPr lang="en-US" dirty="0">
+              <a:t>fread(</a:t>
+            </a:r>
+            <a:r>
+              <a:rPr lang="en-US" b="0" dirty="0">
                 <a:solidFill>
                   <a:srgbClr val="000000"/>
                 </a:solidFill>
               </a:rPr>
-              <a:t>(</a:t>
-            </a:r>
-            <a:r>
-              <a:rPr lang="en-US" b="0" dirty="0">
-                <a:solidFill>
-                  <a:srgbClr val="000000"/>
-                </a:solidFill>
-              </a:rPr>
-              <a:t>"</a:t>
-            </a:r>
-            <a:r>
-              <a:rPr lang="en-US" b="0" dirty="0" err="1">
-                <a:solidFill>
-                  <a:srgbClr val="000000"/>
-                </a:solidFill>
-              </a:rPr>
-              <a:t>file.csv</a:t>
-            </a:r>
-            <a:r>
-              <a:rPr lang="en-US" b="0" dirty="0">
-                <a:solidFill>
-                  <a:srgbClr val="000000"/>
-                </a:solidFill>
-              </a:rPr>
-              <a:t>"</a:t>
+              <a:t>"file.csv"</a:t>
             </a:r>
             <a:r>
               <a:rPr lang="en-US" dirty="0">
@@ -31715,23 +31246,7 @@
                   <a:srgbClr val="000000"/>
                 </a:solidFill>
               </a:rPr>
-              <a:t>– read data from a flat file such as .csv or .</a:t>
-            </a:r>
-            <a:r>
-              <a:rPr lang="en-US" b="0" dirty="0" err="1">
-                <a:solidFill>
-                  <a:srgbClr val="000000"/>
-                </a:solidFill>
-              </a:rPr>
-              <a:t>tsv</a:t>
-            </a:r>
-            <a:r>
-              <a:rPr lang="en-US" b="0" dirty="0">
-                <a:solidFill>
-                  <a:srgbClr val="000000"/>
-                </a:solidFill>
-              </a:rPr>
-              <a:t> into R. </a:t>
+              <a:t>– read data from a flat file such as .csv or .tsv into R. </a:t>
             </a:r>
           </a:p>
           <a:p>
@@ -31753,44 +31268,20 @@
               </a:lnSpc>
             </a:pPr>
             <a:r>
-              <a:rPr lang="en-US" dirty="0" err="1">
+              <a:rPr lang="en-US" dirty="0">
                 <a:solidFill>
                   <a:srgbClr val="000000"/>
                 </a:solidFill>
               </a:rPr>
-              <a:t>fread</a:t>
-            </a:r>
-            <a:r>
-              <a:rPr lang="en-US" dirty="0">
+              <a:t>fread(</a:t>
+            </a:r>
+            <a:r>
+              <a:rPr lang="en-US" b="0" dirty="0">
                 <a:solidFill>
                   <a:srgbClr val="000000"/>
                 </a:solidFill>
               </a:rPr>
-              <a:t>(</a:t>
-            </a:r>
-            <a:r>
-              <a:rPr lang="en-US" b="0" dirty="0">
-                <a:solidFill>
-                  <a:srgbClr val="000000"/>
-                </a:solidFill>
-              </a:rPr>
-              <a:t>"</a:t>
-            </a:r>
-            <a:r>
-              <a:rPr lang="en-US" b="0" dirty="0" err="1">
-                <a:solidFill>
-                  <a:srgbClr val="000000"/>
-                </a:solidFill>
-              </a:rPr>
-              <a:t>file.csv</a:t>
-            </a:r>
-            <a:r>
-              <a:rPr lang="en-US" b="0" dirty="0">
-                <a:solidFill>
-                  <a:srgbClr val="000000"/>
-                </a:solidFill>
-              </a:rPr>
-              <a:t>", select = c("a", "b")</a:t>
+              <a:t>"file.csv", select = c("a", "b")</a:t>
             </a:r>
             <a:r>
               <a:rPr lang="en-US" dirty="0">
@@ -31825,7 +31316,7 @@
         </p:nvSpPr>
         <p:spPr>
           <a:xfrm>
-            <a:off x="9356759" y="9717455"/>
+            <a:off x="9345890" y="9761030"/>
             <a:ext cx="548227" cy="276999"/>
           </a:xfrm>
           <a:prstGeom prst="rect">
@@ -31860,7 +31351,7 @@
         </p:nvSpPr>
         <p:spPr>
           <a:xfrm flipV="1">
-            <a:off x="9356759" y="9695803"/>
+            <a:off x="9345890" y="9733903"/>
             <a:ext cx="4320000" cy="0"/>
           </a:xfrm>
           <a:prstGeom prst="line">
@@ -31895,7 +31386,7 @@
                 </a:solidFill>
               </a:defRPr>
             </a:pPr>
-            <a:endParaRPr/>
+            <a:endParaRPr dirty="0"/>
           </a:p>
         </p:txBody>
       </p:sp>
@@ -31913,7 +31404,7 @@
         </p:nvSpPr>
         <p:spPr>
           <a:xfrm>
-            <a:off x="9356759" y="9982369"/>
+            <a:off x="9352880" y="10014737"/>
             <a:ext cx="4318113" cy="276405"/>
           </a:xfrm>
           <a:prstGeom prst="rect">
@@ -31924,7 +31415,7 @@
           </a:ln>
           <a:extLst>
             <a:ext uri="{C572A759-6A51-4108-AA02-DFA0A04FC94B}">
-              <ma14:wrappingTextBoxFlag xmlns="" xmlns:ma14="http://schemas.microsoft.com/office/mac/drawingml/2011/main" val="1"/>
+              <ma14:wrappingTextBoxFlag xmlns:ma14="http://schemas.microsoft.com/office/mac/drawingml/2011/main" xmlns="" val="1"/>
             </a:ext>
           </a:extLst>
         </p:spPr>
@@ -31940,52 +31431,20 @@
               </a:lnSpc>
             </a:pPr>
             <a:r>
-              <a:rPr lang="en-US" dirty="0" err="1">
+              <a:rPr lang="en-US" dirty="0">
                 <a:solidFill>
                   <a:srgbClr val="000000"/>
                 </a:solidFill>
               </a:rPr>
-              <a:t>fwrite</a:t>
-            </a:r>
-            <a:r>
-              <a:rPr lang="en-US" dirty="0">
+              <a:t>fwrite(</a:t>
+            </a:r>
+            <a:r>
+              <a:rPr lang="en-US" b="0" dirty="0">
                 <a:solidFill>
                   <a:srgbClr val="000000"/>
                 </a:solidFill>
               </a:rPr>
-              <a:t>(</a:t>
-            </a:r>
-            <a:r>
-              <a:rPr lang="en-US" b="0" dirty="0" err="1">
-                <a:solidFill>
-                  <a:srgbClr val="000000"/>
-                </a:solidFill>
-              </a:rPr>
-              <a:t>dt</a:t>
-            </a:r>
-            <a:r>
-              <a:rPr lang="en-US" b="0" dirty="0">
-                <a:solidFill>
-                  <a:srgbClr val="000000"/>
-                </a:solidFill>
-              </a:rPr>
-              <a:t>, "</a:t>
-            </a:r>
-            <a:r>
-              <a:rPr lang="en-US" b="0" dirty="0" err="1">
-                <a:solidFill>
-                  <a:srgbClr val="000000"/>
-                </a:solidFill>
-              </a:rPr>
-              <a:t>file.csv</a:t>
-            </a:r>
-            <a:r>
-              <a:rPr lang="en-US" b="0" dirty="0">
-                <a:solidFill>
-                  <a:srgbClr val="000000"/>
-                </a:solidFill>
-              </a:rPr>
-              <a:t>"</a:t>
+              <a:t>dt, "file.csv"</a:t>
             </a:r>
             <a:r>
               <a:rPr lang="en-US" dirty="0">
@@ -32031,7 +31490,7 @@
           </a:ln>
           <a:extLst>
             <a:ext uri="{C572A759-6A51-4108-AA02-DFA0A04FC94B}">
-              <ma14:wrappingTextBoxFlag xmlns="" xmlns:ma14="http://schemas.microsoft.com/office/mac/drawingml/2011/main" val="1"/>
+              <ma14:wrappingTextBoxFlag xmlns:ma14="http://schemas.microsoft.com/office/mac/drawingml/2011/main" xmlns="" val="1"/>
             </a:ext>
           </a:extLst>
         </p:spPr>
@@ -32047,20 +31506,12 @@
               </a:lnSpc>
             </a:pPr>
             <a:r>
-              <a:rPr lang="en-US" b="0" dirty="0" err="1">
+              <a:rPr lang="en-US" b="0" dirty="0">
                 <a:solidFill>
                   <a:srgbClr val="000000"/>
                 </a:solidFill>
               </a:rPr>
-              <a:t>dt</a:t>
-            </a:r>
-            <a:r>
-              <a:rPr lang="en-US" b="0" dirty="0">
-                <a:solidFill>
-                  <a:srgbClr val="000000"/>
-                </a:solidFill>
-              </a:rPr>
-              <a:t>[, </a:t>
+              <a:t>dt[, </a:t>
             </a:r>
             <a:r>
               <a:rPr lang="en-US" dirty="0">
@@ -32615,7 +32066,7 @@
                 <a:sym typeface="Gill Sans"/>
               </a:defRPr>
             </a:pPr>
-            <a:endParaRPr/>
+            <a:endParaRPr dirty="0"/>
           </a:p>
         </p:txBody>
       </p:sp>
@@ -33035,7 +32486,7 @@
                 </a:solidFill>
               </a:defRPr>
             </a:pPr>
-            <a:endParaRPr/>
+            <a:endParaRPr dirty="0"/>
           </a:p>
         </p:txBody>
       </p:sp>
@@ -33064,7 +32515,7 @@
           </a:ln>
           <a:extLst>
             <a:ext uri="{C572A759-6A51-4108-AA02-DFA0A04FC94B}">
-              <ma14:wrappingTextBoxFlag xmlns="" xmlns:ma14="http://schemas.microsoft.com/office/mac/drawingml/2011/main" val="1"/>
+              <ma14:wrappingTextBoxFlag xmlns:ma14="http://schemas.microsoft.com/office/mac/drawingml/2011/main" xmlns="" val="1"/>
             </a:ext>
           </a:extLst>
         </p:spPr>
@@ -33080,20 +32531,12 @@
               </a:lnSpc>
             </a:pPr>
             <a:r>
-              <a:rPr lang="en-US" b="0" dirty="0" err="1">
+              <a:rPr lang="en-US" b="0" dirty="0">
                 <a:solidFill>
                   <a:srgbClr val="000000"/>
                 </a:solidFill>
               </a:rPr>
-              <a:t>dt</a:t>
-            </a:r>
-            <a:r>
-              <a:rPr lang="en-US" b="0" dirty="0">
-                <a:solidFill>
-                  <a:srgbClr val="000000"/>
-                </a:solidFill>
-              </a:rPr>
-              <a:t>[, </a:t>
+              <a:t>dt[, </a:t>
             </a:r>
             <a:r>
               <a:rPr lang="en-US" dirty="0">
@@ -33163,20 +32606,12 @@
               </a:lnSpc>
             </a:pPr>
             <a:r>
-              <a:rPr lang="en-US" b="0" dirty="0" err="1">
+              <a:rPr lang="en-US" b="0" dirty="0">
                 <a:solidFill>
                   <a:srgbClr val="000000"/>
                 </a:solidFill>
               </a:rPr>
-              <a:t>dt</a:t>
-            </a:r>
-            <a:r>
-              <a:rPr lang="en-US" b="0" dirty="0">
-                <a:solidFill>
-                  <a:srgbClr val="000000"/>
-                </a:solidFill>
-              </a:rPr>
-              <a:t>[, </a:t>
+              <a:t>dt[, </a:t>
             </a:r>
             <a:r>
               <a:rPr lang="en-US" dirty="0">
@@ -33933,7 +33368,7 @@
                 <a:sym typeface="Gill Sans"/>
               </a:defRPr>
             </a:pPr>
-            <a:endParaRPr/>
+            <a:endParaRPr dirty="0"/>
           </a:p>
         </p:txBody>
       </p:sp>
@@ -34503,7 +33938,7 @@
                 </a:solidFill>
               </a:defRPr>
             </a:pPr>
-            <a:endParaRPr/>
+            <a:endParaRPr dirty="0"/>
           </a:p>
         </p:txBody>
       </p:sp>
@@ -34532,7 +33967,7 @@
           </a:ln>
           <a:extLst>
             <a:ext uri="{C572A759-6A51-4108-AA02-DFA0A04FC94B}">
-              <ma14:wrappingTextBoxFlag xmlns="" xmlns:ma14="http://schemas.microsoft.com/office/mac/drawingml/2011/main" val="1"/>
+              <ma14:wrappingTextBoxFlag xmlns:ma14="http://schemas.microsoft.com/office/mac/drawingml/2011/main" xmlns="" val="1"/>
             </a:ext>
           </a:extLst>
         </p:spPr>
@@ -34548,60 +33983,28 @@
               </a:lnSpc>
             </a:pPr>
             <a:r>
-              <a:rPr lang="en-US" b="0" dirty="0" err="1">
+              <a:rPr lang="en-US" b="0" dirty="0">
                 <a:solidFill>
                   <a:srgbClr val="000000"/>
                 </a:solidFill>
               </a:rPr>
-              <a:t>dt</a:t>
-            </a:r>
-            <a:r>
-              <a:rPr lang="en-US" b="0" dirty="0">
+              <a:t>dt[, </a:t>
+            </a:r>
+            <a:r>
+              <a:rPr lang="en-US" dirty="0">
+                <a:solidFill>
+                  <a:srgbClr val="0070C0"/>
+                </a:solidFill>
+              </a:rPr>
+              <a:t>lapply(.SD, mean)</a:t>
+            </a:r>
+            <a:r>
+              <a:rPr lang="en-US" dirty="0">
                 <a:solidFill>
                   <a:srgbClr val="000000"/>
                 </a:solidFill>
               </a:rPr>
-              <a:t>[, </a:t>
-            </a:r>
-            <a:r>
-              <a:rPr lang="en-US" dirty="0" err="1">
-                <a:solidFill>
-                  <a:srgbClr val="0070C0"/>
-                </a:solidFill>
-              </a:rPr>
-              <a:t>lapply</a:t>
-            </a:r>
-            <a:r>
-              <a:rPr lang="en-US" dirty="0">
-                <a:solidFill>
-                  <a:srgbClr val="0070C0"/>
-                </a:solidFill>
-              </a:rPr>
-              <a:t>(.SD, mean)</a:t>
-            </a:r>
-            <a:r>
-              <a:rPr lang="en-US" dirty="0">
-                <a:solidFill>
-                  <a:srgbClr val="000000"/>
-                </a:solidFill>
-              </a:rPr>
-              <a:t>, .</a:t>
-            </a:r>
-            <a:r>
-              <a:rPr lang="en-US" dirty="0" err="1">
-                <a:solidFill>
-                  <a:srgbClr val="000000"/>
-                </a:solidFill>
-              </a:rPr>
-              <a:t>SDcols</a:t>
-            </a:r>
-            <a:r>
-              <a:rPr lang="en-US" dirty="0">
-                <a:solidFill>
-                  <a:srgbClr val="000000"/>
-                </a:solidFill>
-              </a:rPr>
-              <a:t> = c(</a:t>
+              <a:t>, .SDcols = c(</a:t>
             </a:r>
             <a:r>
               <a:rPr lang="en-US" b="0" dirty="0">
@@ -34790,68 +34193,28 @@
               </a:rPr>
             </a:br>
             <a:r>
-              <a:rPr lang="en-US" b="0" dirty="0" err="1">
+              <a:rPr lang="en-US" b="0" dirty="0">
                 <a:solidFill>
                   <a:srgbClr val="000000"/>
                 </a:solidFill>
               </a:rPr>
-              <a:t>dt</a:t>
-            </a:r>
-            <a:r>
-              <a:rPr lang="en-US" b="0" dirty="0">
+              <a:t>dt[, </a:t>
+            </a:r>
+            <a:r>
+              <a:rPr lang="en-US" dirty="0">
+                <a:solidFill>
+                  <a:srgbClr val="0070C0"/>
+                </a:solidFill>
+              </a:rPr>
+              <a:t>paste0(cols, "_m") := lapply(.SD, mean)</a:t>
+            </a:r>
+            <a:r>
+              <a:rPr lang="en-US" dirty="0">
                 <a:solidFill>
                   <a:srgbClr val="000000"/>
                 </a:solidFill>
               </a:rPr>
-              <a:t>[, </a:t>
-            </a:r>
-            <a:r>
-              <a:rPr lang="en-US" dirty="0">
-                <a:solidFill>
-                  <a:srgbClr val="0070C0"/>
-                </a:solidFill>
-              </a:rPr>
-              <a:t>paste0(cols, "_m") := </a:t>
-            </a:r>
-            <a:r>
-              <a:rPr lang="en-US" dirty="0" err="1">
-                <a:solidFill>
-                  <a:srgbClr val="0070C0"/>
-                </a:solidFill>
-              </a:rPr>
-              <a:t>lapply</a:t>
-            </a:r>
-            <a:r>
-              <a:rPr lang="en-US" dirty="0">
-                <a:solidFill>
-                  <a:srgbClr val="0070C0"/>
-                </a:solidFill>
-              </a:rPr>
-              <a:t>(.SD, mean)</a:t>
-            </a:r>
-            <a:r>
-              <a:rPr lang="en-US" dirty="0">
-                <a:solidFill>
-                  <a:srgbClr val="000000"/>
-                </a:solidFill>
-              </a:rPr>
-              <a:t>, .</a:t>
-            </a:r>
-            <a:r>
-              <a:rPr lang="en-US" dirty="0" err="1">
-                <a:solidFill>
-                  <a:srgbClr val="000000"/>
-                </a:solidFill>
-              </a:rPr>
-              <a:t>SDcols</a:t>
-            </a:r>
-            <a:r>
-              <a:rPr lang="en-US" dirty="0">
-                <a:solidFill>
-                  <a:srgbClr val="000000"/>
-                </a:solidFill>
-              </a:rPr>
-              <a:t> = cols</a:t>
+              <a:t>, .SDcols = cols</a:t>
             </a:r>
             <a:r>
               <a:rPr lang="en-US" b="0" dirty="0">
@@ -35114,7 +34477,7 @@
                 <a:sym typeface="Gill Sans"/>
               </a:defRPr>
             </a:pPr>
-            <a:endParaRPr/>
+            <a:endParaRPr dirty="0"/>
           </a:p>
         </p:txBody>
       </p:sp>
@@ -36051,7 +35414,7 @@
                 <a:sym typeface="Gill Sans"/>
               </a:defRPr>
             </a:pPr>
-            <a:endParaRPr/>
+            <a:endParaRPr dirty="0"/>
           </a:p>
         </p:txBody>
       </p:sp>
@@ -36349,6 +35712,189 @@
           </a:graphicData>
         </a:graphic>
       </p:graphicFrame>
+      <p:sp>
+        <p:nvSpPr>
+          <p:cNvPr id="5" name="Group">
+            <a:extLst>
+              <a:ext uri="{FF2B5EF4-FFF2-40B4-BE49-F238E27FC236}">
+                <a16:creationId xmlns:a16="http://schemas.microsoft.com/office/drawing/2014/main" id="{C34D1DC5-7A6E-416C-B6D7-1FD21377D658}"/>
+              </a:ext>
+            </a:extLst>
+          </p:cNvPr>
+          <p:cNvSpPr/>
+          <p:nvPr/>
+        </p:nvSpPr>
+        <p:spPr>
+          <a:xfrm>
+            <a:off x="4749384" y="9044895"/>
+            <a:ext cx="4355544" cy="1203362"/>
+          </a:xfrm>
+          <a:prstGeom prst="rect">
+            <a:avLst/>
+          </a:prstGeom>
+          <a:gradFill flip="none" rotWithShape="1">
+            <a:gsLst>
+              <a:gs pos="0">
+                <a:srgbClr val="F3F3F3"/>
+              </a:gs>
+              <a:gs pos="38000">
+                <a:srgbClr val="F3F3F3"/>
+              </a:gs>
+              <a:gs pos="100000">
+                <a:schemeClr val="bg1"/>
+              </a:gs>
+            </a:gsLst>
+            <a:lin ang="5400000" scaled="1"/>
+            <a:tileRect/>
+          </a:gradFill>
+          <a:ln w="12700">
+            <a:miter lim="400000"/>
+          </a:ln>
+        </p:spPr>
+        <p:txBody>
+          <a:bodyPr lIns="54570" tIns="54570" rIns="54570" bIns="54570" anchor="ctr"/>
+          <a:lstStyle/>
+          <a:p>
+            <a:pPr lvl="1" indent="0"/>
+            <a:r>
+              <a:rPr lang="da-DK" sz="1100" dirty="0">
+                <a:solidFill>
+                  <a:schemeClr val="tx1">
+                    <a:lumMod val="50000"/>
+                  </a:schemeClr>
+                </a:solidFill>
+              </a:rPr>
+              <a:t>measure(</a:t>
+            </a:r>
+            <a:r>
+              <a:rPr lang="en-US" sz="1100" b="0" dirty="0">
+                <a:solidFill>
+                  <a:schemeClr val="tx1">
+                    <a:lumMod val="50000"/>
+                  </a:schemeClr>
+                </a:solidFill>
+              </a:rPr>
+              <a:t>out_name1, out_name2, sep="_", pattern="([ab])_(.*)"</a:t>
+            </a:r>
+            <a:r>
+              <a:rPr lang="da-DK" sz="1100" dirty="0">
+                <a:solidFill>
+                  <a:schemeClr val="tx1">
+                    <a:lumMod val="50000"/>
+                  </a:schemeClr>
+                </a:solidFill>
+              </a:rPr>
+              <a:t>)</a:t>
+            </a:r>
+            <a:br>
+              <a:rPr lang="da-DK" sz="1100" dirty="0">
+                <a:solidFill>
+                  <a:schemeClr val="tx1">
+                    <a:lumMod val="50000"/>
+                  </a:schemeClr>
+                </a:solidFill>
+              </a:rPr>
+            </a:br>
+            <a:r>
+              <a:rPr lang="en-US" sz="1100" dirty="0">
+                <a:solidFill>
+                  <a:schemeClr val="tx1">
+                    <a:lumMod val="50000"/>
+                  </a:schemeClr>
+                </a:solidFill>
+                <a:cs typeface="Arial" panose="020B0604020202020204" pitchFamily="34" charset="0"/>
+              </a:rPr>
+              <a:t>sep</a:t>
+            </a:r>
+            <a:r>
+              <a:rPr lang="en-US" sz="1100" b="0" dirty="0">
+                <a:solidFill>
+                  <a:schemeClr val="tx1">
+                    <a:lumMod val="50000"/>
+                  </a:schemeClr>
+                </a:solidFill>
+                <a:cs typeface="Arial" panose="020B0604020202020204" pitchFamily="34" charset="0"/>
+              </a:rPr>
+              <a:t>(separator) or pattern (regular expression) are used to specify columns to melt, and to parse input column names.</a:t>
+            </a:r>
+          </a:p>
+          <a:p>
+            <a:pPr lvl="1" indent="0">
+              <a:lnSpc>
+                <a:spcPct val="90000"/>
+              </a:lnSpc>
+            </a:pPr>
+            <a:r>
+              <a:rPr lang="en-US" sz="1100" b="0" i="0" dirty="0">
+                <a:solidFill>
+                  <a:schemeClr val="tx1">
+                    <a:lumMod val="50000"/>
+                  </a:schemeClr>
+                </a:solidFill>
+                <a:effectLst/>
+                <a:latin typeface="-apple-system"/>
+              </a:rPr>
+              <a:t>out_name1, out_name2: names for output columns (creates single value column), or value.name (creates a value columns for each unique part of the melted column name).</a:t>
+            </a:r>
+            <a:endParaRPr lang="en-US" sz="1100" b="0" dirty="0">
+              <a:solidFill>
+                <a:schemeClr val="tx1">
+                  <a:lumMod val="50000"/>
+                </a:schemeClr>
+              </a:solidFill>
+              <a:cs typeface="Arial" panose="020B0604020202020204" pitchFamily="34" charset="0"/>
+            </a:endParaRPr>
+          </a:p>
+        </p:txBody>
+      </p:sp>
+      <p:sp>
+        <p:nvSpPr>
+          <p:cNvPr id="3" name="Line">
+            <a:extLst>
+              <a:ext uri="{FF2B5EF4-FFF2-40B4-BE49-F238E27FC236}">
+                <a16:creationId xmlns:a16="http://schemas.microsoft.com/office/drawing/2014/main" id="{CE069E83-3E33-9D9C-EFA8-8DED9E3E61E7}"/>
+              </a:ext>
+            </a:extLst>
+          </p:cNvPr>
+          <p:cNvSpPr/>
+          <p:nvPr/>
+        </p:nvSpPr>
+        <p:spPr>
+          <a:xfrm>
+            <a:off x="241300" y="10337513"/>
+            <a:ext cx="13434202" cy="1"/>
+          </a:xfrm>
+          <a:prstGeom prst="line">
+            <a:avLst/>
+          </a:prstGeom>
+          <a:ln w="12700">
+            <a:solidFill>
+              <a:srgbClr val="949494"/>
+            </a:solidFill>
+            <a:miter lim="400000"/>
+          </a:ln>
+        </p:spPr>
+        <p:txBody>
+          <a:bodyPr lIns="54570" tIns="54570" rIns="54570" bIns="54570" anchor="ctr"/>
+          <a:lstStyle/>
+          <a:p>
+            <a:pPr>
+              <a:lnSpc>
+                <a:spcPct val="80000"/>
+              </a:lnSpc>
+              <a:spcBef>
+                <a:spcPts val="600"/>
+              </a:spcBef>
+              <a:defRPr b="0">
+                <a:solidFill>
+                  <a:srgbClr val="000000"/>
+                </a:solidFill>
+              </a:defRPr>
+            </a:pPr>
+            <a:endParaRPr dirty="0"/>
+          </a:p>
+        </p:txBody>
+      </p:sp>
     </p:spTree>
     <p:extLst>
       <p:ext uri="{BB962C8B-B14F-4D97-AF65-F5344CB8AC3E}">

--- a/powerpoints/datatable.pptx
+++ b/powerpoints/datatable.pptx
@@ -418,7 +418,7 @@
           <a:p>
             <a:fld id="{14A1A45B-F66E-48A2-89C5-3AD170776287}" type="datetimeFigureOut">
               <a:rPr lang="da-DK" smtClean="0"/>
-              <a:t>27-03-2024</a:t>
+              <a:t>17.07.2025</a:t>
             </a:fld>
             <a:endParaRPr lang="da-DK"/>
           </a:p>
@@ -484,7 +484,7 @@
           <a:p>
             <a:fld id="{247FDCC0-BD89-4589-8355-28D22473BEB3}" type="slidenum">
               <a:rPr lang="da-DK" smtClean="0"/>
-              <a:t>‹Nº›</a:t>
+              <a:t>‹#›</a:t>
             </a:fld>
             <a:endParaRPr lang="da-DK"/>
           </a:p>
@@ -591,9 +591,9 @@
         <a:spcPct val="125000"/>
       </a:lnSpc>
       <a:defRPr sz="2600">
-        <a:latin typeface="Avenir Roman"/>
-        <a:ea typeface="Avenir Roman"/>
-        <a:cs typeface="Avenir Roman"/>
+        <a:latin typeface="Avenir"/>
+        <a:ea typeface="Avenir"/>
+        <a:cs typeface="Avenir"/>
         <a:sym typeface="Avenir Roman"/>
       </a:defRPr>
     </a:lvl1pPr>
@@ -602,9 +602,9 @@
         <a:spcPct val="125000"/>
       </a:lnSpc>
       <a:defRPr sz="2600">
-        <a:latin typeface="Avenir Roman"/>
-        <a:ea typeface="Avenir Roman"/>
-        <a:cs typeface="Avenir Roman"/>
+        <a:latin typeface="Avenir"/>
+        <a:ea typeface="Avenir"/>
+        <a:cs typeface="Avenir"/>
         <a:sym typeface="Avenir Roman"/>
       </a:defRPr>
     </a:lvl2pPr>
@@ -613,9 +613,9 @@
         <a:spcPct val="125000"/>
       </a:lnSpc>
       <a:defRPr sz="2600">
-        <a:latin typeface="Avenir Roman"/>
-        <a:ea typeface="Avenir Roman"/>
-        <a:cs typeface="Avenir Roman"/>
+        <a:latin typeface="Avenir"/>
+        <a:ea typeface="Avenir"/>
+        <a:cs typeface="Avenir"/>
         <a:sym typeface="Avenir Roman"/>
       </a:defRPr>
     </a:lvl3pPr>
@@ -624,9 +624,9 @@
         <a:spcPct val="125000"/>
       </a:lnSpc>
       <a:defRPr sz="2600">
-        <a:latin typeface="Avenir Roman"/>
-        <a:ea typeface="Avenir Roman"/>
-        <a:cs typeface="Avenir Roman"/>
+        <a:latin typeface="Avenir"/>
+        <a:ea typeface="Avenir"/>
+        <a:cs typeface="Avenir"/>
         <a:sym typeface="Avenir Roman"/>
       </a:defRPr>
     </a:lvl4pPr>
@@ -635,9 +635,9 @@
         <a:spcPct val="125000"/>
       </a:lnSpc>
       <a:defRPr sz="2600">
-        <a:latin typeface="Avenir Roman"/>
-        <a:ea typeface="Avenir Roman"/>
-        <a:cs typeface="Avenir Roman"/>
+        <a:latin typeface="Avenir"/>
+        <a:ea typeface="Avenir"/>
+        <a:cs typeface="Avenir"/>
         <a:sym typeface="Avenir Roman"/>
       </a:defRPr>
     </a:lvl5pPr>
@@ -646,9 +646,9 @@
         <a:spcPct val="125000"/>
       </a:lnSpc>
       <a:defRPr sz="2600">
-        <a:latin typeface="Avenir Roman"/>
-        <a:ea typeface="Avenir Roman"/>
-        <a:cs typeface="Avenir Roman"/>
+        <a:latin typeface="Avenir"/>
+        <a:ea typeface="Avenir"/>
+        <a:cs typeface="Avenir"/>
         <a:sym typeface="Avenir Roman"/>
       </a:defRPr>
     </a:lvl6pPr>
@@ -657,9 +657,9 @@
         <a:spcPct val="125000"/>
       </a:lnSpc>
       <a:defRPr sz="2600">
-        <a:latin typeface="Avenir Roman"/>
-        <a:ea typeface="Avenir Roman"/>
-        <a:cs typeface="Avenir Roman"/>
+        <a:latin typeface="Avenir"/>
+        <a:ea typeface="Avenir"/>
+        <a:cs typeface="Avenir"/>
         <a:sym typeface="Avenir Roman"/>
       </a:defRPr>
     </a:lvl7pPr>
@@ -668,9 +668,9 @@
         <a:spcPct val="125000"/>
       </a:lnSpc>
       <a:defRPr sz="2600">
-        <a:latin typeface="Avenir Roman"/>
-        <a:ea typeface="Avenir Roman"/>
-        <a:cs typeface="Avenir Roman"/>
+        <a:latin typeface="Avenir"/>
+        <a:ea typeface="Avenir"/>
+        <a:cs typeface="Avenir"/>
         <a:sym typeface="Avenir Roman"/>
       </a:defRPr>
     </a:lvl8pPr>
@@ -679,9 +679,9 @@
         <a:spcPct val="125000"/>
       </a:lnSpc>
       <a:defRPr sz="2600">
-        <a:latin typeface="Avenir Roman"/>
-        <a:ea typeface="Avenir Roman"/>
-        <a:cs typeface="Avenir Roman"/>
+        <a:latin typeface="Avenir"/>
+        <a:ea typeface="Avenir"/>
+        <a:cs typeface="Avenir"/>
         <a:sym typeface="Avenir Roman"/>
       </a:defRPr>
     </a:lvl9pPr>
@@ -986,7 +986,7 @@
           <a:lstStyle/>
           <a:p>
             <a:fld id="{86CB4B4D-7CA3-9044-876B-883B54F8677D}" type="slidenum">
-              <a:t>‹Nº›</a:t>
+              <a:t>‹#›</a:t>
             </a:fld>
             <a:endParaRPr dirty="0"/>
           </a:p>
@@ -1114,7 +1114,7 @@
           <a:lstStyle/>
           <a:p>
             <a:fld id="{86CB4B4D-7CA3-9044-876B-883B54F8677D}" type="slidenum">
-              <a:t>‹Nº›</a:t>
+              <a:t>‹#›</a:t>
             </a:fld>
             <a:endParaRPr dirty="0"/>
           </a:p>
@@ -1195,7 +1195,7 @@
           <a:lstStyle/>
           <a:p>
             <a:fld id="{86CB4B4D-7CA3-9044-876B-883B54F8677D}" type="slidenum">
-              <a:t>‹Nº›</a:t>
+              <a:t>‹#›</a:t>
             </a:fld>
             <a:endParaRPr dirty="0"/>
           </a:p>
@@ -1247,7 +1247,7 @@
           <a:lstStyle/>
           <a:p>
             <a:fld id="{86CB4B4D-7CA3-9044-876B-883B54F8677D}" type="slidenum">
-              <a:t>‹Nº›</a:t>
+              <a:t>‹#›</a:t>
             </a:fld>
             <a:endParaRPr dirty="0"/>
           </a:p>
@@ -1460,7 +1460,7 @@
           <a:lstStyle/>
           <a:p>
             <a:fld id="{86CB4B4D-7CA3-9044-876B-883B54F8677D}" type="slidenum">
-              <a:t>‹Nº›</a:t>
+              <a:t>‹#›</a:t>
             </a:fld>
             <a:endParaRPr dirty="0"/>
           </a:p>
@@ -1541,7 +1541,7 @@
           <a:lstStyle/>
           <a:p>
             <a:fld id="{86CB4B4D-7CA3-9044-876B-883B54F8677D}" type="slidenum">
-              <a:t>‹Nº›</a:t>
+              <a:t>‹#›</a:t>
             </a:fld>
             <a:endParaRPr dirty="0"/>
           </a:p>
@@ -1759,7 +1759,7 @@
           <a:lstStyle/>
           <a:p>
             <a:fld id="{86CB4B4D-7CA3-9044-876B-883B54F8677D}" type="slidenum">
-              <a:t>‹Nº›</a:t>
+              <a:t>‹#›</a:t>
             </a:fld>
             <a:endParaRPr dirty="0"/>
           </a:p>
@@ -1836,7 +1836,7 @@
           <a:lstStyle/>
           <a:p>
             <a:fld id="{86CB4B4D-7CA3-9044-876B-883B54F8677D}" type="slidenum">
-              <a:t>‹Nº›</a:t>
+              <a:t>‹#›</a:t>
             </a:fld>
             <a:endParaRPr dirty="0"/>
           </a:p>
@@ -1962,7 +1962,7 @@
           <a:lstStyle/>
           <a:p>
             <a:fld id="{86CB4B4D-7CA3-9044-876B-883B54F8677D}" type="slidenum">
-              <a:t>‹Nº›</a:t>
+              <a:t>‹#›</a:t>
             </a:fld>
             <a:endParaRPr dirty="0"/>
           </a:p>
@@ -2137,7 +2137,7 @@
           <a:lstStyle/>
           <a:p>
             <a:fld id="{86CB4B4D-7CA3-9044-876B-883B54F8677D}" type="slidenum">
-              <a:t>‹Nº›</a:t>
+              <a:t>‹#›</a:t>
             </a:fld>
             <a:endParaRPr dirty="0"/>
           </a:p>
@@ -2242,7 +2242,7 @@
           <a:lstStyle/>
           <a:p>
             <a:fld id="{86CB4B4D-7CA3-9044-876B-883B54F8677D}" type="slidenum">
-              <a:t>‹Nº›</a:t>
+              <a:t>‹#›</a:t>
             </a:fld>
             <a:endParaRPr dirty="0"/>
           </a:p>
@@ -2381,7 +2381,7 @@
           <a:lstStyle/>
           <a:p>
             <a:fld id="{86CB4B4D-7CA3-9044-876B-883B54F8677D}" type="slidenum">
-              <a:t>‹Nº›</a:t>
+              <a:t>‹#›</a:t>
             </a:fld>
             <a:endParaRPr dirty="0"/>
           </a:p>
@@ -2444,7 +2444,7 @@
           </a:ln>
           <a:extLst>
             <a:ext uri="{C572A759-6A51-4108-AA02-DFA0A04FC94B}">
-              <ma14:wrappingTextBoxFlag xmlns:ma14="http://schemas.microsoft.com/office/mac/drawingml/2011/main" xmlns="" val="1"/>
+              <ma14:wrappingTextBoxFlag xmlns="" xmlns:ma14="http://schemas.microsoft.com/office/mac/drawingml/2011/main" val="1"/>
             </a:ext>
           </a:extLst>
         </p:spPr>
@@ -2483,7 +2483,7 @@
           </a:ln>
           <a:extLst>
             <a:ext uri="{C572A759-6A51-4108-AA02-DFA0A04FC94B}">
-              <ma14:wrappingTextBoxFlag xmlns:ma14="http://schemas.microsoft.com/office/mac/drawingml/2011/main" xmlns="" val="1"/>
+              <ma14:wrappingTextBoxFlag xmlns="" xmlns:ma14="http://schemas.microsoft.com/office/mac/drawingml/2011/main" val="1"/>
             </a:ext>
           </a:extLst>
         </p:spPr>
@@ -2567,7 +2567,7 @@
           </a:lstStyle>
           <a:p>
             <a:fld id="{86CB4B4D-7CA3-9044-876B-883B54F8677D}" type="slidenum">
-              <a:t>‹Nº›</a:t>
+              <a:t>‹#›</a:t>
             </a:fld>
             <a:endParaRPr dirty="0"/>
           </a:p>
@@ -3488,7 +3488,7 @@
         <p:spPr>
           <a:xfrm>
             <a:off x="289898" y="1523999"/>
-            <a:ext cx="4320000" cy="3121453"/>
+            <a:ext cx="4320000" cy="3313805"/>
           </a:xfrm>
           <a:prstGeom prst="rect">
             <a:avLst/>
@@ -3530,7 +3530,7 @@
         <p:spPr>
           <a:xfrm>
             <a:off x="420972" y="1619308"/>
-            <a:ext cx="968214" cy="333425"/>
+            <a:ext cx="870431" cy="340029"/>
           </a:xfrm>
           <a:prstGeom prst="rect">
             <a:avLst/>
@@ -3540,12 +3540,12 @@
           </a:ln>
           <a:extLst>
             <a:ext uri="{C572A759-6A51-4108-AA02-DFA0A04FC94B}">
-              <ma14:wrappingTextBoxFlag xmlns:ma14="http://schemas.microsoft.com/office/mac/drawingml/2011/main" xmlns="" val="1"/>
+              <ma14:wrappingTextBoxFlag xmlns="" xmlns:ma14="http://schemas.microsoft.com/office/mac/drawingml/2011/main" val="1"/>
             </a:ext>
           </a:extLst>
         </p:spPr>
         <p:txBody>
-          <a:bodyPr wrap="none" lIns="12700" tIns="12700" rIns="12700" bIns="12700" anchor="ctr">
+          <a:bodyPr wrap="none" lIns="12700" tIns="12700" rIns="12700" bIns="12700" anchor="t">
             <a:spAutoFit/>
           </a:bodyPr>
           <a:lstStyle/>
@@ -3578,237 +3578,6 @@
                 <a:schemeClr val="tx1">
                   <a:lumMod val="50000"/>
                 </a:schemeClr>
-              </a:solidFill>
-            </a:endParaRPr>
-          </a:p>
-        </p:txBody>
-      </p:sp>
-      <p:sp>
-        <p:nvSpPr>
-          <p:cNvPr id="298" name="RStudio® is a trademark of RStudio, Inc.  •  CC BY SA Your Name •  your@email.com  •  844-448-1212 • your.website.com •  Learn more at webpage or vignette   •  package version  0.5.0 •  Updated: 2017-01"/>
-          <p:cNvSpPr txBox="1"/>
-          <p:nvPr/>
-        </p:nvSpPr>
-        <p:spPr>
-          <a:xfrm>
-            <a:off x="2353572" y="10347903"/>
-            <a:ext cx="11322666" cy="234855"/>
-          </a:xfrm>
-          <a:prstGeom prst="rect">
-            <a:avLst/>
-          </a:prstGeom>
-          <a:ln w="12700">
-            <a:miter lim="400000"/>
-          </a:ln>
-          <a:extLst>
-            <a:ext uri="{C572A759-6A51-4108-AA02-DFA0A04FC94B}">
-              <ma14:wrappingTextBoxFlag xmlns:ma14="http://schemas.microsoft.com/office/mac/drawingml/2011/main" xmlns="" val="1"/>
-            </a:ext>
-          </a:extLst>
-        </p:spPr>
-        <p:txBody>
-          <a:bodyPr lIns="54570" tIns="54570" rIns="54570" bIns="54570" anchor="ctr">
-            <a:spAutoFit/>
-          </a:bodyPr>
-          <a:lstStyle/>
-          <a:p>
-            <a:pPr algn="r">
-              <a:lnSpc>
-                <a:spcPct val="90000"/>
-              </a:lnSpc>
-              <a:spcBef>
-                <a:spcPts val="0"/>
-              </a:spcBef>
-              <a:defRPr sz="900" b="0">
-                <a:solidFill>
-                  <a:srgbClr val="000000"/>
-                </a:solidFill>
-              </a:defRPr>
-            </a:pPr>
-            <a:r>
-              <a:rPr lang="en-US" dirty="0">
-                <a:solidFill>
-                  <a:srgbClr val="5B6167"/>
-                </a:solidFill>
-              </a:rPr>
-              <a:t>Created by Erik Petrovsky  and Mara Destefanis – maragdestefanis@gmail.com</a:t>
-            </a:r>
-            <a:r>
-              <a:rPr lang="en-US" dirty="0">
-                <a:solidFill>
-                  <a:srgbClr val="757878"/>
-                </a:solidFill>
-                <a:hlinkClick r:id="rId4">
-                  <a:extLst>
-                    <a:ext uri="{A12FA001-AC4F-418D-AE19-62706E023703}">
-                      <ahyp:hlinkClr xmlns:ahyp="http://schemas.microsoft.com/office/drawing/2018/hyperlinkcolor" val="tx"/>
-                    </a:ext>
-                  </a:extLst>
-                </a:hlinkClick>
-              </a:rPr>
-              <a:t> </a:t>
-            </a:r>
-            <a:r>
-              <a:rPr dirty="0">
-                <a:solidFill>
-                  <a:srgbClr val="5B6167"/>
-                </a:solidFill>
-              </a:rPr>
-              <a:t>• Learn more</a:t>
-            </a:r>
-            <a:r>
-              <a:rPr lang="da-DK" dirty="0">
-                <a:solidFill>
-                  <a:srgbClr val="5B6167"/>
-                </a:solidFill>
-              </a:rPr>
-              <a:t> with the data.table</a:t>
-            </a:r>
-            <a:r>
-              <a:rPr dirty="0">
-                <a:solidFill>
-                  <a:srgbClr val="5B6167"/>
-                </a:solidFill>
-              </a:rPr>
-              <a:t> </a:t>
-            </a:r>
-            <a:r>
-              <a:rPr lang="da-DK" dirty="0">
-                <a:solidFill>
-                  <a:srgbClr val="5B6167"/>
-                </a:solidFill>
-                <a:hlinkClick r:id="rId5">
-                  <a:extLst>
-                    <a:ext uri="{A12FA001-AC4F-418D-AE19-62706E023703}">
-                      <ahyp:hlinkClr xmlns:ahyp="http://schemas.microsoft.com/office/drawing/2018/hyperlinkcolor" val="tx"/>
-                    </a:ext>
-                  </a:extLst>
-                </a:hlinkClick>
-              </a:rPr>
-              <a:t>homepage</a:t>
-            </a:r>
-            <a:r>
-              <a:rPr lang="da-DK" dirty="0">
-                <a:solidFill>
-                  <a:srgbClr val="5B6167"/>
-                </a:solidFill>
-              </a:rPr>
-              <a:t> </a:t>
-            </a:r>
-            <a:r>
-              <a:rPr dirty="0">
-                <a:solidFill>
-                  <a:srgbClr val="5B6167"/>
-                </a:solidFill>
-              </a:rPr>
-              <a:t>or</a:t>
-            </a:r>
-            <a:r>
-              <a:rPr lang="da-DK" dirty="0">
-                <a:solidFill>
-                  <a:srgbClr val="5B6167"/>
-                </a:solidFill>
-              </a:rPr>
-              <a:t> </a:t>
-            </a:r>
-            <a:r>
-              <a:rPr dirty="0">
-                <a:solidFill>
-                  <a:srgbClr val="5B6167"/>
-                </a:solidFill>
-                <a:hlinkClick r:id="rId6">
-                  <a:extLst>
-                    <a:ext uri="{A12FA001-AC4F-418D-AE19-62706E023703}">
-                      <ahyp:hlinkClr xmlns:ahyp="http://schemas.microsoft.com/office/drawing/2018/hyperlinkcolor" val="tx"/>
-                    </a:ext>
-                  </a:extLst>
-                </a:hlinkClick>
-              </a:rPr>
-              <a:t>vignette</a:t>
-            </a:r>
-            <a:r>
-              <a:rPr dirty="0">
-                <a:solidFill>
-                  <a:srgbClr val="5B6167"/>
-                </a:solidFill>
-              </a:rPr>
-              <a:t> • </a:t>
-            </a:r>
-            <a:r>
-              <a:rPr lang="da-DK" dirty="0" err="1">
-                <a:solidFill>
-                  <a:srgbClr val="5B6167"/>
-                </a:solidFill>
-              </a:rPr>
-              <a:t>data.table</a:t>
-            </a:r>
-            <a:r>
-              <a:rPr dirty="0">
-                <a:solidFill>
-                  <a:srgbClr val="5B6167"/>
-                </a:solidFill>
-              </a:rPr>
-              <a:t> version </a:t>
-            </a:r>
-            <a:r>
-              <a:rPr lang="da-DK" dirty="0">
-                <a:solidFill>
-                  <a:srgbClr val="5B6167"/>
-                </a:solidFill>
-              </a:rPr>
-              <a:t>1</a:t>
-            </a:r>
-            <a:r>
-              <a:rPr dirty="0">
-                <a:solidFill>
-                  <a:srgbClr val="5B6167"/>
-                </a:solidFill>
-              </a:rPr>
-              <a:t>.</a:t>
-            </a:r>
-            <a:r>
-              <a:rPr lang="da-DK" dirty="0">
-                <a:solidFill>
-                  <a:srgbClr val="5B6167"/>
-                </a:solidFill>
-              </a:rPr>
-              <a:t>15.0</a:t>
-            </a:r>
-            <a:r>
-              <a:rPr dirty="0">
-                <a:solidFill>
-                  <a:srgbClr val="5B6167"/>
-                </a:solidFill>
-              </a:rPr>
-              <a:t> • Updated: 20</a:t>
-            </a:r>
-            <a:r>
-              <a:rPr lang="es-ES" dirty="0">
-                <a:solidFill>
-                  <a:srgbClr val="5B6167"/>
-                </a:solidFill>
-              </a:rPr>
-              <a:t>24</a:t>
-            </a:r>
-            <a:r>
-              <a:rPr dirty="0">
-                <a:solidFill>
-                  <a:srgbClr val="5B6167"/>
-                </a:solidFill>
-              </a:rPr>
-              <a:t>-</a:t>
-            </a:r>
-            <a:r>
-              <a:rPr lang="da-DK" dirty="0">
-                <a:solidFill>
-                  <a:srgbClr val="5B6167"/>
-                </a:solidFill>
-              </a:rPr>
-              <a:t>01</a:t>
-            </a:r>
-            <a:endParaRPr dirty="0">
-              <a:solidFill>
-                <a:srgbClr val="5B6167"/>
               </a:solidFill>
             </a:endParaRPr>
           </a:p>
@@ -3990,12 +3759,12 @@
           </a:ln>
           <a:extLst>
             <a:ext uri="{C572A759-6A51-4108-AA02-DFA0A04FC94B}">
-              <ma14:wrappingTextBoxFlag xmlns:ma14="http://schemas.microsoft.com/office/mac/drawingml/2011/main" xmlns="" val="1"/>
+              <ma14:wrappingTextBoxFlag xmlns="" xmlns:ma14="http://schemas.microsoft.com/office/mac/drawingml/2011/main" val="1"/>
             </a:ext>
           </a:extLst>
         </p:spPr>
         <p:txBody>
-          <a:bodyPr wrap="none" lIns="0" tIns="12700" rIns="12700" bIns="12700" anchor="ctr">
+          <a:bodyPr wrap="none" lIns="0" tIns="12700" rIns="12700" bIns="12700" anchor="t">
             <a:spAutoFit/>
           </a:bodyPr>
           <a:lstStyle/>
@@ -4051,12 +3820,12 @@
           </a:ln>
           <a:extLst>
             <a:ext uri="{C572A759-6A51-4108-AA02-DFA0A04FC94B}">
-              <ma14:wrappingTextBoxFlag xmlns:ma14="http://schemas.microsoft.com/office/mac/drawingml/2011/main" xmlns="" val="1"/>
+              <ma14:wrappingTextBoxFlag xmlns="" xmlns:ma14="http://schemas.microsoft.com/office/mac/drawingml/2011/main" val="1"/>
             </a:ext>
           </a:extLst>
         </p:spPr>
         <p:txBody>
-          <a:bodyPr wrap="square" lIns="0" tIns="12700" rIns="12700" bIns="12700" anchor="ctr">
+          <a:bodyPr wrap="square" lIns="0" tIns="12700" rIns="12700" bIns="12700" anchor="t">
             <a:spAutoFit/>
           </a:bodyPr>
           <a:lstStyle/>
@@ -4093,8 +3862,8 @@
         </p:nvSpPr>
         <p:spPr>
           <a:xfrm>
-            <a:off x="444143" y="1990796"/>
-            <a:ext cx="4032757" cy="2574896"/>
+            <a:off x="444143" y="1990795"/>
+            <a:ext cx="4032757" cy="2790759"/>
           </a:xfrm>
           <a:prstGeom prst="rect">
             <a:avLst/>
@@ -4104,7 +3873,7 @@
           </a:ln>
           <a:extLst>
             <a:ext uri="{C572A759-6A51-4108-AA02-DFA0A04FC94B}">
-              <ma14:wrappingTextBoxFlag xmlns:ma14="http://schemas.microsoft.com/office/mac/drawingml/2011/main" xmlns="" val="1"/>
+              <ma14:wrappingTextBoxFlag xmlns="" xmlns:ma14="http://schemas.microsoft.com/office/mac/drawingml/2011/main" val="1"/>
             </a:ext>
           </a:extLst>
         </p:spPr>
@@ -4126,7 +3895,7 @@
                 </a:solidFill>
                 <a:cs typeface="Arial" panose="020B0604020202020204" pitchFamily="34" charset="0"/>
               </a:rPr>
-              <a:t>data.table is an extremely fast and memory efficient package for transforming data in R. It works by converting R’s native data frame objects into data.tables with new and enhanced functionality. The basics of working with data.tables are:</a:t>
+              <a:t>data.table is an extremely fast and memory efficient package for transforming data in R with a concise syntax. It works by converting R’s native data frame objects into data.tables with new and enhanced functionality. The basics of working with data.tables are:</a:t>
             </a:r>
           </a:p>
           <a:p>
@@ -4154,62 +3923,78 @@
               </a:lnSpc>
             </a:pPr>
             <a:r>
-              <a:rPr lang="en-US" sz="1600" dirty="0">
+              <a:rPr lang="en-US" sz="2000" dirty="0">
                 <a:solidFill>
                   <a:srgbClr val="000000"/>
                 </a:solidFill>
-                <a:cs typeface="Arial" panose="020B0604020202020204" pitchFamily="34" charset="0"/>
+                <a:latin typeface="Fira Code" panose="020B0809050000020004" pitchFamily="49" charset="0"/>
+                <a:ea typeface="Fira Code" panose="020B0809050000020004" pitchFamily="49" charset="0"/>
+                <a:cs typeface="Fira Code" panose="020B0809050000020004" pitchFamily="49" charset="0"/>
               </a:rPr>
               <a:t>dt</a:t>
             </a:r>
             <a:r>
-              <a:rPr lang="en-US" sz="1600" dirty="0">
-                <a:cs typeface="Arial" panose="020B0604020202020204" pitchFamily="34" charset="0"/>
+              <a:rPr lang="en-US" sz="2000" dirty="0">
+                <a:latin typeface="Fira Code" panose="020B0809050000020004" pitchFamily="49" charset="0"/>
+                <a:ea typeface="Fira Code" panose="020B0809050000020004" pitchFamily="49" charset="0"/>
+                <a:cs typeface="Fira Code" panose="020B0809050000020004" pitchFamily="49" charset="0"/>
               </a:rPr>
               <a:t>[</a:t>
             </a:r>
             <a:r>
-              <a:rPr lang="en-US" sz="1600" dirty="0">
+              <a:rPr lang="en-US" sz="2000" dirty="0">
                 <a:solidFill>
                   <a:srgbClr val="119571"/>
                 </a:solidFill>
-                <a:cs typeface="Arial" panose="020B0604020202020204" pitchFamily="34" charset="0"/>
+                <a:latin typeface="Fira Code" panose="020B0809050000020004" pitchFamily="49" charset="0"/>
+                <a:ea typeface="Fira Code" panose="020B0809050000020004" pitchFamily="49" charset="0"/>
+                <a:cs typeface="Fira Code" panose="020B0809050000020004" pitchFamily="49" charset="0"/>
               </a:rPr>
               <a:t>i</a:t>
             </a:r>
             <a:r>
-              <a:rPr lang="en-US" sz="1600" dirty="0">
-                <a:cs typeface="Arial" panose="020B0604020202020204" pitchFamily="34" charset="0"/>
+              <a:rPr lang="en-US" sz="2000" dirty="0">
+                <a:latin typeface="Fira Code" panose="020B0809050000020004" pitchFamily="49" charset="0"/>
+                <a:ea typeface="Fira Code" panose="020B0809050000020004" pitchFamily="49" charset="0"/>
+                <a:cs typeface="Fira Code" panose="020B0809050000020004" pitchFamily="49" charset="0"/>
               </a:rPr>
               <a:t>, </a:t>
             </a:r>
             <a:r>
-              <a:rPr lang="en-US" sz="1600" dirty="0">
+              <a:rPr lang="en-US" sz="2000" dirty="0">
                 <a:solidFill>
                   <a:srgbClr val="0070C0"/>
                 </a:solidFill>
-                <a:cs typeface="Arial" panose="020B0604020202020204" pitchFamily="34" charset="0"/>
+                <a:latin typeface="Fira Code" panose="020B0809050000020004" pitchFamily="49" charset="0"/>
+                <a:ea typeface="Fira Code" panose="020B0809050000020004" pitchFamily="49" charset="0"/>
+                <a:cs typeface="Fira Code" panose="020B0809050000020004" pitchFamily="49" charset="0"/>
               </a:rPr>
               <a:t>j</a:t>
             </a:r>
             <a:r>
-              <a:rPr lang="en-US" sz="1600" dirty="0">
-                <a:cs typeface="Arial" panose="020B0604020202020204" pitchFamily="34" charset="0"/>
+              <a:rPr lang="en-US" sz="2000" dirty="0">
+                <a:latin typeface="Fira Code" panose="020B0809050000020004" pitchFamily="49" charset="0"/>
+                <a:ea typeface="Fira Code" panose="020B0809050000020004" pitchFamily="49" charset="0"/>
+                <a:cs typeface="Fira Code" panose="020B0809050000020004" pitchFamily="49" charset="0"/>
               </a:rPr>
               <a:t>, </a:t>
             </a:r>
             <a:r>
-              <a:rPr lang="en-US" sz="1600" dirty="0">
+              <a:rPr lang="en-US" sz="2000" dirty="0">
                 <a:solidFill>
                   <a:srgbClr val="B74919"/>
                 </a:solidFill>
-                <a:cs typeface="Arial" panose="020B0604020202020204" pitchFamily="34" charset="0"/>
+                <a:latin typeface="Fira Code" panose="020B0809050000020004" pitchFamily="49" charset="0"/>
+                <a:ea typeface="Fira Code" panose="020B0809050000020004" pitchFamily="49" charset="0"/>
+                <a:cs typeface="Fira Code" panose="020B0809050000020004" pitchFamily="49" charset="0"/>
               </a:rPr>
               <a:t>by</a:t>
             </a:r>
             <a:r>
-              <a:rPr lang="en-US" sz="1600" dirty="0">
-                <a:cs typeface="Arial" panose="020B0604020202020204" pitchFamily="34" charset="0"/>
+              <a:rPr lang="en-US" sz="2000" dirty="0">
+                <a:latin typeface="Fira Code" panose="020B0809050000020004" pitchFamily="49" charset="0"/>
+                <a:ea typeface="Fira Code" panose="020B0809050000020004" pitchFamily="49" charset="0"/>
+                <a:cs typeface="Fira Code" panose="020B0809050000020004" pitchFamily="49" charset="0"/>
               </a:rPr>
               <a:t>]</a:t>
             </a:r>
@@ -4259,7 +4044,9 @@
                 <a:solidFill>
                   <a:srgbClr val="000000"/>
                 </a:solidFill>
-                <a:cs typeface="Arial" panose="020B0604020202020204" pitchFamily="34" charset="0"/>
+                <a:latin typeface="Fira Code" panose="020B0809050000020004" pitchFamily="49" charset="0"/>
+                <a:ea typeface="Fira Code" panose="020B0809050000020004" pitchFamily="49" charset="0"/>
+                <a:cs typeface="Fira Code" panose="020B0809050000020004" pitchFamily="49" charset="0"/>
               </a:rPr>
               <a:t>dt</a:t>
             </a:r>
@@ -4293,7 +4080,9 @@
                 <a:solidFill>
                   <a:srgbClr val="119571"/>
                 </a:solidFill>
-                <a:cs typeface="Arial" panose="020B0604020202020204" pitchFamily="34" charset="0"/>
+                <a:latin typeface="Fira Code" panose="020B0809050000020004" pitchFamily="49" charset="0"/>
+                <a:ea typeface="Fira Code" panose="020B0809050000020004" pitchFamily="49" charset="0"/>
+                <a:cs typeface="Fira Code" panose="020B0809050000020004" pitchFamily="49" charset="0"/>
               </a:rPr>
               <a:t>i</a:t>
             </a:r>
@@ -4327,7 +4116,9 @@
                 <a:solidFill>
                   <a:srgbClr val="0070C0"/>
                 </a:solidFill>
-                <a:cs typeface="Arial" panose="020B0604020202020204" pitchFamily="34" charset="0"/>
+                <a:latin typeface="Fira Code" panose="020B0809050000020004" pitchFamily="49" charset="0"/>
+                <a:ea typeface="Fira Code" panose="020B0809050000020004" pitchFamily="49" charset="0"/>
+                <a:cs typeface="Fira Code" panose="020B0809050000020004" pitchFamily="49" charset="0"/>
               </a:rPr>
               <a:t>j</a:t>
             </a:r>
@@ -4361,7 +4152,9 @@
                 <a:solidFill>
                   <a:srgbClr val="B74919"/>
                 </a:solidFill>
-                <a:cs typeface="Arial" panose="020B0604020202020204" pitchFamily="34" charset="0"/>
+                <a:latin typeface="Fira Code" panose="020B0809050000020004" pitchFamily="49" charset="0"/>
+                <a:ea typeface="Fira Code" panose="020B0809050000020004" pitchFamily="49" charset="0"/>
+                <a:cs typeface="Fira Code" panose="020B0809050000020004" pitchFamily="49" charset="0"/>
               </a:rPr>
               <a:t>by</a:t>
             </a:r>
@@ -4418,7 +4211,7 @@
                 </a:solidFill>
                 <a:cs typeface="Arial" panose="020B0604020202020204" pitchFamily="34" charset="0"/>
               </a:rPr>
-              <a:t>data.tables are also data frames – functions that work with data frames therefore also work with data.tables.</a:t>
+              <a:t>data.tables are also data frames – functions that work with data frames also work with data.tables.</a:t>
             </a:r>
             <a:endParaRPr lang="da-DK" b="0" dirty="0">
               <a:solidFill>
@@ -4459,7 +4252,7 @@
         <p:spPr>
           <a:xfrm>
             <a:off x="289898" y="5500494"/>
-            <a:ext cx="4211596" cy="1005323"/>
+            <a:ext cx="4211596" cy="1042193"/>
           </a:xfrm>
           <a:prstGeom prst="rect">
             <a:avLst/>
@@ -4469,7 +4262,7 @@
           </a:ln>
           <a:extLst>
             <a:ext uri="{C572A759-6A51-4108-AA02-DFA0A04FC94B}">
-              <ma14:wrappingTextBoxFlag xmlns:ma14="http://schemas.microsoft.com/office/mac/drawingml/2011/main" xmlns="" val="1"/>
+              <ma14:wrappingTextBoxFlag xmlns="" xmlns:ma14="http://schemas.microsoft.com/office/mac/drawingml/2011/main" val="1"/>
             </a:ext>
           </a:extLst>
         </p:spPr>
@@ -4485,36 +4278,60 @@
               </a:lnSpc>
             </a:pPr>
             <a:r>
-              <a:rPr lang="en-US" dirty="0">
+              <a:rPr lang="en-US" sz="1100" dirty="0">
                 <a:solidFill>
                   <a:srgbClr val="000000"/>
                 </a:solidFill>
+                <a:latin typeface="Fira Code" panose="020B0809050000020004" pitchFamily="49" charset="0"/>
+                <a:ea typeface="Fira Code" panose="020B0809050000020004" pitchFamily="49" charset="0"/>
+                <a:cs typeface="Fira Code" panose="020B0809050000020004" pitchFamily="49" charset="0"/>
               </a:rPr>
               <a:t>data.table(</a:t>
             </a:r>
             <a:r>
-              <a:rPr lang="en-US" b="0" dirty="0">
+              <a:rPr lang="en-US" sz="1100" b="0" dirty="0">
                 <a:solidFill>
                   <a:srgbClr val="000000"/>
                 </a:solidFill>
+                <a:latin typeface="Fira Code" panose="020B0809050000020004" pitchFamily="49" charset="0"/>
+                <a:ea typeface="Fira Code" panose="020B0809050000020004" pitchFamily="49" charset="0"/>
+                <a:cs typeface="Fira Code" panose="020B0809050000020004" pitchFamily="49" charset="0"/>
               </a:rPr>
               <a:t>a = c(1, 2), b = c("a", "b")</a:t>
             </a:r>
             <a:r>
-              <a:rPr lang="en-US" dirty="0">
+              <a:rPr lang="en-US" sz="1100" dirty="0">
                 <a:solidFill>
                   <a:srgbClr val="000000"/>
                 </a:solidFill>
+                <a:latin typeface="Fira Code" panose="020B0809050000020004" pitchFamily="49" charset="0"/>
+                <a:ea typeface="Fira Code" panose="020B0809050000020004" pitchFamily="49" charset="0"/>
+                <a:cs typeface="Fira Code" panose="020B0809050000020004" pitchFamily="49" charset="0"/>
               </a:rPr>
               <a:t>)</a:t>
             </a:r>
+            <a:endParaRPr lang="en-US" sz="1100" b="0" dirty="0">
+              <a:solidFill>
+                <a:srgbClr val="000000"/>
+              </a:solidFill>
+              <a:latin typeface="Fira Code" panose="020B0809050000020004" pitchFamily="49" charset="0"/>
+              <a:ea typeface="Fira Code" panose="020B0809050000020004" pitchFamily="49" charset="0"/>
+              <a:cs typeface="Fira Code" panose="020B0809050000020004" pitchFamily="49" charset="0"/>
+            </a:endParaRPr>
+          </a:p>
+          <a:p>
+            <a:pPr lvl="1" indent="0">
+              <a:lnSpc>
+                <a:spcPct val="90000"/>
+              </a:lnSpc>
+            </a:pPr>
             <a:r>
               <a:rPr lang="en-US" b="0" dirty="0">
                 <a:solidFill>
                   <a:srgbClr val="000000"/>
                 </a:solidFill>
               </a:rPr>
-              <a:t> – create a data.table from scratch. Analogous to data.frame()</a:t>
+              <a:t>create a data.table from scratch. Analogous to data.frame()</a:t>
             </a:r>
             <a:r>
               <a:rPr lang="en-US" b="0" dirty="0">
@@ -4569,26 +4386,35 @@
               </a:lnSpc>
             </a:pPr>
             <a:r>
-              <a:rPr lang="en-US" dirty="0">
+              <a:rPr lang="en-US" sz="1100" dirty="0">
                 <a:solidFill>
                   <a:srgbClr val="000000"/>
                 </a:solidFill>
+                <a:latin typeface="Fira Code" panose="020B0809050000020004" pitchFamily="49" charset="0"/>
+                <a:ea typeface="Fira Code" panose="020B0809050000020004" pitchFamily="49" charset="0"/>
+                <a:cs typeface="Fira Code" panose="020B0809050000020004" pitchFamily="49" charset="0"/>
               </a:rPr>
               <a:t>setDT(</a:t>
             </a:r>
             <a:r>
-              <a:rPr lang="en-US" b="0" dirty="0">
+              <a:rPr lang="en-US" sz="1100" b="0" dirty="0">
                 <a:solidFill>
                   <a:srgbClr val="000000"/>
                 </a:solidFill>
+                <a:latin typeface="Fira Code" panose="020B0809050000020004" pitchFamily="49" charset="0"/>
+                <a:ea typeface="Fira Code" panose="020B0809050000020004" pitchFamily="49" charset="0"/>
+                <a:cs typeface="Fira Code" panose="020B0809050000020004" pitchFamily="49" charset="0"/>
               </a:rPr>
               <a:t>df</a:t>
             </a:r>
             <a:r>
-              <a:rPr lang="en-US" dirty="0">
+              <a:rPr lang="en-US" sz="1100" dirty="0">
                 <a:solidFill>
                   <a:srgbClr val="000000"/>
                 </a:solidFill>
+                <a:latin typeface="Fira Code" panose="020B0809050000020004" pitchFamily="49" charset="0"/>
+                <a:ea typeface="Fira Code" panose="020B0809050000020004" pitchFamily="49" charset="0"/>
+                <a:cs typeface="Fira Code" panose="020B0809050000020004" pitchFamily="49" charset="0"/>
               </a:rPr>
               <a:t>)</a:t>
             </a:r>
@@ -4601,36 +4427,60 @@
               <a:t>* or </a:t>
             </a:r>
             <a:r>
-              <a:rPr lang="en-US" dirty="0">
+              <a:rPr lang="en-US" sz="1100" dirty="0">
                 <a:solidFill>
                   <a:srgbClr val="000000"/>
                 </a:solidFill>
+                <a:latin typeface="Fira Code" panose="020B0809050000020004" pitchFamily="49" charset="0"/>
+                <a:ea typeface="Fira Code" panose="020B0809050000020004" pitchFamily="49" charset="0"/>
+                <a:cs typeface="Fira Code" panose="020B0809050000020004" pitchFamily="49" charset="0"/>
               </a:rPr>
               <a:t>as.data.table(</a:t>
             </a:r>
             <a:r>
-              <a:rPr lang="en-US" b="0" dirty="0">
+              <a:rPr lang="en-US" sz="1100" b="0" dirty="0" err="1">
                 <a:solidFill>
                   <a:srgbClr val="000000"/>
                 </a:solidFill>
+                <a:latin typeface="Fira Code" panose="020B0809050000020004" pitchFamily="49" charset="0"/>
+                <a:ea typeface="Fira Code" panose="020B0809050000020004" pitchFamily="49" charset="0"/>
+                <a:cs typeface="Fira Code" panose="020B0809050000020004" pitchFamily="49" charset="0"/>
               </a:rPr>
               <a:t>df</a:t>
             </a:r>
             <a:r>
-              <a:rPr lang="en-US" dirty="0">
+              <a:rPr lang="en-US" sz="1100" dirty="0">
                 <a:solidFill>
                   <a:srgbClr val="000000"/>
                 </a:solidFill>
+                <a:latin typeface="Fira Code" panose="020B0809050000020004" pitchFamily="49" charset="0"/>
+                <a:ea typeface="Fira Code" panose="020B0809050000020004" pitchFamily="49" charset="0"/>
+                <a:cs typeface="Fira Code" panose="020B0809050000020004" pitchFamily="49" charset="0"/>
               </a:rPr>
               <a:t>)</a:t>
             </a:r>
+            <a:endParaRPr lang="en-US" sz="1100" b="0" dirty="0">
+              <a:solidFill>
+                <a:srgbClr val="000000"/>
+              </a:solidFill>
+              <a:latin typeface="Fira Code" panose="020B0809050000020004" pitchFamily="49" charset="0"/>
+              <a:ea typeface="Fira Code" panose="020B0809050000020004" pitchFamily="49" charset="0"/>
+              <a:cs typeface="Fira Code" panose="020B0809050000020004" pitchFamily="49" charset="0"/>
+            </a:endParaRPr>
+          </a:p>
+          <a:p>
+            <a:pPr lvl="1" indent="0">
+              <a:lnSpc>
+                <a:spcPct val="90000"/>
+              </a:lnSpc>
+            </a:pPr>
             <a:r>
               <a:rPr lang="en-US" b="0" dirty="0">
                 <a:solidFill>
                   <a:srgbClr val="000000"/>
                 </a:solidFill>
               </a:rPr>
-              <a:t> – convert a data frame or a list to a data.table.</a:t>
+              <a:t>convert a data frame or a list to a data.table.</a:t>
             </a:r>
           </a:p>
         </p:txBody>
@@ -4654,12 +4504,12 @@
           </a:ln>
           <a:extLst>
             <a:ext uri="{C572A759-6A51-4108-AA02-DFA0A04FC94B}">
-              <ma14:wrappingTextBoxFlag xmlns:ma14="http://schemas.microsoft.com/office/mac/drawingml/2011/main" xmlns="" val="1"/>
+              <ma14:wrappingTextBoxFlag xmlns="" xmlns:ma14="http://schemas.microsoft.com/office/mac/drawingml/2011/main" val="1"/>
             </a:ext>
           </a:extLst>
         </p:spPr>
         <p:txBody>
-          <a:bodyPr wrap="square" lIns="0" tIns="12700" rIns="0" bIns="12700" anchor="ctr">
+          <a:bodyPr wrap="square" lIns="0" tIns="12700" rIns="0" bIns="12700" anchor="t">
             <a:spAutoFit/>
           </a:bodyPr>
           <a:lstStyle/>
@@ -4742,7 +4592,7 @@
         <p:spPr>
           <a:xfrm>
             <a:off x="1647107" y="7355629"/>
-            <a:ext cx="2962792" cy="1491906"/>
+            <a:ext cx="2962792" cy="1670930"/>
           </a:xfrm>
           <a:prstGeom prst="rect">
             <a:avLst/>
@@ -4752,7 +4602,7 @@
           </a:ln>
           <a:extLst>
             <a:ext uri="{C572A759-6A51-4108-AA02-DFA0A04FC94B}">
-              <ma14:wrappingTextBoxFlag xmlns:ma14="http://schemas.microsoft.com/office/mac/drawingml/2011/main" xmlns="" val="1"/>
+              <ma14:wrappingTextBoxFlag xmlns="" xmlns:ma14="http://schemas.microsoft.com/office/mac/drawingml/2011/main" val="1"/>
             </a:ext>
           </a:extLst>
         </p:spPr>
@@ -4768,28 +4618,52 @@
               </a:lnSpc>
             </a:pPr>
             <a:r>
-              <a:rPr lang="en-US" b="0" dirty="0">
+              <a:rPr lang="en-US" sz="1100" b="0" dirty="0">
                 <a:solidFill>
                   <a:srgbClr val="000000"/>
                 </a:solidFill>
+                <a:latin typeface="Fira Code" panose="020B0809050000020004" pitchFamily="49" charset="0"/>
+                <a:ea typeface="Fira Code" panose="020B0809050000020004" pitchFamily="49" charset="0"/>
+                <a:cs typeface="Fira Code" panose="020B0809050000020004" pitchFamily="49" charset="0"/>
               </a:rPr>
               <a:t>dt[</a:t>
             </a:r>
             <a:r>
-              <a:rPr lang="en-US" dirty="0">
+              <a:rPr lang="en-US" sz="1100" dirty="0">
                 <a:solidFill>
                   <a:srgbClr val="119571"/>
                 </a:solidFill>
+                <a:latin typeface="Fira Code" panose="020B0809050000020004" pitchFamily="49" charset="0"/>
+                <a:ea typeface="Fira Code" panose="020B0809050000020004" pitchFamily="49" charset="0"/>
+                <a:cs typeface="Fira Code" panose="020B0809050000020004" pitchFamily="49" charset="0"/>
               </a:rPr>
               <a:t>1:2</a:t>
             </a:r>
             <a:r>
+              <a:rPr lang="en-US" sz="1100" b="0" dirty="0">
+                <a:solidFill>
+                  <a:srgbClr val="000000"/>
+                </a:solidFill>
+                <a:latin typeface="Fira Code" panose="020B0809050000020004" pitchFamily="49" charset="0"/>
+                <a:ea typeface="Fira Code" panose="020B0809050000020004" pitchFamily="49" charset="0"/>
+                <a:cs typeface="Fira Code" panose="020B0809050000020004" pitchFamily="49" charset="0"/>
+              </a:rPr>
+              <a:t>]</a:t>
+            </a:r>
+          </a:p>
+          <a:p>
+            <a:pPr lvl="1" indent="0">
+              <a:lnSpc>
+                <a:spcPct val="90000"/>
+              </a:lnSpc>
+            </a:pPr>
+            <a:r>
               <a:rPr lang="en-US" b="0" dirty="0">
                 <a:solidFill>
                   <a:srgbClr val="000000"/>
                 </a:solidFill>
               </a:rPr>
-              <a:t>, ] – subset rows based on row numbers.</a:t>
+              <a:t>subset rows based on row numbers.</a:t>
             </a:r>
           </a:p>
           <a:p>
@@ -4886,35 +4760,44 @@
             </a:endParaRPr>
           </a:p>
           <a:p>
-            <a:pPr>
+            <a:pPr lvl="1" indent="0">
               <a:lnSpc>
                 <a:spcPct val="90000"/>
               </a:lnSpc>
-              <a:spcBef>
-                <a:spcPts val="300"/>
-              </a:spcBef>
-              <a:buClr>
-                <a:schemeClr val="accent4">
-                  <a:hueOff val="384618"/>
-                  <a:satOff val="3869"/>
-                  <a:lumOff val="5802"/>
-                </a:schemeClr>
-              </a:buClr>
-              <a:defRPr b="0">
+            </a:pPr>
+            <a:r>
+              <a:rPr lang="en-US" sz="1100" b="0" dirty="0">
                 <a:solidFill>
                   <a:srgbClr val="000000"/>
                 </a:solidFill>
-                <a:latin typeface="+mn-lt"/>
-                <a:ea typeface="+mn-ea"/>
-                <a:cs typeface="+mn-cs"/>
-                <a:sym typeface="Source Sans Pro Light"/>
-              </a:defRPr>
-            </a:pPr>
-            <a:endParaRPr lang="en-US" sz="1000" b="0" dirty="0">
-              <a:solidFill>
-                <a:srgbClr val="000000"/>
-              </a:solidFill>
-            </a:endParaRPr>
+                <a:latin typeface="Fira Code" panose="020B0809050000020004" pitchFamily="49" charset="0"/>
+                <a:ea typeface="Fira Code" panose="020B0809050000020004" pitchFamily="49" charset="0"/>
+                <a:cs typeface="Fira Code" panose="020B0809050000020004" pitchFamily="49" charset="0"/>
+              </a:rPr>
+              <a:t>dt[</a:t>
+            </a:r>
+            <a:r>
+              <a:rPr lang="en-US" sz="1100" dirty="0">
+                <a:solidFill>
+                  <a:srgbClr val="119571"/>
+                </a:solidFill>
+                <a:latin typeface="Fira Code" panose="020B0809050000020004" pitchFamily="49" charset="0"/>
+                <a:ea typeface="Fira Code" panose="020B0809050000020004" pitchFamily="49" charset="0"/>
+                <a:cs typeface="Fira Code" panose="020B0809050000020004" pitchFamily="49" charset="0"/>
+              </a:rPr>
+              <a:t>a &gt; 5</a:t>
+            </a:r>
+            <a:r>
+              <a:rPr lang="en-US" sz="1100" b="0" dirty="0">
+                <a:solidFill>
+                  <a:srgbClr val="000000"/>
+                </a:solidFill>
+                <a:latin typeface="Fira Code" panose="020B0809050000020004" pitchFamily="49" charset="0"/>
+                <a:ea typeface="Fira Code" panose="020B0809050000020004" pitchFamily="49" charset="0"/>
+                <a:cs typeface="Fira Code" panose="020B0809050000020004" pitchFamily="49" charset="0"/>
+              </a:rPr>
+              <a:t>]</a:t>
+            </a:r>
           </a:p>
           <a:p>
             <a:pPr lvl="1" indent="0">
@@ -4928,23 +4811,7 @@
                   <a:srgbClr val="000000"/>
                 </a:solidFill>
               </a:rPr>
-              <a:t>dt[</a:t>
-            </a:r>
-            <a:r>
-              <a:rPr lang="en-US" dirty="0">
-                <a:solidFill>
-                  <a:srgbClr val="119571"/>
-                </a:solidFill>
-              </a:rPr>
-              <a:t>a &gt; 5</a:t>
-            </a:r>
-            <a:r>
-              <a:rPr lang="en-US" b="0" dirty="0">
-                <a:solidFill>
-                  <a:srgbClr val="000000"/>
-                </a:solidFill>
-              </a:rPr>
-              <a:t>, ] – subset rows based on values in one or more columns.</a:t>
+              <a:t>subset rows based on values in one or more columns.</a:t>
             </a:r>
             <a:endParaRPr lang="da-DK" b="0" dirty="0">
               <a:solidFill>
@@ -5004,12 +4871,12 @@
           </a:ln>
           <a:extLst>
             <a:ext uri="{C572A759-6A51-4108-AA02-DFA0A04FC94B}">
-              <ma14:wrappingTextBoxFlag xmlns:ma14="http://schemas.microsoft.com/office/mac/drawingml/2011/main" xmlns="" val="1"/>
+              <ma14:wrappingTextBoxFlag xmlns="" xmlns:ma14="http://schemas.microsoft.com/office/mac/drawingml/2011/main" val="1"/>
             </a:ext>
           </a:extLst>
         </p:spPr>
         <p:txBody>
-          <a:bodyPr wrap="square" lIns="0" tIns="14400" rIns="0" bIns="12700" anchor="ctr">
+          <a:bodyPr wrap="square" lIns="0" tIns="14400" rIns="0" bIns="12700" anchor="t">
             <a:spAutoFit/>
           </a:bodyPr>
           <a:lstStyle/>
@@ -5110,7 +4977,7 @@
           </a:ln>
           <a:extLst>
             <a:ext uri="{C572A759-6A51-4108-AA02-DFA0A04FC94B}">
-              <ma14:wrappingTextBoxFlag xmlns:ma14="http://schemas.microsoft.com/office/mac/drawingml/2011/main" xmlns="" val="1"/>
+              <ma14:wrappingTextBoxFlag xmlns="" xmlns:ma14="http://schemas.microsoft.com/office/mac/drawingml/2011/main" val="1"/>
             </a:ext>
           </a:extLst>
         </p:spPr>
@@ -5192,7 +5059,7 @@
         <p:spPr>
           <a:xfrm>
             <a:off x="289898" y="9475631"/>
-            <a:ext cx="4211596" cy="468253"/>
+            <a:ext cx="4316400" cy="444015"/>
           </a:xfrm>
           <a:prstGeom prst="rect">
             <a:avLst/>
@@ -5202,7 +5069,7 @@
           </a:ln>
           <a:extLst>
             <a:ext uri="{C572A759-6A51-4108-AA02-DFA0A04FC94B}">
-              <ma14:wrappingTextBoxFlag xmlns:ma14="http://schemas.microsoft.com/office/mac/drawingml/2011/main" xmlns="" val="1"/>
+              <ma14:wrappingTextBoxFlag xmlns="" xmlns:ma14="http://schemas.microsoft.com/office/mac/drawingml/2011/main" val="1"/>
             </a:ext>
           </a:extLst>
         </p:spPr>
@@ -5218,18 +5085,24 @@
               </a:lnSpc>
             </a:pPr>
             <a:r>
-              <a:rPr lang="en-US" b="0" dirty="0">
+              <a:rPr lang="en-US" sz="1100" b="0" dirty="0">
                 <a:solidFill>
                   <a:srgbClr val="000000"/>
                 </a:solidFill>
+                <a:latin typeface="Fira Code" panose="020B0809050000020004" pitchFamily="49" charset="0"/>
+                <a:ea typeface="Fira Code" panose="020B0809050000020004" pitchFamily="49" charset="0"/>
+                <a:cs typeface="Fira Code" panose="020B0809050000020004" pitchFamily="49" charset="0"/>
               </a:rPr>
               <a:t>&lt;	&lt;=	is.na()	%in%	|	</a:t>
             </a:r>
             <a:r>
-              <a:rPr lang="en-US" dirty="0">
+              <a:rPr lang="en-US" sz="1100" dirty="0">
                 <a:solidFill>
                   <a:srgbClr val="000000"/>
                 </a:solidFill>
+                <a:latin typeface="Fira Code" panose="020B0809050000020004" pitchFamily="49" charset="0"/>
+                <a:ea typeface="Fira Code" panose="020B0809050000020004" pitchFamily="49" charset="0"/>
+                <a:cs typeface="Fira Code" panose="020B0809050000020004" pitchFamily="49" charset="0"/>
               </a:rPr>
               <a:t>%like%</a:t>
             </a:r>
@@ -5241,18 +5114,24 @@
               </a:lnSpc>
             </a:pPr>
             <a:r>
-              <a:rPr lang="en-US" b="0" dirty="0">
+              <a:rPr lang="en-US" sz="1100" b="0" dirty="0">
                 <a:solidFill>
                   <a:srgbClr val="000000"/>
                 </a:solidFill>
+                <a:latin typeface="Fira Code" panose="020B0809050000020004" pitchFamily="49" charset="0"/>
+                <a:ea typeface="Fira Code" panose="020B0809050000020004" pitchFamily="49" charset="0"/>
+                <a:cs typeface="Fira Code" panose="020B0809050000020004" pitchFamily="49" charset="0"/>
               </a:rPr>
               <a:t>&gt;	&gt;=	!is.na()	!	&amp;	</a:t>
             </a:r>
             <a:r>
-              <a:rPr lang="en-US" dirty="0">
+              <a:rPr lang="en-US" sz="1100" dirty="0">
                 <a:solidFill>
                   <a:srgbClr val="000000"/>
                 </a:solidFill>
+                <a:latin typeface="Fira Code" panose="020B0809050000020004" pitchFamily="49" charset="0"/>
+                <a:ea typeface="Fira Code" panose="020B0809050000020004" pitchFamily="49" charset="0"/>
+                <a:cs typeface="Fira Code" panose="020B0809050000020004" pitchFamily="49" charset="0"/>
               </a:rPr>
               <a:t>%between%</a:t>
             </a:r>
@@ -5955,7 +5834,7 @@
         <p:spPr>
           <a:xfrm>
             <a:off x="6057252" y="2502410"/>
-            <a:ext cx="3063543" cy="332399"/>
+            <a:ext cx="3063543" cy="510396"/>
           </a:xfrm>
           <a:prstGeom prst="rect">
             <a:avLst/>
@@ -5965,7 +5844,7 @@
           </a:ln>
           <a:extLst>
             <a:ext uri="{C572A759-6A51-4108-AA02-DFA0A04FC94B}">
-              <ma14:wrappingTextBoxFlag xmlns:ma14="http://schemas.microsoft.com/office/mac/drawingml/2011/main" xmlns="" val="1"/>
+              <ma14:wrappingTextBoxFlag xmlns="" xmlns:ma14="http://schemas.microsoft.com/office/mac/drawingml/2011/main" val="1"/>
             </a:ext>
           </a:extLst>
         </p:spPr>
@@ -5981,28 +5860,52 @@
               </a:lnSpc>
             </a:pPr>
             <a:r>
-              <a:rPr lang="en-US" b="0" dirty="0">
+              <a:rPr lang="en-US" sz="1100" b="0" dirty="0">
                 <a:solidFill>
                   <a:srgbClr val="000000"/>
                 </a:solidFill>
+                <a:latin typeface="Fira Code" panose="020B0809050000020004" pitchFamily="49" charset="0"/>
+                <a:ea typeface="Fira Code" panose="020B0809050000020004" pitchFamily="49" charset="0"/>
+                <a:cs typeface="Fira Code" panose="020B0809050000020004" pitchFamily="49" charset="0"/>
               </a:rPr>
               <a:t>dt[, </a:t>
             </a:r>
             <a:r>
-              <a:rPr lang="en-US" dirty="0">
+              <a:rPr lang="en-US" sz="1100" dirty="0">
                 <a:solidFill>
                   <a:srgbClr val="0070C0"/>
                 </a:solidFill>
+                <a:latin typeface="Fira Code" panose="020B0809050000020004" pitchFamily="49" charset="0"/>
+                <a:ea typeface="Fira Code" panose="020B0809050000020004" pitchFamily="49" charset="0"/>
+                <a:cs typeface="Fira Code" panose="020B0809050000020004" pitchFamily="49" charset="0"/>
               </a:rPr>
               <a:t>c(2)</a:t>
             </a:r>
             <a:r>
+              <a:rPr lang="en-US" sz="1100" b="0" dirty="0">
+                <a:solidFill>
+                  <a:srgbClr val="000000"/>
+                </a:solidFill>
+                <a:latin typeface="Fira Code" panose="020B0809050000020004" pitchFamily="49" charset="0"/>
+                <a:ea typeface="Fira Code" panose="020B0809050000020004" pitchFamily="49" charset="0"/>
+                <a:cs typeface="Fira Code" panose="020B0809050000020004" pitchFamily="49" charset="0"/>
+              </a:rPr>
+              <a:t>]</a:t>
+            </a:r>
+          </a:p>
+          <a:p>
+            <a:pPr lvl="1" indent="0">
+              <a:lnSpc>
+                <a:spcPct val="90000"/>
+              </a:lnSpc>
+            </a:pPr>
+            <a:r>
               <a:rPr lang="en-US" b="0" dirty="0">
                 <a:solidFill>
                   <a:srgbClr val="000000"/>
                 </a:solidFill>
               </a:rPr>
-              <a:t>] – extract columns by number. Prefix column numbers with “-” to drop.</a:t>
+              <a:t>extract columns by number. Prefix column numbers with “-” to drop.</a:t>
             </a:r>
           </a:p>
         </p:txBody>
@@ -6578,7 +6481,7 @@
         <p:spPr>
           <a:xfrm>
             <a:off x="6057253" y="3350613"/>
-            <a:ext cx="3063542" cy="166199"/>
+            <a:ext cx="3063542" cy="344197"/>
           </a:xfrm>
           <a:prstGeom prst="rect">
             <a:avLst/>
@@ -6588,7 +6491,7 @@
           </a:ln>
           <a:extLst>
             <a:ext uri="{C572A759-6A51-4108-AA02-DFA0A04FC94B}">
-              <ma14:wrappingTextBoxFlag xmlns:ma14="http://schemas.microsoft.com/office/mac/drawingml/2011/main" xmlns="" val="1"/>
+              <ma14:wrappingTextBoxFlag xmlns="" xmlns:ma14="http://schemas.microsoft.com/office/mac/drawingml/2011/main" val="1"/>
             </a:ext>
           </a:extLst>
         </p:spPr>
@@ -6604,28 +6507,52 @@
               </a:lnSpc>
             </a:pPr>
             <a:r>
-              <a:rPr lang="en-US" b="0" dirty="0">
+              <a:rPr lang="en-US" sz="1100" b="0" dirty="0">
                 <a:solidFill>
                   <a:srgbClr val="000000"/>
                 </a:solidFill>
+                <a:latin typeface="Fira Code" panose="020B0809050000020004" pitchFamily="49" charset="0"/>
+                <a:ea typeface="Fira Code" panose="020B0809050000020004" pitchFamily="49" charset="0"/>
+                <a:cs typeface="Fira Code" panose="020B0809050000020004" pitchFamily="49" charset="0"/>
               </a:rPr>
               <a:t>dt[, </a:t>
             </a:r>
             <a:r>
-              <a:rPr lang="en-US" dirty="0">
+              <a:rPr lang="en-US" sz="1100" dirty="0">
                 <a:solidFill>
                   <a:srgbClr val="0070C0"/>
                 </a:solidFill>
+                <a:latin typeface="Fira Code" panose="020B0809050000020004" pitchFamily="49" charset="0"/>
+                <a:ea typeface="Fira Code" panose="020B0809050000020004" pitchFamily="49" charset="0"/>
+                <a:cs typeface="Fira Code" panose="020B0809050000020004" pitchFamily="49" charset="0"/>
               </a:rPr>
               <a:t>.(b, c)</a:t>
             </a:r>
             <a:r>
+              <a:rPr lang="en-US" sz="1100" b="0" dirty="0">
+                <a:solidFill>
+                  <a:srgbClr val="000000"/>
+                </a:solidFill>
+                <a:latin typeface="Fira Code" panose="020B0809050000020004" pitchFamily="49" charset="0"/>
+                <a:ea typeface="Fira Code" panose="020B0809050000020004" pitchFamily="49" charset="0"/>
+                <a:cs typeface="Fira Code" panose="020B0809050000020004" pitchFamily="49" charset="0"/>
+              </a:rPr>
+              <a:t>]</a:t>
+            </a:r>
+          </a:p>
+          <a:p>
+            <a:pPr lvl="1" indent="0">
+              <a:lnSpc>
+                <a:spcPct val="90000"/>
+              </a:lnSpc>
+            </a:pPr>
+            <a:r>
               <a:rPr lang="en-US" b="0" dirty="0">
                 <a:solidFill>
                   <a:srgbClr val="000000"/>
                 </a:solidFill>
               </a:rPr>
-              <a:t>] – extract columns by name</a:t>
+              <a:t>extract columns by name</a:t>
             </a:r>
             <a:r>
               <a:rPr lang="en-US" b="0" dirty="0">
@@ -8080,7 +8007,7 @@
         <p:spPr>
           <a:xfrm>
             <a:off x="5904365" y="4544336"/>
-            <a:ext cx="3250160" cy="882293"/>
+            <a:ext cx="3250160" cy="977191"/>
           </a:xfrm>
           <a:prstGeom prst="rect">
             <a:avLst/>
@@ -8090,7 +8017,7 @@
           </a:ln>
           <a:extLst>
             <a:ext uri="{C572A759-6A51-4108-AA02-DFA0A04FC94B}">
-              <ma14:wrappingTextBoxFlag xmlns:ma14="http://schemas.microsoft.com/office/mac/drawingml/2011/main" xmlns="" val="1"/>
+              <ma14:wrappingTextBoxFlag xmlns="" xmlns:ma14="http://schemas.microsoft.com/office/mac/drawingml/2011/main" val="1"/>
             </a:ext>
           </a:extLst>
         </p:spPr>
@@ -8106,34 +8033,37 @@
               </a:lnSpc>
             </a:pPr>
             <a:r>
-              <a:rPr lang="en-US" b="0" dirty="0">
+              <a:rPr lang="en-US" sz="1100" b="0" dirty="0">
                 <a:solidFill>
                   <a:srgbClr val="000000"/>
                 </a:solidFill>
-                <a:latin typeface="Source Sans Pro" panose="020B0503030403020204" pitchFamily="34" charset="0"/>
-                <a:ea typeface="Source Sans Pro" panose="020B0503030403020204" pitchFamily="34" charset="0"/>
+                <a:latin typeface="Fira Code" panose="020B0809050000020004" pitchFamily="49" charset="0"/>
+                <a:ea typeface="Fira Code" panose="020B0809050000020004" pitchFamily="49" charset="0"/>
+                <a:cs typeface="Fira Code" panose="020B0809050000020004" pitchFamily="49" charset="0"/>
               </a:rPr>
               <a:t>dt[, </a:t>
             </a:r>
             <a:r>
-              <a:rPr lang="en-US" dirty="0">
+              <a:rPr lang="en-US" sz="1100" dirty="0">
                 <a:solidFill>
                   <a:srgbClr val="0070C0"/>
                 </a:solidFill>
-                <a:latin typeface="Source Sans Pro" panose="020B0503030403020204" pitchFamily="34" charset="0"/>
-                <a:ea typeface="Source Sans Pro" panose="020B0503030403020204" pitchFamily="34" charset="0"/>
+                <a:latin typeface="Fira Code" panose="020B0809050000020004" pitchFamily="49" charset="0"/>
+                <a:ea typeface="Fira Code" panose="020B0809050000020004" pitchFamily="49" charset="0"/>
+                <a:cs typeface="Fira Code" panose="020B0809050000020004" pitchFamily="49" charset="0"/>
               </a:rPr>
               <a:t>.(x = sum(a))</a:t>
             </a:r>
             <a:r>
-              <a:rPr lang="en-US" b="0" dirty="0">
+              <a:rPr lang="en-US" sz="1100" b="0" dirty="0">
                 <a:solidFill>
                   <a:srgbClr val="000000"/>
                 </a:solidFill>
-                <a:latin typeface="Source Sans Pro" panose="020B0503030403020204" pitchFamily="34" charset="0"/>
-                <a:ea typeface="Source Sans Pro" panose="020B0503030403020204" pitchFamily="34" charset="0"/>
+                <a:latin typeface="Fira Code" panose="020B0809050000020004" pitchFamily="49" charset="0"/>
+                <a:ea typeface="Fira Code" panose="020B0809050000020004" pitchFamily="49" charset="0"/>
+                <a:cs typeface="Fira Code" panose="020B0809050000020004" pitchFamily="49" charset="0"/>
               </a:rPr>
-              <a:t>] – create a data.table with new columns based on the summarized values of rows.</a:t>
+              <a:t>]</a:t>
             </a:r>
           </a:p>
           <a:p>
@@ -8142,7 +8072,24 @@
                 <a:spcPct val="90000"/>
               </a:lnSpc>
             </a:pPr>
-            <a:endParaRPr lang="en-US" b="0" dirty="0">
+            <a:r>
+              <a:rPr lang="en-US" b="0" dirty="0">
+                <a:solidFill>
+                  <a:srgbClr val="000000"/>
+                </a:solidFill>
+                <a:latin typeface="Source Sans Pro" panose="020B0503030403020204" pitchFamily="34" charset="0"/>
+                <a:ea typeface="Source Sans Pro" panose="020B0503030403020204" pitchFamily="34" charset="0"/>
+              </a:rPr>
+              <a:t>create a data.table with new columns based on the summarized values of rows.</a:t>
+            </a:r>
+          </a:p>
+          <a:p>
+            <a:pPr lvl="1" indent="0">
+              <a:lnSpc>
+                <a:spcPct val="90000"/>
+              </a:lnSpc>
+            </a:pPr>
+            <a:endParaRPr lang="en-US" sz="600" b="0" dirty="0">
               <a:solidFill>
                 <a:srgbClr val="000000"/>
               </a:solidFill>
@@ -8225,7 +8172,7 @@
         <p:spPr>
           <a:xfrm>
             <a:off x="9357554" y="3786541"/>
-            <a:ext cx="4320000" cy="1632161"/>
+            <a:ext cx="4320000" cy="1798360"/>
           </a:xfrm>
           <a:prstGeom prst="rect">
             <a:avLst/>
@@ -8235,7 +8182,7 @@
           </a:ln>
           <a:extLst>
             <a:ext uri="{C572A759-6A51-4108-AA02-DFA0A04FC94B}">
-              <ma14:wrappingTextBoxFlag xmlns:ma14="http://schemas.microsoft.com/office/mac/drawingml/2011/main" xmlns="" val="1"/>
+              <ma14:wrappingTextBoxFlag xmlns="" xmlns:ma14="http://schemas.microsoft.com/office/mac/drawingml/2011/main" val="1"/>
             </a:ext>
           </a:extLst>
         </p:spPr>
@@ -8251,50 +8198,68 @@
               </a:lnSpc>
             </a:pPr>
             <a:r>
-              <a:rPr lang="en-US" b="0" dirty="0">
+              <a:rPr lang="en-US" sz="1100" b="0" dirty="0">
                 <a:solidFill>
                   <a:srgbClr val="000000"/>
                 </a:solidFill>
+                <a:latin typeface="Fira Code" panose="020B0809050000020004" pitchFamily="49" charset="0"/>
+                <a:ea typeface="Fira Code" panose="020B0809050000020004" pitchFamily="49" charset="0"/>
+                <a:cs typeface="Fira Code" panose="020B0809050000020004" pitchFamily="49" charset="0"/>
               </a:rPr>
               <a:t>dt[, </a:t>
             </a:r>
             <a:r>
-              <a:rPr lang="en-US" dirty="0">
+              <a:rPr lang="en-US" sz="1100" dirty="0">
                 <a:solidFill>
                   <a:srgbClr val="0070C0"/>
                 </a:solidFill>
+                <a:latin typeface="Fira Code" panose="020B0809050000020004" pitchFamily="49" charset="0"/>
+                <a:ea typeface="Fira Code" panose="020B0809050000020004" pitchFamily="49" charset="0"/>
+                <a:cs typeface="Fira Code" panose="020B0809050000020004" pitchFamily="49" charset="0"/>
               </a:rPr>
               <a:t>.(c = sum(b))</a:t>
             </a:r>
             <a:r>
-              <a:rPr lang="en-US" dirty="0">
+              <a:rPr lang="en-US" sz="1100" dirty="0">
                 <a:solidFill>
                   <a:srgbClr val="000000"/>
                 </a:solidFill>
+                <a:latin typeface="Fira Code" panose="020B0809050000020004" pitchFamily="49" charset="0"/>
+                <a:ea typeface="Fira Code" panose="020B0809050000020004" pitchFamily="49" charset="0"/>
+                <a:cs typeface="Fira Code" panose="020B0809050000020004" pitchFamily="49" charset="0"/>
               </a:rPr>
               <a:t>, </a:t>
             </a:r>
             <a:r>
-              <a:rPr lang="en-US" dirty="0">
+              <a:rPr lang="en-US" sz="1100" dirty="0">
                 <a:solidFill>
                   <a:srgbClr val="B74919"/>
                 </a:solidFill>
+                <a:latin typeface="Fira Code" panose="020B0809050000020004" pitchFamily="49" charset="0"/>
+                <a:ea typeface="Fira Code" panose="020B0809050000020004" pitchFamily="49" charset="0"/>
+                <a:cs typeface="Fira Code" panose="020B0809050000020004" pitchFamily="49" charset="0"/>
               </a:rPr>
               <a:t>by = a</a:t>
             </a:r>
             <a:r>
-              <a:rPr lang="en-US" b="0" dirty="0">
+              <a:rPr lang="en-US" sz="1100" b="0" dirty="0">
                 <a:solidFill>
                   <a:srgbClr val="000000"/>
                 </a:solidFill>
+                <a:latin typeface="Fira Code" panose="020B0809050000020004" pitchFamily="49" charset="0"/>
+                <a:ea typeface="Fira Code" panose="020B0809050000020004" pitchFamily="49" charset="0"/>
+                <a:cs typeface="Fira Code" panose="020B0809050000020004" pitchFamily="49" charset="0"/>
               </a:rPr>
               <a:t>]</a:t>
             </a:r>
             <a:r>
-              <a:rPr lang="en-US" b="0" dirty="0">
+              <a:rPr lang="en-US" sz="1100" b="0" dirty="0">
                 <a:solidFill>
                   <a:srgbClr val="B74919"/>
                 </a:solidFill>
+                <a:latin typeface="Fira Code" panose="020B0809050000020004" pitchFamily="49" charset="0"/>
+                <a:ea typeface="Fira Code" panose="020B0809050000020004" pitchFamily="49" charset="0"/>
+                <a:cs typeface="Fira Code" panose="020B0809050000020004" pitchFamily="49" charset="0"/>
               </a:rPr>
               <a:t> </a:t>
             </a:r>
@@ -8359,57 +8324,84 @@
               </a:lnSpc>
             </a:pPr>
             <a:r>
-              <a:rPr lang="en-US" b="0" dirty="0">
+              <a:rPr lang="en-US" sz="1100" b="0" dirty="0">
                 <a:solidFill>
                   <a:srgbClr val="000000"/>
                 </a:solidFill>
+                <a:latin typeface="Fira Code" panose="020B0809050000020004" pitchFamily="49" charset="0"/>
+                <a:ea typeface="Fira Code" panose="020B0809050000020004" pitchFamily="49" charset="0"/>
+                <a:cs typeface="Fira Code" panose="020B0809050000020004" pitchFamily="49" charset="0"/>
                 <a:sym typeface="Source Sans Pro Light"/>
               </a:rPr>
               <a:t>dt[,</a:t>
             </a:r>
             <a:r>
-              <a:rPr lang="en-US" dirty="0">
+              <a:rPr lang="en-US" sz="1100" dirty="0">
                 <a:solidFill>
                   <a:srgbClr val="206DA5"/>
                 </a:solidFill>
+                <a:latin typeface="Fira Code" panose="020B0809050000020004" pitchFamily="49" charset="0"/>
+                <a:ea typeface="Fira Code" panose="020B0809050000020004" pitchFamily="49" charset="0"/>
+                <a:cs typeface="Fira Code" panose="020B0809050000020004" pitchFamily="49" charset="0"/>
                 <a:sym typeface="Source Sans Pro Light"/>
               </a:rPr>
               <a:t> </a:t>
             </a:r>
             <a:r>
-              <a:rPr lang="en-US" dirty="0">
+              <a:rPr lang="en-US" sz="1100" dirty="0">
                 <a:solidFill>
                   <a:srgbClr val="0070C0"/>
                 </a:solidFill>
+                <a:latin typeface="Fira Code" panose="020B0809050000020004" pitchFamily="49" charset="0"/>
+                <a:ea typeface="Fira Code" panose="020B0809050000020004" pitchFamily="49" charset="0"/>
+                <a:cs typeface="Fira Code" panose="020B0809050000020004" pitchFamily="49" charset="0"/>
                 <a:sym typeface="Source Sans Pro Light"/>
               </a:rPr>
               <a:t>c := sum(b)</a:t>
             </a:r>
             <a:r>
-              <a:rPr lang="en-US" dirty="0">
+              <a:rPr lang="en-US" sz="1100" dirty="0">
                 <a:solidFill>
                   <a:srgbClr val="000000"/>
                 </a:solidFill>
+                <a:latin typeface="Fira Code" panose="020B0809050000020004" pitchFamily="49" charset="0"/>
+                <a:ea typeface="Fira Code" panose="020B0809050000020004" pitchFamily="49" charset="0"/>
+                <a:cs typeface="Fira Code" panose="020B0809050000020004" pitchFamily="49" charset="0"/>
                 <a:sym typeface="Source Sans Pro Light"/>
               </a:rPr>
               <a:t>, </a:t>
             </a:r>
             <a:r>
-              <a:rPr lang="en-US" dirty="0">
+              <a:rPr lang="en-US" sz="1100" dirty="0">
                 <a:solidFill>
                   <a:srgbClr val="B74919"/>
                 </a:solidFill>
+                <a:latin typeface="Fira Code" panose="020B0809050000020004" pitchFamily="49" charset="0"/>
+                <a:ea typeface="Fira Code" panose="020B0809050000020004" pitchFamily="49" charset="0"/>
+                <a:cs typeface="Fira Code" panose="020B0809050000020004" pitchFamily="49" charset="0"/>
               </a:rPr>
               <a:t>by = a</a:t>
             </a:r>
             <a:r>
-              <a:rPr lang="en-US" b="0" dirty="0">
+              <a:rPr lang="en-US" sz="1100" b="0" dirty="0">
                 <a:solidFill>
                   <a:srgbClr val="000000"/>
                 </a:solidFill>
+                <a:latin typeface="Fira Code" panose="020B0809050000020004" pitchFamily="49" charset="0"/>
+                <a:ea typeface="Fira Code" panose="020B0809050000020004" pitchFamily="49" charset="0"/>
+                <a:cs typeface="Fira Code" panose="020B0809050000020004" pitchFamily="49" charset="0"/>
                 <a:sym typeface="Source Sans Pro Light"/>
               </a:rPr>
-              <a:t>] – create a new column and compute rows within groups</a:t>
+              <a:t>] </a:t>
+            </a:r>
+            <a:r>
+              <a:rPr lang="en-US" b="0" dirty="0">
+                <a:solidFill>
+                  <a:srgbClr val="000000"/>
+                </a:solidFill>
+                <a:sym typeface="Source Sans Pro Light"/>
+              </a:rPr>
+              <a:t>– create a new column and compute rows within groups</a:t>
             </a:r>
             <a:r>
               <a:rPr lang="da-DK" b="0" dirty="0">
@@ -8464,44 +8456,67 @@
               </a:lnSpc>
             </a:pPr>
             <a:r>
-              <a:rPr lang="en-US" b="0" dirty="0">
+              <a:rPr lang="en-US" sz="1100" b="0" dirty="0">
                 <a:solidFill>
                   <a:srgbClr val="000000"/>
                 </a:solidFill>
+                <a:latin typeface="Fira Code" panose="020B0809050000020004" pitchFamily="49" charset="0"/>
+                <a:ea typeface="Fira Code" panose="020B0809050000020004" pitchFamily="49" charset="0"/>
+                <a:cs typeface="Fira Code" panose="020B0809050000020004" pitchFamily="49" charset="0"/>
               </a:rPr>
               <a:t>dt[, </a:t>
             </a:r>
             <a:r>
-              <a:rPr lang="en-US" dirty="0">
+              <a:rPr lang="en-US" sz="1100" dirty="0">
                 <a:solidFill>
                   <a:srgbClr val="0070C0"/>
                 </a:solidFill>
+                <a:latin typeface="Fira Code" panose="020B0809050000020004" pitchFamily="49" charset="0"/>
+                <a:ea typeface="Fira Code" panose="020B0809050000020004" pitchFamily="49" charset="0"/>
+                <a:cs typeface="Fira Code" panose="020B0809050000020004" pitchFamily="49" charset="0"/>
               </a:rPr>
               <a:t>.SD[1]</a:t>
             </a:r>
             <a:r>
-              <a:rPr lang="en-US" dirty="0">
+              <a:rPr lang="en-US" sz="1100" dirty="0">
                 <a:solidFill>
                   <a:srgbClr val="000000"/>
                 </a:solidFill>
+                <a:latin typeface="Fira Code" panose="020B0809050000020004" pitchFamily="49" charset="0"/>
+                <a:ea typeface="Fira Code" panose="020B0809050000020004" pitchFamily="49" charset="0"/>
+                <a:cs typeface="Fira Code" panose="020B0809050000020004" pitchFamily="49" charset="0"/>
               </a:rPr>
               <a:t>, </a:t>
             </a:r>
             <a:r>
-              <a:rPr lang="en-US" dirty="0">
+              <a:rPr lang="en-US" sz="1100" dirty="0">
                 <a:solidFill>
                   <a:srgbClr val="B74919"/>
                 </a:solidFill>
+                <a:latin typeface="Fira Code" panose="020B0809050000020004" pitchFamily="49" charset="0"/>
+                <a:ea typeface="Fira Code" panose="020B0809050000020004" pitchFamily="49" charset="0"/>
+                <a:cs typeface="Fira Code" panose="020B0809050000020004" pitchFamily="49" charset="0"/>
               </a:rPr>
               <a:t>by = a</a:t>
             </a:r>
             <a:r>
+              <a:rPr lang="en-US" sz="1100" b="0" dirty="0">
+                <a:solidFill>
+                  <a:srgbClr val="000000"/>
+                </a:solidFill>
+                <a:latin typeface="Fira Code" panose="020B0809050000020004" pitchFamily="49" charset="0"/>
+                <a:ea typeface="Fira Code" panose="020B0809050000020004" pitchFamily="49" charset="0"/>
+                <a:cs typeface="Fira Code" panose="020B0809050000020004" pitchFamily="49" charset="0"/>
+              </a:rPr>
+              <a:t>] </a:t>
+            </a:r>
+            <a:r>
               <a:rPr lang="en-US" b="0" dirty="0">
                 <a:solidFill>
                   <a:srgbClr val="000000"/>
                 </a:solidFill>
               </a:rPr>
-              <a:t>] – extract first row of groups.</a:t>
+              <a:t>– extract first row of groups.</a:t>
             </a:r>
             <a:endParaRPr lang="da-DK" b="0" dirty="0">
               <a:solidFill>
@@ -8547,48 +8562,72 @@
               </a:lnSpc>
             </a:pPr>
             <a:r>
-              <a:rPr lang="en-US" b="0" dirty="0">
+              <a:rPr lang="en-US" sz="1100" b="0" dirty="0">
                 <a:solidFill>
                   <a:srgbClr val="000000"/>
                 </a:solidFill>
+                <a:latin typeface="Fira Code" panose="020B0809050000020004" pitchFamily="49" charset="0"/>
+                <a:ea typeface="Fira Code" panose="020B0809050000020004" pitchFamily="49" charset="0"/>
+                <a:cs typeface="Fira Code" panose="020B0809050000020004" pitchFamily="49" charset="0"/>
                 <a:sym typeface="Source Sans Pro Light"/>
               </a:rPr>
               <a:t>dt[, </a:t>
             </a:r>
             <a:r>
-              <a:rPr lang="en-US" dirty="0">
+              <a:rPr lang="en-US" sz="1100" dirty="0">
                 <a:solidFill>
                   <a:srgbClr val="0070C0"/>
                 </a:solidFill>
+                <a:latin typeface="Fira Code" panose="020B0809050000020004" pitchFamily="49" charset="0"/>
+                <a:ea typeface="Fira Code" panose="020B0809050000020004" pitchFamily="49" charset="0"/>
+                <a:cs typeface="Fira Code" panose="020B0809050000020004" pitchFamily="49" charset="0"/>
                 <a:sym typeface="Source Sans Pro Light"/>
               </a:rPr>
               <a:t>.SD[.N]</a:t>
             </a:r>
             <a:r>
-              <a:rPr lang="en-US" dirty="0">
+              <a:rPr lang="en-US" sz="1100" dirty="0">
                 <a:solidFill>
                   <a:srgbClr val="000000"/>
                 </a:solidFill>
+                <a:latin typeface="Fira Code" panose="020B0809050000020004" pitchFamily="49" charset="0"/>
+                <a:ea typeface="Fira Code" panose="020B0809050000020004" pitchFamily="49" charset="0"/>
+                <a:cs typeface="Fira Code" panose="020B0809050000020004" pitchFamily="49" charset="0"/>
                 <a:sym typeface="Source Sans Pro Light"/>
               </a:rPr>
               <a:t>, </a:t>
             </a:r>
             <a:r>
-              <a:rPr lang="en-US" dirty="0">
+              <a:rPr lang="en-US" sz="1100" dirty="0">
                 <a:solidFill>
                   <a:srgbClr val="B74919"/>
                 </a:solidFill>
+                <a:latin typeface="Fira Code" panose="020B0809050000020004" pitchFamily="49" charset="0"/>
+                <a:ea typeface="Fira Code" panose="020B0809050000020004" pitchFamily="49" charset="0"/>
+                <a:cs typeface="Fira Code" panose="020B0809050000020004" pitchFamily="49" charset="0"/>
               </a:rPr>
               <a:t>by = a</a:t>
             </a:r>
             <a:r>
-              <a:rPr lang="en-US" b="0" dirty="0">
+              <a:rPr lang="en-US" sz="1100" b="0" dirty="0">
                 <a:solidFill>
                   <a:srgbClr val="000000"/>
                 </a:solidFill>
+                <a:latin typeface="Fira Code" panose="020B0809050000020004" pitchFamily="49" charset="0"/>
+                <a:ea typeface="Fira Code" panose="020B0809050000020004" pitchFamily="49" charset="0"/>
+                <a:cs typeface="Fira Code" panose="020B0809050000020004" pitchFamily="49" charset="0"/>
                 <a:sym typeface="Source Sans Pro Light"/>
               </a:rPr>
-              <a:t>] – extract last row of groups.</a:t>
+              <a:t>] </a:t>
+            </a:r>
+            <a:r>
+              <a:rPr lang="en-US" b="0" dirty="0">
+                <a:solidFill>
+                  <a:srgbClr val="000000"/>
+                </a:solidFill>
+                <a:sym typeface="Source Sans Pro Light"/>
+              </a:rPr>
+              <a:t>– extract last row of groups.</a:t>
             </a:r>
             <a:endParaRPr lang="da-DK" b="0" dirty="0">
               <a:solidFill>
@@ -9310,7 +9349,7 @@
         <p:spPr>
           <a:xfrm>
             <a:off x="6212052" y="6048309"/>
-            <a:ext cx="2930557" cy="332399"/>
+            <a:ext cx="2930557" cy="344197"/>
           </a:xfrm>
           <a:prstGeom prst="rect">
             <a:avLst/>
@@ -9320,7 +9359,7 @@
           </a:ln>
           <a:extLst>
             <a:ext uri="{C572A759-6A51-4108-AA02-DFA0A04FC94B}">
-              <ma14:wrappingTextBoxFlag xmlns:ma14="http://schemas.microsoft.com/office/mac/drawingml/2011/main" xmlns="" val="1"/>
+              <ma14:wrappingTextBoxFlag xmlns="" xmlns:ma14="http://schemas.microsoft.com/office/mac/drawingml/2011/main" val="1"/>
             </a:ext>
           </a:extLst>
         </p:spPr>
@@ -9336,36 +9375,63 @@
               </a:lnSpc>
             </a:pPr>
             <a:r>
-              <a:rPr lang="en-US" b="0" dirty="0">
+              <a:rPr lang="en-US" sz="1100" b="0" dirty="0">
                 <a:solidFill>
                   <a:srgbClr val="000000"/>
                 </a:solidFill>
+                <a:latin typeface="Fira Code" panose="020B0809050000020004" pitchFamily="49" charset="0"/>
+                <a:ea typeface="Fira Code" panose="020B0809050000020004" pitchFamily="49" charset="0"/>
+                <a:cs typeface="Fira Code" panose="020B0809050000020004" pitchFamily="49" charset="0"/>
               </a:rPr>
               <a:t>dt[,</a:t>
             </a:r>
             <a:r>
-              <a:rPr lang="en-US" dirty="0">
+              <a:rPr lang="en-US" sz="1100" dirty="0">
                 <a:solidFill>
                   <a:srgbClr val="000000"/>
                 </a:solidFill>
+                <a:latin typeface="Fira Code" panose="020B0809050000020004" pitchFamily="49" charset="0"/>
+                <a:ea typeface="Fira Code" panose="020B0809050000020004" pitchFamily="49" charset="0"/>
+                <a:cs typeface="Fira Code" panose="020B0809050000020004" pitchFamily="49" charset="0"/>
               </a:rPr>
               <a:t> </a:t>
             </a:r>
             <a:r>
-              <a:rPr lang="en-US" dirty="0">
+              <a:rPr lang="en-US" sz="1100" dirty="0">
                 <a:solidFill>
                   <a:srgbClr val="0070C0"/>
                 </a:solidFill>
+                <a:latin typeface="Fira Code" panose="020B0809050000020004" pitchFamily="49" charset="0"/>
+                <a:ea typeface="Fira Code" panose="020B0809050000020004" pitchFamily="49" charset="0"/>
+                <a:cs typeface="Fira Code" panose="020B0809050000020004" pitchFamily="49" charset="0"/>
               </a:rPr>
               <a:t>c := 1 + 2</a:t>
             </a:r>
             <a:r>
+              <a:rPr lang="en-US" sz="1100" b="0" dirty="0">
+                <a:solidFill>
+                  <a:srgbClr val="000000"/>
+                </a:solidFill>
+                <a:latin typeface="Fira Code" panose="020B0809050000020004" pitchFamily="49" charset="0"/>
+                <a:ea typeface="Fira Code" panose="020B0809050000020004" pitchFamily="49" charset="0"/>
+                <a:cs typeface="Fira Code" panose="020B0809050000020004" pitchFamily="49" charset="0"/>
+              </a:rPr>
+              <a:t>]</a:t>
+            </a:r>
+          </a:p>
+          <a:p>
+            <a:pPr lvl="1" indent="0">
+              <a:lnSpc>
+                <a:spcPct val="90000"/>
+              </a:lnSpc>
+            </a:pPr>
+            <a:r>
               <a:rPr lang="en-US" b="0" dirty="0">
                 <a:solidFill>
                   <a:srgbClr val="000000"/>
                 </a:solidFill>
               </a:rPr>
-              <a:t>] – compute a column based on an expression.</a:t>
+              <a:t>compute a column based on an expression.</a:t>
             </a:r>
           </a:p>
         </p:txBody>
@@ -9379,7 +9445,7 @@
         <p:spPr>
           <a:xfrm>
             <a:off x="10752276" y="7886213"/>
-            <a:ext cx="2968122" cy="498598"/>
+            <a:ext cx="2968122" cy="676595"/>
           </a:xfrm>
           <a:prstGeom prst="rect">
             <a:avLst/>
@@ -9389,7 +9455,7 @@
           </a:ln>
           <a:extLst>
             <a:ext uri="{C572A759-6A51-4108-AA02-DFA0A04FC94B}">
-              <ma14:wrappingTextBoxFlag xmlns:ma14="http://schemas.microsoft.com/office/mac/drawingml/2011/main" xmlns="" val="1"/>
+              <ma14:wrappingTextBoxFlag xmlns="" xmlns:ma14="http://schemas.microsoft.com/office/mac/drawingml/2011/main" val="1"/>
             </a:ext>
           </a:extLst>
         </p:spPr>
@@ -9405,58 +9471,83 @@
               </a:lnSpc>
             </a:pPr>
             <a:r>
-              <a:rPr lang="en-US" dirty="0">
+              <a:rPr lang="en-US" sz="1100" dirty="0">
+                <a:solidFill>
+                  <a:srgbClr val="000000"/>
+                </a:solidFill>
+                <a:latin typeface="Fira Code" panose="020B0809050000020004" pitchFamily="49" charset="0"/>
+                <a:ea typeface="Fira Code" panose="020B0809050000020004" pitchFamily="49" charset="0"/>
+                <a:cs typeface="Fira Code" panose="020B0809050000020004" pitchFamily="49" charset="0"/>
+              </a:rPr>
+              <a:t>setorder(</a:t>
+            </a:r>
+            <a:r>
+              <a:rPr lang="en-US" sz="1100" b="0" dirty="0">
+                <a:solidFill>
+                  <a:srgbClr val="000000"/>
+                </a:solidFill>
+                <a:latin typeface="Fira Code" panose="020B0809050000020004" pitchFamily="49" charset="0"/>
+                <a:ea typeface="Fira Code" panose="020B0809050000020004" pitchFamily="49" charset="0"/>
+                <a:cs typeface="Fira Code" panose="020B0809050000020004" pitchFamily="49" charset="0"/>
+              </a:rPr>
+              <a:t>dt, a, </a:t>
+            </a:r>
+            <a:r>
+              <a:rPr lang="en-US" sz="1100" dirty="0">
+                <a:solidFill>
+                  <a:srgbClr val="000000"/>
+                </a:solidFill>
+                <a:latin typeface="Fira Code" panose="020B0809050000020004" pitchFamily="49" charset="0"/>
+                <a:ea typeface="Fira Code" panose="020B0809050000020004" pitchFamily="49" charset="0"/>
+                <a:cs typeface="Fira Code" panose="020B0809050000020004" pitchFamily="49" charset="0"/>
+              </a:rPr>
+              <a:t>-</a:t>
+            </a:r>
+            <a:r>
+              <a:rPr lang="en-US" sz="1100" b="0" dirty="0">
+                <a:solidFill>
+                  <a:srgbClr val="000000"/>
+                </a:solidFill>
+                <a:latin typeface="Fira Code" panose="020B0809050000020004" pitchFamily="49" charset="0"/>
+                <a:ea typeface="Fira Code" panose="020B0809050000020004" pitchFamily="49" charset="0"/>
+                <a:cs typeface="Fira Code" panose="020B0809050000020004" pitchFamily="49" charset="0"/>
+              </a:rPr>
+              <a:t>b</a:t>
+            </a:r>
+            <a:r>
+              <a:rPr lang="en-US" sz="1100" dirty="0">
+                <a:solidFill>
+                  <a:srgbClr val="000000"/>
+                </a:solidFill>
+                <a:latin typeface="Fira Code" panose="020B0809050000020004" pitchFamily="49" charset="0"/>
+                <a:ea typeface="Fira Code" panose="020B0809050000020004" pitchFamily="49" charset="0"/>
+                <a:cs typeface="Fira Code" panose="020B0809050000020004" pitchFamily="49" charset="0"/>
+              </a:rPr>
+              <a:t>)</a:t>
+            </a:r>
+            <a:endParaRPr lang="en-US" sz="1100" b="0" dirty="0">
+              <a:solidFill>
+                <a:srgbClr val="000000"/>
+              </a:solidFill>
+              <a:latin typeface="Fira Code" panose="020B0809050000020004" pitchFamily="49" charset="0"/>
+              <a:ea typeface="Fira Code" panose="020B0809050000020004" pitchFamily="49" charset="0"/>
+              <a:cs typeface="Fira Code" panose="020B0809050000020004" pitchFamily="49" charset="0"/>
+            </a:endParaRPr>
+          </a:p>
+          <a:p>
+            <a:pPr lvl="1" indent="0">
+              <a:lnSpc>
+                <a:spcPct val="90000"/>
+              </a:lnSpc>
+            </a:pPr>
+            <a:r>
+              <a:rPr lang="en-US" b="0" dirty="0">
                 <a:solidFill>
                   <a:srgbClr val="000000"/>
                 </a:solidFill>
                 <a:cs typeface="Helvetica" panose="020B0604020202020204" pitchFamily="34" charset="0"/>
               </a:rPr>
-              <a:t>setorder(</a:t>
-            </a:r>
-            <a:r>
-              <a:rPr lang="en-US" b="0" dirty="0">
-                <a:solidFill>
-                  <a:srgbClr val="000000"/>
-                </a:solidFill>
-                <a:cs typeface="Helvetica" panose="020B0604020202020204" pitchFamily="34" charset="0"/>
-              </a:rPr>
-              <a:t>dt, a, </a:t>
-            </a:r>
-            <a:r>
-              <a:rPr lang="en-US" dirty="0">
-                <a:solidFill>
-                  <a:srgbClr val="000000"/>
-                </a:solidFill>
-                <a:cs typeface="Helvetica" panose="020B0604020202020204" pitchFamily="34" charset="0"/>
-              </a:rPr>
-              <a:t>-</a:t>
-            </a:r>
-            <a:r>
-              <a:rPr lang="en-US" b="0" dirty="0">
-                <a:solidFill>
-                  <a:srgbClr val="000000"/>
-                </a:solidFill>
-                <a:cs typeface="Helvetica" panose="020B0604020202020204" pitchFamily="34" charset="0"/>
-              </a:rPr>
-              <a:t>b</a:t>
-            </a:r>
-            <a:r>
-              <a:rPr lang="en-US" dirty="0">
-                <a:solidFill>
-                  <a:srgbClr val="000000"/>
-                </a:solidFill>
-                <a:cs typeface="Helvetica" panose="020B0604020202020204" pitchFamily="34" charset="0"/>
-              </a:rPr>
-              <a:t>)</a:t>
-            </a:r>
-            <a:r>
-              <a:rPr lang="en-US" b="0" dirty="0">
-                <a:solidFill>
-                  <a:srgbClr val="000000"/>
-                </a:solidFill>
-                <a:cs typeface="Helvetica" panose="020B0604020202020204" pitchFamily="34" charset="0"/>
-              </a:rPr>
-              <a:t> – reorder a data.table according to specified columns. Prefix column names with “</a:t>
+              <a:t>reorder a data.table according to specified columns. Prefix column names with “</a:t>
             </a:r>
             <a:r>
               <a:rPr lang="en-US" dirty="0">
@@ -10750,7 +10841,7 @@
         <p:spPr>
           <a:xfrm>
             <a:off x="6212052" y="6757370"/>
-            <a:ext cx="2942473" cy="703269"/>
+            <a:ext cx="2942473" cy="715068"/>
           </a:xfrm>
           <a:prstGeom prst="rect">
             <a:avLst/>
@@ -10760,7 +10851,7 @@
           </a:ln>
           <a:extLst>
             <a:ext uri="{C572A759-6A51-4108-AA02-DFA0A04FC94B}">
-              <ma14:wrappingTextBoxFlag xmlns:ma14="http://schemas.microsoft.com/office/mac/drawingml/2011/main" xmlns="" val="1"/>
+              <ma14:wrappingTextBoxFlag xmlns="" xmlns:ma14="http://schemas.microsoft.com/office/mac/drawingml/2011/main" val="1"/>
             </a:ext>
           </a:extLst>
         </p:spPr>
@@ -10776,44 +10867,74 @@
               </a:lnSpc>
             </a:pPr>
             <a:r>
-              <a:rPr lang="en-US" b="0" dirty="0">
+              <a:rPr lang="en-US" sz="1100" b="0" dirty="0">
                 <a:solidFill>
                   <a:srgbClr val="000000"/>
                 </a:solidFill>
+                <a:latin typeface="Fira Code" panose="020B0809050000020004" pitchFamily="49" charset="0"/>
+                <a:ea typeface="Fira Code" panose="020B0809050000020004" pitchFamily="49" charset="0"/>
+                <a:cs typeface="Fira Code" panose="020B0809050000020004" pitchFamily="49" charset="0"/>
               </a:rPr>
               <a:t>dt[</a:t>
             </a:r>
             <a:r>
-              <a:rPr lang="en-US" dirty="0">
+              <a:rPr lang="en-US" sz="1100" dirty="0">
                 <a:solidFill>
                   <a:srgbClr val="119571"/>
                 </a:solidFill>
+                <a:latin typeface="Fira Code" panose="020B0809050000020004" pitchFamily="49" charset="0"/>
+                <a:ea typeface="Fira Code" panose="020B0809050000020004" pitchFamily="49" charset="0"/>
+                <a:cs typeface="Fira Code" panose="020B0809050000020004" pitchFamily="49" charset="0"/>
               </a:rPr>
               <a:t>a == 1</a:t>
             </a:r>
             <a:r>
-              <a:rPr lang="en-US" dirty="0">
+              <a:rPr lang="en-US" sz="1100" dirty="0">
                 <a:solidFill>
                   <a:srgbClr val="000000"/>
                 </a:solidFill>
+                <a:latin typeface="Fira Code" panose="020B0809050000020004" pitchFamily="49" charset="0"/>
+                <a:ea typeface="Fira Code" panose="020B0809050000020004" pitchFamily="49" charset="0"/>
+                <a:cs typeface="Fira Code" panose="020B0809050000020004" pitchFamily="49" charset="0"/>
               </a:rPr>
               <a:t>, </a:t>
             </a:r>
             <a:r>
-              <a:rPr lang="en-US" dirty="0">
+              <a:rPr lang="en-US" sz="1100" dirty="0">
                 <a:solidFill>
                   <a:srgbClr val="0070C0"/>
                 </a:solidFill>
+                <a:latin typeface="Fira Code" panose="020B0809050000020004" pitchFamily="49" charset="0"/>
+                <a:ea typeface="Fira Code" panose="020B0809050000020004" pitchFamily="49" charset="0"/>
+                <a:cs typeface="Fira Code" panose="020B0809050000020004" pitchFamily="49" charset="0"/>
               </a:rPr>
               <a:t>c := 1 + 2</a:t>
             </a:r>
             <a:r>
+              <a:rPr lang="en-US" sz="1100" b="0" dirty="0">
+                <a:solidFill>
+                  <a:srgbClr val="000000"/>
+                </a:solidFill>
+                <a:latin typeface="Fira Code" panose="020B0809050000020004" pitchFamily="49" charset="0"/>
+                <a:ea typeface="Fira Code" panose="020B0809050000020004" pitchFamily="49" charset="0"/>
+                <a:cs typeface="Fira Code" panose="020B0809050000020004" pitchFamily="49" charset="0"/>
+              </a:rPr>
+              <a:t>]</a:t>
+            </a:r>
+          </a:p>
+          <a:p>
+            <a:pPr lvl="1" indent="0">
+              <a:lnSpc>
+                <a:spcPct val="90000"/>
+              </a:lnSpc>
+            </a:pPr>
+            <a:r>
               <a:rPr lang="en-US" b="0" dirty="0">
                 <a:solidFill>
                   <a:srgbClr val="000000"/>
                 </a:solidFill>
               </a:rPr>
-              <a:t>] – compute a column based on an expression but only for a subset of rows.</a:t>
+              <a:t>compute a column based on an expression but only for a subset of rows.</a:t>
             </a:r>
             <a:endParaRPr lang="en-US" dirty="0"/>
           </a:p>
@@ -11736,13 +11857,13 @@
           <p:nvPr/>
         </p:nvPicPr>
         <p:blipFill>
-          <a:blip r:embed="rId7" cstate="print">
+          <a:blip r:embed="rId4" cstate="print">
             <a:extLst>
               <a:ext uri="{28A0092B-C50C-407E-A947-70E740481C1C}">
                 <a14:useLocalDpi xmlns:a14="http://schemas.microsoft.com/office/drawing/2010/main" val="0"/>
               </a:ext>
               <a:ext uri="{96DAC541-7B7A-43D3-8B79-37D633B846F1}">
-                <asvg:svgBlip xmlns:asvg="http://schemas.microsoft.com/office/drawing/2016/SVG/main" r:embed="rId8"/>
+                <asvg:svgBlip xmlns:asvg="http://schemas.microsoft.com/office/drawing/2016/SVG/main" r:embed="rId5"/>
               </a:ext>
             </a:extLst>
           </a:blip>
@@ -11836,12 +11957,12 @@
           </a:ln>
           <a:extLst>
             <a:ext uri="{C572A759-6A51-4108-AA02-DFA0A04FC94B}">
-              <ma14:wrappingTextBoxFlag xmlns:ma14="http://schemas.microsoft.com/office/mac/drawingml/2011/main" xmlns="" val="1"/>
+              <ma14:wrappingTextBoxFlag xmlns="" xmlns:ma14="http://schemas.microsoft.com/office/mac/drawingml/2011/main" val="1"/>
             </a:ext>
           </a:extLst>
         </p:spPr>
         <p:txBody>
-          <a:bodyPr wrap="square" lIns="0" tIns="12700" rIns="12700" bIns="12700" anchor="ctr">
+          <a:bodyPr wrap="square" lIns="0" tIns="12700" rIns="12700" bIns="12700" anchor="t">
             <a:spAutoFit/>
           </a:bodyPr>
           <a:lstStyle/>
@@ -13662,7 +13783,7 @@
         <p:spPr>
           <a:xfrm>
             <a:off x="11419297" y="2128300"/>
-            <a:ext cx="2259330" cy="1048492"/>
+            <a:ext cx="2259330" cy="1238288"/>
           </a:xfrm>
           <a:prstGeom prst="rect">
             <a:avLst/>
@@ -13672,7 +13793,7 @@
           </a:ln>
           <a:extLst>
             <a:ext uri="{C572A759-6A51-4108-AA02-DFA0A04FC94B}">
-              <ma14:wrappingTextBoxFlag xmlns:ma14="http://schemas.microsoft.com/office/mac/drawingml/2011/main" xmlns="" val="1"/>
+              <ma14:wrappingTextBoxFlag xmlns="" xmlns:ma14="http://schemas.microsoft.com/office/mac/drawingml/2011/main" val="1"/>
             </a:ext>
           </a:extLst>
         </p:spPr>
@@ -13688,44 +13809,74 @@
               </a:lnSpc>
             </a:pPr>
             <a:r>
-              <a:rPr lang="en-US" b="0" dirty="0">
+              <a:rPr lang="en-US" sz="1100" b="0" dirty="0">
                 <a:solidFill>
                   <a:srgbClr val="000000"/>
                 </a:solidFill>
+                <a:latin typeface="Fira Code" panose="020B0809050000020004" pitchFamily="49" charset="0"/>
+                <a:ea typeface="Fira Code" panose="020B0809050000020004" pitchFamily="49" charset="0"/>
+                <a:cs typeface="Fira Code" panose="020B0809050000020004" pitchFamily="49" charset="0"/>
               </a:rPr>
               <a:t>dt[, </a:t>
             </a:r>
             <a:r>
-              <a:rPr lang="en-US" b="0" dirty="0">
+              <a:rPr lang="en-US" sz="1100" b="0" dirty="0">
                 <a:solidFill>
                   <a:srgbClr val="0070C0"/>
                 </a:solidFill>
+                <a:latin typeface="Fira Code" panose="020B0809050000020004" pitchFamily="49" charset="0"/>
+                <a:ea typeface="Fira Code" panose="020B0809050000020004" pitchFamily="49" charset="0"/>
+                <a:cs typeface="Fira Code" panose="020B0809050000020004" pitchFamily="49" charset="0"/>
               </a:rPr>
               <a:t>j</a:t>
             </a:r>
             <a:r>
-              <a:rPr lang="en-US" b="0" dirty="0">
+              <a:rPr lang="en-US" sz="1100" b="0" dirty="0">
                 <a:solidFill>
                   <a:srgbClr val="000000"/>
                 </a:solidFill>
+                <a:latin typeface="Fira Code" panose="020B0809050000020004" pitchFamily="49" charset="0"/>
+                <a:ea typeface="Fira Code" panose="020B0809050000020004" pitchFamily="49" charset="0"/>
+                <a:cs typeface="Fira Code" panose="020B0809050000020004" pitchFamily="49" charset="0"/>
               </a:rPr>
               <a:t>, </a:t>
             </a:r>
             <a:r>
-              <a:rPr lang="en-US" dirty="0">
+              <a:rPr lang="en-US" sz="1100" dirty="0">
                 <a:solidFill>
                   <a:srgbClr val="B74919"/>
                 </a:solidFill>
+                <a:latin typeface="Fira Code" panose="020B0809050000020004" pitchFamily="49" charset="0"/>
+                <a:ea typeface="Fira Code" panose="020B0809050000020004" pitchFamily="49" charset="0"/>
+                <a:cs typeface="Fira Code" panose="020B0809050000020004" pitchFamily="49" charset="0"/>
               </a:rPr>
               <a:t>by = .(a)</a:t>
             </a:r>
             <a:r>
+              <a:rPr lang="en-US" sz="1100" b="0" dirty="0">
+                <a:solidFill>
+                  <a:srgbClr val="000000"/>
+                </a:solidFill>
+                <a:latin typeface="Fira Code" panose="020B0809050000020004" pitchFamily="49" charset="0"/>
+                <a:ea typeface="Fira Code" panose="020B0809050000020004" pitchFamily="49" charset="0"/>
+                <a:cs typeface="Fira Code" panose="020B0809050000020004" pitchFamily="49" charset="0"/>
+              </a:rPr>
+              <a:t>]</a:t>
+            </a:r>
+          </a:p>
+          <a:p>
+            <a:pPr lvl="1" indent="0">
+              <a:lnSpc>
+                <a:spcPct val="90000"/>
+              </a:lnSpc>
+            </a:pPr>
+            <a:r>
               <a:rPr lang="en-US" b="0" dirty="0">
                 <a:solidFill>
                   <a:srgbClr val="000000"/>
                 </a:solidFill>
               </a:rPr>
-              <a:t>] – group rows by values in specified columns</a:t>
+              <a:t>group rows by values in specified columns</a:t>
             </a:r>
             <a:r>
               <a:rPr lang="en-US" b="0" dirty="0">
@@ -13757,53 +13908,78 @@
               </a:lnSpc>
             </a:pPr>
             <a:r>
-              <a:rPr lang="en-US" b="0" dirty="0">
+              <a:rPr lang="en-US" sz="1100" b="0" dirty="0">
                 <a:solidFill>
                   <a:srgbClr val="000000"/>
                 </a:solidFill>
+                <a:latin typeface="Fira Code" panose="020B0809050000020004" pitchFamily="49" charset="0"/>
+                <a:ea typeface="Fira Code" panose="020B0809050000020004" pitchFamily="49" charset="0"/>
+                <a:cs typeface="Fira Code" panose="020B0809050000020004" pitchFamily="49" charset="0"/>
               </a:rPr>
               <a:t>dt[, </a:t>
             </a:r>
             <a:r>
-              <a:rPr lang="en-US" b="0" dirty="0">
+              <a:rPr lang="en-US" sz="1100" b="0" dirty="0">
                 <a:solidFill>
                   <a:srgbClr val="0070C0"/>
                 </a:solidFill>
+                <a:latin typeface="Fira Code" panose="020B0809050000020004" pitchFamily="49" charset="0"/>
+                <a:ea typeface="Fira Code" panose="020B0809050000020004" pitchFamily="49" charset="0"/>
+                <a:cs typeface="Fira Code" panose="020B0809050000020004" pitchFamily="49" charset="0"/>
               </a:rPr>
               <a:t>j</a:t>
             </a:r>
             <a:r>
-              <a:rPr lang="en-US" b="0" dirty="0">
+              <a:rPr lang="en-US" sz="1100" b="0" dirty="0">
                 <a:solidFill>
                   <a:srgbClr val="000000"/>
                 </a:solidFill>
+                <a:latin typeface="Fira Code" panose="020B0809050000020004" pitchFamily="49" charset="0"/>
+                <a:ea typeface="Fira Code" panose="020B0809050000020004" pitchFamily="49" charset="0"/>
+                <a:cs typeface="Fira Code" panose="020B0809050000020004" pitchFamily="49" charset="0"/>
               </a:rPr>
               <a:t>, </a:t>
             </a:r>
             <a:r>
-              <a:rPr lang="en-US" dirty="0">
+              <a:rPr lang="en-US" sz="1100" dirty="0">
                 <a:solidFill>
                   <a:srgbClr val="B74819"/>
                 </a:solidFill>
+                <a:latin typeface="Fira Code" panose="020B0809050000020004" pitchFamily="49" charset="0"/>
+                <a:ea typeface="Fira Code" panose="020B0809050000020004" pitchFamily="49" charset="0"/>
+                <a:cs typeface="Fira Code" panose="020B0809050000020004" pitchFamily="49" charset="0"/>
               </a:rPr>
               <a:t>keyby = .(</a:t>
             </a:r>
             <a:r>
-              <a:rPr lang="en-US" dirty="0">
+              <a:rPr lang="en-US" sz="1100" dirty="0">
                 <a:solidFill>
                   <a:srgbClr val="B74919"/>
                 </a:solidFill>
+                <a:latin typeface="Fira Code" panose="020B0809050000020004" pitchFamily="49" charset="0"/>
+                <a:ea typeface="Fira Code" panose="020B0809050000020004" pitchFamily="49" charset="0"/>
+                <a:cs typeface="Fira Code" panose="020B0809050000020004" pitchFamily="49" charset="0"/>
               </a:rPr>
               <a:t>a)</a:t>
             </a:r>
             <a:r>
-              <a:rPr lang="en-US" b="0" dirty="0">
+              <a:rPr lang="en-US" sz="1100" b="0" dirty="0">
                 <a:solidFill>
                   <a:srgbClr val="000000"/>
                 </a:solidFill>
+                <a:latin typeface="Fira Code" panose="020B0809050000020004" pitchFamily="49" charset="0"/>
+                <a:ea typeface="Fira Code" panose="020B0809050000020004" pitchFamily="49" charset="0"/>
+                <a:cs typeface="Fira Code" panose="020B0809050000020004" pitchFamily="49" charset="0"/>
               </a:rPr>
-              <a:t>] – </a:t>
-            </a:r>
+              <a:t>]</a:t>
+            </a:r>
+          </a:p>
+          <a:p>
+            <a:pPr lvl="1" indent="0">
+              <a:lnSpc>
+                <a:spcPct val="90000"/>
+              </a:lnSpc>
+            </a:pPr>
             <a:r>
               <a:rPr lang="en-US" b="0" dirty="0">
                 <a:solidFill>
@@ -13915,12 +14091,12 @@
           </a:ln>
           <a:extLst>
             <a:ext uri="{C572A759-6A51-4108-AA02-DFA0A04FC94B}">
-              <ma14:wrappingTextBoxFlag xmlns:ma14="http://schemas.microsoft.com/office/mac/drawingml/2011/main" xmlns="" val="1"/>
+              <ma14:wrappingTextBoxFlag xmlns="" xmlns:ma14="http://schemas.microsoft.com/office/mac/drawingml/2011/main" val="1"/>
             </a:ext>
           </a:extLst>
         </p:spPr>
         <p:txBody>
-          <a:bodyPr wrap="square" lIns="0" tIns="12700" rIns="12700" bIns="12700" anchor="ctr">
+          <a:bodyPr wrap="square" lIns="0" tIns="12700" rIns="12700" bIns="12700" anchor="t">
             <a:spAutoFit/>
           </a:bodyPr>
           <a:lstStyle/>
@@ -13963,8 +14139,8 @@
         </p:nvSpPr>
         <p:spPr>
           <a:xfrm>
-            <a:off x="9357554" y="6194515"/>
-            <a:ext cx="4211596" cy="442029"/>
+            <a:off x="9357554" y="6160225"/>
+            <a:ext cx="4211596" cy="620026"/>
           </a:xfrm>
           <a:prstGeom prst="rect">
             <a:avLst/>
@@ -13974,7 +14150,7 @@
           </a:ln>
           <a:extLst>
             <a:ext uri="{C572A759-6A51-4108-AA02-DFA0A04FC94B}">
-              <ma14:wrappingTextBoxFlag xmlns:ma14="http://schemas.microsoft.com/office/mac/drawingml/2011/main" xmlns="" val="1"/>
+              <ma14:wrappingTextBoxFlag xmlns="" xmlns:ma14="http://schemas.microsoft.com/office/mac/drawingml/2011/main" val="1"/>
             </a:ext>
           </a:extLst>
         </p:spPr>
@@ -13990,52 +14166,74 @@
               </a:lnSpc>
             </a:pPr>
             <a:r>
-              <a:rPr lang="en-US" dirty="0">
+              <a:rPr lang="en-US" sz="1100" dirty="0">
                 <a:solidFill>
                   <a:srgbClr val="000000"/>
                 </a:solidFill>
+                <a:latin typeface="Fira Code" panose="020B0809050000020004" pitchFamily="49" charset="0"/>
+                <a:ea typeface="Fira Code" panose="020B0809050000020004" pitchFamily="49" charset="0"/>
+                <a:cs typeface="Fira Code" panose="020B0809050000020004" pitchFamily="49" charset="0"/>
               </a:rPr>
               <a:t>dt[</a:t>
             </a:r>
             <a:r>
-              <a:rPr lang="en-US" b="0" dirty="0">
+              <a:rPr lang="en-US" sz="1100" b="0" dirty="0">
                 <a:solidFill>
                   <a:srgbClr val="000000"/>
                 </a:solidFill>
+                <a:latin typeface="Fira Code" panose="020B0809050000020004" pitchFamily="49" charset="0"/>
+                <a:ea typeface="Fira Code" panose="020B0809050000020004" pitchFamily="49" charset="0"/>
+                <a:cs typeface="Fira Code" panose="020B0809050000020004" pitchFamily="49" charset="0"/>
               </a:rPr>
               <a:t>…</a:t>
             </a:r>
             <a:r>
-              <a:rPr lang="en-US" dirty="0">
+              <a:rPr lang="en-US" sz="1100" dirty="0">
                 <a:solidFill>
                   <a:srgbClr val="000000"/>
                 </a:solidFill>
+                <a:latin typeface="Fira Code" panose="020B0809050000020004" pitchFamily="49" charset="0"/>
+                <a:ea typeface="Fira Code" panose="020B0809050000020004" pitchFamily="49" charset="0"/>
+                <a:cs typeface="Fira Code" panose="020B0809050000020004" pitchFamily="49" charset="0"/>
               </a:rPr>
               <a:t>][</a:t>
             </a:r>
             <a:r>
-              <a:rPr lang="en-US" b="0" dirty="0">
+              <a:rPr lang="en-US" sz="1100" b="0" dirty="0">
                 <a:solidFill>
                   <a:srgbClr val="000000"/>
                 </a:solidFill>
+                <a:latin typeface="Fira Code" panose="020B0809050000020004" pitchFamily="49" charset="0"/>
+                <a:ea typeface="Fira Code" panose="020B0809050000020004" pitchFamily="49" charset="0"/>
+                <a:cs typeface="Fira Code" panose="020B0809050000020004" pitchFamily="49" charset="0"/>
               </a:rPr>
               <a:t>…</a:t>
             </a:r>
             <a:r>
-              <a:rPr lang="en-US" dirty="0">
+              <a:rPr lang="en-US" sz="1100" dirty="0">
                 <a:solidFill>
                   <a:srgbClr val="000000"/>
                 </a:solidFill>
+                <a:latin typeface="Fira Code" panose="020B0809050000020004" pitchFamily="49" charset="0"/>
+                <a:ea typeface="Fira Code" panose="020B0809050000020004" pitchFamily="49" charset="0"/>
+                <a:cs typeface="Fira Code" panose="020B0809050000020004" pitchFamily="49" charset="0"/>
               </a:rPr>
-              <a:t>] </a:t>
-            </a:r>
+              <a:t>]</a:t>
+            </a:r>
+          </a:p>
+          <a:p>
+            <a:pPr lvl="1" indent="0">
+              <a:lnSpc>
+                <a:spcPct val="90000"/>
+              </a:lnSpc>
+            </a:pPr>
             <a:r>
               <a:rPr lang="en-US" b="0" dirty="0">
                 <a:solidFill>
                   <a:srgbClr val="000000"/>
                 </a:solidFill>
               </a:rPr>
-              <a:t>– perform a sequence of data.table operations by </a:t>
+              <a:t>perform a sequence of data.table operations by </a:t>
             </a:r>
             <a:r>
               <a:rPr lang="en-US" b="0" i="1" dirty="0">
@@ -14146,7 +14344,7 @@
           </a:ln>
           <a:extLst>
             <a:ext uri="{C572A759-6A51-4108-AA02-DFA0A04FC94B}">
-              <ma14:wrappingTextBoxFlag xmlns:ma14="http://schemas.microsoft.com/office/mac/drawingml/2011/main" xmlns="" val="1"/>
+              <ma14:wrappingTextBoxFlag xmlns="" xmlns:ma14="http://schemas.microsoft.com/office/mac/drawingml/2011/main" val="1"/>
             </a:ext>
           </a:extLst>
         </p:spPr>
@@ -14903,7 +15101,7 @@
         <p:spPr>
           <a:xfrm>
             <a:off x="6212052" y="7472071"/>
-            <a:ext cx="2930556" cy="332399"/>
+            <a:ext cx="2930556" cy="510396"/>
           </a:xfrm>
           <a:prstGeom prst="rect">
             <a:avLst/>
@@ -14913,7 +15111,7 @@
           </a:ln>
           <a:extLst>
             <a:ext uri="{C572A759-6A51-4108-AA02-DFA0A04FC94B}">
-              <ma14:wrappingTextBoxFlag xmlns:ma14="http://schemas.microsoft.com/office/mac/drawingml/2011/main" xmlns="" val="1"/>
+              <ma14:wrappingTextBoxFlag xmlns="" xmlns:ma14="http://schemas.microsoft.com/office/mac/drawingml/2011/main" val="1"/>
             </a:ext>
           </a:extLst>
         </p:spPr>
@@ -14929,36 +15127,63 @@
               </a:lnSpc>
             </a:pPr>
             <a:r>
-              <a:rPr lang="en-US" b="0" dirty="0">
+              <a:rPr lang="en-US" sz="1100" b="0" dirty="0">
                 <a:solidFill>
                   <a:srgbClr val="000000"/>
                 </a:solidFill>
+                <a:latin typeface="Fira Code" panose="020B0809050000020004" pitchFamily="49" charset="0"/>
+                <a:ea typeface="Fira Code" panose="020B0809050000020004" pitchFamily="49" charset="0"/>
+                <a:cs typeface="Fira Code" panose="020B0809050000020004" pitchFamily="49" charset="0"/>
               </a:rPr>
               <a:t>dt[,</a:t>
             </a:r>
             <a:r>
-              <a:rPr lang="en-US" dirty="0">
+              <a:rPr lang="en-US" sz="1100" dirty="0">
                 <a:solidFill>
                   <a:srgbClr val="000000"/>
                 </a:solidFill>
+                <a:latin typeface="Fira Code" panose="020B0809050000020004" pitchFamily="49" charset="0"/>
+                <a:ea typeface="Fira Code" panose="020B0809050000020004" pitchFamily="49" charset="0"/>
+                <a:cs typeface="Fira Code" panose="020B0809050000020004" pitchFamily="49" charset="0"/>
               </a:rPr>
               <a:t> </a:t>
             </a:r>
             <a:r>
-              <a:rPr lang="en-US" dirty="0">
+              <a:rPr lang="en-US" sz="1100" dirty="0">
                 <a:solidFill>
                   <a:srgbClr val="0070C0"/>
                 </a:solidFill>
+                <a:latin typeface="Fira Code" panose="020B0809050000020004" pitchFamily="49" charset="0"/>
+                <a:ea typeface="Fira Code" panose="020B0809050000020004" pitchFamily="49" charset="0"/>
+                <a:cs typeface="Fira Code" panose="020B0809050000020004" pitchFamily="49" charset="0"/>
               </a:rPr>
               <a:t>`:=`(c = 1 , d = 2)</a:t>
             </a:r>
             <a:r>
+              <a:rPr lang="en-US" sz="1100" b="0" dirty="0">
+                <a:solidFill>
+                  <a:srgbClr val="000000"/>
+                </a:solidFill>
+                <a:latin typeface="Fira Code" panose="020B0809050000020004" pitchFamily="49" charset="0"/>
+                <a:ea typeface="Fira Code" panose="020B0809050000020004" pitchFamily="49" charset="0"/>
+                <a:cs typeface="Fira Code" panose="020B0809050000020004" pitchFamily="49" charset="0"/>
+              </a:rPr>
+              <a:t>]</a:t>
+            </a:r>
+          </a:p>
+          <a:p>
+            <a:pPr lvl="1" indent="0">
+              <a:lnSpc>
+                <a:spcPct val="90000"/>
+              </a:lnSpc>
+            </a:pPr>
+            <a:r>
               <a:rPr lang="en-US" b="0" dirty="0">
                 <a:solidFill>
                   <a:srgbClr val="000000"/>
                 </a:solidFill>
               </a:rPr>
-              <a:t>] – compute multiple columns based on separate expressions.</a:t>
+              <a:t>compute multiple columns based on separate expressions.</a:t>
             </a:r>
           </a:p>
         </p:txBody>
@@ -15619,7 +15844,7 @@
         <p:spPr>
           <a:xfrm>
             <a:off x="6050926" y="8530961"/>
-            <a:ext cx="3091683" cy="166199"/>
+            <a:ext cx="3091683" cy="344197"/>
           </a:xfrm>
           <a:prstGeom prst="rect">
             <a:avLst/>
@@ -15629,7 +15854,7 @@
           </a:ln>
           <a:extLst>
             <a:ext uri="{C572A759-6A51-4108-AA02-DFA0A04FC94B}">
-              <ma14:wrappingTextBoxFlag xmlns:ma14="http://schemas.microsoft.com/office/mac/drawingml/2011/main" xmlns="" val="1"/>
+              <ma14:wrappingTextBoxFlag xmlns="" xmlns:ma14="http://schemas.microsoft.com/office/mac/drawingml/2011/main" val="1"/>
             </a:ext>
           </a:extLst>
         </p:spPr>
@@ -15645,36 +15870,63 @@
               </a:lnSpc>
             </a:pPr>
             <a:r>
-              <a:rPr lang="en-US" b="0" dirty="0">
+              <a:rPr lang="en-US" sz="1100" b="0" dirty="0">
                 <a:solidFill>
                   <a:srgbClr val="000000"/>
                 </a:solidFill>
+                <a:latin typeface="Fira Code" panose="020B0809050000020004" pitchFamily="49" charset="0"/>
+                <a:ea typeface="Fira Code" panose="020B0809050000020004" pitchFamily="49" charset="0"/>
+                <a:cs typeface="Fira Code" panose="020B0809050000020004" pitchFamily="49" charset="0"/>
               </a:rPr>
               <a:t>dt[,</a:t>
             </a:r>
             <a:r>
-              <a:rPr lang="en-US" dirty="0">
+              <a:rPr lang="en-US" sz="1100" dirty="0">
                 <a:solidFill>
                   <a:srgbClr val="000000"/>
                 </a:solidFill>
+                <a:latin typeface="Fira Code" panose="020B0809050000020004" pitchFamily="49" charset="0"/>
+                <a:ea typeface="Fira Code" panose="020B0809050000020004" pitchFamily="49" charset="0"/>
+                <a:cs typeface="Fira Code" panose="020B0809050000020004" pitchFamily="49" charset="0"/>
               </a:rPr>
               <a:t> </a:t>
             </a:r>
             <a:r>
-              <a:rPr lang="en-US" dirty="0">
+              <a:rPr lang="en-US" sz="1100" dirty="0">
                 <a:solidFill>
                   <a:srgbClr val="0070C0"/>
                 </a:solidFill>
+                <a:latin typeface="Fira Code" panose="020B0809050000020004" pitchFamily="49" charset="0"/>
+                <a:ea typeface="Fira Code" panose="020B0809050000020004" pitchFamily="49" charset="0"/>
+                <a:cs typeface="Fira Code" panose="020B0809050000020004" pitchFamily="49" charset="0"/>
               </a:rPr>
               <a:t>c := NULL</a:t>
             </a:r>
             <a:r>
+              <a:rPr lang="en-US" sz="1100" b="0" dirty="0">
+                <a:solidFill>
+                  <a:srgbClr val="000000"/>
+                </a:solidFill>
+                <a:latin typeface="Fira Code" panose="020B0809050000020004" pitchFamily="49" charset="0"/>
+                <a:ea typeface="Fira Code" panose="020B0809050000020004" pitchFamily="49" charset="0"/>
+                <a:cs typeface="Fira Code" panose="020B0809050000020004" pitchFamily="49" charset="0"/>
+              </a:rPr>
+              <a:t>]</a:t>
+            </a:r>
+          </a:p>
+          <a:p>
+            <a:pPr lvl="1" indent="0">
+              <a:lnSpc>
+                <a:spcPct val="90000"/>
+              </a:lnSpc>
+            </a:pPr>
+            <a:r>
               <a:rPr lang="en-US" b="0" dirty="0">
                 <a:solidFill>
                   <a:srgbClr val="000000"/>
                 </a:solidFill>
               </a:rPr>
-              <a:t>] – delete a column.</a:t>
+              <a:t>delete a column.</a:t>
             </a:r>
           </a:p>
         </p:txBody>
@@ -16290,7 +16542,7 @@
         <p:spPr>
           <a:xfrm>
             <a:off x="6050926" y="9572471"/>
-            <a:ext cx="3079766" cy="498598"/>
+            <a:ext cx="3079766" cy="510396"/>
           </a:xfrm>
           <a:prstGeom prst="rect">
             <a:avLst/>
@@ -16300,7 +16552,7 @@
           </a:ln>
           <a:extLst>
             <a:ext uri="{C572A759-6A51-4108-AA02-DFA0A04FC94B}">
-              <ma14:wrappingTextBoxFlag xmlns:ma14="http://schemas.microsoft.com/office/mac/drawingml/2011/main" xmlns="" val="1"/>
+              <ma14:wrappingTextBoxFlag xmlns="" xmlns:ma14="http://schemas.microsoft.com/office/mac/drawingml/2011/main" val="1"/>
             </a:ext>
           </a:extLst>
         </p:spPr>
@@ -16316,37 +16568,318 @@
               </a:lnSpc>
             </a:pPr>
             <a:r>
-              <a:rPr lang="en-US" b="0" dirty="0">
+              <a:rPr lang="en-US" sz="1100" b="0" dirty="0">
                 <a:solidFill>
                   <a:srgbClr val="000000"/>
                 </a:solidFill>
+                <a:latin typeface="Fira Code" panose="020B0809050000020004" pitchFamily="49" charset="0"/>
+                <a:ea typeface="Fira Code" panose="020B0809050000020004" pitchFamily="49" charset="0"/>
+                <a:cs typeface="Fira Code" panose="020B0809050000020004" pitchFamily="49" charset="0"/>
               </a:rPr>
               <a:t>dt[,</a:t>
             </a:r>
             <a:r>
-              <a:rPr lang="en-US" dirty="0">
+              <a:rPr lang="en-US" sz="1100" dirty="0">
                 <a:solidFill>
                   <a:srgbClr val="000000"/>
                 </a:solidFill>
+                <a:latin typeface="Fira Code" panose="020B0809050000020004" pitchFamily="49" charset="0"/>
+                <a:ea typeface="Fira Code" panose="020B0809050000020004" pitchFamily="49" charset="0"/>
+                <a:cs typeface="Fira Code" panose="020B0809050000020004" pitchFamily="49" charset="0"/>
               </a:rPr>
               <a:t> </a:t>
             </a:r>
             <a:r>
-              <a:rPr lang="en-US" dirty="0">
+              <a:rPr lang="en-US" sz="1100" dirty="0">
                 <a:solidFill>
                   <a:srgbClr val="0070C0"/>
                 </a:solidFill>
+                <a:latin typeface="Fira Code" panose="020B0809050000020004" pitchFamily="49" charset="0"/>
+                <a:ea typeface="Fira Code" panose="020B0809050000020004" pitchFamily="49" charset="0"/>
+                <a:cs typeface="Fira Code" panose="020B0809050000020004" pitchFamily="49" charset="0"/>
               </a:rPr>
               <a:t>b := as.integer(b)</a:t>
             </a:r>
             <a:r>
+              <a:rPr lang="en-US" sz="1100" b="0" dirty="0">
+                <a:solidFill>
+                  <a:srgbClr val="000000"/>
+                </a:solidFill>
+                <a:latin typeface="Fira Code" panose="020B0809050000020004" pitchFamily="49" charset="0"/>
+                <a:ea typeface="Fira Code" panose="020B0809050000020004" pitchFamily="49" charset="0"/>
+                <a:cs typeface="Fira Code" panose="020B0809050000020004" pitchFamily="49" charset="0"/>
+              </a:rPr>
+              <a:t>]</a:t>
+            </a:r>
+          </a:p>
+          <a:p>
+            <a:pPr lvl="1" indent="0">
+              <a:lnSpc>
+                <a:spcPct val="90000"/>
+              </a:lnSpc>
+            </a:pPr>
+            <a:r>
               <a:rPr lang="en-US" b="0" dirty="0">
                 <a:solidFill>
                   <a:srgbClr val="000000"/>
                 </a:solidFill>
               </a:rPr>
-              <a:t>] – convert the type of a column using as.integer(), as.numeric(), as.character(), as.Date(), etc..</a:t>
-            </a:r>
+              <a:t>convert the type of a column using as.integer(), as.numeric(), as.character(), as.Date(), etc..</a:t>
+            </a:r>
+          </a:p>
+        </p:txBody>
+      </p:sp>
+      <p:sp>
+        <p:nvSpPr>
+          <p:cNvPr id="3" name="RStudio® is a trademark of RStudio, Inc.  •  CC BY SA Your Name •  your@email.com  •  844-448-1212 • your.website.com •  Learn more at webpage or vignette   •  package version  0.5.0 •  Updated: 2017-01">
+            <a:extLst>
+              <a:ext uri="{FF2B5EF4-FFF2-40B4-BE49-F238E27FC236}">
+                <a16:creationId xmlns:a16="http://schemas.microsoft.com/office/drawing/2014/main" id="{E4DF29E1-1BD9-16DA-9CC9-912E1076F015}"/>
+              </a:ext>
+            </a:extLst>
+          </p:cNvPr>
+          <p:cNvSpPr txBox="1"/>
+          <p:nvPr/>
+        </p:nvSpPr>
+        <p:spPr>
+          <a:xfrm>
+            <a:off x="2353572" y="10347903"/>
+            <a:ext cx="11322666" cy="234855"/>
+          </a:xfrm>
+          <a:prstGeom prst="rect">
+            <a:avLst/>
+          </a:prstGeom>
+          <a:ln w="12700">
+            <a:miter lim="400000"/>
+          </a:ln>
+          <a:extLst>
+            <a:ext uri="{C572A759-6A51-4108-AA02-DFA0A04FC94B}">
+              <ma14:wrappingTextBoxFlag xmlns="" xmlns:ma14="http://schemas.microsoft.com/office/mac/drawingml/2011/main" val="1"/>
+            </a:ext>
+          </a:extLst>
+        </p:spPr>
+        <p:txBody>
+          <a:bodyPr lIns="54570" tIns="54570" rIns="54570" bIns="54570" anchor="ctr">
+            <a:spAutoFit/>
+          </a:bodyPr>
+          <a:lstStyle/>
+          <a:p>
+            <a:pPr algn="r">
+              <a:lnSpc>
+                <a:spcPct val="90000"/>
+              </a:lnSpc>
+              <a:spcBef>
+                <a:spcPts val="0"/>
+              </a:spcBef>
+              <a:defRPr sz="900" b="0">
+                <a:solidFill>
+                  <a:srgbClr val="000000"/>
+                </a:solidFill>
+              </a:defRPr>
+            </a:pPr>
+            <a:r>
+              <a:rPr lang="en-US" dirty="0">
+                <a:solidFill>
+                  <a:srgbClr val="5B6167"/>
+                </a:solidFill>
+              </a:rPr>
+              <a:t>Created by Erik Petrovsky and Mara Destefanis – </a:t>
+            </a:r>
+            <a:r>
+              <a:rPr lang="en-US" dirty="0" err="1">
+                <a:solidFill>
+                  <a:srgbClr val="5B6167"/>
+                </a:solidFill>
+              </a:rPr>
+              <a:t>maragdestefanis@gmail.com</a:t>
+            </a:r>
+            <a:r>
+              <a:rPr lang="en-US" dirty="0">
+                <a:solidFill>
+                  <a:srgbClr val="757878"/>
+                </a:solidFill>
+              </a:rPr>
+              <a:t> </a:t>
+            </a:r>
+            <a:r>
+              <a:rPr dirty="0">
+                <a:solidFill>
+                  <a:srgbClr val="5B6167"/>
+                </a:solidFill>
+              </a:rPr>
+              <a:t>•</a:t>
+            </a:r>
+            <a:r>
+              <a:rPr lang="en-US" dirty="0">
+                <a:solidFill>
+                  <a:srgbClr val="5B6167"/>
+                </a:solidFill>
+              </a:rPr>
+              <a:t> Edited by Tyson Barrett •</a:t>
+            </a:r>
+            <a:r>
+              <a:rPr dirty="0">
+                <a:solidFill>
+                  <a:srgbClr val="5B6167"/>
+                </a:solidFill>
+              </a:rPr>
+              <a:t> Learn more</a:t>
+            </a:r>
+            <a:r>
+              <a:rPr lang="da-DK" dirty="0">
+                <a:solidFill>
+                  <a:srgbClr val="5B6167"/>
+                </a:solidFill>
+              </a:rPr>
+              <a:t> with the data.table</a:t>
+            </a:r>
+            <a:r>
+              <a:rPr dirty="0">
+                <a:solidFill>
+                  <a:srgbClr val="5B6167"/>
+                </a:solidFill>
+              </a:rPr>
+              <a:t> </a:t>
+            </a:r>
+            <a:r>
+              <a:rPr lang="da-DK" dirty="0">
+                <a:solidFill>
+                  <a:srgbClr val="5B6167"/>
+                </a:solidFill>
+                <a:hlinkClick r:id="rId6">
+                  <a:extLst>
+                    <a:ext uri="{A12FA001-AC4F-418D-AE19-62706E023703}">
+                      <ahyp:hlinkClr xmlns:ahyp="http://schemas.microsoft.com/office/drawing/2018/hyperlinkcolor" val="tx"/>
+                    </a:ext>
+                  </a:extLst>
+                </a:hlinkClick>
+              </a:rPr>
+              <a:t>homepage</a:t>
+            </a:r>
+            <a:r>
+              <a:rPr lang="da-DK" dirty="0">
+                <a:solidFill>
+                  <a:srgbClr val="5B6167"/>
+                </a:solidFill>
+              </a:rPr>
+              <a:t> </a:t>
+            </a:r>
+            <a:r>
+              <a:rPr dirty="0">
+                <a:solidFill>
+                  <a:srgbClr val="5B6167"/>
+                </a:solidFill>
+              </a:rPr>
+              <a:t>or</a:t>
+            </a:r>
+            <a:r>
+              <a:rPr lang="da-DK" dirty="0">
+                <a:solidFill>
+                  <a:srgbClr val="5B6167"/>
+                </a:solidFill>
+              </a:rPr>
+              <a:t> </a:t>
+            </a:r>
+            <a:r>
+              <a:rPr dirty="0">
+                <a:solidFill>
+                  <a:srgbClr val="5B6167"/>
+                </a:solidFill>
+                <a:hlinkClick r:id="rId7">
+                  <a:extLst>
+                    <a:ext uri="{A12FA001-AC4F-418D-AE19-62706E023703}">
+                      <ahyp:hlinkClr xmlns:ahyp="http://schemas.microsoft.com/office/drawing/2018/hyperlinkcolor" val="tx"/>
+                    </a:ext>
+                  </a:extLst>
+                </a:hlinkClick>
+              </a:rPr>
+              <a:t>vignette</a:t>
+            </a:r>
+            <a:r>
+              <a:rPr dirty="0">
+                <a:solidFill>
+                  <a:srgbClr val="5B6167"/>
+                </a:solidFill>
+              </a:rPr>
+              <a:t> • </a:t>
+            </a:r>
+            <a:r>
+              <a:rPr lang="da-DK" dirty="0" err="1">
+                <a:solidFill>
+                  <a:srgbClr val="5B6167"/>
+                </a:solidFill>
+              </a:rPr>
+              <a:t>data.table</a:t>
+            </a:r>
+            <a:r>
+              <a:rPr dirty="0">
+                <a:solidFill>
+                  <a:srgbClr val="5B6167"/>
+                </a:solidFill>
+              </a:rPr>
+              <a:t> version </a:t>
+            </a:r>
+            <a:r>
+              <a:rPr lang="da-DK" dirty="0">
+                <a:solidFill>
+                  <a:srgbClr val="5B6167"/>
+                </a:solidFill>
+              </a:rPr>
+              <a:t>1</a:t>
+            </a:r>
+            <a:r>
+              <a:rPr dirty="0">
+                <a:solidFill>
+                  <a:srgbClr val="5B6167"/>
+                </a:solidFill>
+              </a:rPr>
+              <a:t>.</a:t>
+            </a:r>
+            <a:r>
+              <a:rPr lang="da-DK" dirty="0">
+                <a:solidFill>
+                  <a:srgbClr val="5B6167"/>
+                </a:solidFill>
+              </a:rPr>
+              <a:t>17.8</a:t>
+            </a:r>
+            <a:r>
+              <a:rPr dirty="0">
+                <a:solidFill>
+                  <a:srgbClr val="5B6167"/>
+                </a:solidFill>
+              </a:rPr>
+              <a:t> • Updated: 20</a:t>
+            </a:r>
+            <a:r>
+              <a:rPr lang="es-ES" dirty="0">
+                <a:solidFill>
+                  <a:srgbClr val="5B6167"/>
+                </a:solidFill>
+              </a:rPr>
+              <a:t>25</a:t>
+            </a:r>
+            <a:r>
+              <a:rPr dirty="0">
+                <a:solidFill>
+                  <a:srgbClr val="5B6167"/>
+                </a:solidFill>
+              </a:rPr>
+              <a:t>-</a:t>
+            </a:r>
+            <a:r>
+              <a:rPr lang="da-DK" dirty="0">
+                <a:solidFill>
+                  <a:srgbClr val="5B6167"/>
+                </a:solidFill>
+              </a:rPr>
+              <a:t>07</a:t>
+            </a:r>
+            <a:endParaRPr dirty="0">
+              <a:solidFill>
+                <a:srgbClr val="5B6167"/>
+              </a:solidFill>
+            </a:endParaRPr>
           </a:p>
         </p:txBody>
       </p:sp>
@@ -16460,113 +16993,6 @@
       </p:sp>
       <p:sp>
         <p:nvSpPr>
-          <p:cNvPr id="298" name="RStudio® is a trademark of RStudio, Inc.  •  CC BY SA Your Name •  your@email.com  •  844-448-1212 • your.website.com •  Learn more at webpage or vignette   •  package version  0.5.0 •  Updated: 2017-01"/>
-          <p:cNvSpPr txBox="1"/>
-          <p:nvPr/>
-        </p:nvSpPr>
-        <p:spPr>
-          <a:xfrm>
-            <a:off x="2353572" y="10347903"/>
-            <a:ext cx="11322666" cy="234855"/>
-          </a:xfrm>
-          <a:prstGeom prst="rect">
-            <a:avLst/>
-          </a:prstGeom>
-          <a:ln w="12700">
-            <a:miter lim="400000"/>
-          </a:ln>
-          <a:extLst>
-            <a:ext uri="{C572A759-6A51-4108-AA02-DFA0A04FC94B}">
-              <ma14:wrappingTextBoxFlag xmlns:ma14="http://schemas.microsoft.com/office/mac/drawingml/2011/main" xmlns="" val="1"/>
-            </a:ext>
-          </a:extLst>
-        </p:spPr>
-        <p:txBody>
-          <a:bodyPr lIns="54570" tIns="54570" rIns="54570" bIns="54570" anchor="ctr">
-            <a:spAutoFit/>
-          </a:bodyPr>
-          <a:lstStyle/>
-          <a:p>
-            <a:pPr algn="r">
-              <a:lnSpc>
-                <a:spcPct val="90000"/>
-              </a:lnSpc>
-              <a:spcBef>
-                <a:spcPts val="0"/>
-              </a:spcBef>
-              <a:defRPr sz="900" b="0">
-                <a:solidFill>
-                  <a:srgbClr val="000000"/>
-                </a:solidFill>
-              </a:defRPr>
-            </a:pPr>
-            <a:r>
-              <a:rPr lang="en-US" dirty="0">
-                <a:solidFill>
-                  <a:srgbClr val="5B6167"/>
-                </a:solidFill>
-              </a:rPr>
-              <a:t>Created by Erik Petrovsky  and Mara Destefanis – maragdestefanis@gmail.com</a:t>
-            </a:r>
-            <a:r>
-              <a:rPr lang="da-DK" dirty="0">
-                <a:solidFill>
-                  <a:srgbClr val="5B6167"/>
-                </a:solidFill>
-              </a:rPr>
-              <a:t>• Learn more with the data.table </a:t>
-            </a:r>
-            <a:r>
-              <a:rPr lang="da-DK" dirty="0">
-                <a:solidFill>
-                  <a:srgbClr val="5B6167"/>
-                </a:solidFill>
-                <a:hlinkClick r:id="rId4">
-                  <a:extLst>
-                    <a:ext uri="{A12FA001-AC4F-418D-AE19-62706E023703}">
-                      <ahyp:hlinkClr xmlns:ahyp="http://schemas.microsoft.com/office/drawing/2018/hyperlinkcolor" val="tx"/>
-                    </a:ext>
-                  </a:extLst>
-                </a:hlinkClick>
-              </a:rPr>
-              <a:t>homepage</a:t>
-            </a:r>
-            <a:r>
-              <a:rPr lang="da-DK" dirty="0">
-                <a:solidFill>
-                  <a:srgbClr val="5B6167"/>
-                </a:solidFill>
-              </a:rPr>
-              <a:t> or </a:t>
-            </a:r>
-            <a:r>
-              <a:rPr lang="da-DK" dirty="0">
-                <a:solidFill>
-                  <a:srgbClr val="5B6167"/>
-                </a:solidFill>
-                <a:hlinkClick r:id="rId5">
-                  <a:extLst>
-                    <a:ext uri="{A12FA001-AC4F-418D-AE19-62706E023703}">
-                      <ahyp:hlinkClr xmlns:ahyp="http://schemas.microsoft.com/office/drawing/2018/hyperlinkcolor" val="tx"/>
-                    </a:ext>
-                  </a:extLst>
-                </a:hlinkClick>
-              </a:rPr>
-              <a:t>vignette</a:t>
-            </a:r>
-            <a:r>
-              <a:rPr lang="da-DK" dirty="0">
-                <a:solidFill>
-                  <a:srgbClr val="5B6167"/>
-                </a:solidFill>
-              </a:rPr>
-              <a:t> • data.table version 1.15.0 • Updated: 2024-01</a:t>
-            </a:r>
-          </a:p>
-        </p:txBody>
-      </p:sp>
-      <p:sp>
-        <p:nvSpPr>
           <p:cNvPr id="2" name="Rektangel 1"/>
           <p:cNvSpPr/>
           <p:nvPr/>
@@ -16660,12 +17086,12 @@
           </a:ln>
           <a:extLst>
             <a:ext uri="{C572A759-6A51-4108-AA02-DFA0A04FC94B}">
-              <ma14:wrappingTextBoxFlag xmlns:ma14="http://schemas.microsoft.com/office/mac/drawingml/2011/main" xmlns="" val="1"/>
+              <ma14:wrappingTextBoxFlag xmlns="" xmlns:ma14="http://schemas.microsoft.com/office/mac/drawingml/2011/main" val="1"/>
             </a:ext>
           </a:extLst>
         </p:spPr>
         <p:txBody>
-          <a:bodyPr wrap="square" lIns="0" tIns="12700" rIns="0" bIns="12700" anchor="ctr">
+          <a:bodyPr wrap="square" lIns="0" tIns="12700" rIns="0" bIns="12700" anchor="t" anchorCtr="0">
             <a:spAutoFit/>
           </a:bodyPr>
           <a:lstStyle/>
@@ -16758,12 +17184,12 @@
           </a:ln>
           <a:extLst>
             <a:ext uri="{C572A759-6A51-4108-AA02-DFA0A04FC94B}">
-              <ma14:wrappingTextBoxFlag xmlns:ma14="http://schemas.microsoft.com/office/mac/drawingml/2011/main" xmlns="" val="1"/>
+              <ma14:wrappingTextBoxFlag xmlns="" xmlns:ma14="http://schemas.microsoft.com/office/mac/drawingml/2011/main" val="1"/>
             </a:ext>
           </a:extLst>
         </p:spPr>
         <p:txBody>
-          <a:bodyPr wrap="none" lIns="0" tIns="12700" rIns="0" bIns="12700" anchor="ctr">
+          <a:bodyPr wrap="none" lIns="0" tIns="12700" rIns="0" bIns="12700" anchor="t">
             <a:spAutoFit/>
           </a:bodyPr>
           <a:lstStyle/>
@@ -16801,7 +17227,7 @@
         <p:spPr>
           <a:xfrm>
             <a:off x="2026690" y="6130245"/>
-            <a:ext cx="2576956" cy="387502"/>
+            <a:ext cx="2576956" cy="565499"/>
           </a:xfrm>
           <a:prstGeom prst="rect">
             <a:avLst/>
@@ -16811,7 +17237,7 @@
           </a:ln>
           <a:extLst>
             <a:ext uri="{C572A759-6A51-4108-AA02-DFA0A04FC94B}">
-              <ma14:wrappingTextBoxFlag xmlns:ma14="http://schemas.microsoft.com/office/mac/drawingml/2011/main" xmlns="" val="1"/>
+              <ma14:wrappingTextBoxFlag xmlns="" xmlns:ma14="http://schemas.microsoft.com/office/mac/drawingml/2011/main" val="1"/>
             </a:ext>
           </a:extLst>
         </p:spPr>
@@ -16827,28 +17253,52 @@
               </a:lnSpc>
             </a:pPr>
             <a:r>
-              <a:rPr lang="en-US" b="0" dirty="0">
+              <a:rPr lang="en-US" sz="1100" b="0" dirty="0">
                 <a:solidFill>
                   <a:srgbClr val="000000"/>
                 </a:solidFill>
+                <a:latin typeface="Fira Code" panose="020B0809050000020004" pitchFamily="49" charset="0"/>
+                <a:ea typeface="Fira Code" panose="020B0809050000020004" pitchFamily="49" charset="0"/>
+                <a:cs typeface="Fira Code" panose="020B0809050000020004" pitchFamily="49" charset="0"/>
               </a:rPr>
               <a:t>dt_a[dt_b,</a:t>
             </a:r>
             <a:r>
-              <a:rPr lang="en-US" dirty="0">
+              <a:rPr lang="en-US" sz="1100" dirty="0">
                 <a:solidFill>
                   <a:srgbClr val="000000"/>
                 </a:solidFill>
+                <a:latin typeface="Fira Code" panose="020B0809050000020004" pitchFamily="49" charset="0"/>
+                <a:ea typeface="Fira Code" panose="020B0809050000020004" pitchFamily="49" charset="0"/>
+                <a:cs typeface="Fira Code" panose="020B0809050000020004" pitchFamily="49" charset="0"/>
               </a:rPr>
               <a:t> on = .(b = y)</a:t>
             </a:r>
             <a:r>
+              <a:rPr lang="en-US" sz="1100" b="0" dirty="0">
+                <a:solidFill>
+                  <a:srgbClr val="000000"/>
+                </a:solidFill>
+                <a:latin typeface="Fira Code" panose="020B0809050000020004" pitchFamily="49" charset="0"/>
+                <a:ea typeface="Fira Code" panose="020B0809050000020004" pitchFamily="49" charset="0"/>
+                <a:cs typeface="Fira Code" panose="020B0809050000020004" pitchFamily="49" charset="0"/>
+              </a:rPr>
+              <a:t>]</a:t>
+            </a:r>
+          </a:p>
+          <a:p>
+            <a:pPr lvl="1" indent="0">
+              <a:lnSpc>
+                <a:spcPct val="90000"/>
+              </a:lnSpc>
+            </a:pPr>
+            <a:r>
               <a:rPr lang="en-US" b="0" dirty="0">
                 <a:solidFill>
                   <a:srgbClr val="000000"/>
                 </a:solidFill>
               </a:rPr>
-              <a:t>] – join data.tables on rows with equal values.</a:t>
+              <a:t>join data.tables on rows with equal values.</a:t>
             </a:r>
             <a:endParaRPr lang="en-US" b="0" dirty="0">
               <a:solidFill>
@@ -17697,7 +18147,7 @@
           </a:ln>
           <a:extLst>
             <a:ext uri="{C572A759-6A51-4108-AA02-DFA0A04FC94B}">
-              <ma14:wrappingTextBoxFlag xmlns:ma14="http://schemas.microsoft.com/office/mac/drawingml/2011/main" xmlns="" val="1"/>
+              <ma14:wrappingTextBoxFlag xmlns="" xmlns:ma14="http://schemas.microsoft.com/office/mac/drawingml/2011/main" val="1"/>
             </a:ext>
           </a:extLst>
         </p:spPr>
@@ -18203,7 +18653,7 @@
           </a:ln>
           <a:extLst>
             <a:ext uri="{C572A759-6A51-4108-AA02-DFA0A04FC94B}">
-              <ma14:wrappingTextBoxFlag xmlns:ma14="http://schemas.microsoft.com/office/mac/drawingml/2011/main" xmlns="" val="1"/>
+              <ma14:wrappingTextBoxFlag xmlns="" xmlns:ma14="http://schemas.microsoft.com/office/mac/drawingml/2011/main" val="1"/>
             </a:ext>
           </a:extLst>
         </p:spPr>
@@ -18238,7 +18688,7 @@
         <p:spPr>
           <a:xfrm>
             <a:off x="2556941" y="7063080"/>
-            <a:ext cx="2046705" cy="553701"/>
+            <a:ext cx="2046705" cy="745548"/>
           </a:xfrm>
           <a:prstGeom prst="rect">
             <a:avLst/>
@@ -18248,7 +18698,7 @@
           </a:ln>
           <a:extLst>
             <a:ext uri="{C572A759-6A51-4108-AA02-DFA0A04FC94B}">
-              <ma14:wrappingTextBoxFlag xmlns:ma14="http://schemas.microsoft.com/office/mac/drawingml/2011/main" xmlns="" val="1"/>
+              <ma14:wrappingTextBoxFlag xmlns="" xmlns:ma14="http://schemas.microsoft.com/office/mac/drawingml/2011/main" val="1"/>
             </a:ext>
           </a:extLst>
         </p:spPr>
@@ -18264,28 +18714,70 @@
               </a:lnSpc>
             </a:pPr>
             <a:r>
-              <a:rPr lang="en-US" b="0" dirty="0">
+              <a:rPr lang="en-US" sz="1100" b="0" dirty="0">
                 <a:solidFill>
                   <a:srgbClr val="000000"/>
                 </a:solidFill>
+                <a:latin typeface="Fira Code" panose="020B0809050000020004" pitchFamily="49" charset="0"/>
+                <a:ea typeface="Fira Code" panose="020B0809050000020004" pitchFamily="49" charset="0"/>
+                <a:cs typeface="Fira Code" panose="020B0809050000020004" pitchFamily="49" charset="0"/>
               </a:rPr>
               <a:t>dt_a[dt_b,</a:t>
             </a:r>
             <a:r>
-              <a:rPr lang="en-US" dirty="0">
+              <a:rPr lang="en-US" sz="1100" dirty="0">
                 <a:solidFill>
                   <a:srgbClr val="000000"/>
                 </a:solidFill>
+                <a:latin typeface="Fira Code" panose="020B0809050000020004" pitchFamily="49" charset="0"/>
+                <a:ea typeface="Fira Code" panose="020B0809050000020004" pitchFamily="49" charset="0"/>
+                <a:cs typeface="Fira Code" panose="020B0809050000020004" pitchFamily="49" charset="0"/>
               </a:rPr>
-              <a:t> on = .(b = y, c &gt; z)</a:t>
-            </a:r>
+              <a:t> </a:t>
+            </a:r>
+          </a:p>
+          <a:p>
+            <a:pPr lvl="1" indent="0">
+              <a:lnSpc>
+                <a:spcPct val="90000"/>
+              </a:lnSpc>
+            </a:pPr>
+            <a:r>
+              <a:rPr lang="en-US" sz="1100" dirty="0">
+                <a:solidFill>
+                  <a:srgbClr val="000000"/>
+                </a:solidFill>
+                <a:latin typeface="Fira Code" panose="020B0809050000020004" pitchFamily="49" charset="0"/>
+                <a:ea typeface="Fira Code" panose="020B0809050000020004" pitchFamily="49" charset="0"/>
+                <a:cs typeface="Fira Code" panose="020B0809050000020004" pitchFamily="49" charset="0"/>
+              </a:rPr>
+              <a:t>  on = .(b = y, c &gt; z)</a:t>
+            </a:r>
+            <a:r>
+              <a:rPr lang="en-US" sz="1100" b="0" dirty="0">
+                <a:solidFill>
+                  <a:srgbClr val="000000"/>
+                </a:solidFill>
+                <a:latin typeface="Fira Code" panose="020B0809050000020004" pitchFamily="49" charset="0"/>
+                <a:ea typeface="Fira Code" panose="020B0809050000020004" pitchFamily="49" charset="0"/>
+                <a:cs typeface="Fira Code" panose="020B0809050000020004" pitchFamily="49" charset="0"/>
+              </a:rPr>
+              <a:t>]</a:t>
+            </a:r>
+          </a:p>
+          <a:p>
+            <a:pPr lvl="1" indent="0">
+              <a:lnSpc>
+                <a:spcPct val="90000"/>
+              </a:lnSpc>
+            </a:pPr>
             <a:r>
               <a:rPr lang="en-US" b="0" dirty="0">
                 <a:solidFill>
                   <a:srgbClr val="000000"/>
                 </a:solidFill>
               </a:rPr>
-              <a:t>] – join data.tables on rows with equal </a:t>
+              <a:t>join data.tables on rows with equal </a:t>
             </a:r>
             <a:r>
               <a:rPr lang="en-US" b="0" i="1" dirty="0">
@@ -19279,7 +19771,7 @@
           </a:ln>
           <a:extLst>
             <a:ext uri="{C572A759-6A51-4108-AA02-DFA0A04FC94B}">
-              <ma14:wrappingTextBoxFlag xmlns:ma14="http://schemas.microsoft.com/office/mac/drawingml/2011/main" xmlns="" val="1"/>
+              <ma14:wrappingTextBoxFlag xmlns="" xmlns:ma14="http://schemas.microsoft.com/office/mac/drawingml/2011/main" val="1"/>
             </a:ext>
           </a:extLst>
         </p:spPr>
@@ -19928,7 +20420,7 @@
           </a:ln>
           <a:extLst>
             <a:ext uri="{C572A759-6A51-4108-AA02-DFA0A04FC94B}">
-              <ma14:wrappingTextBoxFlag xmlns:ma14="http://schemas.microsoft.com/office/mac/drawingml/2011/main" xmlns="" val="1"/>
+              <ma14:wrappingTextBoxFlag xmlns="" xmlns:ma14="http://schemas.microsoft.com/office/mac/drawingml/2011/main" val="1"/>
             </a:ext>
           </a:extLst>
         </p:spPr>
@@ -19963,7 +20455,7 @@
         <p:spPr>
           <a:xfrm>
             <a:off x="290230" y="9293703"/>
-            <a:ext cx="4313416" cy="775003"/>
+            <a:ext cx="4313416" cy="786801"/>
           </a:xfrm>
           <a:prstGeom prst="rect">
             <a:avLst/>
@@ -19973,7 +20465,7 @@
           </a:ln>
           <a:extLst>
             <a:ext uri="{C572A759-6A51-4108-AA02-DFA0A04FC94B}">
-              <ma14:wrappingTextBoxFlag xmlns:ma14="http://schemas.microsoft.com/office/mac/drawingml/2011/main" xmlns="" val="1"/>
+              <ma14:wrappingTextBoxFlag xmlns="" xmlns:ma14="http://schemas.microsoft.com/office/mac/drawingml/2011/main" val="1"/>
             </a:ext>
           </a:extLst>
         </p:spPr>
@@ -19989,28 +20481,52 @@
               </a:lnSpc>
             </a:pPr>
             <a:r>
-              <a:rPr lang="en-US" b="0" dirty="0">
+              <a:rPr lang="en-US" sz="1100" b="0" dirty="0">
                 <a:solidFill>
                   <a:srgbClr val="000000"/>
                 </a:solidFill>
+                <a:latin typeface="Fira Code" panose="020B0809050000020004" pitchFamily="49" charset="0"/>
+                <a:ea typeface="Fira Code" panose="020B0809050000020004" pitchFamily="49" charset="0"/>
+                <a:cs typeface="Fira Code" panose="020B0809050000020004" pitchFamily="49" charset="0"/>
               </a:rPr>
               <a:t>dt_a[dt_b, </a:t>
             </a:r>
             <a:r>
-              <a:rPr lang="en-US" dirty="0">
+              <a:rPr lang="en-US" sz="1100" dirty="0">
                 <a:solidFill>
                   <a:srgbClr val="000000"/>
                 </a:solidFill>
+                <a:latin typeface="Fira Code" panose="020B0809050000020004" pitchFamily="49" charset="0"/>
+                <a:ea typeface="Fira Code" panose="020B0809050000020004" pitchFamily="49" charset="0"/>
+                <a:cs typeface="Fira Code" panose="020B0809050000020004" pitchFamily="49" charset="0"/>
               </a:rPr>
-              <a:t>on = .(id = id, date = date), roll = TRUE</a:t>
-            </a:r>
+              <a:t>on = .(id = id, date = date), roll=TRUE</a:t>
+            </a:r>
+            <a:r>
+              <a:rPr lang="en-US" sz="1100" b="0" dirty="0">
+                <a:solidFill>
+                  <a:srgbClr val="000000"/>
+                </a:solidFill>
+                <a:latin typeface="Fira Code" panose="020B0809050000020004" pitchFamily="49" charset="0"/>
+                <a:ea typeface="Fira Code" panose="020B0809050000020004" pitchFamily="49" charset="0"/>
+                <a:cs typeface="Fira Code" panose="020B0809050000020004" pitchFamily="49" charset="0"/>
+              </a:rPr>
+              <a:t>]</a:t>
+            </a:r>
+          </a:p>
+          <a:p>
+            <a:pPr lvl="1" indent="0">
+              <a:lnSpc>
+                <a:spcPct val="90000"/>
+              </a:lnSpc>
+            </a:pPr>
             <a:r>
               <a:rPr lang="en-US" b="0" dirty="0">
                 <a:solidFill>
                   <a:srgbClr val="000000"/>
                 </a:solidFill>
               </a:rPr>
-              <a:t>] – join data.tables on matching rows in id columns but only keep the most recent preceding match with the left data.table according to date columns. </a:t>
+              <a:t>join data.tables on matching rows in id columns but only keep the most recent preceding match with the left data.table according to date columns. </a:t>
             </a:r>
             <a:r>
               <a:rPr lang="en-US" b="0" dirty="0">
@@ -20032,7 +20548,7 @@
         <p:spPr>
           <a:xfrm>
             <a:off x="6399640" y="1518080"/>
-            <a:ext cx="2779791" cy="387502"/>
+            <a:ext cx="2779791" cy="413150"/>
           </a:xfrm>
           <a:prstGeom prst="rect">
             <a:avLst/>
@@ -20042,7 +20558,7 @@
           </a:ln>
           <a:extLst>
             <a:ext uri="{C572A759-6A51-4108-AA02-DFA0A04FC94B}">
-              <ma14:wrappingTextBoxFlag xmlns:ma14="http://schemas.microsoft.com/office/mac/drawingml/2011/main" xmlns="" val="1"/>
+              <ma14:wrappingTextBoxFlag xmlns="" xmlns:ma14="http://schemas.microsoft.com/office/mac/drawingml/2011/main" val="1"/>
             </a:ext>
           </a:extLst>
         </p:spPr>
@@ -20058,36 +20574,63 @@
               </a:lnSpc>
             </a:pPr>
             <a:r>
-              <a:rPr lang="en-US" dirty="0">
+              <a:rPr lang="en-US" sz="1100" dirty="0">
                 <a:solidFill>
                   <a:srgbClr val="000000"/>
                 </a:solidFill>
+                <a:latin typeface="Fira Code" panose="020B0809050000020004" pitchFamily="49" charset="0"/>
+                <a:ea typeface="Fira Code" panose="020B0809050000020004" pitchFamily="49" charset="0"/>
+                <a:cs typeface="Fira Code" panose="020B0809050000020004" pitchFamily="49" charset="0"/>
               </a:rPr>
               <a:t>rbind(</a:t>
             </a:r>
             <a:r>
+              <a:rPr lang="en-US" sz="1100" b="0" dirty="0">
+                <a:solidFill>
+                  <a:srgbClr val="000000"/>
+                </a:solidFill>
+                <a:latin typeface="Fira Code" panose="020B0809050000020004" pitchFamily="49" charset="0"/>
+                <a:ea typeface="Fira Code" panose="020B0809050000020004" pitchFamily="49" charset="0"/>
+                <a:cs typeface="Fira Code" panose="020B0809050000020004" pitchFamily="49" charset="0"/>
+              </a:rPr>
+              <a:t>dt_a, </a:t>
+            </a:r>
+            <a:r>
+              <a:rPr lang="en-US" sz="1100" b="0" dirty="0" err="1">
+                <a:solidFill>
+                  <a:srgbClr val="000000"/>
+                </a:solidFill>
+                <a:latin typeface="Fira Code" panose="020B0809050000020004" pitchFamily="49" charset="0"/>
+                <a:ea typeface="Fira Code" panose="020B0809050000020004" pitchFamily="49" charset="0"/>
+                <a:cs typeface="Fira Code" panose="020B0809050000020004" pitchFamily="49" charset="0"/>
+              </a:rPr>
+              <a:t>dt_b</a:t>
+            </a:r>
+            <a:r>
+              <a:rPr lang="en-US" sz="1100" dirty="0">
+                <a:solidFill>
+                  <a:srgbClr val="000000"/>
+                </a:solidFill>
+                <a:latin typeface="Fira Code" panose="020B0809050000020004" pitchFamily="49" charset="0"/>
+                <a:ea typeface="Fira Code" panose="020B0809050000020004" pitchFamily="49" charset="0"/>
+                <a:cs typeface="Fira Code" panose="020B0809050000020004" pitchFamily="49" charset="0"/>
+              </a:rPr>
+              <a:t>)</a:t>
+            </a:r>
+          </a:p>
+          <a:p>
+            <a:pPr lvl="1" indent="0">
+              <a:lnSpc>
+                <a:spcPct val="90000"/>
+              </a:lnSpc>
+            </a:pPr>
+            <a:r>
               <a:rPr lang="en-US" b="0" dirty="0">
                 <a:solidFill>
                   <a:srgbClr val="000000"/>
                 </a:solidFill>
               </a:rPr>
-              <a:t>dt_a, dt_b</a:t>
-            </a:r>
-            <a:r>
-              <a:rPr lang="en-US" dirty="0">
-                <a:solidFill>
-                  <a:srgbClr val="000000"/>
-                </a:solidFill>
-              </a:rPr>
-              <a:t>) </a:t>
-            </a:r>
-            <a:r>
-              <a:rPr lang="en-US" b="0" dirty="0">
-                <a:solidFill>
-                  <a:srgbClr val="000000"/>
-                </a:solidFill>
-              </a:rPr>
-              <a:t>– combine rows of two data.tables.</a:t>
+              <a:t>combine rows of two data.tables.</a:t>
             </a:r>
             <a:endParaRPr lang="en-US" dirty="0">
               <a:solidFill>
@@ -20524,7 +21067,7 @@
           </a:ln>
           <a:extLst>
             <a:ext uri="{C572A759-6A51-4108-AA02-DFA0A04FC94B}">
-              <ma14:wrappingTextBoxFlag xmlns:ma14="http://schemas.microsoft.com/office/mac/drawingml/2011/main" xmlns="" val="1"/>
+              <ma14:wrappingTextBoxFlag xmlns="" xmlns:ma14="http://schemas.microsoft.com/office/mac/drawingml/2011/main" val="1"/>
             </a:ext>
           </a:extLst>
         </p:spPr>
@@ -20874,7 +21417,7 @@
           </a:ln>
           <a:extLst>
             <a:ext uri="{C572A759-6A51-4108-AA02-DFA0A04FC94B}">
-              <ma14:wrappingTextBoxFlag xmlns:ma14="http://schemas.microsoft.com/office/mac/drawingml/2011/main" xmlns="" val="1"/>
+              <ma14:wrappingTextBoxFlag xmlns="" xmlns:ma14="http://schemas.microsoft.com/office/mac/drawingml/2011/main" val="1"/>
             </a:ext>
           </a:extLst>
         </p:spPr>
@@ -20909,7 +21452,7 @@
         <p:spPr>
           <a:xfrm>
             <a:off x="6707975" y="2521928"/>
-            <a:ext cx="2471456" cy="387502"/>
+            <a:ext cx="2471456" cy="413150"/>
           </a:xfrm>
           <a:prstGeom prst="rect">
             <a:avLst/>
@@ -20919,7 +21462,7 @@
           </a:ln>
           <a:extLst>
             <a:ext uri="{C572A759-6A51-4108-AA02-DFA0A04FC94B}">
-              <ma14:wrappingTextBoxFlag xmlns:ma14="http://schemas.microsoft.com/office/mac/drawingml/2011/main" xmlns="" val="1"/>
+              <ma14:wrappingTextBoxFlag xmlns="" xmlns:ma14="http://schemas.microsoft.com/office/mac/drawingml/2011/main" val="1"/>
             </a:ext>
           </a:extLst>
         </p:spPr>
@@ -20935,36 +21478,63 @@
               </a:lnSpc>
             </a:pPr>
             <a:r>
-              <a:rPr lang="en-US" dirty="0">
+              <a:rPr lang="en-US" sz="1100" dirty="0">
                 <a:solidFill>
                   <a:srgbClr val="000000"/>
                 </a:solidFill>
+                <a:latin typeface="Fira Code" panose="020B0809050000020004" pitchFamily="49" charset="0"/>
+                <a:ea typeface="Fira Code" panose="020B0809050000020004" pitchFamily="49" charset="0"/>
+                <a:cs typeface="Fira Code" panose="020B0809050000020004" pitchFamily="49" charset="0"/>
               </a:rPr>
               <a:t>cbind(</a:t>
             </a:r>
             <a:r>
+              <a:rPr lang="en-US" sz="1100" b="0" dirty="0">
+                <a:solidFill>
+                  <a:srgbClr val="000000"/>
+                </a:solidFill>
+                <a:latin typeface="Fira Code" panose="020B0809050000020004" pitchFamily="49" charset="0"/>
+                <a:ea typeface="Fira Code" panose="020B0809050000020004" pitchFamily="49" charset="0"/>
+                <a:cs typeface="Fira Code" panose="020B0809050000020004" pitchFamily="49" charset="0"/>
+              </a:rPr>
+              <a:t>dt_a, </a:t>
+            </a:r>
+            <a:r>
+              <a:rPr lang="en-US" sz="1100" b="0" dirty="0" err="1">
+                <a:solidFill>
+                  <a:srgbClr val="000000"/>
+                </a:solidFill>
+                <a:latin typeface="Fira Code" panose="020B0809050000020004" pitchFamily="49" charset="0"/>
+                <a:ea typeface="Fira Code" panose="020B0809050000020004" pitchFamily="49" charset="0"/>
+                <a:cs typeface="Fira Code" panose="020B0809050000020004" pitchFamily="49" charset="0"/>
+              </a:rPr>
+              <a:t>dt_b</a:t>
+            </a:r>
+            <a:r>
+              <a:rPr lang="en-US" sz="1100" dirty="0">
+                <a:solidFill>
+                  <a:srgbClr val="000000"/>
+                </a:solidFill>
+                <a:latin typeface="Fira Code" panose="020B0809050000020004" pitchFamily="49" charset="0"/>
+                <a:ea typeface="Fira Code" panose="020B0809050000020004" pitchFamily="49" charset="0"/>
+                <a:cs typeface="Fira Code" panose="020B0809050000020004" pitchFamily="49" charset="0"/>
+              </a:rPr>
+              <a:t>)</a:t>
+            </a:r>
+          </a:p>
+          <a:p>
+            <a:pPr lvl="1" indent="0">
+              <a:lnSpc>
+                <a:spcPct val="90000"/>
+              </a:lnSpc>
+            </a:pPr>
+            <a:r>
               <a:rPr lang="en-US" b="0" dirty="0">
                 <a:solidFill>
                   <a:srgbClr val="000000"/>
                 </a:solidFill>
               </a:rPr>
-              <a:t>dt_a, dt_b</a:t>
-            </a:r>
-            <a:r>
-              <a:rPr lang="en-US" dirty="0">
-                <a:solidFill>
-                  <a:srgbClr val="000000"/>
-                </a:solidFill>
-              </a:rPr>
-              <a:t>) </a:t>
-            </a:r>
-            <a:r>
-              <a:rPr lang="en-US" b="0" dirty="0">
-                <a:solidFill>
-                  <a:srgbClr val="000000"/>
-                </a:solidFill>
-              </a:rPr>
-              <a:t>– combine columns of two data.tables.</a:t>
+              <a:t>combine columns of two data.tables.</a:t>
             </a:r>
             <a:endParaRPr lang="en-US" dirty="0">
               <a:solidFill>
@@ -21503,7 +22073,7 @@
           </a:ln>
           <a:extLst>
             <a:ext uri="{C572A759-6A51-4108-AA02-DFA0A04FC94B}">
-              <ma14:wrappingTextBoxFlag xmlns:ma14="http://schemas.microsoft.com/office/mac/drawingml/2011/main" xmlns="" val="1"/>
+              <ma14:wrappingTextBoxFlag xmlns="" xmlns:ma14="http://schemas.microsoft.com/office/mac/drawingml/2011/main" val="1"/>
             </a:ext>
           </a:extLst>
         </p:spPr>
@@ -22000,7 +22570,7 @@
           </a:ln>
           <a:extLst>
             <a:ext uri="{C572A759-6A51-4108-AA02-DFA0A04FC94B}">
-              <ma14:wrappingTextBoxFlag xmlns:ma14="http://schemas.microsoft.com/office/mac/drawingml/2011/main" xmlns="" val="1"/>
+              <ma14:wrappingTextBoxFlag xmlns="" xmlns:ma14="http://schemas.microsoft.com/office/mac/drawingml/2011/main" val="1"/>
             </a:ext>
           </a:extLst>
         </p:spPr>
@@ -22726,7 +23296,7 @@
           </a:ln>
           <a:extLst>
             <a:ext uri="{C572A759-6A51-4108-AA02-DFA0A04FC94B}">
-              <ma14:wrappingTextBoxFlag xmlns:ma14="http://schemas.microsoft.com/office/mac/drawingml/2011/main" xmlns="" val="1"/>
+              <ma14:wrappingTextBoxFlag xmlns="" xmlns:ma14="http://schemas.microsoft.com/office/mac/drawingml/2011/main" val="1"/>
             </a:ext>
           </a:extLst>
         </p:spPr>
@@ -22771,7 +23341,7 @@
           </a:ln>
           <a:extLst>
             <a:ext uri="{C572A759-6A51-4108-AA02-DFA0A04FC94B}">
-              <ma14:wrappingTextBoxFlag xmlns:ma14="http://schemas.microsoft.com/office/mac/drawingml/2011/main" xmlns="" val="1"/>
+              <ma14:wrappingTextBoxFlag xmlns="" xmlns:ma14="http://schemas.microsoft.com/office/mac/drawingml/2011/main" val="1"/>
             </a:ext>
           </a:extLst>
         </p:spPr>
@@ -23615,7 +24185,7 @@
         <p:spPr>
           <a:xfrm>
             <a:off x="290231" y="4291335"/>
-            <a:ext cx="4318112" cy="608804"/>
+            <a:ext cx="4318112" cy="786801"/>
           </a:xfrm>
           <a:prstGeom prst="rect">
             <a:avLst/>
@@ -23625,7 +24195,7 @@
           </a:ln>
           <a:extLst>
             <a:ext uri="{C572A759-6A51-4108-AA02-DFA0A04FC94B}">
-              <ma14:wrappingTextBoxFlag xmlns:ma14="http://schemas.microsoft.com/office/mac/drawingml/2011/main" xmlns="" val="1"/>
+              <ma14:wrappingTextBoxFlag xmlns="" xmlns:ma14="http://schemas.microsoft.com/office/mac/drawingml/2011/main" val="1"/>
             </a:ext>
           </a:extLst>
         </p:spPr>
@@ -23641,36 +24211,60 @@
               </a:lnSpc>
             </a:pPr>
             <a:r>
-              <a:rPr lang="en-US" dirty="0">
+              <a:rPr lang="en-US" sz="1100" dirty="0">
                 <a:solidFill>
                   <a:srgbClr val="000000"/>
                 </a:solidFill>
+                <a:latin typeface="Fira Code" panose="020B0809050000020004" pitchFamily="49" charset="0"/>
+                <a:ea typeface="Fira Code" panose="020B0809050000020004" pitchFamily="49" charset="0"/>
+                <a:cs typeface="Fira Code" panose="020B0809050000020004" pitchFamily="49" charset="0"/>
               </a:rPr>
               <a:t>setkey(</a:t>
             </a:r>
             <a:r>
-              <a:rPr lang="en-US" b="0" dirty="0">
+              <a:rPr lang="en-US" sz="1100" b="0" dirty="0">
                 <a:solidFill>
                   <a:srgbClr val="000000"/>
                 </a:solidFill>
+                <a:latin typeface="Fira Code" panose="020B0809050000020004" pitchFamily="49" charset="0"/>
+                <a:ea typeface="Fira Code" panose="020B0809050000020004" pitchFamily="49" charset="0"/>
+                <a:cs typeface="Fira Code" panose="020B0809050000020004" pitchFamily="49" charset="0"/>
               </a:rPr>
               <a:t>dt, a,  b</a:t>
             </a:r>
             <a:r>
-              <a:rPr lang="en-US" dirty="0">
+              <a:rPr lang="en-US" sz="1100" dirty="0">
                 <a:solidFill>
                   <a:srgbClr val="000000"/>
                 </a:solidFill>
+                <a:latin typeface="Fira Code" panose="020B0809050000020004" pitchFamily="49" charset="0"/>
+                <a:ea typeface="Fira Code" panose="020B0809050000020004" pitchFamily="49" charset="0"/>
+                <a:cs typeface="Fira Code" panose="020B0809050000020004" pitchFamily="49" charset="0"/>
               </a:rPr>
               <a:t>)</a:t>
             </a:r>
+            <a:endParaRPr lang="en-US" sz="1100" b="0" dirty="0">
+              <a:solidFill>
+                <a:srgbClr val="000000"/>
+              </a:solidFill>
+              <a:latin typeface="Fira Code" panose="020B0809050000020004" pitchFamily="49" charset="0"/>
+              <a:ea typeface="Fira Code" panose="020B0809050000020004" pitchFamily="49" charset="0"/>
+              <a:cs typeface="Fira Code" panose="020B0809050000020004" pitchFamily="49" charset="0"/>
+            </a:endParaRPr>
+          </a:p>
+          <a:p>
+            <a:pPr lvl="1" indent="0">
+              <a:lnSpc>
+                <a:spcPct val="90000"/>
+              </a:lnSpc>
+            </a:pPr>
             <a:r>
               <a:rPr lang="en-US" b="0" dirty="0">
                 <a:solidFill>
                   <a:srgbClr val="000000"/>
                 </a:solidFill>
               </a:rPr>
-              <a:t> – set keys to enable fast repeated lookup in specified columns using “dt[.(value), ]” or for merging without specifying merging columns using “dt_a[dt_b]”.</a:t>
+              <a:t>set keys to enable fast repeated lookup in specified columns using “dt[.(value), ]” or for merging without specifying merging columns using “dt_a[dt_b]”.</a:t>
             </a:r>
             <a:endParaRPr lang="en-US" dirty="0">
               <a:solidFill>
@@ -23775,7 +24369,7 @@
           </a:ln>
           <a:extLst>
             <a:ext uri="{C572A759-6A51-4108-AA02-DFA0A04FC94B}">
-              <ma14:wrappingTextBoxFlag xmlns:ma14="http://schemas.microsoft.com/office/mac/drawingml/2011/main" xmlns="" val="1"/>
+              <ma14:wrappingTextBoxFlag xmlns="" xmlns:ma14="http://schemas.microsoft.com/office/mac/drawingml/2011/main" val="1"/>
             </a:ext>
           </a:extLst>
         </p:spPr>
@@ -23862,12 +24456,12 @@
           </a:ln>
           <a:extLst>
             <a:ext uri="{C572A759-6A51-4108-AA02-DFA0A04FC94B}">
-              <ma14:wrappingTextBoxFlag xmlns:ma14="http://schemas.microsoft.com/office/mac/drawingml/2011/main" xmlns="" val="1"/>
+              <ma14:wrappingTextBoxFlag xmlns="" xmlns:ma14="http://schemas.microsoft.com/office/mac/drawingml/2011/main" val="1"/>
             </a:ext>
           </a:extLst>
         </p:spPr>
         <p:txBody>
-          <a:bodyPr wrap="none" lIns="0" tIns="12700" rIns="0" bIns="12700" anchor="ctr">
+          <a:bodyPr wrap="none" lIns="0" tIns="12700" rIns="0" bIns="12700" anchor="t" anchorCtr="0">
             <a:spAutoFit/>
           </a:bodyPr>
           <a:lstStyle/>
@@ -23904,7 +24498,7 @@
         </p:nvSpPr>
         <p:spPr>
           <a:xfrm>
-            <a:off x="4812083" y="4095308"/>
+            <a:off x="4812083" y="4049588"/>
             <a:ext cx="1840247" cy="276999"/>
           </a:xfrm>
           <a:prstGeom prst="rect">
@@ -23933,7 +24527,7 @@
         </p:nvSpPr>
         <p:spPr>
           <a:xfrm flipV="1">
-            <a:off x="4812083" y="4074927"/>
+            <a:off x="4812083" y="4006347"/>
             <a:ext cx="4320000" cy="0"/>
           </a:xfrm>
           <a:prstGeom prst="line">
@@ -23980,7 +24574,7 @@
         </p:nvSpPr>
         <p:spPr>
           <a:xfrm>
-            <a:off x="4812083" y="6710591"/>
+            <a:off x="4812083" y="6386741"/>
             <a:ext cx="4320000" cy="0"/>
           </a:xfrm>
           <a:prstGeom prst="line">
@@ -24027,7 +24621,7 @@
         </p:nvSpPr>
         <p:spPr>
           <a:xfrm>
-            <a:off x="4812083" y="6727997"/>
+            <a:off x="4812083" y="6423197"/>
             <a:ext cx="1964640" cy="276999"/>
           </a:xfrm>
           <a:prstGeom prst="rect">
@@ -24056,8 +24650,8 @@
         </p:nvSpPr>
         <p:spPr>
           <a:xfrm>
-            <a:off x="7012057" y="4463629"/>
-            <a:ext cx="2039673" cy="604997"/>
+            <a:off x="7012057" y="4311229"/>
+            <a:ext cx="2120026" cy="922905"/>
           </a:xfrm>
           <a:prstGeom prst="rect">
             <a:avLst/>
@@ -24067,7 +24661,7 @@
           </a:ln>
           <a:extLst>
             <a:ext uri="{C572A759-6A51-4108-AA02-DFA0A04FC94B}">
-              <ma14:wrappingTextBoxFlag xmlns:ma14="http://schemas.microsoft.com/office/mac/drawingml/2011/main" xmlns="" val="1"/>
+              <ma14:wrappingTextBoxFlag xmlns="" xmlns:ma14="http://schemas.microsoft.com/office/mac/drawingml/2011/main" val="1"/>
             </a:ext>
           </a:extLst>
         </p:spPr>
@@ -24083,20 +24677,26 @@
               </a:lnSpc>
             </a:pPr>
             <a:r>
-              <a:rPr lang="en-US" dirty="0">
+              <a:rPr lang="en-US" sz="1100" dirty="0" err="1">
                 <a:solidFill>
                   <a:srgbClr val="000000"/>
                 </a:solidFill>
+                <a:latin typeface="Fira Code" panose="020B0809050000020004" pitchFamily="49" charset="0"/>
+                <a:ea typeface="Fira Code" panose="020B0809050000020004" pitchFamily="49" charset="0"/>
+                <a:cs typeface="Fira Code" panose="020B0809050000020004" pitchFamily="49" charset="0"/>
               </a:rPr>
-              <a:t>dcast(</a:t>
-            </a:r>
-            <a:r>
-              <a:rPr lang="en-US" b="0" dirty="0">
+              <a:t>dcast</a:t>
+            </a:r>
+            <a:r>
+              <a:rPr lang="en-US" sz="1100" dirty="0">
                 <a:solidFill>
                   <a:srgbClr val="000000"/>
                 </a:solidFill>
+                <a:latin typeface="Fira Code" panose="020B0809050000020004" pitchFamily="49" charset="0"/>
+                <a:ea typeface="Fira Code" panose="020B0809050000020004" pitchFamily="49" charset="0"/>
+                <a:cs typeface="Fira Code" panose="020B0809050000020004" pitchFamily="49" charset="0"/>
               </a:rPr>
-              <a:t>dt, </a:t>
+              <a:t>(</a:t>
             </a:r>
           </a:p>
           <a:p>
@@ -24106,12 +24706,15 @@
               </a:lnSpc>
             </a:pPr>
             <a:r>
-              <a:rPr lang="en-US" b="0" dirty="0">
+              <a:rPr lang="en-US" sz="1100" b="0" dirty="0">
                 <a:solidFill>
                   <a:srgbClr val="000000"/>
                 </a:solidFill>
+                <a:latin typeface="Fira Code" panose="020B0809050000020004" pitchFamily="49" charset="0"/>
+                <a:ea typeface="Fira Code" panose="020B0809050000020004" pitchFamily="49" charset="0"/>
+                <a:cs typeface="Fira Code" panose="020B0809050000020004" pitchFamily="49" charset="0"/>
               </a:rPr>
-              <a:t>              id ~ y,</a:t>
+              <a:t>  dt, </a:t>
             </a:r>
           </a:p>
           <a:p>
@@ -24121,18 +24724,71 @@
               </a:lnSpc>
             </a:pPr>
             <a:r>
-              <a:rPr lang="en-US" b="0" dirty="0">
+              <a:rPr lang="en-US" sz="1100" b="0" dirty="0">
                 <a:solidFill>
                   <a:srgbClr val="000000"/>
                 </a:solidFill>
+                <a:latin typeface="Fira Code" panose="020B0809050000020004" pitchFamily="49" charset="0"/>
+                <a:ea typeface="Fira Code" panose="020B0809050000020004" pitchFamily="49" charset="0"/>
+                <a:cs typeface="Fira Code" panose="020B0809050000020004" pitchFamily="49" charset="0"/>
               </a:rPr>
-              <a:t>              value.var = c("a", "b")</a:t>
-            </a:r>
-            <a:r>
-              <a:rPr lang="en-US" dirty="0">
+              <a:t>  id ~ y,</a:t>
+            </a:r>
+          </a:p>
+          <a:p>
+            <a:pPr lvl="1" indent="0">
+              <a:lnSpc>
+                <a:spcPct val="90000"/>
+              </a:lnSpc>
+            </a:pPr>
+            <a:r>
+              <a:rPr lang="en-US" sz="1100" b="0" dirty="0">
                 <a:solidFill>
                   <a:srgbClr val="000000"/>
                 </a:solidFill>
+                <a:latin typeface="Fira Code" panose="020B0809050000020004" pitchFamily="49" charset="0"/>
+                <a:ea typeface="Fira Code" panose="020B0809050000020004" pitchFamily="49" charset="0"/>
+                <a:cs typeface="Fira Code" panose="020B0809050000020004" pitchFamily="49" charset="0"/>
+              </a:rPr>
+              <a:t>  </a:t>
+            </a:r>
+            <a:r>
+              <a:rPr lang="en-US" sz="1100" b="0" dirty="0" err="1">
+                <a:solidFill>
+                  <a:srgbClr val="000000"/>
+                </a:solidFill>
+                <a:latin typeface="Fira Code" panose="020B0809050000020004" pitchFamily="49" charset="0"/>
+                <a:ea typeface="Fira Code" panose="020B0809050000020004" pitchFamily="49" charset="0"/>
+                <a:cs typeface="Fira Code" panose="020B0809050000020004" pitchFamily="49" charset="0"/>
+              </a:rPr>
+              <a:t>value.var</a:t>
+            </a:r>
+            <a:r>
+              <a:rPr lang="en-US" sz="1100" b="0" dirty="0">
+                <a:solidFill>
+                  <a:srgbClr val="000000"/>
+                </a:solidFill>
+                <a:latin typeface="Fira Code" panose="020B0809050000020004" pitchFamily="49" charset="0"/>
+                <a:ea typeface="Fira Code" panose="020B0809050000020004" pitchFamily="49" charset="0"/>
+                <a:cs typeface="Fira Code" panose="020B0809050000020004" pitchFamily="49" charset="0"/>
+              </a:rPr>
+              <a:t> = c("a", "b")</a:t>
+            </a:r>
+          </a:p>
+          <a:p>
+            <a:pPr lvl="1" indent="0">
+              <a:lnSpc>
+                <a:spcPct val="90000"/>
+              </a:lnSpc>
+            </a:pPr>
+            <a:r>
+              <a:rPr lang="en-US" sz="1100" dirty="0">
+                <a:solidFill>
+                  <a:srgbClr val="000000"/>
+                </a:solidFill>
+                <a:latin typeface="Fira Code" panose="020B0809050000020004" pitchFamily="49" charset="0"/>
+                <a:ea typeface="Fira Code" panose="020B0809050000020004" pitchFamily="49" charset="0"/>
+                <a:cs typeface="Fira Code" panose="020B0809050000020004" pitchFamily="49" charset="0"/>
               </a:rPr>
               <a:t>)</a:t>
             </a:r>
@@ -24146,13 +24802,13 @@
           <p:nvPr>
             <p:extLst>
               <p:ext uri="{D42A27DB-BD31-4B8C-83A1-F6EECF244321}">
-                <p14:modId xmlns:p14="http://schemas.microsoft.com/office/powerpoint/2010/main" val="3903634120"/>
+                <p14:modId xmlns:p14="http://schemas.microsoft.com/office/powerpoint/2010/main" val="3649031727"/>
               </p:ext>
             </p:extLst>
           </p:nvPr>
         </p:nvGraphicFramePr>
         <p:xfrm>
-          <a:off x="4812083" y="4463629"/>
+          <a:off x="4812083" y="4311229"/>
           <a:ext cx="619200" cy="762000"/>
         </p:xfrm>
         <a:graphic>
@@ -25054,7 +25710,7 @@
           </a:ln>
           <a:extLst>
             <a:ext uri="{C572A759-6A51-4108-AA02-DFA0A04FC94B}">
-              <ma14:wrappingTextBoxFlag xmlns:ma14="http://schemas.microsoft.com/office/mac/drawingml/2011/main" xmlns="" val="1"/>
+              <ma14:wrappingTextBoxFlag xmlns="" xmlns:ma14="http://schemas.microsoft.com/office/mac/drawingml/2011/main" val="1"/>
             </a:ext>
           </a:extLst>
         </p:spPr>
@@ -25085,7 +25741,7 @@
         </p:nvSpPr>
         <p:spPr>
           <a:xfrm>
-            <a:off x="5473827" y="4611843"/>
+            <a:off x="5473827" y="4459443"/>
             <a:ext cx="136800" cy="0"/>
           </a:xfrm>
           <a:prstGeom prst="line">
@@ -25140,7 +25796,7 @@
         <p:spPr>
           <a:xfrm>
             <a:off x="1351378" y="3285906"/>
-            <a:ext cx="3256965" cy="387502"/>
+            <a:ext cx="3256965" cy="565499"/>
           </a:xfrm>
           <a:prstGeom prst="rect">
             <a:avLst/>
@@ -25150,7 +25806,7 @@
           </a:ln>
           <a:extLst>
             <a:ext uri="{C572A759-6A51-4108-AA02-DFA0A04FC94B}">
-              <ma14:wrappingTextBoxFlag xmlns:ma14="http://schemas.microsoft.com/office/mac/drawingml/2011/main" xmlns="" val="1"/>
+              <ma14:wrappingTextBoxFlag xmlns="" xmlns:ma14="http://schemas.microsoft.com/office/mac/drawingml/2011/main" val="1"/>
             </a:ext>
           </a:extLst>
         </p:spPr>
@@ -25166,138 +25822,198 @@
               </a:lnSpc>
             </a:pPr>
             <a:r>
-              <a:rPr lang="en-US" dirty="0">
+              <a:rPr lang="en-US" sz="1100" dirty="0">
                 <a:solidFill>
                   <a:srgbClr val="000000"/>
                 </a:solidFill>
+                <a:latin typeface="Fira Code" panose="020B0809050000020004" pitchFamily="49" charset="0"/>
+                <a:ea typeface="Fira Code" panose="020B0809050000020004" pitchFamily="49" charset="0"/>
+                <a:cs typeface="Fira Code" panose="020B0809050000020004" pitchFamily="49" charset="0"/>
               </a:rPr>
               <a:t>setnames(</a:t>
             </a:r>
             <a:r>
-              <a:rPr lang="en-US" b="0" dirty="0">
+              <a:rPr lang="en-US" sz="1100" b="0" dirty="0">
                 <a:solidFill>
                   <a:srgbClr val="000000"/>
                 </a:solidFill>
+                <a:latin typeface="Fira Code" panose="020B0809050000020004" pitchFamily="49" charset="0"/>
+                <a:ea typeface="Fira Code" panose="020B0809050000020004" pitchFamily="49" charset="0"/>
+                <a:cs typeface="Fira Code" panose="020B0809050000020004" pitchFamily="49" charset="0"/>
               </a:rPr>
               <a:t>dt, c("a",</a:t>
             </a:r>
             <a:r>
-              <a:rPr lang="en-US" b="0" dirty="0">
+              <a:rPr lang="en-US" sz="1100" b="0" dirty="0">
                 <a:solidFill>
                   <a:srgbClr val="000000"/>
                 </a:solidFill>
+                <a:latin typeface="Fira Code" panose="020B0809050000020004" pitchFamily="49" charset="0"/>
+                <a:ea typeface="Fira Code" panose="020B0809050000020004" pitchFamily="49" charset="0"/>
+                <a:cs typeface="Fira Code" panose="020B0809050000020004" pitchFamily="49" charset="0"/>
                 <a:sym typeface="Source Sans Pro Light"/>
               </a:rPr>
               <a:t> </a:t>
             </a:r>
             <a:r>
-              <a:rPr lang="en-US" b="0" dirty="0">
+              <a:rPr lang="en-US" sz="1100" b="0" dirty="0">
                 <a:solidFill>
                   <a:srgbClr val="000000"/>
                 </a:solidFill>
+                <a:latin typeface="Fira Code" panose="020B0809050000020004" pitchFamily="49" charset="0"/>
+                <a:ea typeface="Fira Code" panose="020B0809050000020004" pitchFamily="49" charset="0"/>
+                <a:cs typeface="Fira Code" panose="020B0809050000020004" pitchFamily="49" charset="0"/>
               </a:rPr>
               <a:t>"</a:t>
             </a:r>
             <a:r>
-              <a:rPr lang="en-US" b="0" dirty="0">
+              <a:rPr lang="en-US" sz="1100" b="0" dirty="0">
                 <a:solidFill>
                   <a:srgbClr val="000000"/>
                 </a:solidFill>
+                <a:latin typeface="Fira Code" panose="020B0809050000020004" pitchFamily="49" charset="0"/>
+                <a:ea typeface="Fira Code" panose="020B0809050000020004" pitchFamily="49" charset="0"/>
+                <a:cs typeface="Fira Code" panose="020B0809050000020004" pitchFamily="49" charset="0"/>
                 <a:sym typeface="Source Sans Pro Light"/>
               </a:rPr>
               <a:t>b</a:t>
             </a:r>
             <a:r>
-              <a:rPr lang="en-US" b="0" dirty="0">
+              <a:rPr lang="en-US" sz="1100" b="0" dirty="0">
                 <a:solidFill>
                   <a:srgbClr val="000000"/>
                 </a:solidFill>
+                <a:latin typeface="Fira Code" panose="020B0809050000020004" pitchFamily="49" charset="0"/>
+                <a:ea typeface="Fira Code" panose="020B0809050000020004" pitchFamily="49" charset="0"/>
+                <a:cs typeface="Fira Code" panose="020B0809050000020004" pitchFamily="49" charset="0"/>
               </a:rPr>
               <a:t>"</a:t>
             </a:r>
             <a:r>
-              <a:rPr lang="en-US" b="0" dirty="0">
+              <a:rPr lang="en-US" sz="1100" b="0" dirty="0">
                 <a:solidFill>
                   <a:srgbClr val="000000"/>
                 </a:solidFill>
+                <a:latin typeface="Fira Code" panose="020B0809050000020004" pitchFamily="49" charset="0"/>
+                <a:ea typeface="Fira Code" panose="020B0809050000020004" pitchFamily="49" charset="0"/>
+                <a:cs typeface="Fira Code" panose="020B0809050000020004" pitchFamily="49" charset="0"/>
                 <a:sym typeface="Source Sans Pro Light"/>
               </a:rPr>
               <a:t>), c(</a:t>
             </a:r>
             <a:r>
-              <a:rPr lang="en-US" b="0" dirty="0">
+              <a:rPr lang="en-US" sz="1100" b="0" dirty="0">
                 <a:solidFill>
                   <a:srgbClr val="000000"/>
                 </a:solidFill>
+                <a:latin typeface="Fira Code" panose="020B0809050000020004" pitchFamily="49" charset="0"/>
+                <a:ea typeface="Fira Code" panose="020B0809050000020004" pitchFamily="49" charset="0"/>
+                <a:cs typeface="Fira Code" panose="020B0809050000020004" pitchFamily="49" charset="0"/>
               </a:rPr>
               <a:t>"</a:t>
             </a:r>
             <a:r>
-              <a:rPr lang="en-US" b="0" dirty="0">
+              <a:rPr lang="en-US" sz="1100" b="0" dirty="0">
                 <a:solidFill>
                   <a:srgbClr val="000000"/>
                 </a:solidFill>
+                <a:latin typeface="Fira Code" panose="020B0809050000020004" pitchFamily="49" charset="0"/>
+                <a:ea typeface="Fira Code" panose="020B0809050000020004" pitchFamily="49" charset="0"/>
+                <a:cs typeface="Fira Code" panose="020B0809050000020004" pitchFamily="49" charset="0"/>
                 <a:sym typeface="Source Sans Pro Light"/>
               </a:rPr>
               <a:t>x</a:t>
             </a:r>
             <a:r>
-              <a:rPr lang="en-US" b="0" dirty="0">
+              <a:rPr lang="en-US" sz="1100" b="0" dirty="0">
                 <a:solidFill>
                   <a:srgbClr val="000000"/>
                 </a:solidFill>
+                <a:latin typeface="Fira Code" panose="020B0809050000020004" pitchFamily="49" charset="0"/>
+                <a:ea typeface="Fira Code" panose="020B0809050000020004" pitchFamily="49" charset="0"/>
+                <a:cs typeface="Fira Code" panose="020B0809050000020004" pitchFamily="49" charset="0"/>
               </a:rPr>
               <a:t>"</a:t>
             </a:r>
             <a:r>
-              <a:rPr lang="en-US" b="0" dirty="0">
+              <a:rPr lang="en-US" sz="1100" b="0" dirty="0">
                 <a:solidFill>
                   <a:srgbClr val="000000"/>
                 </a:solidFill>
+                <a:latin typeface="Fira Code" panose="020B0809050000020004" pitchFamily="49" charset="0"/>
+                <a:ea typeface="Fira Code" panose="020B0809050000020004" pitchFamily="49" charset="0"/>
+                <a:cs typeface="Fira Code" panose="020B0809050000020004" pitchFamily="49" charset="0"/>
                 <a:sym typeface="Source Sans Pro Light"/>
               </a:rPr>
               <a:t>, </a:t>
             </a:r>
             <a:r>
-              <a:rPr lang="en-US" b="0" dirty="0">
+              <a:rPr lang="en-US" sz="1100" b="0" dirty="0">
                 <a:solidFill>
                   <a:srgbClr val="000000"/>
                 </a:solidFill>
+                <a:latin typeface="Fira Code" panose="020B0809050000020004" pitchFamily="49" charset="0"/>
+                <a:ea typeface="Fira Code" panose="020B0809050000020004" pitchFamily="49" charset="0"/>
+                <a:cs typeface="Fira Code" panose="020B0809050000020004" pitchFamily="49" charset="0"/>
               </a:rPr>
               <a:t>"</a:t>
             </a:r>
             <a:r>
-              <a:rPr lang="en-US" b="0" dirty="0">
+              <a:rPr lang="en-US" sz="1100" b="0" dirty="0">
                 <a:solidFill>
                   <a:srgbClr val="000000"/>
                 </a:solidFill>
+                <a:latin typeface="Fira Code" panose="020B0809050000020004" pitchFamily="49" charset="0"/>
+                <a:ea typeface="Fira Code" panose="020B0809050000020004" pitchFamily="49" charset="0"/>
+                <a:cs typeface="Fira Code" panose="020B0809050000020004" pitchFamily="49" charset="0"/>
                 <a:sym typeface="Source Sans Pro Light"/>
               </a:rPr>
               <a:t>y</a:t>
             </a:r>
             <a:r>
-              <a:rPr lang="en-US" b="0" dirty="0">
+              <a:rPr lang="en-US" sz="1100" b="0" dirty="0">
                 <a:solidFill>
                   <a:srgbClr val="000000"/>
                 </a:solidFill>
+                <a:latin typeface="Fira Code" panose="020B0809050000020004" pitchFamily="49" charset="0"/>
+                <a:ea typeface="Fira Code" panose="020B0809050000020004" pitchFamily="49" charset="0"/>
+                <a:cs typeface="Fira Code" panose="020B0809050000020004" pitchFamily="49" charset="0"/>
               </a:rPr>
               <a:t>")</a:t>
             </a:r>
             <a:r>
-              <a:rPr lang="en-US" dirty="0">
+              <a:rPr lang="en-US" sz="1100" dirty="0">
                 <a:solidFill>
                   <a:srgbClr val="000000"/>
                 </a:solidFill>
+                <a:latin typeface="Fira Code" panose="020B0809050000020004" pitchFamily="49" charset="0"/>
+                <a:ea typeface="Fira Code" panose="020B0809050000020004" pitchFamily="49" charset="0"/>
+                <a:cs typeface="Fira Code" panose="020B0809050000020004" pitchFamily="49" charset="0"/>
               </a:rPr>
               <a:t>)</a:t>
             </a:r>
+            <a:endParaRPr lang="en-US" sz="1100" b="0" dirty="0">
+              <a:solidFill>
+                <a:srgbClr val="000000"/>
+              </a:solidFill>
+              <a:latin typeface="Fira Code" panose="020B0809050000020004" pitchFamily="49" charset="0"/>
+              <a:ea typeface="Fira Code" panose="020B0809050000020004" pitchFamily="49" charset="0"/>
+              <a:cs typeface="Fira Code" panose="020B0809050000020004" pitchFamily="49" charset="0"/>
+            </a:endParaRPr>
+          </a:p>
+          <a:p>
+            <a:pPr lvl="1" indent="0">
+              <a:lnSpc>
+                <a:spcPct val="90000"/>
+              </a:lnSpc>
+            </a:pPr>
             <a:r>
               <a:rPr lang="en-US" b="0" dirty="0">
                 <a:solidFill>
                   <a:srgbClr val="000000"/>
                 </a:solidFill>
               </a:rPr>
-              <a:t> – rename columns</a:t>
+              <a:t>rename columns from old names (a, b) to new names (x, y)</a:t>
             </a:r>
             <a:r>
               <a:rPr lang="en-US" b="0" dirty="0">
@@ -25886,13 +26602,13 @@
           <p:nvPr>
             <p:extLst>
               <p:ext uri="{D42A27DB-BD31-4B8C-83A1-F6EECF244321}">
-                <p14:modId xmlns:p14="http://schemas.microsoft.com/office/powerpoint/2010/main" val="1674421554"/>
+                <p14:modId xmlns:p14="http://schemas.microsoft.com/office/powerpoint/2010/main" val="3909341572"/>
               </p:ext>
             </p:extLst>
           </p:nvPr>
         </p:nvGraphicFramePr>
         <p:xfrm>
-          <a:off x="5654932" y="4463629"/>
+          <a:off x="5654932" y="4311229"/>
           <a:ext cx="1141812" cy="457200"/>
         </p:xfrm>
         <a:graphic>
@@ -26441,8 +27157,8 @@
         </p:nvSpPr>
         <p:spPr>
           <a:xfrm>
-            <a:off x="6879558" y="6889551"/>
-            <a:ext cx="2677971" cy="714042"/>
+            <a:off x="6879558" y="6622851"/>
+            <a:ext cx="2995962" cy="1206484"/>
           </a:xfrm>
           <a:prstGeom prst="rect">
             <a:avLst/>
@@ -26452,7 +27168,7 @@
           </a:ln>
           <a:extLst>
             <a:ext uri="{C572A759-6A51-4108-AA02-DFA0A04FC94B}">
-              <ma14:wrappingTextBoxFlag xmlns:ma14="http://schemas.microsoft.com/office/mac/drawingml/2011/main" xmlns="" val="1"/>
+              <ma14:wrappingTextBoxFlag xmlns="" xmlns:ma14="http://schemas.microsoft.com/office/mac/drawingml/2011/main" val="1"/>
             </a:ext>
           </a:extLst>
         </p:spPr>
@@ -26468,20 +27184,15 @@
               </a:lnSpc>
             </a:pPr>
             <a:r>
-              <a:rPr lang="en-US" dirty="0">
+              <a:rPr lang="en-US" sz="1100" dirty="0">
                 <a:solidFill>
                   <a:srgbClr val="000000"/>
                 </a:solidFill>
+                <a:latin typeface="Fira Code" panose="020B0809050000020004" pitchFamily="49" charset="0"/>
+                <a:ea typeface="Fira Code" panose="020B0809050000020004" pitchFamily="49" charset="0"/>
+                <a:cs typeface="Fira Code" panose="020B0809050000020004" pitchFamily="49" charset="0"/>
               </a:rPr>
               <a:t>melt(</a:t>
-            </a:r>
-            <a:r>
-              <a:rPr lang="en-US" b="0" dirty="0">
-                <a:solidFill>
-                  <a:srgbClr val="000000"/>
-                </a:solidFill>
-              </a:rPr>
-              <a:t>dt,</a:t>
             </a:r>
           </a:p>
           <a:p>
@@ -26491,12 +27202,15 @@
               </a:lnSpc>
             </a:pPr>
             <a:r>
-              <a:rPr lang="en-US" b="0" dirty="0">
+              <a:rPr lang="en-US" sz="1100" b="0" dirty="0">
                 <a:solidFill>
                   <a:srgbClr val="000000"/>
                 </a:solidFill>
+                <a:latin typeface="Fira Code" panose="020B0809050000020004" pitchFamily="49" charset="0"/>
+                <a:ea typeface="Fira Code" panose="020B0809050000020004" pitchFamily="49" charset="0"/>
+                <a:cs typeface="Fira Code" panose="020B0809050000020004" pitchFamily="49" charset="0"/>
               </a:rPr>
-              <a:t>            measure.vars = measure ( </a:t>
+              <a:t>  dt,</a:t>
             </a:r>
           </a:p>
           <a:p>
@@ -26506,12 +27220,135 @@
               </a:lnSpc>
             </a:pPr>
             <a:r>
-              <a:rPr lang="en-US" b="0" dirty="0">
+              <a:rPr lang="en-US" sz="1100" b="0" dirty="0">
                 <a:solidFill>
                   <a:srgbClr val="000000"/>
                 </a:solidFill>
+                <a:latin typeface="Fira Code" panose="020B0809050000020004" pitchFamily="49" charset="0"/>
+                <a:ea typeface="Fira Code" panose="020B0809050000020004" pitchFamily="49" charset="0"/>
+                <a:cs typeface="Fira Code" panose="020B0809050000020004" pitchFamily="49" charset="0"/>
               </a:rPr>
-              <a:t>                value.name,  y, sep="_"))</a:t>
+              <a:t>  </a:t>
+            </a:r>
+            <a:r>
+              <a:rPr lang="en-US" sz="1100" b="0" dirty="0" err="1">
+                <a:solidFill>
+                  <a:srgbClr val="000000"/>
+                </a:solidFill>
+                <a:latin typeface="Fira Code" panose="020B0809050000020004" pitchFamily="49" charset="0"/>
+                <a:ea typeface="Fira Code" panose="020B0809050000020004" pitchFamily="49" charset="0"/>
+                <a:cs typeface="Fira Code" panose="020B0809050000020004" pitchFamily="49" charset="0"/>
+              </a:rPr>
+              <a:t>measure.vars</a:t>
+            </a:r>
+            <a:r>
+              <a:rPr lang="en-US" sz="1100" b="0" dirty="0">
+                <a:solidFill>
+                  <a:srgbClr val="000000"/>
+                </a:solidFill>
+                <a:latin typeface="Fira Code" panose="020B0809050000020004" pitchFamily="49" charset="0"/>
+                <a:ea typeface="Fira Code" panose="020B0809050000020004" pitchFamily="49" charset="0"/>
+                <a:cs typeface="Fira Code" panose="020B0809050000020004" pitchFamily="49" charset="0"/>
+              </a:rPr>
+              <a:t> = measure(</a:t>
+            </a:r>
+          </a:p>
+          <a:p>
+            <a:pPr lvl="1" indent="0">
+              <a:lnSpc>
+                <a:spcPct val="90000"/>
+              </a:lnSpc>
+            </a:pPr>
+            <a:r>
+              <a:rPr lang="en-US" sz="1100" b="0" dirty="0">
+                <a:solidFill>
+                  <a:srgbClr val="000000"/>
+                </a:solidFill>
+                <a:latin typeface="Fira Code" panose="020B0809050000020004" pitchFamily="49" charset="0"/>
+                <a:ea typeface="Fira Code" panose="020B0809050000020004" pitchFamily="49" charset="0"/>
+                <a:cs typeface="Fira Code" panose="020B0809050000020004" pitchFamily="49" charset="0"/>
+              </a:rPr>
+              <a:t>    </a:t>
+            </a:r>
+            <a:r>
+              <a:rPr lang="en-US" sz="1100" b="0" dirty="0" err="1">
+                <a:solidFill>
+                  <a:srgbClr val="000000"/>
+                </a:solidFill>
+                <a:latin typeface="Fira Code" panose="020B0809050000020004" pitchFamily="49" charset="0"/>
+                <a:ea typeface="Fira Code" panose="020B0809050000020004" pitchFamily="49" charset="0"/>
+                <a:cs typeface="Fira Code" panose="020B0809050000020004" pitchFamily="49" charset="0"/>
+              </a:rPr>
+              <a:t>value.name</a:t>
+            </a:r>
+            <a:r>
+              <a:rPr lang="en-US" sz="1100" b="0" dirty="0">
+                <a:solidFill>
+                  <a:srgbClr val="000000"/>
+                </a:solidFill>
+                <a:latin typeface="Fira Code" panose="020B0809050000020004" pitchFamily="49" charset="0"/>
+                <a:ea typeface="Fira Code" panose="020B0809050000020004" pitchFamily="49" charset="0"/>
+                <a:cs typeface="Fira Code" panose="020B0809050000020004" pitchFamily="49" charset="0"/>
+              </a:rPr>
+              <a:t>, y, </a:t>
+            </a:r>
+            <a:r>
+              <a:rPr lang="en-US" sz="1100" b="0" dirty="0" err="1">
+                <a:solidFill>
+                  <a:srgbClr val="000000"/>
+                </a:solidFill>
+                <a:latin typeface="Fira Code" panose="020B0809050000020004" pitchFamily="49" charset="0"/>
+                <a:ea typeface="Fira Code" panose="020B0809050000020004" pitchFamily="49" charset="0"/>
+                <a:cs typeface="Fira Code" panose="020B0809050000020004" pitchFamily="49" charset="0"/>
+              </a:rPr>
+              <a:t>sep</a:t>
+            </a:r>
+            <a:r>
+              <a:rPr lang="en-US" sz="1100" b="0" dirty="0">
+                <a:solidFill>
+                  <a:srgbClr val="000000"/>
+                </a:solidFill>
+                <a:latin typeface="Fira Code" panose="020B0809050000020004" pitchFamily="49" charset="0"/>
+                <a:ea typeface="Fira Code" panose="020B0809050000020004" pitchFamily="49" charset="0"/>
+                <a:cs typeface="Fira Code" panose="020B0809050000020004" pitchFamily="49" charset="0"/>
+              </a:rPr>
+              <a:t>="_”</a:t>
+            </a:r>
+          </a:p>
+          <a:p>
+            <a:pPr lvl="1" indent="0">
+              <a:lnSpc>
+                <a:spcPct val="90000"/>
+              </a:lnSpc>
+            </a:pPr>
+            <a:r>
+              <a:rPr lang="en-US" sz="1100" b="0" dirty="0">
+                <a:solidFill>
+                  <a:srgbClr val="000000"/>
+                </a:solidFill>
+                <a:latin typeface="Fira Code" panose="020B0809050000020004" pitchFamily="49" charset="0"/>
+                <a:ea typeface="Fira Code" panose="020B0809050000020004" pitchFamily="49" charset="0"/>
+                <a:cs typeface="Fira Code" panose="020B0809050000020004" pitchFamily="49" charset="0"/>
+              </a:rPr>
+              <a:t>  )</a:t>
+            </a:r>
+          </a:p>
+          <a:p>
+            <a:pPr lvl="1" indent="0">
+              <a:lnSpc>
+                <a:spcPct val="90000"/>
+              </a:lnSpc>
+            </a:pPr>
+            <a:r>
+              <a:rPr lang="en-US" sz="1100" dirty="0">
+                <a:solidFill>
+                  <a:srgbClr val="000000"/>
+                </a:solidFill>
+                <a:latin typeface="Fira Code" panose="020B0809050000020004" pitchFamily="49" charset="0"/>
+                <a:ea typeface="Fira Code" panose="020B0809050000020004" pitchFamily="49" charset="0"/>
+                <a:cs typeface="Fira Code" panose="020B0809050000020004" pitchFamily="49" charset="0"/>
+              </a:rPr>
+              <a:t>)</a:t>
             </a:r>
           </a:p>
           <a:p>
@@ -26536,7 +27373,7 @@
         </p:nvSpPr>
         <p:spPr>
           <a:xfrm>
-            <a:off x="4812083" y="5334380"/>
+            <a:off x="4812083" y="5288660"/>
             <a:ext cx="4608886" cy="276405"/>
           </a:xfrm>
           <a:prstGeom prst="rect">
@@ -26547,7 +27384,7 @@
           </a:ln>
           <a:extLst>
             <a:ext uri="{C572A759-6A51-4108-AA02-DFA0A04FC94B}">
-              <ma14:wrappingTextBoxFlag xmlns:ma14="http://schemas.microsoft.com/office/mac/drawingml/2011/main" xmlns="" val="1"/>
+              <ma14:wrappingTextBoxFlag xmlns="" xmlns:ma14="http://schemas.microsoft.com/office/mac/drawingml/2011/main" val="1"/>
             </a:ext>
           </a:extLst>
         </p:spPr>
@@ -26587,13 +27424,13 @@
           <p:nvPr>
             <p:extLst>
               <p:ext uri="{D42A27DB-BD31-4B8C-83A1-F6EECF244321}">
-                <p14:modId xmlns:p14="http://schemas.microsoft.com/office/powerpoint/2010/main" val="4066342989"/>
+                <p14:modId xmlns:p14="http://schemas.microsoft.com/office/powerpoint/2010/main" val="123251570"/>
               </p:ext>
             </p:extLst>
           </p:nvPr>
         </p:nvGraphicFramePr>
         <p:xfrm>
-          <a:off x="6107996" y="6955205"/>
+          <a:off x="6107996" y="6650405"/>
           <a:ext cx="619200" cy="762000"/>
         </p:xfrm>
         <a:graphic>
@@ -27345,7 +28182,7 @@
         </p:nvSpPr>
         <p:spPr>
           <a:xfrm>
-            <a:off x="5957051" y="7181083"/>
+            <a:off x="5957051" y="6876283"/>
             <a:ext cx="136800" cy="0"/>
           </a:xfrm>
           <a:prstGeom prst="line">
@@ -27398,13 +28235,13 @@
           <p:nvPr>
             <p:extLst>
               <p:ext uri="{D42A27DB-BD31-4B8C-83A1-F6EECF244321}">
-                <p14:modId xmlns:p14="http://schemas.microsoft.com/office/powerpoint/2010/main" val="44970439"/>
+                <p14:modId xmlns:p14="http://schemas.microsoft.com/office/powerpoint/2010/main" val="829182527"/>
               </p:ext>
             </p:extLst>
           </p:nvPr>
         </p:nvGraphicFramePr>
         <p:xfrm>
-          <a:off x="4807879" y="7004996"/>
+          <a:off x="4807879" y="6700196"/>
           <a:ext cx="1168997" cy="512073"/>
         </p:xfrm>
         <a:graphic>
@@ -27953,7 +28790,7 @@
         </p:nvSpPr>
         <p:spPr>
           <a:xfrm>
-            <a:off x="4786147" y="7709595"/>
+            <a:off x="4786147" y="7717215"/>
             <a:ext cx="4717933" cy="276405"/>
           </a:xfrm>
           <a:prstGeom prst="rect">
@@ -27964,7 +28801,7 @@
           </a:ln>
           <a:extLst>
             <a:ext uri="{C572A759-6A51-4108-AA02-DFA0A04FC94B}">
-              <ma14:wrappingTextBoxFlag xmlns:ma14="http://schemas.microsoft.com/office/mac/drawingml/2011/main" xmlns="" val="1"/>
+              <ma14:wrappingTextBoxFlag xmlns="" xmlns:ma14="http://schemas.microsoft.com/office/mac/drawingml/2011/main" val="1"/>
             </a:ext>
           </a:extLst>
         </p:spPr>
@@ -28000,7 +28837,7 @@
         </p:nvSpPr>
         <p:spPr>
           <a:xfrm flipV="1">
-            <a:off x="9359106" y="4212970"/>
+            <a:off x="9359106" y="4258690"/>
             <a:ext cx="4320000" cy="0"/>
           </a:xfrm>
           <a:prstGeom prst="line">
@@ -28045,7 +28882,7 @@
         </p:nvSpPr>
         <p:spPr>
           <a:xfrm>
-            <a:off x="9359106" y="4306150"/>
+            <a:off x="9359106" y="4351870"/>
             <a:ext cx="3840883" cy="340029"/>
           </a:xfrm>
           <a:prstGeom prst="rect">
@@ -28056,12 +28893,12 @@
           </a:ln>
           <a:extLst>
             <a:ext uri="{C572A759-6A51-4108-AA02-DFA0A04FC94B}">
-              <ma14:wrappingTextBoxFlag xmlns:ma14="http://schemas.microsoft.com/office/mac/drawingml/2011/main" xmlns="" val="1"/>
+              <ma14:wrappingTextBoxFlag xmlns="" xmlns:ma14="http://schemas.microsoft.com/office/mac/drawingml/2011/main" val="1"/>
             </a:ext>
           </a:extLst>
         </p:spPr>
         <p:txBody>
-          <a:bodyPr wrap="square" lIns="0" tIns="12700" rIns="0" bIns="12700" anchor="ctr">
+          <a:bodyPr wrap="square" lIns="0" tIns="12700" rIns="0" bIns="12700" anchor="t" anchorCtr="0">
             <a:spAutoFit/>
           </a:bodyPr>
           <a:lstStyle/>
@@ -28105,13 +28942,13 @@
           <p:nvPr>
             <p:extLst>
               <p:ext uri="{D42A27DB-BD31-4B8C-83A1-F6EECF244321}">
-                <p14:modId xmlns:p14="http://schemas.microsoft.com/office/powerpoint/2010/main" val="1062893479"/>
+                <p14:modId xmlns:p14="http://schemas.microsoft.com/office/powerpoint/2010/main" val="3865463083"/>
               </p:ext>
             </p:extLst>
           </p:nvPr>
         </p:nvGraphicFramePr>
         <p:xfrm>
-          <a:off x="4812083" y="5624625"/>
+          <a:off x="4812083" y="5472225"/>
           <a:ext cx="4435491" cy="861674"/>
         </p:xfrm>
         <a:graphic>
@@ -28670,13 +29507,13 @@
           <p:nvPr>
             <p:extLst>
               <p:ext uri="{D42A27DB-BD31-4B8C-83A1-F6EECF244321}">
-                <p14:modId xmlns:p14="http://schemas.microsoft.com/office/powerpoint/2010/main" val="165111407"/>
+                <p14:modId xmlns:p14="http://schemas.microsoft.com/office/powerpoint/2010/main" val="2315069067"/>
               </p:ext>
             </p:extLst>
           </p:nvPr>
         </p:nvGraphicFramePr>
         <p:xfrm>
-          <a:off x="4786147" y="7935050"/>
+          <a:off x="4786147" y="8003630"/>
           <a:ext cx="4566432" cy="2482088"/>
         </p:xfrm>
         <a:graphic>
@@ -28701,7 +29538,7 @@
                   </a:extLst>
                 </a:gridCol>
               </a:tblGrid>
-              <a:tr h="152759">
+              <a:tr h="151630">
                 <a:tc>
                   <a:txBody>
                     <a:bodyPr/>
@@ -28875,7 +29712,7 @@
                   </a:ext>
                 </a:extLst>
               </a:tr>
-              <a:tr h="1187182">
+              <a:tr h="1178411">
                 <a:tc>
                   <a:txBody>
                     <a:bodyPr/>
@@ -29328,7 +30165,7 @@
                   </a:ext>
                 </a:extLst>
               </a:tr>
-              <a:tr h="154585">
+              <a:tr h="151630">
                 <a:tc>
                   <a:txBody>
                     <a:bodyPr/>
@@ -29482,37 +30319,11 @@
                   </a:ext>
                 </a:extLst>
               </a:tr>
-              <a:tr h="658183">
-                <a:tc>
-                  <a:txBody>
-                    <a:bodyPr/>
-                    <a:lstStyle/>
-                    <a:p>
-                      <a:pPr algn="l">
-                        <a:lnSpc>
-                          <a:spcPct val="90000"/>
-                        </a:lnSpc>
-                        <a:spcBef>
-                          <a:spcPts val="200"/>
-                        </a:spcBef>
-                      </a:pPr>
-                      <a:br>
-                        <a:rPr lang="en-US" sz="1200" b="0" dirty="0">
-                          <a:solidFill>
-                            <a:srgbClr val="5B6167"/>
-                          </a:solidFill>
-                          <a:latin typeface="Source Sans Pro" panose="020B0503030403020204" pitchFamily="34" charset="0"/>
-                          <a:ea typeface="Source Sans Pro" panose="020B0503030403020204" pitchFamily="34" charset="0"/>
-                        </a:rPr>
-                      </a:br>
-                      <a:endParaRPr lang="en-US" sz="1200" b="0" dirty="0">
-                        <a:solidFill>
-                          <a:srgbClr val="5B6167"/>
-                        </a:solidFill>
-                        <a:latin typeface="Source Sans Pro" panose="020B0503030403020204" pitchFamily="34" charset="0"/>
-                        <a:ea typeface="Source Sans Pro" panose="020B0503030403020204" pitchFamily="34" charset="0"/>
-                      </a:endParaRPr>
-                    </a:p>
+              <a:tr h="653321">
+                <a:tc>
+                  <a:txBody>
+                    <a:bodyPr/>
+                    <a:lstStyle/>
                     <a:p>
                       <a:pPr algn="l">
                         <a:lnSpc>
@@ -29723,7 +30534,7 @@
                   </a:ext>
                 </a:extLst>
               </a:tr>
-              <a:tr h="152759">
+              <a:tr h="151630">
                 <a:tc>
                   <a:txBody>
                     <a:bodyPr/>
@@ -29896,13 +30707,13 @@
           <p:nvPr/>
         </p:nvPicPr>
         <p:blipFill>
-          <a:blip r:embed="rId6" cstate="print">
+          <a:blip r:embed="rId4" cstate="print">
             <a:extLst>
               <a:ext uri="{28A0092B-C50C-407E-A947-70E740481C1C}">
                 <a14:useLocalDpi xmlns:a14="http://schemas.microsoft.com/office/drawing/2010/main" val="0"/>
               </a:ext>
               <a:ext uri="{96DAC541-7B7A-43D3-8B79-37D633B846F1}">
-                <asvg:svgBlip xmlns:asvg="http://schemas.microsoft.com/office/drawing/2016/SVG/main" r:embed="rId7"/>
+                <asvg:svgBlip xmlns:asvg="http://schemas.microsoft.com/office/drawing/2016/SVG/main" r:embed="rId5"/>
               </a:ext>
             </a:extLst>
           </a:blip>
@@ -29935,7 +30746,7 @@
         <p:spPr>
           <a:xfrm>
             <a:off x="1660997" y="1452244"/>
-            <a:ext cx="3000226" cy="498598"/>
+            <a:ext cx="3000226" cy="690445"/>
           </a:xfrm>
           <a:prstGeom prst="rect">
             <a:avLst/>
@@ -29945,7 +30756,7 @@
           </a:ln>
           <a:extLst>
             <a:ext uri="{C572A759-6A51-4108-AA02-DFA0A04FC94B}">
-              <ma14:wrappingTextBoxFlag xmlns:ma14="http://schemas.microsoft.com/office/mac/drawingml/2011/main" xmlns="" val="1"/>
+              <ma14:wrappingTextBoxFlag xmlns="" xmlns:ma14="http://schemas.microsoft.com/office/mac/drawingml/2011/main" val="1"/>
             </a:ext>
           </a:extLst>
         </p:spPr>
@@ -29961,36 +30772,60 @@
               </a:lnSpc>
             </a:pPr>
             <a:r>
-              <a:rPr lang="en-US" dirty="0">
+              <a:rPr lang="en-US" sz="1100" dirty="0">
                 <a:solidFill>
                   <a:srgbClr val="000000"/>
                 </a:solidFill>
+                <a:latin typeface="Fira Code" panose="020B0809050000020004" pitchFamily="49" charset="0"/>
+                <a:ea typeface="Fira Code" panose="020B0809050000020004" pitchFamily="49" charset="0"/>
+                <a:cs typeface="Fira Code" panose="020B0809050000020004" pitchFamily="49" charset="0"/>
               </a:rPr>
               <a:t>unique(</a:t>
             </a:r>
             <a:r>
-              <a:rPr lang="en-US" b="0" dirty="0">
+              <a:rPr lang="en-US" sz="1100" b="0" dirty="0">
                 <a:solidFill>
                   <a:srgbClr val="000000"/>
                 </a:solidFill>
+                <a:latin typeface="Fira Code" panose="020B0809050000020004" pitchFamily="49" charset="0"/>
+                <a:ea typeface="Fira Code" panose="020B0809050000020004" pitchFamily="49" charset="0"/>
+                <a:cs typeface="Fira Code" panose="020B0809050000020004" pitchFamily="49" charset="0"/>
               </a:rPr>
               <a:t>dt, by = c("a", "b")</a:t>
             </a:r>
             <a:r>
-              <a:rPr lang="en-US" dirty="0">
+              <a:rPr lang="en-US" sz="1100" dirty="0">
                 <a:solidFill>
                   <a:srgbClr val="000000"/>
                 </a:solidFill>
+                <a:latin typeface="Fira Code" panose="020B0809050000020004" pitchFamily="49" charset="0"/>
+                <a:ea typeface="Fira Code" panose="020B0809050000020004" pitchFamily="49" charset="0"/>
+                <a:cs typeface="Fira Code" panose="020B0809050000020004" pitchFamily="49" charset="0"/>
               </a:rPr>
               <a:t>)</a:t>
             </a:r>
+            <a:endParaRPr lang="en-US" sz="1100" b="0" dirty="0">
+              <a:solidFill>
+                <a:srgbClr val="000000"/>
+              </a:solidFill>
+              <a:latin typeface="Fira Code" panose="020B0809050000020004" pitchFamily="49" charset="0"/>
+              <a:ea typeface="Fira Code" panose="020B0809050000020004" pitchFamily="49" charset="0"/>
+              <a:cs typeface="Fira Code" panose="020B0809050000020004" pitchFamily="49" charset="0"/>
+            </a:endParaRPr>
+          </a:p>
+          <a:p>
+            <a:pPr lvl="1" indent="0">
+              <a:lnSpc>
+                <a:spcPct val="90000"/>
+              </a:lnSpc>
+            </a:pPr>
             <a:r>
               <a:rPr lang="en-US" b="0" dirty="0">
                 <a:solidFill>
                   <a:srgbClr val="000000"/>
                 </a:solidFill>
               </a:rPr>
-              <a:t> – extract unique rows based on columns specified in “by”. Leave out “by” to use all columns.</a:t>
+              <a:t>extract unique rows based on columns specified in “by”. Leave out “by” to use all columns.</a:t>
             </a:r>
           </a:p>
         </p:txBody>
@@ -30925,8 +31760,8 @@
         </p:nvSpPr>
         <p:spPr>
           <a:xfrm>
-            <a:off x="298379" y="2300416"/>
-            <a:ext cx="4320000" cy="424732"/>
+            <a:off x="298379" y="2243266"/>
+            <a:ext cx="4320000" cy="616579"/>
           </a:xfrm>
           <a:prstGeom prst="rect">
             <a:avLst/>
@@ -30944,36 +31779,60 @@
               </a:lnSpc>
             </a:pPr>
             <a:r>
-              <a:rPr lang="en-US" dirty="0">
+              <a:rPr lang="en-US" sz="1100" dirty="0">
                 <a:solidFill>
                   <a:srgbClr val="000000"/>
                 </a:solidFill>
+                <a:latin typeface="Fira Code" panose="020B0809050000020004" pitchFamily="49" charset="0"/>
+                <a:ea typeface="Fira Code" panose="020B0809050000020004" pitchFamily="49" charset="0"/>
+                <a:cs typeface="Fira Code" panose="020B0809050000020004" pitchFamily="49" charset="0"/>
               </a:rPr>
               <a:t>uniqueN(</a:t>
             </a:r>
             <a:r>
-              <a:rPr lang="en-US" b="0" dirty="0">
+              <a:rPr lang="en-US" sz="1100" b="0" dirty="0">
                 <a:solidFill>
                   <a:srgbClr val="000000"/>
                 </a:solidFill>
+                <a:latin typeface="Fira Code" panose="020B0809050000020004" pitchFamily="49" charset="0"/>
+                <a:ea typeface="Fira Code" panose="020B0809050000020004" pitchFamily="49" charset="0"/>
+                <a:cs typeface="Fira Code" panose="020B0809050000020004" pitchFamily="49" charset="0"/>
               </a:rPr>
               <a:t>dt, by = c("a", "b")</a:t>
             </a:r>
             <a:r>
-              <a:rPr lang="en-US" dirty="0">
+              <a:rPr lang="en-US" sz="1100" dirty="0">
                 <a:solidFill>
                   <a:srgbClr val="000000"/>
                 </a:solidFill>
+                <a:latin typeface="Fira Code" panose="020B0809050000020004" pitchFamily="49" charset="0"/>
+                <a:ea typeface="Fira Code" panose="020B0809050000020004" pitchFamily="49" charset="0"/>
+                <a:cs typeface="Fira Code" panose="020B0809050000020004" pitchFamily="49" charset="0"/>
               </a:rPr>
               <a:t>)</a:t>
             </a:r>
+            <a:endParaRPr lang="en-US" sz="1100" b="0" dirty="0">
+              <a:solidFill>
+                <a:srgbClr val="000000"/>
+              </a:solidFill>
+              <a:latin typeface="Fira Code" panose="020B0809050000020004" pitchFamily="49" charset="0"/>
+              <a:ea typeface="Fira Code" panose="020B0809050000020004" pitchFamily="49" charset="0"/>
+              <a:cs typeface="Fira Code" panose="020B0809050000020004" pitchFamily="49" charset="0"/>
+            </a:endParaRPr>
+          </a:p>
+          <a:p>
+            <a:pPr lvl="1" indent="0">
+              <a:lnSpc>
+                <a:spcPct val="90000"/>
+              </a:lnSpc>
+            </a:pPr>
             <a:r>
               <a:rPr lang="en-US" b="0" dirty="0">
                 <a:solidFill>
                   <a:srgbClr val="000000"/>
                 </a:solidFill>
               </a:rPr>
-              <a:t> – count the number of unique rows based on columns specified in “by”. </a:t>
+              <a:t>count the number of unique rows based on columns specified in “by”. </a:t>
             </a:r>
           </a:p>
         </p:txBody>
@@ -31054,12 +31913,12 @@
           </a:ln>
           <a:extLst>
             <a:ext uri="{C572A759-6A51-4108-AA02-DFA0A04FC94B}">
-              <ma14:wrappingTextBoxFlag xmlns:ma14="http://schemas.microsoft.com/office/mac/drawingml/2011/main" xmlns="" val="1"/>
+              <ma14:wrappingTextBoxFlag xmlns="" xmlns:ma14="http://schemas.microsoft.com/office/mac/drawingml/2011/main" val="1"/>
             </a:ext>
           </a:extLst>
         </p:spPr>
         <p:txBody>
-          <a:bodyPr wrap="square" lIns="0" tIns="12700" rIns="0" bIns="12700" anchor="ctr">
+          <a:bodyPr wrap="square" lIns="0" tIns="12700" rIns="0" bIns="12700" anchor="t" anchorCtr="0">
             <a:spAutoFit/>
           </a:bodyPr>
           <a:lstStyle/>
@@ -31191,7 +32050,7 @@
         <p:spPr>
           <a:xfrm>
             <a:off x="9356759" y="8665282"/>
-            <a:ext cx="4318113" cy="826299"/>
+            <a:ext cx="4318113" cy="992499"/>
           </a:xfrm>
           <a:prstGeom prst="rect">
             <a:avLst/>
@@ -31201,7 +32060,7 @@
           </a:ln>
           <a:extLst>
             <a:ext uri="{C572A759-6A51-4108-AA02-DFA0A04FC94B}">
-              <ma14:wrappingTextBoxFlag xmlns:ma14="http://schemas.microsoft.com/office/mac/drawingml/2011/main" xmlns="" val="1"/>
+              <ma14:wrappingTextBoxFlag xmlns="" xmlns:ma14="http://schemas.microsoft.com/office/mac/drawingml/2011/main" val="1"/>
             </a:ext>
           </a:extLst>
         </p:spPr>
@@ -31217,26 +32076,35 @@
               </a:lnSpc>
             </a:pPr>
             <a:r>
-              <a:rPr lang="en-US" dirty="0">
+              <a:rPr lang="en-US" sz="1100" dirty="0">
                 <a:solidFill>
                   <a:srgbClr val="000000"/>
                 </a:solidFill>
+                <a:latin typeface="Fira Code" panose="020B0809050000020004" pitchFamily="49" charset="0"/>
+                <a:ea typeface="Fira Code" panose="020B0809050000020004" pitchFamily="49" charset="0"/>
+                <a:cs typeface="Fira Code" panose="020B0809050000020004" pitchFamily="49" charset="0"/>
               </a:rPr>
               <a:t>fread(</a:t>
             </a:r>
             <a:r>
-              <a:rPr lang="en-US" b="0" dirty="0">
+              <a:rPr lang="en-US" sz="1100" b="0" dirty="0">
                 <a:solidFill>
                   <a:srgbClr val="000000"/>
                 </a:solidFill>
+                <a:latin typeface="Fira Code" panose="020B0809050000020004" pitchFamily="49" charset="0"/>
+                <a:ea typeface="Fira Code" panose="020B0809050000020004" pitchFamily="49" charset="0"/>
+                <a:cs typeface="Fira Code" panose="020B0809050000020004" pitchFamily="49" charset="0"/>
               </a:rPr>
               <a:t>"file.csv"</a:t>
             </a:r>
             <a:r>
-              <a:rPr lang="en-US" dirty="0">
+              <a:rPr lang="en-US" sz="1100" dirty="0">
                 <a:solidFill>
                   <a:srgbClr val="000000"/>
                 </a:solidFill>
+                <a:latin typeface="Fira Code" panose="020B0809050000020004" pitchFamily="49" charset="0"/>
+                <a:ea typeface="Fira Code" panose="020B0809050000020004" pitchFamily="49" charset="0"/>
+                <a:cs typeface="Fira Code" panose="020B0809050000020004" pitchFamily="49" charset="0"/>
               </a:rPr>
               <a:t>) </a:t>
             </a:r>
@@ -31268,26 +32136,35 @@
               </a:lnSpc>
             </a:pPr>
             <a:r>
-              <a:rPr lang="en-US" dirty="0">
+              <a:rPr lang="en-US" sz="1100" dirty="0">
                 <a:solidFill>
                   <a:srgbClr val="000000"/>
                 </a:solidFill>
+                <a:latin typeface="Fira Code" panose="020B0809050000020004" pitchFamily="49" charset="0"/>
+                <a:ea typeface="Fira Code" panose="020B0809050000020004" pitchFamily="49" charset="0"/>
+                <a:cs typeface="Fira Code" panose="020B0809050000020004" pitchFamily="49" charset="0"/>
               </a:rPr>
               <a:t>fread(</a:t>
             </a:r>
             <a:r>
-              <a:rPr lang="en-US" b="0" dirty="0">
+              <a:rPr lang="en-US" sz="1100" b="0" dirty="0">
                 <a:solidFill>
                   <a:srgbClr val="000000"/>
                 </a:solidFill>
+                <a:latin typeface="Fira Code" panose="020B0809050000020004" pitchFamily="49" charset="0"/>
+                <a:ea typeface="Fira Code" panose="020B0809050000020004" pitchFamily="49" charset="0"/>
+                <a:cs typeface="Fira Code" panose="020B0809050000020004" pitchFamily="49" charset="0"/>
               </a:rPr>
               <a:t>"file.csv", select = c("a", "b")</a:t>
             </a:r>
             <a:r>
-              <a:rPr lang="en-US" dirty="0">
+              <a:rPr lang="en-US" sz="1100" dirty="0">
                 <a:solidFill>
                   <a:srgbClr val="000000"/>
                 </a:solidFill>
+                <a:latin typeface="Fira Code" panose="020B0809050000020004" pitchFamily="49" charset="0"/>
+                <a:ea typeface="Fira Code" panose="020B0809050000020004" pitchFamily="49" charset="0"/>
+                <a:cs typeface="Fira Code" panose="020B0809050000020004" pitchFamily="49" charset="0"/>
               </a:rPr>
               <a:t>) </a:t>
             </a:r>
@@ -31415,7 +32292,7 @@
           </a:ln>
           <a:extLst>
             <a:ext uri="{C572A759-6A51-4108-AA02-DFA0A04FC94B}">
-              <ma14:wrappingTextBoxFlag xmlns:ma14="http://schemas.microsoft.com/office/mac/drawingml/2011/main" xmlns="" val="1"/>
+              <ma14:wrappingTextBoxFlag xmlns="" xmlns:ma14="http://schemas.microsoft.com/office/mac/drawingml/2011/main" val="1"/>
             </a:ext>
           </a:extLst>
         </p:spPr>
@@ -31431,26 +32308,35 @@
               </a:lnSpc>
             </a:pPr>
             <a:r>
-              <a:rPr lang="en-US" dirty="0">
+              <a:rPr lang="en-US" sz="1100" dirty="0">
                 <a:solidFill>
                   <a:srgbClr val="000000"/>
                 </a:solidFill>
+                <a:latin typeface="Fira Code" panose="020B0809050000020004" pitchFamily="49" charset="0"/>
+                <a:ea typeface="Fira Code" panose="020B0809050000020004" pitchFamily="49" charset="0"/>
+                <a:cs typeface="Fira Code" panose="020B0809050000020004" pitchFamily="49" charset="0"/>
               </a:rPr>
               <a:t>fwrite(</a:t>
             </a:r>
             <a:r>
-              <a:rPr lang="en-US" b="0" dirty="0">
+              <a:rPr lang="en-US" sz="1100" b="0" dirty="0">
                 <a:solidFill>
                   <a:srgbClr val="000000"/>
                 </a:solidFill>
+                <a:latin typeface="Fira Code" panose="020B0809050000020004" pitchFamily="49" charset="0"/>
+                <a:ea typeface="Fira Code" panose="020B0809050000020004" pitchFamily="49" charset="0"/>
+                <a:cs typeface="Fira Code" panose="020B0809050000020004" pitchFamily="49" charset="0"/>
               </a:rPr>
               <a:t>dt, "file.csv"</a:t>
             </a:r>
             <a:r>
-              <a:rPr lang="en-US" dirty="0">
+              <a:rPr lang="en-US" sz="1100" dirty="0">
                 <a:solidFill>
                   <a:srgbClr val="000000"/>
                 </a:solidFill>
+                <a:latin typeface="Fira Code" panose="020B0809050000020004" pitchFamily="49" charset="0"/>
+                <a:ea typeface="Fira Code" panose="020B0809050000020004" pitchFamily="49" charset="0"/>
+                <a:cs typeface="Fira Code" panose="020B0809050000020004" pitchFamily="49" charset="0"/>
               </a:rPr>
               <a:t>) </a:t>
             </a:r>
@@ -31479,8 +32365,8 @@
         </p:nvSpPr>
         <p:spPr>
           <a:xfrm>
-            <a:off x="10583859" y="5174507"/>
-            <a:ext cx="3114677" cy="332399"/>
+            <a:off x="10526709" y="5174507"/>
+            <a:ext cx="3114677" cy="510396"/>
           </a:xfrm>
           <a:prstGeom prst="rect">
             <a:avLst/>
@@ -31490,7 +32376,7 @@
           </a:ln>
           <a:extLst>
             <a:ext uri="{C572A759-6A51-4108-AA02-DFA0A04FC94B}">
-              <ma14:wrappingTextBoxFlag xmlns:ma14="http://schemas.microsoft.com/office/mac/drawingml/2011/main" xmlns="" val="1"/>
+              <ma14:wrappingTextBoxFlag xmlns="" xmlns:ma14="http://schemas.microsoft.com/office/mac/drawingml/2011/main" val="1"/>
             </a:ext>
           </a:extLst>
         </p:spPr>
@@ -31506,60 +32392,74 @@
               </a:lnSpc>
             </a:pPr>
             <a:r>
-              <a:rPr lang="en-US" b="0" dirty="0">
+              <a:rPr lang="en-US" sz="1100" b="0" dirty="0">
                 <a:solidFill>
                   <a:srgbClr val="000000"/>
                 </a:solidFill>
+                <a:latin typeface="Fira Code" panose="020B0809050000020004" pitchFamily="49" charset="0"/>
+                <a:ea typeface="Fira Code" panose="020B0809050000020004" pitchFamily="49" charset="0"/>
+                <a:cs typeface="Fira Code" panose="020B0809050000020004" pitchFamily="49" charset="0"/>
               </a:rPr>
               <a:t>dt[, </a:t>
             </a:r>
             <a:r>
-              <a:rPr lang="en-US" dirty="0">
+              <a:rPr lang="en-US" sz="1100" dirty="0">
                 <a:solidFill>
                   <a:srgbClr val="0070C0"/>
                 </a:solidFill>
+                <a:latin typeface="Fira Code" panose="020B0809050000020004" pitchFamily="49" charset="0"/>
+                <a:ea typeface="Fira Code" panose="020B0809050000020004" pitchFamily="49" charset="0"/>
+                <a:cs typeface="Fira Code" panose="020B0809050000020004" pitchFamily="49" charset="0"/>
               </a:rPr>
               <a:t>c := 1:.N</a:t>
             </a:r>
             <a:r>
-              <a:rPr lang="en-US" dirty="0">
+              <a:rPr lang="en-US" sz="1100" dirty="0">
                 <a:solidFill>
                   <a:srgbClr val="000000"/>
                 </a:solidFill>
+                <a:latin typeface="Fira Code" panose="020B0809050000020004" pitchFamily="49" charset="0"/>
+                <a:ea typeface="Fira Code" panose="020B0809050000020004" pitchFamily="49" charset="0"/>
+                <a:cs typeface="Fira Code" panose="020B0809050000020004" pitchFamily="49" charset="0"/>
               </a:rPr>
               <a:t>, </a:t>
             </a:r>
             <a:r>
-              <a:rPr lang="en-US" dirty="0">
+              <a:rPr lang="en-US" sz="1100" dirty="0">
                 <a:solidFill>
                   <a:srgbClr val="B74819"/>
                 </a:solidFill>
+                <a:latin typeface="Fira Code" panose="020B0809050000020004" pitchFamily="49" charset="0"/>
+                <a:ea typeface="Fira Code" panose="020B0809050000020004" pitchFamily="49" charset="0"/>
+                <a:cs typeface="Fira Code" panose="020B0809050000020004" pitchFamily="49" charset="0"/>
               </a:rPr>
               <a:t>by = b</a:t>
             </a:r>
             <a:r>
-              <a:rPr lang="en-US" b="0" dirty="0">
+              <a:rPr lang="en-US" sz="1100" b="0" dirty="0">
                 <a:solidFill>
                   <a:srgbClr val="000000"/>
                 </a:solidFill>
+                <a:latin typeface="Fira Code" panose="020B0809050000020004" pitchFamily="49" charset="0"/>
+                <a:ea typeface="Fira Code" panose="020B0809050000020004" pitchFamily="49" charset="0"/>
+                <a:cs typeface="Fira Code" panose="020B0809050000020004" pitchFamily="49" charset="0"/>
               </a:rPr>
               <a:t>]</a:t>
             </a:r>
-            <a:r>
-              <a:rPr lang="en-US" dirty="0">
+          </a:p>
+          <a:p>
+            <a:pPr lvl="1" indent="0">
+              <a:lnSpc>
+                <a:spcPct val="90000"/>
+              </a:lnSpc>
+            </a:pPr>
+            <a:r>
+              <a:rPr lang="en-US" b="0" dirty="0">
                 <a:solidFill>
                   <a:srgbClr val="000000"/>
                 </a:solidFill>
               </a:rPr>
-              <a:t> </a:t>
-            </a:r>
-            <a:r>
-              <a:rPr lang="en-US" b="0" dirty="0">
-                <a:solidFill>
-                  <a:srgbClr val="000000"/>
-                </a:solidFill>
-              </a:rPr>
-              <a:t>– within groups, compute a column with sequential row IDs.</a:t>
+              <a:t>within groups, compute a column with sequential row IDs.</a:t>
             </a:r>
           </a:p>
         </p:txBody>
@@ -32504,8 +33404,8 @@
         </p:nvSpPr>
         <p:spPr>
           <a:xfrm>
-            <a:off x="10608009" y="6302376"/>
-            <a:ext cx="3090527" cy="1214692"/>
+            <a:off x="10539429" y="6302376"/>
+            <a:ext cx="3222291" cy="1418337"/>
           </a:xfrm>
           <a:prstGeom prst="rect">
             <a:avLst/>
@@ -32515,7 +33415,7 @@
           </a:ln>
           <a:extLst>
             <a:ext uri="{C572A759-6A51-4108-AA02-DFA0A04FC94B}">
-              <ma14:wrappingTextBoxFlag xmlns:ma14="http://schemas.microsoft.com/office/mac/drawingml/2011/main" xmlns="" val="1"/>
+              <ma14:wrappingTextBoxFlag xmlns="" xmlns:ma14="http://schemas.microsoft.com/office/mac/drawingml/2011/main" val="1"/>
             </a:ext>
           </a:extLst>
         </p:spPr>
@@ -32531,44 +33431,74 @@
               </a:lnSpc>
             </a:pPr>
             <a:r>
-              <a:rPr lang="en-US" b="0" dirty="0">
+              <a:rPr lang="en-US" sz="1100" b="0" dirty="0">
                 <a:solidFill>
                   <a:srgbClr val="000000"/>
                 </a:solidFill>
+                <a:latin typeface="Fira Code" panose="020B0809050000020004" pitchFamily="49" charset="0"/>
+                <a:ea typeface="Fira Code" panose="020B0809050000020004" pitchFamily="49" charset="0"/>
+                <a:cs typeface="Fira Code" panose="020B0809050000020004" pitchFamily="49" charset="0"/>
               </a:rPr>
               <a:t>dt[, </a:t>
             </a:r>
             <a:r>
-              <a:rPr lang="en-US" dirty="0">
+              <a:rPr lang="en-US" sz="1100" dirty="0">
                 <a:solidFill>
                   <a:srgbClr val="0070C0"/>
                 </a:solidFill>
+                <a:latin typeface="Fira Code" panose="020B0809050000020004" pitchFamily="49" charset="0"/>
+                <a:ea typeface="Fira Code" panose="020B0809050000020004" pitchFamily="49" charset="0"/>
+                <a:cs typeface="Fira Code" panose="020B0809050000020004" pitchFamily="49" charset="0"/>
               </a:rPr>
               <a:t>c := shift(a, 1)</a:t>
             </a:r>
             <a:r>
-              <a:rPr lang="en-US" dirty="0">
+              <a:rPr lang="en-US" sz="1100" dirty="0">
                 <a:solidFill>
                   <a:srgbClr val="000000"/>
                 </a:solidFill>
+                <a:latin typeface="Fira Code" panose="020B0809050000020004" pitchFamily="49" charset="0"/>
+                <a:ea typeface="Fira Code" panose="020B0809050000020004" pitchFamily="49" charset="0"/>
+                <a:cs typeface="Fira Code" panose="020B0809050000020004" pitchFamily="49" charset="0"/>
               </a:rPr>
               <a:t>, </a:t>
             </a:r>
             <a:r>
-              <a:rPr lang="en-US" dirty="0">
+              <a:rPr lang="en-US" sz="1100" dirty="0">
                 <a:solidFill>
                   <a:srgbClr val="B74819"/>
                 </a:solidFill>
+                <a:latin typeface="Fira Code" panose="020B0809050000020004" pitchFamily="49" charset="0"/>
+                <a:ea typeface="Fira Code" panose="020B0809050000020004" pitchFamily="49" charset="0"/>
+                <a:cs typeface="Fira Code" panose="020B0809050000020004" pitchFamily="49" charset="0"/>
               </a:rPr>
               <a:t>by = b</a:t>
             </a:r>
             <a:r>
+              <a:rPr lang="en-US" sz="1100" b="0" dirty="0">
+                <a:solidFill>
+                  <a:srgbClr val="000000"/>
+                </a:solidFill>
+                <a:latin typeface="Fira Code" panose="020B0809050000020004" pitchFamily="49" charset="0"/>
+                <a:ea typeface="Fira Code" panose="020B0809050000020004" pitchFamily="49" charset="0"/>
+                <a:cs typeface="Fira Code" panose="020B0809050000020004" pitchFamily="49" charset="0"/>
+              </a:rPr>
+              <a:t>]</a:t>
+            </a:r>
+          </a:p>
+          <a:p>
+            <a:pPr lvl="1" indent="0">
+              <a:lnSpc>
+                <a:spcPct val="90000"/>
+              </a:lnSpc>
+            </a:pPr>
+            <a:r>
               <a:rPr lang="en-US" b="0" dirty="0">
                 <a:solidFill>
                   <a:srgbClr val="000000"/>
                 </a:solidFill>
               </a:rPr>
-              <a:t>] – within groups, duplicate a column with rows </a:t>
+              <a:t>within groups, duplicate a column with rows </a:t>
             </a:r>
             <a:r>
               <a:rPr lang="en-US" b="0" i="1" dirty="0">
@@ -32606,44 +33536,74 @@
               </a:lnSpc>
             </a:pPr>
             <a:r>
-              <a:rPr lang="en-US" b="0" dirty="0">
+              <a:rPr lang="en-US" sz="1100" b="0" dirty="0">
                 <a:solidFill>
                   <a:srgbClr val="000000"/>
                 </a:solidFill>
+                <a:latin typeface="Fira Code" panose="020B0809050000020004" pitchFamily="49" charset="0"/>
+                <a:ea typeface="Fira Code" panose="020B0809050000020004" pitchFamily="49" charset="0"/>
+                <a:cs typeface="Fira Code" panose="020B0809050000020004" pitchFamily="49" charset="0"/>
               </a:rPr>
               <a:t>dt[, </a:t>
             </a:r>
             <a:r>
-              <a:rPr lang="en-US" dirty="0">
+              <a:rPr lang="en-US" sz="1100" dirty="0">
                 <a:solidFill>
                   <a:srgbClr val="0070C0"/>
                 </a:solidFill>
+                <a:latin typeface="Fira Code" panose="020B0809050000020004" pitchFamily="49" charset="0"/>
+                <a:ea typeface="Fira Code" panose="020B0809050000020004" pitchFamily="49" charset="0"/>
+                <a:cs typeface="Fira Code" panose="020B0809050000020004" pitchFamily="49" charset="0"/>
               </a:rPr>
               <a:t>c := shift(a, 1, type = "lead")</a:t>
             </a:r>
             <a:r>
-              <a:rPr lang="en-US" dirty="0">
+              <a:rPr lang="en-US" sz="1100" dirty="0">
                 <a:solidFill>
                   <a:srgbClr val="000000"/>
                 </a:solidFill>
+                <a:latin typeface="Fira Code" panose="020B0809050000020004" pitchFamily="49" charset="0"/>
+                <a:ea typeface="Fira Code" panose="020B0809050000020004" pitchFamily="49" charset="0"/>
+                <a:cs typeface="Fira Code" panose="020B0809050000020004" pitchFamily="49" charset="0"/>
               </a:rPr>
               <a:t>, </a:t>
             </a:r>
             <a:r>
-              <a:rPr lang="en-US" dirty="0">
+              <a:rPr lang="en-US" sz="1100" dirty="0">
                 <a:solidFill>
                   <a:srgbClr val="B74819"/>
                 </a:solidFill>
+                <a:latin typeface="Fira Code" panose="020B0809050000020004" pitchFamily="49" charset="0"/>
+                <a:ea typeface="Fira Code" panose="020B0809050000020004" pitchFamily="49" charset="0"/>
+                <a:cs typeface="Fira Code" panose="020B0809050000020004" pitchFamily="49" charset="0"/>
               </a:rPr>
               <a:t>by = b</a:t>
             </a:r>
             <a:r>
+              <a:rPr lang="en-US" sz="1100" b="0" dirty="0">
+                <a:solidFill>
+                  <a:srgbClr val="000000"/>
+                </a:solidFill>
+                <a:latin typeface="Fira Code" panose="020B0809050000020004" pitchFamily="49" charset="0"/>
+                <a:ea typeface="Fira Code" panose="020B0809050000020004" pitchFamily="49" charset="0"/>
+                <a:cs typeface="Fira Code" panose="020B0809050000020004" pitchFamily="49" charset="0"/>
+              </a:rPr>
+              <a:t>]</a:t>
+            </a:r>
+          </a:p>
+          <a:p>
+            <a:pPr lvl="1" indent="0">
+              <a:lnSpc>
+                <a:spcPct val="90000"/>
+              </a:lnSpc>
+            </a:pPr>
+            <a:r>
               <a:rPr lang="en-US" b="0" dirty="0">
                 <a:solidFill>
                   <a:srgbClr val="000000"/>
                 </a:solidFill>
               </a:rPr>
-              <a:t>] –within groups, duplicate a column with rows </a:t>
+              <a:t>within groups, duplicate a column with rows </a:t>
             </a:r>
             <a:r>
               <a:rPr lang="en-US" b="0" i="1" dirty="0">
@@ -33957,7 +34917,7 @@
         <p:spPr>
           <a:xfrm>
             <a:off x="10662617" y="2122337"/>
-            <a:ext cx="3053105" cy="1879489"/>
+            <a:ext cx="3053105" cy="2110834"/>
           </a:xfrm>
           <a:prstGeom prst="rect">
             <a:avLst/>
@@ -33967,7 +34927,7 @@
           </a:ln>
           <a:extLst>
             <a:ext uri="{C572A759-6A51-4108-AA02-DFA0A04FC94B}">
-              <ma14:wrappingTextBoxFlag xmlns:ma14="http://schemas.microsoft.com/office/mac/drawingml/2011/main" xmlns="" val="1"/>
+              <ma14:wrappingTextBoxFlag xmlns="" xmlns:ma14="http://schemas.microsoft.com/office/mac/drawingml/2011/main" val="1"/>
             </a:ext>
           </a:extLst>
         </p:spPr>
@@ -33983,180 +34943,136 @@
               </a:lnSpc>
             </a:pPr>
             <a:r>
-              <a:rPr lang="en-US" b="0" dirty="0">
+              <a:rPr lang="en-US" sz="1100" b="0" dirty="0">
                 <a:solidFill>
                   <a:srgbClr val="000000"/>
                 </a:solidFill>
+                <a:latin typeface="Fira Code" panose="020B0809050000020004" pitchFamily="49" charset="0"/>
+                <a:ea typeface="Fira Code" panose="020B0809050000020004" pitchFamily="49" charset="0"/>
+                <a:cs typeface="Fira Code" panose="020B0809050000020004" pitchFamily="49" charset="0"/>
               </a:rPr>
               <a:t>dt[, </a:t>
             </a:r>
             <a:r>
-              <a:rPr lang="en-US" dirty="0">
+              <a:rPr lang="en-US" sz="1100" dirty="0">
                 <a:solidFill>
                   <a:srgbClr val="0070C0"/>
                 </a:solidFill>
+                <a:latin typeface="Fira Code" panose="020B0809050000020004" pitchFamily="49" charset="0"/>
+                <a:ea typeface="Fira Code" panose="020B0809050000020004" pitchFamily="49" charset="0"/>
+                <a:cs typeface="Fira Code" panose="020B0809050000020004" pitchFamily="49" charset="0"/>
               </a:rPr>
               <a:t>lapply(.SD, mean)</a:t>
             </a:r>
             <a:r>
-              <a:rPr lang="en-US" dirty="0">
+              <a:rPr lang="en-US" sz="1100" dirty="0">
                 <a:solidFill>
                   <a:srgbClr val="000000"/>
                 </a:solidFill>
+                <a:latin typeface="Fira Code" panose="020B0809050000020004" pitchFamily="49" charset="0"/>
+                <a:ea typeface="Fira Code" panose="020B0809050000020004" pitchFamily="49" charset="0"/>
+                <a:cs typeface="Fira Code" panose="020B0809050000020004" pitchFamily="49" charset="0"/>
               </a:rPr>
               <a:t>, .SDcols = c(</a:t>
             </a:r>
             <a:r>
-              <a:rPr lang="en-US" b="0" dirty="0">
+              <a:rPr lang="en-US" sz="1100" b="0" dirty="0">
                 <a:solidFill>
                   <a:srgbClr val="000000"/>
                 </a:solidFill>
+                <a:latin typeface="Fira Code" panose="020B0809050000020004" pitchFamily="49" charset="0"/>
+                <a:ea typeface="Fira Code" panose="020B0809050000020004" pitchFamily="49" charset="0"/>
+                <a:cs typeface="Fira Code" panose="020B0809050000020004" pitchFamily="49" charset="0"/>
               </a:rPr>
               <a:t>"</a:t>
             </a:r>
             <a:r>
-              <a:rPr lang="en-US" dirty="0">
+              <a:rPr lang="en-US" sz="1100" dirty="0">
                 <a:solidFill>
                   <a:srgbClr val="000000"/>
                 </a:solidFill>
+                <a:latin typeface="Fira Code" panose="020B0809050000020004" pitchFamily="49" charset="0"/>
+                <a:ea typeface="Fira Code" panose="020B0809050000020004" pitchFamily="49" charset="0"/>
+                <a:cs typeface="Fira Code" panose="020B0809050000020004" pitchFamily="49" charset="0"/>
               </a:rPr>
               <a:t>a</a:t>
             </a:r>
             <a:r>
-              <a:rPr lang="en-US" b="0" dirty="0">
+              <a:rPr lang="en-US" sz="1100" b="0" dirty="0">
                 <a:solidFill>
                   <a:srgbClr val="000000"/>
                 </a:solidFill>
+                <a:latin typeface="Fira Code" panose="020B0809050000020004" pitchFamily="49" charset="0"/>
+                <a:ea typeface="Fira Code" panose="020B0809050000020004" pitchFamily="49" charset="0"/>
+                <a:cs typeface="Fira Code" panose="020B0809050000020004" pitchFamily="49" charset="0"/>
               </a:rPr>
               <a:t>"</a:t>
             </a:r>
             <a:r>
-              <a:rPr lang="en-US" dirty="0">
+              <a:rPr lang="en-US" sz="1100" dirty="0">
                 <a:solidFill>
                   <a:srgbClr val="000000"/>
                 </a:solidFill>
+                <a:latin typeface="Fira Code" panose="020B0809050000020004" pitchFamily="49" charset="0"/>
+                <a:ea typeface="Fira Code" panose="020B0809050000020004" pitchFamily="49" charset="0"/>
+                <a:cs typeface="Fira Code" panose="020B0809050000020004" pitchFamily="49" charset="0"/>
               </a:rPr>
               <a:t>, </a:t>
             </a:r>
             <a:r>
-              <a:rPr lang="en-US" b="0" dirty="0">
+              <a:rPr lang="en-US" sz="1100" b="0" dirty="0">
                 <a:solidFill>
                   <a:srgbClr val="000000"/>
                 </a:solidFill>
+                <a:latin typeface="Fira Code" panose="020B0809050000020004" pitchFamily="49" charset="0"/>
+                <a:ea typeface="Fira Code" panose="020B0809050000020004" pitchFamily="49" charset="0"/>
+                <a:cs typeface="Fira Code" panose="020B0809050000020004" pitchFamily="49" charset="0"/>
               </a:rPr>
               <a:t>"</a:t>
             </a:r>
             <a:r>
-              <a:rPr lang="en-US" dirty="0">
+              <a:rPr lang="en-US" sz="1100" dirty="0">
                 <a:solidFill>
                   <a:srgbClr val="000000"/>
                 </a:solidFill>
+                <a:latin typeface="Fira Code" panose="020B0809050000020004" pitchFamily="49" charset="0"/>
+                <a:ea typeface="Fira Code" panose="020B0809050000020004" pitchFamily="49" charset="0"/>
+                <a:cs typeface="Fira Code" panose="020B0809050000020004" pitchFamily="49" charset="0"/>
               </a:rPr>
               <a:t>b</a:t>
             </a:r>
             <a:r>
-              <a:rPr lang="en-US" b="0" dirty="0">
+              <a:rPr lang="en-US" sz="1100" b="0" dirty="0">
                 <a:solidFill>
                   <a:srgbClr val="000000"/>
                 </a:solidFill>
+                <a:latin typeface="Fira Code" panose="020B0809050000020004" pitchFamily="49" charset="0"/>
+                <a:ea typeface="Fira Code" panose="020B0809050000020004" pitchFamily="49" charset="0"/>
+                <a:cs typeface="Fira Code" panose="020B0809050000020004" pitchFamily="49" charset="0"/>
               </a:rPr>
               <a:t>"</a:t>
             </a:r>
             <a:r>
-              <a:rPr lang="en-US" dirty="0">
+              <a:rPr lang="en-US" sz="1100" dirty="0">
                 <a:solidFill>
                   <a:srgbClr val="000000"/>
                 </a:solidFill>
+                <a:latin typeface="Fira Code" panose="020B0809050000020004" pitchFamily="49" charset="0"/>
+                <a:ea typeface="Fira Code" panose="020B0809050000020004" pitchFamily="49" charset="0"/>
+                <a:cs typeface="Fira Code" panose="020B0809050000020004" pitchFamily="49" charset="0"/>
               </a:rPr>
               <a:t>)</a:t>
             </a:r>
             <a:r>
-              <a:rPr lang="en-US" b="0" dirty="0">
+              <a:rPr lang="en-US" sz="1100" b="0" dirty="0">
                 <a:solidFill>
                   <a:srgbClr val="000000"/>
                 </a:solidFill>
+                <a:latin typeface="Fira Code" panose="020B0809050000020004" pitchFamily="49" charset="0"/>
+                <a:ea typeface="Fira Code" panose="020B0809050000020004" pitchFamily="49" charset="0"/>
+                <a:cs typeface="Fira Code" panose="020B0809050000020004" pitchFamily="49" charset="0"/>
               </a:rPr>
-              <a:t>] – </a:t>
-            </a:r>
-            <a:r>
-              <a:rPr lang="en" b="0" dirty="0">
-                <a:solidFill>
-                  <a:srgbClr val="000000"/>
-                </a:solidFill>
-              </a:rPr>
-              <a:t>apply a function – e.g. mean(), </a:t>
-            </a:r>
-            <a:r>
-              <a:rPr lang="en" b="0" dirty="0" err="1">
-                <a:solidFill>
-                  <a:srgbClr val="000000"/>
-                </a:solidFill>
-              </a:rPr>
-              <a:t>as.character</a:t>
-            </a:r>
-            <a:r>
-              <a:rPr lang="en" b="0" dirty="0">
-                <a:solidFill>
-                  <a:srgbClr val="000000"/>
-                </a:solidFill>
-              </a:rPr>
-              <a:t>(), </a:t>
-            </a:r>
-            <a:r>
-              <a:rPr lang="en" b="0" dirty="0" err="1">
-                <a:solidFill>
-                  <a:srgbClr val="000000"/>
-                </a:solidFill>
-              </a:rPr>
-              <a:t>which.max</a:t>
-            </a:r>
-            <a:r>
-              <a:rPr lang="en" b="0" dirty="0">
-                <a:solidFill>
-                  <a:srgbClr val="000000"/>
-                </a:solidFill>
-              </a:rPr>
-              <a:t>() – to columns specified in .</a:t>
-            </a:r>
-            <a:r>
-              <a:rPr lang="en" b="0" dirty="0" err="1">
-                <a:solidFill>
-                  <a:srgbClr val="000000"/>
-                </a:solidFill>
-              </a:rPr>
-              <a:t>SDcols</a:t>
-            </a:r>
-            <a:r>
-              <a:rPr lang="en" b="0" dirty="0">
-                <a:solidFill>
-                  <a:srgbClr val="000000"/>
-                </a:solidFill>
-              </a:rPr>
-              <a:t> with </a:t>
-            </a:r>
-            <a:r>
-              <a:rPr lang="en" b="0" dirty="0" err="1">
-                <a:solidFill>
-                  <a:srgbClr val="000000"/>
-                </a:solidFill>
-              </a:rPr>
-              <a:t>lapply</a:t>
-            </a:r>
-            <a:r>
-              <a:rPr lang="en" b="0" dirty="0">
-                <a:solidFill>
-                  <a:srgbClr val="000000"/>
-                </a:solidFill>
-              </a:rPr>
-              <a:t>() and the .SD symbol. </a:t>
-            </a:r>
-            <a:r>
-              <a:rPr lang="en" b="0" dirty="0">
-                <a:solidFill>
-                  <a:srgbClr val="5B6167"/>
-                </a:solidFill>
-              </a:rPr>
-              <a:t>Also works with groups. </a:t>
+              <a:t>]</a:t>
             </a:r>
           </a:p>
           <a:p>
@@ -34165,7 +35081,94 @@
                 <a:spcPct val="90000"/>
               </a:lnSpc>
             </a:pPr>
-            <a:endParaRPr lang="en" b="0" dirty="0">
+            <a:r>
+              <a:rPr lang="en" b="0" dirty="0">
+                <a:solidFill>
+                  <a:srgbClr val="000000"/>
+                </a:solidFill>
+              </a:rPr>
+              <a:t>apply a function – e.g. mean(), </a:t>
+            </a:r>
+            <a:r>
+              <a:rPr lang="en" b="0" dirty="0" err="1">
+                <a:solidFill>
+                  <a:srgbClr val="000000"/>
+                </a:solidFill>
+              </a:rPr>
+              <a:t>as.character</a:t>
+            </a:r>
+            <a:r>
+              <a:rPr lang="en" b="0" dirty="0">
+                <a:solidFill>
+                  <a:srgbClr val="000000"/>
+                </a:solidFill>
+              </a:rPr>
+              <a:t>(), </a:t>
+            </a:r>
+            <a:r>
+              <a:rPr lang="en" b="0" dirty="0" err="1">
+                <a:solidFill>
+                  <a:srgbClr val="000000"/>
+                </a:solidFill>
+              </a:rPr>
+              <a:t>which.max</a:t>
+            </a:r>
+            <a:r>
+              <a:rPr lang="en" b="0" dirty="0">
+                <a:solidFill>
+                  <a:srgbClr val="000000"/>
+                </a:solidFill>
+              </a:rPr>
+              <a:t>() – to columns specified in .</a:t>
+            </a:r>
+            <a:r>
+              <a:rPr lang="en" b="0" dirty="0" err="1">
+                <a:solidFill>
+                  <a:srgbClr val="000000"/>
+                </a:solidFill>
+              </a:rPr>
+              <a:t>SDcols</a:t>
+            </a:r>
+            <a:r>
+              <a:rPr lang="en" b="0" dirty="0">
+                <a:solidFill>
+                  <a:srgbClr val="000000"/>
+                </a:solidFill>
+              </a:rPr>
+              <a:t> with </a:t>
+            </a:r>
+            <a:r>
+              <a:rPr lang="en" b="0" dirty="0" err="1">
+                <a:solidFill>
+                  <a:srgbClr val="000000"/>
+                </a:solidFill>
+              </a:rPr>
+              <a:t>lapply</a:t>
+            </a:r>
+            <a:r>
+              <a:rPr lang="en" b="0" dirty="0">
+                <a:solidFill>
+                  <a:srgbClr val="000000"/>
+                </a:solidFill>
+              </a:rPr>
+              <a:t>() and the .SD symbol. </a:t>
+            </a:r>
+            <a:r>
+              <a:rPr lang="en" b="0" dirty="0">
+                <a:solidFill>
+                  <a:srgbClr val="5B6167"/>
+                </a:solidFill>
+              </a:rPr>
+              <a:t>Also works with groups. </a:t>
+            </a:r>
+          </a:p>
+          <a:p>
+            <a:pPr lvl="1" indent="0">
+              <a:lnSpc>
+                <a:spcPct val="90000"/>
+              </a:lnSpc>
+            </a:pPr>
+            <a:endParaRPr lang="en" sz="600" b="0" dirty="0">
               <a:solidFill>
                 <a:srgbClr val="5B6167"/>
               </a:solidFill>
@@ -34178,51 +35181,84 @@
               </a:lnSpc>
             </a:pPr>
             <a:r>
-              <a:rPr lang="en-US" dirty="0">
+              <a:rPr lang="en-US" sz="1100" dirty="0">
                 <a:solidFill>
                   <a:srgbClr val="000000"/>
                 </a:solidFill>
+                <a:latin typeface="Fira Code" panose="020B0809050000020004" pitchFamily="49" charset="0"/>
+                <a:ea typeface="Fira Code" panose="020B0809050000020004" pitchFamily="49" charset="0"/>
+                <a:cs typeface="Fira Code" panose="020B0809050000020004" pitchFamily="49" charset="0"/>
               </a:rPr>
               <a:t>cols &lt;- c("a")</a:t>
             </a:r>
             <a:br>
-              <a:rPr lang="en-US" dirty="0">
+              <a:rPr lang="en-US" sz="1100" dirty="0">
                 <a:solidFill>
                   <a:srgbClr val="000000"/>
                 </a:solidFill>
+                <a:latin typeface="Fira Code" panose="020B0809050000020004" pitchFamily="49" charset="0"/>
+                <a:ea typeface="Fira Code" panose="020B0809050000020004" pitchFamily="49" charset="0"/>
+                <a:cs typeface="Fira Code" panose="020B0809050000020004" pitchFamily="49" charset="0"/>
               </a:rPr>
             </a:br>
             <a:r>
-              <a:rPr lang="en-US" b="0" dirty="0">
+              <a:rPr lang="en-US" sz="1100" b="0" dirty="0">
                 <a:solidFill>
                   <a:srgbClr val="000000"/>
                 </a:solidFill>
+                <a:latin typeface="Fira Code" panose="020B0809050000020004" pitchFamily="49" charset="0"/>
+                <a:ea typeface="Fira Code" panose="020B0809050000020004" pitchFamily="49" charset="0"/>
+                <a:cs typeface="Fira Code" panose="020B0809050000020004" pitchFamily="49" charset="0"/>
               </a:rPr>
               <a:t>dt[, </a:t>
             </a:r>
             <a:r>
-              <a:rPr lang="en-US" dirty="0">
+              <a:rPr lang="en-US" sz="1100" dirty="0">
                 <a:solidFill>
                   <a:srgbClr val="0070C0"/>
                 </a:solidFill>
+                <a:latin typeface="Fira Code" panose="020B0809050000020004" pitchFamily="49" charset="0"/>
+                <a:ea typeface="Fira Code" panose="020B0809050000020004" pitchFamily="49" charset="0"/>
+                <a:cs typeface="Fira Code" panose="020B0809050000020004" pitchFamily="49" charset="0"/>
               </a:rPr>
               <a:t>paste0(cols, "_m") := lapply(.SD, mean)</a:t>
             </a:r>
             <a:r>
-              <a:rPr lang="en-US" dirty="0">
+              <a:rPr lang="en-US" sz="1100" dirty="0">
                 <a:solidFill>
                   <a:srgbClr val="000000"/>
                 </a:solidFill>
+                <a:latin typeface="Fira Code" panose="020B0809050000020004" pitchFamily="49" charset="0"/>
+                <a:ea typeface="Fira Code" panose="020B0809050000020004" pitchFamily="49" charset="0"/>
+                <a:cs typeface="Fira Code" panose="020B0809050000020004" pitchFamily="49" charset="0"/>
               </a:rPr>
               <a:t>, .SDcols = cols</a:t>
             </a:r>
             <a:r>
+              <a:rPr lang="en-US" sz="1100" b="0" dirty="0">
+                <a:solidFill>
+                  <a:srgbClr val="000000"/>
+                </a:solidFill>
+                <a:latin typeface="Fira Code" panose="020B0809050000020004" pitchFamily="49" charset="0"/>
+                <a:ea typeface="Fira Code" panose="020B0809050000020004" pitchFamily="49" charset="0"/>
+                <a:cs typeface="Fira Code" panose="020B0809050000020004" pitchFamily="49" charset="0"/>
+              </a:rPr>
+              <a:t>]</a:t>
+            </a:r>
+          </a:p>
+          <a:p>
+            <a:pPr lvl="1" indent="0">
+              <a:lnSpc>
+                <a:spcPct val="90000"/>
+              </a:lnSpc>
+            </a:pPr>
+            <a:r>
               <a:rPr lang="en-US" b="0" dirty="0">
                 <a:solidFill>
                   <a:srgbClr val="000000"/>
                 </a:solidFill>
               </a:rPr>
-              <a:t>] – apply a function to specified columns and assign the result with suffixed variable names to the original data.</a:t>
+              <a:t>apply a function to specified columns and assign the result with suffixed variable names to the original data.</a:t>
             </a:r>
             <a:endParaRPr lang="en" b="0" dirty="0">
               <a:solidFill>
@@ -34925,13 +35961,13 @@
           <p:nvPr>
             <p:extLst>
               <p:ext uri="{D42A27DB-BD31-4B8C-83A1-F6EECF244321}">
-                <p14:modId xmlns:p14="http://schemas.microsoft.com/office/powerpoint/2010/main" val="4097219336"/>
+                <p14:modId xmlns:p14="http://schemas.microsoft.com/office/powerpoint/2010/main" val="1334928102"/>
               </p:ext>
             </p:extLst>
           </p:nvPr>
         </p:nvGraphicFramePr>
         <p:xfrm>
-          <a:off x="9876936" y="3201450"/>
+          <a:off x="9876936" y="3258600"/>
           <a:ext cx="579600" cy="609600"/>
         </p:xfrm>
         <a:graphic>
@@ -35372,7 +36408,7 @@
         </p:nvSpPr>
         <p:spPr>
           <a:xfrm>
-            <a:off x="9693482" y="3354145"/>
+            <a:off x="9693482" y="3411295"/>
             <a:ext cx="136800" cy="0"/>
           </a:xfrm>
           <a:prstGeom prst="line">
@@ -35431,13 +36467,13 @@
           <p:nvPr>
             <p:extLst>
               <p:ext uri="{D42A27DB-BD31-4B8C-83A1-F6EECF244321}">
-                <p14:modId xmlns:p14="http://schemas.microsoft.com/office/powerpoint/2010/main" val="171183712"/>
+                <p14:modId xmlns:p14="http://schemas.microsoft.com/office/powerpoint/2010/main" val="3197033763"/>
               </p:ext>
             </p:extLst>
           </p:nvPr>
         </p:nvGraphicFramePr>
         <p:xfrm>
-          <a:off x="9352880" y="3201451"/>
+          <a:off x="9352880" y="3258601"/>
           <a:ext cx="302400" cy="609600"/>
         </p:xfrm>
         <a:graphic>
@@ -35726,7 +36762,7 @@
         </p:nvSpPr>
         <p:spPr>
           <a:xfrm>
-            <a:off x="4749384" y="9044895"/>
+            <a:off x="4749384" y="9098235"/>
             <a:ext cx="4355544" cy="1203362"/>
           </a:xfrm>
           <a:prstGeom prst="rect">
@@ -35892,6 +36928,260 @@
               </a:defRPr>
             </a:pPr>
             <a:endParaRPr dirty="0"/>
+          </a:p>
+        </p:txBody>
+      </p:sp>
+      <p:sp>
+        <p:nvSpPr>
+          <p:cNvPr id="6" name="RStudio® is a trademark of RStudio, Inc.  •  CC BY SA Your Name •  your@email.com  •  844-448-1212 • your.website.com •  Learn more at webpage or vignette   •  package version  0.5.0 •  Updated: 2017-01">
+            <a:extLst>
+              <a:ext uri="{FF2B5EF4-FFF2-40B4-BE49-F238E27FC236}">
+                <a16:creationId xmlns:a16="http://schemas.microsoft.com/office/drawing/2014/main" id="{CC9DBC05-97C8-91C4-0C24-2E183C89CA5F}"/>
+              </a:ext>
+            </a:extLst>
+          </p:cNvPr>
+          <p:cNvSpPr txBox="1"/>
+          <p:nvPr/>
+        </p:nvSpPr>
+        <p:spPr>
+          <a:xfrm>
+            <a:off x="2353572" y="10347903"/>
+            <a:ext cx="11322666" cy="234855"/>
+          </a:xfrm>
+          <a:prstGeom prst="rect">
+            <a:avLst/>
+          </a:prstGeom>
+          <a:ln w="12700">
+            <a:miter lim="400000"/>
+          </a:ln>
+          <a:extLst>
+            <a:ext uri="{C572A759-6A51-4108-AA02-DFA0A04FC94B}">
+              <ma14:wrappingTextBoxFlag xmlns="" xmlns:ma14="http://schemas.microsoft.com/office/mac/drawingml/2011/main" val="1"/>
+            </a:ext>
+          </a:extLst>
+        </p:spPr>
+        <p:txBody>
+          <a:bodyPr lIns="54570" tIns="54570" rIns="54570" bIns="54570" anchor="ctr">
+            <a:spAutoFit/>
+          </a:bodyPr>
+          <a:lstStyle/>
+          <a:p>
+            <a:pPr algn="r">
+              <a:lnSpc>
+                <a:spcPct val="90000"/>
+              </a:lnSpc>
+              <a:spcBef>
+                <a:spcPts val="0"/>
+              </a:spcBef>
+              <a:defRPr sz="900" b="0">
+                <a:solidFill>
+                  <a:srgbClr val="000000"/>
+                </a:solidFill>
+              </a:defRPr>
+            </a:pPr>
+            <a:r>
+              <a:rPr lang="en-US" dirty="0">
+                <a:solidFill>
+                  <a:srgbClr val="5B6167"/>
+                </a:solidFill>
+              </a:rPr>
+              <a:t>Created by Erik Petrovsky and Mara Destefanis – </a:t>
+            </a:r>
+            <a:r>
+              <a:rPr lang="en-US" dirty="0" err="1">
+                <a:solidFill>
+                  <a:srgbClr val="5B6167"/>
+                </a:solidFill>
+              </a:rPr>
+              <a:t>maragdestefanis@gmail.com</a:t>
+            </a:r>
+            <a:r>
+              <a:rPr lang="en-US" dirty="0">
+                <a:solidFill>
+                  <a:srgbClr val="757878"/>
+                </a:solidFill>
+              </a:rPr>
+              <a:t> </a:t>
+            </a:r>
+            <a:r>
+              <a:rPr dirty="0">
+                <a:solidFill>
+                  <a:srgbClr val="5B6167"/>
+                </a:solidFill>
+              </a:rPr>
+              <a:t>•</a:t>
+            </a:r>
+            <a:r>
+              <a:rPr lang="en-US" dirty="0">
+                <a:solidFill>
+                  <a:srgbClr val="5B6167"/>
+                </a:solidFill>
+              </a:rPr>
+              <a:t> Edited by Tyson Barrett •</a:t>
+            </a:r>
+            <a:r>
+              <a:rPr dirty="0">
+                <a:solidFill>
+                  <a:srgbClr val="5B6167"/>
+                </a:solidFill>
+              </a:rPr>
+              <a:t> Learn more</a:t>
+            </a:r>
+            <a:r>
+              <a:rPr lang="da-DK" dirty="0">
+                <a:solidFill>
+                  <a:srgbClr val="5B6167"/>
+                </a:solidFill>
+              </a:rPr>
+              <a:t> with the data.table</a:t>
+            </a:r>
+            <a:r>
+              <a:rPr dirty="0">
+                <a:solidFill>
+                  <a:srgbClr val="5B6167"/>
+                </a:solidFill>
+              </a:rPr>
+              <a:t> </a:t>
+            </a:r>
+            <a:r>
+              <a:rPr lang="da-DK" dirty="0">
+                <a:solidFill>
+                  <a:srgbClr val="5B6167"/>
+                </a:solidFill>
+                <a:hlinkClick r:id="rId6">
+                  <a:extLst>
+                    <a:ext uri="{A12FA001-AC4F-418D-AE19-62706E023703}">
+                      <ahyp:hlinkClr xmlns:ahyp="http://schemas.microsoft.com/office/drawing/2018/hyperlinkcolor" val="tx"/>
+                    </a:ext>
+                  </a:extLst>
+                </a:hlinkClick>
+              </a:rPr>
+              <a:t>homepage</a:t>
+            </a:r>
+            <a:r>
+              <a:rPr lang="da-DK" dirty="0">
+                <a:solidFill>
+                  <a:srgbClr val="5B6167"/>
+                </a:solidFill>
+              </a:rPr>
+              <a:t> </a:t>
+            </a:r>
+            <a:r>
+              <a:rPr dirty="0">
+                <a:solidFill>
+                  <a:srgbClr val="5B6167"/>
+                </a:solidFill>
+              </a:rPr>
+              <a:t>or</a:t>
+            </a:r>
+            <a:r>
+              <a:rPr lang="da-DK" dirty="0">
+                <a:solidFill>
+                  <a:srgbClr val="5B6167"/>
+                </a:solidFill>
+              </a:rPr>
+              <a:t> </a:t>
+            </a:r>
+            <a:r>
+              <a:rPr dirty="0">
+                <a:solidFill>
+                  <a:srgbClr val="5B6167"/>
+                </a:solidFill>
+                <a:hlinkClick r:id="rId7">
+                  <a:extLst>
+                    <a:ext uri="{A12FA001-AC4F-418D-AE19-62706E023703}">
+                      <ahyp:hlinkClr xmlns:ahyp="http://schemas.microsoft.com/office/drawing/2018/hyperlinkcolor" val="tx"/>
+                    </a:ext>
+                  </a:extLst>
+                </a:hlinkClick>
+              </a:rPr>
+              <a:t>vignette</a:t>
+            </a:r>
+            <a:r>
+              <a:rPr dirty="0">
+                <a:solidFill>
+                  <a:srgbClr val="5B6167"/>
+                </a:solidFill>
+              </a:rPr>
+              <a:t> • </a:t>
+            </a:r>
+            <a:r>
+              <a:rPr lang="da-DK" dirty="0" err="1">
+                <a:solidFill>
+                  <a:srgbClr val="5B6167"/>
+                </a:solidFill>
+              </a:rPr>
+              <a:t>data.table</a:t>
+            </a:r>
+            <a:r>
+              <a:rPr dirty="0">
+                <a:solidFill>
+                  <a:srgbClr val="5B6167"/>
+                </a:solidFill>
+              </a:rPr>
+              <a:t> version </a:t>
+            </a:r>
+            <a:r>
+              <a:rPr lang="da-DK" dirty="0">
+                <a:solidFill>
+                  <a:srgbClr val="5B6167"/>
+                </a:solidFill>
+              </a:rPr>
+              <a:t>1</a:t>
+            </a:r>
+            <a:r>
+              <a:rPr dirty="0">
+                <a:solidFill>
+                  <a:srgbClr val="5B6167"/>
+                </a:solidFill>
+              </a:rPr>
+              <a:t>.</a:t>
+            </a:r>
+            <a:r>
+              <a:rPr lang="da-DK" dirty="0">
+                <a:solidFill>
+                  <a:srgbClr val="5B6167"/>
+                </a:solidFill>
+              </a:rPr>
+              <a:t>17.8</a:t>
+            </a:r>
+            <a:r>
+              <a:rPr dirty="0">
+                <a:solidFill>
+                  <a:srgbClr val="5B6167"/>
+                </a:solidFill>
+              </a:rPr>
+              <a:t> • Updated: 20</a:t>
+            </a:r>
+            <a:r>
+              <a:rPr lang="es-ES" dirty="0">
+                <a:solidFill>
+                  <a:srgbClr val="5B6167"/>
+                </a:solidFill>
+              </a:rPr>
+              <a:t>25</a:t>
+            </a:r>
+            <a:r>
+              <a:rPr dirty="0">
+                <a:solidFill>
+                  <a:srgbClr val="5B6167"/>
+                </a:solidFill>
+              </a:rPr>
+              <a:t>-</a:t>
+            </a:r>
+            <a:r>
+              <a:rPr lang="da-DK" dirty="0">
+                <a:solidFill>
+                  <a:srgbClr val="5B6167"/>
+                </a:solidFill>
+              </a:rPr>
+              <a:t>07</a:t>
+            </a:r>
+            <a:endParaRPr dirty="0">
+              <a:solidFill>
+                <a:srgbClr val="5B6167"/>
+              </a:solidFill>
+            </a:endParaRPr>
           </a:p>
         </p:txBody>
       </p:sp>
